--- a/images/posts/2025-05-20-blog-post/新建 Microsoft PowerPoint 演示文稿.pptx
+++ b/images/posts/2025-05-20-blog-post/新建 Microsoft PowerPoint 演示文稿.pptx
@@ -5,10 +5,11 @@
     <p:sldMasterId id="2147483684" r:id="rId1"/>
   </p:sldMasterIdLst>
   <p:notesMasterIdLst>
-    <p:notesMasterId r:id="rId3"/>
+    <p:notesMasterId r:id="rId4"/>
   </p:notesMasterIdLst>
   <p:sldIdLst>
     <p:sldId id="300" r:id="rId2"/>
+    <p:sldId id="301" r:id="rId3"/>
   </p:sldIdLst>
   <p:sldSz cx="21599525" cy="8999538"/>
   <p:notesSz cx="6858000" cy="9144000"/>
@@ -197,7 +198,7 @@
           <a:p>
             <a:fld id="{06A7EE91-92E7-4CCB-9ABC-2651A01142F8}" type="datetimeFigureOut">
               <a:rPr lang="zh-CN" altLang="en-US" smtClean="0"/>
-              <a:t>2025/10/7</a:t>
+              <a:t>2025/10/19</a:t>
             </a:fld>
             <a:endParaRPr lang="zh-CN" altLang="en-US"/>
           </a:p>
@@ -595,7 +596,7 @@
           <a:p>
             <a:fld id="{47A39752-AE50-4AEA-9C8D-075E0077A86E}" type="datetimeFigureOut">
               <a:rPr lang="zh-CN" altLang="en-US" smtClean="0"/>
-              <a:t>2025/10/7</a:t>
+              <a:t>2025/10/19</a:t>
             </a:fld>
             <a:endParaRPr lang="zh-CN" altLang="en-US"/>
           </a:p>
@@ -765,7 +766,7 @@
           <a:p>
             <a:fld id="{47A39752-AE50-4AEA-9C8D-075E0077A86E}" type="datetimeFigureOut">
               <a:rPr lang="zh-CN" altLang="en-US" smtClean="0"/>
-              <a:t>2025/10/7</a:t>
+              <a:t>2025/10/19</a:t>
             </a:fld>
             <a:endParaRPr lang="zh-CN" altLang="en-US"/>
           </a:p>
@@ -945,7 +946,7 @@
           <a:p>
             <a:fld id="{47A39752-AE50-4AEA-9C8D-075E0077A86E}" type="datetimeFigureOut">
               <a:rPr lang="zh-CN" altLang="en-US" smtClean="0"/>
-              <a:t>2025/10/7</a:t>
+              <a:t>2025/10/19</a:t>
             </a:fld>
             <a:endParaRPr lang="zh-CN" altLang="en-US"/>
           </a:p>
@@ -1115,7 +1116,7 @@
           <a:p>
             <a:fld id="{47A39752-AE50-4AEA-9C8D-075E0077A86E}" type="datetimeFigureOut">
               <a:rPr lang="zh-CN" altLang="en-US" smtClean="0"/>
-              <a:t>2025/10/7</a:t>
+              <a:t>2025/10/19</a:t>
             </a:fld>
             <a:endParaRPr lang="zh-CN" altLang="en-US"/>
           </a:p>
@@ -1361,7 +1362,7 @@
           <a:p>
             <a:fld id="{47A39752-AE50-4AEA-9C8D-075E0077A86E}" type="datetimeFigureOut">
               <a:rPr lang="zh-CN" altLang="en-US" smtClean="0"/>
-              <a:t>2025/10/7</a:t>
+              <a:t>2025/10/19</a:t>
             </a:fld>
             <a:endParaRPr lang="zh-CN" altLang="en-US"/>
           </a:p>
@@ -1593,7 +1594,7 @@
           <a:p>
             <a:fld id="{47A39752-AE50-4AEA-9C8D-075E0077A86E}" type="datetimeFigureOut">
               <a:rPr lang="zh-CN" altLang="en-US" smtClean="0"/>
-              <a:t>2025/10/7</a:t>
+              <a:t>2025/10/19</a:t>
             </a:fld>
             <a:endParaRPr lang="zh-CN" altLang="en-US"/>
           </a:p>
@@ -1960,7 +1961,7 @@
           <a:p>
             <a:fld id="{47A39752-AE50-4AEA-9C8D-075E0077A86E}" type="datetimeFigureOut">
               <a:rPr lang="zh-CN" altLang="en-US" smtClean="0"/>
-              <a:t>2025/10/7</a:t>
+              <a:t>2025/10/19</a:t>
             </a:fld>
             <a:endParaRPr lang="zh-CN" altLang="en-US"/>
           </a:p>
@@ -2078,7 +2079,7 @@
           <a:p>
             <a:fld id="{47A39752-AE50-4AEA-9C8D-075E0077A86E}" type="datetimeFigureOut">
               <a:rPr lang="zh-CN" altLang="en-US" smtClean="0"/>
-              <a:t>2025/10/7</a:t>
+              <a:t>2025/10/19</a:t>
             </a:fld>
             <a:endParaRPr lang="zh-CN" altLang="en-US"/>
           </a:p>
@@ -2173,7 +2174,7 @@
           <a:p>
             <a:fld id="{47A39752-AE50-4AEA-9C8D-075E0077A86E}" type="datetimeFigureOut">
               <a:rPr lang="zh-CN" altLang="en-US" smtClean="0"/>
-              <a:t>2025/10/7</a:t>
+              <a:t>2025/10/19</a:t>
             </a:fld>
             <a:endParaRPr lang="zh-CN" altLang="en-US"/>
           </a:p>
@@ -2450,7 +2451,7 @@
           <a:p>
             <a:fld id="{47A39752-AE50-4AEA-9C8D-075E0077A86E}" type="datetimeFigureOut">
               <a:rPr lang="zh-CN" altLang="en-US" smtClean="0"/>
-              <a:t>2025/10/7</a:t>
+              <a:t>2025/10/19</a:t>
             </a:fld>
             <a:endParaRPr lang="zh-CN" altLang="en-US"/>
           </a:p>
@@ -2707,7 +2708,7 @@
           <a:p>
             <a:fld id="{47A39752-AE50-4AEA-9C8D-075E0077A86E}" type="datetimeFigureOut">
               <a:rPr lang="zh-CN" altLang="en-US" smtClean="0"/>
-              <a:t>2025/10/7</a:t>
+              <a:t>2025/10/19</a:t>
             </a:fld>
             <a:endParaRPr lang="zh-CN" altLang="en-US"/>
           </a:p>
@@ -2920,7 +2921,7 @@
           <a:p>
             <a:fld id="{47A39752-AE50-4AEA-9C8D-075E0077A86E}" type="datetimeFigureOut">
               <a:rPr lang="zh-CN" altLang="en-US" smtClean="0"/>
-              <a:t>2025/10/7</a:t>
+              <a:t>2025/10/19</a:t>
             </a:fld>
             <a:endParaRPr lang="zh-CN" altLang="en-US"/>
           </a:p>
@@ -5478,8 +5479,8 @@
           </a:p>
         </p:txBody>
       </p:sp>
-      <mc:AlternateContent xmlns:mc="http://schemas.openxmlformats.org/markup-compatibility/2006">
-        <mc:Choice xmlns:a14="http://schemas.microsoft.com/office/drawing/2010/main" Requires="a14">
+      <mc:AlternateContent xmlns:mc="http://schemas.openxmlformats.org/markup-compatibility/2006" xmlns:a14="http://schemas.microsoft.com/office/drawing/2010/main">
+        <mc:Choice Requires="a14">
           <p:sp>
             <p:nvSpPr>
               <p:cNvPr id="144" name="文本框 143">
@@ -5508,6 +5509,7 @@
               </a:bodyPr>
               <a:lstStyle/>
               <a:p>
+                <a:pPr/>
                 <a14:m>
                   <m:oMathPara xmlns:m="http://schemas.openxmlformats.org/officeDocument/2006/math">
                     <m:oMathParaPr>
@@ -5564,7 +5566,7 @@
             </p:txBody>
           </p:sp>
         </mc:Choice>
-        <mc:Fallback>
+        <mc:Fallback xmlns="">
           <p:sp>
             <p:nvSpPr>
               <p:cNvPr id="144" name="文本框 143">
@@ -5609,8 +5611,8 @@
           </p:sp>
         </mc:Fallback>
       </mc:AlternateContent>
-      <mc:AlternateContent xmlns:mc="http://schemas.openxmlformats.org/markup-compatibility/2006">
-        <mc:Choice xmlns:a14="http://schemas.microsoft.com/office/drawing/2010/main" Requires="a14">
+      <mc:AlternateContent xmlns:mc="http://schemas.openxmlformats.org/markup-compatibility/2006" xmlns:a14="http://schemas.microsoft.com/office/drawing/2010/main">
+        <mc:Choice Requires="a14">
           <p:sp>
             <p:nvSpPr>
               <p:cNvPr id="145" name="文本框 144">
@@ -5639,6 +5641,7 @@
               </a:bodyPr>
               <a:lstStyle/>
               <a:p>
+                <a:pPr/>
                 <a14:m>
                   <m:oMathPara xmlns:m="http://schemas.openxmlformats.org/officeDocument/2006/math">
                     <m:oMathParaPr>
@@ -5714,7 +5717,7 @@
             </p:txBody>
           </p:sp>
         </mc:Choice>
-        <mc:Fallback>
+        <mc:Fallback xmlns="">
           <p:sp>
             <p:nvSpPr>
               <p:cNvPr id="145" name="文本框 144">
@@ -5944,8 +5947,8 @@
           </a:p>
         </p:txBody>
       </p:sp>
-      <mc:AlternateContent xmlns:mc="http://schemas.openxmlformats.org/markup-compatibility/2006">
-        <mc:Choice xmlns:a14="http://schemas.microsoft.com/office/drawing/2010/main" Requires="a14">
+      <mc:AlternateContent xmlns:mc="http://schemas.openxmlformats.org/markup-compatibility/2006" xmlns:a14="http://schemas.microsoft.com/office/drawing/2010/main">
+        <mc:Choice Requires="a14">
           <p:sp>
             <p:nvSpPr>
               <p:cNvPr id="154" name="文本框 153">
@@ -5974,6 +5977,7 @@
               </a:bodyPr>
               <a:lstStyle/>
               <a:p>
+                <a:pPr/>
                 <a14:m>
                   <m:oMathPara xmlns:m="http://schemas.openxmlformats.org/officeDocument/2006/math">
                     <m:oMathParaPr>
@@ -6116,7 +6120,7 @@
             </p:txBody>
           </p:sp>
         </mc:Choice>
-        <mc:Fallback>
+        <mc:Fallback xmlns="">
           <p:sp>
             <p:nvSpPr>
               <p:cNvPr id="154" name="文本框 153">
@@ -6274,8 +6278,8 @@
           </a:fontRef>
         </p:style>
       </p:cxnSp>
-      <mc:AlternateContent xmlns:mc="http://schemas.openxmlformats.org/markup-compatibility/2006">
-        <mc:Choice xmlns:a14="http://schemas.microsoft.com/office/drawing/2010/main" Requires="a14">
+      <mc:AlternateContent xmlns:mc="http://schemas.openxmlformats.org/markup-compatibility/2006" xmlns:a14="http://schemas.microsoft.com/office/drawing/2010/main">
+        <mc:Choice Requires="a14">
           <p:sp>
             <p:nvSpPr>
               <p:cNvPr id="161" name="文本框 160">
@@ -6325,7 +6329,7 @@
             </p:txBody>
           </p:sp>
         </mc:Choice>
-        <mc:Fallback>
+        <mc:Fallback xmlns="">
           <p:sp>
             <p:nvSpPr>
               <p:cNvPr id="161" name="文本框 160">
@@ -6471,6 +6475,192 @@
     <p:extLst>
       <p:ext uri="{BB962C8B-B14F-4D97-AF65-F5344CB8AC3E}">
         <p14:creationId xmlns:p14="http://schemas.microsoft.com/office/powerpoint/2010/main" val="3900689523"/>
+      </p:ext>
+    </p:extLst>
+  </p:cSld>
+  <p:clrMapOvr>
+    <a:masterClrMapping/>
+  </p:clrMapOvr>
+</p:sld>
+</file>
+
+<file path=ppt/slides/slide2.xml><?xml version="1.0" encoding="utf-8"?>
+<p:sld xmlns:a="http://schemas.openxmlformats.org/drawingml/2006/main" xmlns:r="http://schemas.openxmlformats.org/officeDocument/2006/relationships" xmlns:p="http://schemas.openxmlformats.org/presentationml/2006/main">
+  <p:cSld>
+    <p:spTree>
+      <p:nvGrpSpPr>
+        <p:cNvPr id="1" name=""/>
+        <p:cNvGrpSpPr/>
+        <p:nvPr/>
+      </p:nvGrpSpPr>
+      <p:grpSpPr>
+        <a:xfrm>
+          <a:off x="0" y="0"/>
+          <a:ext cx="0" cy="0"/>
+          <a:chOff x="0" y="0"/>
+          <a:chExt cx="0" cy="0"/>
+        </a:xfrm>
+      </p:grpSpPr>
+      <p:pic>
+        <p:nvPicPr>
+          <p:cNvPr id="5" name="图片 4" descr="图表, 表面图&#10;&#10;AI 生成的内容可能不正确。">
+            <a:extLst>
+              <a:ext uri="{FF2B5EF4-FFF2-40B4-BE49-F238E27FC236}">
+                <a16:creationId xmlns:a16="http://schemas.microsoft.com/office/drawing/2014/main" id="{6C4F3183-491B-BF96-2B4B-484517DF237D}"/>
+              </a:ext>
+            </a:extLst>
+          </p:cNvPr>
+          <p:cNvPicPr>
+            <a:picLocks noChangeAspect="1"/>
+          </p:cNvPicPr>
+          <p:nvPr/>
+        </p:nvPicPr>
+        <p:blipFill>
+          <a:blip r:embed="rId2">
+            <a:extLst>
+              <a:ext uri="{28A0092B-C50C-407E-A947-70E740481C1C}">
+                <a14:useLocalDpi xmlns:a14="http://schemas.microsoft.com/office/drawing/2010/main" val="0"/>
+              </a:ext>
+            </a:extLst>
+          </a:blip>
+          <a:stretch>
+            <a:fillRect/>
+          </a:stretch>
+        </p:blipFill>
+        <p:spPr>
+          <a:xfrm>
+            <a:off x="13132021" y="290091"/>
+            <a:ext cx="6921405" cy="7109886"/>
+          </a:xfrm>
+          <a:prstGeom prst="rect">
+            <a:avLst/>
+          </a:prstGeom>
+        </p:spPr>
+      </p:pic>
+      <p:pic>
+        <p:nvPicPr>
+          <p:cNvPr id="7" name="图片 6" descr="图表&#10;&#10;AI 生成的内容可能不正确。">
+            <a:extLst>
+              <a:ext uri="{FF2B5EF4-FFF2-40B4-BE49-F238E27FC236}">
+                <a16:creationId xmlns:a16="http://schemas.microsoft.com/office/drawing/2014/main" id="{E8445CF9-957A-F7A8-DAC1-EAA769627DE3}"/>
+              </a:ext>
+            </a:extLst>
+          </p:cNvPr>
+          <p:cNvPicPr>
+            <a:picLocks noChangeAspect="1"/>
+          </p:cNvPicPr>
+          <p:nvPr/>
+        </p:nvPicPr>
+        <p:blipFill>
+          <a:blip r:embed="rId3">
+            <a:extLst>
+              <a:ext uri="{28A0092B-C50C-407E-A947-70E740481C1C}">
+                <a14:useLocalDpi xmlns:a14="http://schemas.microsoft.com/office/drawing/2010/main" val="0"/>
+              </a:ext>
+            </a:extLst>
+          </a:blip>
+          <a:stretch>
+            <a:fillRect/>
+          </a:stretch>
+        </p:blipFill>
+        <p:spPr>
+          <a:xfrm>
+            <a:off x="1176951" y="290091"/>
+            <a:ext cx="8461054" cy="7109886"/>
+          </a:xfrm>
+          <a:prstGeom prst="rect">
+            <a:avLst/>
+          </a:prstGeom>
+        </p:spPr>
+      </p:pic>
+      <p:sp>
+        <p:nvSpPr>
+          <p:cNvPr id="8" name="文本框 7">
+            <a:extLst>
+              <a:ext uri="{FF2B5EF4-FFF2-40B4-BE49-F238E27FC236}">
+                <a16:creationId xmlns:a16="http://schemas.microsoft.com/office/drawing/2014/main" id="{3F88B4DC-2F93-7B2D-A98F-7CFD82AC88E2}"/>
+              </a:ext>
+            </a:extLst>
+          </p:cNvPr>
+          <p:cNvSpPr txBox="1"/>
+          <p:nvPr/>
+        </p:nvSpPr>
+        <p:spPr>
+          <a:xfrm>
+            <a:off x="3594226" y="7704499"/>
+            <a:ext cx="3048527" cy="461665"/>
+          </a:xfrm>
+          <a:prstGeom prst="rect">
+            <a:avLst/>
+          </a:prstGeom>
+          <a:noFill/>
+        </p:spPr>
+        <p:txBody>
+          <a:bodyPr wrap="none" rtlCol="0">
+            <a:spAutoFit/>
+          </a:bodyPr>
+          <a:lstStyle/>
+          <a:p>
+            <a:r>
+              <a:rPr lang="en-US" altLang="zh-CN" sz="2400" dirty="0">
+                <a:latin typeface="微软雅黑" panose="020B0503020204020204" pitchFamily="34" charset="-122"/>
+                <a:ea typeface="微软雅黑" panose="020B0503020204020204" pitchFamily="34" charset="-122"/>
+              </a:rPr>
+              <a:t>Probability Density </a:t>
+            </a:r>
+            <a:endParaRPr lang="zh-CN" altLang="en-US" sz="2400" dirty="0">
+              <a:latin typeface="微软雅黑" panose="020B0503020204020204" pitchFamily="34" charset="-122"/>
+              <a:ea typeface="微软雅黑" panose="020B0503020204020204" pitchFamily="34" charset="-122"/>
+            </a:endParaRPr>
+          </a:p>
+        </p:txBody>
+      </p:sp>
+      <p:sp>
+        <p:nvSpPr>
+          <p:cNvPr id="9" name="文本框 8">
+            <a:extLst>
+              <a:ext uri="{FF2B5EF4-FFF2-40B4-BE49-F238E27FC236}">
+                <a16:creationId xmlns:a16="http://schemas.microsoft.com/office/drawing/2014/main" id="{B7347DF9-DE03-9B75-13B3-B394E6FC6E2E}"/>
+              </a:ext>
+            </a:extLst>
+          </p:cNvPr>
+          <p:cNvSpPr txBox="1"/>
+          <p:nvPr/>
+        </p:nvSpPr>
+        <p:spPr>
+          <a:xfrm>
+            <a:off x="16041232" y="7704499"/>
+            <a:ext cx="2368405" cy="461665"/>
+          </a:xfrm>
+          <a:prstGeom prst="rect">
+            <a:avLst/>
+          </a:prstGeom>
+          <a:noFill/>
+        </p:spPr>
+        <p:txBody>
+          <a:bodyPr wrap="none" rtlCol="0">
+            <a:spAutoFit/>
+          </a:bodyPr>
+          <a:lstStyle/>
+          <a:p>
+            <a:r>
+              <a:rPr lang="en-US" altLang="zh-CN" sz="2400" dirty="0">
+                <a:latin typeface="微软雅黑" panose="020B0503020204020204" pitchFamily="34" charset="-122"/>
+                <a:ea typeface="微软雅黑" panose="020B0503020204020204" pitchFamily="34" charset="-122"/>
+              </a:rPr>
+              <a:t>Score Function</a:t>
+            </a:r>
+            <a:endParaRPr lang="zh-CN" altLang="en-US" sz="2400" dirty="0">
+              <a:latin typeface="微软雅黑" panose="020B0503020204020204" pitchFamily="34" charset="-122"/>
+              <a:ea typeface="微软雅黑" panose="020B0503020204020204" pitchFamily="34" charset="-122"/>
+            </a:endParaRPr>
+          </a:p>
+        </p:txBody>
+      </p:sp>
+    </p:spTree>
+    <p:extLst>
+      <p:ext uri="{BB962C8B-B14F-4D97-AF65-F5344CB8AC3E}">
+        <p14:creationId xmlns:p14="http://schemas.microsoft.com/office/powerpoint/2010/main" val="1710102893"/>
       </p:ext>
     </p:extLst>
   </p:cSld>

--- a/images/posts/2025-05-20-blog-post/新建 Microsoft PowerPoint 演示文稿.pptx
+++ b/images/posts/2025-05-20-blog-post/新建 Microsoft PowerPoint 演示文稿.pptx
@@ -5,11 +5,12 @@
     <p:sldMasterId id="2147483684" r:id="rId1"/>
   </p:sldMasterIdLst>
   <p:notesMasterIdLst>
-    <p:notesMasterId r:id="rId4"/>
+    <p:notesMasterId r:id="rId5"/>
   </p:notesMasterIdLst>
   <p:sldIdLst>
     <p:sldId id="300" r:id="rId2"/>
     <p:sldId id="301" r:id="rId3"/>
+    <p:sldId id="302" r:id="rId4"/>
   </p:sldIdLst>
   <p:sldSz cx="21599525" cy="8999538"/>
   <p:notesSz cx="6858000" cy="9144000"/>
@@ -198,7 +199,7 @@
           <a:p>
             <a:fld id="{06A7EE91-92E7-4CCB-9ABC-2651A01142F8}" type="datetimeFigureOut">
               <a:rPr lang="zh-CN" altLang="en-US" smtClean="0"/>
-              <a:t>2025/10/19</a:t>
+              <a:t>2025/10/21</a:t>
             </a:fld>
             <a:endParaRPr lang="zh-CN" altLang="en-US"/>
           </a:p>
@@ -596,7 +597,7 @@
           <a:p>
             <a:fld id="{47A39752-AE50-4AEA-9C8D-075E0077A86E}" type="datetimeFigureOut">
               <a:rPr lang="zh-CN" altLang="en-US" smtClean="0"/>
-              <a:t>2025/10/19</a:t>
+              <a:t>2025/10/21</a:t>
             </a:fld>
             <a:endParaRPr lang="zh-CN" altLang="en-US"/>
           </a:p>
@@ -766,7 +767,7 @@
           <a:p>
             <a:fld id="{47A39752-AE50-4AEA-9C8D-075E0077A86E}" type="datetimeFigureOut">
               <a:rPr lang="zh-CN" altLang="en-US" smtClean="0"/>
-              <a:t>2025/10/19</a:t>
+              <a:t>2025/10/21</a:t>
             </a:fld>
             <a:endParaRPr lang="zh-CN" altLang="en-US"/>
           </a:p>
@@ -946,7 +947,7 @@
           <a:p>
             <a:fld id="{47A39752-AE50-4AEA-9C8D-075E0077A86E}" type="datetimeFigureOut">
               <a:rPr lang="zh-CN" altLang="en-US" smtClean="0"/>
-              <a:t>2025/10/19</a:t>
+              <a:t>2025/10/21</a:t>
             </a:fld>
             <a:endParaRPr lang="zh-CN" altLang="en-US"/>
           </a:p>
@@ -1116,7 +1117,7 @@
           <a:p>
             <a:fld id="{47A39752-AE50-4AEA-9C8D-075E0077A86E}" type="datetimeFigureOut">
               <a:rPr lang="zh-CN" altLang="en-US" smtClean="0"/>
-              <a:t>2025/10/19</a:t>
+              <a:t>2025/10/21</a:t>
             </a:fld>
             <a:endParaRPr lang="zh-CN" altLang="en-US"/>
           </a:p>
@@ -1362,7 +1363,7 @@
           <a:p>
             <a:fld id="{47A39752-AE50-4AEA-9C8D-075E0077A86E}" type="datetimeFigureOut">
               <a:rPr lang="zh-CN" altLang="en-US" smtClean="0"/>
-              <a:t>2025/10/19</a:t>
+              <a:t>2025/10/21</a:t>
             </a:fld>
             <a:endParaRPr lang="zh-CN" altLang="en-US"/>
           </a:p>
@@ -1594,7 +1595,7 @@
           <a:p>
             <a:fld id="{47A39752-AE50-4AEA-9C8D-075E0077A86E}" type="datetimeFigureOut">
               <a:rPr lang="zh-CN" altLang="en-US" smtClean="0"/>
-              <a:t>2025/10/19</a:t>
+              <a:t>2025/10/21</a:t>
             </a:fld>
             <a:endParaRPr lang="zh-CN" altLang="en-US"/>
           </a:p>
@@ -1961,7 +1962,7 @@
           <a:p>
             <a:fld id="{47A39752-AE50-4AEA-9C8D-075E0077A86E}" type="datetimeFigureOut">
               <a:rPr lang="zh-CN" altLang="en-US" smtClean="0"/>
-              <a:t>2025/10/19</a:t>
+              <a:t>2025/10/21</a:t>
             </a:fld>
             <a:endParaRPr lang="zh-CN" altLang="en-US"/>
           </a:p>
@@ -2079,7 +2080,7 @@
           <a:p>
             <a:fld id="{47A39752-AE50-4AEA-9C8D-075E0077A86E}" type="datetimeFigureOut">
               <a:rPr lang="zh-CN" altLang="en-US" smtClean="0"/>
-              <a:t>2025/10/19</a:t>
+              <a:t>2025/10/21</a:t>
             </a:fld>
             <a:endParaRPr lang="zh-CN" altLang="en-US"/>
           </a:p>
@@ -2174,7 +2175,7 @@
           <a:p>
             <a:fld id="{47A39752-AE50-4AEA-9C8D-075E0077A86E}" type="datetimeFigureOut">
               <a:rPr lang="zh-CN" altLang="en-US" smtClean="0"/>
-              <a:t>2025/10/19</a:t>
+              <a:t>2025/10/21</a:t>
             </a:fld>
             <a:endParaRPr lang="zh-CN" altLang="en-US"/>
           </a:p>
@@ -2451,7 +2452,7 @@
           <a:p>
             <a:fld id="{47A39752-AE50-4AEA-9C8D-075E0077A86E}" type="datetimeFigureOut">
               <a:rPr lang="zh-CN" altLang="en-US" smtClean="0"/>
-              <a:t>2025/10/19</a:t>
+              <a:t>2025/10/21</a:t>
             </a:fld>
             <a:endParaRPr lang="zh-CN" altLang="en-US"/>
           </a:p>
@@ -2708,7 +2709,7 @@
           <a:p>
             <a:fld id="{47A39752-AE50-4AEA-9C8D-075E0077A86E}" type="datetimeFigureOut">
               <a:rPr lang="zh-CN" altLang="en-US" smtClean="0"/>
-              <a:t>2025/10/19</a:t>
+              <a:t>2025/10/21</a:t>
             </a:fld>
             <a:endParaRPr lang="zh-CN" altLang="en-US"/>
           </a:p>
@@ -2921,7 +2922,7 @@
           <a:p>
             <a:fld id="{47A39752-AE50-4AEA-9C8D-075E0077A86E}" type="datetimeFigureOut">
               <a:rPr lang="zh-CN" altLang="en-US" smtClean="0"/>
-              <a:t>2025/10/19</a:t>
+              <a:t>2025/10/21</a:t>
             </a:fld>
             <a:endParaRPr lang="zh-CN" altLang="en-US"/>
           </a:p>
@@ -6661,6 +6662,2653 @@
     <p:extLst>
       <p:ext uri="{BB962C8B-B14F-4D97-AF65-F5344CB8AC3E}">
         <p14:creationId xmlns:p14="http://schemas.microsoft.com/office/powerpoint/2010/main" val="1710102893"/>
+      </p:ext>
+    </p:extLst>
+  </p:cSld>
+  <p:clrMapOvr>
+    <a:masterClrMapping/>
+  </p:clrMapOvr>
+</p:sld>
+</file>
+
+<file path=ppt/slides/slide3.xml><?xml version="1.0" encoding="utf-8"?>
+<p:sld xmlns:a="http://schemas.openxmlformats.org/drawingml/2006/main" xmlns:r="http://schemas.openxmlformats.org/officeDocument/2006/relationships" xmlns:p="http://schemas.openxmlformats.org/presentationml/2006/main">
+  <p:cSld>
+    <p:spTree>
+      <p:nvGrpSpPr>
+        <p:cNvPr id="1" name=""/>
+        <p:cNvGrpSpPr/>
+        <p:nvPr/>
+      </p:nvGrpSpPr>
+      <p:grpSpPr>
+        <a:xfrm>
+          <a:off x="0" y="0"/>
+          <a:ext cx="0" cy="0"/>
+          <a:chOff x="0" y="0"/>
+          <a:chExt cx="0" cy="0"/>
+        </a:xfrm>
+      </p:grpSpPr>
+      <p:pic>
+        <p:nvPicPr>
+          <p:cNvPr id="4" name="图片 3" descr="小狗&#10;&#10;AI 生成的内容可能不正确。">
+            <a:extLst>
+              <a:ext uri="{FF2B5EF4-FFF2-40B4-BE49-F238E27FC236}">
+                <a16:creationId xmlns:a16="http://schemas.microsoft.com/office/drawing/2014/main" id="{505029D7-C739-9170-8D4B-770B7EDC1B23}"/>
+              </a:ext>
+            </a:extLst>
+          </p:cNvPr>
+          <p:cNvPicPr>
+            <a:picLocks noChangeAspect="1"/>
+          </p:cNvPicPr>
+          <p:nvPr/>
+        </p:nvPicPr>
+        <p:blipFill>
+          <a:blip r:embed="rId2">
+            <a:extLst>
+              <a:ext uri="{28A0092B-C50C-407E-A947-70E740481C1C}">
+                <a14:useLocalDpi xmlns:a14="http://schemas.microsoft.com/office/drawing/2010/main" val="0"/>
+              </a:ext>
+            </a:extLst>
+          </a:blip>
+          <a:stretch>
+            <a:fillRect/>
+          </a:stretch>
+        </p:blipFill>
+        <p:spPr>
+          <a:xfrm>
+            <a:off x="5023785" y="2511807"/>
+            <a:ext cx="1080000" cy="1080000"/>
+          </a:xfrm>
+          <a:prstGeom prst="rect">
+            <a:avLst/>
+          </a:prstGeom>
+        </p:spPr>
+      </p:pic>
+      <p:pic>
+        <p:nvPicPr>
+          <p:cNvPr id="5" name="图片 4" descr="棕色的小动物&#10;&#10;AI 生成的内容可能不正确。">
+            <a:extLst>
+              <a:ext uri="{FF2B5EF4-FFF2-40B4-BE49-F238E27FC236}">
+                <a16:creationId xmlns:a16="http://schemas.microsoft.com/office/drawing/2014/main" id="{8F5D37BE-A46F-57C0-3A7C-D681256E35EC}"/>
+              </a:ext>
+            </a:extLst>
+          </p:cNvPr>
+          <p:cNvPicPr>
+            <a:picLocks noChangeAspect="1"/>
+          </p:cNvPicPr>
+          <p:nvPr/>
+        </p:nvPicPr>
+        <p:blipFill>
+          <a:blip r:embed="rId3">
+            <a:extLst>
+              <a:ext uri="{28A0092B-C50C-407E-A947-70E740481C1C}">
+                <a14:useLocalDpi xmlns:a14="http://schemas.microsoft.com/office/drawing/2010/main" val="0"/>
+              </a:ext>
+            </a:extLst>
+          </a:blip>
+          <a:stretch>
+            <a:fillRect/>
+          </a:stretch>
+        </p:blipFill>
+        <p:spPr>
+          <a:xfrm>
+            <a:off x="6159904" y="2511807"/>
+            <a:ext cx="1080000" cy="1080000"/>
+          </a:xfrm>
+          <a:prstGeom prst="rect">
+            <a:avLst/>
+          </a:prstGeom>
+        </p:spPr>
+      </p:pic>
+      <p:pic>
+        <p:nvPicPr>
+          <p:cNvPr id="6" name="图片 5" descr="狗张着嘴的动物&#10;&#10;AI 生成的内容可能不正确。">
+            <a:extLst>
+              <a:ext uri="{FF2B5EF4-FFF2-40B4-BE49-F238E27FC236}">
+                <a16:creationId xmlns:a16="http://schemas.microsoft.com/office/drawing/2014/main" id="{5A7400D5-93A5-99CB-6E4A-B14A9516EE1A}"/>
+              </a:ext>
+            </a:extLst>
+          </p:cNvPr>
+          <p:cNvPicPr>
+            <a:picLocks noChangeAspect="1"/>
+          </p:cNvPicPr>
+          <p:nvPr/>
+        </p:nvPicPr>
+        <p:blipFill>
+          <a:blip r:embed="rId4">
+            <a:extLst>
+              <a:ext uri="{28A0092B-C50C-407E-A947-70E740481C1C}">
+                <a14:useLocalDpi xmlns:a14="http://schemas.microsoft.com/office/drawing/2010/main" val="0"/>
+              </a:ext>
+            </a:extLst>
+          </a:blip>
+          <a:stretch>
+            <a:fillRect/>
+          </a:stretch>
+        </p:blipFill>
+        <p:spPr>
+          <a:xfrm>
+            <a:off x="7296023" y="2511807"/>
+            <a:ext cx="1080000" cy="1080000"/>
+          </a:xfrm>
+          <a:prstGeom prst="rect">
+            <a:avLst/>
+          </a:prstGeom>
+        </p:spPr>
+      </p:pic>
+      <p:pic>
+        <p:nvPicPr>
+          <p:cNvPr id="7" name="图片 6" descr="棕色的动物&#10;&#10;AI 生成的内容可能不正确。">
+            <a:extLst>
+              <a:ext uri="{FF2B5EF4-FFF2-40B4-BE49-F238E27FC236}">
+                <a16:creationId xmlns:a16="http://schemas.microsoft.com/office/drawing/2014/main" id="{019D214B-DE01-89B4-D364-26ACF8464ADD}"/>
+              </a:ext>
+            </a:extLst>
+          </p:cNvPr>
+          <p:cNvPicPr>
+            <a:picLocks noChangeAspect="1"/>
+          </p:cNvPicPr>
+          <p:nvPr/>
+        </p:nvPicPr>
+        <p:blipFill>
+          <a:blip r:embed="rId5">
+            <a:extLst>
+              <a:ext uri="{28A0092B-C50C-407E-A947-70E740481C1C}">
+                <a14:useLocalDpi xmlns:a14="http://schemas.microsoft.com/office/drawing/2010/main" val="0"/>
+              </a:ext>
+            </a:extLst>
+          </a:blip>
+          <a:stretch>
+            <a:fillRect/>
+          </a:stretch>
+        </p:blipFill>
+        <p:spPr>
+          <a:xfrm>
+            <a:off x="8432142" y="2511807"/>
+            <a:ext cx="1080000" cy="1080000"/>
+          </a:xfrm>
+          <a:prstGeom prst="rect">
+            <a:avLst/>
+          </a:prstGeom>
+        </p:spPr>
+      </p:pic>
+      <p:pic>
+        <p:nvPicPr>
+          <p:cNvPr id="8" name="图片 7" descr="图片包含 草, 前, 站, 花&#10;&#10;AI 生成的内容可能不正确。">
+            <a:extLst>
+              <a:ext uri="{FF2B5EF4-FFF2-40B4-BE49-F238E27FC236}">
+                <a16:creationId xmlns:a16="http://schemas.microsoft.com/office/drawing/2014/main" id="{B985E133-EEC7-B381-33F4-28304F404C19}"/>
+              </a:ext>
+            </a:extLst>
+          </p:cNvPr>
+          <p:cNvPicPr>
+            <a:picLocks noChangeAspect="1"/>
+          </p:cNvPicPr>
+          <p:nvPr/>
+        </p:nvPicPr>
+        <p:blipFill>
+          <a:blip r:embed="rId6">
+            <a:extLst>
+              <a:ext uri="{28A0092B-C50C-407E-A947-70E740481C1C}">
+                <a14:useLocalDpi xmlns:a14="http://schemas.microsoft.com/office/drawing/2010/main" val="0"/>
+              </a:ext>
+            </a:extLst>
+          </a:blip>
+          <a:stretch>
+            <a:fillRect/>
+          </a:stretch>
+        </p:blipFill>
+        <p:spPr>
+          <a:xfrm>
+            <a:off x="9568261" y="2511807"/>
+            <a:ext cx="1080000" cy="1080000"/>
+          </a:xfrm>
+          <a:prstGeom prst="rect">
+            <a:avLst/>
+          </a:prstGeom>
+        </p:spPr>
+      </p:pic>
+      <p:pic>
+        <p:nvPicPr>
+          <p:cNvPr id="9" name="图片 8" descr="绿色的叶子&#10;&#10;AI 生成的内容可能不正确。">
+            <a:extLst>
+              <a:ext uri="{FF2B5EF4-FFF2-40B4-BE49-F238E27FC236}">
+                <a16:creationId xmlns:a16="http://schemas.microsoft.com/office/drawing/2014/main" id="{23DCCEEC-E23E-CCEF-86FD-959242DEAB98}"/>
+              </a:ext>
+            </a:extLst>
+          </p:cNvPr>
+          <p:cNvPicPr>
+            <a:picLocks noChangeAspect="1"/>
+          </p:cNvPicPr>
+          <p:nvPr/>
+        </p:nvPicPr>
+        <p:blipFill>
+          <a:blip r:embed="rId7">
+            <a:extLst>
+              <a:ext uri="{28A0092B-C50C-407E-A947-70E740481C1C}">
+                <a14:useLocalDpi xmlns:a14="http://schemas.microsoft.com/office/drawing/2010/main" val="0"/>
+              </a:ext>
+            </a:extLst>
+          </a:blip>
+          <a:stretch>
+            <a:fillRect/>
+          </a:stretch>
+        </p:blipFill>
+        <p:spPr>
+          <a:xfrm>
+            <a:off x="10704380" y="2511807"/>
+            <a:ext cx="1080000" cy="1080000"/>
+          </a:xfrm>
+          <a:prstGeom prst="rect">
+            <a:avLst/>
+          </a:prstGeom>
+        </p:spPr>
+      </p:pic>
+      <p:pic>
+        <p:nvPicPr>
+          <p:cNvPr id="10" name="图片 9" descr="背景图案&#10;&#10;AI 生成的内容可能不正确。">
+            <a:extLst>
+              <a:ext uri="{FF2B5EF4-FFF2-40B4-BE49-F238E27FC236}">
+                <a16:creationId xmlns:a16="http://schemas.microsoft.com/office/drawing/2014/main" id="{3EF00C45-4DC8-BAD0-79DB-834F043318B7}"/>
+              </a:ext>
+            </a:extLst>
+          </p:cNvPr>
+          <p:cNvPicPr>
+            <a:picLocks noChangeAspect="1"/>
+          </p:cNvPicPr>
+          <p:nvPr/>
+        </p:nvPicPr>
+        <p:blipFill>
+          <a:blip r:embed="rId8">
+            <a:extLst>
+              <a:ext uri="{28A0092B-C50C-407E-A947-70E740481C1C}">
+                <a14:useLocalDpi xmlns:a14="http://schemas.microsoft.com/office/drawing/2010/main" val="0"/>
+              </a:ext>
+            </a:extLst>
+          </a:blip>
+          <a:stretch>
+            <a:fillRect/>
+          </a:stretch>
+        </p:blipFill>
+        <p:spPr>
+          <a:xfrm>
+            <a:off x="11840499" y="2511807"/>
+            <a:ext cx="1080000" cy="1080000"/>
+          </a:xfrm>
+          <a:prstGeom prst="rect">
+            <a:avLst/>
+          </a:prstGeom>
+        </p:spPr>
+      </p:pic>
+      <p:pic>
+        <p:nvPicPr>
+          <p:cNvPr id="11" name="图片 10" descr="图片包含 人们, 绿色, 大象, 淋浴&#10;&#10;AI 生成的内容可能不正确。">
+            <a:extLst>
+              <a:ext uri="{FF2B5EF4-FFF2-40B4-BE49-F238E27FC236}">
+                <a16:creationId xmlns:a16="http://schemas.microsoft.com/office/drawing/2014/main" id="{BC8D1ABE-E4A7-15F8-7606-3943CB65A52D}"/>
+              </a:ext>
+            </a:extLst>
+          </p:cNvPr>
+          <p:cNvPicPr>
+            <a:picLocks noChangeAspect="1"/>
+          </p:cNvPicPr>
+          <p:nvPr/>
+        </p:nvPicPr>
+        <p:blipFill>
+          <a:blip r:embed="rId9">
+            <a:extLst>
+              <a:ext uri="{28A0092B-C50C-407E-A947-70E740481C1C}">
+                <a14:useLocalDpi xmlns:a14="http://schemas.microsoft.com/office/drawing/2010/main" val="0"/>
+              </a:ext>
+            </a:extLst>
+          </a:blip>
+          <a:stretch>
+            <a:fillRect/>
+          </a:stretch>
+        </p:blipFill>
+        <p:spPr>
+          <a:xfrm>
+            <a:off x="12976618" y="2521722"/>
+            <a:ext cx="1080000" cy="1080000"/>
+          </a:xfrm>
+          <a:prstGeom prst="rect">
+            <a:avLst/>
+          </a:prstGeom>
+        </p:spPr>
+      </p:pic>
+      <p:cxnSp>
+        <p:nvCxnSpPr>
+          <p:cNvPr id="13" name="直接箭头连接符 12">
+            <a:extLst>
+              <a:ext uri="{FF2B5EF4-FFF2-40B4-BE49-F238E27FC236}">
+                <a16:creationId xmlns:a16="http://schemas.microsoft.com/office/drawing/2014/main" id="{77D692B8-3E35-EE2E-B989-64D83309F1E0}"/>
+              </a:ext>
+            </a:extLst>
+          </p:cNvPr>
+          <p:cNvCxnSpPr>
+            <a:cxnSpLocks/>
+          </p:cNvCxnSpPr>
+          <p:nvPr/>
+        </p:nvCxnSpPr>
+        <p:spPr>
+          <a:xfrm rot="8100000">
+            <a:off x="6288336" y="1197684"/>
+            <a:ext cx="6480000" cy="6480000"/>
+          </a:xfrm>
+          <a:prstGeom prst="straightConnector1">
+            <a:avLst/>
+          </a:prstGeom>
+          <a:ln>
+            <a:solidFill>
+              <a:schemeClr val="tx1"/>
+            </a:solidFill>
+            <a:tailEnd type="triangle"/>
+          </a:ln>
+        </p:spPr>
+        <p:style>
+          <a:lnRef idx="2">
+            <a:schemeClr val="accent1"/>
+          </a:lnRef>
+          <a:fillRef idx="0">
+            <a:schemeClr val="accent1"/>
+          </a:fillRef>
+          <a:effectRef idx="1">
+            <a:schemeClr val="accent1"/>
+          </a:effectRef>
+          <a:fontRef idx="minor">
+            <a:schemeClr val="tx1"/>
+          </a:fontRef>
+        </p:style>
+      </p:cxnSp>
+      <p:sp>
+        <p:nvSpPr>
+          <p:cNvPr id="15" name="文本框 14">
+            <a:extLst>
+              <a:ext uri="{FF2B5EF4-FFF2-40B4-BE49-F238E27FC236}">
+                <a16:creationId xmlns:a16="http://schemas.microsoft.com/office/drawing/2014/main" id="{E820D074-24FE-C3CD-A58B-3D6BC440C57C}"/>
+              </a:ext>
+            </a:extLst>
+          </p:cNvPr>
+          <p:cNvSpPr txBox="1"/>
+          <p:nvPr/>
+        </p:nvSpPr>
+        <p:spPr>
+          <a:xfrm>
+            <a:off x="8850359" y="1897168"/>
+            <a:ext cx="1083951" cy="400110"/>
+          </a:xfrm>
+          <a:prstGeom prst="rect">
+            <a:avLst/>
+          </a:prstGeom>
+          <a:noFill/>
+        </p:spPr>
+        <p:txBody>
+          <a:bodyPr wrap="none" rtlCol="0">
+            <a:spAutoFit/>
+          </a:bodyPr>
+          <a:lstStyle/>
+          <a:p>
+            <a:r>
+              <a:rPr lang="en-US" altLang="zh-CN" sz="2000" dirty="0">
+                <a:latin typeface="Times New Roman" panose="02020603050405020304" pitchFamily="18" charset="0"/>
+                <a:cs typeface="Times New Roman" panose="02020603050405020304" pitchFamily="18" charset="0"/>
+              </a:rPr>
+              <a:t>PF-ODE</a:t>
+            </a:r>
+            <a:endParaRPr lang="zh-CN" altLang="en-US" sz="2000" dirty="0">
+              <a:latin typeface="Times New Roman" panose="02020603050405020304" pitchFamily="18" charset="0"/>
+              <a:cs typeface="Times New Roman" panose="02020603050405020304" pitchFamily="18" charset="0"/>
+            </a:endParaRPr>
+          </a:p>
+        </p:txBody>
+      </p:sp>
+      <p:pic>
+        <p:nvPicPr>
+          <p:cNvPr id="16" name="图片 15">
+            <a:extLst>
+              <a:ext uri="{FF2B5EF4-FFF2-40B4-BE49-F238E27FC236}">
+                <a16:creationId xmlns:a16="http://schemas.microsoft.com/office/drawing/2014/main" id="{287CE9E2-65B9-D205-7CED-820430A7FCB0}"/>
+              </a:ext>
+            </a:extLst>
+          </p:cNvPr>
+          <p:cNvPicPr>
+            <a:picLocks noChangeAspect="1"/>
+          </p:cNvPicPr>
+          <p:nvPr/>
+        </p:nvPicPr>
+        <p:blipFill>
+          <a:blip r:embed="rId10"/>
+          <a:stretch>
+            <a:fillRect/>
+          </a:stretch>
+        </p:blipFill>
+        <p:spPr>
+          <a:xfrm rot="5400000">
+            <a:off x="13914983" y="2596195"/>
+            <a:ext cx="1669367" cy="811345"/>
+          </a:xfrm>
+          <a:prstGeom prst="rect">
+            <a:avLst/>
+          </a:prstGeom>
+        </p:spPr>
+      </p:pic>
+      <p:pic>
+        <p:nvPicPr>
+          <p:cNvPr id="17" name="图片 16">
+            <a:extLst>
+              <a:ext uri="{FF2B5EF4-FFF2-40B4-BE49-F238E27FC236}">
+                <a16:creationId xmlns:a16="http://schemas.microsoft.com/office/drawing/2014/main" id="{067ADCF8-B482-1433-8766-382B86A19BB4}"/>
+              </a:ext>
+            </a:extLst>
+          </p:cNvPr>
+          <p:cNvPicPr>
+            <a:picLocks noChangeAspect="1"/>
+          </p:cNvPicPr>
+          <p:nvPr/>
+        </p:nvPicPr>
+        <p:blipFill>
+          <a:blip r:embed="rId11"/>
+          <a:stretch>
+            <a:fillRect/>
+          </a:stretch>
+        </p:blipFill>
+        <p:spPr>
+          <a:xfrm rot="5400000">
+            <a:off x="3395474" y="2573114"/>
+            <a:ext cx="1669365" cy="857503"/>
+          </a:xfrm>
+          <a:prstGeom prst="rect">
+            <a:avLst/>
+          </a:prstGeom>
+        </p:spPr>
+      </p:pic>
+      <mc:AlternateContent xmlns:mc="http://schemas.openxmlformats.org/markup-compatibility/2006">
+        <mc:Choice xmlns:a14="http://schemas.microsoft.com/office/drawing/2010/main" Requires="a14">
+          <p:sp>
+            <p:nvSpPr>
+              <p:cNvPr id="18" name="文本框 17">
+                <a:extLst>
+                  <a:ext uri="{FF2B5EF4-FFF2-40B4-BE49-F238E27FC236}">
+                    <a16:creationId xmlns:a16="http://schemas.microsoft.com/office/drawing/2014/main" id="{806194AE-2F70-701A-4351-4524266AF035}"/>
+                  </a:ext>
+                </a:extLst>
+              </p:cNvPr>
+              <p:cNvSpPr txBox="1"/>
+              <p:nvPr/>
+            </p:nvSpPr>
+            <p:spPr>
+              <a:xfrm>
+                <a:off x="3729215" y="1536789"/>
+                <a:ext cx="597215" cy="307777"/>
+              </a:xfrm>
+              <a:prstGeom prst="rect">
+                <a:avLst/>
+              </a:prstGeom>
+              <a:noFill/>
+            </p:spPr>
+            <p:txBody>
+              <a:bodyPr wrap="none" lIns="0" tIns="0" rIns="0" bIns="0" rtlCol="0">
+                <a:spAutoFit/>
+              </a:bodyPr>
+              <a:lstStyle/>
+              <a:p>
+                <a:pPr/>
+                <a14:m>
+                  <m:oMathPara xmlns:m="http://schemas.openxmlformats.org/officeDocument/2006/math">
+                    <m:oMathParaPr>
+                      <m:jc m:val="centerGroup"/>
+                    </m:oMathParaPr>
+                    <m:oMath xmlns:m="http://schemas.openxmlformats.org/officeDocument/2006/math">
+                      <m:sSub>
+                        <m:sSubPr>
+                          <m:ctrlPr>
+                            <a:rPr lang="en-US" altLang="zh-CN" sz="2000" b="0" i="1" smtClean="0">
+                              <a:latin typeface="Cambria Math" panose="02040503050406030204" pitchFamily="18" charset="0"/>
+                            </a:rPr>
+                          </m:ctrlPr>
+                        </m:sSubPr>
+                        <m:e>
+                          <m:r>
+                            <a:rPr lang="en-US" altLang="zh-CN" sz="2000" b="0" i="1" smtClean="0">
+                              <a:latin typeface="Cambria Math" panose="02040503050406030204" pitchFamily="18" charset="0"/>
+                            </a:rPr>
+                            <m:t>𝑝</m:t>
+                          </m:r>
+                        </m:e>
+                        <m:sub>
+                          <m:r>
+                            <m:rPr>
+                              <m:sty m:val="p"/>
+                            </m:rPr>
+                            <a:rPr lang="en-US" altLang="zh-CN" sz="2000" b="0" i="0" smtClean="0">
+                              <a:latin typeface="Cambria Math" panose="02040503050406030204" pitchFamily="18" charset="0"/>
+                            </a:rPr>
+                            <m:t>data</m:t>
+                          </m:r>
+                        </m:sub>
+                      </m:sSub>
+                    </m:oMath>
+                  </m:oMathPara>
+                </a14:m>
+                <a:endParaRPr lang="zh-CN" altLang="en-US" sz="2000" dirty="0"/>
+              </a:p>
+            </p:txBody>
+          </p:sp>
+        </mc:Choice>
+        <mc:Fallback>
+          <p:sp>
+            <p:nvSpPr>
+              <p:cNvPr id="18" name="文本框 17">
+                <a:extLst>
+                  <a:ext uri="{FF2B5EF4-FFF2-40B4-BE49-F238E27FC236}">
+                    <a16:creationId xmlns:a16="http://schemas.microsoft.com/office/drawing/2014/main" id="{806194AE-2F70-701A-4351-4524266AF035}"/>
+                  </a:ext>
+                </a:extLst>
+              </p:cNvPr>
+              <p:cNvSpPr txBox="1">
+                <a:spLocks noRot="1" noChangeAspect="1" noMove="1" noResize="1" noEditPoints="1" noAdjustHandles="1" noChangeArrowheads="1" noChangeShapeType="1" noTextEdit="1"/>
+              </p:cNvSpPr>
+              <p:nvPr/>
+            </p:nvSpPr>
+            <p:spPr>
+              <a:xfrm>
+                <a:off x="3729215" y="1536789"/>
+                <a:ext cx="597215" cy="307777"/>
+              </a:xfrm>
+              <a:prstGeom prst="rect">
+                <a:avLst/>
+              </a:prstGeom>
+              <a:blipFill>
+                <a:blip r:embed="rId12"/>
+                <a:stretch>
+                  <a:fillRect l="-10204" r="-5102" b="-23529"/>
+                </a:stretch>
+              </a:blipFill>
+            </p:spPr>
+            <p:txBody>
+              <a:bodyPr/>
+              <a:lstStyle/>
+              <a:p>
+                <a:r>
+                  <a:rPr lang="zh-CN" altLang="en-US">
+                    <a:noFill/>
+                  </a:rPr>
+                  <a:t> </a:t>
+                </a:r>
+              </a:p>
+            </p:txBody>
+          </p:sp>
+        </mc:Fallback>
+      </mc:AlternateContent>
+      <mc:AlternateContent xmlns:mc="http://schemas.openxmlformats.org/markup-compatibility/2006">
+        <mc:Choice xmlns:a14="http://schemas.microsoft.com/office/drawing/2010/main" Requires="a14">
+          <p:sp>
+            <p:nvSpPr>
+              <p:cNvPr id="19" name="文本框 18">
+                <a:extLst>
+                  <a:ext uri="{FF2B5EF4-FFF2-40B4-BE49-F238E27FC236}">
+                    <a16:creationId xmlns:a16="http://schemas.microsoft.com/office/drawing/2014/main" id="{C4F0975B-15F7-34DB-8B19-4509ED708C70}"/>
+                  </a:ext>
+                </a:extLst>
+              </p:cNvPr>
+              <p:cNvSpPr txBox="1"/>
+              <p:nvPr/>
+            </p:nvSpPr>
+            <p:spPr>
+              <a:xfrm>
+                <a:off x="14494339" y="1536789"/>
+                <a:ext cx="510653" cy="307777"/>
+              </a:xfrm>
+              <a:prstGeom prst="rect">
+                <a:avLst/>
+              </a:prstGeom>
+              <a:noFill/>
+            </p:spPr>
+            <p:txBody>
+              <a:bodyPr wrap="none" lIns="0" tIns="0" rIns="0" bIns="0" rtlCol="0">
+                <a:spAutoFit/>
+              </a:bodyPr>
+              <a:lstStyle/>
+              <a:p>
+                <a:pPr/>
+                <a14:m>
+                  <m:oMathPara xmlns:m="http://schemas.openxmlformats.org/officeDocument/2006/math">
+                    <m:oMathParaPr>
+                      <m:jc m:val="centerGroup"/>
+                    </m:oMathParaPr>
+                    <m:oMath xmlns:m="http://schemas.openxmlformats.org/officeDocument/2006/math">
+                      <m:sSub>
+                        <m:sSubPr>
+                          <m:ctrlPr>
+                            <a:rPr lang="en-US" altLang="zh-CN" sz="2000" b="0" i="1" smtClean="0">
+                              <a:latin typeface="Cambria Math" panose="02040503050406030204" pitchFamily="18" charset="0"/>
+                            </a:rPr>
+                          </m:ctrlPr>
+                        </m:sSubPr>
+                        <m:e>
+                          <m:r>
+                            <a:rPr lang="en-US" altLang="zh-CN" sz="2000" b="0" i="1" smtClean="0">
+                              <a:latin typeface="Cambria Math" panose="02040503050406030204" pitchFamily="18" charset="0"/>
+                            </a:rPr>
+                            <m:t>𝑝</m:t>
+                          </m:r>
+                        </m:e>
+                        <m:sub>
+                          <m:r>
+                            <m:rPr>
+                              <m:sty m:val="p"/>
+                            </m:rPr>
+                            <a:rPr lang="en-US" altLang="zh-CN" sz="2000" b="0" i="0" smtClean="0">
+                              <a:latin typeface="Cambria Math" panose="02040503050406030204" pitchFamily="18" charset="0"/>
+                            </a:rPr>
+                            <m:t>init</m:t>
+                          </m:r>
+                        </m:sub>
+                      </m:sSub>
+                    </m:oMath>
+                  </m:oMathPara>
+                </a14:m>
+                <a:endParaRPr lang="zh-CN" altLang="en-US" sz="2000" dirty="0"/>
+              </a:p>
+            </p:txBody>
+          </p:sp>
+        </mc:Choice>
+        <mc:Fallback>
+          <p:sp>
+            <p:nvSpPr>
+              <p:cNvPr id="19" name="文本框 18">
+                <a:extLst>
+                  <a:ext uri="{FF2B5EF4-FFF2-40B4-BE49-F238E27FC236}">
+                    <a16:creationId xmlns:a16="http://schemas.microsoft.com/office/drawing/2014/main" id="{C4F0975B-15F7-34DB-8B19-4509ED708C70}"/>
+                  </a:ext>
+                </a:extLst>
+              </p:cNvPr>
+              <p:cNvSpPr txBox="1">
+                <a:spLocks noRot="1" noChangeAspect="1" noMove="1" noResize="1" noEditPoints="1" noAdjustHandles="1" noChangeArrowheads="1" noChangeShapeType="1" noTextEdit="1"/>
+              </p:cNvSpPr>
+              <p:nvPr/>
+            </p:nvSpPr>
+            <p:spPr>
+              <a:xfrm>
+                <a:off x="14494339" y="1536789"/>
+                <a:ext cx="510653" cy="307777"/>
+              </a:xfrm>
+              <a:prstGeom prst="rect">
+                <a:avLst/>
+              </a:prstGeom>
+              <a:blipFill>
+                <a:blip r:embed="rId13"/>
+                <a:stretch>
+                  <a:fillRect l="-12048" r="-7229" b="-23529"/>
+                </a:stretch>
+              </a:blipFill>
+            </p:spPr>
+            <p:txBody>
+              <a:bodyPr/>
+              <a:lstStyle/>
+              <a:p>
+                <a:r>
+                  <a:rPr lang="zh-CN" altLang="en-US">
+                    <a:noFill/>
+                  </a:rPr>
+                  <a:t> </a:t>
+                </a:r>
+              </a:p>
+            </p:txBody>
+          </p:sp>
+        </mc:Fallback>
+      </mc:AlternateContent>
+      <mc:AlternateContent xmlns:mc="http://schemas.openxmlformats.org/markup-compatibility/2006">
+        <mc:Choice xmlns:a14="http://schemas.microsoft.com/office/drawing/2010/main" Requires="a14">
+          <p:sp>
+            <p:nvSpPr>
+              <p:cNvPr id="20" name="文本框 19">
+                <a:extLst>
+                  <a:ext uri="{FF2B5EF4-FFF2-40B4-BE49-F238E27FC236}">
+                    <a16:creationId xmlns:a16="http://schemas.microsoft.com/office/drawing/2014/main" id="{53AFD649-48F7-06B9-75D1-4BEBD0F9BA0E}"/>
+                  </a:ext>
+                </a:extLst>
+              </p:cNvPr>
+              <p:cNvSpPr txBox="1"/>
+              <p:nvPr/>
+            </p:nvSpPr>
+            <p:spPr>
+              <a:xfrm>
+                <a:off x="4116879" y="4299184"/>
+                <a:ext cx="573106" cy="276999"/>
+              </a:xfrm>
+              <a:prstGeom prst="rect">
+                <a:avLst/>
+              </a:prstGeom>
+              <a:noFill/>
+            </p:spPr>
+            <p:txBody>
+              <a:bodyPr wrap="none" lIns="0" tIns="0" rIns="0" bIns="0" rtlCol="0">
+                <a:spAutoFit/>
+              </a:bodyPr>
+              <a:lstStyle/>
+              <a:p>
+                <a:pPr/>
+                <a14:m>
+                  <m:oMathPara xmlns:m="http://schemas.openxmlformats.org/officeDocument/2006/math">
+                    <m:oMathParaPr>
+                      <m:jc m:val="centerGroup"/>
+                    </m:oMathParaPr>
+                    <m:oMath xmlns:m="http://schemas.openxmlformats.org/officeDocument/2006/math">
+                      <m:r>
+                        <a:rPr lang="en-US" altLang="zh-CN" b="0" i="1" smtClean="0">
+                          <a:latin typeface="Cambria Math" panose="02040503050406030204" pitchFamily="18" charset="0"/>
+                        </a:rPr>
+                        <m:t>𝑡</m:t>
+                      </m:r>
+                      <m:r>
+                        <a:rPr lang="en-US" altLang="zh-CN" b="0" i="1" smtClean="0">
+                          <a:latin typeface="Cambria Math" panose="02040503050406030204" pitchFamily="18" charset="0"/>
+                        </a:rPr>
+                        <m:t>=0</m:t>
+                      </m:r>
+                    </m:oMath>
+                  </m:oMathPara>
+                </a14:m>
+                <a:endParaRPr lang="zh-CN" altLang="en-US" dirty="0"/>
+              </a:p>
+            </p:txBody>
+          </p:sp>
+        </mc:Choice>
+        <mc:Fallback>
+          <p:sp>
+            <p:nvSpPr>
+              <p:cNvPr id="20" name="文本框 19">
+                <a:extLst>
+                  <a:ext uri="{FF2B5EF4-FFF2-40B4-BE49-F238E27FC236}">
+                    <a16:creationId xmlns:a16="http://schemas.microsoft.com/office/drawing/2014/main" id="{53AFD649-48F7-06B9-75D1-4BEBD0F9BA0E}"/>
+                  </a:ext>
+                </a:extLst>
+              </p:cNvPr>
+              <p:cNvSpPr txBox="1">
+                <a:spLocks noRot="1" noChangeAspect="1" noMove="1" noResize="1" noEditPoints="1" noAdjustHandles="1" noChangeArrowheads="1" noChangeShapeType="1" noTextEdit="1"/>
+              </p:cNvSpPr>
+              <p:nvPr/>
+            </p:nvSpPr>
+            <p:spPr>
+              <a:xfrm>
+                <a:off x="4116879" y="4299184"/>
+                <a:ext cx="573106" cy="276999"/>
+              </a:xfrm>
+              <a:prstGeom prst="rect">
+                <a:avLst/>
+              </a:prstGeom>
+              <a:blipFill>
+                <a:blip r:embed="rId14"/>
+                <a:stretch>
+                  <a:fillRect l="-8511" r="-10638" b="-6522"/>
+                </a:stretch>
+              </a:blipFill>
+            </p:spPr>
+            <p:txBody>
+              <a:bodyPr/>
+              <a:lstStyle/>
+              <a:p>
+                <a:r>
+                  <a:rPr lang="zh-CN" altLang="en-US">
+                    <a:noFill/>
+                  </a:rPr>
+                  <a:t> </a:t>
+                </a:r>
+              </a:p>
+            </p:txBody>
+          </p:sp>
+        </mc:Fallback>
+      </mc:AlternateContent>
+      <mc:AlternateContent xmlns:mc="http://schemas.openxmlformats.org/markup-compatibility/2006">
+        <mc:Choice xmlns:a14="http://schemas.microsoft.com/office/drawing/2010/main" Requires="a14">
+          <p:sp>
+            <p:nvSpPr>
+              <p:cNvPr id="21" name="文本框 20">
+                <a:extLst>
+                  <a:ext uri="{FF2B5EF4-FFF2-40B4-BE49-F238E27FC236}">
+                    <a16:creationId xmlns:a16="http://schemas.microsoft.com/office/drawing/2014/main" id="{FEC29E5D-E09B-9636-190B-2AE14DC5B63D}"/>
+                  </a:ext>
+                </a:extLst>
+              </p:cNvPr>
+              <p:cNvSpPr txBox="1"/>
+              <p:nvPr/>
+            </p:nvSpPr>
+            <p:spPr>
+              <a:xfrm>
+                <a:off x="14313773" y="4299184"/>
+                <a:ext cx="587790" cy="276999"/>
+              </a:xfrm>
+              <a:prstGeom prst="rect">
+                <a:avLst/>
+              </a:prstGeom>
+              <a:noFill/>
+            </p:spPr>
+            <p:txBody>
+              <a:bodyPr wrap="none" lIns="0" tIns="0" rIns="0" bIns="0" rtlCol="0">
+                <a:spAutoFit/>
+              </a:bodyPr>
+              <a:lstStyle/>
+              <a:p>
+                <a:pPr/>
+                <a14:m>
+                  <m:oMathPara xmlns:m="http://schemas.openxmlformats.org/officeDocument/2006/math">
+                    <m:oMathParaPr>
+                      <m:jc m:val="centerGroup"/>
+                    </m:oMathParaPr>
+                    <m:oMath xmlns:m="http://schemas.openxmlformats.org/officeDocument/2006/math">
+                      <m:r>
+                        <a:rPr lang="en-US" altLang="zh-CN" b="0" i="1" smtClean="0">
+                          <a:latin typeface="Cambria Math" panose="02040503050406030204" pitchFamily="18" charset="0"/>
+                        </a:rPr>
+                        <m:t>𝑡</m:t>
+                      </m:r>
+                      <m:r>
+                        <a:rPr lang="en-US" altLang="zh-CN" b="0" i="1" smtClean="0">
+                          <a:latin typeface="Cambria Math" panose="02040503050406030204" pitchFamily="18" charset="0"/>
+                        </a:rPr>
+                        <m:t>=</m:t>
+                      </m:r>
+                      <m:r>
+                        <a:rPr lang="en-US" altLang="zh-CN" b="0" i="1" smtClean="0">
+                          <a:latin typeface="Cambria Math" panose="02040503050406030204" pitchFamily="18" charset="0"/>
+                        </a:rPr>
+                        <m:t>𝑇</m:t>
+                      </m:r>
+                    </m:oMath>
+                  </m:oMathPara>
+                </a14:m>
+                <a:endParaRPr lang="zh-CN" altLang="en-US" dirty="0"/>
+              </a:p>
+            </p:txBody>
+          </p:sp>
+        </mc:Choice>
+        <mc:Fallback>
+          <p:sp>
+            <p:nvSpPr>
+              <p:cNvPr id="21" name="文本框 20">
+                <a:extLst>
+                  <a:ext uri="{FF2B5EF4-FFF2-40B4-BE49-F238E27FC236}">
+                    <a16:creationId xmlns:a16="http://schemas.microsoft.com/office/drawing/2014/main" id="{FEC29E5D-E09B-9636-190B-2AE14DC5B63D}"/>
+                  </a:ext>
+                </a:extLst>
+              </p:cNvPr>
+              <p:cNvSpPr txBox="1">
+                <a:spLocks noRot="1" noChangeAspect="1" noMove="1" noResize="1" noEditPoints="1" noAdjustHandles="1" noChangeArrowheads="1" noChangeShapeType="1" noTextEdit="1"/>
+              </p:cNvSpPr>
+              <p:nvPr/>
+            </p:nvSpPr>
+            <p:spPr>
+              <a:xfrm>
+                <a:off x="14313773" y="4299184"/>
+                <a:ext cx="587790" cy="276999"/>
+              </a:xfrm>
+              <a:prstGeom prst="rect">
+                <a:avLst/>
+              </a:prstGeom>
+              <a:blipFill>
+                <a:blip r:embed="rId15"/>
+                <a:stretch>
+                  <a:fillRect l="-8333" r="-10417" b="-6522"/>
+                </a:stretch>
+              </a:blipFill>
+            </p:spPr>
+            <p:txBody>
+              <a:bodyPr/>
+              <a:lstStyle/>
+              <a:p>
+                <a:r>
+                  <a:rPr lang="zh-CN" altLang="en-US">
+                    <a:noFill/>
+                  </a:rPr>
+                  <a:t> </a:t>
+                </a:r>
+              </a:p>
+            </p:txBody>
+          </p:sp>
+        </mc:Fallback>
+      </mc:AlternateContent>
+      <p:sp>
+        <p:nvSpPr>
+          <p:cNvPr id="23" name="椭圆 22">
+            <a:extLst>
+              <a:ext uri="{FF2B5EF4-FFF2-40B4-BE49-F238E27FC236}">
+                <a16:creationId xmlns:a16="http://schemas.microsoft.com/office/drawing/2014/main" id="{A549907E-5CBC-303B-640D-643D8CB4BCF3}"/>
+              </a:ext>
+            </a:extLst>
+          </p:cNvPr>
+          <p:cNvSpPr/>
+          <p:nvPr/>
+        </p:nvSpPr>
+        <p:spPr>
+          <a:xfrm>
+            <a:off x="13361987" y="4394484"/>
+            <a:ext cx="86400" cy="86400"/>
+          </a:xfrm>
+          <a:prstGeom prst="ellipse">
+            <a:avLst/>
+          </a:prstGeom>
+          <a:solidFill>
+            <a:schemeClr val="tx1"/>
+          </a:solidFill>
+        </p:spPr>
+        <p:style>
+          <a:lnRef idx="2">
+            <a:schemeClr val="accent1">
+              <a:shade val="15000"/>
+            </a:schemeClr>
+          </a:lnRef>
+          <a:fillRef idx="1">
+            <a:schemeClr val="accent1"/>
+          </a:fillRef>
+          <a:effectRef idx="0">
+            <a:schemeClr val="accent1"/>
+          </a:effectRef>
+          <a:fontRef idx="minor">
+            <a:schemeClr val="lt1"/>
+          </a:fontRef>
+        </p:style>
+        <p:txBody>
+          <a:bodyPr rtlCol="0" anchor="ctr"/>
+          <a:lstStyle/>
+          <a:p>
+            <a:pPr algn="ctr"/>
+            <a:endParaRPr lang="zh-CN" altLang="en-US"/>
+          </a:p>
+        </p:txBody>
+      </p:sp>
+      <p:sp>
+        <p:nvSpPr>
+          <p:cNvPr id="24" name="椭圆 23">
+            <a:extLst>
+              <a:ext uri="{FF2B5EF4-FFF2-40B4-BE49-F238E27FC236}">
+                <a16:creationId xmlns:a16="http://schemas.microsoft.com/office/drawing/2014/main" id="{D78EFCC7-BC70-ECB3-928B-4890EB55AE5B}"/>
+              </a:ext>
+            </a:extLst>
+          </p:cNvPr>
+          <p:cNvSpPr/>
+          <p:nvPr/>
+        </p:nvSpPr>
+        <p:spPr>
+          <a:xfrm>
+            <a:off x="12380499" y="4394484"/>
+            <a:ext cx="86400" cy="86400"/>
+          </a:xfrm>
+          <a:prstGeom prst="ellipse">
+            <a:avLst/>
+          </a:prstGeom>
+          <a:solidFill>
+            <a:schemeClr val="tx1"/>
+          </a:solidFill>
+        </p:spPr>
+        <p:style>
+          <a:lnRef idx="2">
+            <a:schemeClr val="accent1">
+              <a:shade val="15000"/>
+            </a:schemeClr>
+          </a:lnRef>
+          <a:fillRef idx="1">
+            <a:schemeClr val="accent1"/>
+          </a:fillRef>
+          <a:effectRef idx="0">
+            <a:schemeClr val="accent1"/>
+          </a:effectRef>
+          <a:fontRef idx="minor">
+            <a:schemeClr val="lt1"/>
+          </a:fontRef>
+        </p:style>
+        <p:txBody>
+          <a:bodyPr rtlCol="0" anchor="ctr"/>
+          <a:lstStyle/>
+          <a:p>
+            <a:pPr algn="ctr"/>
+            <a:endParaRPr lang="zh-CN" altLang="en-US"/>
+          </a:p>
+        </p:txBody>
+      </p:sp>
+      <p:sp>
+        <p:nvSpPr>
+          <p:cNvPr id="25" name="椭圆 24">
+            <a:extLst>
+              <a:ext uri="{FF2B5EF4-FFF2-40B4-BE49-F238E27FC236}">
+                <a16:creationId xmlns:a16="http://schemas.microsoft.com/office/drawing/2014/main" id="{256919B4-6C72-BA19-B2C8-2DDDA4F90620}"/>
+              </a:ext>
+            </a:extLst>
+          </p:cNvPr>
+          <p:cNvSpPr/>
+          <p:nvPr/>
+        </p:nvSpPr>
+        <p:spPr>
+          <a:xfrm>
+            <a:off x="10085934" y="4394484"/>
+            <a:ext cx="86400" cy="86400"/>
+          </a:xfrm>
+          <a:prstGeom prst="ellipse">
+            <a:avLst/>
+          </a:prstGeom>
+          <a:solidFill>
+            <a:schemeClr val="tx1"/>
+          </a:solidFill>
+        </p:spPr>
+        <p:style>
+          <a:lnRef idx="2">
+            <a:schemeClr val="accent1">
+              <a:shade val="15000"/>
+            </a:schemeClr>
+          </a:lnRef>
+          <a:fillRef idx="1">
+            <a:schemeClr val="accent1"/>
+          </a:fillRef>
+          <a:effectRef idx="0">
+            <a:schemeClr val="accent1"/>
+          </a:effectRef>
+          <a:fontRef idx="minor">
+            <a:schemeClr val="lt1"/>
+          </a:fontRef>
+        </p:style>
+        <p:txBody>
+          <a:bodyPr rtlCol="0" anchor="ctr"/>
+          <a:lstStyle/>
+          <a:p>
+            <a:pPr algn="ctr"/>
+            <a:endParaRPr lang="zh-CN" altLang="en-US"/>
+          </a:p>
+        </p:txBody>
+      </p:sp>
+      <p:sp>
+        <p:nvSpPr>
+          <p:cNvPr id="26" name="椭圆 25">
+            <a:extLst>
+              <a:ext uri="{FF2B5EF4-FFF2-40B4-BE49-F238E27FC236}">
+                <a16:creationId xmlns:a16="http://schemas.microsoft.com/office/drawing/2014/main" id="{E0C8D91A-ECD1-24BD-57AC-8B87B1F8C96C}"/>
+              </a:ext>
+            </a:extLst>
+          </p:cNvPr>
+          <p:cNvSpPr/>
+          <p:nvPr/>
+        </p:nvSpPr>
+        <p:spPr>
+          <a:xfrm>
+            <a:off x="7803877" y="4394484"/>
+            <a:ext cx="86400" cy="86400"/>
+          </a:xfrm>
+          <a:prstGeom prst="ellipse">
+            <a:avLst/>
+          </a:prstGeom>
+          <a:solidFill>
+            <a:schemeClr val="tx1"/>
+          </a:solidFill>
+        </p:spPr>
+        <p:style>
+          <a:lnRef idx="2">
+            <a:schemeClr val="accent1">
+              <a:shade val="15000"/>
+            </a:schemeClr>
+          </a:lnRef>
+          <a:fillRef idx="1">
+            <a:schemeClr val="accent1"/>
+          </a:fillRef>
+          <a:effectRef idx="0">
+            <a:schemeClr val="accent1"/>
+          </a:effectRef>
+          <a:fontRef idx="minor">
+            <a:schemeClr val="lt1"/>
+          </a:fontRef>
+        </p:style>
+        <p:txBody>
+          <a:bodyPr rtlCol="0" anchor="ctr"/>
+          <a:lstStyle/>
+          <a:p>
+            <a:pPr algn="ctr"/>
+            <a:endParaRPr lang="zh-CN" altLang="en-US"/>
+          </a:p>
+        </p:txBody>
+      </p:sp>
+      <p:sp>
+        <p:nvSpPr>
+          <p:cNvPr id="27" name="椭圆 26">
+            <a:extLst>
+              <a:ext uri="{FF2B5EF4-FFF2-40B4-BE49-F238E27FC236}">
+                <a16:creationId xmlns:a16="http://schemas.microsoft.com/office/drawing/2014/main" id="{0F2B85B1-146B-70F0-A6E6-F8E0A2B9DE33}"/>
+              </a:ext>
+            </a:extLst>
+          </p:cNvPr>
+          <p:cNvSpPr/>
+          <p:nvPr/>
+        </p:nvSpPr>
+        <p:spPr>
+          <a:xfrm>
+            <a:off x="4945436" y="4394484"/>
+            <a:ext cx="86400" cy="86400"/>
+          </a:xfrm>
+          <a:prstGeom prst="ellipse">
+            <a:avLst/>
+          </a:prstGeom>
+          <a:solidFill>
+            <a:schemeClr val="tx1"/>
+          </a:solidFill>
+        </p:spPr>
+        <p:style>
+          <a:lnRef idx="2">
+            <a:schemeClr val="accent1">
+              <a:shade val="15000"/>
+            </a:schemeClr>
+          </a:lnRef>
+          <a:fillRef idx="1">
+            <a:schemeClr val="accent1"/>
+          </a:fillRef>
+          <a:effectRef idx="0">
+            <a:schemeClr val="accent1"/>
+          </a:effectRef>
+          <a:fontRef idx="minor">
+            <a:schemeClr val="lt1"/>
+          </a:fontRef>
+        </p:style>
+        <p:txBody>
+          <a:bodyPr rtlCol="0" anchor="ctr"/>
+          <a:lstStyle/>
+          <a:p>
+            <a:pPr algn="ctr"/>
+            <a:endParaRPr lang="zh-CN" altLang="en-US"/>
+          </a:p>
+        </p:txBody>
+      </p:sp>
+      <p:cxnSp>
+        <p:nvCxnSpPr>
+          <p:cNvPr id="29" name="连接符: 曲线 28">
+            <a:extLst>
+              <a:ext uri="{FF2B5EF4-FFF2-40B4-BE49-F238E27FC236}">
+                <a16:creationId xmlns:a16="http://schemas.microsoft.com/office/drawing/2014/main" id="{E1ADFF85-7CB6-3601-9A8D-E30F1022C166}"/>
+              </a:ext>
+            </a:extLst>
+          </p:cNvPr>
+          <p:cNvCxnSpPr>
+            <a:cxnSpLocks/>
+            <a:stCxn id="26" idx="0"/>
+            <a:endCxn id="27" idx="0"/>
+          </p:cNvCxnSpPr>
+          <p:nvPr/>
+        </p:nvCxnSpPr>
+        <p:spPr>
+          <a:xfrm rot="16200000" flipV="1">
+            <a:off x="6417857" y="2965263"/>
+            <a:ext cx="12700" cy="2858441"/>
+          </a:xfrm>
+          <a:prstGeom prst="curvedConnector3">
+            <a:avLst>
+              <a:gd name="adj1" fmla="val 4462496"/>
+            </a:avLst>
+          </a:prstGeom>
+          <a:ln>
+            <a:tailEnd type="triangle"/>
+          </a:ln>
+        </p:spPr>
+        <p:style>
+          <a:lnRef idx="2">
+            <a:schemeClr val="accent1"/>
+          </a:lnRef>
+          <a:fillRef idx="0">
+            <a:schemeClr val="accent1"/>
+          </a:fillRef>
+          <a:effectRef idx="1">
+            <a:schemeClr val="accent1"/>
+          </a:effectRef>
+          <a:fontRef idx="minor">
+            <a:schemeClr val="tx1"/>
+          </a:fontRef>
+        </p:style>
+      </p:cxnSp>
+      <p:cxnSp>
+        <p:nvCxnSpPr>
+          <p:cNvPr id="32" name="连接符: 曲线 31">
+            <a:extLst>
+              <a:ext uri="{FF2B5EF4-FFF2-40B4-BE49-F238E27FC236}">
+                <a16:creationId xmlns:a16="http://schemas.microsoft.com/office/drawing/2014/main" id="{58D6B214-48E0-4B92-F084-F5C6D3C1E5D9}"/>
+              </a:ext>
+            </a:extLst>
+          </p:cNvPr>
+          <p:cNvCxnSpPr>
+            <a:cxnSpLocks/>
+            <a:stCxn id="25" idx="3"/>
+            <a:endCxn id="27" idx="4"/>
+          </p:cNvCxnSpPr>
+          <p:nvPr/>
+        </p:nvCxnSpPr>
+        <p:spPr>
+          <a:xfrm rot="5400000">
+            <a:off x="7537286" y="1919582"/>
+            <a:ext cx="12653" cy="5109951"/>
+          </a:xfrm>
+          <a:prstGeom prst="curvedConnector3">
+            <a:avLst>
+              <a:gd name="adj1" fmla="val 4240322"/>
+            </a:avLst>
+          </a:prstGeom>
+          <a:ln>
+            <a:tailEnd type="triangle"/>
+          </a:ln>
+        </p:spPr>
+        <p:style>
+          <a:lnRef idx="2">
+            <a:schemeClr val="accent1"/>
+          </a:lnRef>
+          <a:fillRef idx="0">
+            <a:schemeClr val="accent1"/>
+          </a:fillRef>
+          <a:effectRef idx="1">
+            <a:schemeClr val="accent1"/>
+          </a:effectRef>
+          <a:fontRef idx="minor">
+            <a:schemeClr val="tx1"/>
+          </a:fontRef>
+        </p:style>
+      </p:cxnSp>
+      <p:cxnSp>
+        <p:nvCxnSpPr>
+          <p:cNvPr id="37" name="连接符: 曲线 36">
+            <a:extLst>
+              <a:ext uri="{FF2B5EF4-FFF2-40B4-BE49-F238E27FC236}">
+                <a16:creationId xmlns:a16="http://schemas.microsoft.com/office/drawing/2014/main" id="{12AA4892-4378-E108-F237-6817A728C41C}"/>
+              </a:ext>
+            </a:extLst>
+          </p:cNvPr>
+          <p:cNvCxnSpPr>
+            <a:cxnSpLocks/>
+            <a:stCxn id="24" idx="3"/>
+            <a:endCxn id="27" idx="5"/>
+          </p:cNvCxnSpPr>
+          <p:nvPr/>
+        </p:nvCxnSpPr>
+        <p:spPr>
+          <a:xfrm rot="5400000">
+            <a:off x="8706168" y="781247"/>
+            <a:ext cx="12700" cy="7373969"/>
+          </a:xfrm>
+          <a:prstGeom prst="curvedConnector3">
+            <a:avLst>
+              <a:gd name="adj1" fmla="val 9219630"/>
+            </a:avLst>
+          </a:prstGeom>
+          <a:ln>
+            <a:tailEnd type="triangle"/>
+          </a:ln>
+        </p:spPr>
+        <p:style>
+          <a:lnRef idx="2">
+            <a:schemeClr val="accent1"/>
+          </a:lnRef>
+          <a:fillRef idx="0">
+            <a:schemeClr val="accent1"/>
+          </a:fillRef>
+          <a:effectRef idx="1">
+            <a:schemeClr val="accent1"/>
+          </a:effectRef>
+          <a:fontRef idx="minor">
+            <a:schemeClr val="tx1"/>
+          </a:fontRef>
+        </p:style>
+      </p:cxnSp>
+      <p:cxnSp>
+        <p:nvCxnSpPr>
+          <p:cNvPr id="41" name="连接符: 曲线 40">
+            <a:extLst>
+              <a:ext uri="{FF2B5EF4-FFF2-40B4-BE49-F238E27FC236}">
+                <a16:creationId xmlns:a16="http://schemas.microsoft.com/office/drawing/2014/main" id="{5BE21CD5-A95C-6FCC-B6B8-B2C4C9DBFCCB}"/>
+              </a:ext>
+            </a:extLst>
+          </p:cNvPr>
+          <p:cNvCxnSpPr>
+            <a:cxnSpLocks/>
+            <a:stCxn id="23" idx="3"/>
+            <a:endCxn id="27" idx="5"/>
+          </p:cNvCxnSpPr>
+          <p:nvPr/>
+        </p:nvCxnSpPr>
+        <p:spPr>
+          <a:xfrm rot="5400000">
+            <a:off x="9196912" y="290503"/>
+            <a:ext cx="12700" cy="8355457"/>
+          </a:xfrm>
+          <a:prstGeom prst="curvedConnector3">
+            <a:avLst>
+              <a:gd name="adj1" fmla="val 13139630"/>
+            </a:avLst>
+          </a:prstGeom>
+          <a:ln>
+            <a:tailEnd type="triangle"/>
+          </a:ln>
+        </p:spPr>
+        <p:style>
+          <a:lnRef idx="2">
+            <a:schemeClr val="accent1"/>
+          </a:lnRef>
+          <a:fillRef idx="0">
+            <a:schemeClr val="accent1"/>
+          </a:fillRef>
+          <a:effectRef idx="1">
+            <a:schemeClr val="accent1"/>
+          </a:effectRef>
+          <a:fontRef idx="minor">
+            <a:schemeClr val="tx1"/>
+          </a:fontRef>
+        </p:style>
+      </p:cxnSp>
+      <mc:AlternateContent xmlns:mc="http://schemas.openxmlformats.org/markup-compatibility/2006">
+        <mc:Choice xmlns:a14="http://schemas.microsoft.com/office/drawing/2010/main" Requires="a14">
+          <p:sp>
+            <p:nvSpPr>
+              <p:cNvPr id="49" name="文本框 48">
+                <a:extLst>
+                  <a:ext uri="{FF2B5EF4-FFF2-40B4-BE49-F238E27FC236}">
+                    <a16:creationId xmlns:a16="http://schemas.microsoft.com/office/drawing/2014/main" id="{51BAC4B9-44E2-5C1A-D60C-4C58074BADBB}"/>
+                  </a:ext>
+                </a:extLst>
+              </p:cNvPr>
+              <p:cNvSpPr txBox="1"/>
+              <p:nvPr/>
+            </p:nvSpPr>
+            <p:spPr>
+              <a:xfrm>
+                <a:off x="12380499" y="5435873"/>
+                <a:ext cx="1036116" cy="320537"/>
+              </a:xfrm>
+              <a:prstGeom prst="rect">
+                <a:avLst/>
+              </a:prstGeom>
+              <a:noFill/>
+            </p:spPr>
+            <p:txBody>
+              <a:bodyPr wrap="none" lIns="0" tIns="0" rIns="0" bIns="0" rtlCol="0">
+                <a:spAutoFit/>
+              </a:bodyPr>
+              <a:lstStyle/>
+              <a:p>
+                <a14:m>
+                  <m:oMathPara xmlns:m="http://schemas.openxmlformats.org/officeDocument/2006/math">
+                    <m:oMathParaPr>
+                      <m:jc m:val="centerGroup"/>
+                    </m:oMathParaPr>
+                    <m:oMath xmlns:m="http://schemas.openxmlformats.org/officeDocument/2006/math">
+                      <m:sSub>
+                        <m:sSubPr>
+                          <m:ctrlPr>
+                            <a:rPr lang="en-US" altLang="zh-CN" i="1" smtClean="0">
+                              <a:latin typeface="Cambria Math" panose="02040503050406030204" pitchFamily="18" charset="0"/>
+                            </a:rPr>
+                          </m:ctrlPr>
+                        </m:sSubPr>
+                        <m:e>
+                          <m:r>
+                            <a:rPr lang="en-US" altLang="zh-CN" b="0" i="1" smtClean="0">
+                              <a:latin typeface="Cambria Math" panose="02040503050406030204" pitchFamily="18" charset="0"/>
+                            </a:rPr>
+                            <m:t>𝑓</m:t>
+                          </m:r>
+                        </m:e>
+                        <m:sub>
+                          <m:r>
+                            <a:rPr lang="zh-CN" altLang="en-US" i="1" smtClean="0">
+                              <a:latin typeface="Cambria Math" panose="02040503050406030204" pitchFamily="18" charset="0"/>
+                            </a:rPr>
+                            <m:t>𝜃</m:t>
+                          </m:r>
+                        </m:sub>
+                      </m:sSub>
+                      <m:d>
+                        <m:dPr>
+                          <m:ctrlPr>
+                            <a:rPr lang="en-US" altLang="zh-CN" i="1" smtClean="0">
+                              <a:latin typeface="Cambria Math" panose="02040503050406030204" pitchFamily="18" charset="0"/>
+                            </a:rPr>
+                          </m:ctrlPr>
+                        </m:dPr>
+                        <m:e>
+                          <m:sSub>
+                            <m:sSubPr>
+                              <m:ctrlPr>
+                                <a:rPr lang="en-US" altLang="zh-CN" b="0" i="1" smtClean="0">
+                                  <a:latin typeface="Cambria Math" panose="02040503050406030204" pitchFamily="18" charset="0"/>
+                                </a:rPr>
+                              </m:ctrlPr>
+                            </m:sSubPr>
+                            <m:e>
+                              <m:r>
+                                <a:rPr lang="en-US" altLang="zh-CN" b="0" i="1" smtClean="0">
+                                  <a:latin typeface="Cambria Math" panose="02040503050406030204" pitchFamily="18" charset="0"/>
+                                </a:rPr>
+                                <m:t>𝑥</m:t>
+                              </m:r>
+                            </m:e>
+                            <m:sub>
+                              <m:sSub>
+                                <m:sSubPr>
+                                  <m:ctrlPr>
+                                    <a:rPr lang="en-US" altLang="zh-CN" i="1">
+                                      <a:latin typeface="Cambria Math" panose="02040503050406030204" pitchFamily="18" charset="0"/>
+                                    </a:rPr>
+                                  </m:ctrlPr>
+                                </m:sSubPr>
+                                <m:e>
+                                  <m:r>
+                                    <a:rPr lang="en-US" altLang="zh-CN" i="1">
+                                      <a:latin typeface="Cambria Math" panose="02040503050406030204" pitchFamily="18" charset="0"/>
+                                    </a:rPr>
+                                    <m:t>𝑡</m:t>
+                                  </m:r>
+                                </m:e>
+                                <m:sub>
+                                  <m:r>
+                                    <a:rPr lang="en-US" altLang="zh-CN" i="1">
+                                      <a:latin typeface="Cambria Math" panose="02040503050406030204" pitchFamily="18" charset="0"/>
+                                    </a:rPr>
+                                    <m:t>1</m:t>
+                                  </m:r>
+                                </m:sub>
+                              </m:sSub>
+                            </m:sub>
+                          </m:sSub>
+                          <m:r>
+                            <a:rPr lang="en-US" altLang="zh-CN" b="0" i="1" smtClean="0">
+                              <a:latin typeface="Cambria Math" panose="02040503050406030204" pitchFamily="18" charset="0"/>
+                            </a:rPr>
+                            <m:t>, </m:t>
+                          </m:r>
+                          <m:sSub>
+                            <m:sSubPr>
+                              <m:ctrlPr>
+                                <a:rPr lang="en-US" altLang="zh-CN" b="0" i="1" smtClean="0">
+                                  <a:latin typeface="Cambria Math" panose="02040503050406030204" pitchFamily="18" charset="0"/>
+                                </a:rPr>
+                              </m:ctrlPr>
+                            </m:sSubPr>
+                            <m:e>
+                              <m:r>
+                                <a:rPr lang="en-US" altLang="zh-CN" b="0" i="1" smtClean="0">
+                                  <a:latin typeface="Cambria Math" panose="02040503050406030204" pitchFamily="18" charset="0"/>
+                                </a:rPr>
+                                <m:t>𝑡</m:t>
+                              </m:r>
+                            </m:e>
+                            <m:sub>
+                              <m:r>
+                                <a:rPr lang="en-US" altLang="zh-CN" b="0" i="1" smtClean="0">
+                                  <a:latin typeface="Cambria Math" panose="02040503050406030204" pitchFamily="18" charset="0"/>
+                                </a:rPr>
+                                <m:t>1</m:t>
+                              </m:r>
+                            </m:sub>
+                          </m:sSub>
+                        </m:e>
+                      </m:d>
+                    </m:oMath>
+                  </m:oMathPara>
+                </a14:m>
+                <a:endParaRPr lang="zh-CN" altLang="en-US" dirty="0"/>
+              </a:p>
+            </p:txBody>
+          </p:sp>
+        </mc:Choice>
+        <mc:Fallback>
+          <p:sp>
+            <p:nvSpPr>
+              <p:cNvPr id="49" name="文本框 48">
+                <a:extLst>
+                  <a:ext uri="{FF2B5EF4-FFF2-40B4-BE49-F238E27FC236}">
+                    <a16:creationId xmlns:a16="http://schemas.microsoft.com/office/drawing/2014/main" id="{51BAC4B9-44E2-5C1A-D60C-4C58074BADBB}"/>
+                  </a:ext>
+                </a:extLst>
+              </p:cNvPr>
+              <p:cNvSpPr txBox="1">
+                <a:spLocks noRot="1" noChangeAspect="1" noMove="1" noResize="1" noEditPoints="1" noAdjustHandles="1" noChangeArrowheads="1" noChangeShapeType="1" noTextEdit="1"/>
+              </p:cNvSpPr>
+              <p:nvPr/>
+            </p:nvSpPr>
+            <p:spPr>
+              <a:xfrm>
+                <a:off x="12380499" y="5435873"/>
+                <a:ext cx="1036116" cy="320537"/>
+              </a:xfrm>
+              <a:prstGeom prst="rect">
+                <a:avLst/>
+              </a:prstGeom>
+              <a:blipFill>
+                <a:blip r:embed="rId16"/>
+                <a:stretch>
+                  <a:fillRect l="-7647" b="-25000"/>
+                </a:stretch>
+              </a:blipFill>
+            </p:spPr>
+            <p:txBody>
+              <a:bodyPr/>
+              <a:lstStyle/>
+              <a:p>
+                <a:r>
+                  <a:rPr lang="zh-CN" altLang="en-US">
+                    <a:noFill/>
+                  </a:rPr>
+                  <a:t> </a:t>
+                </a:r>
+              </a:p>
+            </p:txBody>
+          </p:sp>
+        </mc:Fallback>
+      </mc:AlternateContent>
+      <mc:AlternateContent xmlns:mc="http://schemas.openxmlformats.org/markup-compatibility/2006">
+        <mc:Choice xmlns:a14="http://schemas.microsoft.com/office/drawing/2010/main" Requires="a14">
+          <p:sp>
+            <p:nvSpPr>
+              <p:cNvPr id="52" name="文本框 51">
+                <a:extLst>
+                  <a:ext uri="{FF2B5EF4-FFF2-40B4-BE49-F238E27FC236}">
+                    <a16:creationId xmlns:a16="http://schemas.microsoft.com/office/drawing/2014/main" id="{6DB9AD60-3E6C-1732-6AAA-2AD1481F89C7}"/>
+                  </a:ext>
+                </a:extLst>
+              </p:cNvPr>
+              <p:cNvSpPr txBox="1"/>
+              <p:nvPr/>
+            </p:nvSpPr>
+            <p:spPr>
+              <a:xfrm>
+                <a:off x="10019949" y="4963024"/>
+                <a:ext cx="1041439" cy="320537"/>
+              </a:xfrm>
+              <a:prstGeom prst="rect">
+                <a:avLst/>
+              </a:prstGeom>
+              <a:noFill/>
+            </p:spPr>
+            <p:txBody>
+              <a:bodyPr wrap="none" lIns="0" tIns="0" rIns="0" bIns="0" rtlCol="0">
+                <a:spAutoFit/>
+              </a:bodyPr>
+              <a:lstStyle/>
+              <a:p>
+                <a14:m>
+                  <m:oMathPara xmlns:m="http://schemas.openxmlformats.org/officeDocument/2006/math">
+                    <m:oMathParaPr>
+                      <m:jc m:val="centerGroup"/>
+                    </m:oMathParaPr>
+                    <m:oMath xmlns:m="http://schemas.openxmlformats.org/officeDocument/2006/math">
+                      <m:sSub>
+                        <m:sSubPr>
+                          <m:ctrlPr>
+                            <a:rPr lang="en-US" altLang="zh-CN" i="1" smtClean="0">
+                              <a:latin typeface="Cambria Math" panose="02040503050406030204" pitchFamily="18" charset="0"/>
+                            </a:rPr>
+                          </m:ctrlPr>
+                        </m:sSubPr>
+                        <m:e>
+                          <m:r>
+                            <a:rPr lang="en-US" altLang="zh-CN" b="0" i="1" smtClean="0">
+                              <a:latin typeface="Cambria Math" panose="02040503050406030204" pitchFamily="18" charset="0"/>
+                            </a:rPr>
+                            <m:t>𝑓</m:t>
+                          </m:r>
+                        </m:e>
+                        <m:sub>
+                          <m:r>
+                            <a:rPr lang="zh-CN" altLang="en-US" i="1" smtClean="0">
+                              <a:latin typeface="Cambria Math" panose="02040503050406030204" pitchFamily="18" charset="0"/>
+                            </a:rPr>
+                            <m:t>𝜃</m:t>
+                          </m:r>
+                        </m:sub>
+                      </m:sSub>
+                      <m:d>
+                        <m:dPr>
+                          <m:ctrlPr>
+                            <a:rPr lang="en-US" altLang="zh-CN" i="1" smtClean="0">
+                              <a:latin typeface="Cambria Math" panose="02040503050406030204" pitchFamily="18" charset="0"/>
+                            </a:rPr>
+                          </m:ctrlPr>
+                        </m:dPr>
+                        <m:e>
+                          <m:sSub>
+                            <m:sSubPr>
+                              <m:ctrlPr>
+                                <a:rPr lang="en-US" altLang="zh-CN" b="0" i="1" smtClean="0">
+                                  <a:latin typeface="Cambria Math" panose="02040503050406030204" pitchFamily="18" charset="0"/>
+                                </a:rPr>
+                              </m:ctrlPr>
+                            </m:sSubPr>
+                            <m:e>
+                              <m:r>
+                                <a:rPr lang="en-US" altLang="zh-CN" b="0" i="1" smtClean="0">
+                                  <a:latin typeface="Cambria Math" panose="02040503050406030204" pitchFamily="18" charset="0"/>
+                                </a:rPr>
+                                <m:t>𝑥</m:t>
+                              </m:r>
+                            </m:e>
+                            <m:sub>
+                              <m:sSub>
+                                <m:sSubPr>
+                                  <m:ctrlPr>
+                                    <a:rPr lang="en-US" altLang="zh-CN" i="1">
+                                      <a:latin typeface="Cambria Math" panose="02040503050406030204" pitchFamily="18" charset="0"/>
+                                    </a:rPr>
+                                  </m:ctrlPr>
+                                </m:sSubPr>
+                                <m:e>
+                                  <m:r>
+                                    <a:rPr lang="en-US" altLang="zh-CN" i="1">
+                                      <a:latin typeface="Cambria Math" panose="02040503050406030204" pitchFamily="18" charset="0"/>
+                                    </a:rPr>
+                                    <m:t>𝑡</m:t>
+                                  </m:r>
+                                </m:e>
+                                <m:sub>
+                                  <m:r>
+                                    <a:rPr lang="en-US" altLang="zh-CN" b="0" i="1" smtClean="0">
+                                      <a:latin typeface="Cambria Math" panose="02040503050406030204" pitchFamily="18" charset="0"/>
+                                    </a:rPr>
+                                    <m:t>2</m:t>
+                                  </m:r>
+                                </m:sub>
+                              </m:sSub>
+                            </m:sub>
+                          </m:sSub>
+                          <m:r>
+                            <a:rPr lang="en-US" altLang="zh-CN" b="0" i="1" smtClean="0">
+                              <a:latin typeface="Cambria Math" panose="02040503050406030204" pitchFamily="18" charset="0"/>
+                            </a:rPr>
+                            <m:t>, </m:t>
+                          </m:r>
+                          <m:sSub>
+                            <m:sSubPr>
+                              <m:ctrlPr>
+                                <a:rPr lang="en-US" altLang="zh-CN" b="0" i="1" smtClean="0">
+                                  <a:latin typeface="Cambria Math" panose="02040503050406030204" pitchFamily="18" charset="0"/>
+                                </a:rPr>
+                              </m:ctrlPr>
+                            </m:sSubPr>
+                            <m:e>
+                              <m:r>
+                                <a:rPr lang="en-US" altLang="zh-CN" b="0" i="1" smtClean="0">
+                                  <a:latin typeface="Cambria Math" panose="02040503050406030204" pitchFamily="18" charset="0"/>
+                                </a:rPr>
+                                <m:t>𝑡</m:t>
+                              </m:r>
+                            </m:e>
+                            <m:sub>
+                              <m:r>
+                                <a:rPr lang="en-US" altLang="zh-CN" b="0" i="1" smtClean="0">
+                                  <a:latin typeface="Cambria Math" panose="02040503050406030204" pitchFamily="18" charset="0"/>
+                                </a:rPr>
+                                <m:t>2</m:t>
+                              </m:r>
+                            </m:sub>
+                          </m:sSub>
+                        </m:e>
+                      </m:d>
+                    </m:oMath>
+                  </m:oMathPara>
+                </a14:m>
+                <a:endParaRPr lang="zh-CN" altLang="en-US" dirty="0"/>
+              </a:p>
+            </p:txBody>
+          </p:sp>
+        </mc:Choice>
+        <mc:Fallback>
+          <p:sp>
+            <p:nvSpPr>
+              <p:cNvPr id="52" name="文本框 51">
+                <a:extLst>
+                  <a:ext uri="{FF2B5EF4-FFF2-40B4-BE49-F238E27FC236}">
+                    <a16:creationId xmlns:a16="http://schemas.microsoft.com/office/drawing/2014/main" id="{6DB9AD60-3E6C-1732-6AAA-2AD1481F89C7}"/>
+                  </a:ext>
+                </a:extLst>
+              </p:cNvPr>
+              <p:cNvSpPr txBox="1">
+                <a:spLocks noRot="1" noChangeAspect="1" noMove="1" noResize="1" noEditPoints="1" noAdjustHandles="1" noChangeArrowheads="1" noChangeShapeType="1" noTextEdit="1"/>
+              </p:cNvSpPr>
+              <p:nvPr/>
+            </p:nvSpPr>
+            <p:spPr>
+              <a:xfrm>
+                <a:off x="10019949" y="4963024"/>
+                <a:ext cx="1041439" cy="320537"/>
+              </a:xfrm>
+              <a:prstGeom prst="rect">
+                <a:avLst/>
+              </a:prstGeom>
+              <a:blipFill>
+                <a:blip r:embed="rId17"/>
+                <a:stretch>
+                  <a:fillRect l="-7602" b="-22642"/>
+                </a:stretch>
+              </a:blipFill>
+            </p:spPr>
+            <p:txBody>
+              <a:bodyPr/>
+              <a:lstStyle/>
+              <a:p>
+                <a:r>
+                  <a:rPr lang="zh-CN" altLang="en-US">
+                    <a:noFill/>
+                  </a:rPr>
+                  <a:t> </a:t>
+                </a:r>
+              </a:p>
+            </p:txBody>
+          </p:sp>
+        </mc:Fallback>
+      </mc:AlternateContent>
+      <mc:AlternateContent xmlns:mc="http://schemas.openxmlformats.org/markup-compatibility/2006">
+        <mc:Choice xmlns:a14="http://schemas.microsoft.com/office/drawing/2010/main" Requires="a14">
+          <p:sp>
+            <p:nvSpPr>
+              <p:cNvPr id="53" name="文本框 52">
+                <a:extLst>
+                  <a:ext uri="{FF2B5EF4-FFF2-40B4-BE49-F238E27FC236}">
+                    <a16:creationId xmlns:a16="http://schemas.microsoft.com/office/drawing/2014/main" id="{3242C468-DEB2-95C8-FE17-BC629A6B78F6}"/>
+                  </a:ext>
+                </a:extLst>
+              </p:cNvPr>
+              <p:cNvSpPr txBox="1"/>
+              <p:nvPr/>
+            </p:nvSpPr>
+            <p:spPr>
+              <a:xfrm>
+                <a:off x="6939867" y="4611652"/>
+                <a:ext cx="1041439" cy="321819"/>
+              </a:xfrm>
+              <a:prstGeom prst="rect">
+                <a:avLst/>
+              </a:prstGeom>
+              <a:noFill/>
+            </p:spPr>
+            <p:txBody>
+              <a:bodyPr wrap="none" lIns="0" tIns="0" rIns="0" bIns="0" rtlCol="0">
+                <a:spAutoFit/>
+              </a:bodyPr>
+              <a:lstStyle/>
+              <a:p>
+                <a14:m>
+                  <m:oMathPara xmlns:m="http://schemas.openxmlformats.org/officeDocument/2006/math">
+                    <m:oMathParaPr>
+                      <m:jc m:val="centerGroup"/>
+                    </m:oMathParaPr>
+                    <m:oMath xmlns:m="http://schemas.openxmlformats.org/officeDocument/2006/math">
+                      <m:sSub>
+                        <m:sSubPr>
+                          <m:ctrlPr>
+                            <a:rPr lang="en-US" altLang="zh-CN" i="1" smtClean="0">
+                              <a:latin typeface="Cambria Math" panose="02040503050406030204" pitchFamily="18" charset="0"/>
+                            </a:rPr>
+                          </m:ctrlPr>
+                        </m:sSubPr>
+                        <m:e>
+                          <m:r>
+                            <a:rPr lang="en-US" altLang="zh-CN" b="0" i="1" smtClean="0">
+                              <a:latin typeface="Cambria Math" panose="02040503050406030204" pitchFamily="18" charset="0"/>
+                            </a:rPr>
+                            <m:t>𝑓</m:t>
+                          </m:r>
+                        </m:e>
+                        <m:sub>
+                          <m:r>
+                            <a:rPr lang="zh-CN" altLang="en-US" i="1" smtClean="0">
+                              <a:latin typeface="Cambria Math" panose="02040503050406030204" pitchFamily="18" charset="0"/>
+                            </a:rPr>
+                            <m:t>𝜃</m:t>
+                          </m:r>
+                        </m:sub>
+                      </m:sSub>
+                      <m:d>
+                        <m:dPr>
+                          <m:ctrlPr>
+                            <a:rPr lang="en-US" altLang="zh-CN" i="1" smtClean="0">
+                              <a:latin typeface="Cambria Math" panose="02040503050406030204" pitchFamily="18" charset="0"/>
+                            </a:rPr>
+                          </m:ctrlPr>
+                        </m:dPr>
+                        <m:e>
+                          <m:sSub>
+                            <m:sSubPr>
+                              <m:ctrlPr>
+                                <a:rPr lang="en-US" altLang="zh-CN" b="0" i="1" smtClean="0">
+                                  <a:latin typeface="Cambria Math" panose="02040503050406030204" pitchFamily="18" charset="0"/>
+                                </a:rPr>
+                              </m:ctrlPr>
+                            </m:sSubPr>
+                            <m:e>
+                              <m:r>
+                                <a:rPr lang="en-US" altLang="zh-CN" b="0" i="1" smtClean="0">
+                                  <a:latin typeface="Cambria Math" panose="02040503050406030204" pitchFamily="18" charset="0"/>
+                                </a:rPr>
+                                <m:t>𝑥</m:t>
+                              </m:r>
+                            </m:e>
+                            <m:sub>
+                              <m:sSub>
+                                <m:sSubPr>
+                                  <m:ctrlPr>
+                                    <a:rPr lang="en-US" altLang="zh-CN" i="1" smtClean="0">
+                                      <a:latin typeface="Cambria Math" panose="02040503050406030204" pitchFamily="18" charset="0"/>
+                                    </a:rPr>
+                                  </m:ctrlPr>
+                                </m:sSubPr>
+                                <m:e>
+                                  <m:r>
+                                    <a:rPr lang="en-US" altLang="zh-CN" i="1">
+                                      <a:latin typeface="Cambria Math" panose="02040503050406030204" pitchFamily="18" charset="0"/>
+                                    </a:rPr>
+                                    <m:t>𝑡</m:t>
+                                  </m:r>
+                                </m:e>
+                                <m:sub>
+                                  <m:r>
+                                    <a:rPr lang="en-US" altLang="zh-CN" b="0" i="1" smtClean="0">
+                                      <a:latin typeface="Cambria Math" panose="02040503050406030204" pitchFamily="18" charset="0"/>
+                                    </a:rPr>
+                                    <m:t>3</m:t>
+                                  </m:r>
+                                </m:sub>
+                              </m:sSub>
+                            </m:sub>
+                          </m:sSub>
+                          <m:r>
+                            <a:rPr lang="en-US" altLang="zh-CN" b="0" i="1" smtClean="0">
+                              <a:latin typeface="Cambria Math" panose="02040503050406030204" pitchFamily="18" charset="0"/>
+                            </a:rPr>
+                            <m:t>, </m:t>
+                          </m:r>
+                          <m:sSub>
+                            <m:sSubPr>
+                              <m:ctrlPr>
+                                <a:rPr lang="en-US" altLang="zh-CN" b="0" i="1" smtClean="0">
+                                  <a:latin typeface="Cambria Math" panose="02040503050406030204" pitchFamily="18" charset="0"/>
+                                </a:rPr>
+                              </m:ctrlPr>
+                            </m:sSubPr>
+                            <m:e>
+                              <m:r>
+                                <a:rPr lang="en-US" altLang="zh-CN" b="0" i="1" smtClean="0">
+                                  <a:latin typeface="Cambria Math" panose="02040503050406030204" pitchFamily="18" charset="0"/>
+                                </a:rPr>
+                                <m:t>𝑡</m:t>
+                              </m:r>
+                            </m:e>
+                            <m:sub>
+                              <m:r>
+                                <a:rPr lang="en-US" altLang="zh-CN" b="0" i="1" smtClean="0">
+                                  <a:latin typeface="Cambria Math" panose="02040503050406030204" pitchFamily="18" charset="0"/>
+                                </a:rPr>
+                                <m:t>3</m:t>
+                              </m:r>
+                            </m:sub>
+                          </m:sSub>
+                        </m:e>
+                      </m:d>
+                    </m:oMath>
+                  </m:oMathPara>
+                </a14:m>
+                <a:endParaRPr lang="zh-CN" altLang="en-US" dirty="0"/>
+              </a:p>
+            </p:txBody>
+          </p:sp>
+        </mc:Choice>
+        <mc:Fallback>
+          <p:sp>
+            <p:nvSpPr>
+              <p:cNvPr id="53" name="文本框 52">
+                <a:extLst>
+                  <a:ext uri="{FF2B5EF4-FFF2-40B4-BE49-F238E27FC236}">
+                    <a16:creationId xmlns:a16="http://schemas.microsoft.com/office/drawing/2014/main" id="{3242C468-DEB2-95C8-FE17-BC629A6B78F6}"/>
+                  </a:ext>
+                </a:extLst>
+              </p:cNvPr>
+              <p:cNvSpPr txBox="1">
+                <a:spLocks noRot="1" noChangeAspect="1" noMove="1" noResize="1" noEditPoints="1" noAdjustHandles="1" noChangeArrowheads="1" noChangeShapeType="1" noTextEdit="1"/>
+              </p:cNvSpPr>
+              <p:nvPr/>
+            </p:nvSpPr>
+            <p:spPr>
+              <a:xfrm>
+                <a:off x="6939867" y="4611652"/>
+                <a:ext cx="1041439" cy="321819"/>
+              </a:xfrm>
+              <a:prstGeom prst="rect">
+                <a:avLst/>
+              </a:prstGeom>
+              <a:blipFill>
+                <a:blip r:embed="rId18"/>
+                <a:stretch>
+                  <a:fillRect l="-7602" b="-25000"/>
+                </a:stretch>
+              </a:blipFill>
+            </p:spPr>
+            <p:txBody>
+              <a:bodyPr/>
+              <a:lstStyle/>
+              <a:p>
+                <a:r>
+                  <a:rPr lang="zh-CN" altLang="en-US">
+                    <a:noFill/>
+                  </a:rPr>
+                  <a:t> </a:t>
+                </a:r>
+              </a:p>
+            </p:txBody>
+          </p:sp>
+        </mc:Fallback>
+      </mc:AlternateContent>
+      <mc:AlternateContent xmlns:mc="http://schemas.openxmlformats.org/markup-compatibility/2006">
+        <mc:Choice xmlns:a14="http://schemas.microsoft.com/office/drawing/2010/main" Requires="a14">
+          <p:sp>
+            <p:nvSpPr>
+              <p:cNvPr id="54" name="文本框 53">
+                <a:extLst>
+                  <a:ext uri="{FF2B5EF4-FFF2-40B4-BE49-F238E27FC236}">
+                    <a16:creationId xmlns:a16="http://schemas.microsoft.com/office/drawing/2014/main" id="{375E2FCA-2365-3283-53BA-AE2D24A52B62}"/>
+                  </a:ext>
+                </a:extLst>
+              </p:cNvPr>
+              <p:cNvSpPr txBox="1"/>
+              <p:nvPr/>
+            </p:nvSpPr>
+            <p:spPr>
+              <a:xfrm>
+                <a:off x="5948286" y="3941461"/>
+                <a:ext cx="1041439" cy="320537"/>
+              </a:xfrm>
+              <a:prstGeom prst="rect">
+                <a:avLst/>
+              </a:prstGeom>
+              <a:noFill/>
+            </p:spPr>
+            <p:txBody>
+              <a:bodyPr wrap="none" lIns="0" tIns="0" rIns="0" bIns="0" rtlCol="0">
+                <a:spAutoFit/>
+              </a:bodyPr>
+              <a:lstStyle/>
+              <a:p>
+                <a14:m>
+                  <m:oMathPara xmlns:m="http://schemas.openxmlformats.org/officeDocument/2006/math">
+                    <m:oMathParaPr>
+                      <m:jc m:val="centerGroup"/>
+                    </m:oMathParaPr>
+                    <m:oMath xmlns:m="http://schemas.openxmlformats.org/officeDocument/2006/math">
+                      <m:sSub>
+                        <m:sSubPr>
+                          <m:ctrlPr>
+                            <a:rPr lang="en-US" altLang="zh-CN" i="1" smtClean="0">
+                              <a:latin typeface="Cambria Math" panose="02040503050406030204" pitchFamily="18" charset="0"/>
+                            </a:rPr>
+                          </m:ctrlPr>
+                        </m:sSubPr>
+                        <m:e>
+                          <m:r>
+                            <a:rPr lang="en-US" altLang="zh-CN" b="0" i="1" smtClean="0">
+                              <a:latin typeface="Cambria Math" panose="02040503050406030204" pitchFamily="18" charset="0"/>
+                            </a:rPr>
+                            <m:t>𝑓</m:t>
+                          </m:r>
+                        </m:e>
+                        <m:sub>
+                          <m:r>
+                            <a:rPr lang="zh-CN" altLang="en-US" i="1" smtClean="0">
+                              <a:latin typeface="Cambria Math" panose="02040503050406030204" pitchFamily="18" charset="0"/>
+                            </a:rPr>
+                            <m:t>𝜃</m:t>
+                          </m:r>
+                        </m:sub>
+                      </m:sSub>
+                      <m:d>
+                        <m:dPr>
+                          <m:ctrlPr>
+                            <a:rPr lang="en-US" altLang="zh-CN" i="1" smtClean="0">
+                              <a:latin typeface="Cambria Math" panose="02040503050406030204" pitchFamily="18" charset="0"/>
+                            </a:rPr>
+                          </m:ctrlPr>
+                        </m:dPr>
+                        <m:e>
+                          <m:sSub>
+                            <m:sSubPr>
+                              <m:ctrlPr>
+                                <a:rPr lang="en-US" altLang="zh-CN" b="0" i="1" smtClean="0">
+                                  <a:latin typeface="Cambria Math" panose="02040503050406030204" pitchFamily="18" charset="0"/>
+                                </a:rPr>
+                              </m:ctrlPr>
+                            </m:sSubPr>
+                            <m:e>
+                              <m:r>
+                                <a:rPr lang="en-US" altLang="zh-CN" b="0" i="1" smtClean="0">
+                                  <a:latin typeface="Cambria Math" panose="02040503050406030204" pitchFamily="18" charset="0"/>
+                                </a:rPr>
+                                <m:t>𝑥</m:t>
+                              </m:r>
+                            </m:e>
+                            <m:sub>
+                              <m:sSub>
+                                <m:sSubPr>
+                                  <m:ctrlPr>
+                                    <a:rPr lang="en-US" altLang="zh-CN" i="1">
+                                      <a:latin typeface="Cambria Math" panose="02040503050406030204" pitchFamily="18" charset="0"/>
+                                    </a:rPr>
+                                  </m:ctrlPr>
+                                </m:sSubPr>
+                                <m:e>
+                                  <m:r>
+                                    <a:rPr lang="en-US" altLang="zh-CN" i="1">
+                                      <a:latin typeface="Cambria Math" panose="02040503050406030204" pitchFamily="18" charset="0"/>
+                                    </a:rPr>
+                                    <m:t>𝑡</m:t>
+                                  </m:r>
+                                </m:e>
+                                <m:sub>
+                                  <m:r>
+                                    <a:rPr lang="en-US" altLang="zh-CN" b="0" i="1" smtClean="0">
+                                      <a:latin typeface="Cambria Math" panose="02040503050406030204" pitchFamily="18" charset="0"/>
+                                    </a:rPr>
+                                    <m:t>4</m:t>
+                                  </m:r>
+                                </m:sub>
+                              </m:sSub>
+                            </m:sub>
+                          </m:sSub>
+                          <m:r>
+                            <a:rPr lang="en-US" altLang="zh-CN" b="0" i="1" smtClean="0">
+                              <a:latin typeface="Cambria Math" panose="02040503050406030204" pitchFamily="18" charset="0"/>
+                            </a:rPr>
+                            <m:t>, </m:t>
+                          </m:r>
+                          <m:sSub>
+                            <m:sSubPr>
+                              <m:ctrlPr>
+                                <a:rPr lang="en-US" altLang="zh-CN" b="0" i="1" smtClean="0">
+                                  <a:latin typeface="Cambria Math" panose="02040503050406030204" pitchFamily="18" charset="0"/>
+                                </a:rPr>
+                              </m:ctrlPr>
+                            </m:sSubPr>
+                            <m:e>
+                              <m:r>
+                                <a:rPr lang="en-US" altLang="zh-CN" b="0" i="1" smtClean="0">
+                                  <a:latin typeface="Cambria Math" panose="02040503050406030204" pitchFamily="18" charset="0"/>
+                                </a:rPr>
+                                <m:t>𝑡</m:t>
+                              </m:r>
+                            </m:e>
+                            <m:sub>
+                              <m:r>
+                                <a:rPr lang="en-US" altLang="zh-CN" b="0" i="1" smtClean="0">
+                                  <a:latin typeface="Cambria Math" panose="02040503050406030204" pitchFamily="18" charset="0"/>
+                                </a:rPr>
+                                <m:t>4</m:t>
+                              </m:r>
+                            </m:sub>
+                          </m:sSub>
+                        </m:e>
+                      </m:d>
+                    </m:oMath>
+                  </m:oMathPara>
+                </a14:m>
+                <a:endParaRPr lang="zh-CN" altLang="en-US" dirty="0"/>
+              </a:p>
+            </p:txBody>
+          </p:sp>
+        </mc:Choice>
+        <mc:Fallback>
+          <p:sp>
+            <p:nvSpPr>
+              <p:cNvPr id="54" name="文本框 53">
+                <a:extLst>
+                  <a:ext uri="{FF2B5EF4-FFF2-40B4-BE49-F238E27FC236}">
+                    <a16:creationId xmlns:a16="http://schemas.microsoft.com/office/drawing/2014/main" id="{375E2FCA-2365-3283-53BA-AE2D24A52B62}"/>
+                  </a:ext>
+                </a:extLst>
+              </p:cNvPr>
+              <p:cNvSpPr txBox="1">
+                <a:spLocks noRot="1" noChangeAspect="1" noMove="1" noResize="1" noEditPoints="1" noAdjustHandles="1" noChangeArrowheads="1" noChangeShapeType="1" noTextEdit="1"/>
+              </p:cNvSpPr>
+              <p:nvPr/>
+            </p:nvSpPr>
+            <p:spPr>
+              <a:xfrm>
+                <a:off x="5948286" y="3941461"/>
+                <a:ext cx="1041439" cy="320537"/>
+              </a:xfrm>
+              <a:prstGeom prst="rect">
+                <a:avLst/>
+              </a:prstGeom>
+              <a:blipFill>
+                <a:blip r:embed="rId19"/>
+                <a:stretch>
+                  <a:fillRect l="-7602" b="-25000"/>
+                </a:stretch>
+              </a:blipFill>
+            </p:spPr>
+            <p:txBody>
+              <a:bodyPr/>
+              <a:lstStyle/>
+              <a:p>
+                <a:r>
+                  <a:rPr lang="zh-CN" altLang="en-US">
+                    <a:noFill/>
+                  </a:rPr>
+                  <a:t> </a:t>
+                </a:r>
+              </a:p>
+            </p:txBody>
+          </p:sp>
+        </mc:Fallback>
+      </mc:AlternateContent>
+      <mc:AlternateContent xmlns:mc="http://schemas.openxmlformats.org/markup-compatibility/2006">
+        <mc:Choice xmlns:a14="http://schemas.microsoft.com/office/drawing/2010/main" Requires="a14">
+          <p:sp>
+            <p:nvSpPr>
+              <p:cNvPr id="61" name="文本框 60">
+                <a:extLst>
+                  <a:ext uri="{FF2B5EF4-FFF2-40B4-BE49-F238E27FC236}">
+                    <a16:creationId xmlns:a16="http://schemas.microsoft.com/office/drawing/2014/main" id="{E9625077-76B8-8262-9282-5DCC3FE65BBD}"/>
+                  </a:ext>
+                </a:extLst>
+              </p:cNvPr>
+              <p:cNvSpPr txBox="1"/>
+              <p:nvPr/>
+            </p:nvSpPr>
+            <p:spPr>
+              <a:xfrm>
+                <a:off x="7754891" y="4047006"/>
+                <a:ext cx="581026" cy="369332"/>
+              </a:xfrm>
+              <a:prstGeom prst="rect">
+                <a:avLst/>
+              </a:prstGeom>
+              <a:noFill/>
+            </p:spPr>
+            <p:txBody>
+              <a:bodyPr wrap="square">
+                <a:spAutoFit/>
+              </a:bodyPr>
+              <a:lstStyle/>
+              <a:p>
+                <a:pPr/>
+                <a14:m>
+                  <m:oMathPara xmlns:m="http://schemas.openxmlformats.org/officeDocument/2006/math">
+                    <m:oMathParaPr>
+                      <m:jc m:val="centerGroup"/>
+                    </m:oMathParaPr>
+                    <m:oMath xmlns:m="http://schemas.openxmlformats.org/officeDocument/2006/math">
+                      <m:sSub>
+                        <m:sSubPr>
+                          <m:ctrlPr>
+                            <a:rPr lang="en-US" altLang="zh-CN" b="0" i="1" smtClean="0">
+                              <a:solidFill>
+                                <a:schemeClr val="tx1"/>
+                              </a:solidFill>
+                              <a:latin typeface="Cambria Math" panose="02040503050406030204" pitchFamily="18" charset="0"/>
+                            </a:rPr>
+                          </m:ctrlPr>
+                        </m:sSubPr>
+                        <m:e>
+                          <m:r>
+                            <a:rPr lang="en-US" altLang="zh-CN" b="0" i="1" smtClean="0">
+                              <a:solidFill>
+                                <a:schemeClr val="tx1"/>
+                              </a:solidFill>
+                              <a:latin typeface="Cambria Math" panose="02040503050406030204" pitchFamily="18" charset="0"/>
+                            </a:rPr>
+                            <m:t>𝑡</m:t>
+                          </m:r>
+                        </m:e>
+                        <m:sub>
+                          <m:r>
+                            <a:rPr lang="en-US" altLang="zh-CN" b="0" i="1" smtClean="0">
+                              <a:solidFill>
+                                <a:schemeClr val="tx1"/>
+                              </a:solidFill>
+                              <a:latin typeface="Cambria Math" panose="02040503050406030204" pitchFamily="18" charset="0"/>
+                            </a:rPr>
+                            <m:t>4</m:t>
+                          </m:r>
+                        </m:sub>
+                      </m:sSub>
+                    </m:oMath>
+                  </m:oMathPara>
+                </a14:m>
+                <a:endParaRPr lang="zh-CN" altLang="en-US" dirty="0">
+                  <a:solidFill>
+                    <a:srgbClr val="00B0F0"/>
+                  </a:solidFill>
+                </a:endParaRPr>
+              </a:p>
+            </p:txBody>
+          </p:sp>
+        </mc:Choice>
+        <mc:Fallback>
+          <p:sp>
+            <p:nvSpPr>
+              <p:cNvPr id="61" name="文本框 60">
+                <a:extLst>
+                  <a:ext uri="{FF2B5EF4-FFF2-40B4-BE49-F238E27FC236}">
+                    <a16:creationId xmlns:a16="http://schemas.microsoft.com/office/drawing/2014/main" id="{E9625077-76B8-8262-9282-5DCC3FE65BBD}"/>
+                  </a:ext>
+                </a:extLst>
+              </p:cNvPr>
+              <p:cNvSpPr txBox="1">
+                <a:spLocks noRot="1" noChangeAspect="1" noMove="1" noResize="1" noEditPoints="1" noAdjustHandles="1" noChangeArrowheads="1" noChangeShapeType="1" noTextEdit="1"/>
+              </p:cNvSpPr>
+              <p:nvPr/>
+            </p:nvSpPr>
+            <p:spPr>
+              <a:xfrm>
+                <a:off x="7754891" y="4047006"/>
+                <a:ext cx="581026" cy="369332"/>
+              </a:xfrm>
+              <a:prstGeom prst="rect">
+                <a:avLst/>
+              </a:prstGeom>
+              <a:blipFill>
+                <a:blip r:embed="rId20"/>
+                <a:stretch>
+                  <a:fillRect/>
+                </a:stretch>
+              </a:blipFill>
+            </p:spPr>
+            <p:txBody>
+              <a:bodyPr/>
+              <a:lstStyle/>
+              <a:p>
+                <a:r>
+                  <a:rPr lang="zh-CN" altLang="en-US">
+                    <a:noFill/>
+                  </a:rPr>
+                  <a:t> </a:t>
+                </a:r>
+              </a:p>
+            </p:txBody>
+          </p:sp>
+        </mc:Fallback>
+      </mc:AlternateContent>
+      <mc:AlternateContent xmlns:mc="http://schemas.openxmlformats.org/markup-compatibility/2006">
+        <mc:Choice xmlns:a14="http://schemas.microsoft.com/office/drawing/2010/main" Requires="a14">
+          <p:sp>
+            <p:nvSpPr>
+              <p:cNvPr id="62" name="文本框 61">
+                <a:extLst>
+                  <a:ext uri="{FF2B5EF4-FFF2-40B4-BE49-F238E27FC236}">
+                    <a16:creationId xmlns:a16="http://schemas.microsoft.com/office/drawing/2014/main" id="{0F64133F-FD8B-2342-07EE-75F13AE37DAA}"/>
+                  </a:ext>
+                </a:extLst>
+              </p:cNvPr>
+              <p:cNvSpPr txBox="1"/>
+              <p:nvPr/>
+            </p:nvSpPr>
+            <p:spPr>
+              <a:xfrm>
+                <a:off x="10044443" y="4095724"/>
+                <a:ext cx="581026" cy="369332"/>
+              </a:xfrm>
+              <a:prstGeom prst="rect">
+                <a:avLst/>
+              </a:prstGeom>
+              <a:noFill/>
+            </p:spPr>
+            <p:txBody>
+              <a:bodyPr wrap="square">
+                <a:spAutoFit/>
+              </a:bodyPr>
+              <a:lstStyle/>
+              <a:p>
+                <a:pPr/>
+                <a14:m>
+                  <m:oMathPara xmlns:m="http://schemas.openxmlformats.org/officeDocument/2006/math">
+                    <m:oMathParaPr>
+                      <m:jc m:val="centerGroup"/>
+                    </m:oMathParaPr>
+                    <m:oMath xmlns:m="http://schemas.openxmlformats.org/officeDocument/2006/math">
+                      <m:sSub>
+                        <m:sSubPr>
+                          <m:ctrlPr>
+                            <a:rPr lang="en-US" altLang="zh-CN" b="0" i="1" smtClean="0">
+                              <a:solidFill>
+                                <a:schemeClr val="tx1"/>
+                              </a:solidFill>
+                              <a:latin typeface="Cambria Math" panose="02040503050406030204" pitchFamily="18" charset="0"/>
+                            </a:rPr>
+                          </m:ctrlPr>
+                        </m:sSubPr>
+                        <m:e>
+                          <m:r>
+                            <a:rPr lang="en-US" altLang="zh-CN" b="0" i="1" smtClean="0">
+                              <a:solidFill>
+                                <a:schemeClr val="tx1"/>
+                              </a:solidFill>
+                              <a:latin typeface="Cambria Math" panose="02040503050406030204" pitchFamily="18" charset="0"/>
+                            </a:rPr>
+                            <m:t>𝑡</m:t>
+                          </m:r>
+                        </m:e>
+                        <m:sub>
+                          <m:r>
+                            <a:rPr lang="en-US" altLang="zh-CN" b="0" i="1" smtClean="0">
+                              <a:solidFill>
+                                <a:schemeClr val="tx1"/>
+                              </a:solidFill>
+                              <a:latin typeface="Cambria Math" panose="02040503050406030204" pitchFamily="18" charset="0"/>
+                            </a:rPr>
+                            <m:t>3</m:t>
+                          </m:r>
+                        </m:sub>
+                      </m:sSub>
+                    </m:oMath>
+                  </m:oMathPara>
+                </a14:m>
+                <a:endParaRPr lang="zh-CN" altLang="en-US" dirty="0">
+                  <a:solidFill>
+                    <a:srgbClr val="00B0F0"/>
+                  </a:solidFill>
+                </a:endParaRPr>
+              </a:p>
+            </p:txBody>
+          </p:sp>
+        </mc:Choice>
+        <mc:Fallback>
+          <p:sp>
+            <p:nvSpPr>
+              <p:cNvPr id="62" name="文本框 61">
+                <a:extLst>
+                  <a:ext uri="{FF2B5EF4-FFF2-40B4-BE49-F238E27FC236}">
+                    <a16:creationId xmlns:a16="http://schemas.microsoft.com/office/drawing/2014/main" id="{0F64133F-FD8B-2342-07EE-75F13AE37DAA}"/>
+                  </a:ext>
+                </a:extLst>
+              </p:cNvPr>
+              <p:cNvSpPr txBox="1">
+                <a:spLocks noRot="1" noChangeAspect="1" noMove="1" noResize="1" noEditPoints="1" noAdjustHandles="1" noChangeArrowheads="1" noChangeShapeType="1" noTextEdit="1"/>
+              </p:cNvSpPr>
+              <p:nvPr/>
+            </p:nvSpPr>
+            <p:spPr>
+              <a:xfrm>
+                <a:off x="10044443" y="4095724"/>
+                <a:ext cx="581026" cy="369332"/>
+              </a:xfrm>
+              <a:prstGeom prst="rect">
+                <a:avLst/>
+              </a:prstGeom>
+              <a:blipFill>
+                <a:blip r:embed="rId21"/>
+                <a:stretch>
+                  <a:fillRect/>
+                </a:stretch>
+              </a:blipFill>
+            </p:spPr>
+            <p:txBody>
+              <a:bodyPr/>
+              <a:lstStyle/>
+              <a:p>
+                <a:r>
+                  <a:rPr lang="zh-CN" altLang="en-US">
+                    <a:noFill/>
+                  </a:rPr>
+                  <a:t> </a:t>
+                </a:r>
+              </a:p>
+            </p:txBody>
+          </p:sp>
+        </mc:Fallback>
+      </mc:AlternateContent>
+      <mc:AlternateContent xmlns:mc="http://schemas.openxmlformats.org/markup-compatibility/2006">
+        <mc:Choice xmlns:a14="http://schemas.microsoft.com/office/drawing/2010/main" Requires="a14">
+          <p:sp>
+            <p:nvSpPr>
+              <p:cNvPr id="63" name="文本框 62">
+                <a:extLst>
+                  <a:ext uri="{FF2B5EF4-FFF2-40B4-BE49-F238E27FC236}">
+                    <a16:creationId xmlns:a16="http://schemas.microsoft.com/office/drawing/2014/main" id="{F7362A9A-1C29-51D0-C132-3EFFA842DC01}"/>
+                  </a:ext>
+                </a:extLst>
+              </p:cNvPr>
+              <p:cNvSpPr txBox="1"/>
+              <p:nvPr/>
+            </p:nvSpPr>
+            <p:spPr>
+              <a:xfrm>
+                <a:off x="12118960" y="4047006"/>
+                <a:ext cx="581026" cy="369332"/>
+              </a:xfrm>
+              <a:prstGeom prst="rect">
+                <a:avLst/>
+              </a:prstGeom>
+              <a:noFill/>
+            </p:spPr>
+            <p:txBody>
+              <a:bodyPr wrap="square">
+                <a:spAutoFit/>
+              </a:bodyPr>
+              <a:lstStyle/>
+              <a:p>
+                <a:pPr/>
+                <a14:m>
+                  <m:oMathPara xmlns:m="http://schemas.openxmlformats.org/officeDocument/2006/math">
+                    <m:oMathParaPr>
+                      <m:jc m:val="centerGroup"/>
+                    </m:oMathParaPr>
+                    <m:oMath xmlns:m="http://schemas.openxmlformats.org/officeDocument/2006/math">
+                      <m:sSub>
+                        <m:sSubPr>
+                          <m:ctrlPr>
+                            <a:rPr lang="en-US" altLang="zh-CN" b="0" i="1" smtClean="0">
+                              <a:solidFill>
+                                <a:schemeClr val="tx1"/>
+                              </a:solidFill>
+                              <a:latin typeface="Cambria Math" panose="02040503050406030204" pitchFamily="18" charset="0"/>
+                            </a:rPr>
+                          </m:ctrlPr>
+                        </m:sSubPr>
+                        <m:e>
+                          <m:r>
+                            <a:rPr lang="en-US" altLang="zh-CN" b="0" i="1" smtClean="0">
+                              <a:solidFill>
+                                <a:schemeClr val="tx1"/>
+                              </a:solidFill>
+                              <a:latin typeface="Cambria Math" panose="02040503050406030204" pitchFamily="18" charset="0"/>
+                            </a:rPr>
+                            <m:t>𝑡</m:t>
+                          </m:r>
+                        </m:e>
+                        <m:sub>
+                          <m:r>
+                            <a:rPr lang="en-US" altLang="zh-CN" b="0" i="1" smtClean="0">
+                              <a:solidFill>
+                                <a:schemeClr val="tx1"/>
+                              </a:solidFill>
+                              <a:latin typeface="Cambria Math" panose="02040503050406030204" pitchFamily="18" charset="0"/>
+                            </a:rPr>
+                            <m:t>2</m:t>
+                          </m:r>
+                        </m:sub>
+                      </m:sSub>
+                    </m:oMath>
+                  </m:oMathPara>
+                </a14:m>
+                <a:endParaRPr lang="zh-CN" altLang="en-US" dirty="0">
+                  <a:solidFill>
+                    <a:schemeClr val="tx1"/>
+                  </a:solidFill>
+                </a:endParaRPr>
+              </a:p>
+            </p:txBody>
+          </p:sp>
+        </mc:Choice>
+        <mc:Fallback>
+          <p:sp>
+            <p:nvSpPr>
+              <p:cNvPr id="63" name="文本框 62">
+                <a:extLst>
+                  <a:ext uri="{FF2B5EF4-FFF2-40B4-BE49-F238E27FC236}">
+                    <a16:creationId xmlns:a16="http://schemas.microsoft.com/office/drawing/2014/main" id="{F7362A9A-1C29-51D0-C132-3EFFA842DC01}"/>
+                  </a:ext>
+                </a:extLst>
+              </p:cNvPr>
+              <p:cNvSpPr txBox="1">
+                <a:spLocks noRot="1" noChangeAspect="1" noMove="1" noResize="1" noEditPoints="1" noAdjustHandles="1" noChangeArrowheads="1" noChangeShapeType="1" noTextEdit="1"/>
+              </p:cNvSpPr>
+              <p:nvPr/>
+            </p:nvSpPr>
+            <p:spPr>
+              <a:xfrm>
+                <a:off x="12118960" y="4047006"/>
+                <a:ext cx="581026" cy="369332"/>
+              </a:xfrm>
+              <a:prstGeom prst="rect">
+                <a:avLst/>
+              </a:prstGeom>
+              <a:blipFill>
+                <a:blip r:embed="rId22"/>
+                <a:stretch>
+                  <a:fillRect/>
+                </a:stretch>
+              </a:blipFill>
+            </p:spPr>
+            <p:txBody>
+              <a:bodyPr/>
+              <a:lstStyle/>
+              <a:p>
+                <a:r>
+                  <a:rPr lang="zh-CN" altLang="en-US">
+                    <a:noFill/>
+                  </a:rPr>
+                  <a:t> </a:t>
+                </a:r>
+              </a:p>
+            </p:txBody>
+          </p:sp>
+        </mc:Fallback>
+      </mc:AlternateContent>
+      <mc:AlternateContent xmlns:mc="http://schemas.openxmlformats.org/markup-compatibility/2006">
+        <mc:Choice xmlns:a14="http://schemas.microsoft.com/office/drawing/2010/main" Requires="a14">
+          <p:sp>
+            <p:nvSpPr>
+              <p:cNvPr id="64" name="文本框 63">
+                <a:extLst>
+                  <a:ext uri="{FF2B5EF4-FFF2-40B4-BE49-F238E27FC236}">
+                    <a16:creationId xmlns:a16="http://schemas.microsoft.com/office/drawing/2014/main" id="{4C1CD15B-C88F-3A2A-2201-0E81097AF22D}"/>
+                  </a:ext>
+                </a:extLst>
+              </p:cNvPr>
+              <p:cNvSpPr txBox="1"/>
+              <p:nvPr/>
+            </p:nvSpPr>
+            <p:spPr>
+              <a:xfrm>
+                <a:off x="13157874" y="4047006"/>
+                <a:ext cx="581026" cy="369332"/>
+              </a:xfrm>
+              <a:prstGeom prst="rect">
+                <a:avLst/>
+              </a:prstGeom>
+              <a:noFill/>
+            </p:spPr>
+            <p:txBody>
+              <a:bodyPr wrap="square">
+                <a:spAutoFit/>
+              </a:bodyPr>
+              <a:lstStyle/>
+              <a:p>
+                <a:pPr/>
+                <a14:m>
+                  <m:oMathPara xmlns:m="http://schemas.openxmlformats.org/officeDocument/2006/math">
+                    <m:oMathParaPr>
+                      <m:jc m:val="centerGroup"/>
+                    </m:oMathParaPr>
+                    <m:oMath xmlns:m="http://schemas.openxmlformats.org/officeDocument/2006/math">
+                      <m:sSub>
+                        <m:sSubPr>
+                          <m:ctrlPr>
+                            <a:rPr lang="en-US" altLang="zh-CN" b="0" i="1" smtClean="0">
+                              <a:solidFill>
+                                <a:schemeClr val="tx1"/>
+                              </a:solidFill>
+                              <a:latin typeface="Cambria Math" panose="02040503050406030204" pitchFamily="18" charset="0"/>
+                            </a:rPr>
+                          </m:ctrlPr>
+                        </m:sSubPr>
+                        <m:e>
+                          <m:r>
+                            <a:rPr lang="en-US" altLang="zh-CN" b="0" i="1" smtClean="0">
+                              <a:solidFill>
+                                <a:schemeClr val="tx1"/>
+                              </a:solidFill>
+                              <a:latin typeface="Cambria Math" panose="02040503050406030204" pitchFamily="18" charset="0"/>
+                            </a:rPr>
+                            <m:t>𝑡</m:t>
+                          </m:r>
+                        </m:e>
+                        <m:sub>
+                          <m:r>
+                            <a:rPr lang="en-US" altLang="zh-CN" b="0" i="1" smtClean="0">
+                              <a:solidFill>
+                                <a:schemeClr val="tx1"/>
+                              </a:solidFill>
+                              <a:latin typeface="Cambria Math" panose="02040503050406030204" pitchFamily="18" charset="0"/>
+                            </a:rPr>
+                            <m:t>1</m:t>
+                          </m:r>
+                        </m:sub>
+                      </m:sSub>
+                    </m:oMath>
+                  </m:oMathPara>
+                </a14:m>
+                <a:endParaRPr lang="zh-CN" altLang="en-US" dirty="0">
+                  <a:solidFill>
+                    <a:schemeClr val="tx1"/>
+                  </a:solidFill>
+                </a:endParaRPr>
+              </a:p>
+            </p:txBody>
+          </p:sp>
+        </mc:Choice>
+        <mc:Fallback>
+          <p:sp>
+            <p:nvSpPr>
+              <p:cNvPr id="64" name="文本框 63">
+                <a:extLst>
+                  <a:ext uri="{FF2B5EF4-FFF2-40B4-BE49-F238E27FC236}">
+                    <a16:creationId xmlns:a16="http://schemas.microsoft.com/office/drawing/2014/main" id="{4C1CD15B-C88F-3A2A-2201-0E81097AF22D}"/>
+                  </a:ext>
+                </a:extLst>
+              </p:cNvPr>
+              <p:cNvSpPr txBox="1">
+                <a:spLocks noRot="1" noChangeAspect="1" noMove="1" noResize="1" noEditPoints="1" noAdjustHandles="1" noChangeArrowheads="1" noChangeShapeType="1" noTextEdit="1"/>
+              </p:cNvSpPr>
+              <p:nvPr/>
+            </p:nvSpPr>
+            <p:spPr>
+              <a:xfrm>
+                <a:off x="13157874" y="4047006"/>
+                <a:ext cx="581026" cy="369332"/>
+              </a:xfrm>
+              <a:prstGeom prst="rect">
+                <a:avLst/>
+              </a:prstGeom>
+              <a:blipFill>
+                <a:blip r:embed="rId23"/>
+                <a:stretch>
+                  <a:fillRect/>
+                </a:stretch>
+              </a:blipFill>
+            </p:spPr>
+            <p:txBody>
+              <a:bodyPr/>
+              <a:lstStyle/>
+              <a:p>
+                <a:r>
+                  <a:rPr lang="zh-CN" altLang="en-US">
+                    <a:noFill/>
+                  </a:rPr>
+                  <a:t> </a:t>
+                </a:r>
+              </a:p>
+            </p:txBody>
+          </p:sp>
+        </mc:Fallback>
+      </mc:AlternateContent>
+    </p:spTree>
+    <p:extLst>
+      <p:ext uri="{BB962C8B-B14F-4D97-AF65-F5344CB8AC3E}">
+        <p14:creationId xmlns:p14="http://schemas.microsoft.com/office/powerpoint/2010/main" val="1416062731"/>
       </p:ext>
     </p:extLst>
   </p:cSld>

--- a/images/posts/2025-05-20-blog-post/新建 Microsoft PowerPoint 演示文稿.pptx
+++ b/images/posts/2025-05-20-blog-post/新建 Microsoft PowerPoint 演示文稿.pptx
@@ -5,12 +5,13 @@
     <p:sldMasterId id="2147483684" r:id="rId1"/>
   </p:sldMasterIdLst>
   <p:notesMasterIdLst>
-    <p:notesMasterId r:id="rId5"/>
+    <p:notesMasterId r:id="rId6"/>
   </p:notesMasterIdLst>
   <p:sldIdLst>
     <p:sldId id="300" r:id="rId2"/>
     <p:sldId id="301" r:id="rId3"/>
     <p:sldId id="302" r:id="rId4"/>
+    <p:sldId id="303" r:id="rId5"/>
   </p:sldIdLst>
   <p:sldSz cx="21599525" cy="8999538"/>
   <p:notesSz cx="6858000" cy="9144000"/>
@@ -199,7 +200,7 @@
           <a:p>
             <a:fld id="{06A7EE91-92E7-4CCB-9ABC-2651A01142F8}" type="datetimeFigureOut">
               <a:rPr lang="zh-CN" altLang="en-US" smtClean="0"/>
-              <a:t>2025/10/21</a:t>
+              <a:t>2025/10/23</a:t>
             </a:fld>
             <a:endParaRPr lang="zh-CN" altLang="en-US"/>
           </a:p>
@@ -597,7 +598,7 @@
           <a:p>
             <a:fld id="{47A39752-AE50-4AEA-9C8D-075E0077A86E}" type="datetimeFigureOut">
               <a:rPr lang="zh-CN" altLang="en-US" smtClean="0"/>
-              <a:t>2025/10/21</a:t>
+              <a:t>2025/10/23</a:t>
             </a:fld>
             <a:endParaRPr lang="zh-CN" altLang="en-US"/>
           </a:p>
@@ -767,7 +768,7 @@
           <a:p>
             <a:fld id="{47A39752-AE50-4AEA-9C8D-075E0077A86E}" type="datetimeFigureOut">
               <a:rPr lang="zh-CN" altLang="en-US" smtClean="0"/>
-              <a:t>2025/10/21</a:t>
+              <a:t>2025/10/23</a:t>
             </a:fld>
             <a:endParaRPr lang="zh-CN" altLang="en-US"/>
           </a:p>
@@ -947,7 +948,7 @@
           <a:p>
             <a:fld id="{47A39752-AE50-4AEA-9C8D-075E0077A86E}" type="datetimeFigureOut">
               <a:rPr lang="zh-CN" altLang="en-US" smtClean="0"/>
-              <a:t>2025/10/21</a:t>
+              <a:t>2025/10/23</a:t>
             </a:fld>
             <a:endParaRPr lang="zh-CN" altLang="en-US"/>
           </a:p>
@@ -1117,7 +1118,7 @@
           <a:p>
             <a:fld id="{47A39752-AE50-4AEA-9C8D-075E0077A86E}" type="datetimeFigureOut">
               <a:rPr lang="zh-CN" altLang="en-US" smtClean="0"/>
-              <a:t>2025/10/21</a:t>
+              <a:t>2025/10/23</a:t>
             </a:fld>
             <a:endParaRPr lang="zh-CN" altLang="en-US"/>
           </a:p>
@@ -1363,7 +1364,7 @@
           <a:p>
             <a:fld id="{47A39752-AE50-4AEA-9C8D-075E0077A86E}" type="datetimeFigureOut">
               <a:rPr lang="zh-CN" altLang="en-US" smtClean="0"/>
-              <a:t>2025/10/21</a:t>
+              <a:t>2025/10/23</a:t>
             </a:fld>
             <a:endParaRPr lang="zh-CN" altLang="en-US"/>
           </a:p>
@@ -1595,7 +1596,7 @@
           <a:p>
             <a:fld id="{47A39752-AE50-4AEA-9C8D-075E0077A86E}" type="datetimeFigureOut">
               <a:rPr lang="zh-CN" altLang="en-US" smtClean="0"/>
-              <a:t>2025/10/21</a:t>
+              <a:t>2025/10/23</a:t>
             </a:fld>
             <a:endParaRPr lang="zh-CN" altLang="en-US"/>
           </a:p>
@@ -1962,7 +1963,7 @@
           <a:p>
             <a:fld id="{47A39752-AE50-4AEA-9C8D-075E0077A86E}" type="datetimeFigureOut">
               <a:rPr lang="zh-CN" altLang="en-US" smtClean="0"/>
-              <a:t>2025/10/21</a:t>
+              <a:t>2025/10/23</a:t>
             </a:fld>
             <a:endParaRPr lang="zh-CN" altLang="en-US"/>
           </a:p>
@@ -2080,7 +2081,7 @@
           <a:p>
             <a:fld id="{47A39752-AE50-4AEA-9C8D-075E0077A86E}" type="datetimeFigureOut">
               <a:rPr lang="zh-CN" altLang="en-US" smtClean="0"/>
-              <a:t>2025/10/21</a:t>
+              <a:t>2025/10/23</a:t>
             </a:fld>
             <a:endParaRPr lang="zh-CN" altLang="en-US"/>
           </a:p>
@@ -2175,7 +2176,7 @@
           <a:p>
             <a:fld id="{47A39752-AE50-4AEA-9C8D-075E0077A86E}" type="datetimeFigureOut">
               <a:rPr lang="zh-CN" altLang="en-US" smtClean="0"/>
-              <a:t>2025/10/21</a:t>
+              <a:t>2025/10/23</a:t>
             </a:fld>
             <a:endParaRPr lang="zh-CN" altLang="en-US"/>
           </a:p>
@@ -2452,7 +2453,7 @@
           <a:p>
             <a:fld id="{47A39752-AE50-4AEA-9C8D-075E0077A86E}" type="datetimeFigureOut">
               <a:rPr lang="zh-CN" altLang="en-US" smtClean="0"/>
-              <a:t>2025/10/21</a:t>
+              <a:t>2025/10/23</a:t>
             </a:fld>
             <a:endParaRPr lang="zh-CN" altLang="en-US"/>
           </a:p>
@@ -2709,7 +2710,7 @@
           <a:p>
             <a:fld id="{47A39752-AE50-4AEA-9C8D-075E0077A86E}" type="datetimeFigureOut">
               <a:rPr lang="zh-CN" altLang="en-US" smtClean="0"/>
-              <a:t>2025/10/21</a:t>
+              <a:t>2025/10/23</a:t>
             </a:fld>
             <a:endParaRPr lang="zh-CN" altLang="en-US"/>
           </a:p>
@@ -2922,7 +2923,7 @@
           <a:p>
             <a:fld id="{47A39752-AE50-4AEA-9C8D-075E0077A86E}" type="datetimeFigureOut">
               <a:rPr lang="zh-CN" altLang="en-US" smtClean="0"/>
-              <a:t>2025/10/21</a:t>
+              <a:t>2025/10/23</a:t>
             </a:fld>
             <a:endParaRPr lang="zh-CN" altLang="en-US"/>
           </a:p>
@@ -7122,8 +7123,8 @@
           </a:prstGeom>
         </p:spPr>
       </p:pic>
-      <mc:AlternateContent xmlns:mc="http://schemas.openxmlformats.org/markup-compatibility/2006">
-        <mc:Choice xmlns:a14="http://schemas.microsoft.com/office/drawing/2010/main" Requires="a14">
+      <mc:AlternateContent xmlns:mc="http://schemas.openxmlformats.org/markup-compatibility/2006" xmlns:a14="http://schemas.microsoft.com/office/drawing/2010/main">
+        <mc:Choice Requires="a14">
           <p:sp>
             <p:nvSpPr>
               <p:cNvPr id="18" name="文本框 17">
@@ -7195,7 +7196,7 @@
             </p:txBody>
           </p:sp>
         </mc:Choice>
-        <mc:Fallback>
+        <mc:Fallback xmlns="">
           <p:sp>
             <p:nvSpPr>
               <p:cNvPr id="18" name="文本框 17">
@@ -7240,8 +7241,8 @@
           </p:sp>
         </mc:Fallback>
       </mc:AlternateContent>
-      <mc:AlternateContent xmlns:mc="http://schemas.openxmlformats.org/markup-compatibility/2006">
-        <mc:Choice xmlns:a14="http://schemas.microsoft.com/office/drawing/2010/main" Requires="a14">
+      <mc:AlternateContent xmlns:mc="http://schemas.openxmlformats.org/markup-compatibility/2006" xmlns:a14="http://schemas.microsoft.com/office/drawing/2010/main">
+        <mc:Choice Requires="a14">
           <p:sp>
             <p:nvSpPr>
               <p:cNvPr id="19" name="文本框 18">
@@ -7313,7 +7314,7 @@
             </p:txBody>
           </p:sp>
         </mc:Choice>
-        <mc:Fallback>
+        <mc:Fallback xmlns="">
           <p:sp>
             <p:nvSpPr>
               <p:cNvPr id="19" name="文本框 18">
@@ -7358,8 +7359,8 @@
           </p:sp>
         </mc:Fallback>
       </mc:AlternateContent>
-      <mc:AlternateContent xmlns:mc="http://schemas.openxmlformats.org/markup-compatibility/2006">
-        <mc:Choice xmlns:a14="http://schemas.microsoft.com/office/drawing/2010/main" Requires="a14">
+      <mc:AlternateContent xmlns:mc="http://schemas.openxmlformats.org/markup-compatibility/2006" xmlns:a14="http://schemas.microsoft.com/office/drawing/2010/main">
+        <mc:Choice Requires="a14">
           <p:sp>
             <p:nvSpPr>
               <p:cNvPr id="20" name="文本框 19">
@@ -7415,7 +7416,7 @@
             </p:txBody>
           </p:sp>
         </mc:Choice>
-        <mc:Fallback>
+        <mc:Fallback xmlns="">
           <p:sp>
             <p:nvSpPr>
               <p:cNvPr id="20" name="文本框 19">
@@ -7460,8 +7461,8 @@
           </p:sp>
         </mc:Fallback>
       </mc:AlternateContent>
-      <mc:AlternateContent xmlns:mc="http://schemas.openxmlformats.org/markup-compatibility/2006">
-        <mc:Choice xmlns:a14="http://schemas.microsoft.com/office/drawing/2010/main" Requires="a14">
+      <mc:AlternateContent xmlns:mc="http://schemas.openxmlformats.org/markup-compatibility/2006" xmlns:a14="http://schemas.microsoft.com/office/drawing/2010/main">
+        <mc:Choice Requires="a14">
           <p:sp>
             <p:nvSpPr>
               <p:cNvPr id="21" name="文本框 20">
@@ -7523,7 +7524,7 @@
             </p:txBody>
           </p:sp>
         </mc:Choice>
-        <mc:Fallback>
+        <mc:Fallback xmlns="">
           <p:sp>
             <p:nvSpPr>
               <p:cNvPr id="21" name="文本框 20">
@@ -7993,8 +7994,8 @@
           </a:fontRef>
         </p:style>
       </p:cxnSp>
-      <mc:AlternateContent xmlns:mc="http://schemas.openxmlformats.org/markup-compatibility/2006">
-        <mc:Choice xmlns:a14="http://schemas.microsoft.com/office/drawing/2010/main" Requires="a14">
+      <mc:AlternateContent xmlns:mc="http://schemas.openxmlformats.org/markup-compatibility/2006" xmlns:a14="http://schemas.microsoft.com/office/drawing/2010/main">
+        <mc:Choice Requires="a14">
           <p:sp>
             <p:nvSpPr>
               <p:cNvPr id="49" name="文本框 48">
@@ -8023,6 +8024,7 @@
               </a:bodyPr>
               <a:lstStyle/>
               <a:p>
+                <a:pPr/>
                 <a14:m>
                   <m:oMathPara xmlns:m="http://schemas.openxmlformats.org/officeDocument/2006/math">
                     <m:oMathParaPr>
@@ -8148,7 +8150,7 @@
             </p:txBody>
           </p:sp>
         </mc:Choice>
-        <mc:Fallback>
+        <mc:Fallback xmlns="">
           <p:sp>
             <p:nvSpPr>
               <p:cNvPr id="49" name="文本框 48">
@@ -8193,8 +8195,8 @@
           </p:sp>
         </mc:Fallback>
       </mc:AlternateContent>
-      <mc:AlternateContent xmlns:mc="http://schemas.openxmlformats.org/markup-compatibility/2006">
-        <mc:Choice xmlns:a14="http://schemas.microsoft.com/office/drawing/2010/main" Requires="a14">
+      <mc:AlternateContent xmlns:mc="http://schemas.openxmlformats.org/markup-compatibility/2006" xmlns:a14="http://schemas.microsoft.com/office/drawing/2010/main">
+        <mc:Choice Requires="a14">
           <p:sp>
             <p:nvSpPr>
               <p:cNvPr id="52" name="文本框 51">
@@ -8223,6 +8225,7 @@
               </a:bodyPr>
               <a:lstStyle/>
               <a:p>
+                <a:pPr/>
                 <a14:m>
                   <m:oMathPara xmlns:m="http://schemas.openxmlformats.org/officeDocument/2006/math">
                     <m:oMathParaPr>
@@ -8348,7 +8351,7 @@
             </p:txBody>
           </p:sp>
         </mc:Choice>
-        <mc:Fallback>
+        <mc:Fallback xmlns="">
           <p:sp>
             <p:nvSpPr>
               <p:cNvPr id="52" name="文本框 51">
@@ -8393,8 +8396,8 @@
           </p:sp>
         </mc:Fallback>
       </mc:AlternateContent>
-      <mc:AlternateContent xmlns:mc="http://schemas.openxmlformats.org/markup-compatibility/2006">
-        <mc:Choice xmlns:a14="http://schemas.microsoft.com/office/drawing/2010/main" Requires="a14">
+      <mc:AlternateContent xmlns:mc="http://schemas.openxmlformats.org/markup-compatibility/2006" xmlns:a14="http://schemas.microsoft.com/office/drawing/2010/main">
+        <mc:Choice Requires="a14">
           <p:sp>
             <p:nvSpPr>
               <p:cNvPr id="53" name="文本框 52">
@@ -8423,6 +8426,7 @@
               </a:bodyPr>
               <a:lstStyle/>
               <a:p>
+                <a:pPr/>
                 <a14:m>
                   <m:oMathPara xmlns:m="http://schemas.openxmlformats.org/officeDocument/2006/math">
                     <m:oMathParaPr>
@@ -8548,7 +8552,7 @@
             </p:txBody>
           </p:sp>
         </mc:Choice>
-        <mc:Fallback>
+        <mc:Fallback xmlns="">
           <p:sp>
             <p:nvSpPr>
               <p:cNvPr id="53" name="文本框 52">
@@ -8593,8 +8597,8 @@
           </p:sp>
         </mc:Fallback>
       </mc:AlternateContent>
-      <mc:AlternateContent xmlns:mc="http://schemas.openxmlformats.org/markup-compatibility/2006">
-        <mc:Choice xmlns:a14="http://schemas.microsoft.com/office/drawing/2010/main" Requires="a14">
+      <mc:AlternateContent xmlns:mc="http://schemas.openxmlformats.org/markup-compatibility/2006" xmlns:a14="http://schemas.microsoft.com/office/drawing/2010/main">
+        <mc:Choice Requires="a14">
           <p:sp>
             <p:nvSpPr>
               <p:cNvPr id="54" name="文本框 53">
@@ -8623,6 +8627,7 @@
               </a:bodyPr>
               <a:lstStyle/>
               <a:p>
+                <a:pPr/>
                 <a14:m>
                   <m:oMathPara xmlns:m="http://schemas.openxmlformats.org/officeDocument/2006/math">
                     <m:oMathParaPr>
@@ -8748,7 +8753,7 @@
             </p:txBody>
           </p:sp>
         </mc:Choice>
-        <mc:Fallback>
+        <mc:Fallback xmlns="">
           <p:sp>
             <p:nvSpPr>
               <p:cNvPr id="54" name="文本框 53">
@@ -8793,8 +8798,8 @@
           </p:sp>
         </mc:Fallback>
       </mc:AlternateContent>
-      <mc:AlternateContent xmlns:mc="http://schemas.openxmlformats.org/markup-compatibility/2006">
-        <mc:Choice xmlns:a14="http://schemas.microsoft.com/office/drawing/2010/main" Requires="a14">
+      <mc:AlternateContent xmlns:mc="http://schemas.openxmlformats.org/markup-compatibility/2006" xmlns:a14="http://schemas.microsoft.com/office/drawing/2010/main">
+        <mc:Choice Requires="a14">
           <p:sp>
             <p:nvSpPr>
               <p:cNvPr id="61" name="文本框 60">
@@ -8876,7 +8881,7 @@
             </p:txBody>
           </p:sp>
         </mc:Choice>
-        <mc:Fallback>
+        <mc:Fallback xmlns="">
           <p:sp>
             <p:nvSpPr>
               <p:cNvPr id="61" name="文本框 60">
@@ -8921,8 +8926,8 @@
           </p:sp>
         </mc:Fallback>
       </mc:AlternateContent>
-      <mc:AlternateContent xmlns:mc="http://schemas.openxmlformats.org/markup-compatibility/2006">
-        <mc:Choice xmlns:a14="http://schemas.microsoft.com/office/drawing/2010/main" Requires="a14">
+      <mc:AlternateContent xmlns:mc="http://schemas.openxmlformats.org/markup-compatibility/2006" xmlns:a14="http://schemas.microsoft.com/office/drawing/2010/main">
+        <mc:Choice Requires="a14">
           <p:sp>
             <p:nvSpPr>
               <p:cNvPr id="62" name="文本框 61">
@@ -9004,7 +9009,7 @@
             </p:txBody>
           </p:sp>
         </mc:Choice>
-        <mc:Fallback>
+        <mc:Fallback xmlns="">
           <p:sp>
             <p:nvSpPr>
               <p:cNvPr id="62" name="文本框 61">
@@ -9049,8 +9054,8 @@
           </p:sp>
         </mc:Fallback>
       </mc:AlternateContent>
-      <mc:AlternateContent xmlns:mc="http://schemas.openxmlformats.org/markup-compatibility/2006">
-        <mc:Choice xmlns:a14="http://schemas.microsoft.com/office/drawing/2010/main" Requires="a14">
+      <mc:AlternateContent xmlns:mc="http://schemas.openxmlformats.org/markup-compatibility/2006" xmlns:a14="http://schemas.microsoft.com/office/drawing/2010/main">
+        <mc:Choice Requires="a14">
           <p:sp>
             <p:nvSpPr>
               <p:cNvPr id="63" name="文本框 62">
@@ -9132,7 +9137,7 @@
             </p:txBody>
           </p:sp>
         </mc:Choice>
-        <mc:Fallback>
+        <mc:Fallback xmlns="">
           <p:sp>
             <p:nvSpPr>
               <p:cNvPr id="63" name="文本框 62">
@@ -9177,8 +9182,8 @@
           </p:sp>
         </mc:Fallback>
       </mc:AlternateContent>
-      <mc:AlternateContent xmlns:mc="http://schemas.openxmlformats.org/markup-compatibility/2006">
-        <mc:Choice xmlns:a14="http://schemas.microsoft.com/office/drawing/2010/main" Requires="a14">
+      <mc:AlternateContent xmlns:mc="http://schemas.openxmlformats.org/markup-compatibility/2006" xmlns:a14="http://schemas.microsoft.com/office/drawing/2010/main">
+        <mc:Choice Requires="a14">
           <p:sp>
             <p:nvSpPr>
               <p:cNvPr id="64" name="文本框 63">
@@ -9260,7 +9265,7 @@
             </p:txBody>
           </p:sp>
         </mc:Choice>
-        <mc:Fallback>
+        <mc:Fallback xmlns="">
           <p:sp>
             <p:nvSpPr>
               <p:cNvPr id="64" name="文本框 63">
@@ -9309,6 +9314,2709 @@
     <p:extLst>
       <p:ext uri="{BB962C8B-B14F-4D97-AF65-F5344CB8AC3E}">
         <p14:creationId xmlns:p14="http://schemas.microsoft.com/office/powerpoint/2010/main" val="1416062731"/>
+      </p:ext>
+    </p:extLst>
+  </p:cSld>
+  <p:clrMapOvr>
+    <a:masterClrMapping/>
+  </p:clrMapOvr>
+</p:sld>
+</file>
+
+<file path=ppt/slides/slide4.xml><?xml version="1.0" encoding="utf-8"?>
+<p:sld xmlns:a="http://schemas.openxmlformats.org/drawingml/2006/main" xmlns:r="http://schemas.openxmlformats.org/officeDocument/2006/relationships" xmlns:p="http://schemas.openxmlformats.org/presentationml/2006/main">
+  <p:cSld>
+    <p:spTree>
+      <p:nvGrpSpPr>
+        <p:cNvPr id="1" name=""/>
+        <p:cNvGrpSpPr/>
+        <p:nvPr/>
+      </p:nvGrpSpPr>
+      <p:grpSpPr>
+        <a:xfrm>
+          <a:off x="0" y="0"/>
+          <a:ext cx="0" cy="0"/>
+          <a:chOff x="0" y="0"/>
+          <a:chExt cx="0" cy="0"/>
+        </a:xfrm>
+      </p:grpSpPr>
+      <p:pic>
+        <p:nvPicPr>
+          <p:cNvPr id="4" name="图片 3" descr="小狗&#10;&#10;AI 生成的内容可能不正确。">
+            <a:extLst>
+              <a:ext uri="{FF2B5EF4-FFF2-40B4-BE49-F238E27FC236}">
+                <a16:creationId xmlns:a16="http://schemas.microsoft.com/office/drawing/2014/main" id="{E05E9ABB-291B-7231-1EAC-1FB1BEEC3B69}"/>
+              </a:ext>
+            </a:extLst>
+          </p:cNvPr>
+          <p:cNvPicPr>
+            <a:picLocks noChangeAspect="1"/>
+          </p:cNvPicPr>
+          <p:nvPr/>
+        </p:nvPicPr>
+        <p:blipFill>
+          <a:blip r:embed="rId2">
+            <a:extLst>
+              <a:ext uri="{28A0092B-C50C-407E-A947-70E740481C1C}">
+                <a14:useLocalDpi xmlns:a14="http://schemas.microsoft.com/office/drawing/2010/main" val="0"/>
+              </a:ext>
+            </a:extLst>
+          </a:blip>
+          <a:stretch>
+            <a:fillRect/>
+          </a:stretch>
+        </p:blipFill>
+        <p:spPr>
+          <a:xfrm>
+            <a:off x="11709054" y="198868"/>
+            <a:ext cx="1625138" cy="1625138"/>
+          </a:xfrm>
+          <a:prstGeom prst="rect">
+            <a:avLst/>
+          </a:prstGeom>
+        </p:spPr>
+      </p:pic>
+      <p:pic>
+        <p:nvPicPr>
+          <p:cNvPr id="5" name="图片 4" descr="图片包含 草, 前, 站, 花&#10;&#10;AI 生成的内容可能不正确。">
+            <a:extLst>
+              <a:ext uri="{FF2B5EF4-FFF2-40B4-BE49-F238E27FC236}">
+                <a16:creationId xmlns:a16="http://schemas.microsoft.com/office/drawing/2014/main" id="{CFB5D995-9381-0A26-FDB1-77542A1A55D7}"/>
+              </a:ext>
+            </a:extLst>
+          </p:cNvPr>
+          <p:cNvPicPr>
+            <a:picLocks noChangeAspect="1"/>
+          </p:cNvPicPr>
+          <p:nvPr/>
+        </p:nvPicPr>
+        <p:blipFill>
+          <a:blip r:embed="rId3">
+            <a:extLst>
+              <a:ext uri="{28A0092B-C50C-407E-A947-70E740481C1C}">
+                <a14:useLocalDpi xmlns:a14="http://schemas.microsoft.com/office/drawing/2010/main" val="0"/>
+              </a:ext>
+            </a:extLst>
+          </a:blip>
+          <a:stretch>
+            <a:fillRect/>
+          </a:stretch>
+        </p:blipFill>
+        <p:spPr>
+          <a:xfrm>
+            <a:off x="4092518" y="3292749"/>
+            <a:ext cx="1625137" cy="1625137"/>
+          </a:xfrm>
+          <a:prstGeom prst="rect">
+            <a:avLst/>
+          </a:prstGeom>
+        </p:spPr>
+      </p:pic>
+      <p:sp>
+        <p:nvSpPr>
+          <p:cNvPr id="6" name="梯形 5">
+            <a:extLst>
+              <a:ext uri="{FF2B5EF4-FFF2-40B4-BE49-F238E27FC236}">
+                <a16:creationId xmlns:a16="http://schemas.microsoft.com/office/drawing/2014/main" id="{9F7FCBC6-EEB7-A932-A505-9C33911CBCBE}"/>
+              </a:ext>
+            </a:extLst>
+          </p:cNvPr>
+          <p:cNvSpPr/>
+          <p:nvPr/>
+        </p:nvSpPr>
+        <p:spPr>
+          <a:xfrm rot="5400000">
+            <a:off x="7539424" y="3683055"/>
+            <a:ext cx="1620083" cy="839475"/>
+          </a:xfrm>
+          <a:prstGeom prst="trapezoid">
+            <a:avLst>
+              <a:gd name="adj" fmla="val 44328"/>
+            </a:avLst>
+          </a:prstGeom>
+          <a:solidFill>
+            <a:schemeClr val="accent1">
+              <a:lumMod val="20000"/>
+              <a:lumOff val="80000"/>
+            </a:schemeClr>
+          </a:solidFill>
+        </p:spPr>
+        <p:style>
+          <a:lnRef idx="2">
+            <a:schemeClr val="accent1">
+              <a:shade val="15000"/>
+            </a:schemeClr>
+          </a:lnRef>
+          <a:fillRef idx="1">
+            <a:schemeClr val="accent1"/>
+          </a:fillRef>
+          <a:effectRef idx="0">
+            <a:schemeClr val="accent1"/>
+          </a:effectRef>
+          <a:fontRef idx="minor">
+            <a:schemeClr val="lt1"/>
+          </a:fontRef>
+        </p:style>
+        <p:txBody>
+          <a:bodyPr rtlCol="0" anchor="ctr"/>
+          <a:lstStyle/>
+          <a:p>
+            <a:pPr algn="ctr"/>
+            <a:endParaRPr lang="zh-CN" altLang="en-US"/>
+          </a:p>
+        </p:txBody>
+      </p:sp>
+      <p:sp>
+        <p:nvSpPr>
+          <p:cNvPr id="7" name="梯形 6">
+            <a:extLst>
+              <a:ext uri="{FF2B5EF4-FFF2-40B4-BE49-F238E27FC236}">
+                <a16:creationId xmlns:a16="http://schemas.microsoft.com/office/drawing/2014/main" id="{BAEC7C7A-C498-65F9-BEC8-B78439200DBA}"/>
+              </a:ext>
+            </a:extLst>
+          </p:cNvPr>
+          <p:cNvSpPr/>
+          <p:nvPr/>
+        </p:nvSpPr>
+        <p:spPr>
+          <a:xfrm rot="5400000" flipV="1">
+            <a:off x="8378899" y="3683054"/>
+            <a:ext cx="1620083" cy="839475"/>
+          </a:xfrm>
+          <a:prstGeom prst="trapezoid">
+            <a:avLst>
+              <a:gd name="adj" fmla="val 44328"/>
+            </a:avLst>
+          </a:prstGeom>
+          <a:solidFill>
+            <a:schemeClr val="accent1">
+              <a:lumMod val="20000"/>
+              <a:lumOff val="80000"/>
+            </a:schemeClr>
+          </a:solidFill>
+        </p:spPr>
+        <p:style>
+          <a:lnRef idx="2">
+            <a:schemeClr val="accent1">
+              <a:shade val="15000"/>
+            </a:schemeClr>
+          </a:lnRef>
+          <a:fillRef idx="1">
+            <a:schemeClr val="accent1"/>
+          </a:fillRef>
+          <a:effectRef idx="0">
+            <a:schemeClr val="accent1"/>
+          </a:effectRef>
+          <a:fontRef idx="minor">
+            <a:schemeClr val="lt1"/>
+          </a:fontRef>
+        </p:style>
+        <p:txBody>
+          <a:bodyPr rtlCol="0" anchor="ctr"/>
+          <a:lstStyle/>
+          <a:p>
+            <a:pPr algn="ctr"/>
+            <a:endParaRPr lang="zh-CN" altLang="en-US"/>
+          </a:p>
+        </p:txBody>
+      </p:sp>
+      <p:pic>
+        <p:nvPicPr>
+          <p:cNvPr id="8" name="图片 7" descr="棕色的小动物&#10;&#10;AI 生成的内容可能不正确。">
+            <a:extLst>
+              <a:ext uri="{FF2B5EF4-FFF2-40B4-BE49-F238E27FC236}">
+                <a16:creationId xmlns:a16="http://schemas.microsoft.com/office/drawing/2014/main" id="{4C592AA0-4DC6-B186-A0AA-E168354FA47E}"/>
+              </a:ext>
+            </a:extLst>
+          </p:cNvPr>
+          <p:cNvPicPr>
+            <a:picLocks noChangeAspect="1"/>
+          </p:cNvPicPr>
+          <p:nvPr/>
+        </p:nvPicPr>
+        <p:blipFill>
+          <a:blip r:embed="rId4">
+            <a:extLst>
+              <a:ext uri="{28A0092B-C50C-407E-A947-70E740481C1C}">
+                <a14:useLocalDpi xmlns:a14="http://schemas.microsoft.com/office/drawing/2010/main" val="0"/>
+              </a:ext>
+            </a:extLst>
+          </a:blip>
+          <a:stretch>
+            <a:fillRect/>
+          </a:stretch>
+        </p:blipFill>
+        <p:spPr>
+          <a:xfrm>
+            <a:off x="11709055" y="3292749"/>
+            <a:ext cx="1625138" cy="1625138"/>
+          </a:xfrm>
+          <a:prstGeom prst="rect">
+            <a:avLst/>
+          </a:prstGeom>
+        </p:spPr>
+      </p:pic>
+      <p:sp>
+        <p:nvSpPr>
+          <p:cNvPr id="9" name="梯形 8">
+            <a:extLst>
+              <a:ext uri="{FF2B5EF4-FFF2-40B4-BE49-F238E27FC236}">
+                <a16:creationId xmlns:a16="http://schemas.microsoft.com/office/drawing/2014/main" id="{D72620D4-8040-AFDD-6C43-C807AEEDE759}"/>
+              </a:ext>
+            </a:extLst>
+          </p:cNvPr>
+          <p:cNvSpPr/>
+          <p:nvPr/>
+        </p:nvSpPr>
+        <p:spPr>
+          <a:xfrm rot="5400000">
+            <a:off x="15044265" y="2070450"/>
+            <a:ext cx="1620083" cy="839475"/>
+          </a:xfrm>
+          <a:prstGeom prst="trapezoid">
+            <a:avLst>
+              <a:gd name="adj" fmla="val 44328"/>
+            </a:avLst>
+          </a:prstGeom>
+          <a:solidFill>
+            <a:schemeClr val="accent5">
+              <a:lumMod val="20000"/>
+              <a:lumOff val="80000"/>
+            </a:schemeClr>
+          </a:solidFill>
+        </p:spPr>
+        <p:style>
+          <a:lnRef idx="2">
+            <a:schemeClr val="accent1">
+              <a:shade val="15000"/>
+            </a:schemeClr>
+          </a:lnRef>
+          <a:fillRef idx="1">
+            <a:schemeClr val="accent1"/>
+          </a:fillRef>
+          <a:effectRef idx="0">
+            <a:schemeClr val="accent1"/>
+          </a:effectRef>
+          <a:fontRef idx="minor">
+            <a:schemeClr val="lt1"/>
+          </a:fontRef>
+        </p:style>
+        <p:txBody>
+          <a:bodyPr rtlCol="0" anchor="ctr"/>
+          <a:lstStyle/>
+          <a:p>
+            <a:pPr algn="ctr"/>
+            <a:endParaRPr lang="zh-CN" altLang="en-US"/>
+          </a:p>
+        </p:txBody>
+      </p:sp>
+      <p:cxnSp>
+        <p:nvCxnSpPr>
+          <p:cNvPr id="11" name="连接符: 肘形 10">
+            <a:extLst>
+              <a:ext uri="{FF2B5EF4-FFF2-40B4-BE49-F238E27FC236}">
+                <a16:creationId xmlns:a16="http://schemas.microsoft.com/office/drawing/2014/main" id="{809F41E0-29D3-A62D-14F8-410A628D9B0F}"/>
+              </a:ext>
+            </a:extLst>
+          </p:cNvPr>
+          <p:cNvCxnSpPr>
+            <a:cxnSpLocks/>
+            <a:stCxn id="4" idx="3"/>
+          </p:cNvCxnSpPr>
+          <p:nvPr/>
+        </p:nvCxnSpPr>
+        <p:spPr>
+          <a:xfrm>
+            <a:off x="13334192" y="1011437"/>
+            <a:ext cx="2100376" cy="892677"/>
+          </a:xfrm>
+          <a:prstGeom prst="bentConnector3">
+            <a:avLst/>
+          </a:prstGeom>
+          <a:ln w="19050">
+            <a:solidFill>
+              <a:schemeClr val="tx1"/>
+            </a:solidFill>
+            <a:tailEnd type="triangle"/>
+          </a:ln>
+        </p:spPr>
+        <p:style>
+          <a:lnRef idx="2">
+            <a:schemeClr val="accent1"/>
+          </a:lnRef>
+          <a:fillRef idx="0">
+            <a:schemeClr val="accent1"/>
+          </a:fillRef>
+          <a:effectRef idx="1">
+            <a:schemeClr val="accent1"/>
+          </a:effectRef>
+          <a:fontRef idx="minor">
+            <a:schemeClr val="tx1"/>
+          </a:fontRef>
+        </p:style>
+      </p:cxnSp>
+      <p:cxnSp>
+        <p:nvCxnSpPr>
+          <p:cNvPr id="14" name="连接符: 肘形 13">
+            <a:extLst>
+              <a:ext uri="{FF2B5EF4-FFF2-40B4-BE49-F238E27FC236}">
+                <a16:creationId xmlns:a16="http://schemas.microsoft.com/office/drawing/2014/main" id="{18A5BEAF-3332-6B16-E001-9FBEB8A98279}"/>
+              </a:ext>
+            </a:extLst>
+          </p:cNvPr>
+          <p:cNvCxnSpPr>
+            <a:cxnSpLocks/>
+          </p:cNvCxnSpPr>
+          <p:nvPr/>
+        </p:nvCxnSpPr>
+        <p:spPr>
+          <a:xfrm flipV="1">
+            <a:off x="13361099" y="3104411"/>
+            <a:ext cx="2073469" cy="681401"/>
+          </a:xfrm>
+          <a:prstGeom prst="bentConnector3">
+            <a:avLst/>
+          </a:prstGeom>
+          <a:ln w="19050">
+            <a:solidFill>
+              <a:schemeClr val="tx1"/>
+            </a:solidFill>
+            <a:tailEnd type="triangle"/>
+          </a:ln>
+        </p:spPr>
+        <p:style>
+          <a:lnRef idx="2">
+            <a:schemeClr val="accent1"/>
+          </a:lnRef>
+          <a:fillRef idx="0">
+            <a:schemeClr val="accent1"/>
+          </a:fillRef>
+          <a:effectRef idx="1">
+            <a:schemeClr val="accent1"/>
+          </a:effectRef>
+          <a:fontRef idx="minor">
+            <a:schemeClr val="tx1"/>
+          </a:fontRef>
+        </p:style>
+      </p:cxnSp>
+      <p:cxnSp>
+        <p:nvCxnSpPr>
+          <p:cNvPr id="18" name="直接箭头连接符 17">
+            <a:extLst>
+              <a:ext uri="{FF2B5EF4-FFF2-40B4-BE49-F238E27FC236}">
+                <a16:creationId xmlns:a16="http://schemas.microsoft.com/office/drawing/2014/main" id="{9144AB58-C2FA-EEC9-7BCB-964CF9400AFB}"/>
+              </a:ext>
+            </a:extLst>
+          </p:cNvPr>
+          <p:cNvCxnSpPr>
+            <a:cxnSpLocks/>
+            <a:stCxn id="5" idx="3"/>
+            <a:endCxn id="6" idx="2"/>
+          </p:cNvCxnSpPr>
+          <p:nvPr/>
+        </p:nvCxnSpPr>
+        <p:spPr>
+          <a:xfrm flipV="1">
+            <a:off x="5717655" y="4102793"/>
+            <a:ext cx="2212073" cy="2525"/>
+          </a:xfrm>
+          <a:prstGeom prst="straightConnector1">
+            <a:avLst/>
+          </a:prstGeom>
+          <a:ln>
+            <a:tailEnd type="triangle"/>
+          </a:ln>
+        </p:spPr>
+        <p:style>
+          <a:lnRef idx="2">
+            <a:schemeClr val="accent1"/>
+          </a:lnRef>
+          <a:fillRef idx="0">
+            <a:schemeClr val="accent1"/>
+          </a:fillRef>
+          <a:effectRef idx="1">
+            <a:schemeClr val="accent1"/>
+          </a:effectRef>
+          <a:fontRef idx="minor">
+            <a:schemeClr val="tx1"/>
+          </a:fontRef>
+        </p:style>
+      </p:cxnSp>
+      <p:cxnSp>
+        <p:nvCxnSpPr>
+          <p:cNvPr id="23" name="直接箭头连接符 22">
+            <a:extLst>
+              <a:ext uri="{FF2B5EF4-FFF2-40B4-BE49-F238E27FC236}">
+                <a16:creationId xmlns:a16="http://schemas.microsoft.com/office/drawing/2014/main" id="{72B18E08-3792-DAB5-4D15-F860E3104E4E}"/>
+              </a:ext>
+            </a:extLst>
+          </p:cNvPr>
+          <p:cNvCxnSpPr>
+            <a:cxnSpLocks/>
+            <a:stCxn id="7" idx="2"/>
+            <a:endCxn id="8" idx="1"/>
+          </p:cNvCxnSpPr>
+          <p:nvPr/>
+        </p:nvCxnSpPr>
+        <p:spPr>
+          <a:xfrm>
+            <a:off x="9608678" y="4102792"/>
+            <a:ext cx="2100377" cy="2526"/>
+          </a:xfrm>
+          <a:prstGeom prst="straightConnector1">
+            <a:avLst/>
+          </a:prstGeom>
+          <a:ln>
+            <a:tailEnd type="triangle"/>
+          </a:ln>
+        </p:spPr>
+        <p:style>
+          <a:lnRef idx="2">
+            <a:schemeClr val="accent1"/>
+          </a:lnRef>
+          <a:fillRef idx="0">
+            <a:schemeClr val="accent1"/>
+          </a:fillRef>
+          <a:effectRef idx="1">
+            <a:schemeClr val="accent1"/>
+          </a:effectRef>
+          <a:fontRef idx="minor">
+            <a:schemeClr val="tx1"/>
+          </a:fontRef>
+        </p:style>
+      </p:cxnSp>
+      <p:pic>
+        <p:nvPicPr>
+          <p:cNvPr id="26" name="图片 25" descr="图片包含 草, 前, 站, 花&#10;&#10;AI 生成的内容可能不正确。">
+            <a:extLst>
+              <a:ext uri="{FF2B5EF4-FFF2-40B4-BE49-F238E27FC236}">
+                <a16:creationId xmlns:a16="http://schemas.microsoft.com/office/drawing/2014/main" id="{1553ED62-8D0C-7F03-FB27-47D014F13016}"/>
+              </a:ext>
+            </a:extLst>
+          </p:cNvPr>
+          <p:cNvPicPr>
+            <a:picLocks noChangeAspect="1"/>
+          </p:cNvPicPr>
+          <p:nvPr/>
+        </p:nvPicPr>
+        <p:blipFill>
+          <a:blip r:embed="rId3">
+            <a:extLst>
+              <a:ext uri="{28A0092B-C50C-407E-A947-70E740481C1C}">
+                <a14:useLocalDpi xmlns:a14="http://schemas.microsoft.com/office/drawing/2010/main" val="0"/>
+              </a:ext>
+            </a:extLst>
+          </a:blip>
+          <a:stretch>
+            <a:fillRect/>
+          </a:stretch>
+        </p:blipFill>
+        <p:spPr>
+          <a:xfrm>
+            <a:off x="4092518" y="6799585"/>
+            <a:ext cx="1625137" cy="1625137"/>
+          </a:xfrm>
+          <a:prstGeom prst="rect">
+            <a:avLst/>
+          </a:prstGeom>
+        </p:spPr>
+      </p:pic>
+      <p:sp>
+        <p:nvSpPr>
+          <p:cNvPr id="27" name="梯形 26">
+            <a:extLst>
+              <a:ext uri="{FF2B5EF4-FFF2-40B4-BE49-F238E27FC236}">
+                <a16:creationId xmlns:a16="http://schemas.microsoft.com/office/drawing/2014/main" id="{F0A0D76D-D7F2-0048-F258-DA6DB8A50EDE}"/>
+              </a:ext>
+            </a:extLst>
+          </p:cNvPr>
+          <p:cNvSpPr/>
+          <p:nvPr/>
+        </p:nvSpPr>
+        <p:spPr>
+          <a:xfrm rot="5400000">
+            <a:off x="7539424" y="7189891"/>
+            <a:ext cx="1620083" cy="839475"/>
+          </a:xfrm>
+          <a:prstGeom prst="trapezoid">
+            <a:avLst>
+              <a:gd name="adj" fmla="val 44328"/>
+            </a:avLst>
+          </a:prstGeom>
+          <a:solidFill>
+            <a:schemeClr val="accent3">
+              <a:lumMod val="20000"/>
+              <a:lumOff val="80000"/>
+            </a:schemeClr>
+          </a:solidFill>
+        </p:spPr>
+        <p:style>
+          <a:lnRef idx="2">
+            <a:schemeClr val="accent1">
+              <a:shade val="15000"/>
+            </a:schemeClr>
+          </a:lnRef>
+          <a:fillRef idx="1">
+            <a:schemeClr val="accent1"/>
+          </a:fillRef>
+          <a:effectRef idx="0">
+            <a:schemeClr val="accent1"/>
+          </a:effectRef>
+          <a:fontRef idx="minor">
+            <a:schemeClr val="lt1"/>
+          </a:fontRef>
+        </p:style>
+        <p:txBody>
+          <a:bodyPr rtlCol="0" anchor="ctr"/>
+          <a:lstStyle/>
+          <a:p>
+            <a:pPr algn="ctr"/>
+            <a:endParaRPr lang="zh-CN" altLang="en-US"/>
+          </a:p>
+        </p:txBody>
+      </p:sp>
+      <p:sp>
+        <p:nvSpPr>
+          <p:cNvPr id="28" name="梯形 27">
+            <a:extLst>
+              <a:ext uri="{FF2B5EF4-FFF2-40B4-BE49-F238E27FC236}">
+                <a16:creationId xmlns:a16="http://schemas.microsoft.com/office/drawing/2014/main" id="{7D91D023-3C13-2B52-E17F-D8330E71798D}"/>
+              </a:ext>
+            </a:extLst>
+          </p:cNvPr>
+          <p:cNvSpPr/>
+          <p:nvPr/>
+        </p:nvSpPr>
+        <p:spPr>
+          <a:xfrm rot="5400000" flipV="1">
+            <a:off x="8378899" y="7189890"/>
+            <a:ext cx="1620083" cy="839475"/>
+          </a:xfrm>
+          <a:prstGeom prst="trapezoid">
+            <a:avLst>
+              <a:gd name="adj" fmla="val 44328"/>
+            </a:avLst>
+          </a:prstGeom>
+          <a:solidFill>
+            <a:schemeClr val="accent3">
+              <a:lumMod val="20000"/>
+              <a:lumOff val="80000"/>
+            </a:schemeClr>
+          </a:solidFill>
+        </p:spPr>
+        <p:style>
+          <a:lnRef idx="2">
+            <a:schemeClr val="accent1">
+              <a:shade val="15000"/>
+            </a:schemeClr>
+          </a:lnRef>
+          <a:fillRef idx="1">
+            <a:schemeClr val="accent1"/>
+          </a:fillRef>
+          <a:effectRef idx="0">
+            <a:schemeClr val="accent1"/>
+          </a:effectRef>
+          <a:fontRef idx="minor">
+            <a:schemeClr val="lt1"/>
+          </a:fontRef>
+        </p:style>
+        <p:txBody>
+          <a:bodyPr rtlCol="0" anchor="ctr"/>
+          <a:lstStyle/>
+          <a:p>
+            <a:pPr algn="ctr"/>
+            <a:endParaRPr lang="zh-CN" altLang="en-US"/>
+          </a:p>
+        </p:txBody>
+      </p:sp>
+      <p:pic>
+        <p:nvPicPr>
+          <p:cNvPr id="29" name="图片 28" descr="棕色的小动物&#10;&#10;AI 生成的内容可能不正确。">
+            <a:extLst>
+              <a:ext uri="{FF2B5EF4-FFF2-40B4-BE49-F238E27FC236}">
+                <a16:creationId xmlns:a16="http://schemas.microsoft.com/office/drawing/2014/main" id="{F13F6DAB-0D14-2837-DFAE-30F085F82204}"/>
+              </a:ext>
+            </a:extLst>
+          </p:cNvPr>
+          <p:cNvPicPr>
+            <a:picLocks noChangeAspect="1"/>
+          </p:cNvPicPr>
+          <p:nvPr/>
+        </p:nvPicPr>
+        <p:blipFill>
+          <a:blip r:embed="rId4">
+            <a:extLst>
+              <a:ext uri="{28A0092B-C50C-407E-A947-70E740481C1C}">
+                <a14:useLocalDpi xmlns:a14="http://schemas.microsoft.com/office/drawing/2010/main" val="0"/>
+              </a:ext>
+            </a:extLst>
+          </a:blip>
+          <a:stretch>
+            <a:fillRect/>
+          </a:stretch>
+        </p:blipFill>
+        <p:spPr>
+          <a:xfrm>
+            <a:off x="11709055" y="6799585"/>
+            <a:ext cx="1625138" cy="1625138"/>
+          </a:xfrm>
+          <a:prstGeom prst="rect">
+            <a:avLst/>
+          </a:prstGeom>
+        </p:spPr>
+      </p:pic>
+      <p:cxnSp>
+        <p:nvCxnSpPr>
+          <p:cNvPr id="30" name="直接箭头连接符 29">
+            <a:extLst>
+              <a:ext uri="{FF2B5EF4-FFF2-40B4-BE49-F238E27FC236}">
+                <a16:creationId xmlns:a16="http://schemas.microsoft.com/office/drawing/2014/main" id="{84597269-0288-EB32-32DE-8BE83EF2935A}"/>
+              </a:ext>
+            </a:extLst>
+          </p:cNvPr>
+          <p:cNvCxnSpPr>
+            <a:cxnSpLocks/>
+            <a:stCxn id="26" idx="3"/>
+            <a:endCxn id="27" idx="2"/>
+          </p:cNvCxnSpPr>
+          <p:nvPr/>
+        </p:nvCxnSpPr>
+        <p:spPr>
+          <a:xfrm flipV="1">
+            <a:off x="5717655" y="7609629"/>
+            <a:ext cx="2212073" cy="2525"/>
+          </a:xfrm>
+          <a:prstGeom prst="straightConnector1">
+            <a:avLst/>
+          </a:prstGeom>
+          <a:ln>
+            <a:tailEnd type="triangle"/>
+          </a:ln>
+        </p:spPr>
+        <p:style>
+          <a:lnRef idx="2">
+            <a:schemeClr val="accent1"/>
+          </a:lnRef>
+          <a:fillRef idx="0">
+            <a:schemeClr val="accent1"/>
+          </a:fillRef>
+          <a:effectRef idx="1">
+            <a:schemeClr val="accent1"/>
+          </a:effectRef>
+          <a:fontRef idx="minor">
+            <a:schemeClr val="tx1"/>
+          </a:fontRef>
+        </p:style>
+      </p:cxnSp>
+      <p:cxnSp>
+        <p:nvCxnSpPr>
+          <p:cNvPr id="31" name="直接箭头连接符 30">
+            <a:extLst>
+              <a:ext uri="{FF2B5EF4-FFF2-40B4-BE49-F238E27FC236}">
+                <a16:creationId xmlns:a16="http://schemas.microsoft.com/office/drawing/2014/main" id="{4988049D-CD8A-DE97-73EE-4CB387822E38}"/>
+              </a:ext>
+            </a:extLst>
+          </p:cNvPr>
+          <p:cNvCxnSpPr>
+            <a:cxnSpLocks/>
+            <a:stCxn id="28" idx="2"/>
+            <a:endCxn id="29" idx="1"/>
+          </p:cNvCxnSpPr>
+          <p:nvPr/>
+        </p:nvCxnSpPr>
+        <p:spPr>
+          <a:xfrm>
+            <a:off x="9608678" y="7609628"/>
+            <a:ext cx="2100377" cy="2526"/>
+          </a:xfrm>
+          <a:prstGeom prst="straightConnector1">
+            <a:avLst/>
+          </a:prstGeom>
+          <a:ln>
+            <a:tailEnd type="triangle"/>
+          </a:ln>
+        </p:spPr>
+        <p:style>
+          <a:lnRef idx="2">
+            <a:schemeClr val="accent1"/>
+          </a:lnRef>
+          <a:fillRef idx="0">
+            <a:schemeClr val="accent1"/>
+          </a:fillRef>
+          <a:effectRef idx="1">
+            <a:schemeClr val="accent1"/>
+          </a:effectRef>
+          <a:fontRef idx="minor">
+            <a:schemeClr val="tx1"/>
+          </a:fontRef>
+        </p:style>
+      </p:cxnSp>
+      <p:cxnSp>
+        <p:nvCxnSpPr>
+          <p:cNvPr id="32" name="连接符: 肘形 31">
+            <a:extLst>
+              <a:ext uri="{FF2B5EF4-FFF2-40B4-BE49-F238E27FC236}">
+                <a16:creationId xmlns:a16="http://schemas.microsoft.com/office/drawing/2014/main" id="{79D51EC8-CF91-B3B5-1746-E209E45020C7}"/>
+              </a:ext>
+            </a:extLst>
+          </p:cNvPr>
+          <p:cNvCxnSpPr>
+            <a:cxnSpLocks/>
+            <a:stCxn id="4" idx="2"/>
+            <a:endCxn id="5" idx="0"/>
+          </p:cNvCxnSpPr>
+          <p:nvPr/>
+        </p:nvCxnSpPr>
+        <p:spPr>
+          <a:xfrm rot="5400000">
+            <a:off x="7978984" y="-1249891"/>
+            <a:ext cx="1468743" cy="7616536"/>
+          </a:xfrm>
+          <a:prstGeom prst="bentConnector3">
+            <a:avLst>
+              <a:gd name="adj1" fmla="val 50000"/>
+            </a:avLst>
+          </a:prstGeom>
+          <a:ln w="19050">
+            <a:solidFill>
+              <a:schemeClr val="tx1"/>
+            </a:solidFill>
+            <a:tailEnd type="triangle"/>
+          </a:ln>
+        </p:spPr>
+        <p:style>
+          <a:lnRef idx="2">
+            <a:schemeClr val="accent1"/>
+          </a:lnRef>
+          <a:fillRef idx="0">
+            <a:schemeClr val="accent1"/>
+          </a:fillRef>
+          <a:effectRef idx="1">
+            <a:schemeClr val="accent1"/>
+          </a:effectRef>
+          <a:fontRef idx="minor">
+            <a:schemeClr val="tx1"/>
+          </a:fontRef>
+        </p:style>
+      </p:cxnSp>
+      <p:cxnSp>
+        <p:nvCxnSpPr>
+          <p:cNvPr id="36" name="连接符: 肘形 35">
+            <a:extLst>
+              <a:ext uri="{FF2B5EF4-FFF2-40B4-BE49-F238E27FC236}">
+                <a16:creationId xmlns:a16="http://schemas.microsoft.com/office/drawing/2014/main" id="{662B9469-F216-66FA-E899-B3341A8BCD4B}"/>
+              </a:ext>
+            </a:extLst>
+          </p:cNvPr>
+          <p:cNvCxnSpPr>
+            <a:cxnSpLocks/>
+            <a:stCxn id="8" idx="2"/>
+            <a:endCxn id="26" idx="0"/>
+          </p:cNvCxnSpPr>
+          <p:nvPr/>
+        </p:nvCxnSpPr>
+        <p:spPr>
+          <a:xfrm rot="5400000">
+            <a:off x="7772507" y="2050468"/>
+            <a:ext cx="1881698" cy="7616537"/>
+          </a:xfrm>
+          <a:prstGeom prst="bentConnector3">
+            <a:avLst>
+              <a:gd name="adj1" fmla="val 57911"/>
+            </a:avLst>
+          </a:prstGeom>
+          <a:ln w="19050">
+            <a:solidFill>
+              <a:schemeClr val="tx1"/>
+            </a:solidFill>
+            <a:tailEnd type="triangle"/>
+          </a:ln>
+        </p:spPr>
+        <p:style>
+          <a:lnRef idx="2">
+            <a:schemeClr val="accent1"/>
+          </a:lnRef>
+          <a:fillRef idx="0">
+            <a:schemeClr val="accent1"/>
+          </a:fillRef>
+          <a:effectRef idx="1">
+            <a:schemeClr val="accent1"/>
+          </a:effectRef>
+          <a:fontRef idx="minor">
+            <a:schemeClr val="tx1"/>
+          </a:fontRef>
+        </p:style>
+      </p:cxnSp>
+      <mc:AlternateContent xmlns:mc="http://schemas.openxmlformats.org/markup-compatibility/2006">
+        <mc:Choice xmlns:a14="http://schemas.microsoft.com/office/drawing/2010/main" Requires="a14">
+          <p:sp>
+            <p:nvSpPr>
+              <p:cNvPr id="40" name="文本框 39">
+                <a:extLst>
+                  <a:ext uri="{FF2B5EF4-FFF2-40B4-BE49-F238E27FC236}">
+                    <a16:creationId xmlns:a16="http://schemas.microsoft.com/office/drawing/2014/main" id="{99F9B025-D110-3959-B323-CE98735E74D9}"/>
+                  </a:ext>
+                </a:extLst>
+              </p:cNvPr>
+              <p:cNvSpPr txBox="1"/>
+              <p:nvPr/>
+            </p:nvSpPr>
+            <p:spPr>
+              <a:xfrm>
+                <a:off x="9702653" y="790940"/>
+                <a:ext cx="1662699" cy="430887"/>
+              </a:xfrm>
+              <a:prstGeom prst="rect">
+                <a:avLst/>
+              </a:prstGeom>
+              <a:noFill/>
+            </p:spPr>
+            <p:txBody>
+              <a:bodyPr wrap="none" lIns="0" tIns="0" rIns="0" bIns="0" rtlCol="0">
+                <a:spAutoFit/>
+              </a:bodyPr>
+              <a:lstStyle/>
+              <a:p>
+                <a14:m>
+                  <m:oMathPara xmlns:m="http://schemas.openxmlformats.org/officeDocument/2006/math">
+                    <m:oMathParaPr>
+                      <m:jc m:val="centerGroup"/>
+                    </m:oMathParaPr>
+                    <m:oMath xmlns:m="http://schemas.openxmlformats.org/officeDocument/2006/math">
+                      <m:sSub>
+                        <m:sSubPr>
+                          <m:ctrlPr>
+                            <a:rPr lang="en-US" altLang="zh-CN" sz="2800" b="0" i="1" smtClean="0">
+                              <a:latin typeface="Cambria Math" panose="02040503050406030204" pitchFamily="18" charset="0"/>
+                            </a:rPr>
+                          </m:ctrlPr>
+                        </m:sSubPr>
+                        <m:e>
+                          <m:r>
+                            <a:rPr lang="en-US" altLang="zh-CN" sz="2800" b="0" i="1" smtClean="0">
+                              <a:latin typeface="Cambria Math" panose="02040503050406030204" pitchFamily="18" charset="0"/>
+                            </a:rPr>
+                            <m:t>𝑥</m:t>
+                          </m:r>
+                        </m:e>
+                        <m:sub>
+                          <m:r>
+                            <a:rPr lang="en-US" altLang="zh-CN" sz="2800" b="0" i="1" smtClean="0">
+                              <a:latin typeface="Cambria Math" panose="02040503050406030204" pitchFamily="18" charset="0"/>
+                            </a:rPr>
+                            <m:t>0</m:t>
+                          </m:r>
+                        </m:sub>
+                      </m:sSub>
+                      <m:r>
+                        <a:rPr lang="en-US" altLang="zh-CN" sz="2800" b="0" i="1" smtClean="0">
+                          <a:latin typeface="Cambria Math" panose="02040503050406030204" pitchFamily="18" charset="0"/>
+                        </a:rPr>
+                        <m:t> ~ </m:t>
+                      </m:r>
+                      <m:sSub>
+                        <m:sSubPr>
+                          <m:ctrlPr>
+                            <a:rPr lang="en-US" altLang="zh-CN" sz="2800" b="0" i="1" smtClean="0">
+                              <a:latin typeface="Cambria Math" panose="02040503050406030204" pitchFamily="18" charset="0"/>
+                            </a:rPr>
+                          </m:ctrlPr>
+                        </m:sSubPr>
+                        <m:e>
+                          <m:r>
+                            <a:rPr lang="en-US" altLang="zh-CN" sz="2800" b="0" i="1" smtClean="0">
+                              <a:latin typeface="Cambria Math" panose="02040503050406030204" pitchFamily="18" charset="0"/>
+                            </a:rPr>
+                            <m:t>𝑝</m:t>
+                          </m:r>
+                        </m:e>
+                        <m:sub>
+                          <m:r>
+                            <a:rPr lang="en-US" altLang="zh-CN" sz="2800" b="0" i="1" smtClean="0">
+                              <a:latin typeface="Cambria Math" panose="02040503050406030204" pitchFamily="18" charset="0"/>
+                            </a:rPr>
+                            <m:t>𝑑𝑎𝑡𝑎</m:t>
+                          </m:r>
+                        </m:sub>
+                      </m:sSub>
+                    </m:oMath>
+                  </m:oMathPara>
+                </a14:m>
+                <a:endParaRPr lang="zh-CN" altLang="en-US" sz="2800" dirty="0"/>
+              </a:p>
+            </p:txBody>
+          </p:sp>
+        </mc:Choice>
+        <mc:Fallback>
+          <p:sp>
+            <p:nvSpPr>
+              <p:cNvPr id="40" name="文本框 39">
+                <a:extLst>
+                  <a:ext uri="{FF2B5EF4-FFF2-40B4-BE49-F238E27FC236}">
+                    <a16:creationId xmlns:a16="http://schemas.microsoft.com/office/drawing/2014/main" id="{99F9B025-D110-3959-B323-CE98735E74D9}"/>
+                  </a:ext>
+                </a:extLst>
+              </p:cNvPr>
+              <p:cNvSpPr txBox="1">
+                <a:spLocks noRot="1" noChangeAspect="1" noMove="1" noResize="1" noEditPoints="1" noAdjustHandles="1" noChangeArrowheads="1" noChangeShapeType="1" noTextEdit="1"/>
+              </p:cNvSpPr>
+              <p:nvPr/>
+            </p:nvSpPr>
+            <p:spPr>
+              <a:xfrm>
+                <a:off x="9702653" y="790940"/>
+                <a:ext cx="1662699" cy="430887"/>
+              </a:xfrm>
+              <a:prstGeom prst="rect">
+                <a:avLst/>
+              </a:prstGeom>
+              <a:blipFill>
+                <a:blip r:embed="rId5"/>
+                <a:stretch>
+                  <a:fillRect/>
+                </a:stretch>
+              </a:blipFill>
+            </p:spPr>
+            <p:txBody>
+              <a:bodyPr/>
+              <a:lstStyle/>
+              <a:p>
+                <a:r>
+                  <a:rPr lang="zh-CN" altLang="en-US">
+                    <a:noFill/>
+                  </a:rPr>
+                  <a:t> </a:t>
+                </a:r>
+              </a:p>
+            </p:txBody>
+          </p:sp>
+        </mc:Fallback>
+      </mc:AlternateContent>
+      <mc:AlternateContent xmlns:mc="http://schemas.openxmlformats.org/markup-compatibility/2006">
+        <mc:Choice xmlns:a14="http://schemas.microsoft.com/office/drawing/2010/main" Requires="a14">
+          <p:sp>
+            <p:nvSpPr>
+              <p:cNvPr id="42" name="文本框 41">
+                <a:extLst>
+                  <a:ext uri="{FF2B5EF4-FFF2-40B4-BE49-F238E27FC236}">
+                    <a16:creationId xmlns:a16="http://schemas.microsoft.com/office/drawing/2014/main" id="{EF1D24C4-110B-F971-7199-052069C8E0B5}"/>
+                  </a:ext>
+                </a:extLst>
+              </p:cNvPr>
+              <p:cNvSpPr txBox="1"/>
+              <p:nvPr/>
+            </p:nvSpPr>
+            <p:spPr>
+              <a:xfrm>
+                <a:off x="3705892" y="4989782"/>
+                <a:ext cx="3220497" cy="430887"/>
+              </a:xfrm>
+              <a:prstGeom prst="rect">
+                <a:avLst/>
+              </a:prstGeom>
+              <a:noFill/>
+            </p:spPr>
+            <p:txBody>
+              <a:bodyPr wrap="none" lIns="0" tIns="0" rIns="0" bIns="0" rtlCol="0">
+                <a:spAutoFit/>
+              </a:bodyPr>
+              <a:lstStyle/>
+              <a:p>
+                <a14:m>
+                  <m:oMathPara xmlns:m="http://schemas.openxmlformats.org/officeDocument/2006/math">
+                    <m:oMathParaPr>
+                      <m:jc m:val="centerGroup"/>
+                    </m:oMathParaPr>
+                    <m:oMath xmlns:m="http://schemas.openxmlformats.org/officeDocument/2006/math">
+                      <m:sSub>
+                        <m:sSubPr>
+                          <m:ctrlPr>
+                            <a:rPr lang="en-US" altLang="zh-CN" sz="2800" b="0" i="1" smtClean="0">
+                              <a:latin typeface="Cambria Math" panose="02040503050406030204" pitchFamily="18" charset="0"/>
+                            </a:rPr>
+                          </m:ctrlPr>
+                        </m:sSubPr>
+                        <m:e>
+                          <m:r>
+                            <a:rPr lang="en-US" altLang="zh-CN" sz="2800" b="0" i="1" smtClean="0">
+                              <a:latin typeface="Cambria Math" panose="02040503050406030204" pitchFamily="18" charset="0"/>
+                            </a:rPr>
+                            <m:t>𝑥</m:t>
+                          </m:r>
+                        </m:e>
+                        <m:sub>
+                          <m:r>
+                            <a:rPr lang="en-US" altLang="zh-CN" sz="2800" b="0" i="1" smtClean="0">
+                              <a:latin typeface="Cambria Math" panose="02040503050406030204" pitchFamily="18" charset="0"/>
+                            </a:rPr>
+                            <m:t>𝑠</m:t>
+                          </m:r>
+                        </m:sub>
+                      </m:sSub>
+                      <m:r>
+                        <a:rPr lang="en-US" altLang="zh-CN" sz="2800" b="0" i="1" smtClean="0">
+                          <a:latin typeface="Cambria Math" panose="02040503050406030204" pitchFamily="18" charset="0"/>
+                        </a:rPr>
+                        <m:t>=</m:t>
+                      </m:r>
+                      <m:r>
+                        <a:rPr lang="zh-CN" altLang="en-US" sz="2800" b="0" i="1" smtClean="0">
+                          <a:latin typeface="Cambria Math" panose="02040503050406030204" pitchFamily="18" charset="0"/>
+                        </a:rPr>
+                        <m:t>𝛼</m:t>
+                      </m:r>
+                      <m:d>
+                        <m:dPr>
+                          <m:ctrlPr>
+                            <a:rPr lang="en-US" altLang="zh-CN" sz="2800" b="0" i="1" smtClean="0">
+                              <a:latin typeface="Cambria Math" panose="02040503050406030204" pitchFamily="18" charset="0"/>
+                            </a:rPr>
+                          </m:ctrlPr>
+                        </m:dPr>
+                        <m:e>
+                          <m:r>
+                            <a:rPr lang="en-US" altLang="zh-CN" sz="2800" b="0" i="1" smtClean="0">
+                              <a:latin typeface="Cambria Math" panose="02040503050406030204" pitchFamily="18" charset="0"/>
+                            </a:rPr>
+                            <m:t>𝑠</m:t>
+                          </m:r>
+                        </m:e>
+                      </m:d>
+                      <m:sSub>
+                        <m:sSubPr>
+                          <m:ctrlPr>
+                            <a:rPr lang="en-US" altLang="zh-CN" sz="2800" b="0" i="1" smtClean="0">
+                              <a:latin typeface="Cambria Math" panose="02040503050406030204" pitchFamily="18" charset="0"/>
+                            </a:rPr>
+                          </m:ctrlPr>
+                        </m:sSubPr>
+                        <m:e>
+                          <m:r>
+                            <a:rPr lang="en-US" altLang="zh-CN" sz="2800" b="0" i="1" smtClean="0">
+                              <a:latin typeface="Cambria Math" panose="02040503050406030204" pitchFamily="18" charset="0"/>
+                            </a:rPr>
+                            <m:t>𝑥</m:t>
+                          </m:r>
+                        </m:e>
+                        <m:sub>
+                          <m:r>
+                            <a:rPr lang="en-US" altLang="zh-CN" sz="2800" b="0" i="1" smtClean="0">
+                              <a:latin typeface="Cambria Math" panose="02040503050406030204" pitchFamily="18" charset="0"/>
+                            </a:rPr>
+                            <m:t>0</m:t>
+                          </m:r>
+                        </m:sub>
+                      </m:sSub>
+                      <m:r>
+                        <a:rPr lang="en-US" altLang="zh-CN" sz="2800" b="0" i="1" smtClean="0">
+                          <a:latin typeface="Cambria Math" panose="02040503050406030204" pitchFamily="18" charset="0"/>
+                        </a:rPr>
+                        <m:t>+</m:t>
+                      </m:r>
+                      <m:r>
+                        <a:rPr lang="zh-CN" altLang="en-US" sz="2800" b="0" i="1" smtClean="0">
+                          <a:latin typeface="Cambria Math" panose="02040503050406030204" pitchFamily="18" charset="0"/>
+                        </a:rPr>
+                        <m:t>𝜎</m:t>
+                      </m:r>
+                      <m:r>
+                        <a:rPr lang="en-US" altLang="zh-CN" sz="2800" b="0" i="1" smtClean="0">
+                          <a:latin typeface="Cambria Math" panose="02040503050406030204" pitchFamily="18" charset="0"/>
+                        </a:rPr>
+                        <m:t>(</m:t>
+                      </m:r>
+                      <m:r>
+                        <a:rPr lang="en-US" altLang="zh-CN" sz="2800" b="0" i="1" smtClean="0">
+                          <a:latin typeface="Cambria Math" panose="02040503050406030204" pitchFamily="18" charset="0"/>
+                        </a:rPr>
+                        <m:t>𝑠</m:t>
+                      </m:r>
+                      <m:r>
+                        <a:rPr lang="en-US" altLang="zh-CN" sz="2800" b="0" i="1" smtClean="0">
+                          <a:latin typeface="Cambria Math" panose="02040503050406030204" pitchFamily="18" charset="0"/>
+                        </a:rPr>
+                        <m:t>)</m:t>
+                      </m:r>
+                      <m:r>
+                        <a:rPr lang="zh-CN" altLang="en-US" sz="2800" b="0" i="1" smtClean="0">
+                          <a:latin typeface="Cambria Math" panose="02040503050406030204" pitchFamily="18" charset="0"/>
+                        </a:rPr>
+                        <m:t>𝜖</m:t>
+                      </m:r>
+                    </m:oMath>
+                  </m:oMathPara>
+                </a14:m>
+                <a:endParaRPr lang="zh-CN" altLang="en-US" sz="2800" dirty="0"/>
+              </a:p>
+            </p:txBody>
+          </p:sp>
+        </mc:Choice>
+        <mc:Fallback>
+          <p:sp>
+            <p:nvSpPr>
+              <p:cNvPr id="42" name="文本框 41">
+                <a:extLst>
+                  <a:ext uri="{FF2B5EF4-FFF2-40B4-BE49-F238E27FC236}">
+                    <a16:creationId xmlns:a16="http://schemas.microsoft.com/office/drawing/2014/main" id="{EF1D24C4-110B-F971-7199-052069C8E0B5}"/>
+                  </a:ext>
+                </a:extLst>
+              </p:cNvPr>
+              <p:cNvSpPr txBox="1">
+                <a:spLocks noRot="1" noChangeAspect="1" noMove="1" noResize="1" noEditPoints="1" noAdjustHandles="1" noChangeArrowheads="1" noChangeShapeType="1" noTextEdit="1"/>
+              </p:cNvSpPr>
+              <p:nvPr/>
+            </p:nvSpPr>
+            <p:spPr>
+              <a:xfrm>
+                <a:off x="3705892" y="4989782"/>
+                <a:ext cx="3220497" cy="430887"/>
+              </a:xfrm>
+              <a:prstGeom prst="rect">
+                <a:avLst/>
+              </a:prstGeom>
+              <a:blipFill>
+                <a:blip r:embed="rId6"/>
+                <a:stretch>
+                  <a:fillRect/>
+                </a:stretch>
+              </a:blipFill>
+            </p:spPr>
+            <p:txBody>
+              <a:bodyPr/>
+              <a:lstStyle/>
+              <a:p>
+                <a:r>
+                  <a:rPr lang="zh-CN" altLang="en-US">
+                    <a:noFill/>
+                  </a:rPr>
+                  <a:t> </a:t>
+                </a:r>
+              </a:p>
+            </p:txBody>
+          </p:sp>
+        </mc:Fallback>
+      </mc:AlternateContent>
+      <p:sp>
+        <p:nvSpPr>
+          <p:cNvPr id="43" name="文本框 42">
+            <a:extLst>
+              <a:ext uri="{FF2B5EF4-FFF2-40B4-BE49-F238E27FC236}">
+                <a16:creationId xmlns:a16="http://schemas.microsoft.com/office/drawing/2014/main" id="{100682D0-4448-494A-6DDB-8B2C04999DF1}"/>
+              </a:ext>
+            </a:extLst>
+          </p:cNvPr>
+          <p:cNvSpPr txBox="1"/>
+          <p:nvPr/>
+        </p:nvSpPr>
+        <p:spPr>
+          <a:xfrm>
+            <a:off x="7795660" y="4926574"/>
+            <a:ext cx="2541908" cy="523220"/>
+          </a:xfrm>
+          <a:prstGeom prst="rect">
+            <a:avLst/>
+          </a:prstGeom>
+          <a:noFill/>
+        </p:spPr>
+        <p:txBody>
+          <a:bodyPr wrap="square" rtlCol="0">
+            <a:spAutoFit/>
+          </a:bodyPr>
+          <a:lstStyle/>
+          <a:p>
+            <a:r>
+              <a:rPr lang="en-US" altLang="zh-CN" sz="2800" dirty="0">
+                <a:latin typeface="Times New Roman" panose="02020603050405020304" pitchFamily="18" charset="0"/>
+                <a:cs typeface="Times New Roman" panose="02020603050405020304" pitchFamily="18" charset="0"/>
+              </a:rPr>
+              <a:t>Student Model</a:t>
+            </a:r>
+            <a:endParaRPr lang="zh-CN" altLang="en-US" sz="2800" dirty="0">
+              <a:latin typeface="Times New Roman" panose="02020603050405020304" pitchFamily="18" charset="0"/>
+              <a:cs typeface="Times New Roman" panose="02020603050405020304" pitchFamily="18" charset="0"/>
+            </a:endParaRPr>
+          </a:p>
+        </p:txBody>
+      </p:sp>
+      <mc:AlternateContent xmlns:mc="http://schemas.openxmlformats.org/markup-compatibility/2006">
+        <mc:Choice xmlns:a14="http://schemas.microsoft.com/office/drawing/2010/main" Requires="a14">
+          <p:sp>
+            <p:nvSpPr>
+              <p:cNvPr id="44" name="文本框 43">
+                <a:extLst>
+                  <a:ext uri="{FF2B5EF4-FFF2-40B4-BE49-F238E27FC236}">
+                    <a16:creationId xmlns:a16="http://schemas.microsoft.com/office/drawing/2014/main" id="{C4A7FA04-003D-6DA4-9011-ABDECBB3F2C0}"/>
+                  </a:ext>
+                </a:extLst>
+              </p:cNvPr>
+              <p:cNvSpPr txBox="1"/>
+              <p:nvPr/>
+            </p:nvSpPr>
+            <p:spPr>
+              <a:xfrm>
+                <a:off x="12756847" y="4989782"/>
+                <a:ext cx="439351" cy="430887"/>
+              </a:xfrm>
+              <a:prstGeom prst="rect">
+                <a:avLst/>
+              </a:prstGeom>
+              <a:noFill/>
+            </p:spPr>
+            <p:txBody>
+              <a:bodyPr wrap="none" lIns="0" tIns="0" rIns="0" bIns="0" rtlCol="0">
+                <a:spAutoFit/>
+              </a:bodyPr>
+              <a:lstStyle/>
+              <a:p>
+                <a14:m>
+                  <m:oMathPara xmlns:m="http://schemas.openxmlformats.org/officeDocument/2006/math">
+                    <m:oMathParaPr>
+                      <m:jc m:val="centerGroup"/>
+                    </m:oMathParaPr>
+                    <m:oMath xmlns:m="http://schemas.openxmlformats.org/officeDocument/2006/math">
+                      <m:sSubSup>
+                        <m:sSubSupPr>
+                          <m:ctrlPr>
+                            <a:rPr lang="en-US" altLang="zh-CN" sz="2800" b="0" i="1" smtClean="0">
+                              <a:latin typeface="Cambria Math" panose="02040503050406030204" pitchFamily="18" charset="0"/>
+                            </a:rPr>
+                          </m:ctrlPr>
+                        </m:sSubSupPr>
+                        <m:e>
+                          <m:r>
+                            <a:rPr lang="en-US" altLang="zh-CN" sz="2800" b="0" i="1" smtClean="0">
+                              <a:latin typeface="Cambria Math" panose="02040503050406030204" pitchFamily="18" charset="0"/>
+                            </a:rPr>
+                            <m:t>𝑥</m:t>
+                          </m:r>
+                        </m:e>
+                        <m:sub>
+                          <m:r>
+                            <a:rPr lang="en-US" altLang="zh-CN" sz="2800" b="0" i="1" smtClean="0">
+                              <a:latin typeface="Cambria Math" panose="02040503050406030204" pitchFamily="18" charset="0"/>
+                            </a:rPr>
+                            <m:t>0</m:t>
+                          </m:r>
+                        </m:sub>
+                        <m:sup>
+                          <m:r>
+                            <a:rPr lang="en-US" altLang="zh-CN" sz="2800" b="0" i="1" smtClean="0">
+                              <a:latin typeface="Cambria Math" panose="02040503050406030204" pitchFamily="18" charset="0"/>
+                            </a:rPr>
+                            <m:t>𝑠</m:t>
+                          </m:r>
+                        </m:sup>
+                      </m:sSubSup>
+                    </m:oMath>
+                  </m:oMathPara>
+                </a14:m>
+                <a:endParaRPr lang="zh-CN" altLang="en-US" sz="2800" dirty="0"/>
+              </a:p>
+            </p:txBody>
+          </p:sp>
+        </mc:Choice>
+        <mc:Fallback>
+          <p:sp>
+            <p:nvSpPr>
+              <p:cNvPr id="44" name="文本框 43">
+                <a:extLst>
+                  <a:ext uri="{FF2B5EF4-FFF2-40B4-BE49-F238E27FC236}">
+                    <a16:creationId xmlns:a16="http://schemas.microsoft.com/office/drawing/2014/main" id="{C4A7FA04-003D-6DA4-9011-ABDECBB3F2C0}"/>
+                  </a:ext>
+                </a:extLst>
+              </p:cNvPr>
+              <p:cNvSpPr txBox="1">
+                <a:spLocks noRot="1" noChangeAspect="1" noMove="1" noResize="1" noEditPoints="1" noAdjustHandles="1" noChangeArrowheads="1" noChangeShapeType="1" noTextEdit="1"/>
+              </p:cNvSpPr>
+              <p:nvPr/>
+            </p:nvSpPr>
+            <p:spPr>
+              <a:xfrm>
+                <a:off x="12756847" y="4989782"/>
+                <a:ext cx="439351" cy="430887"/>
+              </a:xfrm>
+              <a:prstGeom prst="rect">
+                <a:avLst/>
+              </a:prstGeom>
+              <a:blipFill>
+                <a:blip r:embed="rId7"/>
+                <a:stretch>
+                  <a:fillRect/>
+                </a:stretch>
+              </a:blipFill>
+            </p:spPr>
+            <p:txBody>
+              <a:bodyPr/>
+              <a:lstStyle/>
+              <a:p>
+                <a:r>
+                  <a:rPr lang="zh-CN" altLang="en-US">
+                    <a:noFill/>
+                  </a:rPr>
+                  <a:t> </a:t>
+                </a:r>
+              </a:p>
+            </p:txBody>
+          </p:sp>
+        </mc:Fallback>
+      </mc:AlternateContent>
+      <mc:AlternateContent xmlns:mc="http://schemas.openxmlformats.org/markup-compatibility/2006">
+        <mc:Choice xmlns:a14="http://schemas.microsoft.com/office/drawing/2010/main" Requires="a14">
+          <p:sp>
+            <p:nvSpPr>
+              <p:cNvPr id="45" name="文本框 44">
+                <a:extLst>
+                  <a:ext uri="{FF2B5EF4-FFF2-40B4-BE49-F238E27FC236}">
+                    <a16:creationId xmlns:a16="http://schemas.microsoft.com/office/drawing/2014/main" id="{F8E8B94D-C7CE-F778-30CA-7D7809E3DBF5}"/>
+                  </a:ext>
+                </a:extLst>
+              </p:cNvPr>
+              <p:cNvSpPr txBox="1"/>
+              <p:nvPr/>
+            </p:nvSpPr>
+            <p:spPr>
+              <a:xfrm>
+                <a:off x="8541040" y="3015438"/>
+                <a:ext cx="510140" cy="469296"/>
+              </a:xfrm>
+              <a:prstGeom prst="rect">
+                <a:avLst/>
+              </a:prstGeom>
+              <a:noFill/>
+            </p:spPr>
+            <p:txBody>
+              <a:bodyPr wrap="none" lIns="0" tIns="0" rIns="0" bIns="0" rtlCol="0">
+                <a:spAutoFit/>
+              </a:bodyPr>
+              <a:lstStyle/>
+              <a:p>
+                <a14:m>
+                  <m:oMathPara xmlns:m="http://schemas.openxmlformats.org/officeDocument/2006/math">
+                    <m:oMathParaPr>
+                      <m:jc m:val="centerGroup"/>
+                    </m:oMathParaPr>
+                    <m:oMath xmlns:m="http://schemas.openxmlformats.org/officeDocument/2006/math">
+                      <m:sSub>
+                        <m:sSubPr>
+                          <m:ctrlPr>
+                            <a:rPr lang="en-US" altLang="zh-CN" sz="2800" b="0" i="1" smtClean="0">
+                              <a:latin typeface="Cambria Math" panose="02040503050406030204" pitchFamily="18" charset="0"/>
+                            </a:rPr>
+                          </m:ctrlPr>
+                        </m:sSubPr>
+                        <m:e>
+                          <m:r>
+                            <a:rPr lang="en-US" altLang="zh-CN" sz="2800" b="0" i="1" smtClean="0">
+                              <a:latin typeface="Cambria Math" panose="02040503050406030204" pitchFamily="18" charset="0"/>
+                            </a:rPr>
+                            <m:t>𝐺</m:t>
+                          </m:r>
+                        </m:e>
+                        <m:sub>
+                          <m:r>
+                            <a:rPr lang="zh-CN" altLang="en-US" sz="2800" b="0" i="1" smtClean="0">
+                              <a:latin typeface="Cambria Math" panose="02040503050406030204" pitchFamily="18" charset="0"/>
+                            </a:rPr>
+                            <m:t>𝜙</m:t>
+                          </m:r>
+                        </m:sub>
+                      </m:sSub>
+                    </m:oMath>
+                  </m:oMathPara>
+                </a14:m>
+                <a:endParaRPr lang="zh-CN" altLang="en-US" sz="2400" dirty="0"/>
+              </a:p>
+            </p:txBody>
+          </p:sp>
+        </mc:Choice>
+        <mc:Fallback>
+          <p:sp>
+            <p:nvSpPr>
+              <p:cNvPr id="45" name="文本框 44">
+                <a:extLst>
+                  <a:ext uri="{FF2B5EF4-FFF2-40B4-BE49-F238E27FC236}">
+                    <a16:creationId xmlns:a16="http://schemas.microsoft.com/office/drawing/2014/main" id="{F8E8B94D-C7CE-F778-30CA-7D7809E3DBF5}"/>
+                  </a:ext>
+                </a:extLst>
+              </p:cNvPr>
+              <p:cNvSpPr txBox="1">
+                <a:spLocks noRot="1" noChangeAspect="1" noMove="1" noResize="1" noEditPoints="1" noAdjustHandles="1" noChangeArrowheads="1" noChangeShapeType="1" noTextEdit="1"/>
+              </p:cNvSpPr>
+              <p:nvPr/>
+            </p:nvSpPr>
+            <p:spPr>
+              <a:xfrm>
+                <a:off x="8541040" y="3015438"/>
+                <a:ext cx="510140" cy="469296"/>
+              </a:xfrm>
+              <a:prstGeom prst="rect">
+                <a:avLst/>
+              </a:prstGeom>
+              <a:blipFill>
+                <a:blip r:embed="rId8"/>
+                <a:stretch>
+                  <a:fillRect/>
+                </a:stretch>
+              </a:blipFill>
+            </p:spPr>
+            <p:txBody>
+              <a:bodyPr/>
+              <a:lstStyle/>
+              <a:p>
+                <a:r>
+                  <a:rPr lang="zh-CN" altLang="en-US">
+                    <a:noFill/>
+                  </a:rPr>
+                  <a:t> </a:t>
+                </a:r>
+              </a:p>
+            </p:txBody>
+          </p:sp>
+        </mc:Fallback>
+      </mc:AlternateContent>
+      <p:sp>
+        <p:nvSpPr>
+          <p:cNvPr id="46" name="文本框 45">
+            <a:extLst>
+              <a:ext uri="{FF2B5EF4-FFF2-40B4-BE49-F238E27FC236}">
+                <a16:creationId xmlns:a16="http://schemas.microsoft.com/office/drawing/2014/main" id="{339F7B3F-F756-A65D-9672-860C18152FCC}"/>
+              </a:ext>
+            </a:extLst>
+          </p:cNvPr>
+          <p:cNvSpPr txBox="1"/>
+          <p:nvPr/>
+        </p:nvSpPr>
+        <p:spPr>
+          <a:xfrm>
+            <a:off x="6561227" y="1924688"/>
+            <a:ext cx="4415951" cy="523220"/>
+          </a:xfrm>
+          <a:prstGeom prst="rect">
+            <a:avLst/>
+          </a:prstGeom>
+          <a:noFill/>
+        </p:spPr>
+        <p:txBody>
+          <a:bodyPr wrap="square" rtlCol="0">
+            <a:spAutoFit/>
+          </a:bodyPr>
+          <a:lstStyle/>
+          <a:p>
+            <a:r>
+              <a:rPr lang="en-US" altLang="zh-CN" sz="2800" dirty="0">
+                <a:latin typeface="Times New Roman" panose="02020603050405020304" pitchFamily="18" charset="0"/>
+                <a:cs typeface="Times New Roman" panose="02020603050405020304" pitchFamily="18" charset="0"/>
+              </a:rPr>
+              <a:t>Forward Diffusion Process</a:t>
+            </a:r>
+            <a:endParaRPr lang="zh-CN" altLang="en-US" sz="2800" dirty="0">
+              <a:latin typeface="Times New Roman" panose="02020603050405020304" pitchFamily="18" charset="0"/>
+              <a:cs typeface="Times New Roman" panose="02020603050405020304" pitchFamily="18" charset="0"/>
+            </a:endParaRPr>
+          </a:p>
+        </p:txBody>
+      </p:sp>
+      <p:sp>
+        <p:nvSpPr>
+          <p:cNvPr id="47" name="文本框 46">
+            <a:extLst>
+              <a:ext uri="{FF2B5EF4-FFF2-40B4-BE49-F238E27FC236}">
+                <a16:creationId xmlns:a16="http://schemas.microsoft.com/office/drawing/2014/main" id="{6DF169FA-0C2E-159A-FFE6-DBE143C39154}"/>
+              </a:ext>
+            </a:extLst>
+          </p:cNvPr>
+          <p:cNvSpPr txBox="1"/>
+          <p:nvPr/>
+        </p:nvSpPr>
+        <p:spPr>
+          <a:xfrm>
+            <a:off x="7723033" y="8476318"/>
+            <a:ext cx="2687162" cy="523220"/>
+          </a:xfrm>
+          <a:prstGeom prst="rect">
+            <a:avLst/>
+          </a:prstGeom>
+          <a:noFill/>
+        </p:spPr>
+        <p:txBody>
+          <a:bodyPr wrap="square" rtlCol="0">
+            <a:spAutoFit/>
+          </a:bodyPr>
+          <a:lstStyle/>
+          <a:p>
+            <a:r>
+              <a:rPr lang="en-US" altLang="zh-CN" sz="2800" dirty="0">
+                <a:latin typeface="Times New Roman" panose="02020603050405020304" pitchFamily="18" charset="0"/>
+                <a:cs typeface="Times New Roman" panose="02020603050405020304" pitchFamily="18" charset="0"/>
+              </a:rPr>
+              <a:t>Teacher Model</a:t>
+            </a:r>
+            <a:endParaRPr lang="zh-CN" altLang="en-US" sz="2800" dirty="0">
+              <a:latin typeface="Times New Roman" panose="02020603050405020304" pitchFamily="18" charset="0"/>
+              <a:cs typeface="Times New Roman" panose="02020603050405020304" pitchFamily="18" charset="0"/>
+            </a:endParaRPr>
+          </a:p>
+        </p:txBody>
+      </p:sp>
+      <mc:AlternateContent xmlns:mc="http://schemas.openxmlformats.org/markup-compatibility/2006">
+        <mc:Choice xmlns:a14="http://schemas.microsoft.com/office/drawing/2010/main" Requires="a14">
+          <p:sp>
+            <p:nvSpPr>
+              <p:cNvPr id="48" name="文本框 47">
+                <a:extLst>
+                  <a:ext uri="{FF2B5EF4-FFF2-40B4-BE49-F238E27FC236}">
+                    <a16:creationId xmlns:a16="http://schemas.microsoft.com/office/drawing/2014/main" id="{DDB2D80F-3252-4C59-FB1B-000C77DA0584}"/>
+                  </a:ext>
+                </a:extLst>
+              </p:cNvPr>
+              <p:cNvSpPr txBox="1"/>
+              <p:nvPr/>
+            </p:nvSpPr>
+            <p:spPr>
+              <a:xfrm>
+                <a:off x="8568651" y="6484938"/>
+                <a:ext cx="582980" cy="469296"/>
+              </a:xfrm>
+              <a:prstGeom prst="rect">
+                <a:avLst/>
+              </a:prstGeom>
+              <a:noFill/>
+            </p:spPr>
+            <p:txBody>
+              <a:bodyPr wrap="none" lIns="0" tIns="0" rIns="0" bIns="0" rtlCol="0">
+                <a:spAutoFit/>
+              </a:bodyPr>
+              <a:lstStyle/>
+              <a:p>
+                <a14:m>
+                  <m:oMathPara xmlns:m="http://schemas.openxmlformats.org/officeDocument/2006/math">
+                    <m:oMathParaPr>
+                      <m:jc m:val="centerGroup"/>
+                    </m:oMathParaPr>
+                    <m:oMath xmlns:m="http://schemas.openxmlformats.org/officeDocument/2006/math">
+                      <m:sSub>
+                        <m:sSubPr>
+                          <m:ctrlPr>
+                            <a:rPr lang="en-US" altLang="zh-CN" sz="2800" b="0" i="1" smtClean="0">
+                              <a:latin typeface="Cambria Math" panose="02040503050406030204" pitchFamily="18" charset="0"/>
+                            </a:rPr>
+                          </m:ctrlPr>
+                        </m:sSubPr>
+                        <m:e>
+                          <m:r>
+                            <m:rPr>
+                              <m:sty m:val="p"/>
+                            </m:rPr>
+                            <a:rPr lang="el-GR" altLang="zh-CN" sz="2800" b="0" i="1" smtClean="0">
+                              <a:latin typeface="Cambria Math" panose="02040503050406030204" pitchFamily="18" charset="0"/>
+                              <a:ea typeface="Cambria Math" panose="02040503050406030204" pitchFamily="18" charset="0"/>
+                            </a:rPr>
+                            <m:t>Φ</m:t>
+                          </m:r>
+                        </m:e>
+                        <m:sub>
+                          <m:r>
+                            <a:rPr lang="zh-CN" altLang="en-US" sz="2800" b="0" i="1" smtClean="0">
+                              <a:latin typeface="Cambria Math" panose="02040503050406030204" pitchFamily="18" charset="0"/>
+                            </a:rPr>
+                            <m:t>𝜓</m:t>
+                          </m:r>
+                        </m:sub>
+                      </m:sSub>
+                    </m:oMath>
+                  </m:oMathPara>
+                </a14:m>
+                <a:endParaRPr lang="zh-CN" altLang="en-US" sz="2400" dirty="0"/>
+              </a:p>
+            </p:txBody>
+          </p:sp>
+        </mc:Choice>
+        <mc:Fallback>
+          <p:sp>
+            <p:nvSpPr>
+              <p:cNvPr id="48" name="文本框 47">
+                <a:extLst>
+                  <a:ext uri="{FF2B5EF4-FFF2-40B4-BE49-F238E27FC236}">
+                    <a16:creationId xmlns:a16="http://schemas.microsoft.com/office/drawing/2014/main" id="{DDB2D80F-3252-4C59-FB1B-000C77DA0584}"/>
+                  </a:ext>
+                </a:extLst>
+              </p:cNvPr>
+              <p:cNvSpPr txBox="1">
+                <a:spLocks noRot="1" noChangeAspect="1" noMove="1" noResize="1" noEditPoints="1" noAdjustHandles="1" noChangeArrowheads="1" noChangeShapeType="1" noTextEdit="1"/>
+              </p:cNvSpPr>
+              <p:nvPr/>
+            </p:nvSpPr>
+            <p:spPr>
+              <a:xfrm>
+                <a:off x="8568651" y="6484938"/>
+                <a:ext cx="582980" cy="469296"/>
+              </a:xfrm>
+              <a:prstGeom prst="rect">
+                <a:avLst/>
+              </a:prstGeom>
+              <a:blipFill>
+                <a:blip r:embed="rId9"/>
+                <a:stretch>
+                  <a:fillRect/>
+                </a:stretch>
+              </a:blipFill>
+            </p:spPr>
+            <p:txBody>
+              <a:bodyPr/>
+              <a:lstStyle/>
+              <a:p>
+                <a:r>
+                  <a:rPr lang="zh-CN" altLang="en-US">
+                    <a:noFill/>
+                  </a:rPr>
+                  <a:t> </a:t>
+                </a:r>
+              </a:p>
+            </p:txBody>
+          </p:sp>
+        </mc:Fallback>
+      </mc:AlternateContent>
+      <mc:AlternateContent xmlns:mc="http://schemas.openxmlformats.org/markup-compatibility/2006">
+        <mc:Choice xmlns:a14="http://schemas.microsoft.com/office/drawing/2010/main" Requires="a14">
+          <p:sp>
+            <p:nvSpPr>
+              <p:cNvPr id="50" name="文本框 49">
+                <a:extLst>
+                  <a:ext uri="{FF2B5EF4-FFF2-40B4-BE49-F238E27FC236}">
+                    <a16:creationId xmlns:a16="http://schemas.microsoft.com/office/drawing/2014/main" id="{0CEC09A7-B7B4-D4F4-4C56-FF2F9EF6BD94}"/>
+                  </a:ext>
+                </a:extLst>
+              </p:cNvPr>
+              <p:cNvSpPr txBox="1"/>
+              <p:nvPr/>
+            </p:nvSpPr>
+            <p:spPr>
+              <a:xfrm>
+                <a:off x="8288416" y="7348017"/>
+                <a:ext cx="441139" cy="523220"/>
+              </a:xfrm>
+              <a:prstGeom prst="rect">
+                <a:avLst/>
+              </a:prstGeom>
+              <a:noFill/>
+            </p:spPr>
+            <p:txBody>
+              <a:bodyPr wrap="square">
+                <a:spAutoFit/>
+              </a:bodyPr>
+              <a:lstStyle/>
+              <a:p>
+                <a:pPr/>
+                <a14:m>
+                  <m:oMathPara xmlns:m="http://schemas.openxmlformats.org/officeDocument/2006/math">
+                    <m:oMathParaPr>
+                      <m:jc m:val="centerGroup"/>
+                    </m:oMathParaPr>
+                    <m:oMath xmlns:m="http://schemas.openxmlformats.org/officeDocument/2006/math">
+                      <m:r>
+                        <a:rPr lang="zh-CN" altLang="en-US" sz="2800" b="0" i="1" smtClean="0">
+                          <a:latin typeface="Cambria Math" panose="02040503050406030204" pitchFamily="18" charset="0"/>
+                        </a:rPr>
+                        <m:t>𝜓</m:t>
+                      </m:r>
+                    </m:oMath>
+                  </m:oMathPara>
+                </a14:m>
+                <a:endParaRPr lang="zh-CN" altLang="en-US" dirty="0"/>
+              </a:p>
+            </p:txBody>
+          </p:sp>
+        </mc:Choice>
+        <mc:Fallback>
+          <p:sp>
+            <p:nvSpPr>
+              <p:cNvPr id="50" name="文本框 49">
+                <a:extLst>
+                  <a:ext uri="{FF2B5EF4-FFF2-40B4-BE49-F238E27FC236}">
+                    <a16:creationId xmlns:a16="http://schemas.microsoft.com/office/drawing/2014/main" id="{0CEC09A7-B7B4-D4F4-4C56-FF2F9EF6BD94}"/>
+                  </a:ext>
+                </a:extLst>
+              </p:cNvPr>
+              <p:cNvSpPr txBox="1">
+                <a:spLocks noRot="1" noChangeAspect="1" noMove="1" noResize="1" noEditPoints="1" noAdjustHandles="1" noChangeArrowheads="1" noChangeShapeType="1" noTextEdit="1"/>
+              </p:cNvSpPr>
+              <p:nvPr/>
+            </p:nvSpPr>
+            <p:spPr>
+              <a:xfrm>
+                <a:off x="8288416" y="7348017"/>
+                <a:ext cx="441139" cy="523220"/>
+              </a:xfrm>
+              <a:prstGeom prst="rect">
+                <a:avLst/>
+              </a:prstGeom>
+              <a:blipFill>
+                <a:blip r:embed="rId10"/>
+                <a:stretch>
+                  <a:fillRect/>
+                </a:stretch>
+              </a:blipFill>
+            </p:spPr>
+            <p:txBody>
+              <a:bodyPr/>
+              <a:lstStyle/>
+              <a:p>
+                <a:r>
+                  <a:rPr lang="zh-CN" altLang="en-US">
+                    <a:noFill/>
+                  </a:rPr>
+                  <a:t> </a:t>
+                </a:r>
+              </a:p>
+            </p:txBody>
+          </p:sp>
+        </mc:Fallback>
+      </mc:AlternateContent>
+      <mc:AlternateContent xmlns:mc="http://schemas.openxmlformats.org/markup-compatibility/2006">
+        <mc:Choice xmlns:a14="http://schemas.microsoft.com/office/drawing/2010/main" Requires="a14">
+          <p:sp>
+            <p:nvSpPr>
+              <p:cNvPr id="52" name="文本框 51">
+                <a:extLst>
+                  <a:ext uri="{FF2B5EF4-FFF2-40B4-BE49-F238E27FC236}">
+                    <a16:creationId xmlns:a16="http://schemas.microsoft.com/office/drawing/2014/main" id="{98867ADB-57BC-2481-3FA6-333DADB35962}"/>
+                  </a:ext>
+                </a:extLst>
+              </p:cNvPr>
+              <p:cNvSpPr txBox="1"/>
+              <p:nvPr/>
+            </p:nvSpPr>
+            <p:spPr>
+              <a:xfrm>
+                <a:off x="8081734" y="3841180"/>
+                <a:ext cx="714375" cy="523220"/>
+              </a:xfrm>
+              <a:prstGeom prst="rect">
+                <a:avLst/>
+              </a:prstGeom>
+              <a:noFill/>
+            </p:spPr>
+            <p:txBody>
+              <a:bodyPr wrap="square">
+                <a:spAutoFit/>
+              </a:bodyPr>
+              <a:lstStyle/>
+              <a:p>
+                <a:pPr/>
+                <a14:m>
+                  <m:oMathPara xmlns:m="http://schemas.openxmlformats.org/officeDocument/2006/math">
+                    <m:oMathParaPr>
+                      <m:jc m:val="centerGroup"/>
+                    </m:oMathParaPr>
+                    <m:oMath xmlns:m="http://schemas.openxmlformats.org/officeDocument/2006/math">
+                      <m:r>
+                        <a:rPr lang="zh-CN" altLang="en-US" sz="2800" b="0" i="1" smtClean="0">
+                          <a:latin typeface="Cambria Math" panose="02040503050406030204" pitchFamily="18" charset="0"/>
+                        </a:rPr>
+                        <m:t>𝜙</m:t>
+                      </m:r>
+                    </m:oMath>
+                  </m:oMathPara>
+                </a14:m>
+                <a:endParaRPr lang="zh-CN" altLang="en-US" dirty="0"/>
+              </a:p>
+            </p:txBody>
+          </p:sp>
+        </mc:Choice>
+        <mc:Fallback>
+          <p:sp>
+            <p:nvSpPr>
+              <p:cNvPr id="52" name="文本框 51">
+                <a:extLst>
+                  <a:ext uri="{FF2B5EF4-FFF2-40B4-BE49-F238E27FC236}">
+                    <a16:creationId xmlns:a16="http://schemas.microsoft.com/office/drawing/2014/main" id="{98867ADB-57BC-2481-3FA6-333DADB35962}"/>
+                  </a:ext>
+                </a:extLst>
+              </p:cNvPr>
+              <p:cNvSpPr txBox="1">
+                <a:spLocks noRot="1" noChangeAspect="1" noMove="1" noResize="1" noEditPoints="1" noAdjustHandles="1" noChangeArrowheads="1" noChangeShapeType="1" noTextEdit="1"/>
+              </p:cNvSpPr>
+              <p:nvPr/>
+            </p:nvSpPr>
+            <p:spPr>
+              <a:xfrm>
+                <a:off x="8081734" y="3841180"/>
+                <a:ext cx="714375" cy="523220"/>
+              </a:xfrm>
+              <a:prstGeom prst="rect">
+                <a:avLst/>
+              </a:prstGeom>
+              <a:blipFill>
+                <a:blip r:embed="rId11"/>
+                <a:stretch>
+                  <a:fillRect/>
+                </a:stretch>
+              </a:blipFill>
+            </p:spPr>
+            <p:txBody>
+              <a:bodyPr/>
+              <a:lstStyle/>
+              <a:p>
+                <a:r>
+                  <a:rPr lang="zh-CN" altLang="en-US">
+                    <a:noFill/>
+                  </a:rPr>
+                  <a:t> </a:t>
+                </a:r>
+              </a:p>
+            </p:txBody>
+          </p:sp>
+        </mc:Fallback>
+      </mc:AlternateContent>
+      <p:pic>
+        <p:nvPicPr>
+          <p:cNvPr id="54" name="图片 53">
+            <a:extLst>
+              <a:ext uri="{FF2B5EF4-FFF2-40B4-BE49-F238E27FC236}">
+                <a16:creationId xmlns:a16="http://schemas.microsoft.com/office/drawing/2014/main" id="{08CCC5EE-DC0C-9264-5DAE-519578EC2901}"/>
+              </a:ext>
+            </a:extLst>
+          </p:cNvPr>
+          <p:cNvPicPr>
+            <a:picLocks noChangeAspect="1"/>
+          </p:cNvPicPr>
+          <p:nvPr/>
+        </p:nvPicPr>
+        <p:blipFill>
+          <a:blip r:embed="rId12">
+            <a:extLst>
+              <a:ext uri="{28A0092B-C50C-407E-A947-70E740481C1C}">
+                <a14:useLocalDpi xmlns:a14="http://schemas.microsoft.com/office/drawing/2010/main" val="0"/>
+              </a:ext>
+            </a:extLst>
+          </a:blip>
+          <a:stretch>
+            <a:fillRect/>
+          </a:stretch>
+        </p:blipFill>
+        <p:spPr>
+          <a:xfrm>
+            <a:off x="9068454" y="7609627"/>
+            <a:ext cx="523220" cy="523220"/>
+          </a:xfrm>
+          <a:prstGeom prst="rect">
+            <a:avLst/>
+          </a:prstGeom>
+        </p:spPr>
+      </p:pic>
+      <mc:AlternateContent xmlns:mc="http://schemas.openxmlformats.org/markup-compatibility/2006">
+        <mc:Choice xmlns:a14="http://schemas.microsoft.com/office/drawing/2010/main" Requires="a14">
+          <p:sp>
+            <p:nvSpPr>
+              <p:cNvPr id="55" name="文本框 54">
+                <a:extLst>
+                  <a:ext uri="{FF2B5EF4-FFF2-40B4-BE49-F238E27FC236}">
+                    <a16:creationId xmlns:a16="http://schemas.microsoft.com/office/drawing/2014/main" id="{FC1B9D08-0BA5-CD88-2402-6E907B74F065}"/>
+                  </a:ext>
+                </a:extLst>
+              </p:cNvPr>
+              <p:cNvSpPr txBox="1"/>
+              <p:nvPr/>
+            </p:nvSpPr>
+            <p:spPr>
+              <a:xfrm>
+                <a:off x="3590982" y="8450447"/>
+                <a:ext cx="3165675" cy="430887"/>
+              </a:xfrm>
+              <a:prstGeom prst="rect">
+                <a:avLst/>
+              </a:prstGeom>
+              <a:noFill/>
+            </p:spPr>
+            <p:txBody>
+              <a:bodyPr wrap="none" lIns="0" tIns="0" rIns="0" bIns="0" rtlCol="0">
+                <a:spAutoFit/>
+              </a:bodyPr>
+              <a:lstStyle/>
+              <a:p>
+                <a14:m>
+                  <m:oMathPara xmlns:m="http://schemas.openxmlformats.org/officeDocument/2006/math">
+                    <m:oMathParaPr>
+                      <m:jc m:val="centerGroup"/>
+                    </m:oMathParaPr>
+                    <m:oMath xmlns:m="http://schemas.openxmlformats.org/officeDocument/2006/math">
+                      <m:sSub>
+                        <m:sSubPr>
+                          <m:ctrlPr>
+                            <a:rPr lang="en-US" altLang="zh-CN" sz="2800" b="0" i="1" smtClean="0">
+                              <a:latin typeface="Cambria Math" panose="02040503050406030204" pitchFamily="18" charset="0"/>
+                            </a:rPr>
+                          </m:ctrlPr>
+                        </m:sSubPr>
+                        <m:e>
+                          <m:r>
+                            <a:rPr lang="en-US" altLang="zh-CN" sz="2800" b="0" i="1" smtClean="0">
+                              <a:latin typeface="Cambria Math" panose="02040503050406030204" pitchFamily="18" charset="0"/>
+                            </a:rPr>
+                            <m:t>𝑥</m:t>
+                          </m:r>
+                        </m:e>
+                        <m:sub>
+                          <m:r>
+                            <a:rPr lang="en-US" altLang="zh-CN" sz="2800" b="0" i="1" smtClean="0">
+                              <a:latin typeface="Cambria Math" panose="02040503050406030204" pitchFamily="18" charset="0"/>
+                            </a:rPr>
+                            <m:t>𝑡</m:t>
+                          </m:r>
+                        </m:sub>
+                      </m:sSub>
+                      <m:r>
+                        <a:rPr lang="en-US" altLang="zh-CN" sz="2800" b="0" i="1" smtClean="0">
+                          <a:latin typeface="Cambria Math" panose="02040503050406030204" pitchFamily="18" charset="0"/>
+                        </a:rPr>
+                        <m:t>=</m:t>
+                      </m:r>
+                      <m:r>
+                        <a:rPr lang="zh-CN" altLang="en-US" sz="2800" i="1">
+                          <a:latin typeface="Cambria Math" panose="02040503050406030204" pitchFamily="18" charset="0"/>
+                        </a:rPr>
+                        <m:t>𝛼</m:t>
+                      </m:r>
+                      <m:d>
+                        <m:dPr>
+                          <m:ctrlPr>
+                            <a:rPr lang="en-US" altLang="zh-CN" sz="2800" i="1">
+                              <a:latin typeface="Cambria Math" panose="02040503050406030204" pitchFamily="18" charset="0"/>
+                            </a:rPr>
+                          </m:ctrlPr>
+                        </m:dPr>
+                        <m:e>
+                          <m:r>
+                            <a:rPr lang="en-US" altLang="zh-CN" sz="2800" b="0" i="1" smtClean="0">
+                              <a:latin typeface="Cambria Math" panose="02040503050406030204" pitchFamily="18" charset="0"/>
+                            </a:rPr>
+                            <m:t>𝑡</m:t>
+                          </m:r>
+                        </m:e>
+                      </m:d>
+                      <m:sSub>
+                        <m:sSubPr>
+                          <m:ctrlPr>
+                            <a:rPr lang="en-US" altLang="zh-CN" sz="2800" i="1">
+                              <a:latin typeface="Cambria Math" panose="02040503050406030204" pitchFamily="18" charset="0"/>
+                            </a:rPr>
+                          </m:ctrlPr>
+                        </m:sSubPr>
+                        <m:e>
+                          <m:r>
+                            <a:rPr lang="en-US" altLang="zh-CN" sz="2800" i="1">
+                              <a:latin typeface="Cambria Math" panose="02040503050406030204" pitchFamily="18" charset="0"/>
+                            </a:rPr>
+                            <m:t>𝑥</m:t>
+                          </m:r>
+                        </m:e>
+                        <m:sub>
+                          <m:r>
+                            <a:rPr lang="en-US" altLang="zh-CN" sz="2800" i="1">
+                              <a:latin typeface="Cambria Math" panose="02040503050406030204" pitchFamily="18" charset="0"/>
+                            </a:rPr>
+                            <m:t>0</m:t>
+                          </m:r>
+                        </m:sub>
+                      </m:sSub>
+                      <m:r>
+                        <a:rPr lang="en-US" altLang="zh-CN" sz="2800" i="1">
+                          <a:latin typeface="Cambria Math" panose="02040503050406030204" pitchFamily="18" charset="0"/>
+                        </a:rPr>
+                        <m:t>+</m:t>
+                      </m:r>
+                      <m:r>
+                        <a:rPr lang="zh-CN" altLang="en-US" sz="2800" i="1">
+                          <a:latin typeface="Cambria Math" panose="02040503050406030204" pitchFamily="18" charset="0"/>
+                        </a:rPr>
+                        <m:t>𝜎</m:t>
+                      </m:r>
+                      <m:r>
+                        <a:rPr lang="en-US" altLang="zh-CN" sz="2800" i="1">
+                          <a:latin typeface="Cambria Math" panose="02040503050406030204" pitchFamily="18" charset="0"/>
+                        </a:rPr>
+                        <m:t>(</m:t>
+                      </m:r>
+                      <m:r>
+                        <a:rPr lang="en-US" altLang="zh-CN" sz="2800" b="0" i="1" smtClean="0">
+                          <a:latin typeface="Cambria Math" panose="02040503050406030204" pitchFamily="18" charset="0"/>
+                        </a:rPr>
+                        <m:t>𝑡</m:t>
+                      </m:r>
+                      <m:r>
+                        <a:rPr lang="en-US" altLang="zh-CN" sz="2800" i="1">
+                          <a:latin typeface="Cambria Math" panose="02040503050406030204" pitchFamily="18" charset="0"/>
+                        </a:rPr>
+                        <m:t>)</m:t>
+                      </m:r>
+                      <m:r>
+                        <a:rPr lang="zh-CN" altLang="en-US" sz="2800" i="1">
+                          <a:latin typeface="Cambria Math" panose="02040503050406030204" pitchFamily="18" charset="0"/>
+                        </a:rPr>
+                        <m:t>𝜖</m:t>
+                      </m:r>
+                    </m:oMath>
+                  </m:oMathPara>
+                </a14:m>
+                <a:endParaRPr lang="zh-CN" altLang="en-US" sz="2800" dirty="0"/>
+              </a:p>
+            </p:txBody>
+          </p:sp>
+        </mc:Choice>
+        <mc:Fallback>
+          <p:sp>
+            <p:nvSpPr>
+              <p:cNvPr id="55" name="文本框 54">
+                <a:extLst>
+                  <a:ext uri="{FF2B5EF4-FFF2-40B4-BE49-F238E27FC236}">
+                    <a16:creationId xmlns:a16="http://schemas.microsoft.com/office/drawing/2014/main" id="{FC1B9D08-0BA5-CD88-2402-6E907B74F065}"/>
+                  </a:ext>
+                </a:extLst>
+              </p:cNvPr>
+              <p:cNvSpPr txBox="1">
+                <a:spLocks noRot="1" noChangeAspect="1" noMove="1" noResize="1" noEditPoints="1" noAdjustHandles="1" noChangeArrowheads="1" noChangeShapeType="1" noTextEdit="1"/>
+              </p:cNvSpPr>
+              <p:nvPr/>
+            </p:nvSpPr>
+            <p:spPr>
+              <a:xfrm>
+                <a:off x="3590982" y="8450447"/>
+                <a:ext cx="3165675" cy="430887"/>
+              </a:xfrm>
+              <a:prstGeom prst="rect">
+                <a:avLst/>
+              </a:prstGeom>
+              <a:blipFill>
+                <a:blip r:embed="rId13"/>
+                <a:stretch>
+                  <a:fillRect/>
+                </a:stretch>
+              </a:blipFill>
+            </p:spPr>
+            <p:txBody>
+              <a:bodyPr/>
+              <a:lstStyle/>
+              <a:p>
+                <a:r>
+                  <a:rPr lang="zh-CN" altLang="en-US">
+                    <a:noFill/>
+                  </a:rPr>
+                  <a:t> </a:t>
+                </a:r>
+              </a:p>
+            </p:txBody>
+          </p:sp>
+        </mc:Fallback>
+      </mc:AlternateContent>
+      <mc:AlternateContent xmlns:mc="http://schemas.openxmlformats.org/markup-compatibility/2006">
+        <mc:Choice xmlns:a14="http://schemas.microsoft.com/office/drawing/2010/main" Requires="a14">
+          <p:sp>
+            <p:nvSpPr>
+              <p:cNvPr id="57" name="文本框 56">
+                <a:extLst>
+                  <a:ext uri="{FF2B5EF4-FFF2-40B4-BE49-F238E27FC236}">
+                    <a16:creationId xmlns:a16="http://schemas.microsoft.com/office/drawing/2014/main" id="{DAF5E8E3-8262-8C13-B424-91CC32FE233E}"/>
+                  </a:ext>
+                </a:extLst>
+              </p:cNvPr>
+              <p:cNvSpPr txBox="1"/>
+              <p:nvPr/>
+            </p:nvSpPr>
+            <p:spPr>
+              <a:xfrm>
+                <a:off x="12468358" y="8450447"/>
+                <a:ext cx="998522" cy="531940"/>
+              </a:xfrm>
+              <a:prstGeom prst="rect">
+                <a:avLst/>
+              </a:prstGeom>
+              <a:noFill/>
+            </p:spPr>
+            <p:txBody>
+              <a:bodyPr wrap="square">
+                <a:spAutoFit/>
+              </a:bodyPr>
+              <a:lstStyle/>
+              <a:p>
+                <a:pPr/>
+                <a14:m>
+                  <m:oMathPara xmlns:m="http://schemas.openxmlformats.org/officeDocument/2006/math">
+                    <m:oMathParaPr>
+                      <m:jc m:val="centerGroup"/>
+                    </m:oMathParaPr>
+                    <m:oMath xmlns:m="http://schemas.openxmlformats.org/officeDocument/2006/math">
+                      <m:sSubSup>
+                        <m:sSubSupPr>
+                          <m:ctrlPr>
+                            <a:rPr lang="en-US" altLang="zh-CN" sz="2800" b="0" i="1" smtClean="0">
+                              <a:latin typeface="Cambria Math" panose="02040503050406030204" pitchFamily="18" charset="0"/>
+                            </a:rPr>
+                          </m:ctrlPr>
+                        </m:sSubSupPr>
+                        <m:e>
+                          <m:r>
+                            <a:rPr lang="en-US" altLang="zh-CN" sz="2800" b="0" i="1" smtClean="0">
+                              <a:latin typeface="Cambria Math" panose="02040503050406030204" pitchFamily="18" charset="0"/>
+                            </a:rPr>
+                            <m:t>𝑥</m:t>
+                          </m:r>
+                        </m:e>
+                        <m:sub>
+                          <m:r>
+                            <a:rPr lang="en-US" altLang="zh-CN" sz="2800" b="0" i="1" smtClean="0">
+                              <a:latin typeface="Cambria Math" panose="02040503050406030204" pitchFamily="18" charset="0"/>
+                            </a:rPr>
+                            <m:t>0</m:t>
+                          </m:r>
+                        </m:sub>
+                        <m:sup>
+                          <m:r>
+                            <a:rPr lang="en-US" altLang="zh-CN" sz="2800" b="0" i="1" smtClean="0">
+                              <a:latin typeface="Cambria Math" panose="02040503050406030204" pitchFamily="18" charset="0"/>
+                            </a:rPr>
+                            <m:t>𝑇</m:t>
+                          </m:r>
+                        </m:sup>
+                      </m:sSubSup>
+                    </m:oMath>
+                  </m:oMathPara>
+                </a14:m>
+                <a:endParaRPr lang="zh-CN" altLang="en-US" sz="1800" dirty="0"/>
+              </a:p>
+            </p:txBody>
+          </p:sp>
+        </mc:Choice>
+        <mc:Fallback>
+          <p:sp>
+            <p:nvSpPr>
+              <p:cNvPr id="57" name="文本框 56">
+                <a:extLst>
+                  <a:ext uri="{FF2B5EF4-FFF2-40B4-BE49-F238E27FC236}">
+                    <a16:creationId xmlns:a16="http://schemas.microsoft.com/office/drawing/2014/main" id="{DAF5E8E3-8262-8C13-B424-91CC32FE233E}"/>
+                  </a:ext>
+                </a:extLst>
+              </p:cNvPr>
+              <p:cNvSpPr txBox="1">
+                <a:spLocks noRot="1" noChangeAspect="1" noMove="1" noResize="1" noEditPoints="1" noAdjustHandles="1" noChangeArrowheads="1" noChangeShapeType="1" noTextEdit="1"/>
+              </p:cNvSpPr>
+              <p:nvPr/>
+            </p:nvSpPr>
+            <p:spPr>
+              <a:xfrm>
+                <a:off x="12468358" y="8450447"/>
+                <a:ext cx="998522" cy="531940"/>
+              </a:xfrm>
+              <a:prstGeom prst="rect">
+                <a:avLst/>
+              </a:prstGeom>
+              <a:blipFill>
+                <a:blip r:embed="rId14"/>
+                <a:stretch>
+                  <a:fillRect/>
+                </a:stretch>
+              </a:blipFill>
+            </p:spPr>
+            <p:txBody>
+              <a:bodyPr/>
+              <a:lstStyle/>
+              <a:p>
+                <a:r>
+                  <a:rPr lang="zh-CN" altLang="en-US">
+                    <a:noFill/>
+                  </a:rPr>
+                  <a:t> </a:t>
+                </a:r>
+              </a:p>
+            </p:txBody>
+          </p:sp>
+        </mc:Fallback>
+      </mc:AlternateContent>
+      <p:sp>
+        <p:nvSpPr>
+          <p:cNvPr id="58" name="文本框 57">
+            <a:extLst>
+              <a:ext uri="{FF2B5EF4-FFF2-40B4-BE49-F238E27FC236}">
+                <a16:creationId xmlns:a16="http://schemas.microsoft.com/office/drawing/2014/main" id="{782C0160-582E-0139-F38F-78C5BEF36764}"/>
+              </a:ext>
+            </a:extLst>
+          </p:cNvPr>
+          <p:cNvSpPr txBox="1"/>
+          <p:nvPr/>
+        </p:nvSpPr>
+        <p:spPr>
+          <a:xfrm>
+            <a:off x="16247136" y="1300785"/>
+            <a:ext cx="3178548" cy="523220"/>
+          </a:xfrm>
+          <a:prstGeom prst="rect">
+            <a:avLst/>
+          </a:prstGeom>
+          <a:noFill/>
+        </p:spPr>
+        <p:txBody>
+          <a:bodyPr wrap="square" rtlCol="0">
+            <a:spAutoFit/>
+          </a:bodyPr>
+          <a:lstStyle/>
+          <a:p>
+            <a:r>
+              <a:rPr lang="en-US" altLang="zh-CN" sz="2800" b="1" dirty="0">
+                <a:latin typeface="Times New Roman" panose="02020603050405020304" pitchFamily="18" charset="0"/>
+                <a:cs typeface="Times New Roman" panose="02020603050405020304" pitchFamily="18" charset="0"/>
+              </a:rPr>
+              <a:t>Adversarial Loss</a:t>
+            </a:r>
+            <a:endParaRPr lang="zh-CN" altLang="en-US" sz="2800" b="1" dirty="0">
+              <a:latin typeface="Times New Roman" panose="02020603050405020304" pitchFamily="18" charset="0"/>
+              <a:cs typeface="Times New Roman" panose="02020603050405020304" pitchFamily="18" charset="0"/>
+            </a:endParaRPr>
+          </a:p>
+        </p:txBody>
+      </p:sp>
+      <p:sp>
+        <p:nvSpPr>
+          <p:cNvPr id="59" name="文本框 58">
+            <a:extLst>
+              <a:ext uri="{FF2B5EF4-FFF2-40B4-BE49-F238E27FC236}">
+                <a16:creationId xmlns:a16="http://schemas.microsoft.com/office/drawing/2014/main" id="{3725F2AC-2E67-3F07-6254-45871DD4B25D}"/>
+              </a:ext>
+            </a:extLst>
+          </p:cNvPr>
+          <p:cNvSpPr txBox="1"/>
+          <p:nvPr/>
+        </p:nvSpPr>
+        <p:spPr>
+          <a:xfrm>
+            <a:off x="17198389" y="2228577"/>
+            <a:ext cx="2541908" cy="523220"/>
+          </a:xfrm>
+          <a:prstGeom prst="rect">
+            <a:avLst/>
+          </a:prstGeom>
+          <a:noFill/>
+        </p:spPr>
+        <p:txBody>
+          <a:bodyPr wrap="square" rtlCol="0">
+            <a:spAutoFit/>
+          </a:bodyPr>
+          <a:lstStyle/>
+          <a:p>
+            <a:r>
+              <a:rPr lang="en-US" altLang="zh-CN" sz="2800" dirty="0">
+                <a:latin typeface="Times New Roman" panose="02020603050405020304" pitchFamily="18" charset="0"/>
+                <a:cs typeface="Times New Roman" panose="02020603050405020304" pitchFamily="18" charset="0"/>
+              </a:rPr>
+              <a:t>Real / Fake</a:t>
+            </a:r>
+            <a:endParaRPr lang="zh-CN" altLang="en-US" sz="2800" dirty="0">
+              <a:latin typeface="Times New Roman" panose="02020603050405020304" pitchFamily="18" charset="0"/>
+              <a:cs typeface="Times New Roman" panose="02020603050405020304" pitchFamily="18" charset="0"/>
+            </a:endParaRPr>
+          </a:p>
+        </p:txBody>
+      </p:sp>
+      <p:cxnSp>
+        <p:nvCxnSpPr>
+          <p:cNvPr id="60" name="直接箭头连接符 59">
+            <a:extLst>
+              <a:ext uri="{FF2B5EF4-FFF2-40B4-BE49-F238E27FC236}">
+                <a16:creationId xmlns:a16="http://schemas.microsoft.com/office/drawing/2014/main" id="{6363FB69-BE46-D8AF-AE61-4A1392624C3B}"/>
+              </a:ext>
+            </a:extLst>
+          </p:cNvPr>
+          <p:cNvCxnSpPr>
+            <a:cxnSpLocks/>
+            <a:stCxn id="9" idx="0"/>
+            <a:endCxn id="59" idx="1"/>
+          </p:cNvCxnSpPr>
+          <p:nvPr/>
+        </p:nvCxnSpPr>
+        <p:spPr>
+          <a:xfrm flipV="1">
+            <a:off x="16274044" y="2490187"/>
+            <a:ext cx="924345" cy="1"/>
+          </a:xfrm>
+          <a:prstGeom prst="straightConnector1">
+            <a:avLst/>
+          </a:prstGeom>
+          <a:ln>
+            <a:tailEnd type="triangle"/>
+          </a:ln>
+        </p:spPr>
+        <p:style>
+          <a:lnRef idx="2">
+            <a:schemeClr val="accent1"/>
+          </a:lnRef>
+          <a:fillRef idx="0">
+            <a:schemeClr val="accent1"/>
+          </a:fillRef>
+          <a:effectRef idx="1">
+            <a:schemeClr val="accent1"/>
+          </a:effectRef>
+          <a:fontRef idx="minor">
+            <a:schemeClr val="tx1"/>
+          </a:fontRef>
+        </p:style>
+      </p:cxnSp>
+      <p:cxnSp>
+        <p:nvCxnSpPr>
+          <p:cNvPr id="67" name="连接符: 曲线 66">
+            <a:extLst>
+              <a:ext uri="{FF2B5EF4-FFF2-40B4-BE49-F238E27FC236}">
+                <a16:creationId xmlns:a16="http://schemas.microsoft.com/office/drawing/2014/main" id="{366D4CCC-C7B1-79F9-776B-B0D4B934EAFC}"/>
+              </a:ext>
+            </a:extLst>
+          </p:cNvPr>
+          <p:cNvCxnSpPr>
+            <a:cxnSpLocks/>
+          </p:cNvCxnSpPr>
+          <p:nvPr/>
+        </p:nvCxnSpPr>
+        <p:spPr>
+          <a:xfrm>
+            <a:off x="13361099" y="4357410"/>
+            <a:ext cx="2493207" cy="1217429"/>
+          </a:xfrm>
+          <a:prstGeom prst="curvedConnector3">
+            <a:avLst>
+              <a:gd name="adj1" fmla="val 50000"/>
+            </a:avLst>
+          </a:prstGeom>
+          <a:ln>
+            <a:tailEnd type="triangle"/>
+          </a:ln>
+        </p:spPr>
+        <p:style>
+          <a:lnRef idx="2">
+            <a:schemeClr val="accent1"/>
+          </a:lnRef>
+          <a:fillRef idx="0">
+            <a:schemeClr val="accent1"/>
+          </a:fillRef>
+          <a:effectRef idx="1">
+            <a:schemeClr val="accent1"/>
+          </a:effectRef>
+          <a:fontRef idx="minor">
+            <a:schemeClr val="tx1"/>
+          </a:fontRef>
+        </p:style>
+      </p:cxnSp>
+      <p:cxnSp>
+        <p:nvCxnSpPr>
+          <p:cNvPr id="70" name="连接符: 曲线 69">
+            <a:extLst>
+              <a:ext uri="{FF2B5EF4-FFF2-40B4-BE49-F238E27FC236}">
+                <a16:creationId xmlns:a16="http://schemas.microsoft.com/office/drawing/2014/main" id="{1754E523-2498-B169-A9CF-0541E2D8231D}"/>
+              </a:ext>
+            </a:extLst>
+          </p:cNvPr>
+          <p:cNvCxnSpPr>
+            <a:cxnSpLocks/>
+          </p:cNvCxnSpPr>
+          <p:nvPr/>
+        </p:nvCxnSpPr>
+        <p:spPr>
+          <a:xfrm flipV="1">
+            <a:off x="13361099" y="6270613"/>
+            <a:ext cx="2493207" cy="1100570"/>
+          </a:xfrm>
+          <a:prstGeom prst="curvedConnector3">
+            <a:avLst>
+              <a:gd name="adj1" fmla="val 50000"/>
+            </a:avLst>
+          </a:prstGeom>
+          <a:ln>
+            <a:tailEnd type="triangle"/>
+          </a:ln>
+        </p:spPr>
+        <p:style>
+          <a:lnRef idx="2">
+            <a:schemeClr val="accent1"/>
+          </a:lnRef>
+          <a:fillRef idx="0">
+            <a:schemeClr val="accent1"/>
+          </a:fillRef>
+          <a:effectRef idx="1">
+            <a:schemeClr val="accent1"/>
+          </a:effectRef>
+          <a:fontRef idx="minor">
+            <a:schemeClr val="tx1"/>
+          </a:fontRef>
+        </p:style>
+      </p:cxnSp>
+      <p:sp>
+        <p:nvSpPr>
+          <p:cNvPr id="77" name="文本框 76">
+            <a:extLst>
+              <a:ext uri="{FF2B5EF4-FFF2-40B4-BE49-F238E27FC236}">
+                <a16:creationId xmlns:a16="http://schemas.microsoft.com/office/drawing/2014/main" id="{1B189CC8-0DD1-A741-7231-E89C8A2074F5}"/>
+              </a:ext>
+            </a:extLst>
+          </p:cNvPr>
+          <p:cNvSpPr txBox="1"/>
+          <p:nvPr/>
+        </p:nvSpPr>
+        <p:spPr>
+          <a:xfrm>
+            <a:off x="16304359" y="5313229"/>
+            <a:ext cx="3178548" cy="523220"/>
+          </a:xfrm>
+          <a:prstGeom prst="rect">
+            <a:avLst/>
+          </a:prstGeom>
+          <a:noFill/>
+        </p:spPr>
+        <p:txBody>
+          <a:bodyPr wrap="square" rtlCol="0">
+            <a:spAutoFit/>
+          </a:bodyPr>
+          <a:lstStyle/>
+          <a:p>
+            <a:r>
+              <a:rPr lang="en-US" altLang="zh-CN" sz="2800" b="1" dirty="0">
+                <a:latin typeface="Times New Roman" panose="02020603050405020304" pitchFamily="18" charset="0"/>
+                <a:cs typeface="Times New Roman" panose="02020603050405020304" pitchFamily="18" charset="0"/>
+              </a:rPr>
+              <a:t>Distillation Loss</a:t>
+            </a:r>
+            <a:endParaRPr lang="zh-CN" altLang="en-US" sz="2800" b="1" dirty="0">
+              <a:latin typeface="Times New Roman" panose="02020603050405020304" pitchFamily="18" charset="0"/>
+              <a:cs typeface="Times New Roman" panose="02020603050405020304" pitchFamily="18" charset="0"/>
+            </a:endParaRPr>
+          </a:p>
+        </p:txBody>
+      </p:sp>
+      <mc:AlternateContent xmlns:mc="http://schemas.openxmlformats.org/markup-compatibility/2006">
+        <mc:Choice xmlns:a14="http://schemas.microsoft.com/office/drawing/2010/main" Requires="a14">
+          <p:sp>
+            <p:nvSpPr>
+              <p:cNvPr id="78" name="文本框 77">
+                <a:extLst>
+                  <a:ext uri="{FF2B5EF4-FFF2-40B4-BE49-F238E27FC236}">
+                    <a16:creationId xmlns:a16="http://schemas.microsoft.com/office/drawing/2014/main" id="{3BA0DE4A-8611-853B-8131-0EE88C3DF6C0}"/>
+                  </a:ext>
+                </a:extLst>
+              </p:cNvPr>
+              <p:cNvSpPr txBox="1"/>
+              <p:nvPr/>
+            </p:nvSpPr>
+            <p:spPr>
+              <a:xfrm>
+                <a:off x="16693780" y="5998586"/>
+                <a:ext cx="1582677" cy="486352"/>
+              </a:xfrm>
+              <a:prstGeom prst="rect">
+                <a:avLst/>
+              </a:prstGeom>
+              <a:noFill/>
+            </p:spPr>
+            <p:txBody>
+              <a:bodyPr wrap="none" lIns="0" tIns="0" rIns="0" bIns="0" rtlCol="0">
+                <a:spAutoFit/>
+              </a:bodyPr>
+              <a:lstStyle/>
+              <a:p>
+                <a14:m>
+                  <m:oMathPara xmlns:m="http://schemas.openxmlformats.org/officeDocument/2006/math">
+                    <m:oMathParaPr>
+                      <m:jc m:val="centerGroup"/>
+                    </m:oMathParaPr>
+                    <m:oMath xmlns:m="http://schemas.openxmlformats.org/officeDocument/2006/math">
+                      <m:r>
+                        <a:rPr lang="en-US" altLang="zh-CN" sz="2800" b="0" i="1" smtClean="0">
+                          <a:latin typeface="Cambria Math" panose="02040503050406030204" pitchFamily="18" charset="0"/>
+                        </a:rPr>
+                        <m:t>𝑑</m:t>
+                      </m:r>
+                      <m:d>
+                        <m:dPr>
+                          <m:ctrlPr>
+                            <a:rPr lang="en-US" altLang="zh-CN" sz="2800" b="0" i="1" smtClean="0">
+                              <a:latin typeface="Cambria Math" panose="02040503050406030204" pitchFamily="18" charset="0"/>
+                            </a:rPr>
+                          </m:ctrlPr>
+                        </m:dPr>
+                        <m:e>
+                          <m:sSubSup>
+                            <m:sSubSupPr>
+                              <m:ctrlPr>
+                                <a:rPr lang="en-US" altLang="zh-CN" sz="2800" i="1">
+                                  <a:latin typeface="Cambria Math" panose="02040503050406030204" pitchFamily="18" charset="0"/>
+                                </a:rPr>
+                              </m:ctrlPr>
+                            </m:sSubSupPr>
+                            <m:e>
+                              <m:r>
+                                <a:rPr lang="en-US" altLang="zh-CN" sz="2800" i="1">
+                                  <a:latin typeface="Cambria Math" panose="02040503050406030204" pitchFamily="18" charset="0"/>
+                                </a:rPr>
+                                <m:t>𝑥</m:t>
+                              </m:r>
+                            </m:e>
+                            <m:sub>
+                              <m:r>
+                                <a:rPr lang="en-US" altLang="zh-CN" sz="2800" i="1">
+                                  <a:latin typeface="Cambria Math" panose="02040503050406030204" pitchFamily="18" charset="0"/>
+                                </a:rPr>
+                                <m:t>0</m:t>
+                              </m:r>
+                            </m:sub>
+                            <m:sup>
+                              <m:r>
+                                <a:rPr lang="en-US" altLang="zh-CN" sz="2800" i="1">
+                                  <a:latin typeface="Cambria Math" panose="02040503050406030204" pitchFamily="18" charset="0"/>
+                                </a:rPr>
+                                <m:t>𝑠</m:t>
+                              </m:r>
+                            </m:sup>
+                          </m:sSubSup>
+                          <m:r>
+                            <a:rPr lang="en-US" altLang="zh-CN" sz="2800" b="0" i="1" smtClean="0">
+                              <a:latin typeface="Cambria Math" panose="02040503050406030204" pitchFamily="18" charset="0"/>
+                            </a:rPr>
+                            <m:t>,</m:t>
+                          </m:r>
+                          <m:sSubSup>
+                            <m:sSubSupPr>
+                              <m:ctrlPr>
+                                <a:rPr lang="en-US" altLang="zh-CN" sz="2800" i="1">
+                                  <a:latin typeface="Cambria Math" panose="02040503050406030204" pitchFamily="18" charset="0"/>
+                                </a:rPr>
+                              </m:ctrlPr>
+                            </m:sSubSupPr>
+                            <m:e>
+                              <m:r>
+                                <a:rPr lang="en-US" altLang="zh-CN" sz="2800" i="1">
+                                  <a:latin typeface="Cambria Math" panose="02040503050406030204" pitchFamily="18" charset="0"/>
+                                </a:rPr>
+                                <m:t>𝑥</m:t>
+                              </m:r>
+                            </m:e>
+                            <m:sub>
+                              <m:r>
+                                <a:rPr lang="en-US" altLang="zh-CN" sz="2800" i="1">
+                                  <a:latin typeface="Cambria Math" panose="02040503050406030204" pitchFamily="18" charset="0"/>
+                                </a:rPr>
+                                <m:t>0</m:t>
+                              </m:r>
+                            </m:sub>
+                            <m:sup>
+                              <m:r>
+                                <a:rPr lang="en-US" altLang="zh-CN" sz="2800" i="1">
+                                  <a:latin typeface="Cambria Math" panose="02040503050406030204" pitchFamily="18" charset="0"/>
+                                </a:rPr>
+                                <m:t>𝑇</m:t>
+                              </m:r>
+                            </m:sup>
+                          </m:sSubSup>
+                          <m:r>
+                            <m:rPr>
+                              <m:nor/>
+                            </m:rPr>
+                            <a:rPr lang="zh-CN" altLang="en-US" sz="2800" dirty="0"/>
+                            <m:t> </m:t>
+                          </m:r>
+                        </m:e>
+                      </m:d>
+                    </m:oMath>
+                  </m:oMathPara>
+                </a14:m>
+                <a:endParaRPr lang="zh-CN" altLang="en-US" sz="2800" dirty="0"/>
+              </a:p>
+            </p:txBody>
+          </p:sp>
+        </mc:Choice>
+        <mc:Fallback>
+          <p:sp>
+            <p:nvSpPr>
+              <p:cNvPr id="78" name="文本框 77">
+                <a:extLst>
+                  <a:ext uri="{FF2B5EF4-FFF2-40B4-BE49-F238E27FC236}">
+                    <a16:creationId xmlns:a16="http://schemas.microsoft.com/office/drawing/2014/main" id="{3BA0DE4A-8611-853B-8131-0EE88C3DF6C0}"/>
+                  </a:ext>
+                </a:extLst>
+              </p:cNvPr>
+              <p:cNvSpPr txBox="1">
+                <a:spLocks noRot="1" noChangeAspect="1" noMove="1" noResize="1" noEditPoints="1" noAdjustHandles="1" noChangeArrowheads="1" noChangeShapeType="1" noTextEdit="1"/>
+              </p:cNvSpPr>
+              <p:nvPr/>
+            </p:nvSpPr>
+            <p:spPr>
+              <a:xfrm>
+                <a:off x="16693780" y="5998586"/>
+                <a:ext cx="1582677" cy="486352"/>
+              </a:xfrm>
+              <a:prstGeom prst="rect">
+                <a:avLst/>
+              </a:prstGeom>
+              <a:blipFill>
+                <a:blip r:embed="rId15"/>
+                <a:stretch>
+                  <a:fillRect/>
+                </a:stretch>
+              </a:blipFill>
+            </p:spPr>
+            <p:txBody>
+              <a:bodyPr/>
+              <a:lstStyle/>
+              <a:p>
+                <a:r>
+                  <a:rPr lang="zh-CN" altLang="en-US">
+                    <a:noFill/>
+                  </a:rPr>
+                  <a:t> </a:t>
+                </a:r>
+              </a:p>
+            </p:txBody>
+          </p:sp>
+        </mc:Fallback>
+      </mc:AlternateContent>
+      <p:sp>
+        <p:nvSpPr>
+          <p:cNvPr id="79" name="文本框 78">
+            <a:extLst>
+              <a:ext uri="{FF2B5EF4-FFF2-40B4-BE49-F238E27FC236}">
+                <a16:creationId xmlns:a16="http://schemas.microsoft.com/office/drawing/2014/main" id="{7DD46EF5-9447-AE4A-E713-D93C2FCDAD6D}"/>
+              </a:ext>
+            </a:extLst>
+          </p:cNvPr>
+          <p:cNvSpPr txBox="1"/>
+          <p:nvPr/>
+        </p:nvSpPr>
+        <p:spPr>
+          <a:xfrm>
+            <a:off x="7494677" y="5620774"/>
+            <a:ext cx="4415951" cy="400110"/>
+          </a:xfrm>
+          <a:prstGeom prst="rect">
+            <a:avLst/>
+          </a:prstGeom>
+          <a:noFill/>
+        </p:spPr>
+        <p:txBody>
+          <a:bodyPr wrap="square" rtlCol="0">
+            <a:spAutoFit/>
+          </a:bodyPr>
+          <a:lstStyle/>
+          <a:p>
+            <a:r>
+              <a:rPr lang="en-US" altLang="zh-CN" sz="2000" dirty="0">
+                <a:latin typeface="Times New Roman" panose="02020603050405020304" pitchFamily="18" charset="0"/>
+                <a:cs typeface="Times New Roman" panose="02020603050405020304" pitchFamily="18" charset="0"/>
+              </a:rPr>
+              <a:t>Forward Diffusion Process</a:t>
+            </a:r>
+            <a:endParaRPr lang="zh-CN" altLang="en-US" sz="2000" dirty="0">
+              <a:latin typeface="Times New Roman" panose="02020603050405020304" pitchFamily="18" charset="0"/>
+              <a:cs typeface="Times New Roman" panose="02020603050405020304" pitchFamily="18" charset="0"/>
+            </a:endParaRPr>
+          </a:p>
+        </p:txBody>
+      </p:sp>
+    </p:spTree>
+    <p:extLst>
+      <p:ext uri="{BB962C8B-B14F-4D97-AF65-F5344CB8AC3E}">
+        <p14:creationId xmlns:p14="http://schemas.microsoft.com/office/powerpoint/2010/main" val="1012021473"/>
       </p:ext>
     </p:extLst>
   </p:cSld>

--- a/images/posts/2025-05-20-blog-post/新建 Microsoft PowerPoint 演示文稿.pptx
+++ b/images/posts/2025-05-20-blog-post/新建 Microsoft PowerPoint 演示文稿.pptx
@@ -5,13 +5,15 @@
     <p:sldMasterId id="2147483684" r:id="rId1"/>
   </p:sldMasterIdLst>
   <p:notesMasterIdLst>
-    <p:notesMasterId r:id="rId6"/>
+    <p:notesMasterId r:id="rId8"/>
   </p:notesMasterIdLst>
   <p:sldIdLst>
     <p:sldId id="300" r:id="rId2"/>
     <p:sldId id="301" r:id="rId3"/>
     <p:sldId id="302" r:id="rId4"/>
     <p:sldId id="303" r:id="rId5"/>
+    <p:sldId id="304" r:id="rId6"/>
+    <p:sldId id="305" r:id="rId7"/>
   </p:sldIdLst>
   <p:sldSz cx="21599525" cy="8999538"/>
   <p:notesSz cx="6858000" cy="9144000"/>
@@ -10147,8 +10149,8 @@
           </a:fontRef>
         </p:style>
       </p:cxnSp>
-      <mc:AlternateContent xmlns:mc="http://schemas.openxmlformats.org/markup-compatibility/2006">
-        <mc:Choice xmlns:a14="http://schemas.microsoft.com/office/drawing/2010/main" Requires="a14">
+      <mc:AlternateContent xmlns:mc="http://schemas.openxmlformats.org/markup-compatibility/2006" xmlns:a14="http://schemas.microsoft.com/office/drawing/2010/main">
+        <mc:Choice Requires="a14">
           <p:sp>
             <p:nvSpPr>
               <p:cNvPr id="40" name="文本框 39">
@@ -10177,6 +10179,7 @@
               </a:bodyPr>
               <a:lstStyle/>
               <a:p>
+                <a:pPr/>
                 <a14:m>
                   <m:oMathPara xmlns:m="http://schemas.openxmlformats.org/officeDocument/2006/math">
                     <m:oMathParaPr>
@@ -10247,7 +10250,7 @@
             </p:txBody>
           </p:sp>
         </mc:Choice>
-        <mc:Fallback>
+        <mc:Fallback xmlns="">
           <p:sp>
             <p:nvSpPr>
               <p:cNvPr id="40" name="文本框 39">
@@ -10292,8 +10295,8 @@
           </p:sp>
         </mc:Fallback>
       </mc:AlternateContent>
-      <mc:AlternateContent xmlns:mc="http://schemas.openxmlformats.org/markup-compatibility/2006">
-        <mc:Choice xmlns:a14="http://schemas.microsoft.com/office/drawing/2010/main" Requires="a14">
+      <mc:AlternateContent xmlns:mc="http://schemas.openxmlformats.org/markup-compatibility/2006" xmlns:a14="http://schemas.microsoft.com/office/drawing/2010/main">
+        <mc:Choice Requires="a14">
           <p:sp>
             <p:nvSpPr>
               <p:cNvPr id="42" name="文本框 41">
@@ -10322,6 +10325,7 @@
               </a:bodyPr>
               <a:lstStyle/>
               <a:p>
+                <a:pPr/>
                 <a14:m>
                   <m:oMathPara xmlns:m="http://schemas.openxmlformats.org/officeDocument/2006/math">
                     <m:oMathParaPr>
@@ -10451,7 +10455,7 @@
             </p:txBody>
           </p:sp>
         </mc:Choice>
-        <mc:Fallback>
+        <mc:Fallback xmlns="">
           <p:sp>
             <p:nvSpPr>
               <p:cNvPr id="42" name="文本框 41">
@@ -10538,8 +10542,8 @@
           </a:p>
         </p:txBody>
       </p:sp>
-      <mc:AlternateContent xmlns:mc="http://schemas.openxmlformats.org/markup-compatibility/2006">
-        <mc:Choice xmlns:a14="http://schemas.microsoft.com/office/drawing/2010/main" Requires="a14">
+      <mc:AlternateContent xmlns:mc="http://schemas.openxmlformats.org/markup-compatibility/2006" xmlns:a14="http://schemas.microsoft.com/office/drawing/2010/main">
+        <mc:Choice Requires="a14">
           <p:sp>
             <p:nvSpPr>
               <p:cNvPr id="44" name="文本框 43">
@@ -10568,6 +10572,7 @@
               </a:bodyPr>
               <a:lstStyle/>
               <a:p>
+                <a:pPr/>
                 <a14:m>
                   <m:oMathPara xmlns:m="http://schemas.openxmlformats.org/officeDocument/2006/math">
                     <m:oMathParaPr>
@@ -10615,7 +10620,7 @@
             </p:txBody>
           </p:sp>
         </mc:Choice>
-        <mc:Fallback>
+        <mc:Fallback xmlns="">
           <p:sp>
             <p:nvSpPr>
               <p:cNvPr id="44" name="文本框 43">
@@ -10660,8 +10665,8 @@
           </p:sp>
         </mc:Fallback>
       </mc:AlternateContent>
-      <mc:AlternateContent xmlns:mc="http://schemas.openxmlformats.org/markup-compatibility/2006">
-        <mc:Choice xmlns:a14="http://schemas.microsoft.com/office/drawing/2010/main" Requires="a14">
+      <mc:AlternateContent xmlns:mc="http://schemas.openxmlformats.org/markup-compatibility/2006" xmlns:a14="http://schemas.microsoft.com/office/drawing/2010/main">
+        <mc:Choice Requires="a14">
           <p:sp>
             <p:nvSpPr>
               <p:cNvPr id="45" name="文本框 44">
@@ -10690,6 +10695,7 @@
               </a:bodyPr>
               <a:lstStyle/>
               <a:p>
+                <a:pPr/>
                 <a14:m>
                   <m:oMathPara xmlns:m="http://schemas.openxmlformats.org/officeDocument/2006/math">
                     <m:oMathParaPr>
@@ -10729,7 +10735,7 @@
             </p:txBody>
           </p:sp>
         </mc:Choice>
-        <mc:Fallback>
+        <mc:Fallback xmlns="">
           <p:sp>
             <p:nvSpPr>
               <p:cNvPr id="45" name="文本框 44">
@@ -10858,8 +10864,8 @@
           </a:p>
         </p:txBody>
       </p:sp>
-      <mc:AlternateContent xmlns:mc="http://schemas.openxmlformats.org/markup-compatibility/2006">
-        <mc:Choice xmlns:a14="http://schemas.microsoft.com/office/drawing/2010/main" Requires="a14">
+      <mc:AlternateContent xmlns:mc="http://schemas.openxmlformats.org/markup-compatibility/2006" xmlns:a14="http://schemas.microsoft.com/office/drawing/2010/main">
+        <mc:Choice Requires="a14">
           <p:sp>
             <p:nvSpPr>
               <p:cNvPr id="48" name="文本框 47">
@@ -10888,6 +10894,7 @@
               </a:bodyPr>
               <a:lstStyle/>
               <a:p>
+                <a:pPr/>
                 <a14:m>
                   <m:oMathPara xmlns:m="http://schemas.openxmlformats.org/officeDocument/2006/math">
                     <m:oMathParaPr>
@@ -10931,7 +10938,7 @@
             </p:txBody>
           </p:sp>
         </mc:Choice>
-        <mc:Fallback>
+        <mc:Fallback xmlns="">
           <p:sp>
             <p:nvSpPr>
               <p:cNvPr id="48" name="文本框 47">
@@ -10976,8 +10983,8 @@
           </p:sp>
         </mc:Fallback>
       </mc:AlternateContent>
-      <mc:AlternateContent xmlns:mc="http://schemas.openxmlformats.org/markup-compatibility/2006">
-        <mc:Choice xmlns:a14="http://schemas.microsoft.com/office/drawing/2010/main" Requires="a14">
+      <mc:AlternateContent xmlns:mc="http://schemas.openxmlformats.org/markup-compatibility/2006" xmlns:a14="http://schemas.microsoft.com/office/drawing/2010/main">
+        <mc:Choice Requires="a14">
           <p:sp>
             <p:nvSpPr>
               <p:cNvPr id="50" name="文本框 49">
@@ -11027,7 +11034,7 @@
             </p:txBody>
           </p:sp>
         </mc:Choice>
-        <mc:Fallback>
+        <mc:Fallback xmlns="">
           <p:sp>
             <p:nvSpPr>
               <p:cNvPr id="50" name="文本框 49">
@@ -11072,8 +11079,8 @@
           </p:sp>
         </mc:Fallback>
       </mc:AlternateContent>
-      <mc:AlternateContent xmlns:mc="http://schemas.openxmlformats.org/markup-compatibility/2006">
-        <mc:Choice xmlns:a14="http://schemas.microsoft.com/office/drawing/2010/main" Requires="a14">
+      <mc:AlternateContent xmlns:mc="http://schemas.openxmlformats.org/markup-compatibility/2006" xmlns:a14="http://schemas.microsoft.com/office/drawing/2010/main">
+        <mc:Choice Requires="a14">
           <p:sp>
             <p:nvSpPr>
               <p:cNvPr id="52" name="文本框 51">
@@ -11123,7 +11130,7 @@
             </p:txBody>
           </p:sp>
         </mc:Choice>
-        <mc:Fallback>
+        <mc:Fallback xmlns="">
           <p:sp>
             <p:nvSpPr>
               <p:cNvPr id="52" name="文本框 51">
@@ -11204,8 +11211,8 @@
           </a:prstGeom>
         </p:spPr>
       </p:pic>
-      <mc:AlternateContent xmlns:mc="http://schemas.openxmlformats.org/markup-compatibility/2006">
-        <mc:Choice xmlns:a14="http://schemas.microsoft.com/office/drawing/2010/main" Requires="a14">
+      <mc:AlternateContent xmlns:mc="http://schemas.openxmlformats.org/markup-compatibility/2006" xmlns:a14="http://schemas.microsoft.com/office/drawing/2010/main">
+        <mc:Choice Requires="a14">
           <p:sp>
             <p:nvSpPr>
               <p:cNvPr id="55" name="文本框 54">
@@ -11234,6 +11241,7 @@
               </a:bodyPr>
               <a:lstStyle/>
               <a:p>
+                <a:pPr/>
                 <a14:m>
                   <m:oMathPara xmlns:m="http://schemas.openxmlformats.org/officeDocument/2006/math">
                     <m:oMathParaPr>
@@ -11363,7 +11371,7 @@
             </p:txBody>
           </p:sp>
         </mc:Choice>
-        <mc:Fallback>
+        <mc:Fallback xmlns="">
           <p:sp>
             <p:nvSpPr>
               <p:cNvPr id="55" name="文本框 54">
@@ -11408,8 +11416,8 @@
           </p:sp>
         </mc:Fallback>
       </mc:AlternateContent>
-      <mc:AlternateContent xmlns:mc="http://schemas.openxmlformats.org/markup-compatibility/2006">
-        <mc:Choice xmlns:a14="http://schemas.microsoft.com/office/drawing/2010/main" Requires="a14">
+      <mc:AlternateContent xmlns:mc="http://schemas.openxmlformats.org/markup-compatibility/2006" xmlns:a14="http://schemas.microsoft.com/office/drawing/2010/main">
+        <mc:Choice Requires="a14">
           <p:sp>
             <p:nvSpPr>
               <p:cNvPr id="57" name="文本框 56">
@@ -11486,7 +11494,7 @@
             </p:txBody>
           </p:sp>
         </mc:Choice>
-        <mc:Fallback>
+        <mc:Fallback xmlns="">
           <p:sp>
             <p:nvSpPr>
               <p:cNvPr id="57" name="文本框 56">
@@ -11786,8 +11794,8 @@
           </a:p>
         </p:txBody>
       </p:sp>
-      <mc:AlternateContent xmlns:mc="http://schemas.openxmlformats.org/markup-compatibility/2006">
-        <mc:Choice xmlns:a14="http://schemas.microsoft.com/office/drawing/2010/main" Requires="a14">
+      <mc:AlternateContent xmlns:mc="http://schemas.openxmlformats.org/markup-compatibility/2006" xmlns:a14="http://schemas.microsoft.com/office/drawing/2010/main">
+        <mc:Choice Requires="a14">
           <p:sp>
             <p:nvSpPr>
               <p:cNvPr id="78" name="文本框 77">
@@ -11816,6 +11824,7 @@
               </a:bodyPr>
               <a:lstStyle/>
               <a:p>
+                <a:pPr/>
                 <a14:m>
                   <m:oMathPara xmlns:m="http://schemas.openxmlformats.org/officeDocument/2006/math">
                     <m:oMathParaPr>
@@ -11926,7 +11935,7 @@
             </p:txBody>
           </p:sp>
         </mc:Choice>
-        <mc:Fallback>
+        <mc:Fallback xmlns="">
           <p:sp>
             <p:nvSpPr>
               <p:cNvPr id="78" name="文本框 77">
@@ -12017,6 +12026,1589 @@
     <p:extLst>
       <p:ext uri="{BB962C8B-B14F-4D97-AF65-F5344CB8AC3E}">
         <p14:creationId xmlns:p14="http://schemas.microsoft.com/office/powerpoint/2010/main" val="1012021473"/>
+      </p:ext>
+    </p:extLst>
+  </p:cSld>
+  <p:clrMapOvr>
+    <a:masterClrMapping/>
+  </p:clrMapOvr>
+</p:sld>
+</file>
+
+<file path=ppt/slides/slide5.xml><?xml version="1.0" encoding="utf-8"?>
+<p:sld xmlns:a="http://schemas.openxmlformats.org/drawingml/2006/main" xmlns:r="http://schemas.openxmlformats.org/officeDocument/2006/relationships" xmlns:p="http://schemas.openxmlformats.org/presentationml/2006/main">
+  <p:cSld>
+    <p:spTree>
+      <p:nvGrpSpPr>
+        <p:cNvPr id="1" name=""/>
+        <p:cNvGrpSpPr/>
+        <p:nvPr/>
+      </p:nvGrpSpPr>
+      <p:grpSpPr>
+        <a:xfrm>
+          <a:off x="0" y="0"/>
+          <a:ext cx="0" cy="0"/>
+          <a:chOff x="0" y="0"/>
+          <a:chExt cx="0" cy="0"/>
+        </a:xfrm>
+      </p:grpSpPr>
+      <p:cxnSp>
+        <p:nvCxnSpPr>
+          <p:cNvPr id="6" name="直接箭头连接符 5">
+            <a:extLst>
+              <a:ext uri="{FF2B5EF4-FFF2-40B4-BE49-F238E27FC236}">
+                <a16:creationId xmlns:a16="http://schemas.microsoft.com/office/drawing/2014/main" id="{8CF74D06-55D1-01DD-AD6C-11F49890D963}"/>
+              </a:ext>
+            </a:extLst>
+          </p:cNvPr>
+          <p:cNvCxnSpPr>
+            <a:cxnSpLocks/>
+          </p:cNvCxnSpPr>
+          <p:nvPr/>
+        </p:nvCxnSpPr>
+        <p:spPr>
+          <a:xfrm flipV="1">
+            <a:off x="3548063" y="2179178"/>
+            <a:ext cx="1280311" cy="596602"/>
+          </a:xfrm>
+          <a:prstGeom prst="straightConnector1">
+            <a:avLst/>
+          </a:prstGeom>
+          <a:ln>
+            <a:tailEnd type="triangle"/>
+          </a:ln>
+        </p:spPr>
+        <p:style>
+          <a:lnRef idx="2">
+            <a:schemeClr val="accent1"/>
+          </a:lnRef>
+          <a:fillRef idx="0">
+            <a:schemeClr val="accent1"/>
+          </a:fillRef>
+          <a:effectRef idx="1">
+            <a:schemeClr val="accent1"/>
+          </a:effectRef>
+          <a:fontRef idx="minor">
+            <a:schemeClr val="tx1"/>
+          </a:fontRef>
+        </p:style>
+      </p:cxnSp>
+      <p:cxnSp>
+        <p:nvCxnSpPr>
+          <p:cNvPr id="8" name="直接箭头连接符 7">
+            <a:extLst>
+              <a:ext uri="{FF2B5EF4-FFF2-40B4-BE49-F238E27FC236}">
+                <a16:creationId xmlns:a16="http://schemas.microsoft.com/office/drawing/2014/main" id="{87CF087F-C6DB-AAF6-9E41-18B7C59275BF}"/>
+              </a:ext>
+            </a:extLst>
+          </p:cNvPr>
+          <p:cNvCxnSpPr>
+            <a:cxnSpLocks/>
+          </p:cNvCxnSpPr>
+          <p:nvPr/>
+        </p:nvCxnSpPr>
+        <p:spPr>
+          <a:xfrm>
+            <a:off x="4828374" y="2177575"/>
+            <a:ext cx="863125" cy="463075"/>
+          </a:xfrm>
+          <a:prstGeom prst="straightConnector1">
+            <a:avLst/>
+          </a:prstGeom>
+          <a:ln>
+            <a:tailEnd type="triangle"/>
+          </a:ln>
+        </p:spPr>
+        <p:style>
+          <a:lnRef idx="2">
+            <a:schemeClr val="accent1"/>
+          </a:lnRef>
+          <a:fillRef idx="0">
+            <a:schemeClr val="accent1"/>
+          </a:fillRef>
+          <a:effectRef idx="1">
+            <a:schemeClr val="accent1"/>
+          </a:effectRef>
+          <a:fontRef idx="minor">
+            <a:schemeClr val="tx1"/>
+          </a:fontRef>
+        </p:style>
+      </p:cxnSp>
+      <p:cxnSp>
+        <p:nvCxnSpPr>
+          <p:cNvPr id="11" name="直接箭头连接符 10">
+            <a:extLst>
+              <a:ext uri="{FF2B5EF4-FFF2-40B4-BE49-F238E27FC236}">
+                <a16:creationId xmlns:a16="http://schemas.microsoft.com/office/drawing/2014/main" id="{EDE4497B-FA62-6313-1E45-E6E0B4B23F51}"/>
+              </a:ext>
+            </a:extLst>
+          </p:cNvPr>
+          <p:cNvCxnSpPr>
+            <a:cxnSpLocks/>
+          </p:cNvCxnSpPr>
+          <p:nvPr/>
+        </p:nvCxnSpPr>
+        <p:spPr>
+          <a:xfrm flipV="1">
+            <a:off x="5691499" y="2042445"/>
+            <a:ext cx="717847" cy="598205"/>
+          </a:xfrm>
+          <a:prstGeom prst="straightConnector1">
+            <a:avLst/>
+          </a:prstGeom>
+          <a:ln>
+            <a:tailEnd type="triangle"/>
+          </a:ln>
+        </p:spPr>
+        <p:style>
+          <a:lnRef idx="2">
+            <a:schemeClr val="accent1"/>
+          </a:lnRef>
+          <a:fillRef idx="0">
+            <a:schemeClr val="accent1"/>
+          </a:fillRef>
+          <a:effectRef idx="1">
+            <a:schemeClr val="accent1"/>
+          </a:effectRef>
+          <a:fontRef idx="minor">
+            <a:schemeClr val="tx1"/>
+          </a:fontRef>
+        </p:style>
+      </p:cxnSp>
+      <p:cxnSp>
+        <p:nvCxnSpPr>
+          <p:cNvPr id="12" name="直接箭头连接符 11">
+            <a:extLst>
+              <a:ext uri="{FF2B5EF4-FFF2-40B4-BE49-F238E27FC236}">
+                <a16:creationId xmlns:a16="http://schemas.microsoft.com/office/drawing/2014/main" id="{CFC57D9F-8983-2D57-AFE7-C9EF51B9135B}"/>
+              </a:ext>
+            </a:extLst>
+          </p:cNvPr>
+          <p:cNvCxnSpPr>
+            <a:cxnSpLocks/>
+          </p:cNvCxnSpPr>
+          <p:nvPr/>
+        </p:nvCxnSpPr>
+        <p:spPr>
+          <a:xfrm flipV="1">
+            <a:off x="6409346" y="1119499"/>
+            <a:ext cx="324740" cy="922946"/>
+          </a:xfrm>
+          <a:prstGeom prst="straightConnector1">
+            <a:avLst/>
+          </a:prstGeom>
+          <a:ln>
+            <a:tailEnd type="triangle"/>
+          </a:ln>
+        </p:spPr>
+        <p:style>
+          <a:lnRef idx="2">
+            <a:schemeClr val="accent1"/>
+          </a:lnRef>
+          <a:fillRef idx="0">
+            <a:schemeClr val="accent1"/>
+          </a:fillRef>
+          <a:effectRef idx="1">
+            <a:schemeClr val="accent1"/>
+          </a:effectRef>
+          <a:fontRef idx="minor">
+            <a:schemeClr val="tx1"/>
+          </a:fontRef>
+        </p:style>
+      </p:cxnSp>
+      <p:cxnSp>
+        <p:nvCxnSpPr>
+          <p:cNvPr id="14" name="直接箭头连接符 13">
+            <a:extLst>
+              <a:ext uri="{FF2B5EF4-FFF2-40B4-BE49-F238E27FC236}">
+                <a16:creationId xmlns:a16="http://schemas.microsoft.com/office/drawing/2014/main" id="{2B85DCA9-9183-E2E0-89F6-936D307C8AD6}"/>
+              </a:ext>
+            </a:extLst>
+          </p:cNvPr>
+          <p:cNvCxnSpPr>
+            <a:cxnSpLocks/>
+          </p:cNvCxnSpPr>
+          <p:nvPr/>
+        </p:nvCxnSpPr>
+        <p:spPr>
+          <a:xfrm>
+            <a:off x="6734086" y="1220624"/>
+            <a:ext cx="1232019" cy="360348"/>
+          </a:xfrm>
+          <a:prstGeom prst="straightConnector1">
+            <a:avLst/>
+          </a:prstGeom>
+          <a:ln>
+            <a:tailEnd type="triangle"/>
+          </a:ln>
+        </p:spPr>
+        <p:style>
+          <a:lnRef idx="2">
+            <a:schemeClr val="accent1"/>
+          </a:lnRef>
+          <a:fillRef idx="0">
+            <a:schemeClr val="accent1"/>
+          </a:fillRef>
+          <a:effectRef idx="1">
+            <a:schemeClr val="accent1"/>
+          </a:effectRef>
+          <a:fontRef idx="minor">
+            <a:schemeClr val="tx1"/>
+          </a:fontRef>
+        </p:style>
+      </p:cxnSp>
+      <p:cxnSp>
+        <p:nvCxnSpPr>
+          <p:cNvPr id="16" name="直接箭头连接符 15">
+            <a:extLst>
+              <a:ext uri="{FF2B5EF4-FFF2-40B4-BE49-F238E27FC236}">
+                <a16:creationId xmlns:a16="http://schemas.microsoft.com/office/drawing/2014/main" id="{C0DDBA49-8453-97CD-91BF-9E1357AB71DB}"/>
+              </a:ext>
+            </a:extLst>
+          </p:cNvPr>
+          <p:cNvCxnSpPr>
+            <a:cxnSpLocks/>
+          </p:cNvCxnSpPr>
+          <p:nvPr/>
+        </p:nvCxnSpPr>
+        <p:spPr>
+          <a:xfrm flipV="1">
+            <a:off x="7966105" y="1170062"/>
+            <a:ext cx="717847" cy="461472"/>
+          </a:xfrm>
+          <a:prstGeom prst="straightConnector1">
+            <a:avLst/>
+          </a:prstGeom>
+          <a:ln>
+            <a:tailEnd type="triangle"/>
+          </a:ln>
+        </p:spPr>
+        <p:style>
+          <a:lnRef idx="2">
+            <a:schemeClr val="accent1"/>
+          </a:lnRef>
+          <a:fillRef idx="0">
+            <a:schemeClr val="accent1"/>
+          </a:fillRef>
+          <a:effectRef idx="1">
+            <a:schemeClr val="accent1"/>
+          </a:effectRef>
+          <a:fontRef idx="minor">
+            <a:schemeClr val="tx1"/>
+          </a:fontRef>
+        </p:style>
+      </p:cxnSp>
+      <p:cxnSp>
+        <p:nvCxnSpPr>
+          <p:cNvPr id="17" name="直接箭头连接符 16">
+            <a:extLst>
+              <a:ext uri="{FF2B5EF4-FFF2-40B4-BE49-F238E27FC236}">
+                <a16:creationId xmlns:a16="http://schemas.microsoft.com/office/drawing/2014/main" id="{C08FB76E-1F3A-9267-0FA5-EED2134C7B2A}"/>
+              </a:ext>
+            </a:extLst>
+          </p:cNvPr>
+          <p:cNvCxnSpPr>
+            <a:cxnSpLocks/>
+          </p:cNvCxnSpPr>
+          <p:nvPr/>
+        </p:nvCxnSpPr>
+        <p:spPr>
+          <a:xfrm>
+            <a:off x="8683952" y="1220624"/>
+            <a:ext cx="1365902" cy="599630"/>
+          </a:xfrm>
+          <a:prstGeom prst="straightConnector1">
+            <a:avLst/>
+          </a:prstGeom>
+          <a:ln>
+            <a:tailEnd type="triangle"/>
+          </a:ln>
+        </p:spPr>
+        <p:style>
+          <a:lnRef idx="2">
+            <a:schemeClr val="accent1"/>
+          </a:lnRef>
+          <a:fillRef idx="0">
+            <a:schemeClr val="accent1"/>
+          </a:fillRef>
+          <a:effectRef idx="1">
+            <a:schemeClr val="accent1"/>
+          </a:effectRef>
+          <a:fontRef idx="minor">
+            <a:schemeClr val="tx1"/>
+          </a:fontRef>
+        </p:style>
+      </p:cxnSp>
+      <p:cxnSp>
+        <p:nvCxnSpPr>
+          <p:cNvPr id="20" name="直接箭头连接符 19">
+            <a:extLst>
+              <a:ext uri="{FF2B5EF4-FFF2-40B4-BE49-F238E27FC236}">
+                <a16:creationId xmlns:a16="http://schemas.microsoft.com/office/drawing/2014/main" id="{776057F9-9AA6-1341-AADA-C44228ED680E}"/>
+              </a:ext>
+            </a:extLst>
+          </p:cNvPr>
+          <p:cNvCxnSpPr>
+            <a:cxnSpLocks/>
+          </p:cNvCxnSpPr>
+          <p:nvPr/>
+        </p:nvCxnSpPr>
+        <p:spPr>
+          <a:xfrm>
+            <a:off x="10081915" y="1811708"/>
+            <a:ext cx="1019072" cy="111096"/>
+          </a:xfrm>
+          <a:prstGeom prst="straightConnector1">
+            <a:avLst/>
+          </a:prstGeom>
+          <a:ln>
+            <a:tailEnd type="triangle"/>
+          </a:ln>
+        </p:spPr>
+        <p:style>
+          <a:lnRef idx="2">
+            <a:schemeClr val="accent1"/>
+          </a:lnRef>
+          <a:fillRef idx="0">
+            <a:schemeClr val="accent1"/>
+          </a:fillRef>
+          <a:effectRef idx="1">
+            <a:schemeClr val="accent1"/>
+          </a:effectRef>
+          <a:fontRef idx="minor">
+            <a:schemeClr val="tx1"/>
+          </a:fontRef>
+        </p:style>
+      </p:cxnSp>
+      <p:cxnSp>
+        <p:nvCxnSpPr>
+          <p:cNvPr id="22" name="直接箭头连接符 21">
+            <a:extLst>
+              <a:ext uri="{FF2B5EF4-FFF2-40B4-BE49-F238E27FC236}">
+                <a16:creationId xmlns:a16="http://schemas.microsoft.com/office/drawing/2014/main" id="{B6EF7E71-3ED8-3184-245B-489E762A7A3B}"/>
+              </a:ext>
+            </a:extLst>
+          </p:cNvPr>
+          <p:cNvCxnSpPr>
+            <a:cxnSpLocks/>
+          </p:cNvCxnSpPr>
+          <p:nvPr/>
+        </p:nvCxnSpPr>
+        <p:spPr>
+          <a:xfrm>
+            <a:off x="11100987" y="1945237"/>
+            <a:ext cx="752030" cy="464677"/>
+          </a:xfrm>
+          <a:prstGeom prst="straightConnector1">
+            <a:avLst/>
+          </a:prstGeom>
+          <a:ln>
+            <a:tailEnd type="triangle"/>
+          </a:ln>
+        </p:spPr>
+        <p:style>
+          <a:lnRef idx="2">
+            <a:schemeClr val="accent1"/>
+          </a:lnRef>
+          <a:fillRef idx="0">
+            <a:schemeClr val="accent1"/>
+          </a:fillRef>
+          <a:effectRef idx="1">
+            <a:schemeClr val="accent1"/>
+          </a:effectRef>
+          <a:fontRef idx="minor">
+            <a:schemeClr val="tx1"/>
+          </a:fontRef>
+        </p:style>
+      </p:cxnSp>
+      <p:cxnSp>
+        <p:nvCxnSpPr>
+          <p:cNvPr id="25" name="直接箭头连接符 24">
+            <a:extLst>
+              <a:ext uri="{FF2B5EF4-FFF2-40B4-BE49-F238E27FC236}">
+                <a16:creationId xmlns:a16="http://schemas.microsoft.com/office/drawing/2014/main" id="{ED993575-FCDA-4CBD-7E07-F148613F38CF}"/>
+              </a:ext>
+            </a:extLst>
+          </p:cNvPr>
+          <p:cNvCxnSpPr>
+            <a:cxnSpLocks/>
+          </p:cNvCxnSpPr>
+          <p:nvPr/>
+        </p:nvCxnSpPr>
+        <p:spPr>
+          <a:xfrm flipV="1">
+            <a:off x="11853017" y="1901439"/>
+            <a:ext cx="717847" cy="461472"/>
+          </a:xfrm>
+          <a:prstGeom prst="straightConnector1">
+            <a:avLst/>
+          </a:prstGeom>
+          <a:ln>
+            <a:tailEnd type="triangle"/>
+          </a:ln>
+        </p:spPr>
+        <p:style>
+          <a:lnRef idx="2">
+            <a:schemeClr val="accent1"/>
+          </a:lnRef>
+          <a:fillRef idx="0">
+            <a:schemeClr val="accent1"/>
+          </a:fillRef>
+          <a:effectRef idx="1">
+            <a:schemeClr val="accent1"/>
+          </a:effectRef>
+          <a:fontRef idx="minor">
+            <a:schemeClr val="tx1"/>
+          </a:fontRef>
+        </p:style>
+      </p:cxnSp>
+      <p:cxnSp>
+        <p:nvCxnSpPr>
+          <p:cNvPr id="26" name="直接箭头连接符 25">
+            <a:extLst>
+              <a:ext uri="{FF2B5EF4-FFF2-40B4-BE49-F238E27FC236}">
+                <a16:creationId xmlns:a16="http://schemas.microsoft.com/office/drawing/2014/main" id="{270B3303-C631-BCC9-9101-C10F2F15F368}"/>
+              </a:ext>
+            </a:extLst>
+          </p:cNvPr>
+          <p:cNvCxnSpPr>
+            <a:cxnSpLocks/>
+          </p:cNvCxnSpPr>
+          <p:nvPr/>
+        </p:nvCxnSpPr>
+        <p:spPr>
+          <a:xfrm>
+            <a:off x="12605047" y="1901439"/>
+            <a:ext cx="1197836" cy="508475"/>
+          </a:xfrm>
+          <a:prstGeom prst="straightConnector1">
+            <a:avLst/>
+          </a:prstGeom>
+          <a:ln>
+            <a:tailEnd type="triangle"/>
+          </a:ln>
+        </p:spPr>
+        <p:style>
+          <a:lnRef idx="2">
+            <a:schemeClr val="accent1"/>
+          </a:lnRef>
+          <a:fillRef idx="0">
+            <a:schemeClr val="accent1"/>
+          </a:fillRef>
+          <a:effectRef idx="1">
+            <a:schemeClr val="accent1"/>
+          </a:effectRef>
+          <a:fontRef idx="minor">
+            <a:schemeClr val="tx1"/>
+          </a:fontRef>
+        </p:style>
+      </p:cxnSp>
+      <p:cxnSp>
+        <p:nvCxnSpPr>
+          <p:cNvPr id="29" name="直接箭头连接符 28">
+            <a:extLst>
+              <a:ext uri="{FF2B5EF4-FFF2-40B4-BE49-F238E27FC236}">
+                <a16:creationId xmlns:a16="http://schemas.microsoft.com/office/drawing/2014/main" id="{2937D8B2-A4FD-63F1-3873-F9AF71FEB4F5}"/>
+              </a:ext>
+            </a:extLst>
+          </p:cNvPr>
+          <p:cNvCxnSpPr>
+            <a:cxnSpLocks/>
+          </p:cNvCxnSpPr>
+          <p:nvPr/>
+        </p:nvCxnSpPr>
+        <p:spPr>
+          <a:xfrm flipV="1">
+            <a:off x="13837066" y="1922804"/>
+            <a:ext cx="1690642" cy="485507"/>
+          </a:xfrm>
+          <a:prstGeom prst="straightConnector1">
+            <a:avLst/>
+          </a:prstGeom>
+          <a:ln>
+            <a:tailEnd type="triangle"/>
+          </a:ln>
+        </p:spPr>
+        <p:style>
+          <a:lnRef idx="2">
+            <a:schemeClr val="accent1"/>
+          </a:lnRef>
+          <a:fillRef idx="0">
+            <a:schemeClr val="accent1"/>
+          </a:fillRef>
+          <a:effectRef idx="1">
+            <a:schemeClr val="accent1"/>
+          </a:effectRef>
+          <a:fontRef idx="minor">
+            <a:schemeClr val="tx1"/>
+          </a:fontRef>
+        </p:style>
+      </p:cxnSp>
+    </p:spTree>
+    <p:extLst>
+      <p:ext uri="{BB962C8B-B14F-4D97-AF65-F5344CB8AC3E}">
+        <p14:creationId xmlns:p14="http://schemas.microsoft.com/office/powerpoint/2010/main" val="2684535574"/>
+      </p:ext>
+    </p:extLst>
+  </p:cSld>
+  <p:clrMapOvr>
+    <a:masterClrMapping/>
+  </p:clrMapOvr>
+</p:sld>
+</file>
+
+<file path=ppt/slides/slide6.xml><?xml version="1.0" encoding="utf-8"?>
+<p:sld xmlns:a="http://schemas.openxmlformats.org/drawingml/2006/main" xmlns:r="http://schemas.openxmlformats.org/officeDocument/2006/relationships" xmlns:p="http://schemas.openxmlformats.org/presentationml/2006/main">
+  <p:cSld>
+    <p:spTree>
+      <p:nvGrpSpPr>
+        <p:cNvPr id="1" name=""/>
+        <p:cNvGrpSpPr/>
+        <p:nvPr/>
+      </p:nvGrpSpPr>
+      <p:grpSpPr>
+        <a:xfrm>
+          <a:off x="0" y="0"/>
+          <a:ext cx="0" cy="0"/>
+          <a:chOff x="0" y="0"/>
+          <a:chExt cx="0" cy="0"/>
+        </a:xfrm>
+      </p:grpSpPr>
+      <p:sp>
+        <p:nvSpPr>
+          <p:cNvPr id="5" name="矩形 4">
+            <a:extLst>
+              <a:ext uri="{FF2B5EF4-FFF2-40B4-BE49-F238E27FC236}">
+                <a16:creationId xmlns:a16="http://schemas.microsoft.com/office/drawing/2014/main" id="{57EFAACC-078A-EF86-C904-FD05D5AD8123}"/>
+              </a:ext>
+            </a:extLst>
+          </p:cNvPr>
+          <p:cNvSpPr/>
+          <p:nvPr/>
+        </p:nvSpPr>
+        <p:spPr>
+          <a:xfrm>
+            <a:off x="445061" y="2190666"/>
+            <a:ext cx="20731795" cy="234669"/>
+          </a:xfrm>
+          <a:prstGeom prst="rect">
+            <a:avLst/>
+          </a:prstGeom>
+          <a:solidFill>
+            <a:schemeClr val="accent1">
+              <a:lumMod val="20000"/>
+              <a:lumOff val="80000"/>
+            </a:schemeClr>
+          </a:solidFill>
+          <a:ln w="9525">
+            <a:solidFill>
+              <a:schemeClr val="tx1"/>
+            </a:solidFill>
+          </a:ln>
+        </p:spPr>
+        <p:style>
+          <a:lnRef idx="2">
+            <a:schemeClr val="accent1">
+              <a:shade val="15000"/>
+            </a:schemeClr>
+          </a:lnRef>
+          <a:fillRef idx="1">
+            <a:schemeClr val="accent1"/>
+          </a:fillRef>
+          <a:effectRef idx="0">
+            <a:schemeClr val="accent1"/>
+          </a:effectRef>
+          <a:fontRef idx="minor">
+            <a:schemeClr val="lt1"/>
+          </a:fontRef>
+        </p:style>
+        <p:txBody>
+          <a:bodyPr rtlCol="0" anchor="ctr"/>
+          <a:lstStyle/>
+          <a:p>
+            <a:pPr algn="ctr"/>
+            <a:endParaRPr lang="zh-CN" altLang="en-US"/>
+          </a:p>
+        </p:txBody>
+      </p:sp>
+      <p:sp>
+        <p:nvSpPr>
+          <p:cNvPr id="6" name="文本框 5">
+            <a:extLst>
+              <a:ext uri="{FF2B5EF4-FFF2-40B4-BE49-F238E27FC236}">
+                <a16:creationId xmlns:a16="http://schemas.microsoft.com/office/drawing/2014/main" id="{2E8F5028-64D0-CDDC-DC4E-232220F22303}"/>
+              </a:ext>
+            </a:extLst>
+          </p:cNvPr>
+          <p:cNvSpPr txBox="1"/>
+          <p:nvPr/>
+        </p:nvSpPr>
+        <p:spPr>
+          <a:xfrm>
+            <a:off x="2064023" y="1443323"/>
+            <a:ext cx="2028119" cy="523220"/>
+          </a:xfrm>
+          <a:prstGeom prst="rect">
+            <a:avLst/>
+          </a:prstGeom>
+          <a:noFill/>
+        </p:spPr>
+        <p:txBody>
+          <a:bodyPr wrap="none" rtlCol="0">
+            <a:spAutoFit/>
+          </a:bodyPr>
+          <a:lstStyle/>
+          <a:p>
+            <a:r>
+              <a:rPr lang="en-US" altLang="zh-CN" sz="2800" b="1" dirty="0">
+                <a:latin typeface="Times New Roman" panose="02020603050405020304" pitchFamily="18" charset="0"/>
+                <a:cs typeface="Times New Roman" panose="02020603050405020304" pitchFamily="18" charset="0"/>
+              </a:rPr>
+              <a:t>ODE Solver</a:t>
+            </a:r>
+            <a:endParaRPr lang="zh-CN" altLang="en-US" sz="2800" b="1" dirty="0">
+              <a:latin typeface="Times New Roman" panose="02020603050405020304" pitchFamily="18" charset="0"/>
+              <a:cs typeface="Times New Roman" panose="02020603050405020304" pitchFamily="18" charset="0"/>
+            </a:endParaRPr>
+          </a:p>
+        </p:txBody>
+      </p:sp>
+      <p:sp>
+        <p:nvSpPr>
+          <p:cNvPr id="7" name="文本框 6">
+            <a:extLst>
+              <a:ext uri="{FF2B5EF4-FFF2-40B4-BE49-F238E27FC236}">
+                <a16:creationId xmlns:a16="http://schemas.microsoft.com/office/drawing/2014/main" id="{2DBA5DF9-3DCE-3B80-89E5-B40256BF6495}"/>
+              </a:ext>
+            </a:extLst>
+          </p:cNvPr>
+          <p:cNvSpPr txBox="1"/>
+          <p:nvPr/>
+        </p:nvSpPr>
+        <p:spPr>
+          <a:xfrm>
+            <a:off x="9119311" y="1437693"/>
+            <a:ext cx="2917786" cy="523220"/>
+          </a:xfrm>
+          <a:prstGeom prst="rect">
+            <a:avLst/>
+          </a:prstGeom>
+          <a:noFill/>
+        </p:spPr>
+        <p:txBody>
+          <a:bodyPr wrap="none" rtlCol="0">
+            <a:spAutoFit/>
+          </a:bodyPr>
+          <a:lstStyle/>
+          <a:p>
+            <a:r>
+              <a:rPr lang="en-US" altLang="zh-CN" sz="2800" b="1" dirty="0">
+                <a:latin typeface="Times New Roman" panose="02020603050405020304" pitchFamily="18" charset="0"/>
+                <a:cs typeface="Times New Roman" panose="02020603050405020304" pitchFamily="18" charset="0"/>
+              </a:rPr>
+              <a:t>Distillation-Based</a:t>
+            </a:r>
+            <a:endParaRPr lang="zh-CN" altLang="en-US" sz="2800" b="1" dirty="0">
+              <a:latin typeface="Times New Roman" panose="02020603050405020304" pitchFamily="18" charset="0"/>
+              <a:cs typeface="Times New Roman" panose="02020603050405020304" pitchFamily="18" charset="0"/>
+            </a:endParaRPr>
+          </a:p>
+        </p:txBody>
+      </p:sp>
+      <p:sp>
+        <p:nvSpPr>
+          <p:cNvPr id="8" name="文本框 7">
+            <a:extLst>
+              <a:ext uri="{FF2B5EF4-FFF2-40B4-BE49-F238E27FC236}">
+                <a16:creationId xmlns:a16="http://schemas.microsoft.com/office/drawing/2014/main" id="{2FEAFBC1-AF79-F362-B87C-EC90CA033C80}"/>
+              </a:ext>
+            </a:extLst>
+          </p:cNvPr>
+          <p:cNvSpPr txBox="1"/>
+          <p:nvPr/>
+        </p:nvSpPr>
+        <p:spPr>
+          <a:xfrm>
+            <a:off x="17233860" y="1437693"/>
+            <a:ext cx="1980029" cy="523220"/>
+          </a:xfrm>
+          <a:prstGeom prst="rect">
+            <a:avLst/>
+          </a:prstGeom>
+          <a:noFill/>
+        </p:spPr>
+        <p:txBody>
+          <a:bodyPr wrap="none" rtlCol="0">
+            <a:spAutoFit/>
+          </a:bodyPr>
+          <a:lstStyle/>
+          <a:p>
+            <a:r>
+              <a:rPr lang="en-US" altLang="zh-CN" sz="2800" b="1" dirty="0">
+                <a:latin typeface="Times New Roman" panose="02020603050405020304" pitchFamily="18" charset="0"/>
+                <a:cs typeface="Times New Roman" panose="02020603050405020304" pitchFamily="18" charset="0"/>
+              </a:rPr>
+              <a:t>Flow-Based</a:t>
+            </a:r>
+            <a:endParaRPr lang="zh-CN" altLang="en-US" sz="2800" b="1" dirty="0">
+              <a:latin typeface="Times New Roman" panose="02020603050405020304" pitchFamily="18" charset="0"/>
+              <a:cs typeface="Times New Roman" panose="02020603050405020304" pitchFamily="18" charset="0"/>
+            </a:endParaRPr>
+          </a:p>
+        </p:txBody>
+      </p:sp>
+      <p:sp>
+        <p:nvSpPr>
+          <p:cNvPr id="9" name="文本框 8">
+            <a:extLst>
+              <a:ext uri="{FF2B5EF4-FFF2-40B4-BE49-F238E27FC236}">
+                <a16:creationId xmlns:a16="http://schemas.microsoft.com/office/drawing/2014/main" id="{B2EF9DB6-FAE1-EF82-9964-3238D309455D}"/>
+              </a:ext>
+            </a:extLst>
+          </p:cNvPr>
+          <p:cNvSpPr txBox="1"/>
+          <p:nvPr/>
+        </p:nvSpPr>
+        <p:spPr>
+          <a:xfrm>
+            <a:off x="978905" y="2798005"/>
+            <a:ext cx="4794902" cy="4180953"/>
+          </a:xfrm>
+          <a:prstGeom prst="rect">
+            <a:avLst/>
+          </a:prstGeom>
+          <a:noFill/>
+        </p:spPr>
+        <p:txBody>
+          <a:bodyPr wrap="none" rtlCol="0">
+            <a:spAutoFit/>
+          </a:bodyPr>
+          <a:lstStyle/>
+          <a:p>
+            <a:pPr marL="285750" indent="-285750">
+              <a:lnSpc>
+                <a:spcPct val="150000"/>
+              </a:lnSpc>
+              <a:buFont typeface="Arial" panose="020B0604020202020204" pitchFamily="34" charset="0"/>
+              <a:buChar char="•"/>
+            </a:pPr>
+            <a:r>
+              <a:rPr lang="en-US" altLang="zh-CN" sz="2800" b="1" dirty="0">
+                <a:latin typeface="Times New Roman" panose="02020603050405020304" pitchFamily="18" charset="0"/>
+                <a:cs typeface="Times New Roman" panose="02020603050405020304" pitchFamily="18" charset="0"/>
+              </a:rPr>
+              <a:t>DDIM</a:t>
+            </a:r>
+          </a:p>
+          <a:p>
+            <a:pPr marL="285750" indent="-285750">
+              <a:lnSpc>
+                <a:spcPct val="150000"/>
+              </a:lnSpc>
+              <a:buFont typeface="Arial" panose="020B0604020202020204" pitchFamily="34" charset="0"/>
+              <a:buChar char="•"/>
+            </a:pPr>
+            <a:r>
+              <a:rPr lang="en-US" altLang="zh-CN" sz="2800" b="1" dirty="0">
+                <a:latin typeface="Times New Roman" panose="02020603050405020304" pitchFamily="18" charset="0"/>
+                <a:cs typeface="Times New Roman" panose="02020603050405020304" pitchFamily="18" charset="0"/>
+              </a:rPr>
+              <a:t>Pseudo-Numerical Methods</a:t>
+            </a:r>
+          </a:p>
+          <a:p>
+            <a:pPr marL="800100" lvl="1" indent="-342900">
+              <a:lnSpc>
+                <a:spcPct val="150000"/>
+              </a:lnSpc>
+              <a:buFont typeface="Wingdings" panose="05000000000000000000" pitchFamily="2" charset="2"/>
+              <a:buChar char="Ø"/>
+            </a:pPr>
+            <a:r>
+              <a:rPr lang="en-US" altLang="zh-CN" sz="2400" dirty="0">
+                <a:latin typeface="Times New Roman" panose="02020603050405020304" pitchFamily="18" charset="0"/>
+                <a:cs typeface="Times New Roman" panose="02020603050405020304" pitchFamily="18" charset="0"/>
+              </a:rPr>
+              <a:t>PLMS,  PRK</a:t>
+            </a:r>
+            <a:endParaRPr lang="zh-CN" altLang="en-US" sz="2400" dirty="0">
+              <a:latin typeface="Times New Roman" panose="02020603050405020304" pitchFamily="18" charset="0"/>
+              <a:cs typeface="Times New Roman" panose="02020603050405020304" pitchFamily="18" charset="0"/>
+            </a:endParaRPr>
+          </a:p>
+          <a:p>
+            <a:pPr marL="285750" indent="-285750">
+              <a:lnSpc>
+                <a:spcPct val="150000"/>
+              </a:lnSpc>
+              <a:buFont typeface="Arial" panose="020B0604020202020204" pitchFamily="34" charset="0"/>
+              <a:buChar char="•"/>
+            </a:pPr>
+            <a:r>
+              <a:rPr lang="en-US" altLang="zh-CN" sz="2800" b="1" dirty="0">
+                <a:latin typeface="Times New Roman" panose="02020603050405020304" pitchFamily="18" charset="0"/>
+                <a:cs typeface="Times New Roman" panose="02020603050405020304" pitchFamily="18" charset="0"/>
+              </a:rPr>
+              <a:t>High-Order ODE Solver</a:t>
+            </a:r>
+          </a:p>
+          <a:p>
+            <a:pPr marL="800100" lvl="1" indent="-342900">
+              <a:lnSpc>
+                <a:spcPct val="150000"/>
+              </a:lnSpc>
+              <a:buFont typeface="Wingdings" panose="05000000000000000000" pitchFamily="2" charset="2"/>
+              <a:buChar char="Ø"/>
+            </a:pPr>
+            <a:r>
+              <a:rPr lang="en-US" altLang="zh-CN" sz="2400" dirty="0">
+                <a:latin typeface="Times New Roman" panose="02020603050405020304" pitchFamily="18" charset="0"/>
+                <a:cs typeface="Times New Roman" panose="02020603050405020304" pitchFamily="18" charset="0"/>
+              </a:rPr>
+              <a:t>DEIS</a:t>
+            </a:r>
+          </a:p>
+          <a:p>
+            <a:pPr marL="800100" lvl="1" indent="-342900">
+              <a:lnSpc>
+                <a:spcPct val="150000"/>
+              </a:lnSpc>
+              <a:buFont typeface="Wingdings" panose="05000000000000000000" pitchFamily="2" charset="2"/>
+              <a:buChar char="Ø"/>
+            </a:pPr>
+            <a:r>
+              <a:rPr lang="en-US" altLang="zh-CN" sz="2400" dirty="0">
+                <a:latin typeface="Times New Roman" panose="02020603050405020304" pitchFamily="18" charset="0"/>
+                <a:cs typeface="Times New Roman" panose="02020603050405020304" pitchFamily="18" charset="0"/>
+              </a:rPr>
+              <a:t>DPM-Solver</a:t>
+            </a:r>
+            <a:r>
+              <a:rPr lang="zh-CN" altLang="en-US" sz="2400" dirty="0">
+                <a:latin typeface="Times New Roman" panose="02020603050405020304" pitchFamily="18" charset="0"/>
+                <a:cs typeface="Times New Roman" panose="02020603050405020304" pitchFamily="18" charset="0"/>
+              </a:rPr>
+              <a:t>，</a:t>
+            </a:r>
+            <a:r>
+              <a:rPr lang="en-US" altLang="zh-CN" sz="2400" dirty="0">
+                <a:latin typeface="Times New Roman" panose="02020603050405020304" pitchFamily="18" charset="0"/>
+                <a:cs typeface="Times New Roman" panose="02020603050405020304" pitchFamily="18" charset="0"/>
+              </a:rPr>
+              <a:t>DPM-Solver++</a:t>
+            </a:r>
+          </a:p>
+          <a:p>
+            <a:pPr marL="800100" lvl="1" indent="-342900">
+              <a:lnSpc>
+                <a:spcPct val="150000"/>
+              </a:lnSpc>
+              <a:buFont typeface="Wingdings" panose="05000000000000000000" pitchFamily="2" charset="2"/>
+              <a:buChar char="Ø"/>
+            </a:pPr>
+            <a:r>
+              <a:rPr lang="en-US" altLang="zh-CN" sz="2400" dirty="0" err="1">
+                <a:latin typeface="Times New Roman" panose="02020603050405020304" pitchFamily="18" charset="0"/>
+                <a:cs typeface="Times New Roman" panose="02020603050405020304" pitchFamily="18" charset="0"/>
+              </a:rPr>
+              <a:t>UniPC</a:t>
+            </a:r>
+            <a:endParaRPr lang="zh-CN" altLang="en-US" sz="2400" dirty="0">
+              <a:latin typeface="Times New Roman" panose="02020603050405020304" pitchFamily="18" charset="0"/>
+              <a:cs typeface="Times New Roman" panose="02020603050405020304" pitchFamily="18" charset="0"/>
+            </a:endParaRPr>
+          </a:p>
+        </p:txBody>
+      </p:sp>
+      <p:sp>
+        <p:nvSpPr>
+          <p:cNvPr id="11" name="矩形 10">
+            <a:extLst>
+              <a:ext uri="{FF2B5EF4-FFF2-40B4-BE49-F238E27FC236}">
+                <a16:creationId xmlns:a16="http://schemas.microsoft.com/office/drawing/2014/main" id="{C78D54E5-D757-AD2A-9943-93B9B50B022D}"/>
+              </a:ext>
+            </a:extLst>
+          </p:cNvPr>
+          <p:cNvSpPr/>
+          <p:nvPr/>
+        </p:nvSpPr>
+        <p:spPr>
+          <a:xfrm>
+            <a:off x="445061" y="1295401"/>
+            <a:ext cx="6460564" cy="7019924"/>
+          </a:xfrm>
+          <a:prstGeom prst="rect">
+            <a:avLst/>
+          </a:prstGeom>
+          <a:solidFill>
+            <a:schemeClr val="tx2">
+              <a:lumMod val="10000"/>
+              <a:lumOff val="90000"/>
+              <a:alpha val="21000"/>
+            </a:schemeClr>
+          </a:solidFill>
+        </p:spPr>
+        <p:style>
+          <a:lnRef idx="2">
+            <a:schemeClr val="accent1">
+              <a:shade val="15000"/>
+            </a:schemeClr>
+          </a:lnRef>
+          <a:fillRef idx="1">
+            <a:schemeClr val="accent1"/>
+          </a:fillRef>
+          <a:effectRef idx="0">
+            <a:schemeClr val="accent1"/>
+          </a:effectRef>
+          <a:fontRef idx="minor">
+            <a:schemeClr val="lt1"/>
+          </a:fontRef>
+        </p:style>
+        <p:txBody>
+          <a:bodyPr rtlCol="0" anchor="ctr"/>
+          <a:lstStyle/>
+          <a:p>
+            <a:pPr algn="ctr"/>
+            <a:endParaRPr lang="zh-CN" altLang="en-US"/>
+          </a:p>
+        </p:txBody>
+      </p:sp>
+      <p:sp>
+        <p:nvSpPr>
+          <p:cNvPr id="12" name="椭圆 11">
+            <a:extLst>
+              <a:ext uri="{FF2B5EF4-FFF2-40B4-BE49-F238E27FC236}">
+                <a16:creationId xmlns:a16="http://schemas.microsoft.com/office/drawing/2014/main" id="{7B382D47-69A1-2B4B-4E3D-64335235BC5B}"/>
+              </a:ext>
+            </a:extLst>
+          </p:cNvPr>
+          <p:cNvSpPr/>
+          <p:nvPr/>
+        </p:nvSpPr>
+        <p:spPr>
+          <a:xfrm>
+            <a:off x="2872409" y="2128000"/>
+            <a:ext cx="360000" cy="360000"/>
+          </a:xfrm>
+          <a:prstGeom prst="ellipse">
+            <a:avLst/>
+          </a:prstGeom>
+          <a:solidFill>
+            <a:schemeClr val="accent4"/>
+          </a:solidFill>
+        </p:spPr>
+        <p:style>
+          <a:lnRef idx="2">
+            <a:schemeClr val="accent1">
+              <a:shade val="15000"/>
+            </a:schemeClr>
+          </a:lnRef>
+          <a:fillRef idx="1">
+            <a:schemeClr val="accent1"/>
+          </a:fillRef>
+          <a:effectRef idx="0">
+            <a:schemeClr val="accent1"/>
+          </a:effectRef>
+          <a:fontRef idx="minor">
+            <a:schemeClr val="lt1"/>
+          </a:fontRef>
+        </p:style>
+        <p:txBody>
+          <a:bodyPr rtlCol="0" anchor="ctr"/>
+          <a:lstStyle/>
+          <a:p>
+            <a:pPr algn="ctr"/>
+            <a:endParaRPr lang="zh-CN" altLang="en-US"/>
+          </a:p>
+        </p:txBody>
+      </p:sp>
+      <p:sp>
+        <p:nvSpPr>
+          <p:cNvPr id="13" name="椭圆 12">
+            <a:extLst>
+              <a:ext uri="{FF2B5EF4-FFF2-40B4-BE49-F238E27FC236}">
+                <a16:creationId xmlns:a16="http://schemas.microsoft.com/office/drawing/2014/main" id="{595B4972-027D-72CE-7313-6C9AF3280591}"/>
+              </a:ext>
+            </a:extLst>
+          </p:cNvPr>
+          <p:cNvSpPr/>
+          <p:nvPr/>
+        </p:nvSpPr>
+        <p:spPr>
+          <a:xfrm>
+            <a:off x="10502845" y="2128000"/>
+            <a:ext cx="360000" cy="360000"/>
+          </a:xfrm>
+          <a:prstGeom prst="ellipse">
+            <a:avLst/>
+          </a:prstGeom>
+          <a:solidFill>
+            <a:schemeClr val="accent4"/>
+          </a:solidFill>
+        </p:spPr>
+        <p:style>
+          <a:lnRef idx="2">
+            <a:schemeClr val="accent1">
+              <a:shade val="15000"/>
+            </a:schemeClr>
+          </a:lnRef>
+          <a:fillRef idx="1">
+            <a:schemeClr val="accent1"/>
+          </a:fillRef>
+          <a:effectRef idx="0">
+            <a:schemeClr val="accent1"/>
+          </a:effectRef>
+          <a:fontRef idx="minor">
+            <a:schemeClr val="lt1"/>
+          </a:fontRef>
+        </p:style>
+        <p:txBody>
+          <a:bodyPr rtlCol="0" anchor="ctr"/>
+          <a:lstStyle/>
+          <a:p>
+            <a:pPr algn="ctr"/>
+            <a:endParaRPr lang="zh-CN" altLang="en-US"/>
+          </a:p>
+        </p:txBody>
+      </p:sp>
+      <p:sp>
+        <p:nvSpPr>
+          <p:cNvPr id="14" name="椭圆 13">
+            <a:extLst>
+              <a:ext uri="{FF2B5EF4-FFF2-40B4-BE49-F238E27FC236}">
+                <a16:creationId xmlns:a16="http://schemas.microsoft.com/office/drawing/2014/main" id="{04474EF1-510E-CA68-AD93-522F774FA228}"/>
+              </a:ext>
+            </a:extLst>
+          </p:cNvPr>
+          <p:cNvSpPr/>
+          <p:nvPr/>
+        </p:nvSpPr>
+        <p:spPr>
+          <a:xfrm>
+            <a:off x="18162105" y="2128000"/>
+            <a:ext cx="360000" cy="360000"/>
+          </a:xfrm>
+          <a:prstGeom prst="ellipse">
+            <a:avLst/>
+          </a:prstGeom>
+          <a:solidFill>
+            <a:schemeClr val="accent4"/>
+          </a:solidFill>
+        </p:spPr>
+        <p:style>
+          <a:lnRef idx="2">
+            <a:schemeClr val="accent1">
+              <a:shade val="15000"/>
+            </a:schemeClr>
+          </a:lnRef>
+          <a:fillRef idx="1">
+            <a:schemeClr val="accent1"/>
+          </a:fillRef>
+          <a:effectRef idx="0">
+            <a:schemeClr val="accent1"/>
+          </a:effectRef>
+          <a:fontRef idx="minor">
+            <a:schemeClr val="lt1"/>
+          </a:fontRef>
+        </p:style>
+        <p:txBody>
+          <a:bodyPr rtlCol="0" anchor="ctr"/>
+          <a:lstStyle/>
+          <a:p>
+            <a:pPr algn="ctr"/>
+            <a:endParaRPr lang="zh-CN" altLang="en-US"/>
+          </a:p>
+        </p:txBody>
+      </p:sp>
+      <p:sp>
+        <p:nvSpPr>
+          <p:cNvPr id="15" name="矩形 14">
+            <a:extLst>
+              <a:ext uri="{FF2B5EF4-FFF2-40B4-BE49-F238E27FC236}">
+                <a16:creationId xmlns:a16="http://schemas.microsoft.com/office/drawing/2014/main" id="{DFD24A0D-46E2-157B-3527-C223BFFE5539}"/>
+              </a:ext>
+            </a:extLst>
+          </p:cNvPr>
+          <p:cNvSpPr/>
+          <p:nvPr/>
+        </p:nvSpPr>
+        <p:spPr>
+          <a:xfrm>
+            <a:off x="7191375" y="1295400"/>
+            <a:ext cx="13985481" cy="7019924"/>
+          </a:xfrm>
+          <a:prstGeom prst="rect">
+            <a:avLst/>
+          </a:prstGeom>
+          <a:solidFill>
+            <a:schemeClr val="accent5">
+              <a:lumMod val="20000"/>
+              <a:lumOff val="80000"/>
+              <a:alpha val="21000"/>
+            </a:schemeClr>
+          </a:solidFill>
+        </p:spPr>
+        <p:style>
+          <a:lnRef idx="2">
+            <a:schemeClr val="accent1">
+              <a:shade val="15000"/>
+            </a:schemeClr>
+          </a:lnRef>
+          <a:fillRef idx="1">
+            <a:schemeClr val="accent1"/>
+          </a:fillRef>
+          <a:effectRef idx="0">
+            <a:schemeClr val="accent1"/>
+          </a:effectRef>
+          <a:fontRef idx="minor">
+            <a:schemeClr val="lt1"/>
+          </a:fontRef>
+        </p:style>
+        <p:txBody>
+          <a:bodyPr rtlCol="0" anchor="ctr"/>
+          <a:lstStyle/>
+          <a:p>
+            <a:pPr algn="ctr"/>
+            <a:endParaRPr lang="zh-CN" altLang="en-US"/>
+          </a:p>
+        </p:txBody>
+      </p:sp>
+      <p:sp>
+        <p:nvSpPr>
+          <p:cNvPr id="16" name="文本框 15">
+            <a:extLst>
+              <a:ext uri="{FF2B5EF4-FFF2-40B4-BE49-F238E27FC236}">
+                <a16:creationId xmlns:a16="http://schemas.microsoft.com/office/drawing/2014/main" id="{E842EE8E-C5A8-6BEA-41A6-3AAC1E81F00C}"/>
+              </a:ext>
+            </a:extLst>
+          </p:cNvPr>
+          <p:cNvSpPr txBox="1"/>
+          <p:nvPr/>
+        </p:nvSpPr>
+        <p:spPr>
+          <a:xfrm>
+            <a:off x="8152434" y="2798005"/>
+            <a:ext cx="5294655" cy="5288948"/>
+          </a:xfrm>
+          <a:prstGeom prst="rect">
+            <a:avLst/>
+          </a:prstGeom>
+          <a:noFill/>
+        </p:spPr>
+        <p:txBody>
+          <a:bodyPr wrap="none" rtlCol="0">
+            <a:spAutoFit/>
+          </a:bodyPr>
+          <a:lstStyle/>
+          <a:p>
+            <a:pPr marL="285750" indent="-285750">
+              <a:lnSpc>
+                <a:spcPct val="150000"/>
+              </a:lnSpc>
+              <a:buFont typeface="Arial" panose="020B0604020202020204" pitchFamily="34" charset="0"/>
+              <a:buChar char="•"/>
+            </a:pPr>
+            <a:r>
+              <a:rPr lang="en-US" altLang="zh-CN" sz="2800" b="1" dirty="0">
+                <a:latin typeface="Times New Roman" panose="02020603050405020304" pitchFamily="18" charset="0"/>
+                <a:cs typeface="Times New Roman" panose="02020603050405020304" pitchFamily="18" charset="0"/>
+              </a:rPr>
+              <a:t>Trajectory Distillation</a:t>
+            </a:r>
+          </a:p>
+          <a:p>
+            <a:pPr marL="800100" lvl="1" indent="-342900">
+              <a:lnSpc>
+                <a:spcPct val="150000"/>
+              </a:lnSpc>
+              <a:buFont typeface="Wingdings" panose="05000000000000000000" pitchFamily="2" charset="2"/>
+              <a:buChar char="Ø"/>
+            </a:pPr>
+            <a:r>
+              <a:rPr lang="en-US" altLang="zh-CN" sz="2400" dirty="0">
+                <a:latin typeface="Times New Roman" panose="02020603050405020304" pitchFamily="18" charset="0"/>
+                <a:cs typeface="Times New Roman" panose="02020603050405020304" pitchFamily="18" charset="0"/>
+              </a:rPr>
+              <a:t>Progressive Distillation</a:t>
+            </a:r>
+          </a:p>
+          <a:p>
+            <a:pPr marL="800100" lvl="1" indent="-342900">
+              <a:lnSpc>
+                <a:spcPct val="150000"/>
+              </a:lnSpc>
+              <a:buFont typeface="Wingdings" panose="05000000000000000000" pitchFamily="2" charset="2"/>
+              <a:buChar char="Ø"/>
+            </a:pPr>
+            <a:r>
+              <a:rPr lang="en-US" altLang="zh-CN" sz="2400" dirty="0">
+                <a:latin typeface="Times New Roman" panose="02020603050405020304" pitchFamily="18" charset="0"/>
+                <a:cs typeface="Times New Roman" panose="02020603050405020304" pitchFamily="18" charset="0"/>
+              </a:rPr>
+              <a:t>Consistency Trajectory Distillation</a:t>
+            </a:r>
+          </a:p>
+          <a:p>
+            <a:pPr marL="285750" indent="-285750">
+              <a:lnSpc>
+                <a:spcPct val="150000"/>
+              </a:lnSpc>
+              <a:buFont typeface="Arial" panose="020B0604020202020204" pitchFamily="34" charset="0"/>
+              <a:buChar char="•"/>
+            </a:pPr>
+            <a:r>
+              <a:rPr lang="en-US" altLang="zh-CN" sz="2800" b="1" dirty="0">
+                <a:latin typeface="Times New Roman" panose="02020603050405020304" pitchFamily="18" charset="0"/>
+                <a:cs typeface="Times New Roman" panose="02020603050405020304" pitchFamily="18" charset="0"/>
+              </a:rPr>
+              <a:t>Score Distillation</a:t>
+            </a:r>
+          </a:p>
+          <a:p>
+            <a:pPr marL="742950" lvl="1" indent="-285750">
+              <a:lnSpc>
+                <a:spcPct val="150000"/>
+              </a:lnSpc>
+              <a:buFont typeface="Wingdings" panose="05000000000000000000" pitchFamily="2" charset="2"/>
+              <a:buChar char="Ø"/>
+            </a:pPr>
+            <a:r>
+              <a:rPr lang="en-US" altLang="zh-CN" sz="2400" dirty="0">
+                <a:latin typeface="Times New Roman" panose="02020603050405020304" pitchFamily="18" charset="0"/>
+                <a:cs typeface="Times New Roman" panose="02020603050405020304" pitchFamily="18" charset="0"/>
+              </a:rPr>
+              <a:t>Score Distillation Sampling</a:t>
+            </a:r>
+          </a:p>
+          <a:p>
+            <a:pPr marL="742950" lvl="1" indent="-285750">
+              <a:lnSpc>
+                <a:spcPct val="150000"/>
+              </a:lnSpc>
+              <a:buFont typeface="Wingdings" panose="05000000000000000000" pitchFamily="2" charset="2"/>
+              <a:buChar char="Ø"/>
+            </a:pPr>
+            <a:r>
+              <a:rPr lang="en-US" altLang="zh-CN" sz="2400" dirty="0">
+                <a:latin typeface="Times New Roman" panose="02020603050405020304" pitchFamily="18" charset="0"/>
+                <a:cs typeface="Times New Roman" panose="02020603050405020304" pitchFamily="18" charset="0"/>
+              </a:rPr>
+              <a:t>Score </a:t>
+            </a:r>
+            <a:r>
+              <a:rPr lang="en-US" altLang="zh-CN" sz="2400" dirty="0" err="1">
+                <a:latin typeface="Times New Roman" panose="02020603050405020304" pitchFamily="18" charset="0"/>
+                <a:cs typeface="Times New Roman" panose="02020603050405020304" pitchFamily="18" charset="0"/>
+              </a:rPr>
+              <a:t>Implict</a:t>
+            </a:r>
+            <a:r>
+              <a:rPr lang="en-US" altLang="zh-CN" sz="2400" dirty="0">
+                <a:latin typeface="Times New Roman" panose="02020603050405020304" pitchFamily="18" charset="0"/>
+                <a:cs typeface="Times New Roman" panose="02020603050405020304" pitchFamily="18" charset="0"/>
+              </a:rPr>
+              <a:t> Distillation</a:t>
+            </a:r>
+            <a:endParaRPr lang="zh-CN" altLang="en-US" sz="2400" dirty="0">
+              <a:latin typeface="Times New Roman" panose="02020603050405020304" pitchFamily="18" charset="0"/>
+              <a:cs typeface="Times New Roman" panose="02020603050405020304" pitchFamily="18" charset="0"/>
+            </a:endParaRPr>
+          </a:p>
+          <a:p>
+            <a:pPr marL="285750" indent="-285750">
+              <a:lnSpc>
+                <a:spcPct val="150000"/>
+              </a:lnSpc>
+              <a:buFont typeface="Arial" panose="020B0604020202020204" pitchFamily="34" charset="0"/>
+              <a:buChar char="•"/>
+            </a:pPr>
+            <a:r>
+              <a:rPr lang="en-US" altLang="zh-CN" sz="2800" b="1" dirty="0">
+                <a:latin typeface="Times New Roman" panose="02020603050405020304" pitchFamily="18" charset="0"/>
+                <a:cs typeface="Times New Roman" panose="02020603050405020304" pitchFamily="18" charset="0"/>
+              </a:rPr>
+              <a:t>Distribution Distillation</a:t>
+            </a:r>
+          </a:p>
+          <a:p>
+            <a:pPr marL="742950" lvl="1" indent="-285750">
+              <a:lnSpc>
+                <a:spcPct val="150000"/>
+              </a:lnSpc>
+              <a:buFont typeface="Wingdings" panose="05000000000000000000" pitchFamily="2" charset="2"/>
+              <a:buChar char="Ø"/>
+            </a:pPr>
+            <a:r>
+              <a:rPr lang="en-US" altLang="zh-CN" sz="2400" dirty="0">
+                <a:latin typeface="Times New Roman" panose="02020603050405020304" pitchFamily="18" charset="0"/>
+                <a:cs typeface="Times New Roman" panose="02020603050405020304" pitchFamily="18" charset="0"/>
+              </a:rPr>
+              <a:t>Distribution Matching Distillation</a:t>
+            </a:r>
+          </a:p>
+          <a:p>
+            <a:pPr marL="742950" lvl="1" indent="-285750">
+              <a:lnSpc>
+                <a:spcPct val="150000"/>
+              </a:lnSpc>
+              <a:buFont typeface="Wingdings" panose="05000000000000000000" pitchFamily="2" charset="2"/>
+              <a:buChar char="Ø"/>
+            </a:pPr>
+            <a:r>
+              <a:rPr lang="en-US" altLang="zh-CN" sz="2400" dirty="0">
+                <a:latin typeface="Times New Roman" panose="02020603050405020304" pitchFamily="18" charset="0"/>
+                <a:cs typeface="Times New Roman" panose="02020603050405020304" pitchFamily="18" charset="0"/>
+              </a:rPr>
+              <a:t>Consistency Distillation</a:t>
+            </a:r>
+          </a:p>
+        </p:txBody>
+      </p:sp>
+      <p:sp>
+        <p:nvSpPr>
+          <p:cNvPr id="17" name="文本框 16">
+            <a:extLst>
+              <a:ext uri="{FF2B5EF4-FFF2-40B4-BE49-F238E27FC236}">
+                <a16:creationId xmlns:a16="http://schemas.microsoft.com/office/drawing/2014/main" id="{0FAAFDC3-BAB4-2555-6892-2F007427520A}"/>
+              </a:ext>
+            </a:extLst>
+          </p:cNvPr>
+          <p:cNvSpPr txBox="1"/>
+          <p:nvPr/>
+        </p:nvSpPr>
+        <p:spPr>
+          <a:xfrm>
+            <a:off x="15021644" y="2798005"/>
+            <a:ext cx="5775812" cy="3246530"/>
+          </a:xfrm>
+          <a:prstGeom prst="rect">
+            <a:avLst/>
+          </a:prstGeom>
+          <a:noFill/>
+        </p:spPr>
+        <p:txBody>
+          <a:bodyPr wrap="none" rtlCol="0">
+            <a:spAutoFit/>
+          </a:bodyPr>
+          <a:lstStyle/>
+          <a:p>
+            <a:pPr>
+              <a:lnSpc>
+                <a:spcPct val="150000"/>
+              </a:lnSpc>
+            </a:pPr>
+            <a:r>
+              <a:rPr lang="en-US" altLang="zh-CN" sz="2800" b="1" dirty="0">
+                <a:latin typeface="Times New Roman" panose="02020603050405020304" pitchFamily="18" charset="0"/>
+                <a:cs typeface="Times New Roman" panose="02020603050405020304" pitchFamily="18" charset="0"/>
+              </a:rPr>
+              <a:t>Looking for more optimal trajectory</a:t>
+            </a:r>
+          </a:p>
+          <a:p>
+            <a:pPr marL="742950" lvl="1" indent="-285750">
+              <a:lnSpc>
+                <a:spcPct val="150000"/>
+              </a:lnSpc>
+              <a:buFont typeface="Arial" panose="020B0604020202020204" pitchFamily="34" charset="0"/>
+              <a:buChar char="•"/>
+            </a:pPr>
+            <a:r>
+              <a:rPr lang="en-US" altLang="zh-CN" sz="2800" dirty="0">
+                <a:latin typeface="Times New Roman" panose="02020603050405020304" pitchFamily="18" charset="0"/>
+                <a:cs typeface="Times New Roman" panose="02020603050405020304" pitchFamily="18" charset="0"/>
+              </a:rPr>
+              <a:t>Flow Matching</a:t>
+            </a:r>
+          </a:p>
+          <a:p>
+            <a:pPr marL="742950" lvl="1" indent="-285750">
+              <a:lnSpc>
+                <a:spcPct val="150000"/>
+              </a:lnSpc>
+              <a:buFont typeface="Arial" panose="020B0604020202020204" pitchFamily="34" charset="0"/>
+              <a:buChar char="•"/>
+            </a:pPr>
+            <a:r>
+              <a:rPr lang="en-US" altLang="zh-CN" sz="2800" dirty="0">
+                <a:latin typeface="Times New Roman" panose="02020603050405020304" pitchFamily="18" charset="0"/>
+                <a:cs typeface="Times New Roman" panose="02020603050405020304" pitchFamily="18" charset="0"/>
+              </a:rPr>
+              <a:t>Rectified Flow</a:t>
+            </a:r>
+          </a:p>
+          <a:p>
+            <a:pPr marL="742950" lvl="1" indent="-285750">
+              <a:lnSpc>
+                <a:spcPct val="150000"/>
+              </a:lnSpc>
+              <a:buFont typeface="Arial" panose="020B0604020202020204" pitchFamily="34" charset="0"/>
+              <a:buChar char="•"/>
+            </a:pPr>
+            <a:r>
+              <a:rPr lang="en-US" altLang="zh-CN" sz="2800" dirty="0" err="1">
+                <a:latin typeface="Times New Roman" panose="02020603050405020304" pitchFamily="18" charset="0"/>
+                <a:cs typeface="Times New Roman" panose="02020603050405020304" pitchFamily="18" charset="0"/>
+              </a:rPr>
+              <a:t>InstraFlow</a:t>
+            </a:r>
+            <a:endParaRPr lang="en-US" altLang="zh-CN" sz="2800" dirty="0">
+              <a:latin typeface="Times New Roman" panose="02020603050405020304" pitchFamily="18" charset="0"/>
+              <a:cs typeface="Times New Roman" panose="02020603050405020304" pitchFamily="18" charset="0"/>
+            </a:endParaRPr>
+          </a:p>
+          <a:p>
+            <a:pPr marL="742950" lvl="1" indent="-285750">
+              <a:lnSpc>
+                <a:spcPct val="150000"/>
+              </a:lnSpc>
+              <a:buFont typeface="Arial" panose="020B0604020202020204" pitchFamily="34" charset="0"/>
+              <a:buChar char="•"/>
+            </a:pPr>
+            <a:r>
+              <a:rPr lang="en-US" altLang="zh-CN" sz="2800" dirty="0" err="1">
+                <a:latin typeface="Times New Roman" panose="02020603050405020304" pitchFamily="18" charset="0"/>
+                <a:cs typeface="Times New Roman" panose="02020603050405020304" pitchFamily="18" charset="0"/>
+              </a:rPr>
+              <a:t>MeanFlow</a:t>
+            </a:r>
+            <a:endParaRPr lang="en-US" altLang="zh-CN" sz="2800" dirty="0">
+              <a:latin typeface="Times New Roman" panose="02020603050405020304" pitchFamily="18" charset="0"/>
+              <a:cs typeface="Times New Roman" panose="02020603050405020304" pitchFamily="18" charset="0"/>
+            </a:endParaRPr>
+          </a:p>
+        </p:txBody>
+      </p:sp>
+      <p:sp>
+        <p:nvSpPr>
+          <p:cNvPr id="18" name="文本框 17">
+            <a:extLst>
+              <a:ext uri="{FF2B5EF4-FFF2-40B4-BE49-F238E27FC236}">
+                <a16:creationId xmlns:a16="http://schemas.microsoft.com/office/drawing/2014/main" id="{27A8C10B-BD5F-E34E-93D7-ABCBD6DB9C3F}"/>
+              </a:ext>
+            </a:extLst>
+          </p:cNvPr>
+          <p:cNvSpPr txBox="1"/>
+          <p:nvPr/>
+        </p:nvSpPr>
+        <p:spPr>
+          <a:xfrm>
+            <a:off x="2214563" y="8379504"/>
+            <a:ext cx="2323585" cy="523220"/>
+          </a:xfrm>
+          <a:prstGeom prst="rect">
+            <a:avLst/>
+          </a:prstGeom>
+          <a:noFill/>
+        </p:spPr>
+        <p:txBody>
+          <a:bodyPr wrap="none" rtlCol="0">
+            <a:spAutoFit/>
+          </a:bodyPr>
+          <a:lstStyle/>
+          <a:p>
+            <a:r>
+              <a:rPr lang="en-US" altLang="zh-CN" sz="2800" b="1" dirty="0">
+                <a:latin typeface="Times New Roman" panose="02020603050405020304" pitchFamily="18" charset="0"/>
+                <a:cs typeface="Times New Roman" panose="02020603050405020304" pitchFamily="18" charset="0"/>
+              </a:rPr>
+              <a:t>Training-Free</a:t>
+            </a:r>
+            <a:endParaRPr lang="zh-CN" altLang="en-US" sz="2800" b="1" dirty="0">
+              <a:latin typeface="Times New Roman" panose="02020603050405020304" pitchFamily="18" charset="0"/>
+              <a:cs typeface="Times New Roman" panose="02020603050405020304" pitchFamily="18" charset="0"/>
+            </a:endParaRPr>
+          </a:p>
+        </p:txBody>
+      </p:sp>
+      <p:sp>
+        <p:nvSpPr>
+          <p:cNvPr id="19" name="文本框 18">
+            <a:extLst>
+              <a:ext uri="{FF2B5EF4-FFF2-40B4-BE49-F238E27FC236}">
+                <a16:creationId xmlns:a16="http://schemas.microsoft.com/office/drawing/2014/main" id="{1841A4E2-A663-8A7A-96E2-1D5DF51531F8}"/>
+              </a:ext>
+            </a:extLst>
+          </p:cNvPr>
+          <p:cNvSpPr txBox="1"/>
+          <p:nvPr/>
+        </p:nvSpPr>
+        <p:spPr>
+          <a:xfrm>
+            <a:off x="12983257" y="8379504"/>
+            <a:ext cx="2551276" cy="523220"/>
+          </a:xfrm>
+          <a:prstGeom prst="rect">
+            <a:avLst/>
+          </a:prstGeom>
+          <a:noFill/>
+        </p:spPr>
+        <p:txBody>
+          <a:bodyPr wrap="none" rtlCol="0">
+            <a:spAutoFit/>
+          </a:bodyPr>
+          <a:lstStyle/>
+          <a:p>
+            <a:r>
+              <a:rPr lang="en-US" altLang="zh-CN" sz="2800" b="1" dirty="0">
+                <a:latin typeface="Times New Roman" panose="02020603050405020304" pitchFamily="18" charset="0"/>
+                <a:cs typeface="Times New Roman" panose="02020603050405020304" pitchFamily="18" charset="0"/>
+              </a:rPr>
+              <a:t>Training-Based</a:t>
+            </a:r>
+            <a:endParaRPr lang="zh-CN" altLang="en-US" sz="2800" b="1" dirty="0">
+              <a:latin typeface="Times New Roman" panose="02020603050405020304" pitchFamily="18" charset="0"/>
+              <a:cs typeface="Times New Roman" panose="02020603050405020304" pitchFamily="18" charset="0"/>
+            </a:endParaRPr>
+          </a:p>
+        </p:txBody>
+      </p:sp>
+      <p:sp>
+        <p:nvSpPr>
+          <p:cNvPr id="20" name="文本框 19">
+            <a:extLst>
+              <a:ext uri="{FF2B5EF4-FFF2-40B4-BE49-F238E27FC236}">
+                <a16:creationId xmlns:a16="http://schemas.microsoft.com/office/drawing/2014/main" id="{1A2DF95B-AB23-9986-B33B-6F409F563E91}"/>
+              </a:ext>
+            </a:extLst>
+          </p:cNvPr>
+          <p:cNvSpPr txBox="1"/>
+          <p:nvPr/>
+        </p:nvSpPr>
+        <p:spPr>
+          <a:xfrm>
+            <a:off x="7186464" y="327810"/>
+            <a:ext cx="6260625" cy="584775"/>
+          </a:xfrm>
+          <a:prstGeom prst="rect">
+            <a:avLst/>
+          </a:prstGeom>
+          <a:noFill/>
+        </p:spPr>
+        <p:txBody>
+          <a:bodyPr wrap="none" rtlCol="0">
+            <a:spAutoFit/>
+          </a:bodyPr>
+          <a:lstStyle/>
+          <a:p>
+            <a:r>
+              <a:rPr lang="en-US" altLang="zh-CN" sz="3200" b="1" dirty="0">
+                <a:latin typeface="Times New Roman" panose="02020603050405020304" pitchFamily="18" charset="0"/>
+                <a:cs typeface="Times New Roman" panose="02020603050405020304" pitchFamily="18" charset="0"/>
+              </a:rPr>
+              <a:t>Fast Sampling for Diffusion Model</a:t>
+            </a:r>
+            <a:endParaRPr lang="zh-CN" altLang="en-US" sz="3200" b="1" dirty="0">
+              <a:latin typeface="Times New Roman" panose="02020603050405020304" pitchFamily="18" charset="0"/>
+              <a:cs typeface="Times New Roman" panose="02020603050405020304" pitchFamily="18" charset="0"/>
+            </a:endParaRPr>
+          </a:p>
+        </p:txBody>
+      </p:sp>
+    </p:spTree>
+    <p:extLst>
+      <p:ext uri="{BB962C8B-B14F-4D97-AF65-F5344CB8AC3E}">
+        <p14:creationId xmlns:p14="http://schemas.microsoft.com/office/powerpoint/2010/main" val="893157878"/>
       </p:ext>
     </p:extLst>
   </p:cSld>

--- a/images/posts/2025-05-20-blog-post/新建 Microsoft PowerPoint 演示文稿.pptx
+++ b/images/posts/2025-05-20-blog-post/新建 Microsoft PowerPoint 演示文稿.pptx
@@ -5,7 +5,7 @@
     <p:sldMasterId id="2147483684" r:id="rId1"/>
   </p:sldMasterIdLst>
   <p:notesMasterIdLst>
-    <p:notesMasterId r:id="rId8"/>
+    <p:notesMasterId r:id="rId9"/>
   </p:notesMasterIdLst>
   <p:sldIdLst>
     <p:sldId id="300" r:id="rId2"/>
@@ -14,6 +14,7 @@
     <p:sldId id="303" r:id="rId5"/>
     <p:sldId id="304" r:id="rId6"/>
     <p:sldId id="305" r:id="rId7"/>
+    <p:sldId id="306" r:id="rId8"/>
   </p:sldIdLst>
   <p:sldSz cx="21599525" cy="8999538"/>
   <p:notesSz cx="6858000" cy="9144000"/>
@@ -202,7 +203,7 @@
           <a:p>
             <a:fld id="{06A7EE91-92E7-4CCB-9ABC-2651A01142F8}" type="datetimeFigureOut">
               <a:rPr lang="zh-CN" altLang="en-US" smtClean="0"/>
-              <a:t>2025/10/23</a:t>
+              <a:t>2025/10/24</a:t>
             </a:fld>
             <a:endParaRPr lang="zh-CN" altLang="en-US"/>
           </a:p>
@@ -600,7 +601,7 @@
           <a:p>
             <a:fld id="{47A39752-AE50-4AEA-9C8D-075E0077A86E}" type="datetimeFigureOut">
               <a:rPr lang="zh-CN" altLang="en-US" smtClean="0"/>
-              <a:t>2025/10/23</a:t>
+              <a:t>2025/10/24</a:t>
             </a:fld>
             <a:endParaRPr lang="zh-CN" altLang="en-US"/>
           </a:p>
@@ -770,7 +771,7 @@
           <a:p>
             <a:fld id="{47A39752-AE50-4AEA-9C8D-075E0077A86E}" type="datetimeFigureOut">
               <a:rPr lang="zh-CN" altLang="en-US" smtClean="0"/>
-              <a:t>2025/10/23</a:t>
+              <a:t>2025/10/24</a:t>
             </a:fld>
             <a:endParaRPr lang="zh-CN" altLang="en-US"/>
           </a:p>
@@ -950,7 +951,7 @@
           <a:p>
             <a:fld id="{47A39752-AE50-4AEA-9C8D-075E0077A86E}" type="datetimeFigureOut">
               <a:rPr lang="zh-CN" altLang="en-US" smtClean="0"/>
-              <a:t>2025/10/23</a:t>
+              <a:t>2025/10/24</a:t>
             </a:fld>
             <a:endParaRPr lang="zh-CN" altLang="en-US"/>
           </a:p>
@@ -1120,7 +1121,7 @@
           <a:p>
             <a:fld id="{47A39752-AE50-4AEA-9C8D-075E0077A86E}" type="datetimeFigureOut">
               <a:rPr lang="zh-CN" altLang="en-US" smtClean="0"/>
-              <a:t>2025/10/23</a:t>
+              <a:t>2025/10/24</a:t>
             </a:fld>
             <a:endParaRPr lang="zh-CN" altLang="en-US"/>
           </a:p>
@@ -1366,7 +1367,7 @@
           <a:p>
             <a:fld id="{47A39752-AE50-4AEA-9C8D-075E0077A86E}" type="datetimeFigureOut">
               <a:rPr lang="zh-CN" altLang="en-US" smtClean="0"/>
-              <a:t>2025/10/23</a:t>
+              <a:t>2025/10/24</a:t>
             </a:fld>
             <a:endParaRPr lang="zh-CN" altLang="en-US"/>
           </a:p>
@@ -1598,7 +1599,7 @@
           <a:p>
             <a:fld id="{47A39752-AE50-4AEA-9C8D-075E0077A86E}" type="datetimeFigureOut">
               <a:rPr lang="zh-CN" altLang="en-US" smtClean="0"/>
-              <a:t>2025/10/23</a:t>
+              <a:t>2025/10/24</a:t>
             </a:fld>
             <a:endParaRPr lang="zh-CN" altLang="en-US"/>
           </a:p>
@@ -1965,7 +1966,7 @@
           <a:p>
             <a:fld id="{47A39752-AE50-4AEA-9C8D-075E0077A86E}" type="datetimeFigureOut">
               <a:rPr lang="zh-CN" altLang="en-US" smtClean="0"/>
-              <a:t>2025/10/23</a:t>
+              <a:t>2025/10/24</a:t>
             </a:fld>
             <a:endParaRPr lang="zh-CN" altLang="en-US"/>
           </a:p>
@@ -2083,7 +2084,7 @@
           <a:p>
             <a:fld id="{47A39752-AE50-4AEA-9C8D-075E0077A86E}" type="datetimeFigureOut">
               <a:rPr lang="zh-CN" altLang="en-US" smtClean="0"/>
-              <a:t>2025/10/23</a:t>
+              <a:t>2025/10/24</a:t>
             </a:fld>
             <a:endParaRPr lang="zh-CN" altLang="en-US"/>
           </a:p>
@@ -2178,7 +2179,7 @@
           <a:p>
             <a:fld id="{47A39752-AE50-4AEA-9C8D-075E0077A86E}" type="datetimeFigureOut">
               <a:rPr lang="zh-CN" altLang="en-US" smtClean="0"/>
-              <a:t>2025/10/23</a:t>
+              <a:t>2025/10/24</a:t>
             </a:fld>
             <a:endParaRPr lang="zh-CN" altLang="en-US"/>
           </a:p>
@@ -2455,7 +2456,7 @@
           <a:p>
             <a:fld id="{47A39752-AE50-4AEA-9C8D-075E0077A86E}" type="datetimeFigureOut">
               <a:rPr lang="zh-CN" altLang="en-US" smtClean="0"/>
-              <a:t>2025/10/23</a:t>
+              <a:t>2025/10/24</a:t>
             </a:fld>
             <a:endParaRPr lang="zh-CN" altLang="en-US"/>
           </a:p>
@@ -2712,7 +2713,7 @@
           <a:p>
             <a:fld id="{47A39752-AE50-4AEA-9C8D-075E0077A86E}" type="datetimeFigureOut">
               <a:rPr lang="zh-CN" altLang="en-US" smtClean="0"/>
-              <a:t>2025/10/23</a:t>
+              <a:t>2025/10/24</a:t>
             </a:fld>
             <a:endParaRPr lang="zh-CN" altLang="en-US"/>
           </a:p>
@@ -2925,7 +2926,7 @@
           <a:p>
             <a:fld id="{47A39752-AE50-4AEA-9C8D-075E0077A86E}" type="datetimeFigureOut">
               <a:rPr lang="zh-CN" altLang="en-US" smtClean="0"/>
-              <a:t>2025/10/23</a:t>
+              <a:t>2025/10/24</a:t>
             </a:fld>
             <a:endParaRPr lang="zh-CN" altLang="en-US"/>
           </a:p>
@@ -13618,6 +13619,3413 @@
 </p:sld>
 </file>
 
+<file path=ppt/slides/slide7.xml><?xml version="1.0" encoding="utf-8"?>
+<p:sld xmlns:a="http://schemas.openxmlformats.org/drawingml/2006/main" xmlns:r="http://schemas.openxmlformats.org/officeDocument/2006/relationships" xmlns:p="http://schemas.openxmlformats.org/presentationml/2006/main">
+  <p:cSld>
+    <p:spTree>
+      <p:nvGrpSpPr>
+        <p:cNvPr id="1" name=""/>
+        <p:cNvGrpSpPr/>
+        <p:nvPr/>
+      </p:nvGrpSpPr>
+      <p:grpSpPr>
+        <a:xfrm>
+          <a:off x="0" y="0"/>
+          <a:ext cx="0" cy="0"/>
+          <a:chOff x="0" y="0"/>
+          <a:chExt cx="0" cy="0"/>
+        </a:xfrm>
+      </p:grpSpPr>
+      <p:sp>
+        <p:nvSpPr>
+          <p:cNvPr id="4" name="箭头: 右 3">
+            <a:extLst>
+              <a:ext uri="{FF2B5EF4-FFF2-40B4-BE49-F238E27FC236}">
+                <a16:creationId xmlns:a16="http://schemas.microsoft.com/office/drawing/2014/main" id="{59A25C3E-7C77-339E-7341-BA88112EAE4B}"/>
+              </a:ext>
+            </a:extLst>
+          </p:cNvPr>
+          <p:cNvSpPr/>
+          <p:nvPr/>
+        </p:nvSpPr>
+        <p:spPr>
+          <a:xfrm>
+            <a:off x="3061507" y="1486968"/>
+            <a:ext cx="1222048" cy="333286"/>
+          </a:xfrm>
+          <a:prstGeom prst="rightArrow">
+            <a:avLst/>
+          </a:prstGeom>
+          <a:solidFill>
+            <a:schemeClr val="accent1">
+              <a:lumMod val="20000"/>
+              <a:lumOff val="80000"/>
+            </a:schemeClr>
+          </a:solidFill>
+          <a:ln w="12700"/>
+        </p:spPr>
+        <p:style>
+          <a:lnRef idx="2">
+            <a:schemeClr val="accent1">
+              <a:shade val="15000"/>
+            </a:schemeClr>
+          </a:lnRef>
+          <a:fillRef idx="1">
+            <a:schemeClr val="accent1"/>
+          </a:fillRef>
+          <a:effectRef idx="0">
+            <a:schemeClr val="accent1"/>
+          </a:effectRef>
+          <a:fontRef idx="minor">
+            <a:schemeClr val="lt1"/>
+          </a:fontRef>
+        </p:style>
+        <p:txBody>
+          <a:bodyPr rtlCol="0" anchor="ctr"/>
+          <a:lstStyle/>
+          <a:p>
+            <a:pPr algn="ctr"/>
+            <a:endParaRPr lang="zh-CN" altLang="en-US"/>
+          </a:p>
+        </p:txBody>
+      </p:sp>
+      <p:sp>
+        <p:nvSpPr>
+          <p:cNvPr id="5" name="箭头: 右 4">
+            <a:extLst>
+              <a:ext uri="{FF2B5EF4-FFF2-40B4-BE49-F238E27FC236}">
+                <a16:creationId xmlns:a16="http://schemas.microsoft.com/office/drawing/2014/main" id="{8D40CCFD-B332-93F6-8EB9-67C302350F5F}"/>
+              </a:ext>
+            </a:extLst>
+          </p:cNvPr>
+          <p:cNvSpPr/>
+          <p:nvPr/>
+        </p:nvSpPr>
+        <p:spPr>
+          <a:xfrm>
+            <a:off x="4914521" y="1486968"/>
+            <a:ext cx="1222048" cy="333286"/>
+          </a:xfrm>
+          <a:prstGeom prst="rightArrow">
+            <a:avLst/>
+          </a:prstGeom>
+          <a:solidFill>
+            <a:schemeClr val="accent1">
+              <a:lumMod val="20000"/>
+              <a:lumOff val="80000"/>
+            </a:schemeClr>
+          </a:solidFill>
+          <a:ln w="12700"/>
+        </p:spPr>
+        <p:style>
+          <a:lnRef idx="2">
+            <a:schemeClr val="accent1">
+              <a:shade val="15000"/>
+            </a:schemeClr>
+          </a:lnRef>
+          <a:fillRef idx="1">
+            <a:schemeClr val="accent1"/>
+          </a:fillRef>
+          <a:effectRef idx="0">
+            <a:schemeClr val="accent1"/>
+          </a:effectRef>
+          <a:fontRef idx="minor">
+            <a:schemeClr val="lt1"/>
+          </a:fontRef>
+        </p:style>
+        <p:txBody>
+          <a:bodyPr rtlCol="0" anchor="ctr"/>
+          <a:lstStyle/>
+          <a:p>
+            <a:pPr algn="ctr"/>
+            <a:endParaRPr lang="zh-CN" altLang="en-US"/>
+          </a:p>
+        </p:txBody>
+      </p:sp>
+      <p:sp>
+        <p:nvSpPr>
+          <p:cNvPr id="6" name="箭头: 右 5">
+            <a:extLst>
+              <a:ext uri="{FF2B5EF4-FFF2-40B4-BE49-F238E27FC236}">
+                <a16:creationId xmlns:a16="http://schemas.microsoft.com/office/drawing/2014/main" id="{7D591BEA-AB4E-783E-9355-E6B380AB08E1}"/>
+              </a:ext>
+            </a:extLst>
+          </p:cNvPr>
+          <p:cNvSpPr/>
+          <p:nvPr/>
+        </p:nvSpPr>
+        <p:spPr>
+          <a:xfrm>
+            <a:off x="6758990" y="1486968"/>
+            <a:ext cx="1222048" cy="333286"/>
+          </a:xfrm>
+          <a:prstGeom prst="rightArrow">
+            <a:avLst/>
+          </a:prstGeom>
+          <a:solidFill>
+            <a:schemeClr val="accent1">
+              <a:lumMod val="20000"/>
+              <a:lumOff val="80000"/>
+            </a:schemeClr>
+          </a:solidFill>
+          <a:ln w="12700"/>
+        </p:spPr>
+        <p:style>
+          <a:lnRef idx="2">
+            <a:schemeClr val="accent1">
+              <a:shade val="15000"/>
+            </a:schemeClr>
+          </a:lnRef>
+          <a:fillRef idx="1">
+            <a:schemeClr val="accent1"/>
+          </a:fillRef>
+          <a:effectRef idx="0">
+            <a:schemeClr val="accent1"/>
+          </a:effectRef>
+          <a:fontRef idx="minor">
+            <a:schemeClr val="lt1"/>
+          </a:fontRef>
+        </p:style>
+        <p:txBody>
+          <a:bodyPr rtlCol="0" anchor="ctr"/>
+          <a:lstStyle/>
+          <a:p>
+            <a:pPr algn="ctr"/>
+            <a:endParaRPr lang="zh-CN" altLang="en-US"/>
+          </a:p>
+        </p:txBody>
+      </p:sp>
+      <p:sp>
+        <p:nvSpPr>
+          <p:cNvPr id="7" name="箭头: 右 6">
+            <a:extLst>
+              <a:ext uri="{FF2B5EF4-FFF2-40B4-BE49-F238E27FC236}">
+                <a16:creationId xmlns:a16="http://schemas.microsoft.com/office/drawing/2014/main" id="{47FE207D-CDFA-13B6-10AE-1409DE52D021}"/>
+              </a:ext>
+            </a:extLst>
+          </p:cNvPr>
+          <p:cNvSpPr/>
+          <p:nvPr/>
+        </p:nvSpPr>
+        <p:spPr>
+          <a:xfrm>
+            <a:off x="8594913" y="1486968"/>
+            <a:ext cx="1222048" cy="333286"/>
+          </a:xfrm>
+          <a:prstGeom prst="rightArrow">
+            <a:avLst/>
+          </a:prstGeom>
+          <a:solidFill>
+            <a:schemeClr val="accent1">
+              <a:lumMod val="20000"/>
+              <a:lumOff val="80000"/>
+            </a:schemeClr>
+          </a:solidFill>
+          <a:ln w="12700"/>
+        </p:spPr>
+        <p:style>
+          <a:lnRef idx="2">
+            <a:schemeClr val="accent1">
+              <a:shade val="15000"/>
+            </a:schemeClr>
+          </a:lnRef>
+          <a:fillRef idx="1">
+            <a:schemeClr val="accent1"/>
+          </a:fillRef>
+          <a:effectRef idx="0">
+            <a:schemeClr val="accent1"/>
+          </a:effectRef>
+          <a:fontRef idx="minor">
+            <a:schemeClr val="lt1"/>
+          </a:fontRef>
+        </p:style>
+        <p:txBody>
+          <a:bodyPr rtlCol="0" anchor="ctr"/>
+          <a:lstStyle/>
+          <a:p>
+            <a:pPr algn="ctr"/>
+            <a:endParaRPr lang="zh-CN" altLang="en-US"/>
+          </a:p>
+        </p:txBody>
+      </p:sp>
+      <mc:AlternateContent xmlns:mc="http://schemas.openxmlformats.org/markup-compatibility/2006">
+        <mc:Choice xmlns:a14="http://schemas.microsoft.com/office/drawing/2010/main" Requires="a14">
+          <p:sp>
+            <p:nvSpPr>
+              <p:cNvPr id="12" name="文本框 11">
+                <a:extLst>
+                  <a:ext uri="{FF2B5EF4-FFF2-40B4-BE49-F238E27FC236}">
+                    <a16:creationId xmlns:a16="http://schemas.microsoft.com/office/drawing/2014/main" id="{58CDA890-7B76-209A-6CA0-53568B1FF3F5}"/>
+                  </a:ext>
+                </a:extLst>
+              </p:cNvPr>
+              <p:cNvSpPr txBox="1"/>
+              <p:nvPr/>
+            </p:nvSpPr>
+            <p:spPr>
+              <a:xfrm>
+                <a:off x="2535943" y="1407389"/>
+                <a:ext cx="429413" cy="492443"/>
+              </a:xfrm>
+              <a:prstGeom prst="rect">
+                <a:avLst/>
+              </a:prstGeom>
+              <a:noFill/>
+            </p:spPr>
+            <p:txBody>
+              <a:bodyPr wrap="none" lIns="0" tIns="0" rIns="0" bIns="0" rtlCol="0">
+                <a:spAutoFit/>
+              </a:bodyPr>
+              <a:lstStyle/>
+              <a:p>
+                <a14:m>
+                  <m:oMathPara xmlns:m="http://schemas.openxmlformats.org/officeDocument/2006/math">
+                    <m:oMathParaPr>
+                      <m:jc m:val="centerGroup"/>
+                    </m:oMathParaPr>
+                    <m:oMath xmlns:m="http://schemas.openxmlformats.org/officeDocument/2006/math">
+                      <m:sSub>
+                        <m:sSubPr>
+                          <m:ctrlPr>
+                            <a:rPr lang="en-US" altLang="zh-CN" sz="3200" i="1" smtClean="0">
+                              <a:latin typeface="Cambria Math" panose="02040503050406030204" pitchFamily="18" charset="0"/>
+                            </a:rPr>
+                          </m:ctrlPr>
+                        </m:sSubPr>
+                        <m:e>
+                          <m:r>
+                            <a:rPr lang="en-US" altLang="zh-CN" sz="3200" b="0" i="1" smtClean="0">
+                              <a:latin typeface="Cambria Math" panose="02040503050406030204" pitchFamily="18" charset="0"/>
+                            </a:rPr>
+                            <m:t>𝑡</m:t>
+                          </m:r>
+                        </m:e>
+                        <m:sub>
+                          <m:r>
+                            <a:rPr lang="en-US" altLang="zh-CN" sz="3200" b="0" i="1" smtClean="0">
+                              <a:latin typeface="Cambria Math" panose="02040503050406030204" pitchFamily="18" charset="0"/>
+                            </a:rPr>
+                            <m:t>8</m:t>
+                          </m:r>
+                        </m:sub>
+                      </m:sSub>
+                    </m:oMath>
+                  </m:oMathPara>
+                </a14:m>
+                <a:endParaRPr lang="zh-CN" altLang="en-US" sz="3200" dirty="0"/>
+              </a:p>
+            </p:txBody>
+          </p:sp>
+        </mc:Choice>
+        <mc:Fallback>
+          <p:sp>
+            <p:nvSpPr>
+              <p:cNvPr id="12" name="文本框 11">
+                <a:extLst>
+                  <a:ext uri="{FF2B5EF4-FFF2-40B4-BE49-F238E27FC236}">
+                    <a16:creationId xmlns:a16="http://schemas.microsoft.com/office/drawing/2014/main" id="{58CDA890-7B76-209A-6CA0-53568B1FF3F5}"/>
+                  </a:ext>
+                </a:extLst>
+              </p:cNvPr>
+              <p:cNvSpPr txBox="1">
+                <a:spLocks noRot="1" noChangeAspect="1" noMove="1" noResize="1" noEditPoints="1" noAdjustHandles="1" noChangeArrowheads="1" noChangeShapeType="1" noTextEdit="1"/>
+              </p:cNvSpPr>
+              <p:nvPr/>
+            </p:nvSpPr>
+            <p:spPr>
+              <a:xfrm>
+                <a:off x="2535943" y="1407389"/>
+                <a:ext cx="429413" cy="492443"/>
+              </a:xfrm>
+              <a:prstGeom prst="rect">
+                <a:avLst/>
+              </a:prstGeom>
+              <a:blipFill>
+                <a:blip r:embed="rId2"/>
+                <a:stretch>
+                  <a:fillRect/>
+                </a:stretch>
+              </a:blipFill>
+            </p:spPr>
+            <p:txBody>
+              <a:bodyPr/>
+              <a:lstStyle/>
+              <a:p>
+                <a:r>
+                  <a:rPr lang="zh-CN" altLang="en-US">
+                    <a:noFill/>
+                  </a:rPr>
+                  <a:t> </a:t>
+                </a:r>
+              </a:p>
+            </p:txBody>
+          </p:sp>
+        </mc:Fallback>
+      </mc:AlternateContent>
+      <mc:AlternateContent xmlns:mc="http://schemas.openxmlformats.org/markup-compatibility/2006">
+        <mc:Choice xmlns:a14="http://schemas.microsoft.com/office/drawing/2010/main" Requires="a14">
+          <p:sp>
+            <p:nvSpPr>
+              <p:cNvPr id="13" name="文本框 12">
+                <a:extLst>
+                  <a:ext uri="{FF2B5EF4-FFF2-40B4-BE49-F238E27FC236}">
+                    <a16:creationId xmlns:a16="http://schemas.microsoft.com/office/drawing/2014/main" id="{EF724709-2E4F-B91F-EB36-306219B7B7E5}"/>
+                  </a:ext>
+                </a:extLst>
+              </p:cNvPr>
+              <p:cNvSpPr txBox="1"/>
+              <p:nvPr/>
+            </p:nvSpPr>
+            <p:spPr>
+              <a:xfrm>
+                <a:off x="4380058" y="1407388"/>
+                <a:ext cx="429413" cy="492443"/>
+              </a:xfrm>
+              <a:prstGeom prst="rect">
+                <a:avLst/>
+              </a:prstGeom>
+              <a:noFill/>
+            </p:spPr>
+            <p:txBody>
+              <a:bodyPr wrap="none" lIns="0" tIns="0" rIns="0" bIns="0" rtlCol="0">
+                <a:spAutoFit/>
+              </a:bodyPr>
+              <a:lstStyle/>
+              <a:p>
+                <a14:m>
+                  <m:oMathPara xmlns:m="http://schemas.openxmlformats.org/officeDocument/2006/math">
+                    <m:oMathParaPr>
+                      <m:jc m:val="centerGroup"/>
+                    </m:oMathParaPr>
+                    <m:oMath xmlns:m="http://schemas.openxmlformats.org/officeDocument/2006/math">
+                      <m:sSub>
+                        <m:sSubPr>
+                          <m:ctrlPr>
+                            <a:rPr lang="en-US" altLang="zh-CN" sz="3200" i="1" smtClean="0">
+                              <a:latin typeface="Cambria Math" panose="02040503050406030204" pitchFamily="18" charset="0"/>
+                            </a:rPr>
+                          </m:ctrlPr>
+                        </m:sSubPr>
+                        <m:e>
+                          <m:r>
+                            <a:rPr lang="en-US" altLang="zh-CN" sz="3200" b="0" i="1" smtClean="0">
+                              <a:latin typeface="Cambria Math" panose="02040503050406030204" pitchFamily="18" charset="0"/>
+                            </a:rPr>
+                            <m:t>𝑡</m:t>
+                          </m:r>
+                        </m:e>
+                        <m:sub>
+                          <m:r>
+                            <a:rPr lang="en-US" altLang="zh-CN" sz="3200" b="0" i="1" smtClean="0">
+                              <a:latin typeface="Cambria Math" panose="02040503050406030204" pitchFamily="18" charset="0"/>
+                            </a:rPr>
+                            <m:t>7</m:t>
+                          </m:r>
+                        </m:sub>
+                      </m:sSub>
+                    </m:oMath>
+                  </m:oMathPara>
+                </a14:m>
+                <a:endParaRPr lang="zh-CN" altLang="en-US" sz="3200" dirty="0"/>
+              </a:p>
+            </p:txBody>
+          </p:sp>
+        </mc:Choice>
+        <mc:Fallback>
+          <p:sp>
+            <p:nvSpPr>
+              <p:cNvPr id="13" name="文本框 12">
+                <a:extLst>
+                  <a:ext uri="{FF2B5EF4-FFF2-40B4-BE49-F238E27FC236}">
+                    <a16:creationId xmlns:a16="http://schemas.microsoft.com/office/drawing/2014/main" id="{EF724709-2E4F-B91F-EB36-306219B7B7E5}"/>
+                  </a:ext>
+                </a:extLst>
+              </p:cNvPr>
+              <p:cNvSpPr txBox="1">
+                <a:spLocks noRot="1" noChangeAspect="1" noMove="1" noResize="1" noEditPoints="1" noAdjustHandles="1" noChangeArrowheads="1" noChangeShapeType="1" noTextEdit="1"/>
+              </p:cNvSpPr>
+              <p:nvPr/>
+            </p:nvSpPr>
+            <p:spPr>
+              <a:xfrm>
+                <a:off x="4380058" y="1407388"/>
+                <a:ext cx="429413" cy="492443"/>
+              </a:xfrm>
+              <a:prstGeom prst="rect">
+                <a:avLst/>
+              </a:prstGeom>
+              <a:blipFill>
+                <a:blip r:embed="rId3"/>
+                <a:stretch>
+                  <a:fillRect/>
+                </a:stretch>
+              </a:blipFill>
+            </p:spPr>
+            <p:txBody>
+              <a:bodyPr/>
+              <a:lstStyle/>
+              <a:p>
+                <a:r>
+                  <a:rPr lang="zh-CN" altLang="en-US">
+                    <a:noFill/>
+                  </a:rPr>
+                  <a:t> </a:t>
+                </a:r>
+              </a:p>
+            </p:txBody>
+          </p:sp>
+        </mc:Fallback>
+      </mc:AlternateContent>
+      <mc:AlternateContent xmlns:mc="http://schemas.openxmlformats.org/markup-compatibility/2006">
+        <mc:Choice xmlns:a14="http://schemas.microsoft.com/office/drawing/2010/main" Requires="a14">
+          <p:sp>
+            <p:nvSpPr>
+              <p:cNvPr id="14" name="文本框 13">
+                <a:extLst>
+                  <a:ext uri="{FF2B5EF4-FFF2-40B4-BE49-F238E27FC236}">
+                    <a16:creationId xmlns:a16="http://schemas.microsoft.com/office/drawing/2014/main" id="{8122ABCB-5595-6DEB-127B-46142EA44628}"/>
+                  </a:ext>
+                </a:extLst>
+              </p:cNvPr>
+              <p:cNvSpPr txBox="1"/>
+              <p:nvPr/>
+            </p:nvSpPr>
+            <p:spPr>
+              <a:xfrm>
+                <a:off x="6227186" y="1407388"/>
+                <a:ext cx="429413" cy="492443"/>
+              </a:xfrm>
+              <a:prstGeom prst="rect">
+                <a:avLst/>
+              </a:prstGeom>
+              <a:noFill/>
+            </p:spPr>
+            <p:txBody>
+              <a:bodyPr wrap="none" lIns="0" tIns="0" rIns="0" bIns="0" rtlCol="0">
+                <a:spAutoFit/>
+              </a:bodyPr>
+              <a:lstStyle/>
+              <a:p>
+                <a14:m>
+                  <m:oMathPara xmlns:m="http://schemas.openxmlformats.org/officeDocument/2006/math">
+                    <m:oMathParaPr>
+                      <m:jc m:val="centerGroup"/>
+                    </m:oMathParaPr>
+                    <m:oMath xmlns:m="http://schemas.openxmlformats.org/officeDocument/2006/math">
+                      <m:sSub>
+                        <m:sSubPr>
+                          <m:ctrlPr>
+                            <a:rPr lang="en-US" altLang="zh-CN" sz="3200" i="1" smtClean="0">
+                              <a:latin typeface="Cambria Math" panose="02040503050406030204" pitchFamily="18" charset="0"/>
+                            </a:rPr>
+                          </m:ctrlPr>
+                        </m:sSubPr>
+                        <m:e>
+                          <m:r>
+                            <a:rPr lang="en-US" altLang="zh-CN" sz="3200" b="0" i="1" smtClean="0">
+                              <a:latin typeface="Cambria Math" panose="02040503050406030204" pitchFamily="18" charset="0"/>
+                            </a:rPr>
+                            <m:t>𝑡</m:t>
+                          </m:r>
+                        </m:e>
+                        <m:sub>
+                          <m:r>
+                            <a:rPr lang="en-US" altLang="zh-CN" sz="3200" b="0" i="1" smtClean="0">
+                              <a:latin typeface="Cambria Math" panose="02040503050406030204" pitchFamily="18" charset="0"/>
+                            </a:rPr>
+                            <m:t>6</m:t>
+                          </m:r>
+                        </m:sub>
+                      </m:sSub>
+                    </m:oMath>
+                  </m:oMathPara>
+                </a14:m>
+                <a:endParaRPr lang="zh-CN" altLang="en-US" sz="3200" dirty="0"/>
+              </a:p>
+            </p:txBody>
+          </p:sp>
+        </mc:Choice>
+        <mc:Fallback>
+          <p:sp>
+            <p:nvSpPr>
+              <p:cNvPr id="14" name="文本框 13">
+                <a:extLst>
+                  <a:ext uri="{FF2B5EF4-FFF2-40B4-BE49-F238E27FC236}">
+                    <a16:creationId xmlns:a16="http://schemas.microsoft.com/office/drawing/2014/main" id="{8122ABCB-5595-6DEB-127B-46142EA44628}"/>
+                  </a:ext>
+                </a:extLst>
+              </p:cNvPr>
+              <p:cNvSpPr txBox="1">
+                <a:spLocks noRot="1" noChangeAspect="1" noMove="1" noResize="1" noEditPoints="1" noAdjustHandles="1" noChangeArrowheads="1" noChangeShapeType="1" noTextEdit="1"/>
+              </p:cNvSpPr>
+              <p:nvPr/>
+            </p:nvSpPr>
+            <p:spPr>
+              <a:xfrm>
+                <a:off x="6227186" y="1407388"/>
+                <a:ext cx="429413" cy="492443"/>
+              </a:xfrm>
+              <a:prstGeom prst="rect">
+                <a:avLst/>
+              </a:prstGeom>
+              <a:blipFill>
+                <a:blip r:embed="rId4"/>
+                <a:stretch>
+                  <a:fillRect/>
+                </a:stretch>
+              </a:blipFill>
+            </p:spPr>
+            <p:txBody>
+              <a:bodyPr/>
+              <a:lstStyle/>
+              <a:p>
+                <a:r>
+                  <a:rPr lang="zh-CN" altLang="en-US">
+                    <a:noFill/>
+                  </a:rPr>
+                  <a:t> </a:t>
+                </a:r>
+              </a:p>
+            </p:txBody>
+          </p:sp>
+        </mc:Fallback>
+      </mc:AlternateContent>
+      <mc:AlternateContent xmlns:mc="http://schemas.openxmlformats.org/markup-compatibility/2006">
+        <mc:Choice xmlns:a14="http://schemas.microsoft.com/office/drawing/2010/main" Requires="a14">
+          <p:sp>
+            <p:nvSpPr>
+              <p:cNvPr id="15" name="文本框 14">
+                <a:extLst>
+                  <a:ext uri="{FF2B5EF4-FFF2-40B4-BE49-F238E27FC236}">
+                    <a16:creationId xmlns:a16="http://schemas.microsoft.com/office/drawing/2014/main" id="{BA652EE3-3BF1-888F-B126-AAFB1CFC7224}"/>
+                  </a:ext>
+                </a:extLst>
+              </p:cNvPr>
+              <p:cNvSpPr txBox="1"/>
+              <p:nvPr/>
+            </p:nvSpPr>
+            <p:spPr>
+              <a:xfrm>
+                <a:off x="8088153" y="1407388"/>
+                <a:ext cx="429413" cy="492443"/>
+              </a:xfrm>
+              <a:prstGeom prst="rect">
+                <a:avLst/>
+              </a:prstGeom>
+              <a:noFill/>
+            </p:spPr>
+            <p:txBody>
+              <a:bodyPr wrap="none" lIns="0" tIns="0" rIns="0" bIns="0" rtlCol="0">
+                <a:spAutoFit/>
+              </a:bodyPr>
+              <a:lstStyle/>
+              <a:p>
+                <a14:m>
+                  <m:oMathPara xmlns:m="http://schemas.openxmlformats.org/officeDocument/2006/math">
+                    <m:oMathParaPr>
+                      <m:jc m:val="centerGroup"/>
+                    </m:oMathParaPr>
+                    <m:oMath xmlns:m="http://schemas.openxmlformats.org/officeDocument/2006/math">
+                      <m:sSub>
+                        <m:sSubPr>
+                          <m:ctrlPr>
+                            <a:rPr lang="en-US" altLang="zh-CN" sz="3200" i="1" smtClean="0">
+                              <a:latin typeface="Cambria Math" panose="02040503050406030204" pitchFamily="18" charset="0"/>
+                            </a:rPr>
+                          </m:ctrlPr>
+                        </m:sSubPr>
+                        <m:e>
+                          <m:r>
+                            <a:rPr lang="en-US" altLang="zh-CN" sz="3200" b="0" i="1" smtClean="0">
+                              <a:latin typeface="Cambria Math" panose="02040503050406030204" pitchFamily="18" charset="0"/>
+                            </a:rPr>
+                            <m:t>𝑡</m:t>
+                          </m:r>
+                        </m:e>
+                        <m:sub>
+                          <m:r>
+                            <a:rPr lang="en-US" altLang="zh-CN" sz="3200" b="0" i="1" smtClean="0">
+                              <a:latin typeface="Cambria Math" panose="02040503050406030204" pitchFamily="18" charset="0"/>
+                            </a:rPr>
+                            <m:t>5</m:t>
+                          </m:r>
+                        </m:sub>
+                      </m:sSub>
+                    </m:oMath>
+                  </m:oMathPara>
+                </a14:m>
+                <a:endParaRPr lang="zh-CN" altLang="en-US" sz="3200" dirty="0"/>
+              </a:p>
+            </p:txBody>
+          </p:sp>
+        </mc:Choice>
+        <mc:Fallback>
+          <p:sp>
+            <p:nvSpPr>
+              <p:cNvPr id="15" name="文本框 14">
+                <a:extLst>
+                  <a:ext uri="{FF2B5EF4-FFF2-40B4-BE49-F238E27FC236}">
+                    <a16:creationId xmlns:a16="http://schemas.microsoft.com/office/drawing/2014/main" id="{BA652EE3-3BF1-888F-B126-AAFB1CFC7224}"/>
+                  </a:ext>
+                </a:extLst>
+              </p:cNvPr>
+              <p:cNvSpPr txBox="1">
+                <a:spLocks noRot="1" noChangeAspect="1" noMove="1" noResize="1" noEditPoints="1" noAdjustHandles="1" noChangeArrowheads="1" noChangeShapeType="1" noTextEdit="1"/>
+              </p:cNvSpPr>
+              <p:nvPr/>
+            </p:nvSpPr>
+            <p:spPr>
+              <a:xfrm>
+                <a:off x="8088153" y="1407388"/>
+                <a:ext cx="429413" cy="492443"/>
+              </a:xfrm>
+              <a:prstGeom prst="rect">
+                <a:avLst/>
+              </a:prstGeom>
+              <a:blipFill>
+                <a:blip r:embed="rId5"/>
+                <a:stretch>
+                  <a:fillRect/>
+                </a:stretch>
+              </a:blipFill>
+            </p:spPr>
+            <p:txBody>
+              <a:bodyPr/>
+              <a:lstStyle/>
+              <a:p>
+                <a:r>
+                  <a:rPr lang="zh-CN" altLang="en-US">
+                    <a:noFill/>
+                  </a:rPr>
+                  <a:t> </a:t>
+                </a:r>
+              </a:p>
+            </p:txBody>
+          </p:sp>
+        </mc:Fallback>
+      </mc:AlternateContent>
+      <p:sp>
+        <p:nvSpPr>
+          <p:cNvPr id="16" name="箭头: 右 15">
+            <a:extLst>
+              <a:ext uri="{FF2B5EF4-FFF2-40B4-BE49-F238E27FC236}">
+                <a16:creationId xmlns:a16="http://schemas.microsoft.com/office/drawing/2014/main" id="{91CF1B92-18FB-6BC2-EA0A-E504E4FFAD66}"/>
+              </a:ext>
+            </a:extLst>
+          </p:cNvPr>
+          <p:cNvSpPr/>
+          <p:nvPr/>
+        </p:nvSpPr>
+        <p:spPr>
+          <a:xfrm>
+            <a:off x="10474684" y="1469876"/>
+            <a:ext cx="1222048" cy="333286"/>
+          </a:xfrm>
+          <a:prstGeom prst="rightArrow">
+            <a:avLst/>
+          </a:prstGeom>
+          <a:solidFill>
+            <a:schemeClr val="accent1">
+              <a:lumMod val="20000"/>
+              <a:lumOff val="80000"/>
+            </a:schemeClr>
+          </a:solidFill>
+          <a:ln w="12700"/>
+        </p:spPr>
+        <p:style>
+          <a:lnRef idx="2">
+            <a:schemeClr val="accent1">
+              <a:shade val="15000"/>
+            </a:schemeClr>
+          </a:lnRef>
+          <a:fillRef idx="1">
+            <a:schemeClr val="accent1"/>
+          </a:fillRef>
+          <a:effectRef idx="0">
+            <a:schemeClr val="accent1"/>
+          </a:effectRef>
+          <a:fontRef idx="minor">
+            <a:schemeClr val="lt1"/>
+          </a:fontRef>
+        </p:style>
+        <p:txBody>
+          <a:bodyPr rtlCol="0" anchor="ctr"/>
+          <a:lstStyle/>
+          <a:p>
+            <a:pPr algn="ctr"/>
+            <a:endParaRPr lang="zh-CN" altLang="en-US"/>
+          </a:p>
+        </p:txBody>
+      </p:sp>
+      <p:sp>
+        <p:nvSpPr>
+          <p:cNvPr id="17" name="箭头: 右 16">
+            <a:extLst>
+              <a:ext uri="{FF2B5EF4-FFF2-40B4-BE49-F238E27FC236}">
+                <a16:creationId xmlns:a16="http://schemas.microsoft.com/office/drawing/2014/main" id="{9721C514-526D-00E8-A66A-98546C8278E3}"/>
+              </a:ext>
+            </a:extLst>
+          </p:cNvPr>
+          <p:cNvSpPr/>
+          <p:nvPr/>
+        </p:nvSpPr>
+        <p:spPr>
+          <a:xfrm>
+            <a:off x="12327698" y="1469876"/>
+            <a:ext cx="1222048" cy="333286"/>
+          </a:xfrm>
+          <a:prstGeom prst="rightArrow">
+            <a:avLst/>
+          </a:prstGeom>
+          <a:solidFill>
+            <a:schemeClr val="accent1">
+              <a:lumMod val="20000"/>
+              <a:lumOff val="80000"/>
+            </a:schemeClr>
+          </a:solidFill>
+          <a:ln w="12700"/>
+        </p:spPr>
+        <p:style>
+          <a:lnRef idx="2">
+            <a:schemeClr val="accent1">
+              <a:shade val="15000"/>
+            </a:schemeClr>
+          </a:lnRef>
+          <a:fillRef idx="1">
+            <a:schemeClr val="accent1"/>
+          </a:fillRef>
+          <a:effectRef idx="0">
+            <a:schemeClr val="accent1"/>
+          </a:effectRef>
+          <a:fontRef idx="minor">
+            <a:schemeClr val="lt1"/>
+          </a:fontRef>
+        </p:style>
+        <p:txBody>
+          <a:bodyPr rtlCol="0" anchor="ctr"/>
+          <a:lstStyle/>
+          <a:p>
+            <a:pPr algn="ctr"/>
+            <a:endParaRPr lang="zh-CN" altLang="en-US"/>
+          </a:p>
+        </p:txBody>
+      </p:sp>
+      <p:sp>
+        <p:nvSpPr>
+          <p:cNvPr id="18" name="箭头: 右 17">
+            <a:extLst>
+              <a:ext uri="{FF2B5EF4-FFF2-40B4-BE49-F238E27FC236}">
+                <a16:creationId xmlns:a16="http://schemas.microsoft.com/office/drawing/2014/main" id="{1EDA3E16-50DD-959C-5E43-903CA88A0F16}"/>
+              </a:ext>
+            </a:extLst>
+          </p:cNvPr>
+          <p:cNvSpPr/>
+          <p:nvPr/>
+        </p:nvSpPr>
+        <p:spPr>
+          <a:xfrm>
+            <a:off x="14172167" y="1469876"/>
+            <a:ext cx="1222048" cy="333286"/>
+          </a:xfrm>
+          <a:prstGeom prst="rightArrow">
+            <a:avLst/>
+          </a:prstGeom>
+          <a:solidFill>
+            <a:schemeClr val="accent1">
+              <a:lumMod val="20000"/>
+              <a:lumOff val="80000"/>
+            </a:schemeClr>
+          </a:solidFill>
+          <a:ln w="12700"/>
+        </p:spPr>
+        <p:style>
+          <a:lnRef idx="2">
+            <a:schemeClr val="accent1">
+              <a:shade val="15000"/>
+            </a:schemeClr>
+          </a:lnRef>
+          <a:fillRef idx="1">
+            <a:schemeClr val="accent1"/>
+          </a:fillRef>
+          <a:effectRef idx="0">
+            <a:schemeClr val="accent1"/>
+          </a:effectRef>
+          <a:fontRef idx="minor">
+            <a:schemeClr val="lt1"/>
+          </a:fontRef>
+        </p:style>
+        <p:txBody>
+          <a:bodyPr rtlCol="0" anchor="ctr"/>
+          <a:lstStyle/>
+          <a:p>
+            <a:pPr algn="ctr"/>
+            <a:endParaRPr lang="zh-CN" altLang="en-US"/>
+          </a:p>
+        </p:txBody>
+      </p:sp>
+      <p:sp>
+        <p:nvSpPr>
+          <p:cNvPr id="19" name="箭头: 右 18">
+            <a:extLst>
+              <a:ext uri="{FF2B5EF4-FFF2-40B4-BE49-F238E27FC236}">
+                <a16:creationId xmlns:a16="http://schemas.microsoft.com/office/drawing/2014/main" id="{AE36051D-A6AF-1881-A0CC-41169E626D42}"/>
+              </a:ext>
+            </a:extLst>
+          </p:cNvPr>
+          <p:cNvSpPr/>
+          <p:nvPr/>
+        </p:nvSpPr>
+        <p:spPr>
+          <a:xfrm>
+            <a:off x="16008090" y="1469876"/>
+            <a:ext cx="1222048" cy="333286"/>
+          </a:xfrm>
+          <a:prstGeom prst="rightArrow">
+            <a:avLst/>
+          </a:prstGeom>
+          <a:solidFill>
+            <a:schemeClr val="accent1">
+              <a:lumMod val="20000"/>
+              <a:lumOff val="80000"/>
+            </a:schemeClr>
+          </a:solidFill>
+          <a:ln w="12700"/>
+        </p:spPr>
+        <p:style>
+          <a:lnRef idx="2">
+            <a:schemeClr val="accent1">
+              <a:shade val="15000"/>
+            </a:schemeClr>
+          </a:lnRef>
+          <a:fillRef idx="1">
+            <a:schemeClr val="accent1"/>
+          </a:fillRef>
+          <a:effectRef idx="0">
+            <a:schemeClr val="accent1"/>
+          </a:effectRef>
+          <a:fontRef idx="minor">
+            <a:schemeClr val="lt1"/>
+          </a:fontRef>
+        </p:style>
+        <p:txBody>
+          <a:bodyPr rtlCol="0" anchor="ctr"/>
+          <a:lstStyle/>
+          <a:p>
+            <a:pPr algn="ctr"/>
+            <a:endParaRPr lang="zh-CN" altLang="en-US"/>
+          </a:p>
+        </p:txBody>
+      </p:sp>
+      <mc:AlternateContent xmlns:mc="http://schemas.openxmlformats.org/markup-compatibility/2006">
+        <mc:Choice xmlns:a14="http://schemas.microsoft.com/office/drawing/2010/main" Requires="a14">
+          <p:sp>
+            <p:nvSpPr>
+              <p:cNvPr id="20" name="文本框 19">
+                <a:extLst>
+                  <a:ext uri="{FF2B5EF4-FFF2-40B4-BE49-F238E27FC236}">
+                    <a16:creationId xmlns:a16="http://schemas.microsoft.com/office/drawing/2014/main" id="{37E4822C-3BBC-4329-B62C-000E6D75057D}"/>
+                  </a:ext>
+                </a:extLst>
+              </p:cNvPr>
+              <p:cNvSpPr txBox="1"/>
+              <p:nvPr/>
+            </p:nvSpPr>
+            <p:spPr>
+              <a:xfrm>
+                <a:off x="9949120" y="1390297"/>
+                <a:ext cx="429413" cy="492443"/>
+              </a:xfrm>
+              <a:prstGeom prst="rect">
+                <a:avLst/>
+              </a:prstGeom>
+              <a:noFill/>
+            </p:spPr>
+            <p:txBody>
+              <a:bodyPr wrap="none" lIns="0" tIns="0" rIns="0" bIns="0" rtlCol="0">
+                <a:spAutoFit/>
+              </a:bodyPr>
+              <a:lstStyle/>
+              <a:p>
+                <a14:m>
+                  <m:oMathPara xmlns:m="http://schemas.openxmlformats.org/officeDocument/2006/math">
+                    <m:oMathParaPr>
+                      <m:jc m:val="centerGroup"/>
+                    </m:oMathParaPr>
+                    <m:oMath xmlns:m="http://schemas.openxmlformats.org/officeDocument/2006/math">
+                      <m:sSub>
+                        <m:sSubPr>
+                          <m:ctrlPr>
+                            <a:rPr lang="en-US" altLang="zh-CN" sz="3200" i="1" smtClean="0">
+                              <a:latin typeface="Cambria Math" panose="02040503050406030204" pitchFamily="18" charset="0"/>
+                            </a:rPr>
+                          </m:ctrlPr>
+                        </m:sSubPr>
+                        <m:e>
+                          <m:r>
+                            <a:rPr lang="en-US" altLang="zh-CN" sz="3200" b="0" i="1" smtClean="0">
+                              <a:latin typeface="Cambria Math" panose="02040503050406030204" pitchFamily="18" charset="0"/>
+                            </a:rPr>
+                            <m:t>𝑡</m:t>
+                          </m:r>
+                        </m:e>
+                        <m:sub>
+                          <m:r>
+                            <a:rPr lang="en-US" altLang="zh-CN" sz="3200" b="0" i="1" smtClean="0">
+                              <a:latin typeface="Cambria Math" panose="02040503050406030204" pitchFamily="18" charset="0"/>
+                            </a:rPr>
+                            <m:t>4</m:t>
+                          </m:r>
+                        </m:sub>
+                      </m:sSub>
+                    </m:oMath>
+                  </m:oMathPara>
+                </a14:m>
+                <a:endParaRPr lang="zh-CN" altLang="en-US" sz="3200" dirty="0"/>
+              </a:p>
+            </p:txBody>
+          </p:sp>
+        </mc:Choice>
+        <mc:Fallback>
+          <p:sp>
+            <p:nvSpPr>
+              <p:cNvPr id="20" name="文本框 19">
+                <a:extLst>
+                  <a:ext uri="{FF2B5EF4-FFF2-40B4-BE49-F238E27FC236}">
+                    <a16:creationId xmlns:a16="http://schemas.microsoft.com/office/drawing/2014/main" id="{37E4822C-3BBC-4329-B62C-000E6D75057D}"/>
+                  </a:ext>
+                </a:extLst>
+              </p:cNvPr>
+              <p:cNvSpPr txBox="1">
+                <a:spLocks noRot="1" noChangeAspect="1" noMove="1" noResize="1" noEditPoints="1" noAdjustHandles="1" noChangeArrowheads="1" noChangeShapeType="1" noTextEdit="1"/>
+              </p:cNvSpPr>
+              <p:nvPr/>
+            </p:nvSpPr>
+            <p:spPr>
+              <a:xfrm>
+                <a:off x="9949120" y="1390297"/>
+                <a:ext cx="429413" cy="492443"/>
+              </a:xfrm>
+              <a:prstGeom prst="rect">
+                <a:avLst/>
+              </a:prstGeom>
+              <a:blipFill>
+                <a:blip r:embed="rId6"/>
+                <a:stretch>
+                  <a:fillRect/>
+                </a:stretch>
+              </a:blipFill>
+            </p:spPr>
+            <p:txBody>
+              <a:bodyPr/>
+              <a:lstStyle/>
+              <a:p>
+                <a:r>
+                  <a:rPr lang="zh-CN" altLang="en-US">
+                    <a:noFill/>
+                  </a:rPr>
+                  <a:t> </a:t>
+                </a:r>
+              </a:p>
+            </p:txBody>
+          </p:sp>
+        </mc:Fallback>
+      </mc:AlternateContent>
+      <mc:AlternateContent xmlns:mc="http://schemas.openxmlformats.org/markup-compatibility/2006">
+        <mc:Choice xmlns:a14="http://schemas.microsoft.com/office/drawing/2010/main" Requires="a14">
+          <p:sp>
+            <p:nvSpPr>
+              <p:cNvPr id="21" name="文本框 20">
+                <a:extLst>
+                  <a:ext uri="{FF2B5EF4-FFF2-40B4-BE49-F238E27FC236}">
+                    <a16:creationId xmlns:a16="http://schemas.microsoft.com/office/drawing/2014/main" id="{AFFBCBE3-2E84-13AC-DA77-507A319020EB}"/>
+                  </a:ext>
+                </a:extLst>
+              </p:cNvPr>
+              <p:cNvSpPr txBox="1"/>
+              <p:nvPr/>
+            </p:nvSpPr>
+            <p:spPr>
+              <a:xfrm>
+                <a:off x="11793235" y="1390296"/>
+                <a:ext cx="429413" cy="492443"/>
+              </a:xfrm>
+              <a:prstGeom prst="rect">
+                <a:avLst/>
+              </a:prstGeom>
+              <a:noFill/>
+            </p:spPr>
+            <p:txBody>
+              <a:bodyPr wrap="none" lIns="0" tIns="0" rIns="0" bIns="0" rtlCol="0">
+                <a:spAutoFit/>
+              </a:bodyPr>
+              <a:lstStyle/>
+              <a:p>
+                <a14:m>
+                  <m:oMathPara xmlns:m="http://schemas.openxmlformats.org/officeDocument/2006/math">
+                    <m:oMathParaPr>
+                      <m:jc m:val="centerGroup"/>
+                    </m:oMathParaPr>
+                    <m:oMath xmlns:m="http://schemas.openxmlformats.org/officeDocument/2006/math">
+                      <m:sSub>
+                        <m:sSubPr>
+                          <m:ctrlPr>
+                            <a:rPr lang="en-US" altLang="zh-CN" sz="3200" i="1" smtClean="0">
+                              <a:latin typeface="Cambria Math" panose="02040503050406030204" pitchFamily="18" charset="0"/>
+                            </a:rPr>
+                          </m:ctrlPr>
+                        </m:sSubPr>
+                        <m:e>
+                          <m:r>
+                            <a:rPr lang="en-US" altLang="zh-CN" sz="3200" b="0" i="1" smtClean="0">
+                              <a:latin typeface="Cambria Math" panose="02040503050406030204" pitchFamily="18" charset="0"/>
+                            </a:rPr>
+                            <m:t>𝑡</m:t>
+                          </m:r>
+                        </m:e>
+                        <m:sub>
+                          <m:r>
+                            <a:rPr lang="en-US" altLang="zh-CN" sz="3200" b="0" i="1" smtClean="0">
+                              <a:latin typeface="Cambria Math" panose="02040503050406030204" pitchFamily="18" charset="0"/>
+                            </a:rPr>
+                            <m:t>3</m:t>
+                          </m:r>
+                        </m:sub>
+                      </m:sSub>
+                    </m:oMath>
+                  </m:oMathPara>
+                </a14:m>
+                <a:endParaRPr lang="zh-CN" altLang="en-US" sz="3200" dirty="0"/>
+              </a:p>
+            </p:txBody>
+          </p:sp>
+        </mc:Choice>
+        <mc:Fallback>
+          <p:sp>
+            <p:nvSpPr>
+              <p:cNvPr id="21" name="文本框 20">
+                <a:extLst>
+                  <a:ext uri="{FF2B5EF4-FFF2-40B4-BE49-F238E27FC236}">
+                    <a16:creationId xmlns:a16="http://schemas.microsoft.com/office/drawing/2014/main" id="{AFFBCBE3-2E84-13AC-DA77-507A319020EB}"/>
+                  </a:ext>
+                </a:extLst>
+              </p:cNvPr>
+              <p:cNvSpPr txBox="1">
+                <a:spLocks noRot="1" noChangeAspect="1" noMove="1" noResize="1" noEditPoints="1" noAdjustHandles="1" noChangeArrowheads="1" noChangeShapeType="1" noTextEdit="1"/>
+              </p:cNvSpPr>
+              <p:nvPr/>
+            </p:nvSpPr>
+            <p:spPr>
+              <a:xfrm>
+                <a:off x="11793235" y="1390296"/>
+                <a:ext cx="429413" cy="492443"/>
+              </a:xfrm>
+              <a:prstGeom prst="rect">
+                <a:avLst/>
+              </a:prstGeom>
+              <a:blipFill>
+                <a:blip r:embed="rId7"/>
+                <a:stretch>
+                  <a:fillRect/>
+                </a:stretch>
+              </a:blipFill>
+            </p:spPr>
+            <p:txBody>
+              <a:bodyPr/>
+              <a:lstStyle/>
+              <a:p>
+                <a:r>
+                  <a:rPr lang="zh-CN" altLang="en-US">
+                    <a:noFill/>
+                  </a:rPr>
+                  <a:t> </a:t>
+                </a:r>
+              </a:p>
+            </p:txBody>
+          </p:sp>
+        </mc:Fallback>
+      </mc:AlternateContent>
+      <mc:AlternateContent xmlns:mc="http://schemas.openxmlformats.org/markup-compatibility/2006">
+        <mc:Choice xmlns:a14="http://schemas.microsoft.com/office/drawing/2010/main" Requires="a14">
+          <p:sp>
+            <p:nvSpPr>
+              <p:cNvPr id="22" name="文本框 21">
+                <a:extLst>
+                  <a:ext uri="{FF2B5EF4-FFF2-40B4-BE49-F238E27FC236}">
+                    <a16:creationId xmlns:a16="http://schemas.microsoft.com/office/drawing/2014/main" id="{1A32D578-BBAC-E3F1-F81D-58522F60AF91}"/>
+                  </a:ext>
+                </a:extLst>
+              </p:cNvPr>
+              <p:cNvSpPr txBox="1"/>
+              <p:nvPr/>
+            </p:nvSpPr>
+            <p:spPr>
+              <a:xfrm>
+                <a:off x="13640363" y="1390296"/>
+                <a:ext cx="429413" cy="492443"/>
+              </a:xfrm>
+              <a:prstGeom prst="rect">
+                <a:avLst/>
+              </a:prstGeom>
+              <a:noFill/>
+            </p:spPr>
+            <p:txBody>
+              <a:bodyPr wrap="none" lIns="0" tIns="0" rIns="0" bIns="0" rtlCol="0">
+                <a:spAutoFit/>
+              </a:bodyPr>
+              <a:lstStyle/>
+              <a:p>
+                <a14:m>
+                  <m:oMathPara xmlns:m="http://schemas.openxmlformats.org/officeDocument/2006/math">
+                    <m:oMathParaPr>
+                      <m:jc m:val="centerGroup"/>
+                    </m:oMathParaPr>
+                    <m:oMath xmlns:m="http://schemas.openxmlformats.org/officeDocument/2006/math">
+                      <m:sSub>
+                        <m:sSubPr>
+                          <m:ctrlPr>
+                            <a:rPr lang="en-US" altLang="zh-CN" sz="3200" i="1" smtClean="0">
+                              <a:latin typeface="Cambria Math" panose="02040503050406030204" pitchFamily="18" charset="0"/>
+                            </a:rPr>
+                          </m:ctrlPr>
+                        </m:sSubPr>
+                        <m:e>
+                          <m:r>
+                            <a:rPr lang="en-US" altLang="zh-CN" sz="3200" b="0" i="1" smtClean="0">
+                              <a:latin typeface="Cambria Math" panose="02040503050406030204" pitchFamily="18" charset="0"/>
+                            </a:rPr>
+                            <m:t>𝑡</m:t>
+                          </m:r>
+                        </m:e>
+                        <m:sub>
+                          <m:r>
+                            <a:rPr lang="en-US" altLang="zh-CN" sz="3200" b="0" i="1" smtClean="0">
+                              <a:latin typeface="Cambria Math" panose="02040503050406030204" pitchFamily="18" charset="0"/>
+                            </a:rPr>
+                            <m:t>2</m:t>
+                          </m:r>
+                        </m:sub>
+                      </m:sSub>
+                    </m:oMath>
+                  </m:oMathPara>
+                </a14:m>
+                <a:endParaRPr lang="zh-CN" altLang="en-US" sz="3200" dirty="0"/>
+              </a:p>
+            </p:txBody>
+          </p:sp>
+        </mc:Choice>
+        <mc:Fallback>
+          <p:sp>
+            <p:nvSpPr>
+              <p:cNvPr id="22" name="文本框 21">
+                <a:extLst>
+                  <a:ext uri="{FF2B5EF4-FFF2-40B4-BE49-F238E27FC236}">
+                    <a16:creationId xmlns:a16="http://schemas.microsoft.com/office/drawing/2014/main" id="{1A32D578-BBAC-E3F1-F81D-58522F60AF91}"/>
+                  </a:ext>
+                </a:extLst>
+              </p:cNvPr>
+              <p:cNvSpPr txBox="1">
+                <a:spLocks noRot="1" noChangeAspect="1" noMove="1" noResize="1" noEditPoints="1" noAdjustHandles="1" noChangeArrowheads="1" noChangeShapeType="1" noTextEdit="1"/>
+              </p:cNvSpPr>
+              <p:nvPr/>
+            </p:nvSpPr>
+            <p:spPr>
+              <a:xfrm>
+                <a:off x="13640363" y="1390296"/>
+                <a:ext cx="429413" cy="492443"/>
+              </a:xfrm>
+              <a:prstGeom prst="rect">
+                <a:avLst/>
+              </a:prstGeom>
+              <a:blipFill>
+                <a:blip r:embed="rId8"/>
+                <a:stretch>
+                  <a:fillRect/>
+                </a:stretch>
+              </a:blipFill>
+            </p:spPr>
+            <p:txBody>
+              <a:bodyPr/>
+              <a:lstStyle/>
+              <a:p>
+                <a:r>
+                  <a:rPr lang="zh-CN" altLang="en-US">
+                    <a:noFill/>
+                  </a:rPr>
+                  <a:t> </a:t>
+                </a:r>
+              </a:p>
+            </p:txBody>
+          </p:sp>
+        </mc:Fallback>
+      </mc:AlternateContent>
+      <mc:AlternateContent xmlns:mc="http://schemas.openxmlformats.org/markup-compatibility/2006">
+        <mc:Choice xmlns:a14="http://schemas.microsoft.com/office/drawing/2010/main" Requires="a14">
+          <p:sp>
+            <p:nvSpPr>
+              <p:cNvPr id="23" name="文本框 22">
+                <a:extLst>
+                  <a:ext uri="{FF2B5EF4-FFF2-40B4-BE49-F238E27FC236}">
+                    <a16:creationId xmlns:a16="http://schemas.microsoft.com/office/drawing/2014/main" id="{EA2D951B-2B22-9A94-6237-829229694C64}"/>
+                  </a:ext>
+                </a:extLst>
+              </p:cNvPr>
+              <p:cNvSpPr txBox="1"/>
+              <p:nvPr/>
+            </p:nvSpPr>
+            <p:spPr>
+              <a:xfrm>
+                <a:off x="15501330" y="1390296"/>
+                <a:ext cx="419923" cy="492443"/>
+              </a:xfrm>
+              <a:prstGeom prst="rect">
+                <a:avLst/>
+              </a:prstGeom>
+              <a:noFill/>
+            </p:spPr>
+            <p:txBody>
+              <a:bodyPr wrap="none" lIns="0" tIns="0" rIns="0" bIns="0" rtlCol="0">
+                <a:spAutoFit/>
+              </a:bodyPr>
+              <a:lstStyle/>
+              <a:p>
+                <a14:m>
+                  <m:oMathPara xmlns:m="http://schemas.openxmlformats.org/officeDocument/2006/math">
+                    <m:oMathParaPr>
+                      <m:jc m:val="centerGroup"/>
+                    </m:oMathParaPr>
+                    <m:oMath xmlns:m="http://schemas.openxmlformats.org/officeDocument/2006/math">
+                      <m:sSub>
+                        <m:sSubPr>
+                          <m:ctrlPr>
+                            <a:rPr lang="en-US" altLang="zh-CN" sz="3200" i="1" smtClean="0">
+                              <a:latin typeface="Cambria Math" panose="02040503050406030204" pitchFamily="18" charset="0"/>
+                            </a:rPr>
+                          </m:ctrlPr>
+                        </m:sSubPr>
+                        <m:e>
+                          <m:r>
+                            <a:rPr lang="en-US" altLang="zh-CN" sz="3200" b="0" i="1" smtClean="0">
+                              <a:latin typeface="Cambria Math" panose="02040503050406030204" pitchFamily="18" charset="0"/>
+                            </a:rPr>
+                            <m:t>𝑡</m:t>
+                          </m:r>
+                        </m:e>
+                        <m:sub>
+                          <m:r>
+                            <a:rPr lang="en-US" altLang="zh-CN" sz="3200" b="0" i="1" smtClean="0">
+                              <a:latin typeface="Cambria Math" panose="02040503050406030204" pitchFamily="18" charset="0"/>
+                            </a:rPr>
+                            <m:t>1</m:t>
+                          </m:r>
+                        </m:sub>
+                      </m:sSub>
+                    </m:oMath>
+                  </m:oMathPara>
+                </a14:m>
+                <a:endParaRPr lang="zh-CN" altLang="en-US" sz="3200" dirty="0"/>
+              </a:p>
+            </p:txBody>
+          </p:sp>
+        </mc:Choice>
+        <mc:Fallback>
+          <p:sp>
+            <p:nvSpPr>
+              <p:cNvPr id="23" name="文本框 22">
+                <a:extLst>
+                  <a:ext uri="{FF2B5EF4-FFF2-40B4-BE49-F238E27FC236}">
+                    <a16:creationId xmlns:a16="http://schemas.microsoft.com/office/drawing/2014/main" id="{EA2D951B-2B22-9A94-6237-829229694C64}"/>
+                  </a:ext>
+                </a:extLst>
+              </p:cNvPr>
+              <p:cNvSpPr txBox="1">
+                <a:spLocks noRot="1" noChangeAspect="1" noMove="1" noResize="1" noEditPoints="1" noAdjustHandles="1" noChangeArrowheads="1" noChangeShapeType="1" noTextEdit="1"/>
+              </p:cNvSpPr>
+              <p:nvPr/>
+            </p:nvSpPr>
+            <p:spPr>
+              <a:xfrm>
+                <a:off x="15501330" y="1390296"/>
+                <a:ext cx="419923" cy="492443"/>
+              </a:xfrm>
+              <a:prstGeom prst="rect">
+                <a:avLst/>
+              </a:prstGeom>
+              <a:blipFill>
+                <a:blip r:embed="rId9"/>
+                <a:stretch>
+                  <a:fillRect/>
+                </a:stretch>
+              </a:blipFill>
+            </p:spPr>
+            <p:txBody>
+              <a:bodyPr/>
+              <a:lstStyle/>
+              <a:p>
+                <a:r>
+                  <a:rPr lang="zh-CN" altLang="en-US">
+                    <a:noFill/>
+                  </a:rPr>
+                  <a:t> </a:t>
+                </a:r>
+              </a:p>
+            </p:txBody>
+          </p:sp>
+        </mc:Fallback>
+      </mc:AlternateContent>
+      <mc:AlternateContent xmlns:mc="http://schemas.openxmlformats.org/markup-compatibility/2006">
+        <mc:Choice xmlns:a14="http://schemas.microsoft.com/office/drawing/2010/main" Requires="a14">
+          <p:sp>
+            <p:nvSpPr>
+              <p:cNvPr id="24" name="文本框 23">
+                <a:extLst>
+                  <a:ext uri="{FF2B5EF4-FFF2-40B4-BE49-F238E27FC236}">
+                    <a16:creationId xmlns:a16="http://schemas.microsoft.com/office/drawing/2014/main" id="{60CCBACE-1100-4F5E-F3C3-8EC381358FFA}"/>
+                  </a:ext>
+                </a:extLst>
+              </p:cNvPr>
+              <p:cNvSpPr txBox="1"/>
+              <p:nvPr/>
+            </p:nvSpPr>
+            <p:spPr>
+              <a:xfrm>
+                <a:off x="17345205" y="1407388"/>
+                <a:ext cx="429413" cy="492443"/>
+              </a:xfrm>
+              <a:prstGeom prst="rect">
+                <a:avLst/>
+              </a:prstGeom>
+              <a:noFill/>
+            </p:spPr>
+            <p:txBody>
+              <a:bodyPr wrap="none" lIns="0" tIns="0" rIns="0" bIns="0" rtlCol="0">
+                <a:spAutoFit/>
+              </a:bodyPr>
+              <a:lstStyle/>
+              <a:p>
+                <a14:m>
+                  <m:oMathPara xmlns:m="http://schemas.openxmlformats.org/officeDocument/2006/math">
+                    <m:oMathParaPr>
+                      <m:jc m:val="centerGroup"/>
+                    </m:oMathParaPr>
+                    <m:oMath xmlns:m="http://schemas.openxmlformats.org/officeDocument/2006/math">
+                      <m:sSub>
+                        <m:sSubPr>
+                          <m:ctrlPr>
+                            <a:rPr lang="en-US" altLang="zh-CN" sz="3200" i="1" smtClean="0">
+                              <a:latin typeface="Cambria Math" panose="02040503050406030204" pitchFamily="18" charset="0"/>
+                            </a:rPr>
+                          </m:ctrlPr>
+                        </m:sSubPr>
+                        <m:e>
+                          <m:r>
+                            <a:rPr lang="en-US" altLang="zh-CN" sz="3200" b="0" i="1" smtClean="0">
+                              <a:latin typeface="Cambria Math" panose="02040503050406030204" pitchFamily="18" charset="0"/>
+                            </a:rPr>
+                            <m:t>𝑡</m:t>
+                          </m:r>
+                        </m:e>
+                        <m:sub>
+                          <m:r>
+                            <a:rPr lang="en-US" altLang="zh-CN" sz="3200" b="0" i="1" smtClean="0">
+                              <a:latin typeface="Cambria Math" panose="02040503050406030204" pitchFamily="18" charset="0"/>
+                            </a:rPr>
+                            <m:t>0</m:t>
+                          </m:r>
+                        </m:sub>
+                      </m:sSub>
+                    </m:oMath>
+                  </m:oMathPara>
+                </a14:m>
+                <a:endParaRPr lang="zh-CN" altLang="en-US" sz="3200" dirty="0"/>
+              </a:p>
+            </p:txBody>
+          </p:sp>
+        </mc:Choice>
+        <mc:Fallback>
+          <p:sp>
+            <p:nvSpPr>
+              <p:cNvPr id="24" name="文本框 23">
+                <a:extLst>
+                  <a:ext uri="{FF2B5EF4-FFF2-40B4-BE49-F238E27FC236}">
+                    <a16:creationId xmlns:a16="http://schemas.microsoft.com/office/drawing/2014/main" id="{60CCBACE-1100-4F5E-F3C3-8EC381358FFA}"/>
+                  </a:ext>
+                </a:extLst>
+              </p:cNvPr>
+              <p:cNvSpPr txBox="1">
+                <a:spLocks noRot="1" noChangeAspect="1" noMove="1" noResize="1" noEditPoints="1" noAdjustHandles="1" noChangeArrowheads="1" noChangeShapeType="1" noTextEdit="1"/>
+              </p:cNvSpPr>
+              <p:nvPr/>
+            </p:nvSpPr>
+            <p:spPr>
+              <a:xfrm>
+                <a:off x="17345205" y="1407388"/>
+                <a:ext cx="429413" cy="492443"/>
+              </a:xfrm>
+              <a:prstGeom prst="rect">
+                <a:avLst/>
+              </a:prstGeom>
+              <a:blipFill>
+                <a:blip r:embed="rId10"/>
+                <a:stretch>
+                  <a:fillRect/>
+                </a:stretch>
+              </a:blipFill>
+            </p:spPr>
+            <p:txBody>
+              <a:bodyPr/>
+              <a:lstStyle/>
+              <a:p>
+                <a:r>
+                  <a:rPr lang="zh-CN" altLang="en-US">
+                    <a:noFill/>
+                  </a:rPr>
+                  <a:t> </a:t>
+                </a:r>
+              </a:p>
+            </p:txBody>
+          </p:sp>
+        </mc:Fallback>
+      </mc:AlternateContent>
+      <p:sp>
+        <p:nvSpPr>
+          <p:cNvPr id="25" name="箭头: 右 24">
+            <a:extLst>
+              <a:ext uri="{FF2B5EF4-FFF2-40B4-BE49-F238E27FC236}">
+                <a16:creationId xmlns:a16="http://schemas.microsoft.com/office/drawing/2014/main" id="{78BF414B-2D4A-0705-70C1-308C9C872EBF}"/>
+              </a:ext>
+            </a:extLst>
+          </p:cNvPr>
+          <p:cNvSpPr/>
+          <p:nvPr/>
+        </p:nvSpPr>
+        <p:spPr>
+          <a:xfrm>
+            <a:off x="3061507" y="3304285"/>
+            <a:ext cx="3075062" cy="333286"/>
+          </a:xfrm>
+          <a:prstGeom prst="rightArrow">
+            <a:avLst/>
+          </a:prstGeom>
+          <a:solidFill>
+            <a:schemeClr val="accent1">
+              <a:lumMod val="20000"/>
+              <a:lumOff val="80000"/>
+            </a:schemeClr>
+          </a:solidFill>
+          <a:ln w="12700"/>
+        </p:spPr>
+        <p:style>
+          <a:lnRef idx="2">
+            <a:schemeClr val="accent1">
+              <a:shade val="15000"/>
+            </a:schemeClr>
+          </a:lnRef>
+          <a:fillRef idx="1">
+            <a:schemeClr val="accent1"/>
+          </a:fillRef>
+          <a:effectRef idx="0">
+            <a:schemeClr val="accent1"/>
+          </a:effectRef>
+          <a:fontRef idx="minor">
+            <a:schemeClr val="lt1"/>
+          </a:fontRef>
+        </p:style>
+        <p:txBody>
+          <a:bodyPr rtlCol="0" anchor="ctr"/>
+          <a:lstStyle/>
+          <a:p>
+            <a:pPr algn="ctr"/>
+            <a:endParaRPr lang="zh-CN" altLang="en-US"/>
+          </a:p>
+        </p:txBody>
+      </p:sp>
+      <p:sp>
+        <p:nvSpPr>
+          <p:cNvPr id="26" name="箭头: 右 25">
+            <a:extLst>
+              <a:ext uri="{FF2B5EF4-FFF2-40B4-BE49-F238E27FC236}">
+                <a16:creationId xmlns:a16="http://schemas.microsoft.com/office/drawing/2014/main" id="{0A3F87AF-220A-A586-8CDA-40D93B7495BB}"/>
+              </a:ext>
+            </a:extLst>
+          </p:cNvPr>
+          <p:cNvSpPr/>
+          <p:nvPr/>
+        </p:nvSpPr>
+        <p:spPr>
+          <a:xfrm>
+            <a:off x="6758990" y="3308083"/>
+            <a:ext cx="3057971" cy="333286"/>
+          </a:xfrm>
+          <a:prstGeom prst="rightArrow">
+            <a:avLst/>
+          </a:prstGeom>
+          <a:solidFill>
+            <a:schemeClr val="accent1">
+              <a:lumMod val="20000"/>
+              <a:lumOff val="80000"/>
+            </a:schemeClr>
+          </a:solidFill>
+          <a:ln w="12700"/>
+        </p:spPr>
+        <p:style>
+          <a:lnRef idx="2">
+            <a:schemeClr val="accent1">
+              <a:shade val="15000"/>
+            </a:schemeClr>
+          </a:lnRef>
+          <a:fillRef idx="1">
+            <a:schemeClr val="accent1"/>
+          </a:fillRef>
+          <a:effectRef idx="0">
+            <a:schemeClr val="accent1"/>
+          </a:effectRef>
+          <a:fontRef idx="minor">
+            <a:schemeClr val="lt1"/>
+          </a:fontRef>
+        </p:style>
+        <p:txBody>
+          <a:bodyPr rtlCol="0" anchor="ctr"/>
+          <a:lstStyle/>
+          <a:p>
+            <a:pPr algn="ctr"/>
+            <a:endParaRPr lang="zh-CN" altLang="en-US"/>
+          </a:p>
+        </p:txBody>
+      </p:sp>
+      <p:sp>
+        <p:nvSpPr>
+          <p:cNvPr id="27" name="箭头: 右 26">
+            <a:extLst>
+              <a:ext uri="{FF2B5EF4-FFF2-40B4-BE49-F238E27FC236}">
+                <a16:creationId xmlns:a16="http://schemas.microsoft.com/office/drawing/2014/main" id="{96BC5F63-A3C1-D7C2-7884-565742F5232D}"/>
+              </a:ext>
+            </a:extLst>
+          </p:cNvPr>
+          <p:cNvSpPr/>
+          <p:nvPr/>
+        </p:nvSpPr>
+        <p:spPr>
+          <a:xfrm>
+            <a:off x="10478955" y="3304285"/>
+            <a:ext cx="3070791" cy="333286"/>
+          </a:xfrm>
+          <a:prstGeom prst="rightArrow">
+            <a:avLst/>
+          </a:prstGeom>
+          <a:solidFill>
+            <a:schemeClr val="accent1">
+              <a:lumMod val="20000"/>
+              <a:lumOff val="80000"/>
+            </a:schemeClr>
+          </a:solidFill>
+          <a:ln w="12700"/>
+        </p:spPr>
+        <p:style>
+          <a:lnRef idx="2">
+            <a:schemeClr val="accent1">
+              <a:shade val="15000"/>
+            </a:schemeClr>
+          </a:lnRef>
+          <a:fillRef idx="1">
+            <a:schemeClr val="accent1"/>
+          </a:fillRef>
+          <a:effectRef idx="0">
+            <a:schemeClr val="accent1"/>
+          </a:effectRef>
+          <a:fontRef idx="minor">
+            <a:schemeClr val="lt1"/>
+          </a:fontRef>
+        </p:style>
+        <p:txBody>
+          <a:bodyPr rtlCol="0" anchor="ctr"/>
+          <a:lstStyle/>
+          <a:p>
+            <a:pPr algn="ctr"/>
+            <a:endParaRPr lang="zh-CN" altLang="en-US"/>
+          </a:p>
+        </p:txBody>
+      </p:sp>
+      <p:sp>
+        <p:nvSpPr>
+          <p:cNvPr id="28" name="箭头: 右 27">
+            <a:extLst>
+              <a:ext uri="{FF2B5EF4-FFF2-40B4-BE49-F238E27FC236}">
+                <a16:creationId xmlns:a16="http://schemas.microsoft.com/office/drawing/2014/main" id="{CFDF90C0-44E3-B3D4-AE68-632910443AF5}"/>
+              </a:ext>
+            </a:extLst>
+          </p:cNvPr>
+          <p:cNvSpPr/>
+          <p:nvPr/>
+        </p:nvSpPr>
+        <p:spPr>
+          <a:xfrm>
+            <a:off x="14172167" y="3304285"/>
+            <a:ext cx="3057971" cy="333286"/>
+          </a:xfrm>
+          <a:prstGeom prst="rightArrow">
+            <a:avLst/>
+          </a:prstGeom>
+          <a:solidFill>
+            <a:schemeClr val="accent1">
+              <a:lumMod val="20000"/>
+              <a:lumOff val="80000"/>
+            </a:schemeClr>
+          </a:solidFill>
+          <a:ln w="12700"/>
+        </p:spPr>
+        <p:style>
+          <a:lnRef idx="2">
+            <a:schemeClr val="accent1">
+              <a:shade val="15000"/>
+            </a:schemeClr>
+          </a:lnRef>
+          <a:fillRef idx="1">
+            <a:schemeClr val="accent1"/>
+          </a:fillRef>
+          <a:effectRef idx="0">
+            <a:schemeClr val="accent1"/>
+          </a:effectRef>
+          <a:fontRef idx="minor">
+            <a:schemeClr val="lt1"/>
+          </a:fontRef>
+        </p:style>
+        <p:txBody>
+          <a:bodyPr rtlCol="0" anchor="ctr"/>
+          <a:lstStyle/>
+          <a:p>
+            <a:pPr algn="ctr"/>
+            <a:endParaRPr lang="zh-CN" altLang="en-US"/>
+          </a:p>
+        </p:txBody>
+      </p:sp>
+      <mc:AlternateContent xmlns:mc="http://schemas.openxmlformats.org/markup-compatibility/2006">
+        <mc:Choice xmlns:a14="http://schemas.microsoft.com/office/drawing/2010/main" Requires="a14">
+          <p:sp>
+            <p:nvSpPr>
+              <p:cNvPr id="29" name="文本框 28">
+                <a:extLst>
+                  <a:ext uri="{FF2B5EF4-FFF2-40B4-BE49-F238E27FC236}">
+                    <a16:creationId xmlns:a16="http://schemas.microsoft.com/office/drawing/2014/main" id="{DFECC983-88F2-D3D2-01BA-94B80ED44D68}"/>
+                  </a:ext>
+                </a:extLst>
+              </p:cNvPr>
+              <p:cNvSpPr txBox="1"/>
+              <p:nvPr/>
+            </p:nvSpPr>
+            <p:spPr>
+              <a:xfrm>
+                <a:off x="2535943" y="3145128"/>
+                <a:ext cx="429413" cy="492443"/>
+              </a:xfrm>
+              <a:prstGeom prst="rect">
+                <a:avLst/>
+              </a:prstGeom>
+              <a:noFill/>
+            </p:spPr>
+            <p:txBody>
+              <a:bodyPr wrap="none" lIns="0" tIns="0" rIns="0" bIns="0" rtlCol="0">
+                <a:spAutoFit/>
+              </a:bodyPr>
+              <a:lstStyle/>
+              <a:p>
+                <a14:m>
+                  <m:oMathPara xmlns:m="http://schemas.openxmlformats.org/officeDocument/2006/math">
+                    <m:oMathParaPr>
+                      <m:jc m:val="centerGroup"/>
+                    </m:oMathParaPr>
+                    <m:oMath xmlns:m="http://schemas.openxmlformats.org/officeDocument/2006/math">
+                      <m:sSub>
+                        <m:sSubPr>
+                          <m:ctrlPr>
+                            <a:rPr lang="en-US" altLang="zh-CN" sz="3200" i="1" smtClean="0">
+                              <a:latin typeface="Cambria Math" panose="02040503050406030204" pitchFamily="18" charset="0"/>
+                            </a:rPr>
+                          </m:ctrlPr>
+                        </m:sSubPr>
+                        <m:e>
+                          <m:r>
+                            <a:rPr lang="en-US" altLang="zh-CN" sz="3200" b="0" i="1" smtClean="0">
+                              <a:latin typeface="Cambria Math" panose="02040503050406030204" pitchFamily="18" charset="0"/>
+                            </a:rPr>
+                            <m:t>𝑡</m:t>
+                          </m:r>
+                        </m:e>
+                        <m:sub>
+                          <m:r>
+                            <a:rPr lang="en-US" altLang="zh-CN" sz="3200" b="0" i="1" smtClean="0">
+                              <a:latin typeface="Cambria Math" panose="02040503050406030204" pitchFamily="18" charset="0"/>
+                            </a:rPr>
+                            <m:t>4</m:t>
+                          </m:r>
+                        </m:sub>
+                      </m:sSub>
+                    </m:oMath>
+                  </m:oMathPara>
+                </a14:m>
+                <a:endParaRPr lang="zh-CN" altLang="en-US" sz="3200" dirty="0"/>
+              </a:p>
+            </p:txBody>
+          </p:sp>
+        </mc:Choice>
+        <mc:Fallback>
+          <p:sp>
+            <p:nvSpPr>
+              <p:cNvPr id="29" name="文本框 28">
+                <a:extLst>
+                  <a:ext uri="{FF2B5EF4-FFF2-40B4-BE49-F238E27FC236}">
+                    <a16:creationId xmlns:a16="http://schemas.microsoft.com/office/drawing/2014/main" id="{DFECC983-88F2-D3D2-01BA-94B80ED44D68}"/>
+                  </a:ext>
+                </a:extLst>
+              </p:cNvPr>
+              <p:cNvSpPr txBox="1">
+                <a:spLocks noRot="1" noChangeAspect="1" noMove="1" noResize="1" noEditPoints="1" noAdjustHandles="1" noChangeArrowheads="1" noChangeShapeType="1" noTextEdit="1"/>
+              </p:cNvSpPr>
+              <p:nvPr/>
+            </p:nvSpPr>
+            <p:spPr>
+              <a:xfrm>
+                <a:off x="2535943" y="3145128"/>
+                <a:ext cx="429413" cy="492443"/>
+              </a:xfrm>
+              <a:prstGeom prst="rect">
+                <a:avLst/>
+              </a:prstGeom>
+              <a:blipFill>
+                <a:blip r:embed="rId11"/>
+                <a:stretch>
+                  <a:fillRect/>
+                </a:stretch>
+              </a:blipFill>
+            </p:spPr>
+            <p:txBody>
+              <a:bodyPr/>
+              <a:lstStyle/>
+              <a:p>
+                <a:r>
+                  <a:rPr lang="zh-CN" altLang="en-US">
+                    <a:noFill/>
+                  </a:rPr>
+                  <a:t> </a:t>
+                </a:r>
+              </a:p>
+            </p:txBody>
+          </p:sp>
+        </mc:Fallback>
+      </mc:AlternateContent>
+      <mc:AlternateContent xmlns:mc="http://schemas.openxmlformats.org/markup-compatibility/2006">
+        <mc:Choice xmlns:a14="http://schemas.microsoft.com/office/drawing/2010/main" Requires="a14">
+          <p:sp>
+            <p:nvSpPr>
+              <p:cNvPr id="31" name="文本框 30">
+                <a:extLst>
+                  <a:ext uri="{FF2B5EF4-FFF2-40B4-BE49-F238E27FC236}">
+                    <a16:creationId xmlns:a16="http://schemas.microsoft.com/office/drawing/2014/main" id="{886831AD-8DCB-2192-D33B-D21F3C0F2845}"/>
+                  </a:ext>
+                </a:extLst>
+              </p:cNvPr>
+              <p:cNvSpPr txBox="1"/>
+              <p:nvPr/>
+            </p:nvSpPr>
+            <p:spPr>
+              <a:xfrm>
+                <a:off x="6227186" y="3145128"/>
+                <a:ext cx="429413" cy="492443"/>
+              </a:xfrm>
+              <a:prstGeom prst="rect">
+                <a:avLst/>
+              </a:prstGeom>
+              <a:noFill/>
+            </p:spPr>
+            <p:txBody>
+              <a:bodyPr wrap="none" lIns="0" tIns="0" rIns="0" bIns="0" rtlCol="0">
+                <a:spAutoFit/>
+              </a:bodyPr>
+              <a:lstStyle/>
+              <a:p>
+                <a14:m>
+                  <m:oMathPara xmlns:m="http://schemas.openxmlformats.org/officeDocument/2006/math">
+                    <m:oMathParaPr>
+                      <m:jc m:val="centerGroup"/>
+                    </m:oMathParaPr>
+                    <m:oMath xmlns:m="http://schemas.openxmlformats.org/officeDocument/2006/math">
+                      <m:sSub>
+                        <m:sSubPr>
+                          <m:ctrlPr>
+                            <a:rPr lang="en-US" altLang="zh-CN" sz="3200" i="1" smtClean="0">
+                              <a:latin typeface="Cambria Math" panose="02040503050406030204" pitchFamily="18" charset="0"/>
+                            </a:rPr>
+                          </m:ctrlPr>
+                        </m:sSubPr>
+                        <m:e>
+                          <m:r>
+                            <a:rPr lang="en-US" altLang="zh-CN" sz="3200" b="0" i="1" smtClean="0">
+                              <a:latin typeface="Cambria Math" panose="02040503050406030204" pitchFamily="18" charset="0"/>
+                            </a:rPr>
+                            <m:t>𝑡</m:t>
+                          </m:r>
+                        </m:e>
+                        <m:sub>
+                          <m:r>
+                            <a:rPr lang="en-US" altLang="zh-CN" sz="3200" b="0" i="1" smtClean="0">
+                              <a:latin typeface="Cambria Math" panose="02040503050406030204" pitchFamily="18" charset="0"/>
+                            </a:rPr>
+                            <m:t>3</m:t>
+                          </m:r>
+                        </m:sub>
+                      </m:sSub>
+                    </m:oMath>
+                  </m:oMathPara>
+                </a14:m>
+                <a:endParaRPr lang="zh-CN" altLang="en-US" sz="3200" dirty="0"/>
+              </a:p>
+            </p:txBody>
+          </p:sp>
+        </mc:Choice>
+        <mc:Fallback>
+          <p:sp>
+            <p:nvSpPr>
+              <p:cNvPr id="31" name="文本框 30">
+                <a:extLst>
+                  <a:ext uri="{FF2B5EF4-FFF2-40B4-BE49-F238E27FC236}">
+                    <a16:creationId xmlns:a16="http://schemas.microsoft.com/office/drawing/2014/main" id="{886831AD-8DCB-2192-D33B-D21F3C0F2845}"/>
+                  </a:ext>
+                </a:extLst>
+              </p:cNvPr>
+              <p:cNvSpPr txBox="1">
+                <a:spLocks noRot="1" noChangeAspect="1" noMove="1" noResize="1" noEditPoints="1" noAdjustHandles="1" noChangeArrowheads="1" noChangeShapeType="1" noTextEdit="1"/>
+              </p:cNvSpPr>
+              <p:nvPr/>
+            </p:nvSpPr>
+            <p:spPr>
+              <a:xfrm>
+                <a:off x="6227186" y="3145128"/>
+                <a:ext cx="429413" cy="492443"/>
+              </a:xfrm>
+              <a:prstGeom prst="rect">
+                <a:avLst/>
+              </a:prstGeom>
+              <a:blipFill>
+                <a:blip r:embed="rId12"/>
+                <a:stretch>
+                  <a:fillRect/>
+                </a:stretch>
+              </a:blipFill>
+            </p:spPr>
+            <p:txBody>
+              <a:bodyPr/>
+              <a:lstStyle/>
+              <a:p>
+                <a:r>
+                  <a:rPr lang="zh-CN" altLang="en-US">
+                    <a:noFill/>
+                  </a:rPr>
+                  <a:t> </a:t>
+                </a:r>
+              </a:p>
+            </p:txBody>
+          </p:sp>
+        </mc:Fallback>
+      </mc:AlternateContent>
+      <mc:AlternateContent xmlns:mc="http://schemas.openxmlformats.org/markup-compatibility/2006">
+        <mc:Choice xmlns:a14="http://schemas.microsoft.com/office/drawing/2010/main" Requires="a14">
+          <p:sp>
+            <p:nvSpPr>
+              <p:cNvPr id="32" name="文本框 31">
+                <a:extLst>
+                  <a:ext uri="{FF2B5EF4-FFF2-40B4-BE49-F238E27FC236}">
+                    <a16:creationId xmlns:a16="http://schemas.microsoft.com/office/drawing/2014/main" id="{6DB48FA7-CE0B-BBD1-DB6D-8FFD6A7D38F7}"/>
+                  </a:ext>
+                </a:extLst>
+              </p:cNvPr>
+              <p:cNvSpPr txBox="1"/>
+              <p:nvPr/>
+            </p:nvSpPr>
+            <p:spPr>
+              <a:xfrm>
+                <a:off x="9949120" y="3145127"/>
+                <a:ext cx="429413" cy="492443"/>
+              </a:xfrm>
+              <a:prstGeom prst="rect">
+                <a:avLst/>
+              </a:prstGeom>
+              <a:noFill/>
+            </p:spPr>
+            <p:txBody>
+              <a:bodyPr wrap="none" lIns="0" tIns="0" rIns="0" bIns="0" rtlCol="0">
+                <a:spAutoFit/>
+              </a:bodyPr>
+              <a:lstStyle/>
+              <a:p>
+                <a14:m>
+                  <m:oMathPara xmlns:m="http://schemas.openxmlformats.org/officeDocument/2006/math">
+                    <m:oMathParaPr>
+                      <m:jc m:val="centerGroup"/>
+                    </m:oMathParaPr>
+                    <m:oMath xmlns:m="http://schemas.openxmlformats.org/officeDocument/2006/math">
+                      <m:sSub>
+                        <m:sSubPr>
+                          <m:ctrlPr>
+                            <a:rPr lang="en-US" altLang="zh-CN" sz="3200" i="1" smtClean="0">
+                              <a:latin typeface="Cambria Math" panose="02040503050406030204" pitchFamily="18" charset="0"/>
+                            </a:rPr>
+                          </m:ctrlPr>
+                        </m:sSubPr>
+                        <m:e>
+                          <m:r>
+                            <a:rPr lang="en-US" altLang="zh-CN" sz="3200" b="0" i="1" smtClean="0">
+                              <a:latin typeface="Cambria Math" panose="02040503050406030204" pitchFamily="18" charset="0"/>
+                            </a:rPr>
+                            <m:t>𝑡</m:t>
+                          </m:r>
+                        </m:e>
+                        <m:sub>
+                          <m:r>
+                            <a:rPr lang="en-US" altLang="zh-CN" sz="3200" b="0" i="1" smtClean="0">
+                              <a:latin typeface="Cambria Math" panose="02040503050406030204" pitchFamily="18" charset="0"/>
+                            </a:rPr>
+                            <m:t>2</m:t>
+                          </m:r>
+                        </m:sub>
+                      </m:sSub>
+                    </m:oMath>
+                  </m:oMathPara>
+                </a14:m>
+                <a:endParaRPr lang="zh-CN" altLang="en-US" sz="3200" dirty="0"/>
+              </a:p>
+            </p:txBody>
+          </p:sp>
+        </mc:Choice>
+        <mc:Fallback>
+          <p:sp>
+            <p:nvSpPr>
+              <p:cNvPr id="32" name="文本框 31">
+                <a:extLst>
+                  <a:ext uri="{FF2B5EF4-FFF2-40B4-BE49-F238E27FC236}">
+                    <a16:creationId xmlns:a16="http://schemas.microsoft.com/office/drawing/2014/main" id="{6DB48FA7-CE0B-BBD1-DB6D-8FFD6A7D38F7}"/>
+                  </a:ext>
+                </a:extLst>
+              </p:cNvPr>
+              <p:cNvSpPr txBox="1">
+                <a:spLocks noRot="1" noChangeAspect="1" noMove="1" noResize="1" noEditPoints="1" noAdjustHandles="1" noChangeArrowheads="1" noChangeShapeType="1" noTextEdit="1"/>
+              </p:cNvSpPr>
+              <p:nvPr/>
+            </p:nvSpPr>
+            <p:spPr>
+              <a:xfrm>
+                <a:off x="9949120" y="3145127"/>
+                <a:ext cx="429413" cy="492443"/>
+              </a:xfrm>
+              <a:prstGeom prst="rect">
+                <a:avLst/>
+              </a:prstGeom>
+              <a:blipFill>
+                <a:blip r:embed="rId13"/>
+                <a:stretch>
+                  <a:fillRect/>
+                </a:stretch>
+              </a:blipFill>
+            </p:spPr>
+            <p:txBody>
+              <a:bodyPr/>
+              <a:lstStyle/>
+              <a:p>
+                <a:r>
+                  <a:rPr lang="zh-CN" altLang="en-US">
+                    <a:noFill/>
+                  </a:rPr>
+                  <a:t> </a:t>
+                </a:r>
+              </a:p>
+            </p:txBody>
+          </p:sp>
+        </mc:Fallback>
+      </mc:AlternateContent>
+      <mc:AlternateContent xmlns:mc="http://schemas.openxmlformats.org/markup-compatibility/2006">
+        <mc:Choice xmlns:a14="http://schemas.microsoft.com/office/drawing/2010/main" Requires="a14">
+          <p:sp>
+            <p:nvSpPr>
+              <p:cNvPr id="33" name="文本框 32">
+                <a:extLst>
+                  <a:ext uri="{FF2B5EF4-FFF2-40B4-BE49-F238E27FC236}">
+                    <a16:creationId xmlns:a16="http://schemas.microsoft.com/office/drawing/2014/main" id="{8C61FED7-3CC3-604D-D8E4-95F89CE165BA}"/>
+                  </a:ext>
+                </a:extLst>
+              </p:cNvPr>
+              <p:cNvSpPr txBox="1"/>
+              <p:nvPr/>
+            </p:nvSpPr>
+            <p:spPr>
+              <a:xfrm>
+                <a:off x="13640363" y="3145127"/>
+                <a:ext cx="419923" cy="492443"/>
+              </a:xfrm>
+              <a:prstGeom prst="rect">
+                <a:avLst/>
+              </a:prstGeom>
+              <a:noFill/>
+            </p:spPr>
+            <p:txBody>
+              <a:bodyPr wrap="none" lIns="0" tIns="0" rIns="0" bIns="0" rtlCol="0">
+                <a:spAutoFit/>
+              </a:bodyPr>
+              <a:lstStyle/>
+              <a:p>
+                <a14:m>
+                  <m:oMathPara xmlns:m="http://schemas.openxmlformats.org/officeDocument/2006/math">
+                    <m:oMathParaPr>
+                      <m:jc m:val="centerGroup"/>
+                    </m:oMathParaPr>
+                    <m:oMath xmlns:m="http://schemas.openxmlformats.org/officeDocument/2006/math">
+                      <m:sSub>
+                        <m:sSubPr>
+                          <m:ctrlPr>
+                            <a:rPr lang="en-US" altLang="zh-CN" sz="3200" i="1" smtClean="0">
+                              <a:latin typeface="Cambria Math" panose="02040503050406030204" pitchFamily="18" charset="0"/>
+                            </a:rPr>
+                          </m:ctrlPr>
+                        </m:sSubPr>
+                        <m:e>
+                          <m:r>
+                            <a:rPr lang="en-US" altLang="zh-CN" sz="3200" b="0" i="1" smtClean="0">
+                              <a:latin typeface="Cambria Math" panose="02040503050406030204" pitchFamily="18" charset="0"/>
+                            </a:rPr>
+                            <m:t>𝑡</m:t>
+                          </m:r>
+                        </m:e>
+                        <m:sub>
+                          <m:r>
+                            <a:rPr lang="en-US" altLang="zh-CN" sz="3200" b="0" i="1" smtClean="0">
+                              <a:latin typeface="Cambria Math" panose="02040503050406030204" pitchFamily="18" charset="0"/>
+                            </a:rPr>
+                            <m:t>1</m:t>
+                          </m:r>
+                        </m:sub>
+                      </m:sSub>
+                    </m:oMath>
+                  </m:oMathPara>
+                </a14:m>
+                <a:endParaRPr lang="zh-CN" altLang="en-US" sz="3200" dirty="0"/>
+              </a:p>
+            </p:txBody>
+          </p:sp>
+        </mc:Choice>
+        <mc:Fallback>
+          <p:sp>
+            <p:nvSpPr>
+              <p:cNvPr id="33" name="文本框 32">
+                <a:extLst>
+                  <a:ext uri="{FF2B5EF4-FFF2-40B4-BE49-F238E27FC236}">
+                    <a16:creationId xmlns:a16="http://schemas.microsoft.com/office/drawing/2014/main" id="{8C61FED7-3CC3-604D-D8E4-95F89CE165BA}"/>
+                  </a:ext>
+                </a:extLst>
+              </p:cNvPr>
+              <p:cNvSpPr txBox="1">
+                <a:spLocks noRot="1" noChangeAspect="1" noMove="1" noResize="1" noEditPoints="1" noAdjustHandles="1" noChangeArrowheads="1" noChangeShapeType="1" noTextEdit="1"/>
+              </p:cNvSpPr>
+              <p:nvPr/>
+            </p:nvSpPr>
+            <p:spPr>
+              <a:xfrm>
+                <a:off x="13640363" y="3145127"/>
+                <a:ext cx="419923" cy="492443"/>
+              </a:xfrm>
+              <a:prstGeom prst="rect">
+                <a:avLst/>
+              </a:prstGeom>
+              <a:blipFill>
+                <a:blip r:embed="rId14"/>
+                <a:stretch>
+                  <a:fillRect/>
+                </a:stretch>
+              </a:blipFill>
+            </p:spPr>
+            <p:txBody>
+              <a:bodyPr/>
+              <a:lstStyle/>
+              <a:p>
+                <a:r>
+                  <a:rPr lang="zh-CN" altLang="en-US">
+                    <a:noFill/>
+                  </a:rPr>
+                  <a:t> </a:t>
+                </a:r>
+              </a:p>
+            </p:txBody>
+          </p:sp>
+        </mc:Fallback>
+      </mc:AlternateContent>
+      <mc:AlternateContent xmlns:mc="http://schemas.openxmlformats.org/markup-compatibility/2006">
+        <mc:Choice xmlns:a14="http://schemas.microsoft.com/office/drawing/2010/main" Requires="a14">
+          <p:sp>
+            <p:nvSpPr>
+              <p:cNvPr id="34" name="文本框 33">
+                <a:extLst>
+                  <a:ext uri="{FF2B5EF4-FFF2-40B4-BE49-F238E27FC236}">
+                    <a16:creationId xmlns:a16="http://schemas.microsoft.com/office/drawing/2014/main" id="{8925CEAB-F482-5F4E-19A6-EA6B807770D9}"/>
+                  </a:ext>
+                </a:extLst>
+              </p:cNvPr>
+              <p:cNvSpPr txBox="1"/>
+              <p:nvPr/>
+            </p:nvSpPr>
+            <p:spPr>
+              <a:xfrm>
+                <a:off x="17345205" y="3145127"/>
+                <a:ext cx="429413" cy="492443"/>
+              </a:xfrm>
+              <a:prstGeom prst="rect">
+                <a:avLst/>
+              </a:prstGeom>
+              <a:noFill/>
+            </p:spPr>
+            <p:txBody>
+              <a:bodyPr wrap="none" lIns="0" tIns="0" rIns="0" bIns="0" rtlCol="0">
+                <a:spAutoFit/>
+              </a:bodyPr>
+              <a:lstStyle/>
+              <a:p>
+                <a14:m>
+                  <m:oMathPara xmlns:m="http://schemas.openxmlformats.org/officeDocument/2006/math">
+                    <m:oMathParaPr>
+                      <m:jc m:val="centerGroup"/>
+                    </m:oMathParaPr>
+                    <m:oMath xmlns:m="http://schemas.openxmlformats.org/officeDocument/2006/math">
+                      <m:sSub>
+                        <m:sSubPr>
+                          <m:ctrlPr>
+                            <a:rPr lang="en-US" altLang="zh-CN" sz="3200" i="1" smtClean="0">
+                              <a:latin typeface="Cambria Math" panose="02040503050406030204" pitchFamily="18" charset="0"/>
+                            </a:rPr>
+                          </m:ctrlPr>
+                        </m:sSubPr>
+                        <m:e>
+                          <m:r>
+                            <a:rPr lang="en-US" altLang="zh-CN" sz="3200" b="0" i="1" smtClean="0">
+                              <a:latin typeface="Cambria Math" panose="02040503050406030204" pitchFamily="18" charset="0"/>
+                            </a:rPr>
+                            <m:t>𝑡</m:t>
+                          </m:r>
+                        </m:e>
+                        <m:sub>
+                          <m:r>
+                            <a:rPr lang="en-US" altLang="zh-CN" sz="3200" b="0" i="1" smtClean="0">
+                              <a:latin typeface="Cambria Math" panose="02040503050406030204" pitchFamily="18" charset="0"/>
+                            </a:rPr>
+                            <m:t>0</m:t>
+                          </m:r>
+                        </m:sub>
+                      </m:sSub>
+                    </m:oMath>
+                  </m:oMathPara>
+                </a14:m>
+                <a:endParaRPr lang="zh-CN" altLang="en-US" sz="3200" dirty="0"/>
+              </a:p>
+            </p:txBody>
+          </p:sp>
+        </mc:Choice>
+        <mc:Fallback>
+          <p:sp>
+            <p:nvSpPr>
+              <p:cNvPr id="34" name="文本框 33">
+                <a:extLst>
+                  <a:ext uri="{FF2B5EF4-FFF2-40B4-BE49-F238E27FC236}">
+                    <a16:creationId xmlns:a16="http://schemas.microsoft.com/office/drawing/2014/main" id="{8925CEAB-F482-5F4E-19A6-EA6B807770D9}"/>
+                  </a:ext>
+                </a:extLst>
+              </p:cNvPr>
+              <p:cNvSpPr txBox="1">
+                <a:spLocks noRot="1" noChangeAspect="1" noMove="1" noResize="1" noEditPoints="1" noAdjustHandles="1" noChangeArrowheads="1" noChangeShapeType="1" noTextEdit="1"/>
+              </p:cNvSpPr>
+              <p:nvPr/>
+            </p:nvSpPr>
+            <p:spPr>
+              <a:xfrm>
+                <a:off x="17345205" y="3145127"/>
+                <a:ext cx="429413" cy="492443"/>
+              </a:xfrm>
+              <a:prstGeom prst="rect">
+                <a:avLst/>
+              </a:prstGeom>
+              <a:blipFill>
+                <a:blip r:embed="rId15"/>
+                <a:stretch>
+                  <a:fillRect/>
+                </a:stretch>
+              </a:blipFill>
+            </p:spPr>
+            <p:txBody>
+              <a:bodyPr/>
+              <a:lstStyle/>
+              <a:p>
+                <a:r>
+                  <a:rPr lang="zh-CN" altLang="en-US">
+                    <a:noFill/>
+                  </a:rPr>
+                  <a:t> </a:t>
+                </a:r>
+              </a:p>
+            </p:txBody>
+          </p:sp>
+        </mc:Fallback>
+      </mc:AlternateContent>
+      <p:sp>
+        <p:nvSpPr>
+          <p:cNvPr id="35" name="箭头: 右 34">
+            <a:extLst>
+              <a:ext uri="{FF2B5EF4-FFF2-40B4-BE49-F238E27FC236}">
+                <a16:creationId xmlns:a16="http://schemas.microsoft.com/office/drawing/2014/main" id="{550E6EFF-B3DE-5670-FF6F-46B083A7ADD6}"/>
+              </a:ext>
+            </a:extLst>
+          </p:cNvPr>
+          <p:cNvSpPr/>
+          <p:nvPr/>
+        </p:nvSpPr>
+        <p:spPr>
+          <a:xfrm>
+            <a:off x="3057233" y="5049621"/>
+            <a:ext cx="6759728" cy="333286"/>
+          </a:xfrm>
+          <a:prstGeom prst="rightArrow">
+            <a:avLst/>
+          </a:prstGeom>
+          <a:solidFill>
+            <a:schemeClr val="accent1">
+              <a:lumMod val="20000"/>
+              <a:lumOff val="80000"/>
+            </a:schemeClr>
+          </a:solidFill>
+          <a:ln w="12700"/>
+        </p:spPr>
+        <p:style>
+          <a:lnRef idx="2">
+            <a:schemeClr val="accent1">
+              <a:shade val="15000"/>
+            </a:schemeClr>
+          </a:lnRef>
+          <a:fillRef idx="1">
+            <a:schemeClr val="accent1"/>
+          </a:fillRef>
+          <a:effectRef idx="0">
+            <a:schemeClr val="accent1"/>
+          </a:effectRef>
+          <a:fontRef idx="minor">
+            <a:schemeClr val="lt1"/>
+          </a:fontRef>
+        </p:style>
+        <p:txBody>
+          <a:bodyPr rtlCol="0" anchor="ctr"/>
+          <a:lstStyle/>
+          <a:p>
+            <a:pPr algn="ctr"/>
+            <a:endParaRPr lang="zh-CN" altLang="en-US"/>
+          </a:p>
+        </p:txBody>
+      </p:sp>
+      <p:sp>
+        <p:nvSpPr>
+          <p:cNvPr id="36" name="箭头: 右 35">
+            <a:extLst>
+              <a:ext uri="{FF2B5EF4-FFF2-40B4-BE49-F238E27FC236}">
+                <a16:creationId xmlns:a16="http://schemas.microsoft.com/office/drawing/2014/main" id="{20BF4B0B-4207-B439-2B45-4651FCDEA63F}"/>
+              </a:ext>
+            </a:extLst>
+          </p:cNvPr>
+          <p:cNvSpPr/>
+          <p:nvPr/>
+        </p:nvSpPr>
+        <p:spPr>
+          <a:xfrm>
+            <a:off x="10476818" y="5049621"/>
+            <a:ext cx="6753319" cy="333286"/>
+          </a:xfrm>
+          <a:prstGeom prst="rightArrow">
+            <a:avLst/>
+          </a:prstGeom>
+          <a:solidFill>
+            <a:schemeClr val="accent1">
+              <a:lumMod val="20000"/>
+              <a:lumOff val="80000"/>
+            </a:schemeClr>
+          </a:solidFill>
+          <a:ln w="12700"/>
+        </p:spPr>
+        <p:style>
+          <a:lnRef idx="2">
+            <a:schemeClr val="accent1">
+              <a:shade val="15000"/>
+            </a:schemeClr>
+          </a:lnRef>
+          <a:fillRef idx="1">
+            <a:schemeClr val="accent1"/>
+          </a:fillRef>
+          <a:effectRef idx="0">
+            <a:schemeClr val="accent1"/>
+          </a:effectRef>
+          <a:fontRef idx="minor">
+            <a:schemeClr val="lt1"/>
+          </a:fontRef>
+        </p:style>
+        <p:txBody>
+          <a:bodyPr rtlCol="0" anchor="ctr"/>
+          <a:lstStyle/>
+          <a:p>
+            <a:pPr algn="ctr"/>
+            <a:endParaRPr lang="zh-CN" altLang="en-US"/>
+          </a:p>
+        </p:txBody>
+      </p:sp>
+      <p:sp>
+        <p:nvSpPr>
+          <p:cNvPr id="37" name="箭头: 右 36">
+            <a:extLst>
+              <a:ext uri="{FF2B5EF4-FFF2-40B4-BE49-F238E27FC236}">
+                <a16:creationId xmlns:a16="http://schemas.microsoft.com/office/drawing/2014/main" id="{77BC9017-08E3-A68A-6C92-86B20DC00C17}"/>
+              </a:ext>
+            </a:extLst>
+          </p:cNvPr>
+          <p:cNvSpPr/>
+          <p:nvPr/>
+        </p:nvSpPr>
+        <p:spPr>
+          <a:xfrm>
+            <a:off x="3052017" y="6927767"/>
+            <a:ext cx="14168630" cy="333286"/>
+          </a:xfrm>
+          <a:prstGeom prst="rightArrow">
+            <a:avLst/>
+          </a:prstGeom>
+          <a:solidFill>
+            <a:schemeClr val="accent1">
+              <a:lumMod val="20000"/>
+              <a:lumOff val="80000"/>
+            </a:schemeClr>
+          </a:solidFill>
+          <a:ln w="12700"/>
+        </p:spPr>
+        <p:style>
+          <a:lnRef idx="2">
+            <a:schemeClr val="accent1">
+              <a:shade val="15000"/>
+            </a:schemeClr>
+          </a:lnRef>
+          <a:fillRef idx="1">
+            <a:schemeClr val="accent1"/>
+          </a:fillRef>
+          <a:effectRef idx="0">
+            <a:schemeClr val="accent1"/>
+          </a:effectRef>
+          <a:fontRef idx="minor">
+            <a:schemeClr val="lt1"/>
+          </a:fontRef>
+        </p:style>
+        <p:txBody>
+          <a:bodyPr rtlCol="0" anchor="ctr"/>
+          <a:lstStyle/>
+          <a:p>
+            <a:pPr algn="ctr"/>
+            <a:endParaRPr lang="zh-CN" altLang="en-US"/>
+          </a:p>
+        </p:txBody>
+      </p:sp>
+      <mc:AlternateContent xmlns:mc="http://schemas.openxmlformats.org/markup-compatibility/2006">
+        <mc:Choice xmlns:a14="http://schemas.microsoft.com/office/drawing/2010/main" Requires="a14">
+          <p:sp>
+            <p:nvSpPr>
+              <p:cNvPr id="38" name="文本框 37">
+                <a:extLst>
+                  <a:ext uri="{FF2B5EF4-FFF2-40B4-BE49-F238E27FC236}">
+                    <a16:creationId xmlns:a16="http://schemas.microsoft.com/office/drawing/2014/main" id="{0C20E417-0C77-40D9-7FE1-4B8C8A2CDB58}"/>
+                  </a:ext>
+                </a:extLst>
+              </p:cNvPr>
+              <p:cNvSpPr txBox="1"/>
+              <p:nvPr/>
+            </p:nvSpPr>
+            <p:spPr>
+              <a:xfrm>
+                <a:off x="2535943" y="4890464"/>
+                <a:ext cx="429413" cy="492443"/>
+              </a:xfrm>
+              <a:prstGeom prst="rect">
+                <a:avLst/>
+              </a:prstGeom>
+              <a:noFill/>
+            </p:spPr>
+            <p:txBody>
+              <a:bodyPr wrap="none" lIns="0" tIns="0" rIns="0" bIns="0" rtlCol="0">
+                <a:spAutoFit/>
+              </a:bodyPr>
+              <a:lstStyle/>
+              <a:p>
+                <a14:m>
+                  <m:oMathPara xmlns:m="http://schemas.openxmlformats.org/officeDocument/2006/math">
+                    <m:oMathParaPr>
+                      <m:jc m:val="centerGroup"/>
+                    </m:oMathParaPr>
+                    <m:oMath xmlns:m="http://schemas.openxmlformats.org/officeDocument/2006/math">
+                      <m:sSub>
+                        <m:sSubPr>
+                          <m:ctrlPr>
+                            <a:rPr lang="en-US" altLang="zh-CN" sz="3200" i="1" smtClean="0">
+                              <a:latin typeface="Cambria Math" panose="02040503050406030204" pitchFamily="18" charset="0"/>
+                            </a:rPr>
+                          </m:ctrlPr>
+                        </m:sSubPr>
+                        <m:e>
+                          <m:r>
+                            <a:rPr lang="en-US" altLang="zh-CN" sz="3200" b="0" i="1" smtClean="0">
+                              <a:latin typeface="Cambria Math" panose="02040503050406030204" pitchFamily="18" charset="0"/>
+                            </a:rPr>
+                            <m:t>𝑡</m:t>
+                          </m:r>
+                        </m:e>
+                        <m:sub>
+                          <m:r>
+                            <a:rPr lang="en-US" altLang="zh-CN" sz="3200" b="0" i="1" smtClean="0">
+                              <a:latin typeface="Cambria Math" panose="02040503050406030204" pitchFamily="18" charset="0"/>
+                            </a:rPr>
+                            <m:t>2</m:t>
+                          </m:r>
+                        </m:sub>
+                      </m:sSub>
+                    </m:oMath>
+                  </m:oMathPara>
+                </a14:m>
+                <a:endParaRPr lang="zh-CN" altLang="en-US" sz="3200" dirty="0"/>
+              </a:p>
+            </p:txBody>
+          </p:sp>
+        </mc:Choice>
+        <mc:Fallback>
+          <p:sp>
+            <p:nvSpPr>
+              <p:cNvPr id="38" name="文本框 37">
+                <a:extLst>
+                  <a:ext uri="{FF2B5EF4-FFF2-40B4-BE49-F238E27FC236}">
+                    <a16:creationId xmlns:a16="http://schemas.microsoft.com/office/drawing/2014/main" id="{0C20E417-0C77-40D9-7FE1-4B8C8A2CDB58}"/>
+                  </a:ext>
+                </a:extLst>
+              </p:cNvPr>
+              <p:cNvSpPr txBox="1">
+                <a:spLocks noRot="1" noChangeAspect="1" noMove="1" noResize="1" noEditPoints="1" noAdjustHandles="1" noChangeArrowheads="1" noChangeShapeType="1" noTextEdit="1"/>
+              </p:cNvSpPr>
+              <p:nvPr/>
+            </p:nvSpPr>
+            <p:spPr>
+              <a:xfrm>
+                <a:off x="2535943" y="4890464"/>
+                <a:ext cx="429413" cy="492443"/>
+              </a:xfrm>
+              <a:prstGeom prst="rect">
+                <a:avLst/>
+              </a:prstGeom>
+              <a:blipFill>
+                <a:blip r:embed="rId16"/>
+                <a:stretch>
+                  <a:fillRect/>
+                </a:stretch>
+              </a:blipFill>
+            </p:spPr>
+            <p:txBody>
+              <a:bodyPr/>
+              <a:lstStyle/>
+              <a:p>
+                <a:r>
+                  <a:rPr lang="zh-CN" altLang="en-US">
+                    <a:noFill/>
+                  </a:rPr>
+                  <a:t> </a:t>
+                </a:r>
+              </a:p>
+            </p:txBody>
+          </p:sp>
+        </mc:Fallback>
+      </mc:AlternateContent>
+      <mc:AlternateContent xmlns:mc="http://schemas.openxmlformats.org/markup-compatibility/2006">
+        <mc:Choice xmlns:a14="http://schemas.microsoft.com/office/drawing/2010/main" Requires="a14">
+          <p:sp>
+            <p:nvSpPr>
+              <p:cNvPr id="39" name="文本框 38">
+                <a:extLst>
+                  <a:ext uri="{FF2B5EF4-FFF2-40B4-BE49-F238E27FC236}">
+                    <a16:creationId xmlns:a16="http://schemas.microsoft.com/office/drawing/2014/main" id="{0FB503E9-9642-8D3D-BC60-63F74C5E17C3}"/>
+                  </a:ext>
+                </a:extLst>
+              </p:cNvPr>
+              <p:cNvSpPr txBox="1"/>
+              <p:nvPr/>
+            </p:nvSpPr>
+            <p:spPr>
+              <a:xfrm>
+                <a:off x="9935860" y="4890463"/>
+                <a:ext cx="419923" cy="492443"/>
+              </a:xfrm>
+              <a:prstGeom prst="rect">
+                <a:avLst/>
+              </a:prstGeom>
+              <a:noFill/>
+            </p:spPr>
+            <p:txBody>
+              <a:bodyPr wrap="none" lIns="0" tIns="0" rIns="0" bIns="0" rtlCol="0">
+                <a:spAutoFit/>
+              </a:bodyPr>
+              <a:lstStyle/>
+              <a:p>
+                <a14:m>
+                  <m:oMathPara xmlns:m="http://schemas.openxmlformats.org/officeDocument/2006/math">
+                    <m:oMathParaPr>
+                      <m:jc m:val="centerGroup"/>
+                    </m:oMathParaPr>
+                    <m:oMath xmlns:m="http://schemas.openxmlformats.org/officeDocument/2006/math">
+                      <m:sSub>
+                        <m:sSubPr>
+                          <m:ctrlPr>
+                            <a:rPr lang="en-US" altLang="zh-CN" sz="3200" i="1" smtClean="0">
+                              <a:latin typeface="Cambria Math" panose="02040503050406030204" pitchFamily="18" charset="0"/>
+                            </a:rPr>
+                          </m:ctrlPr>
+                        </m:sSubPr>
+                        <m:e>
+                          <m:r>
+                            <a:rPr lang="en-US" altLang="zh-CN" sz="3200" b="0" i="1" smtClean="0">
+                              <a:latin typeface="Cambria Math" panose="02040503050406030204" pitchFamily="18" charset="0"/>
+                            </a:rPr>
+                            <m:t>𝑡</m:t>
+                          </m:r>
+                        </m:e>
+                        <m:sub>
+                          <m:r>
+                            <a:rPr lang="en-US" altLang="zh-CN" sz="3200" b="0" i="1" smtClean="0">
+                              <a:latin typeface="Cambria Math" panose="02040503050406030204" pitchFamily="18" charset="0"/>
+                            </a:rPr>
+                            <m:t>1</m:t>
+                          </m:r>
+                        </m:sub>
+                      </m:sSub>
+                    </m:oMath>
+                  </m:oMathPara>
+                </a14:m>
+                <a:endParaRPr lang="zh-CN" altLang="en-US" sz="3200" dirty="0"/>
+              </a:p>
+            </p:txBody>
+          </p:sp>
+        </mc:Choice>
+        <mc:Fallback>
+          <p:sp>
+            <p:nvSpPr>
+              <p:cNvPr id="39" name="文本框 38">
+                <a:extLst>
+                  <a:ext uri="{FF2B5EF4-FFF2-40B4-BE49-F238E27FC236}">
+                    <a16:creationId xmlns:a16="http://schemas.microsoft.com/office/drawing/2014/main" id="{0FB503E9-9642-8D3D-BC60-63F74C5E17C3}"/>
+                  </a:ext>
+                </a:extLst>
+              </p:cNvPr>
+              <p:cNvSpPr txBox="1">
+                <a:spLocks noRot="1" noChangeAspect="1" noMove="1" noResize="1" noEditPoints="1" noAdjustHandles="1" noChangeArrowheads="1" noChangeShapeType="1" noTextEdit="1"/>
+              </p:cNvSpPr>
+              <p:nvPr/>
+            </p:nvSpPr>
+            <p:spPr>
+              <a:xfrm>
+                <a:off x="9935860" y="4890463"/>
+                <a:ext cx="419923" cy="492443"/>
+              </a:xfrm>
+              <a:prstGeom prst="rect">
+                <a:avLst/>
+              </a:prstGeom>
+              <a:blipFill>
+                <a:blip r:embed="rId17"/>
+                <a:stretch>
+                  <a:fillRect/>
+                </a:stretch>
+              </a:blipFill>
+            </p:spPr>
+            <p:txBody>
+              <a:bodyPr/>
+              <a:lstStyle/>
+              <a:p>
+                <a:r>
+                  <a:rPr lang="zh-CN" altLang="en-US">
+                    <a:noFill/>
+                  </a:rPr>
+                  <a:t> </a:t>
+                </a:r>
+              </a:p>
+            </p:txBody>
+          </p:sp>
+        </mc:Fallback>
+      </mc:AlternateContent>
+      <mc:AlternateContent xmlns:mc="http://schemas.openxmlformats.org/markup-compatibility/2006">
+        <mc:Choice xmlns:a14="http://schemas.microsoft.com/office/drawing/2010/main" Requires="a14">
+          <p:sp>
+            <p:nvSpPr>
+              <p:cNvPr id="40" name="文本框 39">
+                <a:extLst>
+                  <a:ext uri="{FF2B5EF4-FFF2-40B4-BE49-F238E27FC236}">
+                    <a16:creationId xmlns:a16="http://schemas.microsoft.com/office/drawing/2014/main" id="{B7DE6700-CCED-5F12-9F3A-42B6C2DD43F6}"/>
+                  </a:ext>
+                </a:extLst>
+              </p:cNvPr>
+              <p:cNvSpPr txBox="1"/>
+              <p:nvPr/>
+            </p:nvSpPr>
+            <p:spPr>
+              <a:xfrm>
+                <a:off x="17345205" y="4890462"/>
+                <a:ext cx="429413" cy="492443"/>
+              </a:xfrm>
+              <a:prstGeom prst="rect">
+                <a:avLst/>
+              </a:prstGeom>
+              <a:noFill/>
+            </p:spPr>
+            <p:txBody>
+              <a:bodyPr wrap="none" lIns="0" tIns="0" rIns="0" bIns="0" rtlCol="0">
+                <a:spAutoFit/>
+              </a:bodyPr>
+              <a:lstStyle/>
+              <a:p>
+                <a14:m>
+                  <m:oMathPara xmlns:m="http://schemas.openxmlformats.org/officeDocument/2006/math">
+                    <m:oMathParaPr>
+                      <m:jc m:val="centerGroup"/>
+                    </m:oMathParaPr>
+                    <m:oMath xmlns:m="http://schemas.openxmlformats.org/officeDocument/2006/math">
+                      <m:sSub>
+                        <m:sSubPr>
+                          <m:ctrlPr>
+                            <a:rPr lang="en-US" altLang="zh-CN" sz="3200" i="1" smtClean="0">
+                              <a:latin typeface="Cambria Math" panose="02040503050406030204" pitchFamily="18" charset="0"/>
+                            </a:rPr>
+                          </m:ctrlPr>
+                        </m:sSubPr>
+                        <m:e>
+                          <m:r>
+                            <a:rPr lang="en-US" altLang="zh-CN" sz="3200" b="0" i="1" smtClean="0">
+                              <a:latin typeface="Cambria Math" panose="02040503050406030204" pitchFamily="18" charset="0"/>
+                            </a:rPr>
+                            <m:t>𝑡</m:t>
+                          </m:r>
+                        </m:e>
+                        <m:sub>
+                          <m:r>
+                            <a:rPr lang="en-US" altLang="zh-CN" sz="3200" b="0" i="1" smtClean="0">
+                              <a:latin typeface="Cambria Math" panose="02040503050406030204" pitchFamily="18" charset="0"/>
+                            </a:rPr>
+                            <m:t>0</m:t>
+                          </m:r>
+                        </m:sub>
+                      </m:sSub>
+                    </m:oMath>
+                  </m:oMathPara>
+                </a14:m>
+                <a:endParaRPr lang="zh-CN" altLang="en-US" sz="3200" dirty="0"/>
+              </a:p>
+            </p:txBody>
+          </p:sp>
+        </mc:Choice>
+        <mc:Fallback>
+          <p:sp>
+            <p:nvSpPr>
+              <p:cNvPr id="40" name="文本框 39">
+                <a:extLst>
+                  <a:ext uri="{FF2B5EF4-FFF2-40B4-BE49-F238E27FC236}">
+                    <a16:creationId xmlns:a16="http://schemas.microsoft.com/office/drawing/2014/main" id="{B7DE6700-CCED-5F12-9F3A-42B6C2DD43F6}"/>
+                  </a:ext>
+                </a:extLst>
+              </p:cNvPr>
+              <p:cNvSpPr txBox="1">
+                <a:spLocks noRot="1" noChangeAspect="1" noMove="1" noResize="1" noEditPoints="1" noAdjustHandles="1" noChangeArrowheads="1" noChangeShapeType="1" noTextEdit="1"/>
+              </p:cNvSpPr>
+              <p:nvPr/>
+            </p:nvSpPr>
+            <p:spPr>
+              <a:xfrm>
+                <a:off x="17345205" y="4890462"/>
+                <a:ext cx="429413" cy="492443"/>
+              </a:xfrm>
+              <a:prstGeom prst="rect">
+                <a:avLst/>
+              </a:prstGeom>
+              <a:blipFill>
+                <a:blip r:embed="rId18"/>
+                <a:stretch>
+                  <a:fillRect/>
+                </a:stretch>
+              </a:blipFill>
+            </p:spPr>
+            <p:txBody>
+              <a:bodyPr/>
+              <a:lstStyle/>
+              <a:p>
+                <a:r>
+                  <a:rPr lang="zh-CN" altLang="en-US">
+                    <a:noFill/>
+                  </a:rPr>
+                  <a:t> </a:t>
+                </a:r>
+              </a:p>
+            </p:txBody>
+          </p:sp>
+        </mc:Fallback>
+      </mc:AlternateContent>
+      <mc:AlternateContent xmlns:mc="http://schemas.openxmlformats.org/markup-compatibility/2006">
+        <mc:Choice xmlns:a14="http://schemas.microsoft.com/office/drawing/2010/main" Requires="a14">
+          <p:sp>
+            <p:nvSpPr>
+              <p:cNvPr id="41" name="文本框 40">
+                <a:extLst>
+                  <a:ext uri="{FF2B5EF4-FFF2-40B4-BE49-F238E27FC236}">
+                    <a16:creationId xmlns:a16="http://schemas.microsoft.com/office/drawing/2014/main" id="{6D5C918F-6171-2FD9-FD16-7AF365D09967}"/>
+                  </a:ext>
+                </a:extLst>
+              </p:cNvPr>
+              <p:cNvSpPr txBox="1"/>
+              <p:nvPr/>
+            </p:nvSpPr>
+            <p:spPr>
+              <a:xfrm>
+                <a:off x="17335715" y="6787360"/>
+                <a:ext cx="429413" cy="492443"/>
+              </a:xfrm>
+              <a:prstGeom prst="rect">
+                <a:avLst/>
+              </a:prstGeom>
+              <a:noFill/>
+            </p:spPr>
+            <p:txBody>
+              <a:bodyPr wrap="none" lIns="0" tIns="0" rIns="0" bIns="0" rtlCol="0">
+                <a:spAutoFit/>
+              </a:bodyPr>
+              <a:lstStyle/>
+              <a:p>
+                <a14:m>
+                  <m:oMathPara xmlns:m="http://schemas.openxmlformats.org/officeDocument/2006/math">
+                    <m:oMathParaPr>
+                      <m:jc m:val="centerGroup"/>
+                    </m:oMathParaPr>
+                    <m:oMath xmlns:m="http://schemas.openxmlformats.org/officeDocument/2006/math">
+                      <m:sSub>
+                        <m:sSubPr>
+                          <m:ctrlPr>
+                            <a:rPr lang="en-US" altLang="zh-CN" sz="3200" i="1" smtClean="0">
+                              <a:latin typeface="Cambria Math" panose="02040503050406030204" pitchFamily="18" charset="0"/>
+                            </a:rPr>
+                          </m:ctrlPr>
+                        </m:sSubPr>
+                        <m:e>
+                          <m:r>
+                            <a:rPr lang="en-US" altLang="zh-CN" sz="3200" b="0" i="1" smtClean="0">
+                              <a:latin typeface="Cambria Math" panose="02040503050406030204" pitchFamily="18" charset="0"/>
+                            </a:rPr>
+                            <m:t>𝑡</m:t>
+                          </m:r>
+                        </m:e>
+                        <m:sub>
+                          <m:r>
+                            <a:rPr lang="en-US" altLang="zh-CN" sz="3200" b="0" i="1" smtClean="0">
+                              <a:latin typeface="Cambria Math" panose="02040503050406030204" pitchFamily="18" charset="0"/>
+                            </a:rPr>
+                            <m:t>0</m:t>
+                          </m:r>
+                        </m:sub>
+                      </m:sSub>
+                    </m:oMath>
+                  </m:oMathPara>
+                </a14:m>
+                <a:endParaRPr lang="zh-CN" altLang="en-US" sz="3200" dirty="0"/>
+              </a:p>
+            </p:txBody>
+          </p:sp>
+        </mc:Choice>
+        <mc:Fallback>
+          <p:sp>
+            <p:nvSpPr>
+              <p:cNvPr id="41" name="文本框 40">
+                <a:extLst>
+                  <a:ext uri="{FF2B5EF4-FFF2-40B4-BE49-F238E27FC236}">
+                    <a16:creationId xmlns:a16="http://schemas.microsoft.com/office/drawing/2014/main" id="{6D5C918F-6171-2FD9-FD16-7AF365D09967}"/>
+                  </a:ext>
+                </a:extLst>
+              </p:cNvPr>
+              <p:cNvSpPr txBox="1">
+                <a:spLocks noRot="1" noChangeAspect="1" noMove="1" noResize="1" noEditPoints="1" noAdjustHandles="1" noChangeArrowheads="1" noChangeShapeType="1" noTextEdit="1"/>
+              </p:cNvSpPr>
+              <p:nvPr/>
+            </p:nvSpPr>
+            <p:spPr>
+              <a:xfrm>
+                <a:off x="17335715" y="6787360"/>
+                <a:ext cx="429413" cy="492443"/>
+              </a:xfrm>
+              <a:prstGeom prst="rect">
+                <a:avLst/>
+              </a:prstGeom>
+              <a:blipFill>
+                <a:blip r:embed="rId19"/>
+                <a:stretch>
+                  <a:fillRect/>
+                </a:stretch>
+              </a:blipFill>
+            </p:spPr>
+            <p:txBody>
+              <a:bodyPr/>
+              <a:lstStyle/>
+              <a:p>
+                <a:r>
+                  <a:rPr lang="zh-CN" altLang="en-US">
+                    <a:noFill/>
+                  </a:rPr>
+                  <a:t> </a:t>
+                </a:r>
+              </a:p>
+            </p:txBody>
+          </p:sp>
+        </mc:Fallback>
+      </mc:AlternateContent>
+      <mc:AlternateContent xmlns:mc="http://schemas.openxmlformats.org/markup-compatibility/2006">
+        <mc:Choice xmlns:a14="http://schemas.microsoft.com/office/drawing/2010/main" Requires="a14">
+          <p:sp>
+            <p:nvSpPr>
+              <p:cNvPr id="42" name="文本框 41">
+                <a:extLst>
+                  <a:ext uri="{FF2B5EF4-FFF2-40B4-BE49-F238E27FC236}">
+                    <a16:creationId xmlns:a16="http://schemas.microsoft.com/office/drawing/2014/main" id="{DDD60C0B-B589-474B-31F3-A069522B4081}"/>
+                  </a:ext>
+                </a:extLst>
+              </p:cNvPr>
+              <p:cNvSpPr txBox="1"/>
+              <p:nvPr/>
+            </p:nvSpPr>
+            <p:spPr>
+              <a:xfrm>
+                <a:off x="2535943" y="6788437"/>
+                <a:ext cx="419923" cy="492443"/>
+              </a:xfrm>
+              <a:prstGeom prst="rect">
+                <a:avLst/>
+              </a:prstGeom>
+              <a:noFill/>
+            </p:spPr>
+            <p:txBody>
+              <a:bodyPr wrap="none" lIns="0" tIns="0" rIns="0" bIns="0" rtlCol="0">
+                <a:spAutoFit/>
+              </a:bodyPr>
+              <a:lstStyle/>
+              <a:p>
+                <a14:m>
+                  <m:oMathPara xmlns:m="http://schemas.openxmlformats.org/officeDocument/2006/math">
+                    <m:oMathParaPr>
+                      <m:jc m:val="centerGroup"/>
+                    </m:oMathParaPr>
+                    <m:oMath xmlns:m="http://schemas.openxmlformats.org/officeDocument/2006/math">
+                      <m:sSub>
+                        <m:sSubPr>
+                          <m:ctrlPr>
+                            <a:rPr lang="en-US" altLang="zh-CN" sz="3200" i="1" smtClean="0">
+                              <a:latin typeface="Cambria Math" panose="02040503050406030204" pitchFamily="18" charset="0"/>
+                            </a:rPr>
+                          </m:ctrlPr>
+                        </m:sSubPr>
+                        <m:e>
+                          <m:r>
+                            <a:rPr lang="en-US" altLang="zh-CN" sz="3200" b="0" i="1" smtClean="0">
+                              <a:latin typeface="Cambria Math" panose="02040503050406030204" pitchFamily="18" charset="0"/>
+                            </a:rPr>
+                            <m:t>𝑡</m:t>
+                          </m:r>
+                        </m:e>
+                        <m:sub>
+                          <m:r>
+                            <a:rPr lang="en-US" altLang="zh-CN" sz="3200" b="0" i="1" smtClean="0">
+                              <a:latin typeface="Cambria Math" panose="02040503050406030204" pitchFamily="18" charset="0"/>
+                            </a:rPr>
+                            <m:t>1</m:t>
+                          </m:r>
+                        </m:sub>
+                      </m:sSub>
+                    </m:oMath>
+                  </m:oMathPara>
+                </a14:m>
+                <a:endParaRPr lang="zh-CN" altLang="en-US" sz="3200" dirty="0"/>
+              </a:p>
+            </p:txBody>
+          </p:sp>
+        </mc:Choice>
+        <mc:Fallback>
+          <p:sp>
+            <p:nvSpPr>
+              <p:cNvPr id="42" name="文本框 41">
+                <a:extLst>
+                  <a:ext uri="{FF2B5EF4-FFF2-40B4-BE49-F238E27FC236}">
+                    <a16:creationId xmlns:a16="http://schemas.microsoft.com/office/drawing/2014/main" id="{DDD60C0B-B589-474B-31F3-A069522B4081}"/>
+                  </a:ext>
+                </a:extLst>
+              </p:cNvPr>
+              <p:cNvSpPr txBox="1">
+                <a:spLocks noRot="1" noChangeAspect="1" noMove="1" noResize="1" noEditPoints="1" noAdjustHandles="1" noChangeArrowheads="1" noChangeShapeType="1" noTextEdit="1"/>
+              </p:cNvSpPr>
+              <p:nvPr/>
+            </p:nvSpPr>
+            <p:spPr>
+              <a:xfrm>
+                <a:off x="2535943" y="6788437"/>
+                <a:ext cx="419923" cy="492443"/>
+              </a:xfrm>
+              <a:prstGeom prst="rect">
+                <a:avLst/>
+              </a:prstGeom>
+              <a:blipFill>
+                <a:blip r:embed="rId20"/>
+                <a:stretch>
+                  <a:fillRect/>
+                </a:stretch>
+              </a:blipFill>
+            </p:spPr>
+            <p:txBody>
+              <a:bodyPr/>
+              <a:lstStyle/>
+              <a:p>
+                <a:r>
+                  <a:rPr lang="zh-CN" altLang="en-US">
+                    <a:noFill/>
+                  </a:rPr>
+                  <a:t> </a:t>
+                </a:r>
+              </a:p>
+            </p:txBody>
+          </p:sp>
+        </mc:Fallback>
+      </mc:AlternateContent>
+      <p:sp>
+        <p:nvSpPr>
+          <p:cNvPr id="43" name="箭头: 下 42">
+            <a:extLst>
+              <a:ext uri="{FF2B5EF4-FFF2-40B4-BE49-F238E27FC236}">
+                <a16:creationId xmlns:a16="http://schemas.microsoft.com/office/drawing/2014/main" id="{C1C44DD6-9188-408F-008D-102FA89C2AAE}"/>
+              </a:ext>
+            </a:extLst>
+          </p:cNvPr>
+          <p:cNvSpPr/>
+          <p:nvPr/>
+        </p:nvSpPr>
+        <p:spPr>
+          <a:xfrm>
+            <a:off x="9649012" y="2225996"/>
+            <a:ext cx="974640" cy="655455"/>
+          </a:xfrm>
+          <a:prstGeom prst="downArrow">
+            <a:avLst/>
+          </a:prstGeom>
+          <a:solidFill>
+            <a:schemeClr val="accent2">
+              <a:lumMod val="20000"/>
+              <a:lumOff val="80000"/>
+            </a:schemeClr>
+          </a:solidFill>
+          <a:ln w="9525"/>
+        </p:spPr>
+        <p:style>
+          <a:lnRef idx="2">
+            <a:schemeClr val="accent1">
+              <a:shade val="15000"/>
+            </a:schemeClr>
+          </a:lnRef>
+          <a:fillRef idx="1">
+            <a:schemeClr val="accent1"/>
+          </a:fillRef>
+          <a:effectRef idx="0">
+            <a:schemeClr val="accent1"/>
+          </a:effectRef>
+          <a:fontRef idx="minor">
+            <a:schemeClr val="lt1"/>
+          </a:fontRef>
+        </p:style>
+        <p:txBody>
+          <a:bodyPr rtlCol="0" anchor="ctr"/>
+          <a:lstStyle/>
+          <a:p>
+            <a:pPr algn="ctr"/>
+            <a:endParaRPr lang="zh-CN" altLang="en-US"/>
+          </a:p>
+        </p:txBody>
+      </p:sp>
+      <p:sp>
+        <p:nvSpPr>
+          <p:cNvPr id="44" name="箭头: 下 43">
+            <a:extLst>
+              <a:ext uri="{FF2B5EF4-FFF2-40B4-BE49-F238E27FC236}">
+                <a16:creationId xmlns:a16="http://schemas.microsoft.com/office/drawing/2014/main" id="{CE3A66B5-A5CF-7E42-FF82-9408D549CAF3}"/>
+              </a:ext>
+            </a:extLst>
+          </p:cNvPr>
+          <p:cNvSpPr/>
+          <p:nvPr/>
+        </p:nvSpPr>
+        <p:spPr>
+          <a:xfrm>
+            <a:off x="9649012" y="3975269"/>
+            <a:ext cx="974640" cy="655455"/>
+          </a:xfrm>
+          <a:prstGeom prst="downArrow">
+            <a:avLst/>
+          </a:prstGeom>
+          <a:solidFill>
+            <a:schemeClr val="accent2">
+              <a:lumMod val="20000"/>
+              <a:lumOff val="80000"/>
+            </a:schemeClr>
+          </a:solidFill>
+          <a:ln w="9525"/>
+        </p:spPr>
+        <p:style>
+          <a:lnRef idx="2">
+            <a:schemeClr val="accent1">
+              <a:shade val="15000"/>
+            </a:schemeClr>
+          </a:lnRef>
+          <a:fillRef idx="1">
+            <a:schemeClr val="accent1"/>
+          </a:fillRef>
+          <a:effectRef idx="0">
+            <a:schemeClr val="accent1"/>
+          </a:effectRef>
+          <a:fontRef idx="minor">
+            <a:schemeClr val="lt1"/>
+          </a:fontRef>
+        </p:style>
+        <p:txBody>
+          <a:bodyPr rtlCol="0" anchor="ctr"/>
+          <a:lstStyle/>
+          <a:p>
+            <a:pPr algn="ctr"/>
+            <a:endParaRPr lang="zh-CN" altLang="en-US"/>
+          </a:p>
+        </p:txBody>
+      </p:sp>
+      <p:sp>
+        <p:nvSpPr>
+          <p:cNvPr id="45" name="箭头: 下 44">
+            <a:extLst>
+              <a:ext uri="{FF2B5EF4-FFF2-40B4-BE49-F238E27FC236}">
+                <a16:creationId xmlns:a16="http://schemas.microsoft.com/office/drawing/2014/main" id="{515EEA52-E99A-8C71-EA13-7F3FFA37B2F9}"/>
+              </a:ext>
+            </a:extLst>
+          </p:cNvPr>
+          <p:cNvSpPr/>
+          <p:nvPr/>
+        </p:nvSpPr>
+        <p:spPr>
+          <a:xfrm>
+            <a:off x="9649012" y="5827608"/>
+            <a:ext cx="974640" cy="655455"/>
+          </a:xfrm>
+          <a:prstGeom prst="downArrow">
+            <a:avLst/>
+          </a:prstGeom>
+          <a:solidFill>
+            <a:schemeClr val="accent2">
+              <a:lumMod val="20000"/>
+              <a:lumOff val="80000"/>
+            </a:schemeClr>
+          </a:solidFill>
+          <a:ln w="9525"/>
+        </p:spPr>
+        <p:style>
+          <a:lnRef idx="2">
+            <a:schemeClr val="accent1">
+              <a:shade val="15000"/>
+            </a:schemeClr>
+          </a:lnRef>
+          <a:fillRef idx="1">
+            <a:schemeClr val="accent1"/>
+          </a:fillRef>
+          <a:effectRef idx="0">
+            <a:schemeClr val="accent1"/>
+          </a:effectRef>
+          <a:fontRef idx="minor">
+            <a:schemeClr val="lt1"/>
+          </a:fontRef>
+        </p:style>
+        <p:txBody>
+          <a:bodyPr rtlCol="0" anchor="ctr"/>
+          <a:lstStyle/>
+          <a:p>
+            <a:pPr algn="ctr"/>
+            <a:endParaRPr lang="zh-CN" altLang="en-US"/>
+          </a:p>
+        </p:txBody>
+      </p:sp>
+      <p:sp>
+        <p:nvSpPr>
+          <p:cNvPr id="46" name="文本框 45">
+            <a:extLst>
+              <a:ext uri="{FF2B5EF4-FFF2-40B4-BE49-F238E27FC236}">
+                <a16:creationId xmlns:a16="http://schemas.microsoft.com/office/drawing/2014/main" id="{049D9027-E44D-E06C-80E5-8D584BF8B5EC}"/>
+              </a:ext>
+            </a:extLst>
+          </p:cNvPr>
+          <p:cNvSpPr txBox="1"/>
+          <p:nvPr/>
+        </p:nvSpPr>
+        <p:spPr>
+          <a:xfrm>
+            <a:off x="10761244" y="2277433"/>
+            <a:ext cx="1566454" cy="461665"/>
+          </a:xfrm>
+          <a:prstGeom prst="rect">
+            <a:avLst/>
+          </a:prstGeom>
+          <a:noFill/>
+        </p:spPr>
+        <p:txBody>
+          <a:bodyPr wrap="none" rtlCol="0">
+            <a:spAutoFit/>
+          </a:bodyPr>
+          <a:lstStyle/>
+          <a:p>
+            <a:r>
+              <a:rPr lang="en-US" altLang="zh-CN" sz="2400" dirty="0">
+                <a:latin typeface="Times New Roman" panose="02020603050405020304" pitchFamily="18" charset="0"/>
+                <a:cs typeface="Times New Roman" panose="02020603050405020304" pitchFamily="18" charset="0"/>
+              </a:rPr>
+              <a:t>Distillation</a:t>
+            </a:r>
+            <a:endParaRPr lang="zh-CN" altLang="en-US" dirty="0">
+              <a:latin typeface="Times New Roman" panose="02020603050405020304" pitchFamily="18" charset="0"/>
+              <a:cs typeface="Times New Roman" panose="02020603050405020304" pitchFamily="18" charset="0"/>
+            </a:endParaRPr>
+          </a:p>
+        </p:txBody>
+      </p:sp>
+      <p:sp>
+        <p:nvSpPr>
+          <p:cNvPr id="47" name="文本框 46">
+            <a:extLst>
+              <a:ext uri="{FF2B5EF4-FFF2-40B4-BE49-F238E27FC236}">
+                <a16:creationId xmlns:a16="http://schemas.microsoft.com/office/drawing/2014/main" id="{53A5C25B-6493-8020-3411-ABF55D5F951C}"/>
+              </a:ext>
+            </a:extLst>
+          </p:cNvPr>
+          <p:cNvSpPr txBox="1"/>
+          <p:nvPr/>
+        </p:nvSpPr>
+        <p:spPr>
+          <a:xfrm>
+            <a:off x="10761244" y="4056468"/>
+            <a:ext cx="1566454" cy="461665"/>
+          </a:xfrm>
+          <a:prstGeom prst="rect">
+            <a:avLst/>
+          </a:prstGeom>
+          <a:noFill/>
+        </p:spPr>
+        <p:txBody>
+          <a:bodyPr wrap="none" rtlCol="0">
+            <a:spAutoFit/>
+          </a:bodyPr>
+          <a:lstStyle/>
+          <a:p>
+            <a:r>
+              <a:rPr lang="en-US" altLang="zh-CN" sz="2400" dirty="0">
+                <a:latin typeface="Times New Roman" panose="02020603050405020304" pitchFamily="18" charset="0"/>
+                <a:cs typeface="Times New Roman" panose="02020603050405020304" pitchFamily="18" charset="0"/>
+              </a:rPr>
+              <a:t>Distillation</a:t>
+            </a:r>
+            <a:endParaRPr lang="zh-CN" altLang="en-US" dirty="0">
+              <a:latin typeface="Times New Roman" panose="02020603050405020304" pitchFamily="18" charset="0"/>
+              <a:cs typeface="Times New Roman" panose="02020603050405020304" pitchFamily="18" charset="0"/>
+            </a:endParaRPr>
+          </a:p>
+        </p:txBody>
+      </p:sp>
+      <p:sp>
+        <p:nvSpPr>
+          <p:cNvPr id="48" name="文本框 47">
+            <a:extLst>
+              <a:ext uri="{FF2B5EF4-FFF2-40B4-BE49-F238E27FC236}">
+                <a16:creationId xmlns:a16="http://schemas.microsoft.com/office/drawing/2014/main" id="{B664555D-2279-A191-02AD-6D6E8A1E47A2}"/>
+              </a:ext>
+            </a:extLst>
+          </p:cNvPr>
+          <p:cNvSpPr txBox="1"/>
+          <p:nvPr/>
+        </p:nvSpPr>
+        <p:spPr>
+          <a:xfrm>
+            <a:off x="10761244" y="5905980"/>
+            <a:ext cx="1566454" cy="461665"/>
+          </a:xfrm>
+          <a:prstGeom prst="rect">
+            <a:avLst/>
+          </a:prstGeom>
+          <a:noFill/>
+        </p:spPr>
+        <p:txBody>
+          <a:bodyPr wrap="none" rtlCol="0">
+            <a:spAutoFit/>
+          </a:bodyPr>
+          <a:lstStyle/>
+          <a:p>
+            <a:r>
+              <a:rPr lang="en-US" altLang="zh-CN" sz="2400" dirty="0">
+                <a:latin typeface="Times New Roman" panose="02020603050405020304" pitchFamily="18" charset="0"/>
+                <a:cs typeface="Times New Roman" panose="02020603050405020304" pitchFamily="18" charset="0"/>
+              </a:rPr>
+              <a:t>Distillation</a:t>
+            </a:r>
+            <a:endParaRPr lang="zh-CN" altLang="en-US" dirty="0">
+              <a:latin typeface="Times New Roman" panose="02020603050405020304" pitchFamily="18" charset="0"/>
+              <a:cs typeface="Times New Roman" panose="02020603050405020304" pitchFamily="18" charset="0"/>
+            </a:endParaRPr>
+          </a:p>
+        </p:txBody>
+      </p:sp>
+      <p:sp>
+        <p:nvSpPr>
+          <p:cNvPr id="49" name="文本框 48">
+            <a:extLst>
+              <a:ext uri="{FF2B5EF4-FFF2-40B4-BE49-F238E27FC236}">
+                <a16:creationId xmlns:a16="http://schemas.microsoft.com/office/drawing/2014/main" id="{83BF5853-B4C2-F426-8804-38A298DEBBE0}"/>
+              </a:ext>
+            </a:extLst>
+          </p:cNvPr>
+          <p:cNvSpPr txBox="1"/>
+          <p:nvPr/>
+        </p:nvSpPr>
+        <p:spPr>
+          <a:xfrm>
+            <a:off x="18235335" y="1439102"/>
+            <a:ext cx="1152239" cy="461665"/>
+          </a:xfrm>
+          <a:prstGeom prst="rect">
+            <a:avLst/>
+          </a:prstGeom>
+          <a:noFill/>
+        </p:spPr>
+        <p:txBody>
+          <a:bodyPr wrap="none" rtlCol="0">
+            <a:spAutoFit/>
+          </a:bodyPr>
+          <a:lstStyle/>
+          <a:p>
+            <a:r>
+              <a:rPr lang="en-US" altLang="zh-CN" sz="2400" dirty="0">
+                <a:latin typeface="Times New Roman" panose="02020603050405020304" pitchFamily="18" charset="0"/>
+                <a:cs typeface="Times New Roman" panose="02020603050405020304" pitchFamily="18" charset="0"/>
+              </a:rPr>
+              <a:t>Teacher</a:t>
+            </a:r>
+            <a:endParaRPr lang="zh-CN" altLang="en-US" dirty="0">
+              <a:latin typeface="Times New Roman" panose="02020603050405020304" pitchFamily="18" charset="0"/>
+              <a:cs typeface="Times New Roman" panose="02020603050405020304" pitchFamily="18" charset="0"/>
+            </a:endParaRPr>
+          </a:p>
+        </p:txBody>
+      </p:sp>
+      <p:sp>
+        <p:nvSpPr>
+          <p:cNvPr id="50" name="文本框 49">
+            <a:extLst>
+              <a:ext uri="{FF2B5EF4-FFF2-40B4-BE49-F238E27FC236}">
+                <a16:creationId xmlns:a16="http://schemas.microsoft.com/office/drawing/2014/main" id="{03DFE7C2-5298-EC45-BD60-69D52B477256}"/>
+              </a:ext>
+            </a:extLst>
+          </p:cNvPr>
+          <p:cNvSpPr txBox="1"/>
+          <p:nvPr/>
+        </p:nvSpPr>
+        <p:spPr>
+          <a:xfrm>
+            <a:off x="18235335" y="6863577"/>
+            <a:ext cx="1124026" cy="461665"/>
+          </a:xfrm>
+          <a:prstGeom prst="rect">
+            <a:avLst/>
+          </a:prstGeom>
+          <a:noFill/>
+        </p:spPr>
+        <p:txBody>
+          <a:bodyPr wrap="none" rtlCol="0">
+            <a:spAutoFit/>
+          </a:bodyPr>
+          <a:lstStyle/>
+          <a:p>
+            <a:r>
+              <a:rPr lang="en-US" altLang="zh-CN" sz="2400" dirty="0">
+                <a:latin typeface="Times New Roman" panose="02020603050405020304" pitchFamily="18" charset="0"/>
+                <a:cs typeface="Times New Roman" panose="02020603050405020304" pitchFamily="18" charset="0"/>
+              </a:rPr>
+              <a:t>Student</a:t>
+            </a:r>
+            <a:endParaRPr lang="zh-CN" altLang="en-US" dirty="0">
+              <a:latin typeface="Times New Roman" panose="02020603050405020304" pitchFamily="18" charset="0"/>
+              <a:cs typeface="Times New Roman" panose="02020603050405020304" pitchFamily="18" charset="0"/>
+            </a:endParaRPr>
+          </a:p>
+        </p:txBody>
+      </p:sp>
+      <p:cxnSp>
+        <p:nvCxnSpPr>
+          <p:cNvPr id="52" name="直接箭头连接符 51">
+            <a:extLst>
+              <a:ext uri="{FF2B5EF4-FFF2-40B4-BE49-F238E27FC236}">
+                <a16:creationId xmlns:a16="http://schemas.microsoft.com/office/drawing/2014/main" id="{5763FA61-B5A5-D4B1-9A5E-5F684430B43B}"/>
+              </a:ext>
+            </a:extLst>
+          </p:cNvPr>
+          <p:cNvCxnSpPr>
+            <a:cxnSpLocks/>
+            <a:stCxn id="49" idx="2"/>
+            <a:endCxn id="50" idx="0"/>
+          </p:cNvCxnSpPr>
+          <p:nvPr/>
+        </p:nvCxnSpPr>
+        <p:spPr>
+          <a:xfrm flipH="1">
+            <a:off x="18797348" y="1900767"/>
+            <a:ext cx="14107" cy="4962810"/>
+          </a:xfrm>
+          <a:prstGeom prst="straightConnector1">
+            <a:avLst/>
+          </a:prstGeom>
+          <a:ln>
+            <a:solidFill>
+              <a:schemeClr val="tx1"/>
+            </a:solidFill>
+            <a:prstDash val="dash"/>
+            <a:tailEnd type="triangle"/>
+          </a:ln>
+        </p:spPr>
+        <p:style>
+          <a:lnRef idx="2">
+            <a:schemeClr val="accent1"/>
+          </a:lnRef>
+          <a:fillRef idx="0">
+            <a:schemeClr val="accent1"/>
+          </a:fillRef>
+          <a:effectRef idx="1">
+            <a:schemeClr val="accent1"/>
+          </a:effectRef>
+          <a:fontRef idx="minor">
+            <a:schemeClr val="tx1"/>
+          </a:fontRef>
+        </p:style>
+      </p:cxnSp>
+    </p:spTree>
+    <p:extLst>
+      <p:ext uri="{BB962C8B-B14F-4D97-AF65-F5344CB8AC3E}">
+        <p14:creationId xmlns:p14="http://schemas.microsoft.com/office/powerpoint/2010/main" val="3475435583"/>
+      </p:ext>
+    </p:extLst>
+  </p:cSld>
+  <p:clrMapOvr>
+    <a:masterClrMapping/>
+  </p:clrMapOvr>
+</p:sld>
+</file>
+
 <file path=ppt/theme/theme1.xml><?xml version="1.0" encoding="utf-8"?>
 <a:theme xmlns:a="http://schemas.openxmlformats.org/drawingml/2006/main" name="Office 主题​​">
   <a:themeElements>

--- a/images/posts/2025-05-20-blog-post/新建 Microsoft PowerPoint 演示文稿.pptx
+++ b/images/posts/2025-05-20-blog-post/新建 Microsoft PowerPoint 演示文稿.pptx
@@ -12055,47 +12055,6 @@
       </p:grpSpPr>
       <p:cxnSp>
         <p:nvCxnSpPr>
-          <p:cNvPr id="6" name="直接箭头连接符 5">
-            <a:extLst>
-              <a:ext uri="{FF2B5EF4-FFF2-40B4-BE49-F238E27FC236}">
-                <a16:creationId xmlns:a16="http://schemas.microsoft.com/office/drawing/2014/main" id="{8CF74D06-55D1-01DD-AD6C-11F49890D963}"/>
-              </a:ext>
-            </a:extLst>
-          </p:cNvPr>
-          <p:cNvCxnSpPr>
-            <a:cxnSpLocks/>
-          </p:cNvCxnSpPr>
-          <p:nvPr/>
-        </p:nvCxnSpPr>
-        <p:spPr>
-          <a:xfrm flipV="1">
-            <a:off x="3548063" y="2179178"/>
-            <a:ext cx="1280311" cy="596602"/>
-          </a:xfrm>
-          <a:prstGeom prst="straightConnector1">
-            <a:avLst/>
-          </a:prstGeom>
-          <a:ln>
-            <a:tailEnd type="triangle"/>
-          </a:ln>
-        </p:spPr>
-        <p:style>
-          <a:lnRef idx="2">
-            <a:schemeClr val="accent1"/>
-          </a:lnRef>
-          <a:fillRef idx="0">
-            <a:schemeClr val="accent1"/>
-          </a:fillRef>
-          <a:effectRef idx="1">
-            <a:schemeClr val="accent1"/>
-          </a:effectRef>
-          <a:fontRef idx="minor">
-            <a:schemeClr val="tx1"/>
-          </a:fontRef>
-        </p:style>
-      </p:cxnSp>
-      <p:cxnSp>
-        <p:nvCxnSpPr>
           <p:cNvPr id="8" name="直接箭头连接符 7">
             <a:extLst>
               <a:ext uri="{FF2B5EF4-FFF2-40B4-BE49-F238E27FC236}">
@@ -12110,13 +12069,16 @@
         </p:nvCxnSpPr>
         <p:spPr>
           <a:xfrm>
-            <a:off x="4828374" y="2177575"/>
+            <a:off x="4604625" y="1968204"/>
             <a:ext cx="863125" cy="463075"/>
           </a:xfrm>
           <a:prstGeom prst="straightConnector1">
             <a:avLst/>
           </a:prstGeom>
-          <a:ln>
+          <a:ln w="38100">
+            <a:solidFill>
+              <a:schemeClr val="accent5"/>
+            </a:solidFill>
             <a:tailEnd type="triangle"/>
           </a:ln>
         </p:spPr>
@@ -12151,13 +12113,16 @@
         </p:nvCxnSpPr>
         <p:spPr>
           <a:xfrm flipV="1">
-            <a:off x="5691499" y="2042445"/>
+            <a:off x="5467750" y="1833074"/>
             <a:ext cx="717847" cy="598205"/>
           </a:xfrm>
           <a:prstGeom prst="straightConnector1">
             <a:avLst/>
           </a:prstGeom>
-          <a:ln>
+          <a:ln w="38100">
+            <a:solidFill>
+              <a:schemeClr val="accent5"/>
+            </a:solidFill>
             <a:tailEnd type="triangle"/>
           </a:ln>
         </p:spPr>
@@ -12192,13 +12157,16 @@
         </p:nvCxnSpPr>
         <p:spPr>
           <a:xfrm flipV="1">
-            <a:off x="6409346" y="1119499"/>
-            <a:ext cx="324740" cy="922946"/>
+            <a:off x="6185597" y="1602337"/>
+            <a:ext cx="2794475" cy="230737"/>
           </a:xfrm>
           <a:prstGeom prst="straightConnector1">
             <a:avLst/>
           </a:prstGeom>
-          <a:ln>
+          <a:ln w="38100">
+            <a:solidFill>
+              <a:schemeClr val="accent5"/>
+            </a:solidFill>
             <a:tailEnd type="triangle"/>
           </a:ln>
         </p:spPr>
@@ -12233,13 +12201,16 @@
         </p:nvCxnSpPr>
         <p:spPr>
           <a:xfrm>
-            <a:off x="6734086" y="1220624"/>
-            <a:ext cx="1232019" cy="360348"/>
+            <a:off x="8980072" y="1602337"/>
+            <a:ext cx="2159239" cy="760576"/>
           </a:xfrm>
           <a:prstGeom prst="straightConnector1">
             <a:avLst/>
           </a:prstGeom>
-          <a:ln>
+          <a:ln w="38100">
+            <a:solidFill>
+              <a:schemeClr val="accent5"/>
+            </a:solidFill>
             <a:tailEnd type="triangle"/>
           </a:ln>
         </p:spPr>
@@ -12274,13 +12245,16 @@
         </p:nvCxnSpPr>
         <p:spPr>
           <a:xfrm flipV="1">
-            <a:off x="7966105" y="1170062"/>
+            <a:off x="11075217" y="1901441"/>
             <a:ext cx="717847" cy="461472"/>
           </a:xfrm>
           <a:prstGeom prst="straightConnector1">
             <a:avLst/>
           </a:prstGeom>
-          <a:ln>
+          <a:ln w="38100">
+            <a:solidFill>
+              <a:schemeClr val="accent5"/>
+            </a:solidFill>
             <a:tailEnd type="triangle"/>
           </a:ln>
         </p:spPr>
@@ -12315,13 +12289,16 @@
         </p:nvCxnSpPr>
         <p:spPr>
           <a:xfrm>
-            <a:off x="8683952" y="1220624"/>
+            <a:off x="11793064" y="1952003"/>
             <a:ext cx="1365902" cy="599630"/>
           </a:xfrm>
           <a:prstGeom prst="straightConnector1">
             <a:avLst/>
           </a:prstGeom>
-          <a:ln>
+          <a:ln w="38100">
+            <a:solidFill>
+              <a:schemeClr val="accent5"/>
+            </a:solidFill>
             <a:tailEnd type="triangle"/>
           </a:ln>
         </p:spPr>
@@ -12356,95 +12333,16 @@
         </p:nvCxnSpPr>
         <p:spPr>
           <a:xfrm>
-            <a:off x="10081915" y="1811708"/>
-            <a:ext cx="1019072" cy="111096"/>
+            <a:off x="13191027" y="2543087"/>
+            <a:ext cx="2488949" cy="89731"/>
           </a:xfrm>
           <a:prstGeom prst="straightConnector1">
             <a:avLst/>
           </a:prstGeom>
-          <a:ln>
-            <a:tailEnd type="triangle"/>
-          </a:ln>
-        </p:spPr>
-        <p:style>
-          <a:lnRef idx="2">
-            <a:schemeClr val="accent1"/>
-          </a:lnRef>
-          <a:fillRef idx="0">
-            <a:schemeClr val="accent1"/>
-          </a:fillRef>
-          <a:effectRef idx="1">
-            <a:schemeClr val="accent1"/>
-          </a:effectRef>
-          <a:fontRef idx="minor">
-            <a:schemeClr val="tx1"/>
-          </a:fontRef>
-        </p:style>
-      </p:cxnSp>
-      <p:cxnSp>
-        <p:nvCxnSpPr>
-          <p:cNvPr id="22" name="直接箭头连接符 21">
-            <a:extLst>
-              <a:ext uri="{FF2B5EF4-FFF2-40B4-BE49-F238E27FC236}">
-                <a16:creationId xmlns:a16="http://schemas.microsoft.com/office/drawing/2014/main" id="{B6EF7E71-3ED8-3184-245B-489E762A7A3B}"/>
-              </a:ext>
-            </a:extLst>
-          </p:cNvPr>
-          <p:cNvCxnSpPr>
-            <a:cxnSpLocks/>
-          </p:cNvCxnSpPr>
-          <p:nvPr/>
-        </p:nvCxnSpPr>
-        <p:spPr>
-          <a:xfrm>
-            <a:off x="11100987" y="1945237"/>
-            <a:ext cx="752030" cy="464677"/>
-          </a:xfrm>
-          <a:prstGeom prst="straightConnector1">
-            <a:avLst/>
-          </a:prstGeom>
-          <a:ln>
-            <a:tailEnd type="triangle"/>
-          </a:ln>
-        </p:spPr>
-        <p:style>
-          <a:lnRef idx="2">
-            <a:schemeClr val="accent1"/>
-          </a:lnRef>
-          <a:fillRef idx="0">
-            <a:schemeClr val="accent1"/>
-          </a:fillRef>
-          <a:effectRef idx="1">
-            <a:schemeClr val="accent1"/>
-          </a:effectRef>
-          <a:fontRef idx="minor">
-            <a:schemeClr val="tx1"/>
-          </a:fontRef>
-        </p:style>
-      </p:cxnSp>
-      <p:cxnSp>
-        <p:nvCxnSpPr>
-          <p:cNvPr id="25" name="直接箭头连接符 24">
-            <a:extLst>
-              <a:ext uri="{FF2B5EF4-FFF2-40B4-BE49-F238E27FC236}">
-                <a16:creationId xmlns:a16="http://schemas.microsoft.com/office/drawing/2014/main" id="{ED993575-FCDA-4CBD-7E07-F148613F38CF}"/>
-              </a:ext>
-            </a:extLst>
-          </p:cNvPr>
-          <p:cNvCxnSpPr>
-            <a:cxnSpLocks/>
-          </p:cNvCxnSpPr>
-          <p:nvPr/>
-        </p:nvCxnSpPr>
-        <p:spPr>
-          <a:xfrm flipV="1">
-            <a:off x="11853017" y="1901439"/>
-            <a:ext cx="717847" cy="461472"/>
-          </a:xfrm>
-          <a:prstGeom prst="straightConnector1">
-            <a:avLst/>
-          </a:prstGeom>
-          <a:ln>
+          <a:ln w="38100">
+            <a:solidFill>
+              <a:schemeClr val="accent5"/>
+            </a:solidFill>
             <a:tailEnd type="triangle"/>
           </a:ln>
         </p:spPr>
@@ -12479,13 +12377,16 @@
         </p:nvCxnSpPr>
         <p:spPr>
           <a:xfrm>
-            <a:off x="12605047" y="1901439"/>
+            <a:off x="15714159" y="2632818"/>
             <a:ext cx="1197836" cy="508475"/>
           </a:xfrm>
           <a:prstGeom prst="straightConnector1">
             <a:avLst/>
           </a:prstGeom>
-          <a:ln>
+          <a:ln w="38100">
+            <a:solidFill>
+              <a:schemeClr val="accent5"/>
+            </a:solidFill>
             <a:tailEnd type="triangle"/>
           </a:ln>
         </p:spPr>
@@ -12504,9 +12405,778 @@
           </a:fontRef>
         </p:style>
       </p:cxnSp>
+      <p:sp>
+        <p:nvSpPr>
+          <p:cNvPr id="9" name="任意多边形: 形状 8">
+            <a:extLst>
+              <a:ext uri="{FF2B5EF4-FFF2-40B4-BE49-F238E27FC236}">
+                <a16:creationId xmlns:a16="http://schemas.microsoft.com/office/drawing/2014/main" id="{712AE939-209E-4190-0FEF-3BE24C7E5820}"/>
+              </a:ext>
+            </a:extLst>
+          </p:cNvPr>
+          <p:cNvSpPr/>
+          <p:nvPr/>
+        </p:nvSpPr>
+        <p:spPr>
+          <a:xfrm>
+            <a:off x="17624280" y="1495514"/>
+            <a:ext cx="2880001" cy="3004256"/>
+          </a:xfrm>
+          <a:custGeom>
+            <a:avLst/>
+            <a:gdLst>
+              <a:gd name="connsiteX0" fmla="*/ 1461330 w 3752261"/>
+              <a:gd name="connsiteY0" fmla="*/ 51275 h 3879791"/>
+              <a:gd name="connsiteX1" fmla="*/ 1589517 w 3752261"/>
+              <a:gd name="connsiteY1" fmla="*/ 59821 h 3879791"/>
+              <a:gd name="connsiteX2" fmla="*/ 1777525 w 3752261"/>
+              <a:gd name="connsiteY2" fmla="*/ 111095 h 3879791"/>
+              <a:gd name="connsiteX3" fmla="*/ 1999715 w 3752261"/>
+              <a:gd name="connsiteY3" fmla="*/ 247828 h 3879791"/>
+              <a:gd name="connsiteX4" fmla="*/ 2196269 w 3752261"/>
+              <a:gd name="connsiteY4" fmla="*/ 401652 h 3879791"/>
+              <a:gd name="connsiteX5" fmla="*/ 2315910 w 3752261"/>
+              <a:gd name="connsiteY5" fmla="*/ 495656 h 3879791"/>
+              <a:gd name="connsiteX6" fmla="*/ 2512463 w 3752261"/>
+              <a:gd name="connsiteY6" fmla="*/ 683664 h 3879791"/>
+              <a:gd name="connsiteX7" fmla="*/ 2597921 w 3752261"/>
+              <a:gd name="connsiteY7" fmla="*/ 854580 h 3879791"/>
+              <a:gd name="connsiteX8" fmla="*/ 2674833 w 3752261"/>
+              <a:gd name="connsiteY8" fmla="*/ 1042587 h 3879791"/>
+              <a:gd name="connsiteX9" fmla="*/ 2743200 w 3752261"/>
+              <a:gd name="connsiteY9" fmla="*/ 1222049 h 3879791"/>
+              <a:gd name="connsiteX10" fmla="*/ 2854295 w 3752261"/>
+              <a:gd name="connsiteY10" fmla="*/ 1435694 h 3879791"/>
+              <a:gd name="connsiteX11" fmla="*/ 2845749 w 3752261"/>
+              <a:gd name="connsiteY11" fmla="*/ 1640793 h 3879791"/>
+              <a:gd name="connsiteX12" fmla="*/ 2768837 w 3752261"/>
+              <a:gd name="connsiteY12" fmla="*/ 1751888 h 3879791"/>
+              <a:gd name="connsiteX13" fmla="*/ 2743200 w 3752261"/>
+              <a:gd name="connsiteY13" fmla="*/ 1862983 h 3879791"/>
+              <a:gd name="connsiteX14" fmla="*/ 2751745 w 3752261"/>
+              <a:gd name="connsiteY14" fmla="*/ 1965533 h 3879791"/>
+              <a:gd name="connsiteX15" fmla="*/ 2862841 w 3752261"/>
+              <a:gd name="connsiteY15" fmla="*/ 2068082 h 3879791"/>
+              <a:gd name="connsiteX16" fmla="*/ 3153398 w 3752261"/>
+              <a:gd name="connsiteY16" fmla="*/ 2264636 h 3879791"/>
+              <a:gd name="connsiteX17" fmla="*/ 3572142 w 3752261"/>
+              <a:gd name="connsiteY17" fmla="*/ 2478281 h 3879791"/>
+              <a:gd name="connsiteX18" fmla="*/ 3708874 w 3752261"/>
+              <a:gd name="connsiteY18" fmla="*/ 2589376 h 3879791"/>
+              <a:gd name="connsiteX19" fmla="*/ 3743057 w 3752261"/>
+              <a:gd name="connsiteY19" fmla="*/ 2640651 h 3879791"/>
+              <a:gd name="connsiteX20" fmla="*/ 3734512 w 3752261"/>
+              <a:gd name="connsiteY20" fmla="*/ 2973937 h 3879791"/>
+              <a:gd name="connsiteX21" fmla="*/ 3631962 w 3752261"/>
+              <a:gd name="connsiteY21" fmla="*/ 3110669 h 3879791"/>
+              <a:gd name="connsiteX22" fmla="*/ 3136306 w 3752261"/>
+              <a:gd name="connsiteY22" fmla="*/ 3409772 h 3879791"/>
+              <a:gd name="connsiteX23" fmla="*/ 2691925 w 3752261"/>
+              <a:gd name="connsiteY23" fmla="*/ 3623417 h 3879791"/>
+              <a:gd name="connsiteX24" fmla="*/ 2461188 w 3752261"/>
+              <a:gd name="connsiteY24" fmla="*/ 3674692 h 3879791"/>
+              <a:gd name="connsiteX25" fmla="*/ 2033899 w 3752261"/>
+              <a:gd name="connsiteY25" fmla="*/ 3811424 h 3879791"/>
+              <a:gd name="connsiteX26" fmla="*/ 1897166 w 3752261"/>
+              <a:gd name="connsiteY26" fmla="*/ 3845608 h 3879791"/>
+              <a:gd name="connsiteX27" fmla="*/ 1606609 w 3752261"/>
+              <a:gd name="connsiteY27" fmla="*/ 3862699 h 3879791"/>
+              <a:gd name="connsiteX28" fmla="*/ 1427147 w 3752261"/>
+              <a:gd name="connsiteY28" fmla="*/ 3879791 h 3879791"/>
+              <a:gd name="connsiteX29" fmla="*/ 358923 w 3752261"/>
+              <a:gd name="connsiteY29" fmla="*/ 3854153 h 3879791"/>
+              <a:gd name="connsiteX30" fmla="*/ 239282 w 3752261"/>
+              <a:gd name="connsiteY30" fmla="*/ 3785787 h 3879791"/>
+              <a:gd name="connsiteX31" fmla="*/ 128186 w 3752261"/>
+              <a:gd name="connsiteY31" fmla="*/ 3614871 h 3879791"/>
+              <a:gd name="connsiteX32" fmla="*/ 25637 w 3752261"/>
+              <a:gd name="connsiteY32" fmla="*/ 3324314 h 3879791"/>
+              <a:gd name="connsiteX33" fmla="*/ 25637 w 3752261"/>
+              <a:gd name="connsiteY33" fmla="*/ 2897024 h 3879791"/>
+              <a:gd name="connsiteX34" fmla="*/ 59820 w 3752261"/>
+              <a:gd name="connsiteY34" fmla="*/ 2785929 h 3879791"/>
+              <a:gd name="connsiteX35" fmla="*/ 153824 w 3752261"/>
+              <a:gd name="connsiteY35" fmla="*/ 2623559 h 3879791"/>
+              <a:gd name="connsiteX36" fmla="*/ 264919 w 3752261"/>
+              <a:gd name="connsiteY36" fmla="*/ 2546647 h 3879791"/>
+              <a:gd name="connsiteX37" fmla="*/ 393106 w 3752261"/>
+              <a:gd name="connsiteY37" fmla="*/ 2469735 h 3879791"/>
+              <a:gd name="connsiteX38" fmla="*/ 760575 w 3752261"/>
+              <a:gd name="connsiteY38" fmla="*/ 2367185 h 3879791"/>
+              <a:gd name="connsiteX39" fmla="*/ 991312 w 3752261"/>
+              <a:gd name="connsiteY39" fmla="*/ 2281727 h 3879791"/>
+              <a:gd name="connsiteX40" fmla="*/ 1059678 w 3752261"/>
+              <a:gd name="connsiteY40" fmla="*/ 2230452 h 3879791"/>
+              <a:gd name="connsiteX41" fmla="*/ 999857 w 3752261"/>
+              <a:gd name="connsiteY41" fmla="*/ 1914258 h 3879791"/>
+              <a:gd name="connsiteX42" fmla="*/ 837487 w 3752261"/>
+              <a:gd name="connsiteY42" fmla="*/ 1657884 h 3879791"/>
+              <a:gd name="connsiteX43" fmla="*/ 529839 w 3752261"/>
+              <a:gd name="connsiteY43" fmla="*/ 1239140 h 3879791"/>
+              <a:gd name="connsiteX44" fmla="*/ 282011 w 3752261"/>
+              <a:gd name="connsiteY44" fmla="*/ 1016950 h 3879791"/>
+              <a:gd name="connsiteX45" fmla="*/ 213644 w 3752261"/>
+              <a:gd name="connsiteY45" fmla="*/ 940038 h 3879791"/>
+              <a:gd name="connsiteX46" fmla="*/ 153824 w 3752261"/>
+              <a:gd name="connsiteY46" fmla="*/ 897309 h 3879791"/>
+              <a:gd name="connsiteX47" fmla="*/ 42729 w 3752261"/>
+              <a:gd name="connsiteY47" fmla="*/ 743484 h 3879791"/>
+              <a:gd name="connsiteX48" fmla="*/ 0 w 3752261"/>
+              <a:gd name="connsiteY48" fmla="*/ 640935 h 3879791"/>
+              <a:gd name="connsiteX49" fmla="*/ 25637 w 3752261"/>
+              <a:gd name="connsiteY49" fmla="*/ 401652 h 3879791"/>
+              <a:gd name="connsiteX50" fmla="*/ 94003 w 3752261"/>
+              <a:gd name="connsiteY50" fmla="*/ 307649 h 3879791"/>
+              <a:gd name="connsiteX51" fmla="*/ 401652 w 3752261"/>
+              <a:gd name="connsiteY51" fmla="*/ 76912 h 3879791"/>
+              <a:gd name="connsiteX52" fmla="*/ 538385 w 3752261"/>
+              <a:gd name="connsiteY52" fmla="*/ 8546 h 3879791"/>
+              <a:gd name="connsiteX53" fmla="*/ 640934 w 3752261"/>
+              <a:gd name="connsiteY53" fmla="*/ 0 h 3879791"/>
+              <a:gd name="connsiteX54" fmla="*/ 982766 w 3752261"/>
+              <a:gd name="connsiteY54" fmla="*/ 25638 h 3879791"/>
+              <a:gd name="connsiteX55" fmla="*/ 1042586 w 3752261"/>
+              <a:gd name="connsiteY55" fmla="*/ 59821 h 3879791"/>
+              <a:gd name="connsiteX56" fmla="*/ 1085315 w 3752261"/>
+              <a:gd name="connsiteY56" fmla="*/ 76912 h 3879791"/>
+              <a:gd name="connsiteX57" fmla="*/ 1119499 w 3752261"/>
+              <a:gd name="connsiteY57" fmla="*/ 85458 h 3879791"/>
+              <a:gd name="connsiteX58" fmla="*/ 1239140 w 3752261"/>
+              <a:gd name="connsiteY58" fmla="*/ 136733 h 3879791"/>
+              <a:gd name="connsiteX59" fmla="*/ 1358781 w 3752261"/>
+              <a:gd name="connsiteY59" fmla="*/ 153824 h 3879791"/>
+              <a:gd name="connsiteX60" fmla="*/ 1418601 w 3752261"/>
+              <a:gd name="connsiteY60" fmla="*/ 179462 h 3879791"/>
+              <a:gd name="connsiteX61" fmla="*/ 1606609 w 3752261"/>
+              <a:gd name="connsiteY61" fmla="*/ 162370 h 3879791"/>
+              <a:gd name="connsiteX62" fmla="*/ 1674975 w 3752261"/>
+              <a:gd name="connsiteY62" fmla="*/ 119641 h 3879791"/>
+              <a:gd name="connsiteX63" fmla="*/ 1700613 w 3752261"/>
+              <a:gd name="connsiteY63" fmla="*/ 94004 h 3879791"/>
+              <a:gd name="connsiteX64" fmla="*/ 1734796 w 3752261"/>
+              <a:gd name="connsiteY64" fmla="*/ 76912 h 3879791"/>
+              <a:gd name="connsiteX65" fmla="*/ 1777525 w 3752261"/>
+              <a:gd name="connsiteY65" fmla="*/ 68366 h 3879791"/>
+            </a:gdLst>
+            <a:ahLst/>
+            <a:cxnLst>
+              <a:cxn ang="0">
+                <a:pos x="connsiteX0" y="connsiteY0"/>
+              </a:cxn>
+              <a:cxn ang="0">
+                <a:pos x="connsiteX1" y="connsiteY1"/>
+              </a:cxn>
+              <a:cxn ang="0">
+                <a:pos x="connsiteX2" y="connsiteY2"/>
+              </a:cxn>
+              <a:cxn ang="0">
+                <a:pos x="connsiteX3" y="connsiteY3"/>
+              </a:cxn>
+              <a:cxn ang="0">
+                <a:pos x="connsiteX4" y="connsiteY4"/>
+              </a:cxn>
+              <a:cxn ang="0">
+                <a:pos x="connsiteX5" y="connsiteY5"/>
+              </a:cxn>
+              <a:cxn ang="0">
+                <a:pos x="connsiteX6" y="connsiteY6"/>
+              </a:cxn>
+              <a:cxn ang="0">
+                <a:pos x="connsiteX7" y="connsiteY7"/>
+              </a:cxn>
+              <a:cxn ang="0">
+                <a:pos x="connsiteX8" y="connsiteY8"/>
+              </a:cxn>
+              <a:cxn ang="0">
+                <a:pos x="connsiteX9" y="connsiteY9"/>
+              </a:cxn>
+              <a:cxn ang="0">
+                <a:pos x="connsiteX10" y="connsiteY10"/>
+              </a:cxn>
+              <a:cxn ang="0">
+                <a:pos x="connsiteX11" y="connsiteY11"/>
+              </a:cxn>
+              <a:cxn ang="0">
+                <a:pos x="connsiteX12" y="connsiteY12"/>
+              </a:cxn>
+              <a:cxn ang="0">
+                <a:pos x="connsiteX13" y="connsiteY13"/>
+              </a:cxn>
+              <a:cxn ang="0">
+                <a:pos x="connsiteX14" y="connsiteY14"/>
+              </a:cxn>
+              <a:cxn ang="0">
+                <a:pos x="connsiteX15" y="connsiteY15"/>
+              </a:cxn>
+              <a:cxn ang="0">
+                <a:pos x="connsiteX16" y="connsiteY16"/>
+              </a:cxn>
+              <a:cxn ang="0">
+                <a:pos x="connsiteX17" y="connsiteY17"/>
+              </a:cxn>
+              <a:cxn ang="0">
+                <a:pos x="connsiteX18" y="connsiteY18"/>
+              </a:cxn>
+              <a:cxn ang="0">
+                <a:pos x="connsiteX19" y="connsiteY19"/>
+              </a:cxn>
+              <a:cxn ang="0">
+                <a:pos x="connsiteX20" y="connsiteY20"/>
+              </a:cxn>
+              <a:cxn ang="0">
+                <a:pos x="connsiteX21" y="connsiteY21"/>
+              </a:cxn>
+              <a:cxn ang="0">
+                <a:pos x="connsiteX22" y="connsiteY22"/>
+              </a:cxn>
+              <a:cxn ang="0">
+                <a:pos x="connsiteX23" y="connsiteY23"/>
+              </a:cxn>
+              <a:cxn ang="0">
+                <a:pos x="connsiteX24" y="connsiteY24"/>
+              </a:cxn>
+              <a:cxn ang="0">
+                <a:pos x="connsiteX25" y="connsiteY25"/>
+              </a:cxn>
+              <a:cxn ang="0">
+                <a:pos x="connsiteX26" y="connsiteY26"/>
+              </a:cxn>
+              <a:cxn ang="0">
+                <a:pos x="connsiteX27" y="connsiteY27"/>
+              </a:cxn>
+              <a:cxn ang="0">
+                <a:pos x="connsiteX28" y="connsiteY28"/>
+              </a:cxn>
+              <a:cxn ang="0">
+                <a:pos x="connsiteX29" y="connsiteY29"/>
+              </a:cxn>
+              <a:cxn ang="0">
+                <a:pos x="connsiteX30" y="connsiteY30"/>
+              </a:cxn>
+              <a:cxn ang="0">
+                <a:pos x="connsiteX31" y="connsiteY31"/>
+              </a:cxn>
+              <a:cxn ang="0">
+                <a:pos x="connsiteX32" y="connsiteY32"/>
+              </a:cxn>
+              <a:cxn ang="0">
+                <a:pos x="connsiteX33" y="connsiteY33"/>
+              </a:cxn>
+              <a:cxn ang="0">
+                <a:pos x="connsiteX34" y="connsiteY34"/>
+              </a:cxn>
+              <a:cxn ang="0">
+                <a:pos x="connsiteX35" y="connsiteY35"/>
+              </a:cxn>
+              <a:cxn ang="0">
+                <a:pos x="connsiteX36" y="connsiteY36"/>
+              </a:cxn>
+              <a:cxn ang="0">
+                <a:pos x="connsiteX37" y="connsiteY37"/>
+              </a:cxn>
+              <a:cxn ang="0">
+                <a:pos x="connsiteX38" y="connsiteY38"/>
+              </a:cxn>
+              <a:cxn ang="0">
+                <a:pos x="connsiteX39" y="connsiteY39"/>
+              </a:cxn>
+              <a:cxn ang="0">
+                <a:pos x="connsiteX40" y="connsiteY40"/>
+              </a:cxn>
+              <a:cxn ang="0">
+                <a:pos x="connsiteX41" y="connsiteY41"/>
+              </a:cxn>
+              <a:cxn ang="0">
+                <a:pos x="connsiteX42" y="connsiteY42"/>
+              </a:cxn>
+              <a:cxn ang="0">
+                <a:pos x="connsiteX43" y="connsiteY43"/>
+              </a:cxn>
+              <a:cxn ang="0">
+                <a:pos x="connsiteX44" y="connsiteY44"/>
+              </a:cxn>
+              <a:cxn ang="0">
+                <a:pos x="connsiteX45" y="connsiteY45"/>
+              </a:cxn>
+              <a:cxn ang="0">
+                <a:pos x="connsiteX46" y="connsiteY46"/>
+              </a:cxn>
+              <a:cxn ang="0">
+                <a:pos x="connsiteX47" y="connsiteY47"/>
+              </a:cxn>
+              <a:cxn ang="0">
+                <a:pos x="connsiteX48" y="connsiteY48"/>
+              </a:cxn>
+              <a:cxn ang="0">
+                <a:pos x="connsiteX49" y="connsiteY49"/>
+              </a:cxn>
+              <a:cxn ang="0">
+                <a:pos x="connsiteX50" y="connsiteY50"/>
+              </a:cxn>
+              <a:cxn ang="0">
+                <a:pos x="connsiteX51" y="connsiteY51"/>
+              </a:cxn>
+              <a:cxn ang="0">
+                <a:pos x="connsiteX52" y="connsiteY52"/>
+              </a:cxn>
+              <a:cxn ang="0">
+                <a:pos x="connsiteX53" y="connsiteY53"/>
+              </a:cxn>
+              <a:cxn ang="0">
+                <a:pos x="connsiteX54" y="connsiteY54"/>
+              </a:cxn>
+              <a:cxn ang="0">
+                <a:pos x="connsiteX55" y="connsiteY55"/>
+              </a:cxn>
+              <a:cxn ang="0">
+                <a:pos x="connsiteX56" y="connsiteY56"/>
+              </a:cxn>
+              <a:cxn ang="0">
+                <a:pos x="connsiteX57" y="connsiteY57"/>
+              </a:cxn>
+              <a:cxn ang="0">
+                <a:pos x="connsiteX58" y="connsiteY58"/>
+              </a:cxn>
+              <a:cxn ang="0">
+                <a:pos x="connsiteX59" y="connsiteY59"/>
+              </a:cxn>
+              <a:cxn ang="0">
+                <a:pos x="connsiteX60" y="connsiteY60"/>
+              </a:cxn>
+              <a:cxn ang="0">
+                <a:pos x="connsiteX61" y="connsiteY61"/>
+              </a:cxn>
+              <a:cxn ang="0">
+                <a:pos x="connsiteX62" y="connsiteY62"/>
+              </a:cxn>
+              <a:cxn ang="0">
+                <a:pos x="connsiteX63" y="connsiteY63"/>
+              </a:cxn>
+              <a:cxn ang="0">
+                <a:pos x="connsiteX64" y="connsiteY64"/>
+              </a:cxn>
+              <a:cxn ang="0">
+                <a:pos x="connsiteX65" y="connsiteY65"/>
+              </a:cxn>
+            </a:cxnLst>
+            <a:rect l="l" t="t" r="r" b="b"/>
+            <a:pathLst>
+              <a:path w="3752261" h="3879791">
+                <a:moveTo>
+                  <a:pt x="1461330" y="51275"/>
+                </a:moveTo>
+                <a:cubicBezTo>
+                  <a:pt x="1504059" y="54124"/>
+                  <a:pt x="1547440" y="51860"/>
+                  <a:pt x="1589517" y="59821"/>
+                </a:cubicBezTo>
+                <a:cubicBezTo>
+                  <a:pt x="1653343" y="71896"/>
+                  <a:pt x="1777525" y="111095"/>
+                  <a:pt x="1777525" y="111095"/>
+                </a:cubicBezTo>
+                <a:cubicBezTo>
+                  <a:pt x="1862887" y="159874"/>
+                  <a:pt x="1921512" y="189735"/>
+                  <a:pt x="1999715" y="247828"/>
+                </a:cubicBezTo>
+                <a:cubicBezTo>
+                  <a:pt x="2066501" y="297440"/>
+                  <a:pt x="2130788" y="350330"/>
+                  <a:pt x="2196269" y="401652"/>
+                </a:cubicBezTo>
+                <a:cubicBezTo>
+                  <a:pt x="2236187" y="432939"/>
+                  <a:pt x="2279259" y="460599"/>
+                  <a:pt x="2315910" y="495656"/>
+                </a:cubicBezTo>
+                <a:lnTo>
+                  <a:pt x="2512463" y="683664"/>
+                </a:lnTo>
+                <a:cubicBezTo>
+                  <a:pt x="2637804" y="997017"/>
+                  <a:pt x="2445516" y="529450"/>
+                  <a:pt x="2597921" y="854580"/>
+                </a:cubicBezTo>
+                <a:cubicBezTo>
+                  <a:pt x="2626660" y="915889"/>
+                  <a:pt x="2649939" y="979619"/>
+                  <a:pt x="2674833" y="1042587"/>
+                </a:cubicBezTo>
+                <a:cubicBezTo>
+                  <a:pt x="2698369" y="1102118"/>
+                  <a:pt x="2713667" y="1165254"/>
+                  <a:pt x="2743200" y="1222049"/>
+                </a:cubicBezTo>
+                <a:lnTo>
+                  <a:pt x="2854295" y="1435694"/>
+                </a:lnTo>
+                <a:cubicBezTo>
+                  <a:pt x="2851446" y="1504060"/>
+                  <a:pt x="2863602" y="1574737"/>
+                  <a:pt x="2845749" y="1640793"/>
+                </a:cubicBezTo>
+                <a:cubicBezTo>
+                  <a:pt x="2833998" y="1684273"/>
+                  <a:pt x="2787711" y="1710993"/>
+                  <a:pt x="2768837" y="1751888"/>
+                </a:cubicBezTo>
+                <a:cubicBezTo>
+                  <a:pt x="2752911" y="1786395"/>
+                  <a:pt x="2751746" y="1825951"/>
+                  <a:pt x="2743200" y="1862983"/>
+                </a:cubicBezTo>
+                <a:cubicBezTo>
+                  <a:pt x="2746048" y="1897166"/>
+                  <a:pt x="2734461" y="1935904"/>
+                  <a:pt x="2751745" y="1965533"/>
+                </a:cubicBezTo>
+                <a:cubicBezTo>
+                  <a:pt x="2777139" y="2009065"/>
+                  <a:pt x="2822421" y="2037982"/>
+                  <a:pt x="2862841" y="2068082"/>
+                </a:cubicBezTo>
+                <a:cubicBezTo>
+                  <a:pt x="2956625" y="2137921"/>
+                  <a:pt x="3052175" y="2206097"/>
+                  <a:pt x="3153398" y="2264636"/>
+                </a:cubicBezTo>
+                <a:cubicBezTo>
+                  <a:pt x="3289047" y="2343083"/>
+                  <a:pt x="3434399" y="2403573"/>
+                  <a:pt x="3572142" y="2478281"/>
+                </a:cubicBezTo>
+                <a:cubicBezTo>
+                  <a:pt x="3618986" y="2503688"/>
+                  <a:pt x="3673620" y="2547071"/>
+                  <a:pt x="3708874" y="2589376"/>
+                </a:cubicBezTo>
+                <a:cubicBezTo>
+                  <a:pt x="3722024" y="2605157"/>
+                  <a:pt x="3731663" y="2623559"/>
+                  <a:pt x="3743057" y="2640651"/>
+                </a:cubicBezTo>
+                <a:cubicBezTo>
+                  <a:pt x="3750783" y="2764260"/>
+                  <a:pt x="3762648" y="2845313"/>
+                  <a:pt x="3734512" y="2973937"/>
+                </a:cubicBezTo>
+                <a:cubicBezTo>
+                  <a:pt x="3725025" y="3017306"/>
+                  <a:pt x="3667390" y="3086066"/>
+                  <a:pt x="3631962" y="3110669"/>
+                </a:cubicBezTo>
+                <a:cubicBezTo>
+                  <a:pt x="3538415" y="3175632"/>
+                  <a:pt x="3235941" y="3352574"/>
+                  <a:pt x="3136306" y="3409772"/>
+                </a:cubicBezTo>
+                <a:cubicBezTo>
+                  <a:pt x="2973252" y="3503377"/>
+                  <a:pt x="2873043" y="3566398"/>
+                  <a:pt x="2691925" y="3623417"/>
+                </a:cubicBezTo>
+                <a:cubicBezTo>
+                  <a:pt x="2616773" y="3647076"/>
+                  <a:pt x="2536945" y="3653047"/>
+                  <a:pt x="2461188" y="3674692"/>
+                </a:cubicBezTo>
+                <a:cubicBezTo>
+                  <a:pt x="2317398" y="3715775"/>
+                  <a:pt x="2177017" y="3768055"/>
+                  <a:pt x="2033899" y="3811424"/>
+                </a:cubicBezTo>
+                <a:cubicBezTo>
+                  <a:pt x="1988938" y="3825049"/>
+                  <a:pt x="1943812" y="3840010"/>
+                  <a:pt x="1897166" y="3845608"/>
+                </a:cubicBezTo>
+                <a:cubicBezTo>
+                  <a:pt x="1800837" y="3857167"/>
+                  <a:pt x="1703373" y="3855662"/>
+                  <a:pt x="1606609" y="3862699"/>
+                </a:cubicBezTo>
+                <a:cubicBezTo>
+                  <a:pt x="1546676" y="3867058"/>
+                  <a:pt x="1486968" y="3874094"/>
+                  <a:pt x="1427147" y="3879791"/>
+                </a:cubicBezTo>
+                <a:cubicBezTo>
+                  <a:pt x="1071072" y="3871245"/>
+                  <a:pt x="714615" y="3872734"/>
+                  <a:pt x="358923" y="3854153"/>
+                </a:cubicBezTo>
+                <a:cubicBezTo>
+                  <a:pt x="335382" y="3852923"/>
+                  <a:pt x="258384" y="3811256"/>
+                  <a:pt x="239282" y="3785787"/>
+                </a:cubicBezTo>
+                <a:cubicBezTo>
+                  <a:pt x="198512" y="3731427"/>
+                  <a:pt x="161052" y="3674343"/>
+                  <a:pt x="128186" y="3614871"/>
+                </a:cubicBezTo>
+                <a:cubicBezTo>
+                  <a:pt x="58324" y="3488454"/>
+                  <a:pt x="58706" y="3456589"/>
+                  <a:pt x="25637" y="3324314"/>
+                </a:cubicBezTo>
+                <a:cubicBezTo>
+                  <a:pt x="11846" y="3158828"/>
+                  <a:pt x="4357" y="3114080"/>
+                  <a:pt x="25637" y="2897024"/>
+                </a:cubicBezTo>
+                <a:cubicBezTo>
+                  <a:pt x="29417" y="2858464"/>
+                  <a:pt x="46579" y="2822341"/>
+                  <a:pt x="59820" y="2785929"/>
+                </a:cubicBezTo>
+                <a:cubicBezTo>
+                  <a:pt x="78423" y="2734770"/>
+                  <a:pt x="114726" y="2660702"/>
+                  <a:pt x="153824" y="2623559"/>
+                </a:cubicBezTo>
+                <a:cubicBezTo>
+                  <a:pt x="186478" y="2592538"/>
+                  <a:pt x="227032" y="2571003"/>
+                  <a:pt x="264919" y="2546647"/>
+                </a:cubicBezTo>
+                <a:cubicBezTo>
+                  <a:pt x="306835" y="2519701"/>
+                  <a:pt x="346252" y="2486699"/>
+                  <a:pt x="393106" y="2469735"/>
+                </a:cubicBezTo>
+                <a:cubicBezTo>
+                  <a:pt x="512680" y="2426441"/>
+                  <a:pt x="639256" y="2405314"/>
+                  <a:pt x="760575" y="2367185"/>
+                </a:cubicBezTo>
+                <a:cubicBezTo>
+                  <a:pt x="838820" y="2342594"/>
+                  <a:pt x="991312" y="2281727"/>
+                  <a:pt x="991312" y="2281727"/>
+                </a:cubicBezTo>
+                <a:cubicBezTo>
+                  <a:pt x="1014101" y="2264635"/>
+                  <a:pt x="1046350" y="2255628"/>
+                  <a:pt x="1059678" y="2230452"/>
+                </a:cubicBezTo>
+                <a:cubicBezTo>
+                  <a:pt x="1101665" y="2151144"/>
+                  <a:pt x="1012396" y="1940265"/>
+                  <a:pt x="999857" y="1914258"/>
+                </a:cubicBezTo>
+                <a:cubicBezTo>
+                  <a:pt x="955925" y="1823140"/>
+                  <a:pt x="895284" y="1740902"/>
+                  <a:pt x="837487" y="1657884"/>
+                </a:cubicBezTo>
+                <a:cubicBezTo>
+                  <a:pt x="738524" y="1515737"/>
+                  <a:pt x="638038" y="1374389"/>
+                  <a:pt x="529839" y="1239140"/>
+                </a:cubicBezTo>
+                <a:cubicBezTo>
+                  <a:pt x="393747" y="1069025"/>
+                  <a:pt x="411592" y="1088940"/>
+                  <a:pt x="282011" y="1016950"/>
+                </a:cubicBezTo>
+                <a:cubicBezTo>
+                  <a:pt x="259222" y="991313"/>
+                  <a:pt x="238721" y="963443"/>
+                  <a:pt x="213644" y="940038"/>
+                </a:cubicBezTo>
+                <a:cubicBezTo>
+                  <a:pt x="195730" y="923318"/>
+                  <a:pt x="171151" y="914636"/>
+                  <a:pt x="153824" y="897309"/>
+                </a:cubicBezTo>
+                <a:cubicBezTo>
+                  <a:pt x="132699" y="876184"/>
+                  <a:pt x="57364" y="771423"/>
+                  <a:pt x="42729" y="743484"/>
+                </a:cubicBezTo>
+                <a:cubicBezTo>
+                  <a:pt x="25546" y="710680"/>
+                  <a:pt x="14243" y="675118"/>
+                  <a:pt x="0" y="640935"/>
+                </a:cubicBezTo>
+                <a:cubicBezTo>
+                  <a:pt x="8546" y="561174"/>
+                  <a:pt x="3861" y="478857"/>
+                  <a:pt x="25637" y="401652"/>
+                </a:cubicBezTo>
+                <a:cubicBezTo>
+                  <a:pt x="36155" y="364362"/>
+                  <a:pt x="68332" y="336669"/>
+                  <a:pt x="94003" y="307649"/>
+                </a:cubicBezTo>
+                <a:cubicBezTo>
+                  <a:pt x="221141" y="163929"/>
+                  <a:pt x="226468" y="171606"/>
+                  <a:pt x="401652" y="76912"/>
+                </a:cubicBezTo>
+                <a:cubicBezTo>
+                  <a:pt x="446479" y="52681"/>
+                  <a:pt x="489872" y="24139"/>
+                  <a:pt x="538385" y="8546"/>
+                </a:cubicBezTo>
+                <a:cubicBezTo>
+                  <a:pt x="571041" y="-1951"/>
+                  <a:pt x="606751" y="2849"/>
+                  <a:pt x="640934" y="0"/>
+                </a:cubicBezTo>
+                <a:cubicBezTo>
+                  <a:pt x="754878" y="8546"/>
+                  <a:pt x="869749" y="8805"/>
+                  <a:pt x="982766" y="25638"/>
+                </a:cubicBezTo>
+                <a:cubicBezTo>
+                  <a:pt x="1005481" y="29021"/>
+                  <a:pt x="1022045" y="49550"/>
+                  <a:pt x="1042586" y="59821"/>
+                </a:cubicBezTo>
+                <a:cubicBezTo>
+                  <a:pt x="1056307" y="66681"/>
+                  <a:pt x="1070762" y="72061"/>
+                  <a:pt x="1085315" y="76912"/>
+                </a:cubicBezTo>
+                <a:cubicBezTo>
+                  <a:pt x="1096458" y="80626"/>
+                  <a:pt x="1108552" y="81201"/>
+                  <a:pt x="1119499" y="85458"/>
+                </a:cubicBezTo>
+                <a:cubicBezTo>
+                  <a:pt x="1159937" y="101184"/>
+                  <a:pt x="1197421" y="124813"/>
+                  <a:pt x="1239140" y="136733"/>
+                </a:cubicBezTo>
+                <a:cubicBezTo>
+                  <a:pt x="1277875" y="147800"/>
+                  <a:pt x="1318901" y="148127"/>
+                  <a:pt x="1358781" y="153824"/>
+                </a:cubicBezTo>
+                <a:cubicBezTo>
+                  <a:pt x="1378721" y="162370"/>
+                  <a:pt x="1396982" y="177660"/>
+                  <a:pt x="1418601" y="179462"/>
+                </a:cubicBezTo>
+                <a:cubicBezTo>
+                  <a:pt x="1498214" y="186097"/>
+                  <a:pt x="1540316" y="175629"/>
+                  <a:pt x="1606609" y="162370"/>
+                </a:cubicBezTo>
+                <a:cubicBezTo>
+                  <a:pt x="1668593" y="100386"/>
+                  <a:pt x="1588658" y="173589"/>
+                  <a:pt x="1674975" y="119641"/>
+                </a:cubicBezTo>
+                <a:cubicBezTo>
+                  <a:pt x="1685224" y="113236"/>
+                  <a:pt x="1690778" y="101029"/>
+                  <a:pt x="1700613" y="94004"/>
+                </a:cubicBezTo>
+                <a:cubicBezTo>
+                  <a:pt x="1710979" y="86599"/>
+                  <a:pt x="1722710" y="80941"/>
+                  <a:pt x="1734796" y="76912"/>
+                </a:cubicBezTo>
+                <a:cubicBezTo>
+                  <a:pt x="1748576" y="72319"/>
+                  <a:pt x="1777525" y="68366"/>
+                  <a:pt x="1777525" y="68366"/>
+                </a:cubicBezTo>
+              </a:path>
+            </a:pathLst>
+          </a:custGeom>
+          <a:solidFill>
+            <a:schemeClr val="accent5">
+              <a:lumMod val="20000"/>
+              <a:lumOff val="80000"/>
+              <a:alpha val="47000"/>
+            </a:schemeClr>
+          </a:solidFill>
+        </p:spPr>
+        <p:style>
+          <a:lnRef idx="2">
+            <a:schemeClr val="accent1">
+              <a:shade val="15000"/>
+            </a:schemeClr>
+          </a:lnRef>
+          <a:fillRef idx="1">
+            <a:schemeClr val="accent1"/>
+          </a:fillRef>
+          <a:effectRef idx="0">
+            <a:schemeClr val="accent1"/>
+          </a:effectRef>
+          <a:fontRef idx="minor">
+            <a:schemeClr val="lt1"/>
+          </a:fontRef>
+        </p:style>
+        <p:txBody>
+          <a:bodyPr rtlCol="0" anchor="ctr"/>
+          <a:lstStyle/>
+          <a:p>
+            <a:pPr algn="ctr"/>
+            <a:endParaRPr lang="zh-CN" altLang="en-US"/>
+          </a:p>
+        </p:txBody>
+      </p:sp>
+      <p:sp>
+        <p:nvSpPr>
+          <p:cNvPr id="10" name="椭圆 9">
+            <a:extLst>
+              <a:ext uri="{FF2B5EF4-FFF2-40B4-BE49-F238E27FC236}">
+                <a16:creationId xmlns:a16="http://schemas.microsoft.com/office/drawing/2014/main" id="{A89D8565-ACFF-A5DA-AB67-9F16CA506DE7}"/>
+              </a:ext>
+            </a:extLst>
+          </p:cNvPr>
+          <p:cNvSpPr/>
+          <p:nvPr/>
+        </p:nvSpPr>
+        <p:spPr>
+          <a:xfrm>
+            <a:off x="752473" y="1654290"/>
+            <a:ext cx="2880000" cy="2880000"/>
+          </a:xfrm>
+          <a:prstGeom prst="ellipse">
+            <a:avLst/>
+          </a:prstGeom>
+          <a:solidFill>
+            <a:schemeClr val="accent3">
+              <a:lumMod val="20000"/>
+              <a:lumOff val="80000"/>
+            </a:schemeClr>
+          </a:solidFill>
+        </p:spPr>
+        <p:style>
+          <a:lnRef idx="2">
+            <a:schemeClr val="accent1">
+              <a:shade val="15000"/>
+            </a:schemeClr>
+          </a:lnRef>
+          <a:fillRef idx="1">
+            <a:schemeClr val="accent1"/>
+          </a:fillRef>
+          <a:effectRef idx="0">
+            <a:schemeClr val="accent1"/>
+          </a:effectRef>
+          <a:fontRef idx="minor">
+            <a:schemeClr val="lt1"/>
+          </a:fontRef>
+        </p:style>
+        <p:txBody>
+          <a:bodyPr rtlCol="0" anchor="ctr"/>
+          <a:lstStyle/>
+          <a:p>
+            <a:pPr algn="ctr"/>
+            <a:endParaRPr lang="zh-CN" altLang="en-US"/>
+          </a:p>
+        </p:txBody>
+      </p:sp>
       <p:cxnSp>
         <p:nvCxnSpPr>
-          <p:cNvPr id="29" name="直接箭头连接符 28">
+          <p:cNvPr id="13" name="直接箭头连接符 12">
             <a:extLst>
               <a:ext uri="{FF2B5EF4-FFF2-40B4-BE49-F238E27FC236}">
                 <a16:creationId xmlns:a16="http://schemas.microsoft.com/office/drawing/2014/main" id="{2937D8B2-A4FD-63F1-3873-F9AF71FEB4F5}"/>
@@ -12520,13 +13190,16 @@
         </p:nvCxnSpPr>
         <p:spPr>
           <a:xfrm flipV="1">
-            <a:off x="13837066" y="1922804"/>
-            <a:ext cx="1690642" cy="485507"/>
+            <a:off x="16946178" y="2768837"/>
+            <a:ext cx="1820255" cy="372456"/>
           </a:xfrm>
           <a:prstGeom prst="straightConnector1">
             <a:avLst/>
           </a:prstGeom>
-          <a:ln>
+          <a:ln w="38100">
+            <a:solidFill>
+              <a:schemeClr val="accent5"/>
+            </a:solidFill>
             <a:tailEnd type="triangle"/>
           </a:ln>
         </p:spPr>
@@ -12545,6 +13218,1292 @@
           </a:fontRef>
         </p:style>
       </p:cxnSp>
+      <p:cxnSp>
+        <p:nvCxnSpPr>
+          <p:cNvPr id="15" name="直接箭头连接符 14">
+            <a:extLst>
+              <a:ext uri="{FF2B5EF4-FFF2-40B4-BE49-F238E27FC236}">
+                <a16:creationId xmlns:a16="http://schemas.microsoft.com/office/drawing/2014/main" id="{8CF74D06-55D1-01DD-AD6C-11F49890D963}"/>
+              </a:ext>
+            </a:extLst>
+          </p:cNvPr>
+          <p:cNvCxnSpPr>
+            <a:cxnSpLocks/>
+          </p:cNvCxnSpPr>
+          <p:nvPr/>
+        </p:nvCxnSpPr>
+        <p:spPr>
+          <a:xfrm flipV="1">
+            <a:off x="2367185" y="1969807"/>
+            <a:ext cx="2237440" cy="939147"/>
+          </a:xfrm>
+          <a:prstGeom prst="straightConnector1">
+            <a:avLst/>
+          </a:prstGeom>
+          <a:ln w="38100">
+            <a:solidFill>
+              <a:schemeClr val="accent5"/>
+            </a:solidFill>
+            <a:tailEnd type="triangle"/>
+          </a:ln>
+        </p:spPr>
+        <p:style>
+          <a:lnRef idx="2">
+            <a:schemeClr val="accent1"/>
+          </a:lnRef>
+          <a:fillRef idx="0">
+            <a:schemeClr val="accent1"/>
+          </a:fillRef>
+          <a:effectRef idx="1">
+            <a:schemeClr val="accent1"/>
+          </a:effectRef>
+          <a:fontRef idx="minor">
+            <a:schemeClr val="tx1"/>
+          </a:fontRef>
+        </p:style>
+      </p:cxnSp>
+      <p:cxnSp>
+        <p:nvCxnSpPr>
+          <p:cNvPr id="24" name="直接箭头连接符 23">
+            <a:extLst>
+              <a:ext uri="{FF2B5EF4-FFF2-40B4-BE49-F238E27FC236}">
+                <a16:creationId xmlns:a16="http://schemas.microsoft.com/office/drawing/2014/main" id="{1438A8E4-AEC7-984C-742D-135C01EF2BB3}"/>
+              </a:ext>
+            </a:extLst>
+          </p:cNvPr>
+          <p:cNvCxnSpPr>
+            <a:cxnSpLocks/>
+          </p:cNvCxnSpPr>
+          <p:nvPr/>
+        </p:nvCxnSpPr>
+        <p:spPr>
+          <a:xfrm>
+            <a:off x="2438333" y="2955065"/>
+            <a:ext cx="16678609" cy="526385"/>
+          </a:xfrm>
+          <a:prstGeom prst="straightConnector1">
+            <a:avLst/>
+          </a:prstGeom>
+          <a:ln w="38100">
+            <a:solidFill>
+              <a:srgbClr val="00B0F0"/>
+            </a:solidFill>
+            <a:tailEnd type="triangle"/>
+          </a:ln>
+        </p:spPr>
+        <p:style>
+          <a:lnRef idx="2">
+            <a:schemeClr val="accent1"/>
+          </a:lnRef>
+          <a:fillRef idx="0">
+            <a:schemeClr val="accent1"/>
+          </a:fillRef>
+          <a:effectRef idx="1">
+            <a:schemeClr val="accent1"/>
+          </a:effectRef>
+          <a:fontRef idx="minor">
+            <a:schemeClr val="tx1"/>
+          </a:fontRef>
+        </p:style>
+      </p:cxnSp>
+      <p:sp>
+        <p:nvSpPr>
+          <p:cNvPr id="32" name="椭圆 31">
+            <a:extLst>
+              <a:ext uri="{FF2B5EF4-FFF2-40B4-BE49-F238E27FC236}">
+                <a16:creationId xmlns:a16="http://schemas.microsoft.com/office/drawing/2014/main" id="{8166CD10-0DDA-DCE4-B7E9-7BAA4A0C6724}"/>
+              </a:ext>
+            </a:extLst>
+          </p:cNvPr>
+          <p:cNvSpPr/>
+          <p:nvPr/>
+        </p:nvSpPr>
+        <p:spPr>
+          <a:xfrm>
+            <a:off x="18759099" y="2632818"/>
+            <a:ext cx="194400" cy="194400"/>
+          </a:xfrm>
+          <a:prstGeom prst="ellipse">
+            <a:avLst/>
+          </a:prstGeom>
+          <a:solidFill>
+            <a:schemeClr val="accent5"/>
+          </a:solidFill>
+          <a:ln>
+            <a:solidFill>
+              <a:schemeClr val="accent5"/>
+            </a:solidFill>
+          </a:ln>
+        </p:spPr>
+        <p:style>
+          <a:lnRef idx="2">
+            <a:schemeClr val="accent1">
+              <a:shade val="15000"/>
+            </a:schemeClr>
+          </a:lnRef>
+          <a:fillRef idx="1">
+            <a:schemeClr val="accent1"/>
+          </a:fillRef>
+          <a:effectRef idx="0">
+            <a:schemeClr val="accent1"/>
+          </a:effectRef>
+          <a:fontRef idx="minor">
+            <a:schemeClr val="lt1"/>
+          </a:fontRef>
+        </p:style>
+        <p:txBody>
+          <a:bodyPr rtlCol="0" anchor="ctr"/>
+          <a:lstStyle/>
+          <a:p>
+            <a:pPr algn="ctr"/>
+            <a:endParaRPr lang="zh-CN" altLang="en-US"/>
+          </a:p>
+        </p:txBody>
+      </p:sp>
+      <p:sp>
+        <p:nvSpPr>
+          <p:cNvPr id="33" name="椭圆 32">
+            <a:extLst>
+              <a:ext uri="{FF2B5EF4-FFF2-40B4-BE49-F238E27FC236}">
+                <a16:creationId xmlns:a16="http://schemas.microsoft.com/office/drawing/2014/main" id="{D2CB83E6-D0DA-961D-A624-AE92DBF65B1E}"/>
+              </a:ext>
+            </a:extLst>
+          </p:cNvPr>
+          <p:cNvSpPr/>
+          <p:nvPr/>
+        </p:nvSpPr>
+        <p:spPr>
+          <a:xfrm>
+            <a:off x="19063992" y="3384250"/>
+            <a:ext cx="194400" cy="194400"/>
+          </a:xfrm>
+          <a:prstGeom prst="ellipse">
+            <a:avLst/>
+          </a:prstGeom>
+          <a:solidFill>
+            <a:schemeClr val="accent4"/>
+          </a:solidFill>
+          <a:ln>
+            <a:solidFill>
+              <a:schemeClr val="accent4"/>
+            </a:solidFill>
+          </a:ln>
+        </p:spPr>
+        <p:style>
+          <a:lnRef idx="2">
+            <a:schemeClr val="accent1">
+              <a:shade val="15000"/>
+            </a:schemeClr>
+          </a:lnRef>
+          <a:fillRef idx="1">
+            <a:schemeClr val="accent1"/>
+          </a:fillRef>
+          <a:effectRef idx="0">
+            <a:schemeClr val="accent1"/>
+          </a:effectRef>
+          <a:fontRef idx="minor">
+            <a:schemeClr val="lt1"/>
+          </a:fontRef>
+        </p:style>
+        <p:txBody>
+          <a:bodyPr rtlCol="0" anchor="ctr"/>
+          <a:lstStyle/>
+          <a:p>
+            <a:pPr algn="ctr"/>
+            <a:endParaRPr lang="zh-CN" altLang="en-US"/>
+          </a:p>
+        </p:txBody>
+      </p:sp>
+      <p:sp>
+        <p:nvSpPr>
+          <p:cNvPr id="34" name="文本框 33">
+            <a:extLst>
+              <a:ext uri="{FF2B5EF4-FFF2-40B4-BE49-F238E27FC236}">
+                <a16:creationId xmlns:a16="http://schemas.microsoft.com/office/drawing/2014/main" id="{E6CB6F4D-9D4D-D938-6B2B-3B137E94E80E}"/>
+              </a:ext>
+            </a:extLst>
+          </p:cNvPr>
+          <p:cNvSpPr txBox="1"/>
+          <p:nvPr/>
+        </p:nvSpPr>
+        <p:spPr>
+          <a:xfrm>
+            <a:off x="9813851" y="1105786"/>
+            <a:ext cx="2339679" cy="523220"/>
+          </a:xfrm>
+          <a:prstGeom prst="rect">
+            <a:avLst/>
+          </a:prstGeom>
+          <a:noFill/>
+        </p:spPr>
+        <p:txBody>
+          <a:bodyPr wrap="none" rtlCol="0">
+            <a:spAutoFit/>
+          </a:bodyPr>
+          <a:lstStyle/>
+          <a:p>
+            <a:r>
+              <a:rPr lang="en-US" altLang="zh-CN" sz="2800" dirty="0">
+                <a:latin typeface="Times New Roman" panose="02020603050405020304" pitchFamily="18" charset="0"/>
+                <a:cs typeface="Times New Roman" panose="02020603050405020304" pitchFamily="18" charset="0"/>
+              </a:rPr>
+              <a:t>Teacher Model</a:t>
+            </a:r>
+            <a:endParaRPr lang="zh-CN" altLang="en-US" sz="2800" dirty="0">
+              <a:latin typeface="Times New Roman" panose="02020603050405020304" pitchFamily="18" charset="0"/>
+              <a:cs typeface="Times New Roman" panose="02020603050405020304" pitchFamily="18" charset="0"/>
+            </a:endParaRPr>
+          </a:p>
+        </p:txBody>
+      </p:sp>
+      <p:sp>
+        <p:nvSpPr>
+          <p:cNvPr id="35" name="任意多边形: 形状 34">
+            <a:extLst>
+              <a:ext uri="{FF2B5EF4-FFF2-40B4-BE49-F238E27FC236}">
+                <a16:creationId xmlns:a16="http://schemas.microsoft.com/office/drawing/2014/main" id="{FA09910F-89C4-F4B1-3154-28E48EF6EA2E}"/>
+              </a:ext>
+            </a:extLst>
+          </p:cNvPr>
+          <p:cNvSpPr/>
+          <p:nvPr/>
+        </p:nvSpPr>
+        <p:spPr>
+          <a:xfrm>
+            <a:off x="17167820" y="2159203"/>
+            <a:ext cx="3269452" cy="2838893"/>
+          </a:xfrm>
+          <a:custGeom>
+            <a:avLst/>
+            <a:gdLst>
+              <a:gd name="connsiteX0" fmla="*/ 3138486 w 3659481"/>
+              <a:gd name="connsiteY0" fmla="*/ 606055 h 2838893"/>
+              <a:gd name="connsiteX1" fmla="*/ 3053425 w 3659481"/>
+              <a:gd name="connsiteY1" fmla="*/ 404037 h 2838893"/>
+              <a:gd name="connsiteX2" fmla="*/ 2553695 w 3659481"/>
+              <a:gd name="connsiteY2" fmla="*/ 31897 h 2838893"/>
+              <a:gd name="connsiteX3" fmla="*/ 2277248 w 3659481"/>
+              <a:gd name="connsiteY3" fmla="*/ 0 h 2838893"/>
+              <a:gd name="connsiteX4" fmla="*/ 1352216 w 3659481"/>
+              <a:gd name="connsiteY4" fmla="*/ 21265 h 2838893"/>
+              <a:gd name="connsiteX5" fmla="*/ 1043872 w 3659481"/>
+              <a:gd name="connsiteY5" fmla="*/ 85060 h 2838893"/>
+              <a:gd name="connsiteX6" fmla="*/ 374020 w 3659481"/>
+              <a:gd name="connsiteY6" fmla="*/ 382772 h 2838893"/>
+              <a:gd name="connsiteX7" fmla="*/ 76309 w 3659481"/>
+              <a:gd name="connsiteY7" fmla="*/ 606055 h 2838893"/>
+              <a:gd name="connsiteX8" fmla="*/ 33779 w 3659481"/>
+              <a:gd name="connsiteY8" fmla="*/ 861237 h 2838893"/>
+              <a:gd name="connsiteX9" fmla="*/ 1118300 w 3659481"/>
+              <a:gd name="connsiteY9" fmla="*/ 978195 h 2838893"/>
+              <a:gd name="connsiteX10" fmla="*/ 1362848 w 3659481"/>
+              <a:gd name="connsiteY10" fmla="*/ 1010093 h 2838893"/>
+              <a:gd name="connsiteX11" fmla="*/ 1469174 w 3659481"/>
+              <a:gd name="connsiteY11" fmla="*/ 1052623 h 2838893"/>
+              <a:gd name="connsiteX12" fmla="*/ 1671193 w 3659481"/>
+              <a:gd name="connsiteY12" fmla="*/ 1190846 h 2838893"/>
+              <a:gd name="connsiteX13" fmla="*/ 1575500 w 3659481"/>
+              <a:gd name="connsiteY13" fmla="*/ 1403497 h 2838893"/>
+              <a:gd name="connsiteX14" fmla="*/ 1384113 w 3659481"/>
+              <a:gd name="connsiteY14" fmla="*/ 1573618 h 2838893"/>
+              <a:gd name="connsiteX15" fmla="*/ 1097034 w 3659481"/>
+              <a:gd name="connsiteY15" fmla="*/ 1860697 h 2838893"/>
+              <a:gd name="connsiteX16" fmla="*/ 1022607 w 3659481"/>
+              <a:gd name="connsiteY16" fmla="*/ 1924493 h 2838893"/>
+              <a:gd name="connsiteX17" fmla="*/ 969444 w 3659481"/>
+              <a:gd name="connsiteY17" fmla="*/ 1988288 h 2838893"/>
+              <a:gd name="connsiteX18" fmla="*/ 863118 w 3659481"/>
+              <a:gd name="connsiteY18" fmla="*/ 2115879 h 2838893"/>
+              <a:gd name="connsiteX19" fmla="*/ 820588 w 3659481"/>
+              <a:gd name="connsiteY19" fmla="*/ 2137144 h 2838893"/>
+              <a:gd name="connsiteX20" fmla="*/ 788690 w 3659481"/>
+              <a:gd name="connsiteY20" fmla="*/ 2147776 h 2838893"/>
+              <a:gd name="connsiteX21" fmla="*/ 735527 w 3659481"/>
+              <a:gd name="connsiteY21" fmla="*/ 2179674 h 2838893"/>
+              <a:gd name="connsiteX22" fmla="*/ 682365 w 3659481"/>
+              <a:gd name="connsiteY22" fmla="*/ 2243469 h 2838893"/>
+              <a:gd name="connsiteX23" fmla="*/ 618569 w 3659481"/>
+              <a:gd name="connsiteY23" fmla="*/ 2371060 h 2838893"/>
+              <a:gd name="connsiteX24" fmla="*/ 629202 w 3659481"/>
+              <a:gd name="connsiteY24" fmla="*/ 2615609 h 2838893"/>
+              <a:gd name="connsiteX25" fmla="*/ 767425 w 3659481"/>
+              <a:gd name="connsiteY25" fmla="*/ 2690037 h 2838893"/>
+              <a:gd name="connsiteX26" fmla="*/ 1256523 w 3659481"/>
+              <a:gd name="connsiteY26" fmla="*/ 2838893 h 2838893"/>
+              <a:gd name="connsiteX27" fmla="*/ 2181555 w 3659481"/>
+              <a:gd name="connsiteY27" fmla="*/ 2764465 h 2838893"/>
+              <a:gd name="connsiteX28" fmla="*/ 2691918 w 3659481"/>
+              <a:gd name="connsiteY28" fmla="*/ 2583711 h 2838893"/>
+              <a:gd name="connsiteX29" fmla="*/ 2968365 w 3659481"/>
+              <a:gd name="connsiteY29" fmla="*/ 2477386 h 2838893"/>
+              <a:gd name="connsiteX30" fmla="*/ 3138486 w 3659481"/>
+              <a:gd name="connsiteY30" fmla="*/ 2381693 h 2838893"/>
+              <a:gd name="connsiteX31" fmla="*/ 3223546 w 3659481"/>
+              <a:gd name="connsiteY31" fmla="*/ 2264735 h 2838893"/>
+              <a:gd name="connsiteX32" fmla="*/ 3319239 w 3659481"/>
+              <a:gd name="connsiteY32" fmla="*/ 2073348 h 2838893"/>
+              <a:gd name="connsiteX33" fmla="*/ 3478727 w 3659481"/>
+              <a:gd name="connsiteY33" fmla="*/ 1871330 h 2838893"/>
+              <a:gd name="connsiteX34" fmla="*/ 3616951 w 3659481"/>
+              <a:gd name="connsiteY34" fmla="*/ 1594883 h 2838893"/>
+              <a:gd name="connsiteX35" fmla="*/ 3659481 w 3659481"/>
+              <a:gd name="connsiteY35" fmla="*/ 1520455 h 2838893"/>
+              <a:gd name="connsiteX36" fmla="*/ 3648848 w 3659481"/>
+              <a:gd name="connsiteY36" fmla="*/ 1233376 h 2838893"/>
+              <a:gd name="connsiteX37" fmla="*/ 3351137 w 3659481"/>
+              <a:gd name="connsiteY37" fmla="*/ 861237 h 2838893"/>
+              <a:gd name="connsiteX38" fmla="*/ 3287341 w 3659481"/>
+              <a:gd name="connsiteY38" fmla="*/ 808074 h 2838893"/>
+              <a:gd name="connsiteX39" fmla="*/ 3191648 w 3659481"/>
+              <a:gd name="connsiteY39" fmla="*/ 765544 h 2838893"/>
+              <a:gd name="connsiteX40" fmla="*/ 3127853 w 3659481"/>
+              <a:gd name="connsiteY40" fmla="*/ 744279 h 2838893"/>
+              <a:gd name="connsiteX41" fmla="*/ 3095955 w 3659481"/>
+              <a:gd name="connsiteY41" fmla="*/ 723014 h 2838893"/>
+              <a:gd name="connsiteX42" fmla="*/ 3074690 w 3659481"/>
+              <a:gd name="connsiteY42" fmla="*/ 691116 h 2838893"/>
+              <a:gd name="connsiteX43" fmla="*/ 3138486 w 3659481"/>
+              <a:gd name="connsiteY43" fmla="*/ 606055 h 2838893"/>
+            </a:gdLst>
+            <a:ahLst/>
+            <a:cxnLst>
+              <a:cxn ang="0">
+                <a:pos x="connsiteX0" y="connsiteY0"/>
+              </a:cxn>
+              <a:cxn ang="0">
+                <a:pos x="connsiteX1" y="connsiteY1"/>
+              </a:cxn>
+              <a:cxn ang="0">
+                <a:pos x="connsiteX2" y="connsiteY2"/>
+              </a:cxn>
+              <a:cxn ang="0">
+                <a:pos x="connsiteX3" y="connsiteY3"/>
+              </a:cxn>
+              <a:cxn ang="0">
+                <a:pos x="connsiteX4" y="connsiteY4"/>
+              </a:cxn>
+              <a:cxn ang="0">
+                <a:pos x="connsiteX5" y="connsiteY5"/>
+              </a:cxn>
+              <a:cxn ang="0">
+                <a:pos x="connsiteX6" y="connsiteY6"/>
+              </a:cxn>
+              <a:cxn ang="0">
+                <a:pos x="connsiteX7" y="connsiteY7"/>
+              </a:cxn>
+              <a:cxn ang="0">
+                <a:pos x="connsiteX8" y="connsiteY8"/>
+              </a:cxn>
+              <a:cxn ang="0">
+                <a:pos x="connsiteX9" y="connsiteY9"/>
+              </a:cxn>
+              <a:cxn ang="0">
+                <a:pos x="connsiteX10" y="connsiteY10"/>
+              </a:cxn>
+              <a:cxn ang="0">
+                <a:pos x="connsiteX11" y="connsiteY11"/>
+              </a:cxn>
+              <a:cxn ang="0">
+                <a:pos x="connsiteX12" y="connsiteY12"/>
+              </a:cxn>
+              <a:cxn ang="0">
+                <a:pos x="connsiteX13" y="connsiteY13"/>
+              </a:cxn>
+              <a:cxn ang="0">
+                <a:pos x="connsiteX14" y="connsiteY14"/>
+              </a:cxn>
+              <a:cxn ang="0">
+                <a:pos x="connsiteX15" y="connsiteY15"/>
+              </a:cxn>
+              <a:cxn ang="0">
+                <a:pos x="connsiteX16" y="connsiteY16"/>
+              </a:cxn>
+              <a:cxn ang="0">
+                <a:pos x="connsiteX17" y="connsiteY17"/>
+              </a:cxn>
+              <a:cxn ang="0">
+                <a:pos x="connsiteX18" y="connsiteY18"/>
+              </a:cxn>
+              <a:cxn ang="0">
+                <a:pos x="connsiteX19" y="connsiteY19"/>
+              </a:cxn>
+              <a:cxn ang="0">
+                <a:pos x="connsiteX20" y="connsiteY20"/>
+              </a:cxn>
+              <a:cxn ang="0">
+                <a:pos x="connsiteX21" y="connsiteY21"/>
+              </a:cxn>
+              <a:cxn ang="0">
+                <a:pos x="connsiteX22" y="connsiteY22"/>
+              </a:cxn>
+              <a:cxn ang="0">
+                <a:pos x="connsiteX23" y="connsiteY23"/>
+              </a:cxn>
+              <a:cxn ang="0">
+                <a:pos x="connsiteX24" y="connsiteY24"/>
+              </a:cxn>
+              <a:cxn ang="0">
+                <a:pos x="connsiteX25" y="connsiteY25"/>
+              </a:cxn>
+              <a:cxn ang="0">
+                <a:pos x="connsiteX26" y="connsiteY26"/>
+              </a:cxn>
+              <a:cxn ang="0">
+                <a:pos x="connsiteX27" y="connsiteY27"/>
+              </a:cxn>
+              <a:cxn ang="0">
+                <a:pos x="connsiteX28" y="connsiteY28"/>
+              </a:cxn>
+              <a:cxn ang="0">
+                <a:pos x="connsiteX29" y="connsiteY29"/>
+              </a:cxn>
+              <a:cxn ang="0">
+                <a:pos x="connsiteX30" y="connsiteY30"/>
+              </a:cxn>
+              <a:cxn ang="0">
+                <a:pos x="connsiteX31" y="connsiteY31"/>
+              </a:cxn>
+              <a:cxn ang="0">
+                <a:pos x="connsiteX32" y="connsiteY32"/>
+              </a:cxn>
+              <a:cxn ang="0">
+                <a:pos x="connsiteX33" y="connsiteY33"/>
+              </a:cxn>
+              <a:cxn ang="0">
+                <a:pos x="connsiteX34" y="connsiteY34"/>
+              </a:cxn>
+              <a:cxn ang="0">
+                <a:pos x="connsiteX35" y="connsiteY35"/>
+              </a:cxn>
+              <a:cxn ang="0">
+                <a:pos x="connsiteX36" y="connsiteY36"/>
+              </a:cxn>
+              <a:cxn ang="0">
+                <a:pos x="connsiteX37" y="connsiteY37"/>
+              </a:cxn>
+              <a:cxn ang="0">
+                <a:pos x="connsiteX38" y="connsiteY38"/>
+              </a:cxn>
+              <a:cxn ang="0">
+                <a:pos x="connsiteX39" y="connsiteY39"/>
+              </a:cxn>
+              <a:cxn ang="0">
+                <a:pos x="connsiteX40" y="connsiteY40"/>
+              </a:cxn>
+              <a:cxn ang="0">
+                <a:pos x="connsiteX41" y="connsiteY41"/>
+              </a:cxn>
+              <a:cxn ang="0">
+                <a:pos x="connsiteX42" y="connsiteY42"/>
+              </a:cxn>
+              <a:cxn ang="0">
+                <a:pos x="connsiteX43" y="connsiteY43"/>
+              </a:cxn>
+            </a:cxnLst>
+            <a:rect l="l" t="t" r="r" b="b"/>
+            <a:pathLst>
+              <a:path w="3659481" h="2838893">
+                <a:moveTo>
+                  <a:pt x="3138486" y="606055"/>
+                </a:moveTo>
+                <a:cubicBezTo>
+                  <a:pt x="3134942" y="558209"/>
+                  <a:pt x="3094331" y="464578"/>
+                  <a:pt x="3053425" y="404037"/>
+                </a:cubicBezTo>
+                <a:cubicBezTo>
+                  <a:pt x="2940999" y="237647"/>
+                  <a:pt x="2736990" y="97359"/>
+                  <a:pt x="2553695" y="31897"/>
+                </a:cubicBezTo>
+                <a:cubicBezTo>
+                  <a:pt x="2466339" y="698"/>
+                  <a:pt x="2369397" y="10632"/>
+                  <a:pt x="2277248" y="0"/>
+                </a:cubicBezTo>
+                <a:cubicBezTo>
+                  <a:pt x="1968904" y="7088"/>
+                  <a:pt x="1659911" y="45"/>
+                  <a:pt x="1352216" y="21265"/>
+                </a:cubicBezTo>
+                <a:cubicBezTo>
+                  <a:pt x="1247507" y="28486"/>
+                  <a:pt x="1144360" y="54754"/>
+                  <a:pt x="1043872" y="85060"/>
+                </a:cubicBezTo>
+                <a:cubicBezTo>
+                  <a:pt x="837612" y="147265"/>
+                  <a:pt x="560756" y="269266"/>
+                  <a:pt x="374020" y="382772"/>
+                </a:cubicBezTo>
+                <a:cubicBezTo>
+                  <a:pt x="253472" y="456046"/>
+                  <a:pt x="175194" y="523652"/>
+                  <a:pt x="76309" y="606055"/>
+                </a:cubicBezTo>
+                <a:cubicBezTo>
+                  <a:pt x="60480" y="637713"/>
+                  <a:pt x="-56284" y="808700"/>
+                  <a:pt x="33779" y="861237"/>
+                </a:cubicBezTo>
+                <a:cubicBezTo>
+                  <a:pt x="286348" y="1008569"/>
+                  <a:pt x="932237" y="972723"/>
+                  <a:pt x="1118300" y="978195"/>
+                </a:cubicBezTo>
+                <a:cubicBezTo>
+                  <a:pt x="1199816" y="988828"/>
+                  <a:pt x="1282431" y="993035"/>
+                  <a:pt x="1362848" y="1010093"/>
+                </a:cubicBezTo>
+                <a:cubicBezTo>
+                  <a:pt x="1400189" y="1018014"/>
+                  <a:pt x="1434738" y="1036153"/>
+                  <a:pt x="1469174" y="1052623"/>
+                </a:cubicBezTo>
+                <a:cubicBezTo>
+                  <a:pt x="1614870" y="1122304"/>
+                  <a:pt x="1581317" y="1100971"/>
+                  <a:pt x="1671193" y="1190846"/>
+                </a:cubicBezTo>
+                <a:cubicBezTo>
+                  <a:pt x="1639295" y="1261730"/>
+                  <a:pt x="1622138" y="1341313"/>
+                  <a:pt x="1575500" y="1403497"/>
+                </a:cubicBezTo>
+                <a:cubicBezTo>
+                  <a:pt x="1524287" y="1471781"/>
+                  <a:pt x="1445824" y="1514650"/>
+                  <a:pt x="1384113" y="1573618"/>
+                </a:cubicBezTo>
+                <a:cubicBezTo>
+                  <a:pt x="1286270" y="1667112"/>
+                  <a:pt x="1199783" y="1772624"/>
+                  <a:pt x="1097034" y="1860697"/>
+                </a:cubicBezTo>
+                <a:cubicBezTo>
+                  <a:pt x="1072225" y="1881962"/>
+                  <a:pt x="1045712" y="1901388"/>
+                  <a:pt x="1022607" y="1924493"/>
+                </a:cubicBezTo>
+                <a:cubicBezTo>
+                  <a:pt x="1003034" y="1944066"/>
+                  <a:pt x="985318" y="1965611"/>
+                  <a:pt x="969444" y="1988288"/>
+                </a:cubicBezTo>
+                <a:cubicBezTo>
+                  <a:pt x="926615" y="2049472"/>
+                  <a:pt x="968575" y="2063151"/>
+                  <a:pt x="863118" y="2115879"/>
+                </a:cubicBezTo>
+                <a:cubicBezTo>
+                  <a:pt x="848941" y="2122967"/>
+                  <a:pt x="835156" y="2130900"/>
+                  <a:pt x="820588" y="2137144"/>
+                </a:cubicBezTo>
+                <a:cubicBezTo>
+                  <a:pt x="810286" y="2141559"/>
+                  <a:pt x="798715" y="2142764"/>
+                  <a:pt x="788690" y="2147776"/>
+                </a:cubicBezTo>
+                <a:cubicBezTo>
+                  <a:pt x="770206" y="2157018"/>
+                  <a:pt x="753248" y="2169041"/>
+                  <a:pt x="735527" y="2179674"/>
+                </a:cubicBezTo>
+                <a:cubicBezTo>
+                  <a:pt x="717806" y="2200939"/>
+                  <a:pt x="698121" y="2220710"/>
+                  <a:pt x="682365" y="2243469"/>
+                </a:cubicBezTo>
+                <a:cubicBezTo>
+                  <a:pt x="645416" y="2296840"/>
+                  <a:pt x="640393" y="2316500"/>
+                  <a:pt x="618569" y="2371060"/>
+                </a:cubicBezTo>
+                <a:cubicBezTo>
+                  <a:pt x="602916" y="2464983"/>
+                  <a:pt x="591483" y="2497062"/>
+                  <a:pt x="629202" y="2615609"/>
+                </a:cubicBezTo>
+                <a:cubicBezTo>
+                  <a:pt x="650197" y="2681592"/>
+                  <a:pt x="719666" y="2671843"/>
+                  <a:pt x="767425" y="2690037"/>
+                </a:cubicBezTo>
+                <a:cubicBezTo>
+                  <a:pt x="1158892" y="2839167"/>
+                  <a:pt x="514883" y="2659101"/>
+                  <a:pt x="1256523" y="2838893"/>
+                </a:cubicBezTo>
+                <a:cubicBezTo>
+                  <a:pt x="1564867" y="2814084"/>
+                  <a:pt x="1876990" y="2818610"/>
+                  <a:pt x="2181555" y="2764465"/>
+                </a:cubicBezTo>
+                <a:cubicBezTo>
+                  <a:pt x="2359244" y="2732876"/>
+                  <a:pt x="2521621" y="2643464"/>
+                  <a:pt x="2691918" y="2583711"/>
+                </a:cubicBezTo>
+                <a:cubicBezTo>
+                  <a:pt x="2810427" y="2542129"/>
+                  <a:pt x="2832099" y="2543454"/>
+                  <a:pt x="2968365" y="2477386"/>
+                </a:cubicBezTo>
+                <a:cubicBezTo>
+                  <a:pt x="3026909" y="2449001"/>
+                  <a:pt x="3081779" y="2413591"/>
+                  <a:pt x="3138486" y="2381693"/>
+                </a:cubicBezTo>
+                <a:cubicBezTo>
+                  <a:pt x="3166839" y="2342707"/>
+                  <a:pt x="3199167" y="2306322"/>
+                  <a:pt x="3223546" y="2264735"/>
+                </a:cubicBezTo>
+                <a:cubicBezTo>
+                  <a:pt x="3259617" y="2203202"/>
+                  <a:pt x="3280424" y="2133188"/>
+                  <a:pt x="3319239" y="2073348"/>
+                </a:cubicBezTo>
+                <a:cubicBezTo>
+                  <a:pt x="3365928" y="2001369"/>
+                  <a:pt x="3430207" y="1942088"/>
+                  <a:pt x="3478727" y="1871330"/>
+                </a:cubicBezTo>
+                <a:cubicBezTo>
+                  <a:pt x="3602253" y="1691188"/>
+                  <a:pt x="3544906" y="1747978"/>
+                  <a:pt x="3616951" y="1594883"/>
+                </a:cubicBezTo>
+                <a:cubicBezTo>
+                  <a:pt x="3629118" y="1569029"/>
+                  <a:pt x="3645304" y="1545264"/>
+                  <a:pt x="3659481" y="1520455"/>
+                </a:cubicBezTo>
+                <a:cubicBezTo>
+                  <a:pt x="3655937" y="1424762"/>
+                  <a:pt x="3664591" y="1327832"/>
+                  <a:pt x="3648848" y="1233376"/>
+                </a:cubicBezTo>
+                <a:cubicBezTo>
+                  <a:pt x="3615239" y="1031723"/>
+                  <a:pt x="3499842" y="1009942"/>
+                  <a:pt x="3351137" y="861237"/>
+                </a:cubicBezTo>
+                <a:cubicBezTo>
+                  <a:pt x="3321815" y="831915"/>
+                  <a:pt x="3321882" y="827812"/>
+                  <a:pt x="3287341" y="808074"/>
+                </a:cubicBezTo>
+                <a:cubicBezTo>
+                  <a:pt x="3258091" y="791360"/>
+                  <a:pt x="3222979" y="776937"/>
+                  <a:pt x="3191648" y="765544"/>
+                </a:cubicBezTo>
+                <a:cubicBezTo>
+                  <a:pt x="3170582" y="757884"/>
+                  <a:pt x="3148336" y="753383"/>
+                  <a:pt x="3127853" y="744279"/>
+                </a:cubicBezTo>
+                <a:cubicBezTo>
+                  <a:pt x="3116176" y="739089"/>
+                  <a:pt x="3106588" y="730102"/>
+                  <a:pt x="3095955" y="723014"/>
+                </a:cubicBezTo>
+                <a:cubicBezTo>
+                  <a:pt x="3088867" y="712381"/>
+                  <a:pt x="3074690" y="703895"/>
+                  <a:pt x="3074690" y="691116"/>
+                </a:cubicBezTo>
+                <a:cubicBezTo>
+                  <a:pt x="3074690" y="596956"/>
+                  <a:pt x="3142030" y="653901"/>
+                  <a:pt x="3138486" y="606055"/>
+                </a:cubicBezTo>
+                <a:close/>
+              </a:path>
+            </a:pathLst>
+          </a:custGeom>
+          <a:solidFill>
+            <a:schemeClr val="accent1">
+              <a:lumMod val="20000"/>
+              <a:lumOff val="80000"/>
+              <a:alpha val="41000"/>
+            </a:schemeClr>
+          </a:solidFill>
+        </p:spPr>
+        <p:style>
+          <a:lnRef idx="2">
+            <a:schemeClr val="accent1">
+              <a:shade val="15000"/>
+            </a:schemeClr>
+          </a:lnRef>
+          <a:fillRef idx="1">
+            <a:schemeClr val="accent1"/>
+          </a:fillRef>
+          <a:effectRef idx="0">
+            <a:schemeClr val="accent1"/>
+          </a:effectRef>
+          <a:fontRef idx="minor">
+            <a:schemeClr val="lt1"/>
+          </a:fontRef>
+        </p:style>
+        <p:txBody>
+          <a:bodyPr rtlCol="0" anchor="ctr"/>
+          <a:lstStyle/>
+          <a:p>
+            <a:pPr algn="ctr"/>
+            <a:endParaRPr lang="zh-CN" altLang="en-US"/>
+          </a:p>
+        </p:txBody>
+      </p:sp>
+      <p:sp>
+        <p:nvSpPr>
+          <p:cNvPr id="36" name="文本框 35">
+            <a:extLst>
+              <a:ext uri="{FF2B5EF4-FFF2-40B4-BE49-F238E27FC236}">
+                <a16:creationId xmlns:a16="http://schemas.microsoft.com/office/drawing/2014/main" id="{40BBDF52-A82D-2825-88D1-7626BD5D6E77}"/>
+              </a:ext>
+            </a:extLst>
+          </p:cNvPr>
+          <p:cNvSpPr txBox="1"/>
+          <p:nvPr/>
+        </p:nvSpPr>
+        <p:spPr>
+          <a:xfrm>
+            <a:off x="9813851" y="3592494"/>
+            <a:ext cx="2307042" cy="523220"/>
+          </a:xfrm>
+          <a:prstGeom prst="rect">
+            <a:avLst/>
+          </a:prstGeom>
+          <a:noFill/>
+        </p:spPr>
+        <p:txBody>
+          <a:bodyPr wrap="none" rtlCol="0">
+            <a:spAutoFit/>
+          </a:bodyPr>
+          <a:lstStyle/>
+          <a:p>
+            <a:r>
+              <a:rPr lang="en-US" altLang="zh-CN" sz="2800" dirty="0">
+                <a:latin typeface="Times New Roman" panose="02020603050405020304" pitchFamily="18" charset="0"/>
+                <a:cs typeface="Times New Roman" panose="02020603050405020304" pitchFamily="18" charset="0"/>
+              </a:rPr>
+              <a:t>Student Model</a:t>
+            </a:r>
+            <a:endParaRPr lang="zh-CN" altLang="en-US" sz="2800" dirty="0">
+              <a:latin typeface="Times New Roman" panose="02020603050405020304" pitchFamily="18" charset="0"/>
+              <a:cs typeface="Times New Roman" panose="02020603050405020304" pitchFamily="18" charset="0"/>
+            </a:endParaRPr>
+          </a:p>
+        </p:txBody>
+      </p:sp>
+      <mc:AlternateContent xmlns:mc="http://schemas.openxmlformats.org/markup-compatibility/2006">
+        <mc:Choice xmlns:a14="http://schemas.microsoft.com/office/drawing/2010/main" Requires="a14">
+          <p:sp>
+            <p:nvSpPr>
+              <p:cNvPr id="38" name="文本框 37">
+                <a:extLst>
+                  <a:ext uri="{FF2B5EF4-FFF2-40B4-BE49-F238E27FC236}">
+                    <a16:creationId xmlns:a16="http://schemas.microsoft.com/office/drawing/2014/main" id="{C393F481-7032-653D-B694-FE8BC950CCFF}"/>
+                  </a:ext>
+                </a:extLst>
+              </p:cNvPr>
+              <p:cNvSpPr txBox="1"/>
+              <p:nvPr/>
+            </p:nvSpPr>
+            <p:spPr>
+              <a:xfrm>
+                <a:off x="1456691" y="4568266"/>
+                <a:ext cx="1092479" cy="492443"/>
+              </a:xfrm>
+              <a:prstGeom prst="rect">
+                <a:avLst/>
+              </a:prstGeom>
+              <a:noFill/>
+            </p:spPr>
+            <p:txBody>
+              <a:bodyPr wrap="none" lIns="0" tIns="0" rIns="0" bIns="0" rtlCol="0">
+                <a:spAutoFit/>
+              </a:bodyPr>
+              <a:lstStyle/>
+              <a:p>
+                <a14:m>
+                  <m:oMathPara xmlns:m="http://schemas.openxmlformats.org/officeDocument/2006/math">
+                    <m:oMathParaPr>
+                      <m:jc m:val="centerGroup"/>
+                    </m:oMathParaPr>
+                    <m:oMath xmlns:m="http://schemas.openxmlformats.org/officeDocument/2006/math">
+                      <m:sSub>
+                        <m:sSubPr>
+                          <m:ctrlPr>
+                            <a:rPr lang="en-US" altLang="zh-CN" sz="3200" i="1" smtClean="0">
+                              <a:solidFill>
+                                <a:schemeClr val="accent6"/>
+                              </a:solidFill>
+                              <a:latin typeface="Cambria Math" panose="02040503050406030204" pitchFamily="18" charset="0"/>
+                            </a:rPr>
+                          </m:ctrlPr>
+                        </m:sSubPr>
+                        <m:e>
+                          <m:r>
+                            <a:rPr lang="en-US" altLang="zh-CN" sz="3200" b="0" i="1" smtClean="0">
+                              <a:solidFill>
+                                <a:schemeClr val="accent6"/>
+                              </a:solidFill>
+                              <a:latin typeface="Cambria Math" panose="02040503050406030204" pitchFamily="18" charset="0"/>
+                            </a:rPr>
+                            <m:t>𝑝</m:t>
+                          </m:r>
+                        </m:e>
+                        <m:sub>
+                          <m:r>
+                            <m:rPr>
+                              <m:sty m:val="p"/>
+                            </m:rPr>
+                            <a:rPr lang="en-US" altLang="zh-CN" sz="3200" b="0" i="0" smtClean="0">
+                              <a:solidFill>
+                                <a:schemeClr val="accent6"/>
+                              </a:solidFill>
+                              <a:latin typeface="Cambria Math" panose="02040503050406030204" pitchFamily="18" charset="0"/>
+                            </a:rPr>
+                            <m:t>noise</m:t>
+                          </m:r>
+                        </m:sub>
+                      </m:sSub>
+                    </m:oMath>
+                  </m:oMathPara>
+                </a14:m>
+                <a:endParaRPr lang="zh-CN" altLang="en-US" sz="3200" dirty="0">
+                  <a:solidFill>
+                    <a:schemeClr val="accent6"/>
+                  </a:solidFill>
+                </a:endParaRPr>
+              </a:p>
+            </p:txBody>
+          </p:sp>
+        </mc:Choice>
+        <mc:Fallback>
+          <p:sp>
+            <p:nvSpPr>
+              <p:cNvPr id="38" name="文本框 37">
+                <a:extLst>
+                  <a:ext uri="{FF2B5EF4-FFF2-40B4-BE49-F238E27FC236}">
+                    <a16:creationId xmlns:a16="http://schemas.microsoft.com/office/drawing/2014/main" id="{C393F481-7032-653D-B694-FE8BC950CCFF}"/>
+                  </a:ext>
+                </a:extLst>
+              </p:cNvPr>
+              <p:cNvSpPr txBox="1">
+                <a:spLocks noRot="1" noChangeAspect="1" noMove="1" noResize="1" noEditPoints="1" noAdjustHandles="1" noChangeArrowheads="1" noChangeShapeType="1" noTextEdit="1"/>
+              </p:cNvSpPr>
+              <p:nvPr/>
+            </p:nvSpPr>
+            <p:spPr>
+              <a:xfrm>
+                <a:off x="1456691" y="4568266"/>
+                <a:ext cx="1092479" cy="492443"/>
+              </a:xfrm>
+              <a:prstGeom prst="rect">
+                <a:avLst/>
+              </a:prstGeom>
+              <a:blipFill>
+                <a:blip r:embed="rId2"/>
+                <a:stretch>
+                  <a:fillRect/>
+                </a:stretch>
+              </a:blipFill>
+            </p:spPr>
+            <p:txBody>
+              <a:bodyPr/>
+              <a:lstStyle/>
+              <a:p>
+                <a:r>
+                  <a:rPr lang="zh-CN" altLang="en-US">
+                    <a:noFill/>
+                  </a:rPr>
+                  <a:t> </a:t>
+                </a:r>
+              </a:p>
+            </p:txBody>
+          </p:sp>
+        </mc:Fallback>
+      </mc:AlternateContent>
+      <mc:AlternateContent xmlns:mc="http://schemas.openxmlformats.org/markup-compatibility/2006">
+        <mc:Choice xmlns:a14="http://schemas.microsoft.com/office/drawing/2010/main" Requires="a14">
+          <p:sp>
+            <p:nvSpPr>
+              <p:cNvPr id="41" name="文本框 40">
+                <a:extLst>
+                  <a:ext uri="{FF2B5EF4-FFF2-40B4-BE49-F238E27FC236}">
+                    <a16:creationId xmlns:a16="http://schemas.microsoft.com/office/drawing/2014/main" id="{AB7DDC74-935F-3274-6C04-02516C3AFF4E}"/>
+                  </a:ext>
+                </a:extLst>
+              </p:cNvPr>
+              <p:cNvSpPr txBox="1"/>
+              <p:nvPr/>
+            </p:nvSpPr>
+            <p:spPr>
+              <a:xfrm>
+                <a:off x="17667745" y="698254"/>
+                <a:ext cx="2457852" cy="492443"/>
+              </a:xfrm>
+              <a:prstGeom prst="rect">
+                <a:avLst/>
+              </a:prstGeom>
+              <a:noFill/>
+            </p:spPr>
+            <p:txBody>
+              <a:bodyPr wrap="none" lIns="0" tIns="0" rIns="0" bIns="0" rtlCol="0">
+                <a:spAutoFit/>
+              </a:bodyPr>
+              <a:lstStyle/>
+              <a:p>
+                <a14:m>
+                  <m:oMathPara xmlns:m="http://schemas.openxmlformats.org/officeDocument/2006/math">
+                    <m:oMathParaPr>
+                      <m:jc m:val="centerGroup"/>
+                    </m:oMathParaPr>
+                    <m:oMath xmlns:m="http://schemas.openxmlformats.org/officeDocument/2006/math">
+                      <m:sSub>
+                        <m:sSubPr>
+                          <m:ctrlPr>
+                            <a:rPr lang="en-US" altLang="zh-CN" sz="3200" i="1" smtClean="0">
+                              <a:solidFill>
+                                <a:schemeClr val="accent5"/>
+                              </a:solidFill>
+                              <a:latin typeface="Cambria Math" panose="02040503050406030204" pitchFamily="18" charset="0"/>
+                            </a:rPr>
+                          </m:ctrlPr>
+                        </m:sSubPr>
+                        <m:e>
+                          <m:r>
+                            <a:rPr lang="en-US" altLang="zh-CN" sz="3200" b="0" i="1" smtClean="0">
+                              <a:solidFill>
+                                <a:schemeClr val="accent5"/>
+                              </a:solidFill>
+                              <a:latin typeface="Cambria Math" panose="02040503050406030204" pitchFamily="18" charset="0"/>
+                            </a:rPr>
+                            <m:t>𝑝</m:t>
+                          </m:r>
+                        </m:e>
+                        <m:sub>
+                          <m:r>
+                            <m:rPr>
+                              <m:sty m:val="p"/>
+                            </m:rPr>
+                            <a:rPr lang="en-US" altLang="zh-CN" sz="3200" b="0" i="0" smtClean="0">
+                              <a:solidFill>
+                                <a:schemeClr val="accent5"/>
+                              </a:solidFill>
+                              <a:latin typeface="Cambria Math" panose="02040503050406030204" pitchFamily="18" charset="0"/>
+                            </a:rPr>
+                            <m:t>teacher</m:t>
+                          </m:r>
+                        </m:sub>
+                      </m:sSub>
+                      <m:r>
+                        <a:rPr lang="en-US" altLang="zh-CN" sz="3200" b="0" i="1" smtClean="0">
+                          <a:solidFill>
+                            <a:schemeClr val="accent5"/>
+                          </a:solidFill>
+                          <a:latin typeface="Cambria Math" panose="02040503050406030204" pitchFamily="18" charset="0"/>
+                        </a:rPr>
+                        <m:t>   </m:t>
+                      </m:r>
+                      <m:d>
+                        <m:dPr>
+                          <m:ctrlPr>
+                            <a:rPr lang="en-US" altLang="zh-CN" sz="3200" b="0" i="1" smtClean="0">
+                              <a:solidFill>
+                                <a:schemeClr val="accent5"/>
+                              </a:solidFill>
+                              <a:latin typeface="Cambria Math" panose="02040503050406030204" pitchFamily="18" charset="0"/>
+                            </a:rPr>
+                          </m:ctrlPr>
+                        </m:dPr>
+                        <m:e>
+                          <m:sSub>
+                            <m:sSubPr>
+                              <m:ctrlPr>
+                                <a:rPr lang="en-US" altLang="zh-CN" sz="3200" b="0" i="1" smtClean="0">
+                                  <a:solidFill>
+                                    <a:schemeClr val="accent5"/>
+                                  </a:solidFill>
+                                  <a:latin typeface="Cambria Math" panose="02040503050406030204" pitchFamily="18" charset="0"/>
+                                </a:rPr>
+                              </m:ctrlPr>
+                            </m:sSubPr>
+                            <m:e>
+                              <m:r>
+                                <a:rPr lang="en-US" altLang="zh-CN" sz="3200" b="0" i="1" smtClean="0">
+                                  <a:solidFill>
+                                    <a:schemeClr val="accent5"/>
+                                  </a:solidFill>
+                                  <a:latin typeface="Cambria Math" panose="02040503050406030204" pitchFamily="18" charset="0"/>
+                                </a:rPr>
+                                <m:t>𝑝</m:t>
+                              </m:r>
+                            </m:e>
+                            <m:sub>
+                              <m:r>
+                                <a:rPr lang="en-US" altLang="zh-CN" sz="3200" b="0" i="1" smtClean="0">
+                                  <a:solidFill>
+                                    <a:schemeClr val="accent5"/>
+                                  </a:solidFill>
+                                  <a:latin typeface="Cambria Math" panose="02040503050406030204" pitchFamily="18" charset="0"/>
+                                </a:rPr>
+                                <m:t>𝑇</m:t>
+                              </m:r>
+                            </m:sub>
+                          </m:sSub>
+                        </m:e>
+                      </m:d>
+                    </m:oMath>
+                  </m:oMathPara>
+                </a14:m>
+                <a:endParaRPr lang="zh-CN" altLang="en-US" sz="3200" dirty="0">
+                  <a:solidFill>
+                    <a:schemeClr val="accent5"/>
+                  </a:solidFill>
+                </a:endParaRPr>
+              </a:p>
+            </p:txBody>
+          </p:sp>
+        </mc:Choice>
+        <mc:Fallback>
+          <p:sp>
+            <p:nvSpPr>
+              <p:cNvPr id="41" name="文本框 40">
+                <a:extLst>
+                  <a:ext uri="{FF2B5EF4-FFF2-40B4-BE49-F238E27FC236}">
+                    <a16:creationId xmlns:a16="http://schemas.microsoft.com/office/drawing/2014/main" id="{AB7DDC74-935F-3274-6C04-02516C3AFF4E}"/>
+                  </a:ext>
+                </a:extLst>
+              </p:cNvPr>
+              <p:cNvSpPr txBox="1">
+                <a:spLocks noRot="1" noChangeAspect="1" noMove="1" noResize="1" noEditPoints="1" noAdjustHandles="1" noChangeArrowheads="1" noChangeShapeType="1" noTextEdit="1"/>
+              </p:cNvSpPr>
+              <p:nvPr/>
+            </p:nvSpPr>
+            <p:spPr>
+              <a:xfrm>
+                <a:off x="17667745" y="698254"/>
+                <a:ext cx="2457852" cy="492443"/>
+              </a:xfrm>
+              <a:prstGeom prst="rect">
+                <a:avLst/>
+              </a:prstGeom>
+              <a:blipFill>
+                <a:blip r:embed="rId3"/>
+                <a:stretch>
+                  <a:fillRect/>
+                </a:stretch>
+              </a:blipFill>
+            </p:spPr>
+            <p:txBody>
+              <a:bodyPr/>
+              <a:lstStyle/>
+              <a:p>
+                <a:r>
+                  <a:rPr lang="zh-CN" altLang="en-US">
+                    <a:noFill/>
+                  </a:rPr>
+                  <a:t> </a:t>
+                </a:r>
+              </a:p>
+            </p:txBody>
+          </p:sp>
+        </mc:Fallback>
+      </mc:AlternateContent>
+      <mc:AlternateContent xmlns:mc="http://schemas.openxmlformats.org/markup-compatibility/2006">
+        <mc:Choice xmlns:a14="http://schemas.microsoft.com/office/drawing/2010/main" Requires="a14">
+          <p:sp>
+            <p:nvSpPr>
+              <p:cNvPr id="42" name="文本框 41">
+                <a:extLst>
+                  <a:ext uri="{FF2B5EF4-FFF2-40B4-BE49-F238E27FC236}">
+                    <a16:creationId xmlns:a16="http://schemas.microsoft.com/office/drawing/2014/main" id="{03B2E882-DA93-2497-2348-A757E9DEFBE1}"/>
+                  </a:ext>
+                </a:extLst>
+              </p:cNvPr>
+              <p:cNvSpPr txBox="1"/>
+              <p:nvPr/>
+            </p:nvSpPr>
+            <p:spPr>
+              <a:xfrm>
+                <a:off x="18091197" y="5091922"/>
+                <a:ext cx="2344039" cy="492443"/>
+              </a:xfrm>
+              <a:prstGeom prst="rect">
+                <a:avLst/>
+              </a:prstGeom>
+              <a:noFill/>
+            </p:spPr>
+            <p:txBody>
+              <a:bodyPr wrap="none" lIns="0" tIns="0" rIns="0" bIns="0" rtlCol="0">
+                <a:spAutoFit/>
+              </a:bodyPr>
+              <a:lstStyle/>
+              <a:p>
+                <a14:m>
+                  <m:oMathPara xmlns:m="http://schemas.openxmlformats.org/officeDocument/2006/math">
+                    <m:oMathParaPr>
+                      <m:jc m:val="centerGroup"/>
+                    </m:oMathParaPr>
+                    <m:oMath xmlns:m="http://schemas.openxmlformats.org/officeDocument/2006/math">
+                      <m:sSub>
+                        <m:sSubPr>
+                          <m:ctrlPr>
+                            <a:rPr lang="en-US" altLang="zh-CN" sz="3200" i="1" smtClean="0">
+                              <a:solidFill>
+                                <a:schemeClr val="accent4"/>
+                              </a:solidFill>
+                              <a:latin typeface="Cambria Math" panose="02040503050406030204" pitchFamily="18" charset="0"/>
+                            </a:rPr>
+                          </m:ctrlPr>
+                        </m:sSubPr>
+                        <m:e>
+                          <m:r>
+                            <a:rPr lang="en-US" altLang="zh-CN" sz="3200" b="0" i="1" smtClean="0">
+                              <a:solidFill>
+                                <a:schemeClr val="accent4"/>
+                              </a:solidFill>
+                              <a:latin typeface="Cambria Math" panose="02040503050406030204" pitchFamily="18" charset="0"/>
+                            </a:rPr>
+                            <m:t>𝑝</m:t>
+                          </m:r>
+                        </m:e>
+                        <m:sub>
+                          <m:r>
+                            <m:rPr>
+                              <m:sty m:val="p"/>
+                            </m:rPr>
+                            <a:rPr lang="en-US" altLang="zh-CN" sz="3200" b="0" i="0" smtClean="0">
+                              <a:solidFill>
+                                <a:schemeClr val="accent4"/>
+                              </a:solidFill>
+                              <a:latin typeface="Cambria Math" panose="02040503050406030204" pitchFamily="18" charset="0"/>
+                            </a:rPr>
+                            <m:t>student</m:t>
+                          </m:r>
+                        </m:sub>
+                      </m:sSub>
+                      <m:r>
+                        <a:rPr lang="en-US" altLang="zh-CN" sz="3200" b="0" i="1" smtClean="0">
+                          <a:solidFill>
+                            <a:schemeClr val="accent4"/>
+                          </a:solidFill>
+                          <a:latin typeface="Cambria Math" panose="02040503050406030204" pitchFamily="18" charset="0"/>
+                        </a:rPr>
+                        <m:t>  </m:t>
+                      </m:r>
+                      <m:d>
+                        <m:dPr>
+                          <m:ctrlPr>
+                            <a:rPr lang="en-US" altLang="zh-CN" sz="3200" i="1">
+                              <a:solidFill>
+                                <a:schemeClr val="accent4"/>
+                              </a:solidFill>
+                              <a:latin typeface="Cambria Math" panose="02040503050406030204" pitchFamily="18" charset="0"/>
+                            </a:rPr>
+                          </m:ctrlPr>
+                        </m:dPr>
+                        <m:e>
+                          <m:sSub>
+                            <m:sSubPr>
+                              <m:ctrlPr>
+                                <a:rPr lang="en-US" altLang="zh-CN" sz="3200" i="1">
+                                  <a:solidFill>
+                                    <a:schemeClr val="accent4"/>
+                                  </a:solidFill>
+                                  <a:latin typeface="Cambria Math" panose="02040503050406030204" pitchFamily="18" charset="0"/>
+                                </a:rPr>
+                              </m:ctrlPr>
+                            </m:sSubPr>
+                            <m:e>
+                              <m:r>
+                                <a:rPr lang="en-US" altLang="zh-CN" sz="3200" i="1">
+                                  <a:solidFill>
+                                    <a:schemeClr val="accent4"/>
+                                  </a:solidFill>
+                                  <a:latin typeface="Cambria Math" panose="02040503050406030204" pitchFamily="18" charset="0"/>
+                                </a:rPr>
+                                <m:t>𝑝</m:t>
+                              </m:r>
+                            </m:e>
+                            <m:sub>
+                              <m:r>
+                                <a:rPr lang="en-US" altLang="zh-CN" sz="3200" b="0" i="1" smtClean="0">
+                                  <a:solidFill>
+                                    <a:schemeClr val="accent4"/>
+                                  </a:solidFill>
+                                  <a:latin typeface="Cambria Math" panose="02040503050406030204" pitchFamily="18" charset="0"/>
+                                </a:rPr>
+                                <m:t>𝑆</m:t>
+                              </m:r>
+                            </m:sub>
+                          </m:sSub>
+                        </m:e>
+                      </m:d>
+                    </m:oMath>
+                  </m:oMathPara>
+                </a14:m>
+                <a:endParaRPr lang="zh-CN" altLang="en-US" sz="3200" dirty="0">
+                  <a:solidFill>
+                    <a:srgbClr val="00B0F0"/>
+                  </a:solidFill>
+                </a:endParaRPr>
+              </a:p>
+            </p:txBody>
+          </p:sp>
+        </mc:Choice>
+        <mc:Fallback>
+          <p:sp>
+            <p:nvSpPr>
+              <p:cNvPr id="42" name="文本框 41">
+                <a:extLst>
+                  <a:ext uri="{FF2B5EF4-FFF2-40B4-BE49-F238E27FC236}">
+                    <a16:creationId xmlns:a16="http://schemas.microsoft.com/office/drawing/2014/main" id="{03B2E882-DA93-2497-2348-A757E9DEFBE1}"/>
+                  </a:ext>
+                </a:extLst>
+              </p:cNvPr>
+              <p:cNvSpPr txBox="1">
+                <a:spLocks noRot="1" noChangeAspect="1" noMove="1" noResize="1" noEditPoints="1" noAdjustHandles="1" noChangeArrowheads="1" noChangeShapeType="1" noTextEdit="1"/>
+              </p:cNvSpPr>
+              <p:nvPr/>
+            </p:nvSpPr>
+            <p:spPr>
+              <a:xfrm>
+                <a:off x="18091197" y="5091922"/>
+                <a:ext cx="2344039" cy="492443"/>
+              </a:xfrm>
+              <a:prstGeom prst="rect">
+                <a:avLst/>
+              </a:prstGeom>
+              <a:blipFill>
+                <a:blip r:embed="rId4"/>
+                <a:stretch>
+                  <a:fillRect/>
+                </a:stretch>
+              </a:blipFill>
+            </p:spPr>
+            <p:txBody>
+              <a:bodyPr/>
+              <a:lstStyle/>
+              <a:p>
+                <a:r>
+                  <a:rPr lang="zh-CN" altLang="en-US">
+                    <a:noFill/>
+                  </a:rPr>
+                  <a:t> </a:t>
+                </a:r>
+              </a:p>
+            </p:txBody>
+          </p:sp>
+        </mc:Fallback>
+      </mc:AlternateContent>
     </p:spTree>
     <p:extLst>
       <p:ext uri="{BB962C8B-B14F-4D97-AF65-F5344CB8AC3E}">
@@ -13848,8 +15807,8 @@
           </a:p>
         </p:txBody>
       </p:sp>
-      <mc:AlternateContent xmlns:mc="http://schemas.openxmlformats.org/markup-compatibility/2006">
-        <mc:Choice xmlns:a14="http://schemas.microsoft.com/office/drawing/2010/main" Requires="a14">
+      <mc:AlternateContent xmlns:mc="http://schemas.openxmlformats.org/markup-compatibility/2006" xmlns:a14="http://schemas.microsoft.com/office/drawing/2010/main">
+        <mc:Choice Requires="a14">
           <p:sp>
             <p:nvSpPr>
               <p:cNvPr id="12" name="文本框 11">
@@ -13878,6 +15837,7 @@
               </a:bodyPr>
               <a:lstStyle/>
               <a:p>
+                <a:pPr/>
                 <a14:m>
                   <m:oMathPara xmlns:m="http://schemas.openxmlformats.org/officeDocument/2006/math">
                     <m:oMathParaPr>
@@ -13917,7 +15877,7 @@
             </p:txBody>
           </p:sp>
         </mc:Choice>
-        <mc:Fallback>
+        <mc:Fallback xmlns="">
           <p:sp>
             <p:nvSpPr>
               <p:cNvPr id="12" name="文本框 11">
@@ -13962,8 +15922,8 @@
           </p:sp>
         </mc:Fallback>
       </mc:AlternateContent>
-      <mc:AlternateContent xmlns:mc="http://schemas.openxmlformats.org/markup-compatibility/2006">
-        <mc:Choice xmlns:a14="http://schemas.microsoft.com/office/drawing/2010/main" Requires="a14">
+      <mc:AlternateContent xmlns:mc="http://schemas.openxmlformats.org/markup-compatibility/2006" xmlns:a14="http://schemas.microsoft.com/office/drawing/2010/main">
+        <mc:Choice Requires="a14">
           <p:sp>
             <p:nvSpPr>
               <p:cNvPr id="13" name="文本框 12">
@@ -13992,6 +15952,7 @@
               </a:bodyPr>
               <a:lstStyle/>
               <a:p>
+                <a:pPr/>
                 <a14:m>
                   <m:oMathPara xmlns:m="http://schemas.openxmlformats.org/officeDocument/2006/math">
                     <m:oMathParaPr>
@@ -14031,7 +15992,7 @@
             </p:txBody>
           </p:sp>
         </mc:Choice>
-        <mc:Fallback>
+        <mc:Fallback xmlns="">
           <p:sp>
             <p:nvSpPr>
               <p:cNvPr id="13" name="文本框 12">
@@ -14076,8 +16037,8 @@
           </p:sp>
         </mc:Fallback>
       </mc:AlternateContent>
-      <mc:AlternateContent xmlns:mc="http://schemas.openxmlformats.org/markup-compatibility/2006">
-        <mc:Choice xmlns:a14="http://schemas.microsoft.com/office/drawing/2010/main" Requires="a14">
+      <mc:AlternateContent xmlns:mc="http://schemas.openxmlformats.org/markup-compatibility/2006" xmlns:a14="http://schemas.microsoft.com/office/drawing/2010/main">
+        <mc:Choice Requires="a14">
           <p:sp>
             <p:nvSpPr>
               <p:cNvPr id="14" name="文本框 13">
@@ -14106,6 +16067,7 @@
               </a:bodyPr>
               <a:lstStyle/>
               <a:p>
+                <a:pPr/>
                 <a14:m>
                   <m:oMathPara xmlns:m="http://schemas.openxmlformats.org/officeDocument/2006/math">
                     <m:oMathParaPr>
@@ -14145,7 +16107,7 @@
             </p:txBody>
           </p:sp>
         </mc:Choice>
-        <mc:Fallback>
+        <mc:Fallback xmlns="">
           <p:sp>
             <p:nvSpPr>
               <p:cNvPr id="14" name="文本框 13">
@@ -14190,8 +16152,8 @@
           </p:sp>
         </mc:Fallback>
       </mc:AlternateContent>
-      <mc:AlternateContent xmlns:mc="http://schemas.openxmlformats.org/markup-compatibility/2006">
-        <mc:Choice xmlns:a14="http://schemas.microsoft.com/office/drawing/2010/main" Requires="a14">
+      <mc:AlternateContent xmlns:mc="http://schemas.openxmlformats.org/markup-compatibility/2006" xmlns:a14="http://schemas.microsoft.com/office/drawing/2010/main">
+        <mc:Choice Requires="a14">
           <p:sp>
             <p:nvSpPr>
               <p:cNvPr id="15" name="文本框 14">
@@ -14220,6 +16182,7 @@
               </a:bodyPr>
               <a:lstStyle/>
               <a:p>
+                <a:pPr/>
                 <a14:m>
                   <m:oMathPara xmlns:m="http://schemas.openxmlformats.org/officeDocument/2006/math">
                     <m:oMathParaPr>
@@ -14259,7 +16222,7 @@
             </p:txBody>
           </p:sp>
         </mc:Choice>
-        <mc:Fallback>
+        <mc:Fallback xmlns="">
           <p:sp>
             <p:nvSpPr>
               <p:cNvPr id="15" name="文本框 14">
@@ -14516,8 +16479,8 @@
           </a:p>
         </p:txBody>
       </p:sp>
-      <mc:AlternateContent xmlns:mc="http://schemas.openxmlformats.org/markup-compatibility/2006">
-        <mc:Choice xmlns:a14="http://schemas.microsoft.com/office/drawing/2010/main" Requires="a14">
+      <mc:AlternateContent xmlns:mc="http://schemas.openxmlformats.org/markup-compatibility/2006" xmlns:a14="http://schemas.microsoft.com/office/drawing/2010/main">
+        <mc:Choice Requires="a14">
           <p:sp>
             <p:nvSpPr>
               <p:cNvPr id="20" name="文本框 19">
@@ -14546,6 +16509,7 @@
               </a:bodyPr>
               <a:lstStyle/>
               <a:p>
+                <a:pPr/>
                 <a14:m>
                   <m:oMathPara xmlns:m="http://schemas.openxmlformats.org/officeDocument/2006/math">
                     <m:oMathParaPr>
@@ -14585,7 +16549,7 @@
             </p:txBody>
           </p:sp>
         </mc:Choice>
-        <mc:Fallback>
+        <mc:Fallback xmlns="">
           <p:sp>
             <p:nvSpPr>
               <p:cNvPr id="20" name="文本框 19">
@@ -14630,8 +16594,8 @@
           </p:sp>
         </mc:Fallback>
       </mc:AlternateContent>
-      <mc:AlternateContent xmlns:mc="http://schemas.openxmlformats.org/markup-compatibility/2006">
-        <mc:Choice xmlns:a14="http://schemas.microsoft.com/office/drawing/2010/main" Requires="a14">
+      <mc:AlternateContent xmlns:mc="http://schemas.openxmlformats.org/markup-compatibility/2006" xmlns:a14="http://schemas.microsoft.com/office/drawing/2010/main">
+        <mc:Choice Requires="a14">
           <p:sp>
             <p:nvSpPr>
               <p:cNvPr id="21" name="文本框 20">
@@ -14660,6 +16624,7 @@
               </a:bodyPr>
               <a:lstStyle/>
               <a:p>
+                <a:pPr/>
                 <a14:m>
                   <m:oMathPara xmlns:m="http://schemas.openxmlformats.org/officeDocument/2006/math">
                     <m:oMathParaPr>
@@ -14699,7 +16664,7 @@
             </p:txBody>
           </p:sp>
         </mc:Choice>
-        <mc:Fallback>
+        <mc:Fallback xmlns="">
           <p:sp>
             <p:nvSpPr>
               <p:cNvPr id="21" name="文本框 20">
@@ -14744,8 +16709,8 @@
           </p:sp>
         </mc:Fallback>
       </mc:AlternateContent>
-      <mc:AlternateContent xmlns:mc="http://schemas.openxmlformats.org/markup-compatibility/2006">
-        <mc:Choice xmlns:a14="http://schemas.microsoft.com/office/drawing/2010/main" Requires="a14">
+      <mc:AlternateContent xmlns:mc="http://schemas.openxmlformats.org/markup-compatibility/2006" xmlns:a14="http://schemas.microsoft.com/office/drawing/2010/main">
+        <mc:Choice Requires="a14">
           <p:sp>
             <p:nvSpPr>
               <p:cNvPr id="22" name="文本框 21">
@@ -14774,6 +16739,7 @@
               </a:bodyPr>
               <a:lstStyle/>
               <a:p>
+                <a:pPr/>
                 <a14:m>
                   <m:oMathPara xmlns:m="http://schemas.openxmlformats.org/officeDocument/2006/math">
                     <m:oMathParaPr>
@@ -14813,7 +16779,7 @@
             </p:txBody>
           </p:sp>
         </mc:Choice>
-        <mc:Fallback>
+        <mc:Fallback xmlns="">
           <p:sp>
             <p:nvSpPr>
               <p:cNvPr id="22" name="文本框 21">
@@ -14858,8 +16824,8 @@
           </p:sp>
         </mc:Fallback>
       </mc:AlternateContent>
-      <mc:AlternateContent xmlns:mc="http://schemas.openxmlformats.org/markup-compatibility/2006">
-        <mc:Choice xmlns:a14="http://schemas.microsoft.com/office/drawing/2010/main" Requires="a14">
+      <mc:AlternateContent xmlns:mc="http://schemas.openxmlformats.org/markup-compatibility/2006" xmlns:a14="http://schemas.microsoft.com/office/drawing/2010/main">
+        <mc:Choice Requires="a14">
           <p:sp>
             <p:nvSpPr>
               <p:cNvPr id="23" name="文本框 22">
@@ -14888,6 +16854,7 @@
               </a:bodyPr>
               <a:lstStyle/>
               <a:p>
+                <a:pPr/>
                 <a14:m>
                   <m:oMathPara xmlns:m="http://schemas.openxmlformats.org/officeDocument/2006/math">
                     <m:oMathParaPr>
@@ -14927,7 +16894,7 @@
             </p:txBody>
           </p:sp>
         </mc:Choice>
-        <mc:Fallback>
+        <mc:Fallback xmlns="">
           <p:sp>
             <p:nvSpPr>
               <p:cNvPr id="23" name="文本框 22">
@@ -14972,8 +16939,8 @@
           </p:sp>
         </mc:Fallback>
       </mc:AlternateContent>
-      <mc:AlternateContent xmlns:mc="http://schemas.openxmlformats.org/markup-compatibility/2006">
-        <mc:Choice xmlns:a14="http://schemas.microsoft.com/office/drawing/2010/main" Requires="a14">
+      <mc:AlternateContent xmlns:mc="http://schemas.openxmlformats.org/markup-compatibility/2006" xmlns:a14="http://schemas.microsoft.com/office/drawing/2010/main">
+        <mc:Choice Requires="a14">
           <p:sp>
             <p:nvSpPr>
               <p:cNvPr id="24" name="文本框 23">
@@ -15002,6 +16969,7 @@
               </a:bodyPr>
               <a:lstStyle/>
               <a:p>
+                <a:pPr/>
                 <a14:m>
                   <m:oMathPara xmlns:m="http://schemas.openxmlformats.org/officeDocument/2006/math">
                     <m:oMathParaPr>
@@ -15041,7 +17009,7 @@
             </p:txBody>
           </p:sp>
         </mc:Choice>
-        <mc:Fallback>
+        <mc:Fallback xmlns="">
           <p:sp>
             <p:nvSpPr>
               <p:cNvPr id="24" name="文本框 23">
@@ -15298,8 +17266,8 @@
           </a:p>
         </p:txBody>
       </p:sp>
-      <mc:AlternateContent xmlns:mc="http://schemas.openxmlformats.org/markup-compatibility/2006">
-        <mc:Choice xmlns:a14="http://schemas.microsoft.com/office/drawing/2010/main" Requires="a14">
+      <mc:AlternateContent xmlns:mc="http://schemas.openxmlformats.org/markup-compatibility/2006" xmlns:a14="http://schemas.microsoft.com/office/drawing/2010/main">
+        <mc:Choice Requires="a14">
           <p:sp>
             <p:nvSpPr>
               <p:cNvPr id="29" name="文本框 28">
@@ -15328,6 +17296,7 @@
               </a:bodyPr>
               <a:lstStyle/>
               <a:p>
+                <a:pPr/>
                 <a14:m>
                   <m:oMathPara xmlns:m="http://schemas.openxmlformats.org/officeDocument/2006/math">
                     <m:oMathParaPr>
@@ -15367,7 +17336,7 @@
             </p:txBody>
           </p:sp>
         </mc:Choice>
-        <mc:Fallback>
+        <mc:Fallback xmlns="">
           <p:sp>
             <p:nvSpPr>
               <p:cNvPr id="29" name="文本框 28">
@@ -15412,8 +17381,8 @@
           </p:sp>
         </mc:Fallback>
       </mc:AlternateContent>
-      <mc:AlternateContent xmlns:mc="http://schemas.openxmlformats.org/markup-compatibility/2006">
-        <mc:Choice xmlns:a14="http://schemas.microsoft.com/office/drawing/2010/main" Requires="a14">
+      <mc:AlternateContent xmlns:mc="http://schemas.openxmlformats.org/markup-compatibility/2006" xmlns:a14="http://schemas.microsoft.com/office/drawing/2010/main">
+        <mc:Choice Requires="a14">
           <p:sp>
             <p:nvSpPr>
               <p:cNvPr id="31" name="文本框 30">
@@ -15442,6 +17411,7 @@
               </a:bodyPr>
               <a:lstStyle/>
               <a:p>
+                <a:pPr/>
                 <a14:m>
                   <m:oMathPara xmlns:m="http://schemas.openxmlformats.org/officeDocument/2006/math">
                     <m:oMathParaPr>
@@ -15481,7 +17451,7 @@
             </p:txBody>
           </p:sp>
         </mc:Choice>
-        <mc:Fallback>
+        <mc:Fallback xmlns="">
           <p:sp>
             <p:nvSpPr>
               <p:cNvPr id="31" name="文本框 30">
@@ -15526,8 +17496,8 @@
           </p:sp>
         </mc:Fallback>
       </mc:AlternateContent>
-      <mc:AlternateContent xmlns:mc="http://schemas.openxmlformats.org/markup-compatibility/2006">
-        <mc:Choice xmlns:a14="http://schemas.microsoft.com/office/drawing/2010/main" Requires="a14">
+      <mc:AlternateContent xmlns:mc="http://schemas.openxmlformats.org/markup-compatibility/2006" xmlns:a14="http://schemas.microsoft.com/office/drawing/2010/main">
+        <mc:Choice Requires="a14">
           <p:sp>
             <p:nvSpPr>
               <p:cNvPr id="32" name="文本框 31">
@@ -15556,6 +17526,7 @@
               </a:bodyPr>
               <a:lstStyle/>
               <a:p>
+                <a:pPr/>
                 <a14:m>
                   <m:oMathPara xmlns:m="http://schemas.openxmlformats.org/officeDocument/2006/math">
                     <m:oMathParaPr>
@@ -15595,7 +17566,7 @@
             </p:txBody>
           </p:sp>
         </mc:Choice>
-        <mc:Fallback>
+        <mc:Fallback xmlns="">
           <p:sp>
             <p:nvSpPr>
               <p:cNvPr id="32" name="文本框 31">
@@ -15640,8 +17611,8 @@
           </p:sp>
         </mc:Fallback>
       </mc:AlternateContent>
-      <mc:AlternateContent xmlns:mc="http://schemas.openxmlformats.org/markup-compatibility/2006">
-        <mc:Choice xmlns:a14="http://schemas.microsoft.com/office/drawing/2010/main" Requires="a14">
+      <mc:AlternateContent xmlns:mc="http://schemas.openxmlformats.org/markup-compatibility/2006" xmlns:a14="http://schemas.microsoft.com/office/drawing/2010/main">
+        <mc:Choice Requires="a14">
           <p:sp>
             <p:nvSpPr>
               <p:cNvPr id="33" name="文本框 32">
@@ -15670,6 +17641,7 @@
               </a:bodyPr>
               <a:lstStyle/>
               <a:p>
+                <a:pPr/>
                 <a14:m>
                   <m:oMathPara xmlns:m="http://schemas.openxmlformats.org/officeDocument/2006/math">
                     <m:oMathParaPr>
@@ -15709,7 +17681,7 @@
             </p:txBody>
           </p:sp>
         </mc:Choice>
-        <mc:Fallback>
+        <mc:Fallback xmlns="">
           <p:sp>
             <p:nvSpPr>
               <p:cNvPr id="33" name="文本框 32">
@@ -15754,8 +17726,8 @@
           </p:sp>
         </mc:Fallback>
       </mc:AlternateContent>
-      <mc:AlternateContent xmlns:mc="http://schemas.openxmlformats.org/markup-compatibility/2006">
-        <mc:Choice xmlns:a14="http://schemas.microsoft.com/office/drawing/2010/main" Requires="a14">
+      <mc:AlternateContent xmlns:mc="http://schemas.openxmlformats.org/markup-compatibility/2006" xmlns:a14="http://schemas.microsoft.com/office/drawing/2010/main">
+        <mc:Choice Requires="a14">
           <p:sp>
             <p:nvSpPr>
               <p:cNvPr id="34" name="文本框 33">
@@ -15784,6 +17756,7 @@
               </a:bodyPr>
               <a:lstStyle/>
               <a:p>
+                <a:pPr/>
                 <a14:m>
                   <m:oMathPara xmlns:m="http://schemas.openxmlformats.org/officeDocument/2006/math">
                     <m:oMathParaPr>
@@ -15823,7 +17796,7 @@
             </p:txBody>
           </p:sp>
         </mc:Choice>
-        <mc:Fallback>
+        <mc:Fallback xmlns="">
           <p:sp>
             <p:nvSpPr>
               <p:cNvPr id="34" name="文本框 33">
@@ -16027,8 +18000,8 @@
           </a:p>
         </p:txBody>
       </p:sp>
-      <mc:AlternateContent xmlns:mc="http://schemas.openxmlformats.org/markup-compatibility/2006">
-        <mc:Choice xmlns:a14="http://schemas.microsoft.com/office/drawing/2010/main" Requires="a14">
+      <mc:AlternateContent xmlns:mc="http://schemas.openxmlformats.org/markup-compatibility/2006" xmlns:a14="http://schemas.microsoft.com/office/drawing/2010/main">
+        <mc:Choice Requires="a14">
           <p:sp>
             <p:nvSpPr>
               <p:cNvPr id="38" name="文本框 37">
@@ -16057,6 +18030,7 @@
               </a:bodyPr>
               <a:lstStyle/>
               <a:p>
+                <a:pPr/>
                 <a14:m>
                   <m:oMathPara xmlns:m="http://schemas.openxmlformats.org/officeDocument/2006/math">
                     <m:oMathParaPr>
@@ -16096,7 +18070,7 @@
             </p:txBody>
           </p:sp>
         </mc:Choice>
-        <mc:Fallback>
+        <mc:Fallback xmlns="">
           <p:sp>
             <p:nvSpPr>
               <p:cNvPr id="38" name="文本框 37">
@@ -16141,8 +18115,8 @@
           </p:sp>
         </mc:Fallback>
       </mc:AlternateContent>
-      <mc:AlternateContent xmlns:mc="http://schemas.openxmlformats.org/markup-compatibility/2006">
-        <mc:Choice xmlns:a14="http://schemas.microsoft.com/office/drawing/2010/main" Requires="a14">
+      <mc:AlternateContent xmlns:mc="http://schemas.openxmlformats.org/markup-compatibility/2006" xmlns:a14="http://schemas.microsoft.com/office/drawing/2010/main">
+        <mc:Choice Requires="a14">
           <p:sp>
             <p:nvSpPr>
               <p:cNvPr id="39" name="文本框 38">
@@ -16171,6 +18145,7 @@
               </a:bodyPr>
               <a:lstStyle/>
               <a:p>
+                <a:pPr/>
                 <a14:m>
                   <m:oMathPara xmlns:m="http://schemas.openxmlformats.org/officeDocument/2006/math">
                     <m:oMathParaPr>
@@ -16210,7 +18185,7 @@
             </p:txBody>
           </p:sp>
         </mc:Choice>
-        <mc:Fallback>
+        <mc:Fallback xmlns="">
           <p:sp>
             <p:nvSpPr>
               <p:cNvPr id="39" name="文本框 38">
@@ -16255,8 +18230,8 @@
           </p:sp>
         </mc:Fallback>
       </mc:AlternateContent>
-      <mc:AlternateContent xmlns:mc="http://schemas.openxmlformats.org/markup-compatibility/2006">
-        <mc:Choice xmlns:a14="http://schemas.microsoft.com/office/drawing/2010/main" Requires="a14">
+      <mc:AlternateContent xmlns:mc="http://schemas.openxmlformats.org/markup-compatibility/2006" xmlns:a14="http://schemas.microsoft.com/office/drawing/2010/main">
+        <mc:Choice Requires="a14">
           <p:sp>
             <p:nvSpPr>
               <p:cNvPr id="40" name="文本框 39">
@@ -16285,6 +18260,7 @@
               </a:bodyPr>
               <a:lstStyle/>
               <a:p>
+                <a:pPr/>
                 <a14:m>
                   <m:oMathPara xmlns:m="http://schemas.openxmlformats.org/officeDocument/2006/math">
                     <m:oMathParaPr>
@@ -16324,7 +18300,7 @@
             </p:txBody>
           </p:sp>
         </mc:Choice>
-        <mc:Fallback>
+        <mc:Fallback xmlns="">
           <p:sp>
             <p:nvSpPr>
               <p:cNvPr id="40" name="文本框 39">
@@ -16369,8 +18345,8 @@
           </p:sp>
         </mc:Fallback>
       </mc:AlternateContent>
-      <mc:AlternateContent xmlns:mc="http://schemas.openxmlformats.org/markup-compatibility/2006">
-        <mc:Choice xmlns:a14="http://schemas.microsoft.com/office/drawing/2010/main" Requires="a14">
+      <mc:AlternateContent xmlns:mc="http://schemas.openxmlformats.org/markup-compatibility/2006" xmlns:a14="http://schemas.microsoft.com/office/drawing/2010/main">
+        <mc:Choice Requires="a14">
           <p:sp>
             <p:nvSpPr>
               <p:cNvPr id="41" name="文本框 40">
@@ -16399,6 +18375,7 @@
               </a:bodyPr>
               <a:lstStyle/>
               <a:p>
+                <a:pPr/>
                 <a14:m>
                   <m:oMathPara xmlns:m="http://schemas.openxmlformats.org/officeDocument/2006/math">
                     <m:oMathParaPr>
@@ -16438,7 +18415,7 @@
             </p:txBody>
           </p:sp>
         </mc:Choice>
-        <mc:Fallback>
+        <mc:Fallback xmlns="">
           <p:sp>
             <p:nvSpPr>
               <p:cNvPr id="41" name="文本框 40">
@@ -16483,8 +18460,8 @@
           </p:sp>
         </mc:Fallback>
       </mc:AlternateContent>
-      <mc:AlternateContent xmlns:mc="http://schemas.openxmlformats.org/markup-compatibility/2006">
-        <mc:Choice xmlns:a14="http://schemas.microsoft.com/office/drawing/2010/main" Requires="a14">
+      <mc:AlternateContent xmlns:mc="http://schemas.openxmlformats.org/markup-compatibility/2006" xmlns:a14="http://schemas.microsoft.com/office/drawing/2010/main">
+        <mc:Choice Requires="a14">
           <p:sp>
             <p:nvSpPr>
               <p:cNvPr id="42" name="文本框 41">
@@ -16513,6 +18490,7 @@
               </a:bodyPr>
               <a:lstStyle/>
               <a:p>
+                <a:pPr/>
                 <a14:m>
                   <m:oMathPara xmlns:m="http://schemas.openxmlformats.org/officeDocument/2006/math">
                     <m:oMathParaPr>
@@ -16552,7 +18530,7 @@
             </p:txBody>
           </p:sp>
         </mc:Choice>
-        <mc:Fallback>
+        <mc:Fallback xmlns="">
           <p:sp>
             <p:nvSpPr>
               <p:cNvPr id="42" name="文本框 41">

--- a/images/posts/2025-05-20-blog-post/新建 Microsoft PowerPoint 演示文稿.pptx
+++ b/images/posts/2025-05-20-blog-post/新建 Microsoft PowerPoint 演示文稿.pptx
@@ -5,7 +5,7 @@
     <p:sldMasterId id="2147483684" r:id="rId1"/>
   </p:sldMasterIdLst>
   <p:notesMasterIdLst>
-    <p:notesMasterId r:id="rId9"/>
+    <p:notesMasterId r:id="rId10"/>
   </p:notesMasterIdLst>
   <p:sldIdLst>
     <p:sldId id="300" r:id="rId2"/>
@@ -15,6 +15,7 @@
     <p:sldId id="304" r:id="rId6"/>
     <p:sldId id="305" r:id="rId7"/>
     <p:sldId id="306" r:id="rId8"/>
+    <p:sldId id="307" r:id="rId9"/>
   </p:sldIdLst>
   <p:sldSz cx="21599525" cy="8999538"/>
   <p:notesSz cx="6858000" cy="9144000"/>
@@ -14000,8 +14001,8 @@
           </a:p>
         </p:txBody>
       </p:sp>
-      <mc:AlternateContent xmlns:mc="http://schemas.openxmlformats.org/markup-compatibility/2006">
-        <mc:Choice xmlns:a14="http://schemas.microsoft.com/office/drawing/2010/main" Requires="a14">
+      <mc:AlternateContent xmlns:mc="http://schemas.openxmlformats.org/markup-compatibility/2006" xmlns:a14="http://schemas.microsoft.com/office/drawing/2010/main">
+        <mc:Choice Requires="a14">
           <p:sp>
             <p:nvSpPr>
               <p:cNvPr id="38" name="文本框 37">
@@ -14030,6 +14031,7 @@
               </a:bodyPr>
               <a:lstStyle/>
               <a:p>
+                <a:pPr/>
                 <a14:m>
                   <m:oMathPara xmlns:m="http://schemas.openxmlformats.org/officeDocument/2006/math">
                     <m:oMathParaPr>
@@ -14085,7 +14087,7 @@
             </p:txBody>
           </p:sp>
         </mc:Choice>
-        <mc:Fallback>
+        <mc:Fallback xmlns="">
           <p:sp>
             <p:nvSpPr>
               <p:cNvPr id="38" name="文本框 37">
@@ -14130,8 +14132,8 @@
           </p:sp>
         </mc:Fallback>
       </mc:AlternateContent>
-      <mc:AlternateContent xmlns:mc="http://schemas.openxmlformats.org/markup-compatibility/2006">
-        <mc:Choice xmlns:a14="http://schemas.microsoft.com/office/drawing/2010/main" Requires="a14">
+      <mc:AlternateContent xmlns:mc="http://schemas.openxmlformats.org/markup-compatibility/2006" xmlns:a14="http://schemas.microsoft.com/office/drawing/2010/main">
+        <mc:Choice Requires="a14">
           <p:sp>
             <p:nvSpPr>
               <p:cNvPr id="41" name="文本框 40">
@@ -14160,6 +14162,7 @@
               </a:bodyPr>
               <a:lstStyle/>
               <a:p>
+                <a:pPr/>
                 <a14:m>
                   <m:oMathPara xmlns:m="http://schemas.openxmlformats.org/officeDocument/2006/math">
                     <m:oMathParaPr>
@@ -14272,7 +14275,7 @@
             </p:txBody>
           </p:sp>
         </mc:Choice>
-        <mc:Fallback>
+        <mc:Fallback xmlns="">
           <p:sp>
             <p:nvSpPr>
               <p:cNvPr id="41" name="文本框 40">
@@ -14317,8 +14320,8 @@
           </p:sp>
         </mc:Fallback>
       </mc:AlternateContent>
-      <mc:AlternateContent xmlns:mc="http://schemas.openxmlformats.org/markup-compatibility/2006">
-        <mc:Choice xmlns:a14="http://schemas.microsoft.com/office/drawing/2010/main" Requires="a14">
+      <mc:AlternateContent xmlns:mc="http://schemas.openxmlformats.org/markup-compatibility/2006" xmlns:a14="http://schemas.microsoft.com/office/drawing/2010/main">
+        <mc:Choice Requires="a14">
           <p:sp>
             <p:nvSpPr>
               <p:cNvPr id="42" name="文本框 41">
@@ -14347,6 +14350,7 @@
               </a:bodyPr>
               <a:lstStyle/>
               <a:p>
+                <a:pPr/>
                 <a14:m>
                   <m:oMathPara xmlns:m="http://schemas.openxmlformats.org/officeDocument/2006/math">
                     <m:oMathParaPr>
@@ -14459,7 +14463,7 @@
             </p:txBody>
           </p:sp>
         </mc:Choice>
-        <mc:Fallback>
+        <mc:Fallback xmlns="">
           <p:sp>
             <p:nvSpPr>
               <p:cNvPr id="42" name="文本框 41">
@@ -18995,6 +18999,366 @@
     <p:extLst>
       <p:ext uri="{BB962C8B-B14F-4D97-AF65-F5344CB8AC3E}">
         <p14:creationId xmlns:p14="http://schemas.microsoft.com/office/powerpoint/2010/main" val="3475435583"/>
+      </p:ext>
+    </p:extLst>
+  </p:cSld>
+  <p:clrMapOvr>
+    <a:masterClrMapping/>
+  </p:clrMapOvr>
+</p:sld>
+</file>
+
+<file path=ppt/slides/slide8.xml><?xml version="1.0" encoding="utf-8"?>
+<p:sld xmlns:a="http://schemas.openxmlformats.org/drawingml/2006/main" xmlns:r="http://schemas.openxmlformats.org/officeDocument/2006/relationships" xmlns:p="http://schemas.openxmlformats.org/presentationml/2006/main">
+  <p:cSld>
+    <p:spTree>
+      <p:nvGrpSpPr>
+        <p:cNvPr id="1" name=""/>
+        <p:cNvGrpSpPr/>
+        <p:nvPr/>
+      </p:nvGrpSpPr>
+      <p:grpSpPr>
+        <a:xfrm>
+          <a:off x="0" y="0"/>
+          <a:ext cx="0" cy="0"/>
+          <a:chOff x="0" y="0"/>
+          <a:chExt cx="0" cy="0"/>
+        </a:xfrm>
+      </p:grpSpPr>
+      <p:pic>
+        <p:nvPicPr>
+          <p:cNvPr id="5" name="图片 4">
+            <a:extLst>
+              <a:ext uri="{FF2B5EF4-FFF2-40B4-BE49-F238E27FC236}">
+                <a16:creationId xmlns:a16="http://schemas.microsoft.com/office/drawing/2014/main" id="{D8A36D74-1C66-4D88-B4EF-BB1B06699347}"/>
+              </a:ext>
+            </a:extLst>
+          </p:cNvPr>
+          <p:cNvPicPr>
+            <a:picLocks noChangeAspect="1"/>
+          </p:cNvPicPr>
+          <p:nvPr/>
+        </p:nvPicPr>
+        <p:blipFill>
+          <a:blip r:embed="rId2"/>
+          <a:stretch>
+            <a:fillRect/>
+          </a:stretch>
+        </p:blipFill>
+        <p:spPr>
+          <a:xfrm>
+            <a:off x="2701109" y="2487679"/>
+            <a:ext cx="3105150" cy="3067050"/>
+          </a:xfrm>
+          <a:prstGeom prst="rect">
+            <a:avLst/>
+          </a:prstGeom>
+        </p:spPr>
+      </p:pic>
+      <p:pic>
+        <p:nvPicPr>
+          <p:cNvPr id="7" name="图片 6">
+            <a:extLst>
+              <a:ext uri="{FF2B5EF4-FFF2-40B4-BE49-F238E27FC236}">
+                <a16:creationId xmlns:a16="http://schemas.microsoft.com/office/drawing/2014/main" id="{59C28914-7C28-3DC3-67B3-A9940DAF5F13}"/>
+              </a:ext>
+            </a:extLst>
+          </p:cNvPr>
+          <p:cNvPicPr>
+            <a:picLocks noChangeAspect="1"/>
+          </p:cNvPicPr>
+          <p:nvPr/>
+        </p:nvPicPr>
+        <p:blipFill>
+          <a:blip r:embed="rId3"/>
+          <a:stretch>
+            <a:fillRect/>
+          </a:stretch>
+        </p:blipFill>
+        <p:spPr>
+          <a:xfrm>
+            <a:off x="6181205" y="2487679"/>
+            <a:ext cx="3067050" cy="3067050"/>
+          </a:xfrm>
+          <a:prstGeom prst="rect">
+            <a:avLst/>
+          </a:prstGeom>
+        </p:spPr>
+      </p:pic>
+      <p:pic>
+        <p:nvPicPr>
+          <p:cNvPr id="9" name="图片 8">
+            <a:extLst>
+              <a:ext uri="{FF2B5EF4-FFF2-40B4-BE49-F238E27FC236}">
+                <a16:creationId xmlns:a16="http://schemas.microsoft.com/office/drawing/2014/main" id="{6F006F3D-3A71-67AF-1C52-496A4F733AE7}"/>
+              </a:ext>
+            </a:extLst>
+          </p:cNvPr>
+          <p:cNvPicPr>
+            <a:picLocks noChangeAspect="1"/>
+          </p:cNvPicPr>
+          <p:nvPr/>
+        </p:nvPicPr>
+        <p:blipFill>
+          <a:blip r:embed="rId4"/>
+          <a:stretch>
+            <a:fillRect/>
+          </a:stretch>
+        </p:blipFill>
+        <p:spPr>
+          <a:xfrm>
+            <a:off x="9623201" y="2487680"/>
+            <a:ext cx="3086100" cy="3067050"/>
+          </a:xfrm>
+          <a:prstGeom prst="rect">
+            <a:avLst/>
+          </a:prstGeom>
+        </p:spPr>
+      </p:pic>
+      <p:pic>
+        <p:nvPicPr>
+          <p:cNvPr id="11" name="图片 10">
+            <a:extLst>
+              <a:ext uri="{FF2B5EF4-FFF2-40B4-BE49-F238E27FC236}">
+                <a16:creationId xmlns:a16="http://schemas.microsoft.com/office/drawing/2014/main" id="{2DA7DC7B-5BB8-C5EE-0269-48931AEC74D3}"/>
+              </a:ext>
+            </a:extLst>
+          </p:cNvPr>
+          <p:cNvPicPr>
+            <a:picLocks noChangeAspect="1"/>
+          </p:cNvPicPr>
+          <p:nvPr/>
+        </p:nvPicPr>
+        <p:blipFill>
+          <a:blip r:embed="rId5"/>
+          <a:stretch>
+            <a:fillRect/>
+          </a:stretch>
+        </p:blipFill>
+        <p:spPr>
+          <a:xfrm>
+            <a:off x="13084247" y="2487680"/>
+            <a:ext cx="3086100" cy="3067050"/>
+          </a:xfrm>
+          <a:prstGeom prst="rect">
+            <a:avLst/>
+          </a:prstGeom>
+        </p:spPr>
+      </p:pic>
+      <p:sp>
+        <p:nvSpPr>
+          <p:cNvPr id="12" name="文本框 11">
+            <a:extLst>
+              <a:ext uri="{FF2B5EF4-FFF2-40B4-BE49-F238E27FC236}">
+                <a16:creationId xmlns:a16="http://schemas.microsoft.com/office/drawing/2014/main" id="{E9A39FFA-7E3F-8463-9FD6-75AAB0B48D0C}"/>
+              </a:ext>
+            </a:extLst>
+          </p:cNvPr>
+          <p:cNvSpPr txBox="1"/>
+          <p:nvPr/>
+        </p:nvSpPr>
+        <p:spPr>
+          <a:xfrm>
+            <a:off x="3449617" y="5859630"/>
+            <a:ext cx="1608133" cy="461665"/>
+          </a:xfrm>
+          <a:prstGeom prst="rect">
+            <a:avLst/>
+          </a:prstGeom>
+          <a:noFill/>
+        </p:spPr>
+        <p:txBody>
+          <a:bodyPr wrap="none" rtlCol="0">
+            <a:spAutoFit/>
+          </a:bodyPr>
+          <a:lstStyle/>
+          <a:p>
+            <a:r>
+              <a:rPr lang="en-US" altLang="zh-CN" sz="2400" dirty="0">
+                <a:latin typeface="Times New Roman" panose="02020603050405020304" pitchFamily="18" charset="0"/>
+                <a:cs typeface="Times New Roman" panose="02020603050405020304" pitchFamily="18" charset="0"/>
+              </a:rPr>
+              <a:t>Initial State</a:t>
+            </a:r>
+            <a:endParaRPr lang="zh-CN" altLang="en-US" dirty="0">
+              <a:latin typeface="Times New Roman" panose="02020603050405020304" pitchFamily="18" charset="0"/>
+              <a:cs typeface="Times New Roman" panose="02020603050405020304" pitchFamily="18" charset="0"/>
+            </a:endParaRPr>
+          </a:p>
+        </p:txBody>
+      </p:sp>
+      <p:sp>
+        <p:nvSpPr>
+          <p:cNvPr id="13" name="文本框 12">
+            <a:extLst>
+              <a:ext uri="{FF2B5EF4-FFF2-40B4-BE49-F238E27FC236}">
+                <a16:creationId xmlns:a16="http://schemas.microsoft.com/office/drawing/2014/main" id="{885A38FB-1938-0190-41C8-D83A68E281FE}"/>
+              </a:ext>
+            </a:extLst>
+          </p:cNvPr>
+          <p:cNvSpPr txBox="1"/>
+          <p:nvPr/>
+        </p:nvSpPr>
+        <p:spPr>
+          <a:xfrm>
+            <a:off x="6952342" y="1937110"/>
+            <a:ext cx="1524776" cy="461665"/>
+          </a:xfrm>
+          <a:prstGeom prst="rect">
+            <a:avLst/>
+          </a:prstGeom>
+          <a:noFill/>
+        </p:spPr>
+        <p:txBody>
+          <a:bodyPr wrap="none" rtlCol="0">
+            <a:spAutoFit/>
+          </a:bodyPr>
+          <a:lstStyle/>
+          <a:p>
+            <a:r>
+              <a:rPr lang="en-US" altLang="zh-CN" sz="2400" dirty="0">
+                <a:latin typeface="Times New Roman" panose="02020603050405020304" pitchFamily="18" charset="0"/>
+                <a:cs typeface="Times New Roman" panose="02020603050405020304" pitchFamily="18" charset="0"/>
+              </a:rPr>
+              <a:t>Real Score</a:t>
+            </a:r>
+            <a:endParaRPr lang="zh-CN" altLang="en-US" dirty="0">
+              <a:latin typeface="Times New Roman" panose="02020603050405020304" pitchFamily="18" charset="0"/>
+              <a:cs typeface="Times New Roman" panose="02020603050405020304" pitchFamily="18" charset="0"/>
+            </a:endParaRPr>
+          </a:p>
+        </p:txBody>
+      </p:sp>
+      <p:sp>
+        <p:nvSpPr>
+          <p:cNvPr id="14" name="文本框 13">
+            <a:extLst>
+              <a:ext uri="{FF2B5EF4-FFF2-40B4-BE49-F238E27FC236}">
+                <a16:creationId xmlns:a16="http://schemas.microsoft.com/office/drawing/2014/main" id="{904EAA93-3D0A-7556-F5BE-261A47BFB1B3}"/>
+              </a:ext>
+            </a:extLst>
+          </p:cNvPr>
+          <p:cNvSpPr txBox="1"/>
+          <p:nvPr/>
+        </p:nvSpPr>
+        <p:spPr>
+          <a:xfrm>
+            <a:off x="9985479" y="1937109"/>
+            <a:ext cx="2361544" cy="461665"/>
+          </a:xfrm>
+          <a:prstGeom prst="rect">
+            <a:avLst/>
+          </a:prstGeom>
+          <a:noFill/>
+        </p:spPr>
+        <p:txBody>
+          <a:bodyPr wrap="none" rtlCol="0">
+            <a:spAutoFit/>
+          </a:bodyPr>
+          <a:lstStyle/>
+          <a:p>
+            <a:r>
+              <a:rPr lang="en-US" altLang="zh-CN" sz="2400" dirty="0">
+                <a:latin typeface="Times New Roman" panose="02020603050405020304" pitchFamily="18" charset="0"/>
+                <a:cs typeface="Times New Roman" panose="02020603050405020304" pitchFamily="18" charset="0"/>
+              </a:rPr>
+              <a:t>Real / Fake Score</a:t>
+            </a:r>
+            <a:endParaRPr lang="zh-CN" altLang="en-US" dirty="0">
+              <a:latin typeface="Times New Roman" panose="02020603050405020304" pitchFamily="18" charset="0"/>
+              <a:cs typeface="Times New Roman" panose="02020603050405020304" pitchFamily="18" charset="0"/>
+            </a:endParaRPr>
+          </a:p>
+        </p:txBody>
+      </p:sp>
+      <p:sp>
+        <p:nvSpPr>
+          <p:cNvPr id="15" name="文本框 14">
+            <a:extLst>
+              <a:ext uri="{FF2B5EF4-FFF2-40B4-BE49-F238E27FC236}">
+                <a16:creationId xmlns:a16="http://schemas.microsoft.com/office/drawing/2014/main" id="{C46E954B-5611-1C3C-F76A-F594395FCC1B}"/>
+              </a:ext>
+            </a:extLst>
+          </p:cNvPr>
+          <p:cNvSpPr txBox="1"/>
+          <p:nvPr/>
+        </p:nvSpPr>
+        <p:spPr>
+          <a:xfrm>
+            <a:off x="7714730" y="5865391"/>
+            <a:ext cx="3610284" cy="461665"/>
+          </a:xfrm>
+          <a:prstGeom prst="rect">
+            <a:avLst/>
+          </a:prstGeom>
+          <a:noFill/>
+        </p:spPr>
+        <p:txBody>
+          <a:bodyPr wrap="none" rtlCol="0">
+            <a:spAutoFit/>
+          </a:bodyPr>
+          <a:lstStyle/>
+          <a:p>
+            <a:r>
+              <a:rPr lang="en-US" altLang="zh-CN" sz="2400" dirty="0">
+                <a:latin typeface="Times New Roman" panose="02020603050405020304" pitchFamily="18" charset="0"/>
+                <a:cs typeface="Times New Roman" panose="02020603050405020304" pitchFamily="18" charset="0"/>
+              </a:rPr>
+              <a:t>Distribution-Matching Loss</a:t>
+            </a:r>
+            <a:endParaRPr lang="zh-CN" altLang="en-US" dirty="0">
+              <a:latin typeface="Times New Roman" panose="02020603050405020304" pitchFamily="18" charset="0"/>
+              <a:cs typeface="Times New Roman" panose="02020603050405020304" pitchFamily="18" charset="0"/>
+            </a:endParaRPr>
+          </a:p>
+        </p:txBody>
+      </p:sp>
+      <p:sp>
+        <p:nvSpPr>
+          <p:cNvPr id="16" name="文本框 15">
+            <a:extLst>
+              <a:ext uri="{FF2B5EF4-FFF2-40B4-BE49-F238E27FC236}">
+                <a16:creationId xmlns:a16="http://schemas.microsoft.com/office/drawing/2014/main" id="{EFADB32B-D612-3064-14FC-4E407CBAAD38}"/>
+              </a:ext>
+            </a:extLst>
+          </p:cNvPr>
+          <p:cNvSpPr txBox="1"/>
+          <p:nvPr/>
+        </p:nvSpPr>
+        <p:spPr>
+          <a:xfrm>
+            <a:off x="13084247" y="5857037"/>
+            <a:ext cx="3210944" cy="461665"/>
+          </a:xfrm>
+          <a:prstGeom prst="rect">
+            <a:avLst/>
+          </a:prstGeom>
+          <a:noFill/>
+        </p:spPr>
+        <p:txBody>
+          <a:bodyPr wrap="none" rtlCol="0">
+            <a:spAutoFit/>
+          </a:bodyPr>
+          <a:lstStyle/>
+          <a:p>
+            <a:r>
+              <a:rPr lang="en-US" altLang="zh-CN" sz="2400" dirty="0">
+                <a:latin typeface="Times New Roman" panose="02020603050405020304" pitchFamily="18" charset="0"/>
+                <a:cs typeface="Times New Roman" panose="02020603050405020304" pitchFamily="18" charset="0"/>
+              </a:rPr>
+              <a:t>DML + Regression Loss</a:t>
+            </a:r>
+            <a:endParaRPr lang="zh-CN" altLang="en-US" dirty="0">
+              <a:latin typeface="Times New Roman" panose="02020603050405020304" pitchFamily="18" charset="0"/>
+              <a:cs typeface="Times New Roman" panose="02020603050405020304" pitchFamily="18" charset="0"/>
+            </a:endParaRPr>
+          </a:p>
+        </p:txBody>
+      </p:sp>
+    </p:spTree>
+    <p:extLst>
+      <p:ext uri="{BB962C8B-B14F-4D97-AF65-F5344CB8AC3E}">
+        <p14:creationId xmlns:p14="http://schemas.microsoft.com/office/powerpoint/2010/main" val="374271325"/>
       </p:ext>
     </p:extLst>
   </p:cSld>

--- a/images/posts/2025-05-20-blog-post/新建 Microsoft PowerPoint 演示文稿.pptx
+++ b/images/posts/2025-05-20-blog-post/新建 Microsoft PowerPoint 演示文稿.pptx
@@ -5,7 +5,7 @@
     <p:sldMasterId id="2147483684" r:id="rId1"/>
   </p:sldMasterIdLst>
   <p:notesMasterIdLst>
-    <p:notesMasterId r:id="rId10"/>
+    <p:notesMasterId r:id="rId12"/>
   </p:notesMasterIdLst>
   <p:sldIdLst>
     <p:sldId id="300" r:id="rId2"/>
@@ -16,6 +16,8 @@
     <p:sldId id="305" r:id="rId7"/>
     <p:sldId id="306" r:id="rId8"/>
     <p:sldId id="307" r:id="rId9"/>
+    <p:sldId id="308" r:id="rId10"/>
+    <p:sldId id="309" r:id="rId11"/>
   </p:sldIdLst>
   <p:sldSz cx="21599525" cy="8999538"/>
   <p:notesSz cx="6858000" cy="9144000"/>
@@ -204,7 +206,7 @@
           <a:p>
             <a:fld id="{06A7EE91-92E7-4CCB-9ABC-2651A01142F8}" type="datetimeFigureOut">
               <a:rPr lang="zh-CN" altLang="en-US" smtClean="0"/>
-              <a:t>2025/10/24</a:t>
+              <a:t>2025/11/10</a:t>
             </a:fld>
             <a:endParaRPr lang="zh-CN" altLang="en-US"/>
           </a:p>
@@ -602,7 +604,7 @@
           <a:p>
             <a:fld id="{47A39752-AE50-4AEA-9C8D-075E0077A86E}" type="datetimeFigureOut">
               <a:rPr lang="zh-CN" altLang="en-US" smtClean="0"/>
-              <a:t>2025/10/24</a:t>
+              <a:t>2025/11/10</a:t>
             </a:fld>
             <a:endParaRPr lang="zh-CN" altLang="en-US"/>
           </a:p>
@@ -772,7 +774,7 @@
           <a:p>
             <a:fld id="{47A39752-AE50-4AEA-9C8D-075E0077A86E}" type="datetimeFigureOut">
               <a:rPr lang="zh-CN" altLang="en-US" smtClean="0"/>
-              <a:t>2025/10/24</a:t>
+              <a:t>2025/11/10</a:t>
             </a:fld>
             <a:endParaRPr lang="zh-CN" altLang="en-US"/>
           </a:p>
@@ -952,7 +954,7 @@
           <a:p>
             <a:fld id="{47A39752-AE50-4AEA-9C8D-075E0077A86E}" type="datetimeFigureOut">
               <a:rPr lang="zh-CN" altLang="en-US" smtClean="0"/>
-              <a:t>2025/10/24</a:t>
+              <a:t>2025/11/10</a:t>
             </a:fld>
             <a:endParaRPr lang="zh-CN" altLang="en-US"/>
           </a:p>
@@ -1122,7 +1124,7 @@
           <a:p>
             <a:fld id="{47A39752-AE50-4AEA-9C8D-075E0077A86E}" type="datetimeFigureOut">
               <a:rPr lang="zh-CN" altLang="en-US" smtClean="0"/>
-              <a:t>2025/10/24</a:t>
+              <a:t>2025/11/10</a:t>
             </a:fld>
             <a:endParaRPr lang="zh-CN" altLang="en-US"/>
           </a:p>
@@ -1368,7 +1370,7 @@
           <a:p>
             <a:fld id="{47A39752-AE50-4AEA-9C8D-075E0077A86E}" type="datetimeFigureOut">
               <a:rPr lang="zh-CN" altLang="en-US" smtClean="0"/>
-              <a:t>2025/10/24</a:t>
+              <a:t>2025/11/10</a:t>
             </a:fld>
             <a:endParaRPr lang="zh-CN" altLang="en-US"/>
           </a:p>
@@ -1600,7 +1602,7 @@
           <a:p>
             <a:fld id="{47A39752-AE50-4AEA-9C8D-075E0077A86E}" type="datetimeFigureOut">
               <a:rPr lang="zh-CN" altLang="en-US" smtClean="0"/>
-              <a:t>2025/10/24</a:t>
+              <a:t>2025/11/10</a:t>
             </a:fld>
             <a:endParaRPr lang="zh-CN" altLang="en-US"/>
           </a:p>
@@ -1967,7 +1969,7 @@
           <a:p>
             <a:fld id="{47A39752-AE50-4AEA-9C8D-075E0077A86E}" type="datetimeFigureOut">
               <a:rPr lang="zh-CN" altLang="en-US" smtClean="0"/>
-              <a:t>2025/10/24</a:t>
+              <a:t>2025/11/10</a:t>
             </a:fld>
             <a:endParaRPr lang="zh-CN" altLang="en-US"/>
           </a:p>
@@ -2085,7 +2087,7 @@
           <a:p>
             <a:fld id="{47A39752-AE50-4AEA-9C8D-075E0077A86E}" type="datetimeFigureOut">
               <a:rPr lang="zh-CN" altLang="en-US" smtClean="0"/>
-              <a:t>2025/10/24</a:t>
+              <a:t>2025/11/10</a:t>
             </a:fld>
             <a:endParaRPr lang="zh-CN" altLang="en-US"/>
           </a:p>
@@ -2180,7 +2182,7 @@
           <a:p>
             <a:fld id="{47A39752-AE50-4AEA-9C8D-075E0077A86E}" type="datetimeFigureOut">
               <a:rPr lang="zh-CN" altLang="en-US" smtClean="0"/>
-              <a:t>2025/10/24</a:t>
+              <a:t>2025/11/10</a:t>
             </a:fld>
             <a:endParaRPr lang="zh-CN" altLang="en-US"/>
           </a:p>
@@ -2457,7 +2459,7 @@
           <a:p>
             <a:fld id="{47A39752-AE50-4AEA-9C8D-075E0077A86E}" type="datetimeFigureOut">
               <a:rPr lang="zh-CN" altLang="en-US" smtClean="0"/>
-              <a:t>2025/10/24</a:t>
+              <a:t>2025/11/10</a:t>
             </a:fld>
             <a:endParaRPr lang="zh-CN" altLang="en-US"/>
           </a:p>
@@ -2714,7 +2716,7 @@
           <a:p>
             <a:fld id="{47A39752-AE50-4AEA-9C8D-075E0077A86E}" type="datetimeFigureOut">
               <a:rPr lang="zh-CN" altLang="en-US" smtClean="0"/>
-              <a:t>2025/10/24</a:t>
+              <a:t>2025/11/10</a:t>
             </a:fld>
             <a:endParaRPr lang="zh-CN" altLang="en-US"/>
           </a:p>
@@ -2927,7 +2929,7 @@
           <a:p>
             <a:fld id="{47A39752-AE50-4AEA-9C8D-075E0077A86E}" type="datetimeFigureOut">
               <a:rPr lang="zh-CN" altLang="en-US" smtClean="0"/>
-              <a:t>2025/10/24</a:t>
+              <a:t>2025/11/10</a:t>
             </a:fld>
             <a:endParaRPr lang="zh-CN" altLang="en-US"/>
           </a:p>
@@ -6481,6 +6483,1768 @@
     <p:extLst>
       <p:ext uri="{BB962C8B-B14F-4D97-AF65-F5344CB8AC3E}">
         <p14:creationId xmlns:p14="http://schemas.microsoft.com/office/powerpoint/2010/main" val="3900689523"/>
+      </p:ext>
+    </p:extLst>
+  </p:cSld>
+  <p:clrMapOvr>
+    <a:masterClrMapping/>
+  </p:clrMapOvr>
+</p:sld>
+</file>
+
+<file path=ppt/slides/slide10.xml><?xml version="1.0" encoding="utf-8"?>
+<p:sld xmlns:a="http://schemas.openxmlformats.org/drawingml/2006/main" xmlns:r="http://schemas.openxmlformats.org/officeDocument/2006/relationships" xmlns:p="http://schemas.openxmlformats.org/presentationml/2006/main">
+  <p:cSld>
+    <p:spTree>
+      <p:nvGrpSpPr>
+        <p:cNvPr id="1" name="">
+          <a:extLst>
+            <a:ext uri="{FF2B5EF4-FFF2-40B4-BE49-F238E27FC236}">
+              <a16:creationId xmlns:a16="http://schemas.microsoft.com/office/drawing/2014/main" id="{FAE48409-2BE8-E8E3-075D-B50D25E761A5}"/>
+            </a:ext>
+          </a:extLst>
+        </p:cNvPr>
+        <p:cNvGrpSpPr/>
+        <p:nvPr/>
+      </p:nvGrpSpPr>
+      <p:grpSpPr>
+        <a:xfrm>
+          <a:off x="0" y="0"/>
+          <a:ext cx="0" cy="0"/>
+          <a:chOff x="0" y="0"/>
+          <a:chExt cx="0" cy="0"/>
+        </a:xfrm>
+      </p:grpSpPr>
+      <p:pic>
+        <p:nvPicPr>
+          <p:cNvPr id="4" name="图片 3" descr="棕色的小动物&#10;&#10;AI 生成的内容可能不正确。">
+            <a:extLst>
+              <a:ext uri="{FF2B5EF4-FFF2-40B4-BE49-F238E27FC236}">
+                <a16:creationId xmlns:a16="http://schemas.microsoft.com/office/drawing/2014/main" id="{1BAAA829-6BD8-BCF9-5152-9211705DF193}"/>
+              </a:ext>
+            </a:extLst>
+          </p:cNvPr>
+          <p:cNvPicPr>
+            <a:picLocks noChangeAspect="1"/>
+          </p:cNvPicPr>
+          <p:nvPr/>
+        </p:nvPicPr>
+        <p:blipFill>
+          <a:blip r:embed="rId2">
+            <a:extLst>
+              <a:ext uri="{28A0092B-C50C-407E-A947-70E740481C1C}">
+                <a14:useLocalDpi xmlns:a14="http://schemas.microsoft.com/office/drawing/2010/main" val="0"/>
+              </a:ext>
+            </a:extLst>
+          </a:blip>
+          <a:stretch>
+            <a:fillRect/>
+          </a:stretch>
+        </p:blipFill>
+        <p:spPr>
+          <a:xfrm>
+            <a:off x="5636054" y="2240803"/>
+            <a:ext cx="1625138" cy="1625138"/>
+          </a:xfrm>
+          <a:prstGeom prst="rect">
+            <a:avLst/>
+          </a:prstGeom>
+        </p:spPr>
+      </p:pic>
+      <p:pic>
+        <p:nvPicPr>
+          <p:cNvPr id="5" name="图片 4" descr="图片包含 草, 前, 站, 花&#10;&#10;AI 生成的内容可能不正确。">
+            <a:extLst>
+              <a:ext uri="{FF2B5EF4-FFF2-40B4-BE49-F238E27FC236}">
+                <a16:creationId xmlns:a16="http://schemas.microsoft.com/office/drawing/2014/main" id="{BF556032-8EDE-3369-11A9-8B9D782AC9FE}"/>
+              </a:ext>
+            </a:extLst>
+          </p:cNvPr>
+          <p:cNvPicPr>
+            <a:picLocks noChangeAspect="1"/>
+          </p:cNvPicPr>
+          <p:nvPr/>
+        </p:nvPicPr>
+        <p:blipFill>
+          <a:blip r:embed="rId3">
+            <a:extLst>
+              <a:ext uri="{28A0092B-C50C-407E-A947-70E740481C1C}">
+                <a14:useLocalDpi xmlns:a14="http://schemas.microsoft.com/office/drawing/2010/main" val="0"/>
+              </a:ext>
+            </a:extLst>
+          </a:blip>
+          <a:stretch>
+            <a:fillRect/>
+          </a:stretch>
+        </p:blipFill>
+        <p:spPr>
+          <a:xfrm>
+            <a:off x="11664025" y="2240804"/>
+            <a:ext cx="1625137" cy="1625137"/>
+          </a:xfrm>
+          <a:prstGeom prst="rect">
+            <a:avLst/>
+          </a:prstGeom>
+        </p:spPr>
+      </p:pic>
+      <p:pic>
+        <p:nvPicPr>
+          <p:cNvPr id="6" name="图片 5" descr="棕色的小动物&#10;&#10;AI 生成的内容可能不正确。">
+            <a:extLst>
+              <a:ext uri="{FF2B5EF4-FFF2-40B4-BE49-F238E27FC236}">
+                <a16:creationId xmlns:a16="http://schemas.microsoft.com/office/drawing/2014/main" id="{AE0AF1E5-AB62-93AB-A7CE-3A685812EC25}"/>
+              </a:ext>
+            </a:extLst>
+          </p:cNvPr>
+          <p:cNvPicPr>
+            <a:picLocks noChangeAspect="1"/>
+          </p:cNvPicPr>
+          <p:nvPr/>
+        </p:nvPicPr>
+        <p:blipFill>
+          <a:blip r:embed="rId2">
+            <a:extLst>
+              <a:ext uri="{28A0092B-C50C-407E-A947-70E740481C1C}">
+                <a14:useLocalDpi xmlns:a14="http://schemas.microsoft.com/office/drawing/2010/main" val="0"/>
+              </a:ext>
+            </a:extLst>
+          </a:blip>
+          <a:stretch>
+            <a:fillRect/>
+          </a:stretch>
+        </p:blipFill>
+        <p:spPr>
+          <a:xfrm>
+            <a:off x="18136377" y="2240803"/>
+            <a:ext cx="1625138" cy="1625138"/>
+          </a:xfrm>
+          <a:prstGeom prst="rect">
+            <a:avLst/>
+          </a:prstGeom>
+        </p:spPr>
+      </p:pic>
+      <p:sp>
+        <p:nvSpPr>
+          <p:cNvPr id="7" name="流程图: 手动操作 6">
+            <a:extLst>
+              <a:ext uri="{FF2B5EF4-FFF2-40B4-BE49-F238E27FC236}">
+                <a16:creationId xmlns:a16="http://schemas.microsoft.com/office/drawing/2014/main" id="{AFE4BC20-A2BD-BFAD-2943-770AA3966127}"/>
+              </a:ext>
+            </a:extLst>
+          </p:cNvPr>
+          <p:cNvSpPr/>
+          <p:nvPr/>
+        </p:nvSpPr>
+        <p:spPr>
+          <a:xfrm rot="16200000">
+            <a:off x="14531105" y="2876055"/>
+            <a:ext cx="1625137" cy="354634"/>
+          </a:xfrm>
+          <a:prstGeom prst="flowChartManualOperation">
+            <a:avLst/>
+          </a:prstGeom>
+          <a:solidFill>
+            <a:schemeClr val="tx2">
+              <a:lumMod val="10000"/>
+              <a:lumOff val="90000"/>
+            </a:schemeClr>
+          </a:solidFill>
+        </p:spPr>
+        <p:style>
+          <a:lnRef idx="2">
+            <a:schemeClr val="accent1">
+              <a:shade val="15000"/>
+            </a:schemeClr>
+          </a:lnRef>
+          <a:fillRef idx="1">
+            <a:schemeClr val="accent1"/>
+          </a:fillRef>
+          <a:effectRef idx="0">
+            <a:schemeClr val="accent1"/>
+          </a:effectRef>
+          <a:fontRef idx="minor">
+            <a:schemeClr val="lt1"/>
+          </a:fontRef>
+        </p:style>
+        <p:txBody>
+          <a:bodyPr rtlCol="0" anchor="ctr"/>
+          <a:lstStyle/>
+          <a:p>
+            <a:pPr algn="ctr"/>
+            <a:endParaRPr lang="zh-CN" altLang="en-US"/>
+          </a:p>
+        </p:txBody>
+      </p:sp>
+      <p:sp>
+        <p:nvSpPr>
+          <p:cNvPr id="8" name="流程图: 手动操作 7">
+            <a:extLst>
+              <a:ext uri="{FF2B5EF4-FFF2-40B4-BE49-F238E27FC236}">
+                <a16:creationId xmlns:a16="http://schemas.microsoft.com/office/drawing/2014/main" id="{1DBB8ED8-E1F8-36CB-7DA4-E063B312B910}"/>
+              </a:ext>
+            </a:extLst>
+          </p:cNvPr>
+          <p:cNvSpPr/>
+          <p:nvPr/>
+        </p:nvSpPr>
+        <p:spPr>
+          <a:xfrm rot="16200000" flipV="1">
+            <a:off x="15623191" y="2876053"/>
+            <a:ext cx="1625137" cy="354635"/>
+          </a:xfrm>
+          <a:prstGeom prst="flowChartManualOperation">
+            <a:avLst/>
+          </a:prstGeom>
+          <a:solidFill>
+            <a:schemeClr val="tx2">
+              <a:lumMod val="10000"/>
+              <a:lumOff val="90000"/>
+            </a:schemeClr>
+          </a:solidFill>
+        </p:spPr>
+        <p:style>
+          <a:lnRef idx="2">
+            <a:schemeClr val="accent1">
+              <a:shade val="15000"/>
+            </a:schemeClr>
+          </a:lnRef>
+          <a:fillRef idx="1">
+            <a:schemeClr val="accent1"/>
+          </a:fillRef>
+          <a:effectRef idx="0">
+            <a:schemeClr val="accent1"/>
+          </a:effectRef>
+          <a:fontRef idx="minor">
+            <a:schemeClr val="lt1"/>
+          </a:fontRef>
+        </p:style>
+        <p:txBody>
+          <a:bodyPr rtlCol="0" anchor="ctr"/>
+          <a:lstStyle/>
+          <a:p>
+            <a:pPr algn="ctr"/>
+            <a:endParaRPr lang="zh-CN" altLang="en-US"/>
+          </a:p>
+        </p:txBody>
+      </p:sp>
+      <mc:AlternateContent xmlns:mc="http://schemas.openxmlformats.org/markup-compatibility/2006" xmlns:a14="http://schemas.microsoft.com/office/drawing/2010/main">
+        <mc:Choice Requires="a14">
+          <p:sp>
+            <p:nvSpPr>
+              <p:cNvPr id="9" name="文本框 8">
+                <a:extLst>
+                  <a:ext uri="{FF2B5EF4-FFF2-40B4-BE49-F238E27FC236}">
+                    <a16:creationId xmlns:a16="http://schemas.microsoft.com/office/drawing/2014/main" id="{9C3B3CF3-E53D-E990-89E7-B3E1DF79F21E}"/>
+                  </a:ext>
+                </a:extLst>
+              </p:cNvPr>
+              <p:cNvSpPr txBox="1"/>
+              <p:nvPr/>
+            </p:nvSpPr>
+            <p:spPr>
+              <a:xfrm>
+                <a:off x="15190345" y="3007179"/>
+                <a:ext cx="325089" cy="430887"/>
+              </a:xfrm>
+              <a:prstGeom prst="rect">
+                <a:avLst/>
+              </a:prstGeom>
+              <a:noFill/>
+            </p:spPr>
+            <p:txBody>
+              <a:bodyPr wrap="none" lIns="0" tIns="0" rIns="0" bIns="0" rtlCol="0">
+                <a:spAutoFit/>
+              </a:bodyPr>
+              <a:lstStyle/>
+              <a:p>
+                <a:pPr/>
+                <a14:m>
+                  <m:oMathPara xmlns:m="http://schemas.openxmlformats.org/officeDocument/2006/math">
+                    <m:oMathParaPr>
+                      <m:jc m:val="centerGroup"/>
+                    </m:oMathParaPr>
+                    <m:oMath xmlns:m="http://schemas.openxmlformats.org/officeDocument/2006/math">
+                      <m:r>
+                        <a:rPr lang="zh-CN" altLang="en-US" sz="2800" i="1" smtClean="0">
+                          <a:latin typeface="Cambria Math" panose="02040503050406030204" pitchFamily="18" charset="0"/>
+                        </a:rPr>
+                        <m:t>𝜑</m:t>
+                      </m:r>
+                    </m:oMath>
+                  </m:oMathPara>
+                </a14:m>
+                <a:endParaRPr lang="zh-CN" altLang="en-US" dirty="0"/>
+              </a:p>
+            </p:txBody>
+          </p:sp>
+        </mc:Choice>
+        <mc:Fallback xmlns="">
+          <p:sp>
+            <p:nvSpPr>
+              <p:cNvPr id="9" name="文本框 8">
+                <a:extLst>
+                  <a:ext uri="{FF2B5EF4-FFF2-40B4-BE49-F238E27FC236}">
+                    <a16:creationId xmlns:a16="http://schemas.microsoft.com/office/drawing/2014/main" id="{C5EEC1D6-8C7F-D549-444E-AB9CFE55EE3A}"/>
+                  </a:ext>
+                </a:extLst>
+              </p:cNvPr>
+              <p:cNvSpPr txBox="1">
+                <a:spLocks noRot="1" noChangeAspect="1" noMove="1" noResize="1" noEditPoints="1" noAdjustHandles="1" noChangeArrowheads="1" noChangeShapeType="1" noTextEdit="1"/>
+              </p:cNvSpPr>
+              <p:nvPr/>
+            </p:nvSpPr>
+            <p:spPr>
+              <a:xfrm>
+                <a:off x="15190345" y="3007179"/>
+                <a:ext cx="325089" cy="430887"/>
+              </a:xfrm>
+              <a:prstGeom prst="rect">
+                <a:avLst/>
+              </a:prstGeom>
+              <a:blipFill>
+                <a:blip r:embed="rId4"/>
+                <a:stretch>
+                  <a:fillRect/>
+                </a:stretch>
+              </a:blipFill>
+            </p:spPr>
+            <p:txBody>
+              <a:bodyPr/>
+              <a:lstStyle/>
+              <a:p>
+                <a:r>
+                  <a:rPr lang="zh-CN" altLang="en-US">
+                    <a:noFill/>
+                  </a:rPr>
+                  <a:t> </a:t>
+                </a:r>
+              </a:p>
+            </p:txBody>
+          </p:sp>
+        </mc:Fallback>
+      </mc:AlternateContent>
+      <p:sp>
+        <p:nvSpPr>
+          <p:cNvPr id="12" name="流程图: 手动操作 11">
+            <a:extLst>
+              <a:ext uri="{FF2B5EF4-FFF2-40B4-BE49-F238E27FC236}">
+                <a16:creationId xmlns:a16="http://schemas.microsoft.com/office/drawing/2014/main" id="{1F093B12-1308-8102-5AF6-3C65D2A17C1C}"/>
+              </a:ext>
+            </a:extLst>
+          </p:cNvPr>
+          <p:cNvSpPr/>
+          <p:nvPr/>
+        </p:nvSpPr>
+        <p:spPr>
+          <a:xfrm rot="16200000">
+            <a:off x="1801268" y="2669068"/>
+            <a:ext cx="1625137" cy="768605"/>
+          </a:xfrm>
+          <a:prstGeom prst="flowChartManualOperation">
+            <a:avLst/>
+          </a:prstGeom>
+          <a:solidFill>
+            <a:schemeClr val="accent3">
+              <a:lumMod val="40000"/>
+              <a:lumOff val="60000"/>
+              <a:alpha val="36000"/>
+            </a:schemeClr>
+          </a:solidFill>
+        </p:spPr>
+        <p:style>
+          <a:lnRef idx="2">
+            <a:schemeClr val="accent1">
+              <a:shade val="15000"/>
+            </a:schemeClr>
+          </a:lnRef>
+          <a:fillRef idx="1">
+            <a:schemeClr val="accent1"/>
+          </a:fillRef>
+          <a:effectRef idx="0">
+            <a:schemeClr val="accent1"/>
+          </a:effectRef>
+          <a:fontRef idx="minor">
+            <a:schemeClr val="lt1"/>
+          </a:fontRef>
+        </p:style>
+        <p:txBody>
+          <a:bodyPr rtlCol="0" anchor="ctr"/>
+          <a:lstStyle/>
+          <a:p>
+            <a:pPr algn="ctr"/>
+            <a:endParaRPr lang="zh-CN" altLang="en-US"/>
+          </a:p>
+        </p:txBody>
+      </p:sp>
+      <p:sp>
+        <p:nvSpPr>
+          <p:cNvPr id="13" name="流程图: 手动操作 12">
+            <a:extLst>
+              <a:ext uri="{FF2B5EF4-FFF2-40B4-BE49-F238E27FC236}">
+                <a16:creationId xmlns:a16="http://schemas.microsoft.com/office/drawing/2014/main" id="{654E1A55-0855-1958-0927-7E9F89E47D48}"/>
+              </a:ext>
+            </a:extLst>
+          </p:cNvPr>
+          <p:cNvSpPr/>
+          <p:nvPr/>
+        </p:nvSpPr>
+        <p:spPr>
+          <a:xfrm rot="16200000" flipV="1">
+            <a:off x="2569872" y="2669067"/>
+            <a:ext cx="1625137" cy="768604"/>
+          </a:xfrm>
+          <a:prstGeom prst="flowChartManualOperation">
+            <a:avLst/>
+          </a:prstGeom>
+          <a:solidFill>
+            <a:schemeClr val="accent3">
+              <a:lumMod val="40000"/>
+              <a:lumOff val="60000"/>
+              <a:alpha val="36000"/>
+            </a:schemeClr>
+          </a:solidFill>
+        </p:spPr>
+        <p:style>
+          <a:lnRef idx="2">
+            <a:schemeClr val="accent1">
+              <a:shade val="15000"/>
+            </a:schemeClr>
+          </a:lnRef>
+          <a:fillRef idx="1">
+            <a:schemeClr val="accent1"/>
+          </a:fillRef>
+          <a:effectRef idx="0">
+            <a:schemeClr val="accent1"/>
+          </a:effectRef>
+          <a:fontRef idx="minor">
+            <a:schemeClr val="lt1"/>
+          </a:fontRef>
+        </p:style>
+        <p:txBody>
+          <a:bodyPr rtlCol="0" anchor="ctr"/>
+          <a:lstStyle/>
+          <a:p>
+            <a:pPr algn="ctr"/>
+            <a:endParaRPr lang="zh-CN" altLang="en-US"/>
+          </a:p>
+        </p:txBody>
+      </p:sp>
+      <mc:AlternateContent xmlns:mc="http://schemas.openxmlformats.org/markup-compatibility/2006" xmlns:a14="http://schemas.microsoft.com/office/drawing/2010/main">
+        <mc:Choice Requires="a14">
+          <p:sp>
+            <p:nvSpPr>
+              <p:cNvPr id="14" name="文本框 13">
+                <a:extLst>
+                  <a:ext uri="{FF2B5EF4-FFF2-40B4-BE49-F238E27FC236}">
+                    <a16:creationId xmlns:a16="http://schemas.microsoft.com/office/drawing/2014/main" id="{DC66A4FC-BA49-6C7C-342E-81B5296131C3}"/>
+                  </a:ext>
+                </a:extLst>
+              </p:cNvPr>
+              <p:cNvSpPr txBox="1"/>
+              <p:nvPr/>
+            </p:nvSpPr>
+            <p:spPr>
+              <a:xfrm>
+                <a:off x="2452260" y="2915556"/>
+                <a:ext cx="286232" cy="430887"/>
+              </a:xfrm>
+              <a:prstGeom prst="rect">
+                <a:avLst/>
+              </a:prstGeom>
+              <a:noFill/>
+            </p:spPr>
+            <p:txBody>
+              <a:bodyPr wrap="none" lIns="0" tIns="0" rIns="0" bIns="0" rtlCol="0">
+                <a:spAutoFit/>
+              </a:bodyPr>
+              <a:lstStyle/>
+              <a:p>
+                <a:pPr/>
+                <a14:m>
+                  <m:oMathPara xmlns:m="http://schemas.openxmlformats.org/officeDocument/2006/math">
+                    <m:oMathParaPr>
+                      <m:jc m:val="centerGroup"/>
+                    </m:oMathParaPr>
+                    <m:oMath xmlns:m="http://schemas.openxmlformats.org/officeDocument/2006/math">
+                      <m:r>
+                        <a:rPr lang="zh-CN" altLang="en-US" sz="2800" i="1" smtClean="0">
+                          <a:latin typeface="Cambria Math" panose="02040503050406030204" pitchFamily="18" charset="0"/>
+                        </a:rPr>
+                        <m:t>𝜃</m:t>
+                      </m:r>
+                    </m:oMath>
+                  </m:oMathPara>
+                </a14:m>
+                <a:endParaRPr lang="zh-CN" altLang="en-US" dirty="0"/>
+              </a:p>
+            </p:txBody>
+          </p:sp>
+        </mc:Choice>
+        <mc:Fallback xmlns="">
+          <p:sp>
+            <p:nvSpPr>
+              <p:cNvPr id="14" name="文本框 13">
+                <a:extLst>
+                  <a:ext uri="{FF2B5EF4-FFF2-40B4-BE49-F238E27FC236}">
+                    <a16:creationId xmlns:a16="http://schemas.microsoft.com/office/drawing/2014/main" id="{6B4D09B4-9554-26F9-14E5-565A8DFA0C54}"/>
+                  </a:ext>
+                </a:extLst>
+              </p:cNvPr>
+              <p:cNvSpPr txBox="1">
+                <a:spLocks noRot="1" noChangeAspect="1" noMove="1" noResize="1" noEditPoints="1" noAdjustHandles="1" noChangeArrowheads="1" noChangeShapeType="1" noTextEdit="1"/>
+              </p:cNvSpPr>
+              <p:nvPr/>
+            </p:nvSpPr>
+            <p:spPr>
+              <a:xfrm>
+                <a:off x="2452260" y="2915556"/>
+                <a:ext cx="286232" cy="430887"/>
+              </a:xfrm>
+              <a:prstGeom prst="rect">
+                <a:avLst/>
+              </a:prstGeom>
+              <a:blipFill>
+                <a:blip r:embed="rId5"/>
+                <a:stretch>
+                  <a:fillRect/>
+                </a:stretch>
+              </a:blipFill>
+            </p:spPr>
+            <p:txBody>
+              <a:bodyPr/>
+              <a:lstStyle/>
+              <a:p>
+                <a:r>
+                  <a:rPr lang="zh-CN" altLang="en-US">
+                    <a:noFill/>
+                  </a:rPr>
+                  <a:t> </a:t>
+                </a:r>
+              </a:p>
+            </p:txBody>
+          </p:sp>
+        </mc:Fallback>
+      </mc:AlternateContent>
+      <p:sp>
+        <p:nvSpPr>
+          <p:cNvPr id="16" name="文本框 15">
+            <a:extLst>
+              <a:ext uri="{FF2B5EF4-FFF2-40B4-BE49-F238E27FC236}">
+                <a16:creationId xmlns:a16="http://schemas.microsoft.com/office/drawing/2014/main" id="{709EE90A-6C81-EC9C-4A84-0873F0E766D2}"/>
+              </a:ext>
+            </a:extLst>
+          </p:cNvPr>
+          <p:cNvSpPr txBox="1"/>
+          <p:nvPr/>
+        </p:nvSpPr>
+        <p:spPr>
+          <a:xfrm>
+            <a:off x="2339662" y="1548302"/>
+            <a:ext cx="1414170" cy="461665"/>
+          </a:xfrm>
+          <a:prstGeom prst="rect">
+            <a:avLst/>
+          </a:prstGeom>
+          <a:noFill/>
+        </p:spPr>
+        <p:txBody>
+          <a:bodyPr wrap="none" rtlCol="0">
+            <a:spAutoFit/>
+          </a:bodyPr>
+          <a:lstStyle/>
+          <a:p>
+            <a:r>
+              <a:rPr lang="en-US" altLang="zh-CN" sz="2400" dirty="0">
+                <a:latin typeface="Times New Roman" panose="02020603050405020304" pitchFamily="18" charset="0"/>
+                <a:cs typeface="Times New Roman" panose="02020603050405020304" pitchFamily="18" charset="0"/>
+              </a:rPr>
+              <a:t>Generator</a:t>
+            </a:r>
+            <a:endParaRPr lang="zh-CN" altLang="en-US" sz="2400" dirty="0">
+              <a:latin typeface="Times New Roman" panose="02020603050405020304" pitchFamily="18" charset="0"/>
+              <a:cs typeface="Times New Roman" panose="02020603050405020304" pitchFamily="18" charset="0"/>
+            </a:endParaRPr>
+          </a:p>
+        </p:txBody>
+      </p:sp>
+      <p:sp>
+        <p:nvSpPr>
+          <p:cNvPr id="17" name="文本框 16">
+            <a:extLst>
+              <a:ext uri="{FF2B5EF4-FFF2-40B4-BE49-F238E27FC236}">
+                <a16:creationId xmlns:a16="http://schemas.microsoft.com/office/drawing/2014/main" id="{457F590C-B356-CF04-0140-FC256599F89C}"/>
+              </a:ext>
+            </a:extLst>
+          </p:cNvPr>
+          <p:cNvSpPr txBox="1"/>
+          <p:nvPr/>
+        </p:nvSpPr>
+        <p:spPr>
+          <a:xfrm>
+            <a:off x="15404086" y="1548301"/>
+            <a:ext cx="1152239" cy="461665"/>
+          </a:xfrm>
+          <a:prstGeom prst="rect">
+            <a:avLst/>
+          </a:prstGeom>
+          <a:noFill/>
+        </p:spPr>
+        <p:txBody>
+          <a:bodyPr wrap="none" rtlCol="0">
+            <a:spAutoFit/>
+          </a:bodyPr>
+          <a:lstStyle/>
+          <a:p>
+            <a:r>
+              <a:rPr lang="en-US" altLang="zh-CN" sz="2400" dirty="0">
+                <a:latin typeface="Times New Roman" panose="02020603050405020304" pitchFamily="18" charset="0"/>
+                <a:cs typeface="Times New Roman" panose="02020603050405020304" pitchFamily="18" charset="0"/>
+              </a:rPr>
+              <a:t>Teacher</a:t>
+            </a:r>
+            <a:endParaRPr lang="zh-CN" altLang="en-US" sz="2400" dirty="0">
+              <a:latin typeface="Times New Roman" panose="02020603050405020304" pitchFamily="18" charset="0"/>
+              <a:cs typeface="Times New Roman" panose="02020603050405020304" pitchFamily="18" charset="0"/>
+            </a:endParaRPr>
+          </a:p>
+        </p:txBody>
+      </p:sp>
+      <p:cxnSp>
+        <p:nvCxnSpPr>
+          <p:cNvPr id="19" name="直接箭头连接符 18">
+            <a:extLst>
+              <a:ext uri="{FF2B5EF4-FFF2-40B4-BE49-F238E27FC236}">
+                <a16:creationId xmlns:a16="http://schemas.microsoft.com/office/drawing/2014/main" id="{2F4C89DB-A55D-21F7-7DA2-C5058A2CE253}"/>
+              </a:ext>
+            </a:extLst>
+          </p:cNvPr>
+          <p:cNvCxnSpPr>
+            <a:cxnSpLocks/>
+            <a:stCxn id="13" idx="0"/>
+            <a:endCxn id="4" idx="1"/>
+          </p:cNvCxnSpPr>
+          <p:nvPr/>
+        </p:nvCxnSpPr>
+        <p:spPr>
+          <a:xfrm>
+            <a:off x="3766743" y="3053369"/>
+            <a:ext cx="1869311" cy="3"/>
+          </a:xfrm>
+          <a:prstGeom prst="straightConnector1">
+            <a:avLst/>
+          </a:prstGeom>
+          <a:ln w="19050">
+            <a:solidFill>
+              <a:schemeClr val="tx1"/>
+            </a:solidFill>
+            <a:tailEnd type="triangle"/>
+          </a:ln>
+        </p:spPr>
+        <p:style>
+          <a:lnRef idx="2">
+            <a:schemeClr val="accent1"/>
+          </a:lnRef>
+          <a:fillRef idx="0">
+            <a:schemeClr val="accent1"/>
+          </a:fillRef>
+          <a:effectRef idx="1">
+            <a:schemeClr val="accent1"/>
+          </a:effectRef>
+          <a:fontRef idx="minor">
+            <a:schemeClr val="tx1"/>
+          </a:fontRef>
+        </p:style>
+      </p:cxnSp>
+      <p:cxnSp>
+        <p:nvCxnSpPr>
+          <p:cNvPr id="22" name="直接箭头连接符 21">
+            <a:extLst>
+              <a:ext uri="{FF2B5EF4-FFF2-40B4-BE49-F238E27FC236}">
+                <a16:creationId xmlns:a16="http://schemas.microsoft.com/office/drawing/2014/main" id="{7DFB9AF2-BA78-795E-B816-ADE5C43C845B}"/>
+              </a:ext>
+            </a:extLst>
+          </p:cNvPr>
+          <p:cNvCxnSpPr>
+            <a:cxnSpLocks/>
+            <a:stCxn id="4" idx="3"/>
+            <a:endCxn id="5" idx="1"/>
+          </p:cNvCxnSpPr>
+          <p:nvPr/>
+        </p:nvCxnSpPr>
+        <p:spPr>
+          <a:xfrm>
+            <a:off x="7261192" y="3053372"/>
+            <a:ext cx="4402833" cy="1"/>
+          </a:xfrm>
+          <a:prstGeom prst="straightConnector1">
+            <a:avLst/>
+          </a:prstGeom>
+          <a:ln w="19050">
+            <a:solidFill>
+              <a:schemeClr val="tx1"/>
+            </a:solidFill>
+            <a:tailEnd type="triangle"/>
+          </a:ln>
+        </p:spPr>
+        <p:style>
+          <a:lnRef idx="2">
+            <a:schemeClr val="accent1"/>
+          </a:lnRef>
+          <a:fillRef idx="0">
+            <a:schemeClr val="accent1"/>
+          </a:fillRef>
+          <a:effectRef idx="1">
+            <a:schemeClr val="accent1"/>
+          </a:effectRef>
+          <a:fontRef idx="minor">
+            <a:schemeClr val="tx1"/>
+          </a:fontRef>
+        </p:style>
+      </p:cxnSp>
+      <p:cxnSp>
+        <p:nvCxnSpPr>
+          <p:cNvPr id="25" name="直接箭头连接符 24">
+            <a:extLst>
+              <a:ext uri="{FF2B5EF4-FFF2-40B4-BE49-F238E27FC236}">
+                <a16:creationId xmlns:a16="http://schemas.microsoft.com/office/drawing/2014/main" id="{C225D298-4AFC-2C27-3B86-AD96726CEDEE}"/>
+              </a:ext>
+            </a:extLst>
+          </p:cNvPr>
+          <p:cNvCxnSpPr>
+            <a:cxnSpLocks/>
+            <a:stCxn id="5" idx="3"/>
+            <a:endCxn id="7" idx="0"/>
+          </p:cNvCxnSpPr>
+          <p:nvPr/>
+        </p:nvCxnSpPr>
+        <p:spPr>
+          <a:xfrm flipV="1">
+            <a:off x="13289162" y="3053372"/>
+            <a:ext cx="1877195" cy="1"/>
+          </a:xfrm>
+          <a:prstGeom prst="straightConnector1">
+            <a:avLst/>
+          </a:prstGeom>
+          <a:ln w="19050">
+            <a:solidFill>
+              <a:schemeClr val="tx1"/>
+            </a:solidFill>
+            <a:tailEnd type="triangle"/>
+          </a:ln>
+        </p:spPr>
+        <p:style>
+          <a:lnRef idx="2">
+            <a:schemeClr val="accent1"/>
+          </a:lnRef>
+          <a:fillRef idx="0">
+            <a:schemeClr val="accent1"/>
+          </a:fillRef>
+          <a:effectRef idx="1">
+            <a:schemeClr val="accent1"/>
+          </a:effectRef>
+          <a:fontRef idx="minor">
+            <a:schemeClr val="tx1"/>
+          </a:fontRef>
+        </p:style>
+      </p:cxnSp>
+      <p:cxnSp>
+        <p:nvCxnSpPr>
+          <p:cNvPr id="28" name="直接箭头连接符 27">
+            <a:extLst>
+              <a:ext uri="{FF2B5EF4-FFF2-40B4-BE49-F238E27FC236}">
+                <a16:creationId xmlns:a16="http://schemas.microsoft.com/office/drawing/2014/main" id="{6F129412-CFC3-3D91-54B7-2B17D83C2EC7}"/>
+              </a:ext>
+            </a:extLst>
+          </p:cNvPr>
+          <p:cNvCxnSpPr>
+            <a:cxnSpLocks/>
+            <a:stCxn id="8" idx="0"/>
+            <a:endCxn id="6" idx="1"/>
+          </p:cNvCxnSpPr>
+          <p:nvPr/>
+        </p:nvCxnSpPr>
+        <p:spPr>
+          <a:xfrm>
+            <a:off x="16613077" y="3053370"/>
+            <a:ext cx="1523300" cy="2"/>
+          </a:xfrm>
+          <a:prstGeom prst="straightConnector1">
+            <a:avLst/>
+          </a:prstGeom>
+          <a:ln w="19050">
+            <a:solidFill>
+              <a:schemeClr val="tx1"/>
+            </a:solidFill>
+            <a:tailEnd type="triangle"/>
+          </a:ln>
+        </p:spPr>
+        <p:style>
+          <a:lnRef idx="2">
+            <a:schemeClr val="accent1"/>
+          </a:lnRef>
+          <a:fillRef idx="0">
+            <a:schemeClr val="accent1"/>
+          </a:fillRef>
+          <a:effectRef idx="1">
+            <a:schemeClr val="accent1"/>
+          </a:effectRef>
+          <a:fontRef idx="minor">
+            <a:schemeClr val="tx1"/>
+          </a:fontRef>
+        </p:style>
+      </p:cxnSp>
+      <mc:AlternateContent xmlns:mc="http://schemas.openxmlformats.org/markup-compatibility/2006" xmlns:a14="http://schemas.microsoft.com/office/drawing/2010/main">
+        <mc:Choice Requires="a14">
+          <p:sp>
+            <p:nvSpPr>
+              <p:cNvPr id="32" name="文本框 31">
+                <a:extLst>
+                  <a:ext uri="{FF2B5EF4-FFF2-40B4-BE49-F238E27FC236}">
+                    <a16:creationId xmlns:a16="http://schemas.microsoft.com/office/drawing/2014/main" id="{3F32A15B-EBAC-3E68-0CBE-EC70DBA246A3}"/>
+                  </a:ext>
+                </a:extLst>
+              </p:cNvPr>
+              <p:cNvSpPr txBox="1"/>
+              <p:nvPr/>
+            </p:nvSpPr>
+            <p:spPr>
+              <a:xfrm>
+                <a:off x="11465982" y="5050833"/>
+                <a:ext cx="2465611" cy="492443"/>
+              </a:xfrm>
+              <a:prstGeom prst="rect">
+                <a:avLst/>
+              </a:prstGeom>
+              <a:noFill/>
+            </p:spPr>
+            <p:txBody>
+              <a:bodyPr wrap="none" lIns="0" tIns="0" rIns="0" bIns="0" rtlCol="0">
+                <a:spAutoFit/>
+              </a:bodyPr>
+              <a:lstStyle/>
+              <a:p>
+                <a:pPr/>
+                <a14:m>
+                  <m:oMathPara xmlns:m="http://schemas.openxmlformats.org/officeDocument/2006/math">
+                    <m:oMathParaPr>
+                      <m:jc m:val="centerGroup"/>
+                    </m:oMathParaPr>
+                    <m:oMath xmlns:m="http://schemas.openxmlformats.org/officeDocument/2006/math">
+                      <m:acc>
+                        <m:accPr>
+                          <m:chr m:val="̂"/>
+                          <m:ctrlPr>
+                            <a:rPr lang="en-US" altLang="zh-CN" sz="3200" b="0" i="1" smtClean="0">
+                              <a:latin typeface="Cambria Math" panose="02040503050406030204" pitchFamily="18" charset="0"/>
+                            </a:rPr>
+                          </m:ctrlPr>
+                        </m:accPr>
+                        <m:e>
+                          <m:r>
+                            <a:rPr lang="en-US" altLang="zh-CN" sz="3200" b="0" i="1" smtClean="0">
+                              <a:latin typeface="Cambria Math" panose="02040503050406030204" pitchFamily="18" charset="0"/>
+                            </a:rPr>
+                            <m:t>𝑥</m:t>
+                          </m:r>
+                        </m:e>
+                      </m:acc>
+                      <m:d>
+                        <m:dPr>
+                          <m:ctrlPr>
+                            <a:rPr lang="en-US" altLang="zh-CN" sz="3200" i="1" smtClean="0">
+                              <a:latin typeface="Cambria Math" panose="02040503050406030204" pitchFamily="18" charset="0"/>
+                            </a:rPr>
+                          </m:ctrlPr>
+                        </m:dPr>
+                        <m:e>
+                          <m:sSub>
+                            <m:sSubPr>
+                              <m:ctrlPr>
+                                <a:rPr lang="en-US" altLang="zh-CN" sz="3200" b="0" i="1" smtClean="0">
+                                  <a:latin typeface="Cambria Math" panose="02040503050406030204" pitchFamily="18" charset="0"/>
+                                </a:rPr>
+                              </m:ctrlPr>
+                            </m:sSubPr>
+                            <m:e>
+                              <m:r>
+                                <a:rPr lang="en-US" altLang="zh-CN" sz="3200" b="0" i="1" smtClean="0">
+                                  <a:latin typeface="Cambria Math" panose="02040503050406030204" pitchFamily="18" charset="0"/>
+                                </a:rPr>
+                                <m:t>𝑥</m:t>
+                              </m:r>
+                            </m:e>
+                            <m:sub>
+                              <m:r>
+                                <a:rPr lang="en-US" altLang="zh-CN" sz="3200" b="0" i="1" smtClean="0">
+                                  <a:latin typeface="Cambria Math" panose="02040503050406030204" pitchFamily="18" charset="0"/>
+                                </a:rPr>
+                                <m:t>𝑡</m:t>
+                              </m:r>
+                            </m:sub>
+                          </m:sSub>
+                          <m:r>
+                            <a:rPr lang="en-US" altLang="zh-CN" sz="3200" b="0" i="1" smtClean="0">
+                              <a:latin typeface="Cambria Math" panose="02040503050406030204" pitchFamily="18" charset="0"/>
+                            </a:rPr>
+                            <m:t>, </m:t>
+                          </m:r>
+                          <m:r>
+                            <a:rPr lang="en-US" altLang="zh-CN" sz="3200" b="0" i="1" smtClean="0">
+                              <a:latin typeface="Cambria Math" panose="02040503050406030204" pitchFamily="18" charset="0"/>
+                            </a:rPr>
+                            <m:t>𝑡</m:t>
+                          </m:r>
+                          <m:r>
+                            <a:rPr lang="en-US" altLang="zh-CN" sz="3200" b="0" i="1" smtClean="0">
+                              <a:latin typeface="Cambria Math" panose="02040503050406030204" pitchFamily="18" charset="0"/>
+                            </a:rPr>
+                            <m:t>, </m:t>
+                          </m:r>
+                          <m:r>
+                            <a:rPr lang="en-US" altLang="zh-CN" sz="3200" b="0" i="1" smtClean="0">
+                              <a:latin typeface="Cambria Math" panose="02040503050406030204" pitchFamily="18" charset="0"/>
+                            </a:rPr>
+                            <m:t>𝑐</m:t>
+                          </m:r>
+                        </m:e>
+                      </m:d>
+                      <m:r>
+                        <a:rPr lang="en-US" altLang="zh-CN" sz="3200" i="1" smtClean="0">
+                          <a:latin typeface="Cambria Math" panose="02040503050406030204" pitchFamily="18" charset="0"/>
+                          <a:ea typeface="Cambria Math" panose="02040503050406030204" pitchFamily="18" charset="0"/>
+                        </a:rPr>
+                        <m:t>≈</m:t>
+                      </m:r>
+                      <m:r>
+                        <a:rPr lang="en-US" altLang="zh-CN" sz="3200" b="0" i="1" smtClean="0">
+                          <a:latin typeface="Cambria Math" panose="02040503050406030204" pitchFamily="18" charset="0"/>
+                          <a:ea typeface="Cambria Math" panose="02040503050406030204" pitchFamily="18" charset="0"/>
+                        </a:rPr>
+                        <m:t>𝑥</m:t>
+                      </m:r>
+                    </m:oMath>
+                  </m:oMathPara>
+                </a14:m>
+                <a:endParaRPr lang="zh-CN" altLang="en-US" sz="3200" dirty="0"/>
+              </a:p>
+            </p:txBody>
+          </p:sp>
+        </mc:Choice>
+        <mc:Fallback xmlns="">
+          <p:sp>
+            <p:nvSpPr>
+              <p:cNvPr id="32" name="文本框 31">
+                <a:extLst>
+                  <a:ext uri="{FF2B5EF4-FFF2-40B4-BE49-F238E27FC236}">
+                    <a16:creationId xmlns:a16="http://schemas.microsoft.com/office/drawing/2014/main" id="{808AD864-3466-67BB-C634-D6B567610A5E}"/>
+                  </a:ext>
+                </a:extLst>
+              </p:cNvPr>
+              <p:cNvSpPr txBox="1">
+                <a:spLocks noRot="1" noChangeAspect="1" noMove="1" noResize="1" noEditPoints="1" noAdjustHandles="1" noChangeArrowheads="1" noChangeShapeType="1" noTextEdit="1"/>
+              </p:cNvSpPr>
+              <p:nvPr/>
+            </p:nvSpPr>
+            <p:spPr>
+              <a:xfrm>
+                <a:off x="11465982" y="5050833"/>
+                <a:ext cx="2465611" cy="492443"/>
+              </a:xfrm>
+              <a:prstGeom prst="rect">
+                <a:avLst/>
+              </a:prstGeom>
+              <a:blipFill>
+                <a:blip r:embed="rId6"/>
+                <a:stretch>
+                  <a:fillRect/>
+                </a:stretch>
+              </a:blipFill>
+            </p:spPr>
+            <p:txBody>
+              <a:bodyPr/>
+              <a:lstStyle/>
+              <a:p>
+                <a:r>
+                  <a:rPr lang="zh-CN" altLang="en-US">
+                    <a:noFill/>
+                  </a:rPr>
+                  <a:t> </a:t>
+                </a:r>
+              </a:p>
+            </p:txBody>
+          </p:sp>
+        </mc:Fallback>
+      </mc:AlternateContent>
+      <mc:AlternateContent xmlns:mc="http://schemas.openxmlformats.org/markup-compatibility/2006" xmlns:a14="http://schemas.microsoft.com/office/drawing/2010/main">
+        <mc:Choice Requires="a14">
+          <p:sp>
+            <p:nvSpPr>
+              <p:cNvPr id="34" name="文本框 33">
+                <a:extLst>
+                  <a:ext uri="{FF2B5EF4-FFF2-40B4-BE49-F238E27FC236}">
+                    <a16:creationId xmlns:a16="http://schemas.microsoft.com/office/drawing/2014/main" id="{D98F7B1E-D028-08F7-8308-04845ECCF3F7}"/>
+                  </a:ext>
+                </a:extLst>
+              </p:cNvPr>
+              <p:cNvSpPr txBox="1"/>
+              <p:nvPr/>
+            </p:nvSpPr>
+            <p:spPr>
+              <a:xfrm>
+                <a:off x="6231722" y="1548301"/>
+                <a:ext cx="433801" cy="523220"/>
+              </a:xfrm>
+              <a:prstGeom prst="rect">
+                <a:avLst/>
+              </a:prstGeom>
+              <a:noFill/>
+            </p:spPr>
+            <p:txBody>
+              <a:bodyPr wrap="square">
+                <a:spAutoFit/>
+              </a:bodyPr>
+              <a:lstStyle/>
+              <a:p>
+                <a:pPr/>
+                <a14:m>
+                  <m:oMathPara xmlns:m="http://schemas.openxmlformats.org/officeDocument/2006/math">
+                    <m:oMathParaPr>
+                      <m:jc m:val="centerGroup"/>
+                    </m:oMathParaPr>
+                    <m:oMath xmlns:m="http://schemas.openxmlformats.org/officeDocument/2006/math">
+                      <m:r>
+                        <a:rPr lang="en-US" altLang="zh-CN" sz="2800" b="0" i="1" smtClean="0">
+                          <a:latin typeface="Cambria Math" panose="02040503050406030204" pitchFamily="18" charset="0"/>
+                          <a:ea typeface="Cambria Math" panose="02040503050406030204" pitchFamily="18" charset="0"/>
+                        </a:rPr>
+                        <m:t>𝑥</m:t>
+                      </m:r>
+                    </m:oMath>
+                  </m:oMathPara>
+                </a14:m>
+                <a:endParaRPr lang="zh-CN" altLang="en-US" dirty="0"/>
+              </a:p>
+            </p:txBody>
+          </p:sp>
+        </mc:Choice>
+        <mc:Fallback xmlns="">
+          <p:sp>
+            <p:nvSpPr>
+              <p:cNvPr id="34" name="文本框 33">
+                <a:extLst>
+                  <a:ext uri="{FF2B5EF4-FFF2-40B4-BE49-F238E27FC236}">
+                    <a16:creationId xmlns:a16="http://schemas.microsoft.com/office/drawing/2014/main" id="{FEA2808B-B2A9-CA9A-F609-F52F0FA10E52}"/>
+                  </a:ext>
+                </a:extLst>
+              </p:cNvPr>
+              <p:cNvSpPr txBox="1">
+                <a:spLocks noRot="1" noChangeAspect="1" noMove="1" noResize="1" noEditPoints="1" noAdjustHandles="1" noChangeArrowheads="1" noChangeShapeType="1" noTextEdit="1"/>
+              </p:cNvSpPr>
+              <p:nvPr/>
+            </p:nvSpPr>
+            <p:spPr>
+              <a:xfrm>
+                <a:off x="6231722" y="1548301"/>
+                <a:ext cx="433801" cy="523220"/>
+              </a:xfrm>
+              <a:prstGeom prst="rect">
+                <a:avLst/>
+              </a:prstGeom>
+              <a:blipFill>
+                <a:blip r:embed="rId7"/>
+                <a:stretch>
+                  <a:fillRect/>
+                </a:stretch>
+              </a:blipFill>
+            </p:spPr>
+            <p:txBody>
+              <a:bodyPr/>
+              <a:lstStyle/>
+              <a:p>
+                <a:r>
+                  <a:rPr lang="zh-CN" altLang="en-US">
+                    <a:noFill/>
+                  </a:rPr>
+                  <a:t> </a:t>
+                </a:r>
+              </a:p>
+            </p:txBody>
+          </p:sp>
+        </mc:Fallback>
+      </mc:AlternateContent>
+      <mc:AlternateContent xmlns:mc="http://schemas.openxmlformats.org/markup-compatibility/2006" xmlns:a14="http://schemas.microsoft.com/office/drawing/2010/main">
+        <mc:Choice Requires="a14">
+          <p:sp>
+            <p:nvSpPr>
+              <p:cNvPr id="35" name="文本框 34">
+                <a:extLst>
+                  <a:ext uri="{FF2B5EF4-FFF2-40B4-BE49-F238E27FC236}">
+                    <a16:creationId xmlns:a16="http://schemas.microsoft.com/office/drawing/2014/main" id="{39AD6F1C-B86E-E929-D4C0-1453D25EFB7D}"/>
+                  </a:ext>
+                </a:extLst>
+              </p:cNvPr>
+              <p:cNvSpPr txBox="1"/>
+              <p:nvPr/>
+            </p:nvSpPr>
+            <p:spPr>
+              <a:xfrm>
+                <a:off x="12175322" y="1548301"/>
+                <a:ext cx="433801" cy="523220"/>
+              </a:xfrm>
+              <a:prstGeom prst="rect">
+                <a:avLst/>
+              </a:prstGeom>
+              <a:noFill/>
+            </p:spPr>
+            <p:txBody>
+              <a:bodyPr wrap="square">
+                <a:spAutoFit/>
+              </a:bodyPr>
+              <a:lstStyle/>
+              <a:p>
+                <a:pPr/>
+                <a14:m>
+                  <m:oMathPara xmlns:m="http://schemas.openxmlformats.org/officeDocument/2006/math">
+                    <m:oMathParaPr>
+                      <m:jc m:val="centerGroup"/>
+                    </m:oMathParaPr>
+                    <m:oMath xmlns:m="http://schemas.openxmlformats.org/officeDocument/2006/math">
+                      <m:sSub>
+                        <m:sSubPr>
+                          <m:ctrlPr>
+                            <a:rPr lang="en-US" altLang="zh-CN" sz="2800" b="0" i="1" smtClean="0">
+                              <a:latin typeface="Cambria Math" panose="02040503050406030204" pitchFamily="18" charset="0"/>
+                              <a:ea typeface="Cambria Math" panose="02040503050406030204" pitchFamily="18" charset="0"/>
+                            </a:rPr>
+                          </m:ctrlPr>
+                        </m:sSubPr>
+                        <m:e>
+                          <m:r>
+                            <a:rPr lang="en-US" altLang="zh-CN" sz="2800" b="0" i="1" smtClean="0">
+                              <a:latin typeface="Cambria Math" panose="02040503050406030204" pitchFamily="18" charset="0"/>
+                              <a:ea typeface="Cambria Math" panose="02040503050406030204" pitchFamily="18" charset="0"/>
+                            </a:rPr>
+                            <m:t>𝑥</m:t>
+                          </m:r>
+                        </m:e>
+                        <m:sub>
+                          <m:r>
+                            <a:rPr lang="en-US" altLang="zh-CN" sz="2800" b="0" i="1" smtClean="0">
+                              <a:latin typeface="Cambria Math" panose="02040503050406030204" pitchFamily="18" charset="0"/>
+                              <a:ea typeface="Cambria Math" panose="02040503050406030204" pitchFamily="18" charset="0"/>
+                            </a:rPr>
+                            <m:t>𝑡</m:t>
+                          </m:r>
+                        </m:sub>
+                      </m:sSub>
+                    </m:oMath>
+                  </m:oMathPara>
+                </a14:m>
+                <a:endParaRPr lang="zh-CN" altLang="en-US" dirty="0"/>
+              </a:p>
+            </p:txBody>
+          </p:sp>
+        </mc:Choice>
+        <mc:Fallback xmlns="">
+          <p:sp>
+            <p:nvSpPr>
+              <p:cNvPr id="35" name="文本框 34">
+                <a:extLst>
+                  <a:ext uri="{FF2B5EF4-FFF2-40B4-BE49-F238E27FC236}">
+                    <a16:creationId xmlns:a16="http://schemas.microsoft.com/office/drawing/2014/main" id="{A8EB32E6-F34A-D5C5-D4D0-103B5B14C55C}"/>
+                  </a:ext>
+                </a:extLst>
+              </p:cNvPr>
+              <p:cNvSpPr txBox="1">
+                <a:spLocks noRot="1" noChangeAspect="1" noMove="1" noResize="1" noEditPoints="1" noAdjustHandles="1" noChangeArrowheads="1" noChangeShapeType="1" noTextEdit="1"/>
+              </p:cNvSpPr>
+              <p:nvPr/>
+            </p:nvSpPr>
+            <p:spPr>
+              <a:xfrm>
+                <a:off x="12175322" y="1548301"/>
+                <a:ext cx="433801" cy="523220"/>
+              </a:xfrm>
+              <a:prstGeom prst="rect">
+                <a:avLst/>
+              </a:prstGeom>
+              <a:blipFill>
+                <a:blip r:embed="rId8"/>
+                <a:stretch>
+                  <a:fillRect/>
+                </a:stretch>
+              </a:blipFill>
+            </p:spPr>
+            <p:txBody>
+              <a:bodyPr/>
+              <a:lstStyle/>
+              <a:p>
+                <a:r>
+                  <a:rPr lang="zh-CN" altLang="en-US">
+                    <a:noFill/>
+                  </a:rPr>
+                  <a:t> </a:t>
+                </a:r>
+              </a:p>
+            </p:txBody>
+          </p:sp>
+        </mc:Fallback>
+      </mc:AlternateContent>
+      <mc:AlternateContent xmlns:mc="http://schemas.openxmlformats.org/markup-compatibility/2006" xmlns:a14="http://schemas.microsoft.com/office/drawing/2010/main">
+        <mc:Choice Requires="a14">
+          <p:sp>
+            <p:nvSpPr>
+              <p:cNvPr id="37" name="文本框 36">
+                <a:extLst>
+                  <a:ext uri="{FF2B5EF4-FFF2-40B4-BE49-F238E27FC236}">
+                    <a16:creationId xmlns:a16="http://schemas.microsoft.com/office/drawing/2014/main" id="{74E56FB7-F40E-FB58-D6B2-B1A14DA01109}"/>
+                  </a:ext>
+                </a:extLst>
+              </p:cNvPr>
+              <p:cNvSpPr txBox="1"/>
+              <p:nvPr/>
+            </p:nvSpPr>
+            <p:spPr>
+              <a:xfrm>
+                <a:off x="18194203" y="1548301"/>
+                <a:ext cx="1509486" cy="523220"/>
+              </a:xfrm>
+              <a:prstGeom prst="rect">
+                <a:avLst/>
+              </a:prstGeom>
+              <a:noFill/>
+            </p:spPr>
+            <p:txBody>
+              <a:bodyPr wrap="square">
+                <a:spAutoFit/>
+              </a:bodyPr>
+              <a:lstStyle/>
+              <a:p>
+                <a:pPr/>
+                <a14:m>
+                  <m:oMathPara xmlns:m="http://schemas.openxmlformats.org/officeDocument/2006/math">
+                    <m:oMathParaPr>
+                      <m:jc m:val="centerGroup"/>
+                    </m:oMathParaPr>
+                    <m:oMath xmlns:m="http://schemas.openxmlformats.org/officeDocument/2006/math">
+                      <m:acc>
+                        <m:accPr>
+                          <m:chr m:val="̂"/>
+                          <m:ctrlPr>
+                            <a:rPr lang="en-US" altLang="zh-CN" sz="2800" b="0" i="1" smtClean="0">
+                              <a:latin typeface="Cambria Math" panose="02040503050406030204" pitchFamily="18" charset="0"/>
+                            </a:rPr>
+                          </m:ctrlPr>
+                        </m:accPr>
+                        <m:e>
+                          <m:r>
+                            <a:rPr lang="en-US" altLang="zh-CN" sz="2800" b="0" i="1" smtClean="0">
+                              <a:latin typeface="Cambria Math" panose="02040503050406030204" pitchFamily="18" charset="0"/>
+                            </a:rPr>
+                            <m:t>𝑥</m:t>
+                          </m:r>
+                        </m:e>
+                      </m:acc>
+                      <m:d>
+                        <m:dPr>
+                          <m:ctrlPr>
+                            <a:rPr lang="en-US" altLang="zh-CN" sz="2800" i="1" smtClean="0">
+                              <a:latin typeface="Cambria Math" panose="02040503050406030204" pitchFamily="18" charset="0"/>
+                            </a:rPr>
+                          </m:ctrlPr>
+                        </m:dPr>
+                        <m:e>
+                          <m:sSub>
+                            <m:sSubPr>
+                              <m:ctrlPr>
+                                <a:rPr lang="en-US" altLang="zh-CN" sz="2800" b="0" i="1" smtClean="0">
+                                  <a:latin typeface="Cambria Math" panose="02040503050406030204" pitchFamily="18" charset="0"/>
+                                </a:rPr>
+                              </m:ctrlPr>
+                            </m:sSubPr>
+                            <m:e>
+                              <m:r>
+                                <a:rPr lang="en-US" altLang="zh-CN" sz="2800" b="0" i="1" smtClean="0">
+                                  <a:latin typeface="Cambria Math" panose="02040503050406030204" pitchFamily="18" charset="0"/>
+                                </a:rPr>
+                                <m:t>𝑥</m:t>
+                              </m:r>
+                            </m:e>
+                            <m:sub>
+                              <m:r>
+                                <a:rPr lang="en-US" altLang="zh-CN" sz="2800" b="0" i="1" smtClean="0">
+                                  <a:latin typeface="Cambria Math" panose="02040503050406030204" pitchFamily="18" charset="0"/>
+                                </a:rPr>
+                                <m:t>𝑡</m:t>
+                              </m:r>
+                            </m:sub>
+                          </m:sSub>
+                          <m:r>
+                            <a:rPr lang="en-US" altLang="zh-CN" sz="2800" b="0" i="1" smtClean="0">
+                              <a:latin typeface="Cambria Math" panose="02040503050406030204" pitchFamily="18" charset="0"/>
+                            </a:rPr>
+                            <m:t>, </m:t>
+                          </m:r>
+                          <m:r>
+                            <a:rPr lang="en-US" altLang="zh-CN" sz="2800" b="0" i="1" smtClean="0">
+                              <a:latin typeface="Cambria Math" panose="02040503050406030204" pitchFamily="18" charset="0"/>
+                            </a:rPr>
+                            <m:t>𝑡</m:t>
+                          </m:r>
+                          <m:r>
+                            <a:rPr lang="en-US" altLang="zh-CN" sz="2800" b="0" i="1" smtClean="0">
+                              <a:latin typeface="Cambria Math" panose="02040503050406030204" pitchFamily="18" charset="0"/>
+                            </a:rPr>
+                            <m:t>, </m:t>
+                          </m:r>
+                          <m:r>
+                            <a:rPr lang="en-US" altLang="zh-CN" sz="2800" b="0" i="1" smtClean="0">
+                              <a:latin typeface="Cambria Math" panose="02040503050406030204" pitchFamily="18" charset="0"/>
+                            </a:rPr>
+                            <m:t>𝑐</m:t>
+                          </m:r>
+                        </m:e>
+                      </m:d>
+                    </m:oMath>
+                  </m:oMathPara>
+                </a14:m>
+                <a:endParaRPr lang="zh-CN" altLang="en-US" sz="2800" dirty="0"/>
+              </a:p>
+            </p:txBody>
+          </p:sp>
+        </mc:Choice>
+        <mc:Fallback xmlns="">
+          <p:sp>
+            <p:nvSpPr>
+              <p:cNvPr id="37" name="文本框 36">
+                <a:extLst>
+                  <a:ext uri="{FF2B5EF4-FFF2-40B4-BE49-F238E27FC236}">
+                    <a16:creationId xmlns:a16="http://schemas.microsoft.com/office/drawing/2014/main" id="{31AFAF9C-FA03-C495-EB64-F4ADFFBCD2B0}"/>
+                  </a:ext>
+                </a:extLst>
+              </p:cNvPr>
+              <p:cNvSpPr txBox="1">
+                <a:spLocks noRot="1" noChangeAspect="1" noMove="1" noResize="1" noEditPoints="1" noAdjustHandles="1" noChangeArrowheads="1" noChangeShapeType="1" noTextEdit="1"/>
+              </p:cNvSpPr>
+              <p:nvPr/>
+            </p:nvSpPr>
+            <p:spPr>
+              <a:xfrm>
+                <a:off x="18194203" y="1548301"/>
+                <a:ext cx="1509486" cy="523220"/>
+              </a:xfrm>
+              <a:prstGeom prst="rect">
+                <a:avLst/>
+              </a:prstGeom>
+              <a:blipFill>
+                <a:blip r:embed="rId9"/>
+                <a:stretch>
+                  <a:fillRect/>
+                </a:stretch>
+              </a:blipFill>
+            </p:spPr>
+            <p:txBody>
+              <a:bodyPr/>
+              <a:lstStyle/>
+              <a:p>
+                <a:r>
+                  <a:rPr lang="zh-CN" altLang="en-US">
+                    <a:noFill/>
+                  </a:rPr>
+                  <a:t> </a:t>
+                </a:r>
+              </a:p>
+            </p:txBody>
+          </p:sp>
+        </mc:Fallback>
+      </mc:AlternateContent>
+      <p:cxnSp>
+        <p:nvCxnSpPr>
+          <p:cNvPr id="39" name="直接连接符 38">
+            <a:extLst>
+              <a:ext uri="{FF2B5EF4-FFF2-40B4-BE49-F238E27FC236}">
+                <a16:creationId xmlns:a16="http://schemas.microsoft.com/office/drawing/2014/main" id="{8229089F-4048-1C53-B2D3-DB513C9186C3}"/>
+              </a:ext>
+            </a:extLst>
+          </p:cNvPr>
+          <p:cNvCxnSpPr>
+            <a:cxnSpLocks/>
+            <a:stCxn id="4" idx="2"/>
+          </p:cNvCxnSpPr>
+          <p:nvPr/>
+        </p:nvCxnSpPr>
+        <p:spPr>
+          <a:xfrm flipH="1">
+            <a:off x="6404658" y="3865941"/>
+            <a:ext cx="0" cy="1548000"/>
+          </a:xfrm>
+          <a:prstGeom prst="line">
+            <a:avLst/>
+          </a:prstGeom>
+        </p:spPr>
+        <p:style>
+          <a:lnRef idx="2">
+            <a:schemeClr val="accent1"/>
+          </a:lnRef>
+          <a:fillRef idx="0">
+            <a:schemeClr val="accent1"/>
+          </a:fillRef>
+          <a:effectRef idx="1">
+            <a:schemeClr val="accent1"/>
+          </a:effectRef>
+          <a:fontRef idx="minor">
+            <a:schemeClr val="tx1"/>
+          </a:fontRef>
+        </p:style>
+      </p:cxnSp>
+      <p:cxnSp>
+        <p:nvCxnSpPr>
+          <p:cNvPr id="42" name="直接连接符 41">
+            <a:extLst>
+              <a:ext uri="{FF2B5EF4-FFF2-40B4-BE49-F238E27FC236}">
+                <a16:creationId xmlns:a16="http://schemas.microsoft.com/office/drawing/2014/main" id="{FCB1EB4D-469B-9A49-F2E7-811E96FC9011}"/>
+              </a:ext>
+            </a:extLst>
+          </p:cNvPr>
+          <p:cNvCxnSpPr>
+            <a:cxnSpLocks/>
+          </p:cNvCxnSpPr>
+          <p:nvPr/>
+        </p:nvCxnSpPr>
+        <p:spPr>
+          <a:xfrm flipH="1">
+            <a:off x="18951987" y="3865941"/>
+            <a:ext cx="0" cy="1548000"/>
+          </a:xfrm>
+          <a:prstGeom prst="line">
+            <a:avLst/>
+          </a:prstGeom>
+        </p:spPr>
+        <p:style>
+          <a:lnRef idx="2">
+            <a:schemeClr val="accent1"/>
+          </a:lnRef>
+          <a:fillRef idx="0">
+            <a:schemeClr val="accent1"/>
+          </a:fillRef>
+          <a:effectRef idx="1">
+            <a:schemeClr val="accent1"/>
+          </a:effectRef>
+          <a:fontRef idx="minor">
+            <a:schemeClr val="tx1"/>
+          </a:fontRef>
+        </p:style>
+      </p:cxnSp>
+      <p:cxnSp>
+        <p:nvCxnSpPr>
+          <p:cNvPr id="44" name="直接箭头连接符 43">
+            <a:extLst>
+              <a:ext uri="{FF2B5EF4-FFF2-40B4-BE49-F238E27FC236}">
+                <a16:creationId xmlns:a16="http://schemas.microsoft.com/office/drawing/2014/main" id="{A4BF8904-E396-9BEF-EA53-0CE5ECD732E8}"/>
+              </a:ext>
+            </a:extLst>
+          </p:cNvPr>
+          <p:cNvCxnSpPr>
+            <a:cxnSpLocks/>
+          </p:cNvCxnSpPr>
+          <p:nvPr/>
+        </p:nvCxnSpPr>
+        <p:spPr>
+          <a:xfrm flipH="1">
+            <a:off x="6438841" y="5297055"/>
+            <a:ext cx="4839129" cy="0"/>
+          </a:xfrm>
+          <a:prstGeom prst="straightConnector1">
+            <a:avLst/>
+          </a:prstGeom>
+          <a:ln>
+            <a:tailEnd type="triangle"/>
+          </a:ln>
+        </p:spPr>
+        <p:style>
+          <a:lnRef idx="2">
+            <a:schemeClr val="accent1"/>
+          </a:lnRef>
+          <a:fillRef idx="0">
+            <a:schemeClr val="accent1"/>
+          </a:fillRef>
+          <a:effectRef idx="1">
+            <a:schemeClr val="accent1"/>
+          </a:effectRef>
+          <a:fontRef idx="minor">
+            <a:schemeClr val="tx1"/>
+          </a:fontRef>
+        </p:style>
+      </p:cxnSp>
+      <p:cxnSp>
+        <p:nvCxnSpPr>
+          <p:cNvPr id="48" name="直接箭头连接符 47">
+            <a:extLst>
+              <a:ext uri="{FF2B5EF4-FFF2-40B4-BE49-F238E27FC236}">
+                <a16:creationId xmlns:a16="http://schemas.microsoft.com/office/drawing/2014/main" id="{404E0649-9B2E-A984-3510-CE00396DD879}"/>
+              </a:ext>
+            </a:extLst>
+          </p:cNvPr>
+          <p:cNvCxnSpPr>
+            <a:cxnSpLocks/>
+          </p:cNvCxnSpPr>
+          <p:nvPr/>
+        </p:nvCxnSpPr>
+        <p:spPr>
+          <a:xfrm flipV="1">
+            <a:off x="14102507" y="5297054"/>
+            <a:ext cx="4795166" cy="1"/>
+          </a:xfrm>
+          <a:prstGeom prst="straightConnector1">
+            <a:avLst/>
+          </a:prstGeom>
+          <a:ln>
+            <a:tailEnd type="triangle"/>
+          </a:ln>
+        </p:spPr>
+        <p:style>
+          <a:lnRef idx="2">
+            <a:schemeClr val="accent1"/>
+          </a:lnRef>
+          <a:fillRef idx="0">
+            <a:schemeClr val="accent1"/>
+          </a:fillRef>
+          <a:effectRef idx="1">
+            <a:schemeClr val="accent1"/>
+          </a:effectRef>
+          <a:fontRef idx="minor">
+            <a:schemeClr val="tx1"/>
+          </a:fontRef>
+        </p:style>
+      </p:cxnSp>
+      <p:sp>
+        <p:nvSpPr>
+          <p:cNvPr id="51" name="文本框 50">
+            <a:extLst>
+              <a:ext uri="{FF2B5EF4-FFF2-40B4-BE49-F238E27FC236}">
+                <a16:creationId xmlns:a16="http://schemas.microsoft.com/office/drawing/2014/main" id="{FDE4434F-0531-F99B-BD84-505ECE0FD7A9}"/>
+              </a:ext>
+            </a:extLst>
+          </p:cNvPr>
+          <p:cNvSpPr txBox="1"/>
+          <p:nvPr/>
+        </p:nvSpPr>
+        <p:spPr>
+          <a:xfrm>
+            <a:off x="7998643" y="2502878"/>
+            <a:ext cx="2366353" cy="461665"/>
+          </a:xfrm>
+          <a:prstGeom prst="rect">
+            <a:avLst/>
+          </a:prstGeom>
+          <a:noFill/>
+        </p:spPr>
+        <p:txBody>
+          <a:bodyPr wrap="none" rtlCol="0">
+            <a:spAutoFit/>
+          </a:bodyPr>
+          <a:lstStyle/>
+          <a:p>
+            <a:r>
+              <a:rPr lang="en-US" altLang="zh-CN" sz="2400" b="1" dirty="0">
+                <a:latin typeface="Times New Roman" panose="02020603050405020304" pitchFamily="18" charset="0"/>
+                <a:cs typeface="Times New Roman" panose="02020603050405020304" pitchFamily="18" charset="0"/>
+              </a:rPr>
+              <a:t>DDIM Inversion</a:t>
+            </a:r>
+            <a:endParaRPr lang="zh-CN" altLang="en-US" sz="2400" b="1" dirty="0">
+              <a:latin typeface="Times New Roman" panose="02020603050405020304" pitchFamily="18" charset="0"/>
+              <a:cs typeface="Times New Roman" panose="02020603050405020304" pitchFamily="18" charset="0"/>
+            </a:endParaRPr>
+          </a:p>
+        </p:txBody>
+      </p:sp>
+      <p:sp>
+        <p:nvSpPr>
+          <p:cNvPr id="52" name="文本框 51">
+            <a:extLst>
+              <a:ext uri="{FF2B5EF4-FFF2-40B4-BE49-F238E27FC236}">
+                <a16:creationId xmlns:a16="http://schemas.microsoft.com/office/drawing/2014/main" id="{F901AACF-B336-4019-D4AC-A7A8F2F1A9F5}"/>
+              </a:ext>
+            </a:extLst>
+          </p:cNvPr>
+          <p:cNvSpPr txBox="1"/>
+          <p:nvPr/>
+        </p:nvSpPr>
+        <p:spPr>
+          <a:xfrm>
+            <a:off x="13600524" y="2502878"/>
+            <a:ext cx="1192955" cy="461665"/>
+          </a:xfrm>
+          <a:prstGeom prst="rect">
+            <a:avLst/>
+          </a:prstGeom>
+          <a:noFill/>
+        </p:spPr>
+        <p:txBody>
+          <a:bodyPr wrap="none" rtlCol="0">
+            <a:spAutoFit/>
+          </a:bodyPr>
+          <a:lstStyle/>
+          <a:p>
+            <a:r>
+              <a:rPr lang="en-US" altLang="zh-CN" sz="2400" dirty="0">
+                <a:latin typeface="Times New Roman" panose="02020603050405020304" pitchFamily="18" charset="0"/>
+                <a:cs typeface="Times New Roman" panose="02020603050405020304" pitchFamily="18" charset="0"/>
+              </a:rPr>
+              <a:t>Denoise</a:t>
+            </a:r>
+            <a:endParaRPr lang="zh-CN" altLang="en-US" sz="2400" dirty="0">
+              <a:latin typeface="Times New Roman" panose="02020603050405020304" pitchFamily="18" charset="0"/>
+              <a:cs typeface="Times New Roman" panose="02020603050405020304" pitchFamily="18" charset="0"/>
+            </a:endParaRPr>
+          </a:p>
+        </p:txBody>
+      </p:sp>
+      <p:sp>
+        <p:nvSpPr>
+          <p:cNvPr id="54" name="流程图: 手动操作 53">
+            <a:extLst>
+              <a:ext uri="{FF2B5EF4-FFF2-40B4-BE49-F238E27FC236}">
+                <a16:creationId xmlns:a16="http://schemas.microsoft.com/office/drawing/2014/main" id="{C94E8AAE-F9FC-8B36-6FF0-3F40E9C35281}"/>
+              </a:ext>
+            </a:extLst>
+          </p:cNvPr>
+          <p:cNvSpPr/>
+          <p:nvPr/>
+        </p:nvSpPr>
+        <p:spPr>
+          <a:xfrm rot="16200000">
+            <a:off x="15264827" y="2927903"/>
+            <a:ext cx="920643" cy="237730"/>
+          </a:xfrm>
+          <a:prstGeom prst="flowChartManualOperation">
+            <a:avLst/>
+          </a:prstGeom>
+          <a:solidFill>
+            <a:schemeClr val="tx2">
+              <a:lumMod val="10000"/>
+              <a:lumOff val="90000"/>
+            </a:schemeClr>
+          </a:solidFill>
+        </p:spPr>
+        <p:style>
+          <a:lnRef idx="2">
+            <a:schemeClr val="accent1">
+              <a:shade val="15000"/>
+            </a:schemeClr>
+          </a:lnRef>
+          <a:fillRef idx="1">
+            <a:schemeClr val="accent1"/>
+          </a:fillRef>
+          <a:effectRef idx="0">
+            <a:schemeClr val="accent1"/>
+          </a:effectRef>
+          <a:fontRef idx="minor">
+            <a:schemeClr val="lt1"/>
+          </a:fontRef>
+        </p:style>
+        <p:txBody>
+          <a:bodyPr rtlCol="0" anchor="ctr"/>
+          <a:lstStyle/>
+          <a:p>
+            <a:pPr algn="ctr"/>
+            <a:endParaRPr lang="zh-CN" altLang="en-US"/>
+          </a:p>
+        </p:txBody>
+      </p:sp>
+      <p:sp>
+        <p:nvSpPr>
+          <p:cNvPr id="56" name="流程图: 手动操作 55">
+            <a:extLst>
+              <a:ext uri="{FF2B5EF4-FFF2-40B4-BE49-F238E27FC236}">
+                <a16:creationId xmlns:a16="http://schemas.microsoft.com/office/drawing/2014/main" id="{74D8B7EC-FEFB-5AE9-6DCD-D7762CB48DF6}"/>
+              </a:ext>
+            </a:extLst>
+          </p:cNvPr>
+          <p:cNvSpPr/>
+          <p:nvPr/>
+        </p:nvSpPr>
+        <p:spPr>
+          <a:xfrm rot="16200000" flipV="1">
+            <a:off x="15583636" y="2923387"/>
+            <a:ext cx="940185" cy="237730"/>
+          </a:xfrm>
+          <a:prstGeom prst="flowChartManualOperation">
+            <a:avLst/>
+          </a:prstGeom>
+          <a:solidFill>
+            <a:schemeClr val="tx2">
+              <a:lumMod val="10000"/>
+              <a:lumOff val="90000"/>
+            </a:schemeClr>
+          </a:solidFill>
+        </p:spPr>
+        <p:style>
+          <a:lnRef idx="2">
+            <a:schemeClr val="accent1">
+              <a:shade val="15000"/>
+            </a:schemeClr>
+          </a:lnRef>
+          <a:fillRef idx="1">
+            <a:schemeClr val="accent1"/>
+          </a:fillRef>
+          <a:effectRef idx="0">
+            <a:schemeClr val="accent1"/>
+          </a:effectRef>
+          <a:fontRef idx="minor">
+            <a:schemeClr val="lt1"/>
+          </a:fontRef>
+        </p:style>
+        <p:txBody>
+          <a:bodyPr rtlCol="0" anchor="ctr"/>
+          <a:lstStyle/>
+          <a:p>
+            <a:pPr algn="ctr"/>
+            <a:endParaRPr lang="zh-CN" altLang="en-US"/>
+          </a:p>
+        </p:txBody>
+      </p:sp>
+      <p:pic>
+        <p:nvPicPr>
+          <p:cNvPr id="61" name="图片 60" descr="形状&#10;&#10;AI 生成的内容可能不正确。">
+            <a:extLst>
+              <a:ext uri="{FF2B5EF4-FFF2-40B4-BE49-F238E27FC236}">
+                <a16:creationId xmlns:a16="http://schemas.microsoft.com/office/drawing/2014/main" id="{F07642E5-F69A-6203-F6D5-CCA16DB0750A}"/>
+              </a:ext>
+            </a:extLst>
+          </p:cNvPr>
+          <p:cNvPicPr>
+            <a:picLocks noChangeAspect="1"/>
+          </p:cNvPicPr>
+          <p:nvPr/>
+        </p:nvPicPr>
+        <p:blipFill>
+          <a:blip r:embed="rId10">
+            <a:extLst>
+              <a:ext uri="{28A0092B-C50C-407E-A947-70E740481C1C}">
+                <a14:useLocalDpi xmlns:a14="http://schemas.microsoft.com/office/drawing/2010/main" val="0"/>
+              </a:ext>
+            </a:extLst>
+          </a:blip>
+          <a:stretch>
+            <a:fillRect/>
+          </a:stretch>
+        </p:blipFill>
+        <p:spPr>
+          <a:xfrm>
+            <a:off x="16208854" y="3183958"/>
+            <a:ext cx="378392" cy="378392"/>
+          </a:xfrm>
+          <a:prstGeom prst="rect">
+            <a:avLst/>
+          </a:prstGeom>
+        </p:spPr>
+      </p:pic>
+    </p:spTree>
+    <p:extLst>
+      <p:ext uri="{BB962C8B-B14F-4D97-AF65-F5344CB8AC3E}">
+        <p14:creationId xmlns:p14="http://schemas.microsoft.com/office/powerpoint/2010/main" val="3767899688"/>
       </p:ext>
     </p:extLst>
   </p:cSld>
@@ -19368,6 +21132,1762 @@
 </p:sld>
 </file>
 
+<file path=ppt/slides/slide9.xml><?xml version="1.0" encoding="utf-8"?>
+<p:sld xmlns:a="http://schemas.openxmlformats.org/drawingml/2006/main" xmlns:r="http://schemas.openxmlformats.org/officeDocument/2006/relationships" xmlns:p="http://schemas.openxmlformats.org/presentationml/2006/main">
+  <p:cSld>
+    <p:spTree>
+      <p:nvGrpSpPr>
+        <p:cNvPr id="1" name=""/>
+        <p:cNvGrpSpPr/>
+        <p:nvPr/>
+      </p:nvGrpSpPr>
+      <p:grpSpPr>
+        <a:xfrm>
+          <a:off x="0" y="0"/>
+          <a:ext cx="0" cy="0"/>
+          <a:chOff x="0" y="0"/>
+          <a:chExt cx="0" cy="0"/>
+        </a:xfrm>
+      </p:grpSpPr>
+      <p:pic>
+        <p:nvPicPr>
+          <p:cNvPr id="4" name="图片 3" descr="棕色的小动物&#10;&#10;AI 生成的内容可能不正确。">
+            <a:extLst>
+              <a:ext uri="{FF2B5EF4-FFF2-40B4-BE49-F238E27FC236}">
+                <a16:creationId xmlns:a16="http://schemas.microsoft.com/office/drawing/2014/main" id="{06BD6553-770E-909A-3541-4E28F035A338}"/>
+              </a:ext>
+            </a:extLst>
+          </p:cNvPr>
+          <p:cNvPicPr>
+            <a:picLocks noChangeAspect="1"/>
+          </p:cNvPicPr>
+          <p:nvPr/>
+        </p:nvPicPr>
+        <p:blipFill>
+          <a:blip r:embed="rId2">
+            <a:extLst>
+              <a:ext uri="{28A0092B-C50C-407E-A947-70E740481C1C}">
+                <a14:useLocalDpi xmlns:a14="http://schemas.microsoft.com/office/drawing/2010/main" val="0"/>
+              </a:ext>
+            </a:extLst>
+          </a:blip>
+          <a:stretch>
+            <a:fillRect/>
+          </a:stretch>
+        </p:blipFill>
+        <p:spPr>
+          <a:xfrm>
+            <a:off x="5636054" y="2240803"/>
+            <a:ext cx="1625138" cy="1625138"/>
+          </a:xfrm>
+          <a:prstGeom prst="rect">
+            <a:avLst/>
+          </a:prstGeom>
+        </p:spPr>
+      </p:pic>
+      <p:pic>
+        <p:nvPicPr>
+          <p:cNvPr id="5" name="图片 4" descr="图片包含 草, 前, 站, 花&#10;&#10;AI 生成的内容可能不正确。">
+            <a:extLst>
+              <a:ext uri="{FF2B5EF4-FFF2-40B4-BE49-F238E27FC236}">
+                <a16:creationId xmlns:a16="http://schemas.microsoft.com/office/drawing/2014/main" id="{305AAF7B-6B40-CCB6-0AFD-EB4CE7CF6D44}"/>
+              </a:ext>
+            </a:extLst>
+          </p:cNvPr>
+          <p:cNvPicPr>
+            <a:picLocks noChangeAspect="1"/>
+          </p:cNvPicPr>
+          <p:nvPr/>
+        </p:nvPicPr>
+        <p:blipFill>
+          <a:blip r:embed="rId3">
+            <a:extLst>
+              <a:ext uri="{28A0092B-C50C-407E-A947-70E740481C1C}">
+                <a14:useLocalDpi xmlns:a14="http://schemas.microsoft.com/office/drawing/2010/main" val="0"/>
+              </a:ext>
+            </a:extLst>
+          </a:blip>
+          <a:stretch>
+            <a:fillRect/>
+          </a:stretch>
+        </p:blipFill>
+        <p:spPr>
+          <a:xfrm>
+            <a:off x="11664025" y="2240804"/>
+            <a:ext cx="1625137" cy="1625137"/>
+          </a:xfrm>
+          <a:prstGeom prst="rect">
+            <a:avLst/>
+          </a:prstGeom>
+        </p:spPr>
+      </p:pic>
+      <p:pic>
+        <p:nvPicPr>
+          <p:cNvPr id="6" name="图片 5" descr="棕色的小动物&#10;&#10;AI 生成的内容可能不正确。">
+            <a:extLst>
+              <a:ext uri="{FF2B5EF4-FFF2-40B4-BE49-F238E27FC236}">
+                <a16:creationId xmlns:a16="http://schemas.microsoft.com/office/drawing/2014/main" id="{C965B368-3427-86D5-CDAE-08230CB870A3}"/>
+              </a:ext>
+            </a:extLst>
+          </p:cNvPr>
+          <p:cNvPicPr>
+            <a:picLocks noChangeAspect="1"/>
+          </p:cNvPicPr>
+          <p:nvPr/>
+        </p:nvPicPr>
+        <p:blipFill>
+          <a:blip r:embed="rId2">
+            <a:extLst>
+              <a:ext uri="{28A0092B-C50C-407E-A947-70E740481C1C}">
+                <a14:useLocalDpi xmlns:a14="http://schemas.microsoft.com/office/drawing/2010/main" val="0"/>
+              </a:ext>
+            </a:extLst>
+          </a:blip>
+          <a:stretch>
+            <a:fillRect/>
+          </a:stretch>
+        </p:blipFill>
+        <p:spPr>
+          <a:xfrm>
+            <a:off x="18136377" y="2240803"/>
+            <a:ext cx="1625138" cy="1625138"/>
+          </a:xfrm>
+          <a:prstGeom prst="rect">
+            <a:avLst/>
+          </a:prstGeom>
+        </p:spPr>
+      </p:pic>
+      <p:sp>
+        <p:nvSpPr>
+          <p:cNvPr id="7" name="流程图: 手动操作 6">
+            <a:extLst>
+              <a:ext uri="{FF2B5EF4-FFF2-40B4-BE49-F238E27FC236}">
+                <a16:creationId xmlns:a16="http://schemas.microsoft.com/office/drawing/2014/main" id="{DED10696-E3B6-27C7-D7F7-E0C35A3C673E}"/>
+              </a:ext>
+            </a:extLst>
+          </p:cNvPr>
+          <p:cNvSpPr/>
+          <p:nvPr/>
+        </p:nvSpPr>
+        <p:spPr>
+          <a:xfrm rot="16200000">
+            <a:off x="14531105" y="2876055"/>
+            <a:ext cx="1625137" cy="354634"/>
+          </a:xfrm>
+          <a:prstGeom prst="flowChartManualOperation">
+            <a:avLst/>
+          </a:prstGeom>
+          <a:solidFill>
+            <a:schemeClr val="tx2">
+              <a:lumMod val="10000"/>
+              <a:lumOff val="90000"/>
+            </a:schemeClr>
+          </a:solidFill>
+        </p:spPr>
+        <p:style>
+          <a:lnRef idx="2">
+            <a:schemeClr val="accent1">
+              <a:shade val="15000"/>
+            </a:schemeClr>
+          </a:lnRef>
+          <a:fillRef idx="1">
+            <a:schemeClr val="accent1"/>
+          </a:fillRef>
+          <a:effectRef idx="0">
+            <a:schemeClr val="accent1"/>
+          </a:effectRef>
+          <a:fontRef idx="minor">
+            <a:schemeClr val="lt1"/>
+          </a:fontRef>
+        </p:style>
+        <p:txBody>
+          <a:bodyPr rtlCol="0" anchor="ctr"/>
+          <a:lstStyle/>
+          <a:p>
+            <a:pPr algn="ctr"/>
+            <a:endParaRPr lang="zh-CN" altLang="en-US"/>
+          </a:p>
+        </p:txBody>
+      </p:sp>
+      <p:sp>
+        <p:nvSpPr>
+          <p:cNvPr id="8" name="流程图: 手动操作 7">
+            <a:extLst>
+              <a:ext uri="{FF2B5EF4-FFF2-40B4-BE49-F238E27FC236}">
+                <a16:creationId xmlns:a16="http://schemas.microsoft.com/office/drawing/2014/main" id="{26E16076-441C-7E7C-CF4F-40195E5BFF35}"/>
+              </a:ext>
+            </a:extLst>
+          </p:cNvPr>
+          <p:cNvSpPr/>
+          <p:nvPr/>
+        </p:nvSpPr>
+        <p:spPr>
+          <a:xfrm rot="16200000" flipV="1">
+            <a:off x="15623191" y="2876053"/>
+            <a:ext cx="1625137" cy="354635"/>
+          </a:xfrm>
+          <a:prstGeom prst="flowChartManualOperation">
+            <a:avLst/>
+          </a:prstGeom>
+          <a:solidFill>
+            <a:schemeClr val="tx2">
+              <a:lumMod val="10000"/>
+              <a:lumOff val="90000"/>
+            </a:schemeClr>
+          </a:solidFill>
+        </p:spPr>
+        <p:style>
+          <a:lnRef idx="2">
+            <a:schemeClr val="accent1">
+              <a:shade val="15000"/>
+            </a:schemeClr>
+          </a:lnRef>
+          <a:fillRef idx="1">
+            <a:schemeClr val="accent1"/>
+          </a:fillRef>
+          <a:effectRef idx="0">
+            <a:schemeClr val="accent1"/>
+          </a:effectRef>
+          <a:fontRef idx="minor">
+            <a:schemeClr val="lt1"/>
+          </a:fontRef>
+        </p:style>
+        <p:txBody>
+          <a:bodyPr rtlCol="0" anchor="ctr"/>
+          <a:lstStyle/>
+          <a:p>
+            <a:pPr algn="ctr"/>
+            <a:endParaRPr lang="zh-CN" altLang="en-US"/>
+          </a:p>
+        </p:txBody>
+      </p:sp>
+      <mc:AlternateContent xmlns:mc="http://schemas.openxmlformats.org/markup-compatibility/2006" xmlns:a14="http://schemas.microsoft.com/office/drawing/2010/main">
+        <mc:Choice Requires="a14">
+          <p:sp>
+            <p:nvSpPr>
+              <p:cNvPr id="9" name="文本框 8">
+                <a:extLst>
+                  <a:ext uri="{FF2B5EF4-FFF2-40B4-BE49-F238E27FC236}">
+                    <a16:creationId xmlns:a16="http://schemas.microsoft.com/office/drawing/2014/main" id="{C5EEC1D6-8C7F-D549-444E-AB9CFE55EE3A}"/>
+                  </a:ext>
+                </a:extLst>
+              </p:cNvPr>
+              <p:cNvSpPr txBox="1"/>
+              <p:nvPr/>
+            </p:nvSpPr>
+            <p:spPr>
+              <a:xfrm>
+                <a:off x="15190345" y="3007179"/>
+                <a:ext cx="325089" cy="430887"/>
+              </a:xfrm>
+              <a:prstGeom prst="rect">
+                <a:avLst/>
+              </a:prstGeom>
+              <a:noFill/>
+            </p:spPr>
+            <p:txBody>
+              <a:bodyPr wrap="none" lIns="0" tIns="0" rIns="0" bIns="0" rtlCol="0">
+                <a:spAutoFit/>
+              </a:bodyPr>
+              <a:lstStyle/>
+              <a:p>
+                <a:pPr/>
+                <a14:m>
+                  <m:oMathPara xmlns:m="http://schemas.openxmlformats.org/officeDocument/2006/math">
+                    <m:oMathParaPr>
+                      <m:jc m:val="centerGroup"/>
+                    </m:oMathParaPr>
+                    <m:oMath xmlns:m="http://schemas.openxmlformats.org/officeDocument/2006/math">
+                      <m:r>
+                        <a:rPr lang="zh-CN" altLang="en-US" sz="2800" i="1" smtClean="0">
+                          <a:latin typeface="Cambria Math" panose="02040503050406030204" pitchFamily="18" charset="0"/>
+                        </a:rPr>
+                        <m:t>𝜑</m:t>
+                      </m:r>
+                    </m:oMath>
+                  </m:oMathPara>
+                </a14:m>
+                <a:endParaRPr lang="zh-CN" altLang="en-US" dirty="0"/>
+              </a:p>
+            </p:txBody>
+          </p:sp>
+        </mc:Choice>
+        <mc:Fallback xmlns="">
+          <p:sp>
+            <p:nvSpPr>
+              <p:cNvPr id="9" name="文本框 8">
+                <a:extLst>
+                  <a:ext uri="{FF2B5EF4-FFF2-40B4-BE49-F238E27FC236}">
+                    <a16:creationId xmlns:a16="http://schemas.microsoft.com/office/drawing/2014/main" id="{C5EEC1D6-8C7F-D549-444E-AB9CFE55EE3A}"/>
+                  </a:ext>
+                </a:extLst>
+              </p:cNvPr>
+              <p:cNvSpPr txBox="1">
+                <a:spLocks noRot="1" noChangeAspect="1" noMove="1" noResize="1" noEditPoints="1" noAdjustHandles="1" noChangeArrowheads="1" noChangeShapeType="1" noTextEdit="1"/>
+              </p:cNvSpPr>
+              <p:nvPr/>
+            </p:nvSpPr>
+            <p:spPr>
+              <a:xfrm>
+                <a:off x="15190345" y="3007179"/>
+                <a:ext cx="325089" cy="430887"/>
+              </a:xfrm>
+              <a:prstGeom prst="rect">
+                <a:avLst/>
+              </a:prstGeom>
+              <a:blipFill>
+                <a:blip r:embed="rId4"/>
+                <a:stretch>
+                  <a:fillRect/>
+                </a:stretch>
+              </a:blipFill>
+            </p:spPr>
+            <p:txBody>
+              <a:bodyPr/>
+              <a:lstStyle/>
+              <a:p>
+                <a:r>
+                  <a:rPr lang="zh-CN" altLang="en-US">
+                    <a:noFill/>
+                  </a:rPr>
+                  <a:t> </a:t>
+                </a:r>
+              </a:p>
+            </p:txBody>
+          </p:sp>
+        </mc:Fallback>
+      </mc:AlternateContent>
+      <p:sp>
+        <p:nvSpPr>
+          <p:cNvPr id="12" name="流程图: 手动操作 11">
+            <a:extLst>
+              <a:ext uri="{FF2B5EF4-FFF2-40B4-BE49-F238E27FC236}">
+                <a16:creationId xmlns:a16="http://schemas.microsoft.com/office/drawing/2014/main" id="{4F40F990-C5F4-2268-7559-EBF1415AA28C}"/>
+              </a:ext>
+            </a:extLst>
+          </p:cNvPr>
+          <p:cNvSpPr/>
+          <p:nvPr/>
+        </p:nvSpPr>
+        <p:spPr>
+          <a:xfrm rot="16200000">
+            <a:off x="1801268" y="2669068"/>
+            <a:ext cx="1625137" cy="768605"/>
+          </a:xfrm>
+          <a:prstGeom prst="flowChartManualOperation">
+            <a:avLst/>
+          </a:prstGeom>
+          <a:solidFill>
+            <a:schemeClr val="accent3">
+              <a:lumMod val="40000"/>
+              <a:lumOff val="60000"/>
+              <a:alpha val="36000"/>
+            </a:schemeClr>
+          </a:solidFill>
+        </p:spPr>
+        <p:style>
+          <a:lnRef idx="2">
+            <a:schemeClr val="accent1">
+              <a:shade val="15000"/>
+            </a:schemeClr>
+          </a:lnRef>
+          <a:fillRef idx="1">
+            <a:schemeClr val="accent1"/>
+          </a:fillRef>
+          <a:effectRef idx="0">
+            <a:schemeClr val="accent1"/>
+          </a:effectRef>
+          <a:fontRef idx="minor">
+            <a:schemeClr val="lt1"/>
+          </a:fontRef>
+        </p:style>
+        <p:txBody>
+          <a:bodyPr rtlCol="0" anchor="ctr"/>
+          <a:lstStyle/>
+          <a:p>
+            <a:pPr algn="ctr"/>
+            <a:endParaRPr lang="zh-CN" altLang="en-US"/>
+          </a:p>
+        </p:txBody>
+      </p:sp>
+      <p:sp>
+        <p:nvSpPr>
+          <p:cNvPr id="13" name="流程图: 手动操作 12">
+            <a:extLst>
+              <a:ext uri="{FF2B5EF4-FFF2-40B4-BE49-F238E27FC236}">
+                <a16:creationId xmlns:a16="http://schemas.microsoft.com/office/drawing/2014/main" id="{5CD2CA08-EE64-CE5A-CE74-F54EAC2CB605}"/>
+              </a:ext>
+            </a:extLst>
+          </p:cNvPr>
+          <p:cNvSpPr/>
+          <p:nvPr/>
+        </p:nvSpPr>
+        <p:spPr>
+          <a:xfrm rot="16200000" flipV="1">
+            <a:off x="2569872" y="2669067"/>
+            <a:ext cx="1625137" cy="768604"/>
+          </a:xfrm>
+          <a:prstGeom prst="flowChartManualOperation">
+            <a:avLst/>
+          </a:prstGeom>
+          <a:solidFill>
+            <a:schemeClr val="accent3">
+              <a:lumMod val="40000"/>
+              <a:lumOff val="60000"/>
+              <a:alpha val="36000"/>
+            </a:schemeClr>
+          </a:solidFill>
+        </p:spPr>
+        <p:style>
+          <a:lnRef idx="2">
+            <a:schemeClr val="accent1">
+              <a:shade val="15000"/>
+            </a:schemeClr>
+          </a:lnRef>
+          <a:fillRef idx="1">
+            <a:schemeClr val="accent1"/>
+          </a:fillRef>
+          <a:effectRef idx="0">
+            <a:schemeClr val="accent1"/>
+          </a:effectRef>
+          <a:fontRef idx="minor">
+            <a:schemeClr val="lt1"/>
+          </a:fontRef>
+        </p:style>
+        <p:txBody>
+          <a:bodyPr rtlCol="0" anchor="ctr"/>
+          <a:lstStyle/>
+          <a:p>
+            <a:pPr algn="ctr"/>
+            <a:endParaRPr lang="zh-CN" altLang="en-US"/>
+          </a:p>
+        </p:txBody>
+      </p:sp>
+      <mc:AlternateContent xmlns:mc="http://schemas.openxmlformats.org/markup-compatibility/2006" xmlns:a14="http://schemas.microsoft.com/office/drawing/2010/main">
+        <mc:Choice Requires="a14">
+          <p:sp>
+            <p:nvSpPr>
+              <p:cNvPr id="14" name="文本框 13">
+                <a:extLst>
+                  <a:ext uri="{FF2B5EF4-FFF2-40B4-BE49-F238E27FC236}">
+                    <a16:creationId xmlns:a16="http://schemas.microsoft.com/office/drawing/2014/main" id="{6B4D09B4-9554-26F9-14E5-565A8DFA0C54}"/>
+                  </a:ext>
+                </a:extLst>
+              </p:cNvPr>
+              <p:cNvSpPr txBox="1"/>
+              <p:nvPr/>
+            </p:nvSpPr>
+            <p:spPr>
+              <a:xfrm>
+                <a:off x="2452260" y="2915556"/>
+                <a:ext cx="286232" cy="430887"/>
+              </a:xfrm>
+              <a:prstGeom prst="rect">
+                <a:avLst/>
+              </a:prstGeom>
+              <a:noFill/>
+            </p:spPr>
+            <p:txBody>
+              <a:bodyPr wrap="none" lIns="0" tIns="0" rIns="0" bIns="0" rtlCol="0">
+                <a:spAutoFit/>
+              </a:bodyPr>
+              <a:lstStyle/>
+              <a:p>
+                <a:pPr/>
+                <a14:m>
+                  <m:oMathPara xmlns:m="http://schemas.openxmlformats.org/officeDocument/2006/math">
+                    <m:oMathParaPr>
+                      <m:jc m:val="centerGroup"/>
+                    </m:oMathParaPr>
+                    <m:oMath xmlns:m="http://schemas.openxmlformats.org/officeDocument/2006/math">
+                      <m:r>
+                        <a:rPr lang="zh-CN" altLang="en-US" sz="2800" i="1" smtClean="0">
+                          <a:latin typeface="Cambria Math" panose="02040503050406030204" pitchFamily="18" charset="0"/>
+                        </a:rPr>
+                        <m:t>𝜃</m:t>
+                      </m:r>
+                    </m:oMath>
+                  </m:oMathPara>
+                </a14:m>
+                <a:endParaRPr lang="zh-CN" altLang="en-US" dirty="0"/>
+              </a:p>
+            </p:txBody>
+          </p:sp>
+        </mc:Choice>
+        <mc:Fallback xmlns="">
+          <p:sp>
+            <p:nvSpPr>
+              <p:cNvPr id="14" name="文本框 13">
+                <a:extLst>
+                  <a:ext uri="{FF2B5EF4-FFF2-40B4-BE49-F238E27FC236}">
+                    <a16:creationId xmlns:a16="http://schemas.microsoft.com/office/drawing/2014/main" id="{6B4D09B4-9554-26F9-14E5-565A8DFA0C54}"/>
+                  </a:ext>
+                </a:extLst>
+              </p:cNvPr>
+              <p:cNvSpPr txBox="1">
+                <a:spLocks noRot="1" noChangeAspect="1" noMove="1" noResize="1" noEditPoints="1" noAdjustHandles="1" noChangeArrowheads="1" noChangeShapeType="1" noTextEdit="1"/>
+              </p:cNvSpPr>
+              <p:nvPr/>
+            </p:nvSpPr>
+            <p:spPr>
+              <a:xfrm>
+                <a:off x="2452260" y="2915556"/>
+                <a:ext cx="286232" cy="430887"/>
+              </a:xfrm>
+              <a:prstGeom prst="rect">
+                <a:avLst/>
+              </a:prstGeom>
+              <a:blipFill>
+                <a:blip r:embed="rId5"/>
+                <a:stretch>
+                  <a:fillRect/>
+                </a:stretch>
+              </a:blipFill>
+            </p:spPr>
+            <p:txBody>
+              <a:bodyPr/>
+              <a:lstStyle/>
+              <a:p>
+                <a:r>
+                  <a:rPr lang="zh-CN" altLang="en-US">
+                    <a:noFill/>
+                  </a:rPr>
+                  <a:t> </a:t>
+                </a:r>
+              </a:p>
+            </p:txBody>
+          </p:sp>
+        </mc:Fallback>
+      </mc:AlternateContent>
+      <p:sp>
+        <p:nvSpPr>
+          <p:cNvPr id="16" name="文本框 15">
+            <a:extLst>
+              <a:ext uri="{FF2B5EF4-FFF2-40B4-BE49-F238E27FC236}">
+                <a16:creationId xmlns:a16="http://schemas.microsoft.com/office/drawing/2014/main" id="{B71FB1A8-EA8E-1FA7-43D1-A66376A5EB63}"/>
+              </a:ext>
+            </a:extLst>
+          </p:cNvPr>
+          <p:cNvSpPr txBox="1"/>
+          <p:nvPr/>
+        </p:nvSpPr>
+        <p:spPr>
+          <a:xfrm>
+            <a:off x="2339662" y="1548302"/>
+            <a:ext cx="1414170" cy="461665"/>
+          </a:xfrm>
+          <a:prstGeom prst="rect">
+            <a:avLst/>
+          </a:prstGeom>
+          <a:noFill/>
+        </p:spPr>
+        <p:txBody>
+          <a:bodyPr wrap="none" rtlCol="0">
+            <a:spAutoFit/>
+          </a:bodyPr>
+          <a:lstStyle/>
+          <a:p>
+            <a:r>
+              <a:rPr lang="en-US" altLang="zh-CN" sz="2400" dirty="0">
+                <a:latin typeface="Times New Roman" panose="02020603050405020304" pitchFamily="18" charset="0"/>
+                <a:cs typeface="Times New Roman" panose="02020603050405020304" pitchFamily="18" charset="0"/>
+              </a:rPr>
+              <a:t>Generator</a:t>
+            </a:r>
+            <a:endParaRPr lang="zh-CN" altLang="en-US" sz="2400" dirty="0">
+              <a:latin typeface="Times New Roman" panose="02020603050405020304" pitchFamily="18" charset="0"/>
+              <a:cs typeface="Times New Roman" panose="02020603050405020304" pitchFamily="18" charset="0"/>
+            </a:endParaRPr>
+          </a:p>
+        </p:txBody>
+      </p:sp>
+      <p:sp>
+        <p:nvSpPr>
+          <p:cNvPr id="17" name="文本框 16">
+            <a:extLst>
+              <a:ext uri="{FF2B5EF4-FFF2-40B4-BE49-F238E27FC236}">
+                <a16:creationId xmlns:a16="http://schemas.microsoft.com/office/drawing/2014/main" id="{6EC45EB5-2D90-25C7-0E51-A89A6771A508}"/>
+              </a:ext>
+            </a:extLst>
+          </p:cNvPr>
+          <p:cNvSpPr txBox="1"/>
+          <p:nvPr/>
+        </p:nvSpPr>
+        <p:spPr>
+          <a:xfrm>
+            <a:off x="15404086" y="1548301"/>
+            <a:ext cx="1152239" cy="461665"/>
+          </a:xfrm>
+          <a:prstGeom prst="rect">
+            <a:avLst/>
+          </a:prstGeom>
+          <a:noFill/>
+        </p:spPr>
+        <p:txBody>
+          <a:bodyPr wrap="none" rtlCol="0">
+            <a:spAutoFit/>
+          </a:bodyPr>
+          <a:lstStyle/>
+          <a:p>
+            <a:r>
+              <a:rPr lang="en-US" altLang="zh-CN" sz="2400" dirty="0">
+                <a:latin typeface="Times New Roman" panose="02020603050405020304" pitchFamily="18" charset="0"/>
+                <a:cs typeface="Times New Roman" panose="02020603050405020304" pitchFamily="18" charset="0"/>
+              </a:rPr>
+              <a:t>Teacher</a:t>
+            </a:r>
+            <a:endParaRPr lang="zh-CN" altLang="en-US" sz="2400" dirty="0">
+              <a:latin typeface="Times New Roman" panose="02020603050405020304" pitchFamily="18" charset="0"/>
+              <a:cs typeface="Times New Roman" panose="02020603050405020304" pitchFamily="18" charset="0"/>
+            </a:endParaRPr>
+          </a:p>
+        </p:txBody>
+      </p:sp>
+      <p:cxnSp>
+        <p:nvCxnSpPr>
+          <p:cNvPr id="19" name="直接箭头连接符 18">
+            <a:extLst>
+              <a:ext uri="{FF2B5EF4-FFF2-40B4-BE49-F238E27FC236}">
+                <a16:creationId xmlns:a16="http://schemas.microsoft.com/office/drawing/2014/main" id="{25BBC1B5-EBEA-12C2-DD5A-A62472D4550D}"/>
+              </a:ext>
+            </a:extLst>
+          </p:cNvPr>
+          <p:cNvCxnSpPr>
+            <a:cxnSpLocks/>
+            <a:stCxn id="13" idx="0"/>
+            <a:endCxn id="4" idx="1"/>
+          </p:cNvCxnSpPr>
+          <p:nvPr/>
+        </p:nvCxnSpPr>
+        <p:spPr>
+          <a:xfrm>
+            <a:off x="3766743" y="3053369"/>
+            <a:ext cx="1869311" cy="3"/>
+          </a:xfrm>
+          <a:prstGeom prst="straightConnector1">
+            <a:avLst/>
+          </a:prstGeom>
+          <a:ln w="19050">
+            <a:solidFill>
+              <a:schemeClr val="tx1"/>
+            </a:solidFill>
+            <a:tailEnd type="triangle"/>
+          </a:ln>
+        </p:spPr>
+        <p:style>
+          <a:lnRef idx="2">
+            <a:schemeClr val="accent1"/>
+          </a:lnRef>
+          <a:fillRef idx="0">
+            <a:schemeClr val="accent1"/>
+          </a:fillRef>
+          <a:effectRef idx="1">
+            <a:schemeClr val="accent1"/>
+          </a:effectRef>
+          <a:fontRef idx="minor">
+            <a:schemeClr val="tx1"/>
+          </a:fontRef>
+        </p:style>
+      </p:cxnSp>
+      <p:cxnSp>
+        <p:nvCxnSpPr>
+          <p:cNvPr id="22" name="直接箭头连接符 21">
+            <a:extLst>
+              <a:ext uri="{FF2B5EF4-FFF2-40B4-BE49-F238E27FC236}">
+                <a16:creationId xmlns:a16="http://schemas.microsoft.com/office/drawing/2014/main" id="{674EAC0E-1F27-BAB0-CA7D-4CBECA5E2C31}"/>
+              </a:ext>
+            </a:extLst>
+          </p:cNvPr>
+          <p:cNvCxnSpPr>
+            <a:cxnSpLocks/>
+            <a:stCxn id="4" idx="3"/>
+            <a:endCxn id="5" idx="1"/>
+          </p:cNvCxnSpPr>
+          <p:nvPr/>
+        </p:nvCxnSpPr>
+        <p:spPr>
+          <a:xfrm>
+            <a:off x="7261192" y="3053372"/>
+            <a:ext cx="4402833" cy="1"/>
+          </a:xfrm>
+          <a:prstGeom prst="straightConnector1">
+            <a:avLst/>
+          </a:prstGeom>
+          <a:ln w="19050">
+            <a:solidFill>
+              <a:schemeClr val="tx1"/>
+            </a:solidFill>
+            <a:tailEnd type="triangle"/>
+          </a:ln>
+        </p:spPr>
+        <p:style>
+          <a:lnRef idx="2">
+            <a:schemeClr val="accent1"/>
+          </a:lnRef>
+          <a:fillRef idx="0">
+            <a:schemeClr val="accent1"/>
+          </a:fillRef>
+          <a:effectRef idx="1">
+            <a:schemeClr val="accent1"/>
+          </a:effectRef>
+          <a:fontRef idx="minor">
+            <a:schemeClr val="tx1"/>
+          </a:fontRef>
+        </p:style>
+      </p:cxnSp>
+      <p:cxnSp>
+        <p:nvCxnSpPr>
+          <p:cNvPr id="25" name="直接箭头连接符 24">
+            <a:extLst>
+              <a:ext uri="{FF2B5EF4-FFF2-40B4-BE49-F238E27FC236}">
+                <a16:creationId xmlns:a16="http://schemas.microsoft.com/office/drawing/2014/main" id="{0D65B4E9-D34D-C083-D5D4-EA63B4AA5B75}"/>
+              </a:ext>
+            </a:extLst>
+          </p:cNvPr>
+          <p:cNvCxnSpPr>
+            <a:cxnSpLocks/>
+            <a:stCxn id="5" idx="3"/>
+            <a:endCxn id="7" idx="0"/>
+          </p:cNvCxnSpPr>
+          <p:nvPr/>
+        </p:nvCxnSpPr>
+        <p:spPr>
+          <a:xfrm flipV="1">
+            <a:off x="13289162" y="3053372"/>
+            <a:ext cx="1877195" cy="1"/>
+          </a:xfrm>
+          <a:prstGeom prst="straightConnector1">
+            <a:avLst/>
+          </a:prstGeom>
+          <a:ln w="19050">
+            <a:solidFill>
+              <a:schemeClr val="tx1"/>
+            </a:solidFill>
+            <a:tailEnd type="triangle"/>
+          </a:ln>
+        </p:spPr>
+        <p:style>
+          <a:lnRef idx="2">
+            <a:schemeClr val="accent1"/>
+          </a:lnRef>
+          <a:fillRef idx="0">
+            <a:schemeClr val="accent1"/>
+          </a:fillRef>
+          <a:effectRef idx="1">
+            <a:schemeClr val="accent1"/>
+          </a:effectRef>
+          <a:fontRef idx="minor">
+            <a:schemeClr val="tx1"/>
+          </a:fontRef>
+        </p:style>
+      </p:cxnSp>
+      <p:cxnSp>
+        <p:nvCxnSpPr>
+          <p:cNvPr id="28" name="直接箭头连接符 27">
+            <a:extLst>
+              <a:ext uri="{FF2B5EF4-FFF2-40B4-BE49-F238E27FC236}">
+                <a16:creationId xmlns:a16="http://schemas.microsoft.com/office/drawing/2014/main" id="{A8A42522-2003-096C-11E3-BF61C6588A57}"/>
+              </a:ext>
+            </a:extLst>
+          </p:cNvPr>
+          <p:cNvCxnSpPr>
+            <a:cxnSpLocks/>
+            <a:stCxn id="8" idx="0"/>
+            <a:endCxn id="6" idx="1"/>
+          </p:cNvCxnSpPr>
+          <p:nvPr/>
+        </p:nvCxnSpPr>
+        <p:spPr>
+          <a:xfrm>
+            <a:off x="16613077" y="3053370"/>
+            <a:ext cx="1523300" cy="2"/>
+          </a:xfrm>
+          <a:prstGeom prst="straightConnector1">
+            <a:avLst/>
+          </a:prstGeom>
+          <a:ln w="19050">
+            <a:solidFill>
+              <a:schemeClr val="tx1"/>
+            </a:solidFill>
+            <a:tailEnd type="triangle"/>
+          </a:ln>
+        </p:spPr>
+        <p:style>
+          <a:lnRef idx="2">
+            <a:schemeClr val="accent1"/>
+          </a:lnRef>
+          <a:fillRef idx="0">
+            <a:schemeClr val="accent1"/>
+          </a:fillRef>
+          <a:effectRef idx="1">
+            <a:schemeClr val="accent1"/>
+          </a:effectRef>
+          <a:fontRef idx="minor">
+            <a:schemeClr val="tx1"/>
+          </a:fontRef>
+        </p:style>
+      </p:cxnSp>
+      <mc:AlternateContent xmlns:mc="http://schemas.openxmlformats.org/markup-compatibility/2006" xmlns:a14="http://schemas.microsoft.com/office/drawing/2010/main">
+        <mc:Choice Requires="a14">
+          <p:sp>
+            <p:nvSpPr>
+              <p:cNvPr id="32" name="文本框 31">
+                <a:extLst>
+                  <a:ext uri="{FF2B5EF4-FFF2-40B4-BE49-F238E27FC236}">
+                    <a16:creationId xmlns:a16="http://schemas.microsoft.com/office/drawing/2014/main" id="{808AD864-3466-67BB-C634-D6B567610A5E}"/>
+                  </a:ext>
+                </a:extLst>
+              </p:cNvPr>
+              <p:cNvSpPr txBox="1"/>
+              <p:nvPr/>
+            </p:nvSpPr>
+            <p:spPr>
+              <a:xfrm>
+                <a:off x="11465982" y="5050833"/>
+                <a:ext cx="2465611" cy="492443"/>
+              </a:xfrm>
+              <a:prstGeom prst="rect">
+                <a:avLst/>
+              </a:prstGeom>
+              <a:noFill/>
+            </p:spPr>
+            <p:txBody>
+              <a:bodyPr wrap="none" lIns="0" tIns="0" rIns="0" bIns="0" rtlCol="0">
+                <a:spAutoFit/>
+              </a:bodyPr>
+              <a:lstStyle/>
+              <a:p>
+                <a:pPr/>
+                <a14:m>
+                  <m:oMathPara xmlns:m="http://schemas.openxmlformats.org/officeDocument/2006/math">
+                    <m:oMathParaPr>
+                      <m:jc m:val="centerGroup"/>
+                    </m:oMathParaPr>
+                    <m:oMath xmlns:m="http://schemas.openxmlformats.org/officeDocument/2006/math">
+                      <m:acc>
+                        <m:accPr>
+                          <m:chr m:val="̂"/>
+                          <m:ctrlPr>
+                            <a:rPr lang="en-US" altLang="zh-CN" sz="3200" b="0" i="1" smtClean="0">
+                              <a:latin typeface="Cambria Math" panose="02040503050406030204" pitchFamily="18" charset="0"/>
+                            </a:rPr>
+                          </m:ctrlPr>
+                        </m:accPr>
+                        <m:e>
+                          <m:r>
+                            <a:rPr lang="en-US" altLang="zh-CN" sz="3200" b="0" i="1" smtClean="0">
+                              <a:latin typeface="Cambria Math" panose="02040503050406030204" pitchFamily="18" charset="0"/>
+                            </a:rPr>
+                            <m:t>𝑥</m:t>
+                          </m:r>
+                        </m:e>
+                      </m:acc>
+                      <m:d>
+                        <m:dPr>
+                          <m:ctrlPr>
+                            <a:rPr lang="en-US" altLang="zh-CN" sz="3200" i="1" smtClean="0">
+                              <a:latin typeface="Cambria Math" panose="02040503050406030204" pitchFamily="18" charset="0"/>
+                            </a:rPr>
+                          </m:ctrlPr>
+                        </m:dPr>
+                        <m:e>
+                          <m:sSub>
+                            <m:sSubPr>
+                              <m:ctrlPr>
+                                <a:rPr lang="en-US" altLang="zh-CN" sz="3200" b="0" i="1" smtClean="0">
+                                  <a:latin typeface="Cambria Math" panose="02040503050406030204" pitchFamily="18" charset="0"/>
+                                </a:rPr>
+                              </m:ctrlPr>
+                            </m:sSubPr>
+                            <m:e>
+                              <m:r>
+                                <a:rPr lang="en-US" altLang="zh-CN" sz="3200" b="0" i="1" smtClean="0">
+                                  <a:latin typeface="Cambria Math" panose="02040503050406030204" pitchFamily="18" charset="0"/>
+                                </a:rPr>
+                                <m:t>𝑥</m:t>
+                              </m:r>
+                            </m:e>
+                            <m:sub>
+                              <m:r>
+                                <a:rPr lang="en-US" altLang="zh-CN" sz="3200" b="0" i="1" smtClean="0">
+                                  <a:latin typeface="Cambria Math" panose="02040503050406030204" pitchFamily="18" charset="0"/>
+                                </a:rPr>
+                                <m:t>𝑡</m:t>
+                              </m:r>
+                            </m:sub>
+                          </m:sSub>
+                          <m:r>
+                            <a:rPr lang="en-US" altLang="zh-CN" sz="3200" b="0" i="1" smtClean="0">
+                              <a:latin typeface="Cambria Math" panose="02040503050406030204" pitchFamily="18" charset="0"/>
+                            </a:rPr>
+                            <m:t>, </m:t>
+                          </m:r>
+                          <m:r>
+                            <a:rPr lang="en-US" altLang="zh-CN" sz="3200" b="0" i="1" smtClean="0">
+                              <a:latin typeface="Cambria Math" panose="02040503050406030204" pitchFamily="18" charset="0"/>
+                            </a:rPr>
+                            <m:t>𝑡</m:t>
+                          </m:r>
+                          <m:r>
+                            <a:rPr lang="en-US" altLang="zh-CN" sz="3200" b="0" i="1" smtClean="0">
+                              <a:latin typeface="Cambria Math" panose="02040503050406030204" pitchFamily="18" charset="0"/>
+                            </a:rPr>
+                            <m:t>, </m:t>
+                          </m:r>
+                          <m:r>
+                            <a:rPr lang="en-US" altLang="zh-CN" sz="3200" b="0" i="1" smtClean="0">
+                              <a:latin typeface="Cambria Math" panose="02040503050406030204" pitchFamily="18" charset="0"/>
+                            </a:rPr>
+                            <m:t>𝑐</m:t>
+                          </m:r>
+                        </m:e>
+                      </m:d>
+                      <m:r>
+                        <a:rPr lang="en-US" altLang="zh-CN" sz="3200" i="1" smtClean="0">
+                          <a:latin typeface="Cambria Math" panose="02040503050406030204" pitchFamily="18" charset="0"/>
+                          <a:ea typeface="Cambria Math" panose="02040503050406030204" pitchFamily="18" charset="0"/>
+                        </a:rPr>
+                        <m:t>≈</m:t>
+                      </m:r>
+                      <m:r>
+                        <a:rPr lang="en-US" altLang="zh-CN" sz="3200" b="0" i="1" smtClean="0">
+                          <a:latin typeface="Cambria Math" panose="02040503050406030204" pitchFamily="18" charset="0"/>
+                          <a:ea typeface="Cambria Math" panose="02040503050406030204" pitchFamily="18" charset="0"/>
+                        </a:rPr>
+                        <m:t>𝑥</m:t>
+                      </m:r>
+                    </m:oMath>
+                  </m:oMathPara>
+                </a14:m>
+                <a:endParaRPr lang="zh-CN" altLang="en-US" sz="3200" dirty="0"/>
+              </a:p>
+            </p:txBody>
+          </p:sp>
+        </mc:Choice>
+        <mc:Fallback xmlns="">
+          <p:sp>
+            <p:nvSpPr>
+              <p:cNvPr id="32" name="文本框 31">
+                <a:extLst>
+                  <a:ext uri="{FF2B5EF4-FFF2-40B4-BE49-F238E27FC236}">
+                    <a16:creationId xmlns:a16="http://schemas.microsoft.com/office/drawing/2014/main" id="{808AD864-3466-67BB-C634-D6B567610A5E}"/>
+                  </a:ext>
+                </a:extLst>
+              </p:cNvPr>
+              <p:cNvSpPr txBox="1">
+                <a:spLocks noRot="1" noChangeAspect="1" noMove="1" noResize="1" noEditPoints="1" noAdjustHandles="1" noChangeArrowheads="1" noChangeShapeType="1" noTextEdit="1"/>
+              </p:cNvSpPr>
+              <p:nvPr/>
+            </p:nvSpPr>
+            <p:spPr>
+              <a:xfrm>
+                <a:off x="11465982" y="5050833"/>
+                <a:ext cx="2465611" cy="492443"/>
+              </a:xfrm>
+              <a:prstGeom prst="rect">
+                <a:avLst/>
+              </a:prstGeom>
+              <a:blipFill>
+                <a:blip r:embed="rId6"/>
+                <a:stretch>
+                  <a:fillRect/>
+                </a:stretch>
+              </a:blipFill>
+            </p:spPr>
+            <p:txBody>
+              <a:bodyPr/>
+              <a:lstStyle/>
+              <a:p>
+                <a:r>
+                  <a:rPr lang="zh-CN" altLang="en-US">
+                    <a:noFill/>
+                  </a:rPr>
+                  <a:t> </a:t>
+                </a:r>
+              </a:p>
+            </p:txBody>
+          </p:sp>
+        </mc:Fallback>
+      </mc:AlternateContent>
+      <mc:AlternateContent xmlns:mc="http://schemas.openxmlformats.org/markup-compatibility/2006" xmlns:a14="http://schemas.microsoft.com/office/drawing/2010/main">
+        <mc:Choice Requires="a14">
+          <p:sp>
+            <p:nvSpPr>
+              <p:cNvPr id="34" name="文本框 33">
+                <a:extLst>
+                  <a:ext uri="{FF2B5EF4-FFF2-40B4-BE49-F238E27FC236}">
+                    <a16:creationId xmlns:a16="http://schemas.microsoft.com/office/drawing/2014/main" id="{FEA2808B-B2A9-CA9A-F609-F52F0FA10E52}"/>
+                  </a:ext>
+                </a:extLst>
+              </p:cNvPr>
+              <p:cNvSpPr txBox="1"/>
+              <p:nvPr/>
+            </p:nvSpPr>
+            <p:spPr>
+              <a:xfrm>
+                <a:off x="6231722" y="1548301"/>
+                <a:ext cx="433801" cy="523220"/>
+              </a:xfrm>
+              <a:prstGeom prst="rect">
+                <a:avLst/>
+              </a:prstGeom>
+              <a:noFill/>
+            </p:spPr>
+            <p:txBody>
+              <a:bodyPr wrap="square">
+                <a:spAutoFit/>
+              </a:bodyPr>
+              <a:lstStyle/>
+              <a:p>
+                <a:pPr/>
+                <a14:m>
+                  <m:oMathPara xmlns:m="http://schemas.openxmlformats.org/officeDocument/2006/math">
+                    <m:oMathParaPr>
+                      <m:jc m:val="centerGroup"/>
+                    </m:oMathParaPr>
+                    <m:oMath xmlns:m="http://schemas.openxmlformats.org/officeDocument/2006/math">
+                      <m:r>
+                        <a:rPr lang="en-US" altLang="zh-CN" sz="2800" b="0" i="1" smtClean="0">
+                          <a:latin typeface="Cambria Math" panose="02040503050406030204" pitchFamily="18" charset="0"/>
+                          <a:ea typeface="Cambria Math" panose="02040503050406030204" pitchFamily="18" charset="0"/>
+                        </a:rPr>
+                        <m:t>𝑥</m:t>
+                      </m:r>
+                    </m:oMath>
+                  </m:oMathPara>
+                </a14:m>
+                <a:endParaRPr lang="zh-CN" altLang="en-US" dirty="0"/>
+              </a:p>
+            </p:txBody>
+          </p:sp>
+        </mc:Choice>
+        <mc:Fallback xmlns="">
+          <p:sp>
+            <p:nvSpPr>
+              <p:cNvPr id="34" name="文本框 33">
+                <a:extLst>
+                  <a:ext uri="{FF2B5EF4-FFF2-40B4-BE49-F238E27FC236}">
+                    <a16:creationId xmlns:a16="http://schemas.microsoft.com/office/drawing/2014/main" id="{FEA2808B-B2A9-CA9A-F609-F52F0FA10E52}"/>
+                  </a:ext>
+                </a:extLst>
+              </p:cNvPr>
+              <p:cNvSpPr txBox="1">
+                <a:spLocks noRot="1" noChangeAspect="1" noMove="1" noResize="1" noEditPoints="1" noAdjustHandles="1" noChangeArrowheads="1" noChangeShapeType="1" noTextEdit="1"/>
+              </p:cNvSpPr>
+              <p:nvPr/>
+            </p:nvSpPr>
+            <p:spPr>
+              <a:xfrm>
+                <a:off x="6231722" y="1548301"/>
+                <a:ext cx="433801" cy="523220"/>
+              </a:xfrm>
+              <a:prstGeom prst="rect">
+                <a:avLst/>
+              </a:prstGeom>
+              <a:blipFill>
+                <a:blip r:embed="rId7"/>
+                <a:stretch>
+                  <a:fillRect/>
+                </a:stretch>
+              </a:blipFill>
+            </p:spPr>
+            <p:txBody>
+              <a:bodyPr/>
+              <a:lstStyle/>
+              <a:p>
+                <a:r>
+                  <a:rPr lang="zh-CN" altLang="en-US">
+                    <a:noFill/>
+                  </a:rPr>
+                  <a:t> </a:t>
+                </a:r>
+              </a:p>
+            </p:txBody>
+          </p:sp>
+        </mc:Fallback>
+      </mc:AlternateContent>
+      <mc:AlternateContent xmlns:mc="http://schemas.openxmlformats.org/markup-compatibility/2006" xmlns:a14="http://schemas.microsoft.com/office/drawing/2010/main">
+        <mc:Choice Requires="a14">
+          <p:sp>
+            <p:nvSpPr>
+              <p:cNvPr id="35" name="文本框 34">
+                <a:extLst>
+                  <a:ext uri="{FF2B5EF4-FFF2-40B4-BE49-F238E27FC236}">
+                    <a16:creationId xmlns:a16="http://schemas.microsoft.com/office/drawing/2014/main" id="{A8EB32E6-F34A-D5C5-D4D0-103B5B14C55C}"/>
+                  </a:ext>
+                </a:extLst>
+              </p:cNvPr>
+              <p:cNvSpPr txBox="1"/>
+              <p:nvPr/>
+            </p:nvSpPr>
+            <p:spPr>
+              <a:xfrm>
+                <a:off x="12175322" y="1548301"/>
+                <a:ext cx="433801" cy="523220"/>
+              </a:xfrm>
+              <a:prstGeom prst="rect">
+                <a:avLst/>
+              </a:prstGeom>
+              <a:noFill/>
+            </p:spPr>
+            <p:txBody>
+              <a:bodyPr wrap="square">
+                <a:spAutoFit/>
+              </a:bodyPr>
+              <a:lstStyle/>
+              <a:p>
+                <a:pPr/>
+                <a14:m>
+                  <m:oMathPara xmlns:m="http://schemas.openxmlformats.org/officeDocument/2006/math">
+                    <m:oMathParaPr>
+                      <m:jc m:val="centerGroup"/>
+                    </m:oMathParaPr>
+                    <m:oMath xmlns:m="http://schemas.openxmlformats.org/officeDocument/2006/math">
+                      <m:sSub>
+                        <m:sSubPr>
+                          <m:ctrlPr>
+                            <a:rPr lang="en-US" altLang="zh-CN" sz="2800" b="0" i="1" smtClean="0">
+                              <a:latin typeface="Cambria Math" panose="02040503050406030204" pitchFamily="18" charset="0"/>
+                              <a:ea typeface="Cambria Math" panose="02040503050406030204" pitchFamily="18" charset="0"/>
+                            </a:rPr>
+                          </m:ctrlPr>
+                        </m:sSubPr>
+                        <m:e>
+                          <m:r>
+                            <a:rPr lang="en-US" altLang="zh-CN" sz="2800" b="0" i="1" smtClean="0">
+                              <a:latin typeface="Cambria Math" panose="02040503050406030204" pitchFamily="18" charset="0"/>
+                              <a:ea typeface="Cambria Math" panose="02040503050406030204" pitchFamily="18" charset="0"/>
+                            </a:rPr>
+                            <m:t>𝑥</m:t>
+                          </m:r>
+                        </m:e>
+                        <m:sub>
+                          <m:r>
+                            <a:rPr lang="en-US" altLang="zh-CN" sz="2800" b="0" i="1" smtClean="0">
+                              <a:latin typeface="Cambria Math" panose="02040503050406030204" pitchFamily="18" charset="0"/>
+                              <a:ea typeface="Cambria Math" panose="02040503050406030204" pitchFamily="18" charset="0"/>
+                            </a:rPr>
+                            <m:t>𝑡</m:t>
+                          </m:r>
+                        </m:sub>
+                      </m:sSub>
+                    </m:oMath>
+                  </m:oMathPara>
+                </a14:m>
+                <a:endParaRPr lang="zh-CN" altLang="en-US" dirty="0"/>
+              </a:p>
+            </p:txBody>
+          </p:sp>
+        </mc:Choice>
+        <mc:Fallback xmlns="">
+          <p:sp>
+            <p:nvSpPr>
+              <p:cNvPr id="35" name="文本框 34">
+                <a:extLst>
+                  <a:ext uri="{FF2B5EF4-FFF2-40B4-BE49-F238E27FC236}">
+                    <a16:creationId xmlns:a16="http://schemas.microsoft.com/office/drawing/2014/main" id="{A8EB32E6-F34A-D5C5-D4D0-103B5B14C55C}"/>
+                  </a:ext>
+                </a:extLst>
+              </p:cNvPr>
+              <p:cNvSpPr txBox="1">
+                <a:spLocks noRot="1" noChangeAspect="1" noMove="1" noResize="1" noEditPoints="1" noAdjustHandles="1" noChangeArrowheads="1" noChangeShapeType="1" noTextEdit="1"/>
+              </p:cNvSpPr>
+              <p:nvPr/>
+            </p:nvSpPr>
+            <p:spPr>
+              <a:xfrm>
+                <a:off x="12175322" y="1548301"/>
+                <a:ext cx="433801" cy="523220"/>
+              </a:xfrm>
+              <a:prstGeom prst="rect">
+                <a:avLst/>
+              </a:prstGeom>
+              <a:blipFill>
+                <a:blip r:embed="rId8"/>
+                <a:stretch>
+                  <a:fillRect/>
+                </a:stretch>
+              </a:blipFill>
+            </p:spPr>
+            <p:txBody>
+              <a:bodyPr/>
+              <a:lstStyle/>
+              <a:p>
+                <a:r>
+                  <a:rPr lang="zh-CN" altLang="en-US">
+                    <a:noFill/>
+                  </a:rPr>
+                  <a:t> </a:t>
+                </a:r>
+              </a:p>
+            </p:txBody>
+          </p:sp>
+        </mc:Fallback>
+      </mc:AlternateContent>
+      <mc:AlternateContent xmlns:mc="http://schemas.openxmlformats.org/markup-compatibility/2006" xmlns:a14="http://schemas.microsoft.com/office/drawing/2010/main">
+        <mc:Choice Requires="a14">
+          <p:sp>
+            <p:nvSpPr>
+              <p:cNvPr id="37" name="文本框 36">
+                <a:extLst>
+                  <a:ext uri="{FF2B5EF4-FFF2-40B4-BE49-F238E27FC236}">
+                    <a16:creationId xmlns:a16="http://schemas.microsoft.com/office/drawing/2014/main" id="{31AFAF9C-FA03-C495-EB64-F4ADFFBCD2B0}"/>
+                  </a:ext>
+                </a:extLst>
+              </p:cNvPr>
+              <p:cNvSpPr txBox="1"/>
+              <p:nvPr/>
+            </p:nvSpPr>
+            <p:spPr>
+              <a:xfrm>
+                <a:off x="18194203" y="1548301"/>
+                <a:ext cx="1509486" cy="523220"/>
+              </a:xfrm>
+              <a:prstGeom prst="rect">
+                <a:avLst/>
+              </a:prstGeom>
+              <a:noFill/>
+            </p:spPr>
+            <p:txBody>
+              <a:bodyPr wrap="square">
+                <a:spAutoFit/>
+              </a:bodyPr>
+              <a:lstStyle/>
+              <a:p>
+                <a:pPr/>
+                <a14:m>
+                  <m:oMathPara xmlns:m="http://schemas.openxmlformats.org/officeDocument/2006/math">
+                    <m:oMathParaPr>
+                      <m:jc m:val="centerGroup"/>
+                    </m:oMathParaPr>
+                    <m:oMath xmlns:m="http://schemas.openxmlformats.org/officeDocument/2006/math">
+                      <m:acc>
+                        <m:accPr>
+                          <m:chr m:val="̂"/>
+                          <m:ctrlPr>
+                            <a:rPr lang="en-US" altLang="zh-CN" sz="2800" b="0" i="1" smtClean="0">
+                              <a:latin typeface="Cambria Math" panose="02040503050406030204" pitchFamily="18" charset="0"/>
+                            </a:rPr>
+                          </m:ctrlPr>
+                        </m:accPr>
+                        <m:e>
+                          <m:r>
+                            <a:rPr lang="en-US" altLang="zh-CN" sz="2800" b="0" i="1" smtClean="0">
+                              <a:latin typeface="Cambria Math" panose="02040503050406030204" pitchFamily="18" charset="0"/>
+                            </a:rPr>
+                            <m:t>𝑥</m:t>
+                          </m:r>
+                        </m:e>
+                      </m:acc>
+                      <m:d>
+                        <m:dPr>
+                          <m:ctrlPr>
+                            <a:rPr lang="en-US" altLang="zh-CN" sz="2800" i="1" smtClean="0">
+                              <a:latin typeface="Cambria Math" panose="02040503050406030204" pitchFamily="18" charset="0"/>
+                            </a:rPr>
+                          </m:ctrlPr>
+                        </m:dPr>
+                        <m:e>
+                          <m:sSub>
+                            <m:sSubPr>
+                              <m:ctrlPr>
+                                <a:rPr lang="en-US" altLang="zh-CN" sz="2800" b="0" i="1" smtClean="0">
+                                  <a:latin typeface="Cambria Math" panose="02040503050406030204" pitchFamily="18" charset="0"/>
+                                </a:rPr>
+                              </m:ctrlPr>
+                            </m:sSubPr>
+                            <m:e>
+                              <m:r>
+                                <a:rPr lang="en-US" altLang="zh-CN" sz="2800" b="0" i="1" smtClean="0">
+                                  <a:latin typeface="Cambria Math" panose="02040503050406030204" pitchFamily="18" charset="0"/>
+                                </a:rPr>
+                                <m:t>𝑥</m:t>
+                              </m:r>
+                            </m:e>
+                            <m:sub>
+                              <m:r>
+                                <a:rPr lang="en-US" altLang="zh-CN" sz="2800" b="0" i="1" smtClean="0">
+                                  <a:latin typeface="Cambria Math" panose="02040503050406030204" pitchFamily="18" charset="0"/>
+                                </a:rPr>
+                                <m:t>𝑡</m:t>
+                              </m:r>
+                            </m:sub>
+                          </m:sSub>
+                          <m:r>
+                            <a:rPr lang="en-US" altLang="zh-CN" sz="2800" b="0" i="1" smtClean="0">
+                              <a:latin typeface="Cambria Math" panose="02040503050406030204" pitchFamily="18" charset="0"/>
+                            </a:rPr>
+                            <m:t>, </m:t>
+                          </m:r>
+                          <m:r>
+                            <a:rPr lang="en-US" altLang="zh-CN" sz="2800" b="0" i="1" smtClean="0">
+                              <a:latin typeface="Cambria Math" panose="02040503050406030204" pitchFamily="18" charset="0"/>
+                            </a:rPr>
+                            <m:t>𝑡</m:t>
+                          </m:r>
+                          <m:r>
+                            <a:rPr lang="en-US" altLang="zh-CN" sz="2800" b="0" i="1" smtClean="0">
+                              <a:latin typeface="Cambria Math" panose="02040503050406030204" pitchFamily="18" charset="0"/>
+                            </a:rPr>
+                            <m:t>, </m:t>
+                          </m:r>
+                          <m:r>
+                            <a:rPr lang="en-US" altLang="zh-CN" sz="2800" b="0" i="1" smtClean="0">
+                              <a:latin typeface="Cambria Math" panose="02040503050406030204" pitchFamily="18" charset="0"/>
+                            </a:rPr>
+                            <m:t>𝑐</m:t>
+                          </m:r>
+                        </m:e>
+                      </m:d>
+                    </m:oMath>
+                  </m:oMathPara>
+                </a14:m>
+                <a:endParaRPr lang="zh-CN" altLang="en-US" sz="2800" dirty="0"/>
+              </a:p>
+            </p:txBody>
+          </p:sp>
+        </mc:Choice>
+        <mc:Fallback xmlns="">
+          <p:sp>
+            <p:nvSpPr>
+              <p:cNvPr id="37" name="文本框 36">
+                <a:extLst>
+                  <a:ext uri="{FF2B5EF4-FFF2-40B4-BE49-F238E27FC236}">
+                    <a16:creationId xmlns:a16="http://schemas.microsoft.com/office/drawing/2014/main" id="{31AFAF9C-FA03-C495-EB64-F4ADFFBCD2B0}"/>
+                  </a:ext>
+                </a:extLst>
+              </p:cNvPr>
+              <p:cNvSpPr txBox="1">
+                <a:spLocks noRot="1" noChangeAspect="1" noMove="1" noResize="1" noEditPoints="1" noAdjustHandles="1" noChangeArrowheads="1" noChangeShapeType="1" noTextEdit="1"/>
+              </p:cNvSpPr>
+              <p:nvPr/>
+            </p:nvSpPr>
+            <p:spPr>
+              <a:xfrm>
+                <a:off x="18194203" y="1548301"/>
+                <a:ext cx="1509486" cy="523220"/>
+              </a:xfrm>
+              <a:prstGeom prst="rect">
+                <a:avLst/>
+              </a:prstGeom>
+              <a:blipFill>
+                <a:blip r:embed="rId9"/>
+                <a:stretch>
+                  <a:fillRect/>
+                </a:stretch>
+              </a:blipFill>
+            </p:spPr>
+            <p:txBody>
+              <a:bodyPr/>
+              <a:lstStyle/>
+              <a:p>
+                <a:r>
+                  <a:rPr lang="zh-CN" altLang="en-US">
+                    <a:noFill/>
+                  </a:rPr>
+                  <a:t> </a:t>
+                </a:r>
+              </a:p>
+            </p:txBody>
+          </p:sp>
+        </mc:Fallback>
+      </mc:AlternateContent>
+      <p:cxnSp>
+        <p:nvCxnSpPr>
+          <p:cNvPr id="39" name="直接连接符 38">
+            <a:extLst>
+              <a:ext uri="{FF2B5EF4-FFF2-40B4-BE49-F238E27FC236}">
+                <a16:creationId xmlns:a16="http://schemas.microsoft.com/office/drawing/2014/main" id="{CE0BEA42-EAB3-62CC-6F26-B30260E7455C}"/>
+              </a:ext>
+            </a:extLst>
+          </p:cNvPr>
+          <p:cNvCxnSpPr>
+            <a:cxnSpLocks/>
+            <a:stCxn id="4" idx="2"/>
+          </p:cNvCxnSpPr>
+          <p:nvPr/>
+        </p:nvCxnSpPr>
+        <p:spPr>
+          <a:xfrm flipH="1">
+            <a:off x="6404658" y="3865941"/>
+            <a:ext cx="0" cy="1548000"/>
+          </a:xfrm>
+          <a:prstGeom prst="line">
+            <a:avLst/>
+          </a:prstGeom>
+        </p:spPr>
+        <p:style>
+          <a:lnRef idx="2">
+            <a:schemeClr val="accent1"/>
+          </a:lnRef>
+          <a:fillRef idx="0">
+            <a:schemeClr val="accent1"/>
+          </a:fillRef>
+          <a:effectRef idx="1">
+            <a:schemeClr val="accent1"/>
+          </a:effectRef>
+          <a:fontRef idx="minor">
+            <a:schemeClr val="tx1"/>
+          </a:fontRef>
+        </p:style>
+      </p:cxnSp>
+      <p:cxnSp>
+        <p:nvCxnSpPr>
+          <p:cNvPr id="42" name="直接连接符 41">
+            <a:extLst>
+              <a:ext uri="{FF2B5EF4-FFF2-40B4-BE49-F238E27FC236}">
+                <a16:creationId xmlns:a16="http://schemas.microsoft.com/office/drawing/2014/main" id="{0B1B1208-B508-B003-7AA5-4924E13870E4}"/>
+              </a:ext>
+            </a:extLst>
+          </p:cNvPr>
+          <p:cNvCxnSpPr>
+            <a:cxnSpLocks/>
+          </p:cNvCxnSpPr>
+          <p:nvPr/>
+        </p:nvCxnSpPr>
+        <p:spPr>
+          <a:xfrm flipH="1">
+            <a:off x="18951987" y="3865941"/>
+            <a:ext cx="0" cy="1548000"/>
+          </a:xfrm>
+          <a:prstGeom prst="line">
+            <a:avLst/>
+          </a:prstGeom>
+        </p:spPr>
+        <p:style>
+          <a:lnRef idx="2">
+            <a:schemeClr val="accent1"/>
+          </a:lnRef>
+          <a:fillRef idx="0">
+            <a:schemeClr val="accent1"/>
+          </a:fillRef>
+          <a:effectRef idx="1">
+            <a:schemeClr val="accent1"/>
+          </a:effectRef>
+          <a:fontRef idx="minor">
+            <a:schemeClr val="tx1"/>
+          </a:fontRef>
+        </p:style>
+      </p:cxnSp>
+      <p:cxnSp>
+        <p:nvCxnSpPr>
+          <p:cNvPr id="44" name="直接箭头连接符 43">
+            <a:extLst>
+              <a:ext uri="{FF2B5EF4-FFF2-40B4-BE49-F238E27FC236}">
+                <a16:creationId xmlns:a16="http://schemas.microsoft.com/office/drawing/2014/main" id="{928C5183-3BE5-B575-FAA4-01ED8D13610A}"/>
+              </a:ext>
+            </a:extLst>
+          </p:cNvPr>
+          <p:cNvCxnSpPr>
+            <a:cxnSpLocks/>
+          </p:cNvCxnSpPr>
+          <p:nvPr/>
+        </p:nvCxnSpPr>
+        <p:spPr>
+          <a:xfrm flipH="1">
+            <a:off x="6438841" y="5297055"/>
+            <a:ext cx="4839129" cy="0"/>
+          </a:xfrm>
+          <a:prstGeom prst="straightConnector1">
+            <a:avLst/>
+          </a:prstGeom>
+          <a:ln>
+            <a:tailEnd type="triangle"/>
+          </a:ln>
+        </p:spPr>
+        <p:style>
+          <a:lnRef idx="2">
+            <a:schemeClr val="accent1"/>
+          </a:lnRef>
+          <a:fillRef idx="0">
+            <a:schemeClr val="accent1"/>
+          </a:fillRef>
+          <a:effectRef idx="1">
+            <a:schemeClr val="accent1"/>
+          </a:effectRef>
+          <a:fontRef idx="minor">
+            <a:schemeClr val="tx1"/>
+          </a:fontRef>
+        </p:style>
+      </p:cxnSp>
+      <p:cxnSp>
+        <p:nvCxnSpPr>
+          <p:cNvPr id="48" name="直接箭头连接符 47">
+            <a:extLst>
+              <a:ext uri="{FF2B5EF4-FFF2-40B4-BE49-F238E27FC236}">
+                <a16:creationId xmlns:a16="http://schemas.microsoft.com/office/drawing/2014/main" id="{4CF4EEA6-023D-6B5F-2E19-E7D4817CA06B}"/>
+              </a:ext>
+            </a:extLst>
+          </p:cNvPr>
+          <p:cNvCxnSpPr>
+            <a:cxnSpLocks/>
+          </p:cNvCxnSpPr>
+          <p:nvPr/>
+        </p:nvCxnSpPr>
+        <p:spPr>
+          <a:xfrm flipV="1">
+            <a:off x="14102507" y="5297054"/>
+            <a:ext cx="4795166" cy="1"/>
+          </a:xfrm>
+          <a:prstGeom prst="straightConnector1">
+            <a:avLst/>
+          </a:prstGeom>
+          <a:ln>
+            <a:tailEnd type="triangle"/>
+          </a:ln>
+        </p:spPr>
+        <p:style>
+          <a:lnRef idx="2">
+            <a:schemeClr val="accent1"/>
+          </a:lnRef>
+          <a:fillRef idx="0">
+            <a:schemeClr val="accent1"/>
+          </a:fillRef>
+          <a:effectRef idx="1">
+            <a:schemeClr val="accent1"/>
+          </a:effectRef>
+          <a:fontRef idx="minor">
+            <a:schemeClr val="tx1"/>
+          </a:fontRef>
+        </p:style>
+      </p:cxnSp>
+      <p:sp>
+        <p:nvSpPr>
+          <p:cNvPr id="51" name="文本框 50">
+            <a:extLst>
+              <a:ext uri="{FF2B5EF4-FFF2-40B4-BE49-F238E27FC236}">
+                <a16:creationId xmlns:a16="http://schemas.microsoft.com/office/drawing/2014/main" id="{28EE0E96-1238-0BFE-E8E4-C98FE1F0792B}"/>
+              </a:ext>
+            </a:extLst>
+          </p:cNvPr>
+          <p:cNvSpPr txBox="1"/>
+          <p:nvPr/>
+        </p:nvSpPr>
+        <p:spPr>
+          <a:xfrm>
+            <a:off x="8476421" y="2502879"/>
+            <a:ext cx="1510350" cy="461665"/>
+          </a:xfrm>
+          <a:prstGeom prst="rect">
+            <a:avLst/>
+          </a:prstGeom>
+          <a:noFill/>
+        </p:spPr>
+        <p:txBody>
+          <a:bodyPr wrap="none" rtlCol="0">
+            <a:spAutoFit/>
+          </a:bodyPr>
+          <a:lstStyle/>
+          <a:p>
+            <a:r>
+              <a:rPr lang="en-US" altLang="zh-CN" sz="2400" dirty="0">
+                <a:latin typeface="Times New Roman" panose="02020603050405020304" pitchFamily="18" charset="0"/>
+                <a:cs typeface="Times New Roman" panose="02020603050405020304" pitchFamily="18" charset="0"/>
+              </a:rPr>
+              <a:t>Add Noise</a:t>
+            </a:r>
+            <a:endParaRPr lang="zh-CN" altLang="en-US" sz="2400" dirty="0">
+              <a:latin typeface="Times New Roman" panose="02020603050405020304" pitchFamily="18" charset="0"/>
+              <a:cs typeface="Times New Roman" panose="02020603050405020304" pitchFamily="18" charset="0"/>
+            </a:endParaRPr>
+          </a:p>
+        </p:txBody>
+      </p:sp>
+      <p:sp>
+        <p:nvSpPr>
+          <p:cNvPr id="52" name="文本框 51">
+            <a:extLst>
+              <a:ext uri="{FF2B5EF4-FFF2-40B4-BE49-F238E27FC236}">
+                <a16:creationId xmlns:a16="http://schemas.microsoft.com/office/drawing/2014/main" id="{67AAAC73-0F66-5BFB-852C-9BA4549E34DB}"/>
+              </a:ext>
+            </a:extLst>
+          </p:cNvPr>
+          <p:cNvSpPr txBox="1"/>
+          <p:nvPr/>
+        </p:nvSpPr>
+        <p:spPr>
+          <a:xfrm>
+            <a:off x="13600524" y="2502878"/>
+            <a:ext cx="1192955" cy="461665"/>
+          </a:xfrm>
+          <a:prstGeom prst="rect">
+            <a:avLst/>
+          </a:prstGeom>
+          <a:noFill/>
+        </p:spPr>
+        <p:txBody>
+          <a:bodyPr wrap="none" rtlCol="0">
+            <a:spAutoFit/>
+          </a:bodyPr>
+          <a:lstStyle/>
+          <a:p>
+            <a:r>
+              <a:rPr lang="en-US" altLang="zh-CN" sz="2400" dirty="0">
+                <a:latin typeface="Times New Roman" panose="02020603050405020304" pitchFamily="18" charset="0"/>
+                <a:cs typeface="Times New Roman" panose="02020603050405020304" pitchFamily="18" charset="0"/>
+              </a:rPr>
+              <a:t>Denoise</a:t>
+            </a:r>
+            <a:endParaRPr lang="zh-CN" altLang="en-US" sz="2400" dirty="0">
+              <a:latin typeface="Times New Roman" panose="02020603050405020304" pitchFamily="18" charset="0"/>
+              <a:cs typeface="Times New Roman" panose="02020603050405020304" pitchFamily="18" charset="0"/>
+            </a:endParaRPr>
+          </a:p>
+        </p:txBody>
+      </p:sp>
+      <p:sp>
+        <p:nvSpPr>
+          <p:cNvPr id="54" name="流程图: 手动操作 53">
+            <a:extLst>
+              <a:ext uri="{FF2B5EF4-FFF2-40B4-BE49-F238E27FC236}">
+                <a16:creationId xmlns:a16="http://schemas.microsoft.com/office/drawing/2014/main" id="{1E0A0EE4-AFF0-4B0E-7813-68F3609054CF}"/>
+              </a:ext>
+            </a:extLst>
+          </p:cNvPr>
+          <p:cNvSpPr/>
+          <p:nvPr/>
+        </p:nvSpPr>
+        <p:spPr>
+          <a:xfrm rot="16200000">
+            <a:off x="15264827" y="2927903"/>
+            <a:ext cx="920643" cy="237730"/>
+          </a:xfrm>
+          <a:prstGeom prst="flowChartManualOperation">
+            <a:avLst/>
+          </a:prstGeom>
+          <a:solidFill>
+            <a:schemeClr val="tx2">
+              <a:lumMod val="10000"/>
+              <a:lumOff val="90000"/>
+            </a:schemeClr>
+          </a:solidFill>
+        </p:spPr>
+        <p:style>
+          <a:lnRef idx="2">
+            <a:schemeClr val="accent1">
+              <a:shade val="15000"/>
+            </a:schemeClr>
+          </a:lnRef>
+          <a:fillRef idx="1">
+            <a:schemeClr val="accent1"/>
+          </a:fillRef>
+          <a:effectRef idx="0">
+            <a:schemeClr val="accent1"/>
+          </a:effectRef>
+          <a:fontRef idx="minor">
+            <a:schemeClr val="lt1"/>
+          </a:fontRef>
+        </p:style>
+        <p:txBody>
+          <a:bodyPr rtlCol="0" anchor="ctr"/>
+          <a:lstStyle/>
+          <a:p>
+            <a:pPr algn="ctr"/>
+            <a:endParaRPr lang="zh-CN" altLang="en-US"/>
+          </a:p>
+        </p:txBody>
+      </p:sp>
+      <p:sp>
+        <p:nvSpPr>
+          <p:cNvPr id="56" name="流程图: 手动操作 55">
+            <a:extLst>
+              <a:ext uri="{FF2B5EF4-FFF2-40B4-BE49-F238E27FC236}">
+                <a16:creationId xmlns:a16="http://schemas.microsoft.com/office/drawing/2014/main" id="{E79F837C-CEB0-0080-B905-58C54F2CA62D}"/>
+              </a:ext>
+            </a:extLst>
+          </p:cNvPr>
+          <p:cNvSpPr/>
+          <p:nvPr/>
+        </p:nvSpPr>
+        <p:spPr>
+          <a:xfrm rot="16200000" flipV="1">
+            <a:off x="15583636" y="2923387"/>
+            <a:ext cx="940185" cy="237730"/>
+          </a:xfrm>
+          <a:prstGeom prst="flowChartManualOperation">
+            <a:avLst/>
+          </a:prstGeom>
+          <a:solidFill>
+            <a:schemeClr val="tx2">
+              <a:lumMod val="10000"/>
+              <a:lumOff val="90000"/>
+            </a:schemeClr>
+          </a:solidFill>
+        </p:spPr>
+        <p:style>
+          <a:lnRef idx="2">
+            <a:schemeClr val="accent1">
+              <a:shade val="15000"/>
+            </a:schemeClr>
+          </a:lnRef>
+          <a:fillRef idx="1">
+            <a:schemeClr val="accent1"/>
+          </a:fillRef>
+          <a:effectRef idx="0">
+            <a:schemeClr val="accent1"/>
+          </a:effectRef>
+          <a:fontRef idx="minor">
+            <a:schemeClr val="lt1"/>
+          </a:fontRef>
+        </p:style>
+        <p:txBody>
+          <a:bodyPr rtlCol="0" anchor="ctr"/>
+          <a:lstStyle/>
+          <a:p>
+            <a:pPr algn="ctr"/>
+            <a:endParaRPr lang="zh-CN" altLang="en-US"/>
+          </a:p>
+        </p:txBody>
+      </p:sp>
+      <p:pic>
+        <p:nvPicPr>
+          <p:cNvPr id="61" name="图片 60" descr="形状&#10;&#10;AI 生成的内容可能不正确。">
+            <a:extLst>
+              <a:ext uri="{FF2B5EF4-FFF2-40B4-BE49-F238E27FC236}">
+                <a16:creationId xmlns:a16="http://schemas.microsoft.com/office/drawing/2014/main" id="{7C466C0A-D0C4-58D3-6DF8-2331830A4E93}"/>
+              </a:ext>
+            </a:extLst>
+          </p:cNvPr>
+          <p:cNvPicPr>
+            <a:picLocks noChangeAspect="1"/>
+          </p:cNvPicPr>
+          <p:nvPr/>
+        </p:nvPicPr>
+        <p:blipFill>
+          <a:blip r:embed="rId10">
+            <a:extLst>
+              <a:ext uri="{28A0092B-C50C-407E-A947-70E740481C1C}">
+                <a14:useLocalDpi xmlns:a14="http://schemas.microsoft.com/office/drawing/2010/main" val="0"/>
+              </a:ext>
+            </a:extLst>
+          </a:blip>
+          <a:stretch>
+            <a:fillRect/>
+          </a:stretch>
+        </p:blipFill>
+        <p:spPr>
+          <a:xfrm>
+            <a:off x="16208854" y="3183958"/>
+            <a:ext cx="378392" cy="378392"/>
+          </a:xfrm>
+          <a:prstGeom prst="rect">
+            <a:avLst/>
+          </a:prstGeom>
+        </p:spPr>
+      </p:pic>
+    </p:spTree>
+    <p:extLst>
+      <p:ext uri="{BB962C8B-B14F-4D97-AF65-F5344CB8AC3E}">
+        <p14:creationId xmlns:p14="http://schemas.microsoft.com/office/powerpoint/2010/main" val="2810885825"/>
+      </p:ext>
+    </p:extLst>
+  </p:cSld>
+  <p:clrMapOvr>
+    <a:masterClrMapping/>
+  </p:clrMapOvr>
+</p:sld>
+</file>
+
 <file path=ppt/theme/theme1.xml><?xml version="1.0" encoding="utf-8"?>
 <a:theme xmlns:a="http://schemas.openxmlformats.org/drawingml/2006/main" name="Office 主题​​">
   <a:themeElements>
